--- a/presentation/presentation.pptx
+++ b/presentation/presentation.pptx
@@ -1,12 +1,16 @@
 
 <file path=ppt/presentation.xml><?xml version="1.0" encoding="utf-8"?>
-<p:presentation xmlns:a="http://schemas.openxmlformats.org/drawingml/2006/main" xmlns:r="http://schemas.openxmlformats.org/officeDocument/2006/relationships" xmlns:p="http://schemas.openxmlformats.org/presentationml/2006/main" saveSubsetFonts="1">
+<p:presentation xmlns:a="http://schemas.openxmlformats.org/drawingml/2006/main" xmlns:r="http://schemas.openxmlformats.org/officeDocument/2006/relationships" xmlns:p="http://schemas.openxmlformats.org/presentationml/2006/main" showSpecialPlsOnTitleSld="0" saveSubsetFonts="1">
   <p:sldMasterIdLst>
     <p:sldMasterId id="2147483648" r:id="rId1"/>
   </p:sldMasterIdLst>
+  <p:notesMasterIdLst>
+    <p:notesMasterId r:id="rId5"/>
+  </p:notesMasterIdLst>
   <p:sldIdLst>
     <p:sldId id="256" r:id="rId2"/>
-    <p:sldId id="257" r:id="rId3"/>
+    <p:sldId id="258" r:id="rId3"/>
+    <p:sldId id="260" r:id="rId4"/>
   </p:sldIdLst>
   <p:sldSz cx="9144000" cy="6858000" type="screen4x3"/>
   <p:notesSz cx="6858000" cy="9144000"/>
@@ -108,6 +112,353 @@
 </p:presentation>
 </file>
 
+<file path=ppt/notesMasters/notesMaster1.xml><?xml version="1.0" encoding="utf-8"?>
+<p:notesMaster xmlns:a="http://schemas.openxmlformats.org/drawingml/2006/main" xmlns:r="http://schemas.openxmlformats.org/officeDocument/2006/relationships" xmlns:p="http://schemas.openxmlformats.org/presentationml/2006/main">
+  <p:cSld>
+    <p:bg>
+      <p:bgRef idx="1001">
+        <a:schemeClr val="bg1"/>
+      </p:bgRef>
+    </p:bg>
+    <p:spTree>
+      <p:nvGrpSpPr>
+        <p:cNvPr id="1" name=""/>
+        <p:cNvGrpSpPr/>
+        <p:nvPr/>
+      </p:nvGrpSpPr>
+      <p:grpSpPr>
+        <a:xfrm>
+          <a:off x="0" y="0"/>
+          <a:ext cx="0" cy="0"/>
+          <a:chOff x="0" y="0"/>
+          <a:chExt cx="0" cy="0"/>
+        </a:xfrm>
+      </p:grpSpPr>
+      <p:sp>
+        <p:nvSpPr>
+          <p:cNvPr id="2" name="Верхний колонтитул 1"/>
+          <p:cNvSpPr>
+            <a:spLocks noGrp="1"/>
+          </p:cNvSpPr>
+          <p:nvPr>
+            <p:ph type="hdr" sz="quarter"/>
+          </p:nvPr>
+        </p:nvSpPr>
+        <p:spPr>
+          <a:xfrm>
+            <a:off x="0" y="0"/>
+            <a:ext cx="2971800" cy="457200"/>
+          </a:xfrm>
+          <a:prstGeom prst="rect">
+            <a:avLst/>
+          </a:prstGeom>
+        </p:spPr>
+        <p:txBody>
+          <a:bodyPr vert="horz" lIns="91440" tIns="45720" rIns="91440" bIns="45720" rtlCol="0"/>
+          <a:lstStyle>
+            <a:lvl1pPr algn="l">
+              <a:defRPr sz="1200"/>
+            </a:lvl1pPr>
+          </a:lstStyle>
+          <a:p>
+            <a:endParaRPr lang="ru-RU"/>
+          </a:p>
+        </p:txBody>
+      </p:sp>
+      <p:sp>
+        <p:nvSpPr>
+          <p:cNvPr id="3" name="Дата 2"/>
+          <p:cNvSpPr>
+            <a:spLocks noGrp="1"/>
+          </p:cNvSpPr>
+          <p:nvPr>
+            <p:ph type="dt" idx="1"/>
+          </p:nvPr>
+        </p:nvSpPr>
+        <p:spPr>
+          <a:xfrm>
+            <a:off x="3884613" y="0"/>
+            <a:ext cx="2971800" cy="457200"/>
+          </a:xfrm>
+          <a:prstGeom prst="rect">
+            <a:avLst/>
+          </a:prstGeom>
+        </p:spPr>
+        <p:txBody>
+          <a:bodyPr vert="horz" lIns="91440" tIns="45720" rIns="91440" bIns="45720" rtlCol="0"/>
+          <a:lstStyle>
+            <a:lvl1pPr algn="r">
+              <a:defRPr sz="1200"/>
+            </a:lvl1pPr>
+          </a:lstStyle>
+          <a:p>
+            <a:fld id="{17F83A53-07E1-410B-A130-824697CEF0E2}" type="datetimeFigureOut">
+              <a:rPr lang="ru-RU" smtClean="0"/>
+              <a:t>13.12.2012</a:t>
+            </a:fld>
+            <a:endParaRPr lang="ru-RU"/>
+          </a:p>
+        </p:txBody>
+      </p:sp>
+      <p:sp>
+        <p:nvSpPr>
+          <p:cNvPr id="4" name="Образ слайда 3"/>
+          <p:cNvSpPr>
+            <a:spLocks noGrp="1" noRot="1" noChangeAspect="1"/>
+          </p:cNvSpPr>
+          <p:nvPr>
+            <p:ph type="sldImg" idx="2"/>
+          </p:nvPr>
+        </p:nvSpPr>
+        <p:spPr>
+          <a:xfrm>
+            <a:off x="1143000" y="685800"/>
+            <a:ext cx="4572000" cy="3429000"/>
+          </a:xfrm>
+          <a:prstGeom prst="rect">
+            <a:avLst/>
+          </a:prstGeom>
+          <a:noFill/>
+          <a:ln w="12700">
+            <a:solidFill>
+              <a:prstClr val="black"/>
+            </a:solidFill>
+          </a:ln>
+        </p:spPr>
+        <p:txBody>
+          <a:bodyPr vert="horz" lIns="91440" tIns="45720" rIns="91440" bIns="45720" rtlCol="0" anchor="ctr"/>
+          <a:lstStyle/>
+          <a:p>
+            <a:endParaRPr lang="ru-RU"/>
+          </a:p>
+        </p:txBody>
+      </p:sp>
+      <p:sp>
+        <p:nvSpPr>
+          <p:cNvPr id="5" name="Заметки 4"/>
+          <p:cNvSpPr>
+            <a:spLocks noGrp="1"/>
+          </p:cNvSpPr>
+          <p:nvPr>
+            <p:ph type="body" sz="quarter" idx="3"/>
+          </p:nvPr>
+        </p:nvSpPr>
+        <p:spPr>
+          <a:xfrm>
+            <a:off x="685800" y="4343400"/>
+            <a:ext cx="5486400" cy="4114800"/>
+          </a:xfrm>
+          <a:prstGeom prst="rect">
+            <a:avLst/>
+          </a:prstGeom>
+        </p:spPr>
+        <p:txBody>
+          <a:bodyPr vert="horz" lIns="91440" tIns="45720" rIns="91440" bIns="45720" rtlCol="0">
+            <a:normAutofit/>
+          </a:bodyPr>
+          <a:lstStyle/>
+          <a:p>
+            <a:pPr lvl="0"/>
+            <a:r>
+              <a:rPr lang="ru-RU" smtClean="0"/>
+              <a:t>Образец текста</a:t>
+            </a:r>
+          </a:p>
+          <a:p>
+            <a:pPr lvl="1"/>
+            <a:r>
+              <a:rPr lang="ru-RU" smtClean="0"/>
+              <a:t>Второй уровень</a:t>
+            </a:r>
+          </a:p>
+          <a:p>
+            <a:pPr lvl="2"/>
+            <a:r>
+              <a:rPr lang="ru-RU" smtClean="0"/>
+              <a:t>Третий уровень</a:t>
+            </a:r>
+          </a:p>
+          <a:p>
+            <a:pPr lvl="3"/>
+            <a:r>
+              <a:rPr lang="ru-RU" smtClean="0"/>
+              <a:t>Четвертый уровень</a:t>
+            </a:r>
+          </a:p>
+          <a:p>
+            <a:pPr lvl="4"/>
+            <a:r>
+              <a:rPr lang="ru-RU" smtClean="0"/>
+              <a:t>Пятый уровень</a:t>
+            </a:r>
+            <a:endParaRPr lang="ru-RU"/>
+          </a:p>
+        </p:txBody>
+      </p:sp>
+      <p:sp>
+        <p:nvSpPr>
+          <p:cNvPr id="6" name="Нижний колонтитул 5"/>
+          <p:cNvSpPr>
+            <a:spLocks noGrp="1"/>
+          </p:cNvSpPr>
+          <p:nvPr>
+            <p:ph type="ftr" sz="quarter" idx="4"/>
+          </p:nvPr>
+        </p:nvSpPr>
+        <p:spPr>
+          <a:xfrm>
+            <a:off x="0" y="8685213"/>
+            <a:ext cx="2971800" cy="457200"/>
+          </a:xfrm>
+          <a:prstGeom prst="rect">
+            <a:avLst/>
+          </a:prstGeom>
+        </p:spPr>
+        <p:txBody>
+          <a:bodyPr vert="horz" lIns="91440" tIns="45720" rIns="91440" bIns="45720" rtlCol="0" anchor="b"/>
+          <a:lstStyle>
+            <a:lvl1pPr algn="l">
+              <a:defRPr sz="1200"/>
+            </a:lvl1pPr>
+          </a:lstStyle>
+          <a:p>
+            <a:endParaRPr lang="ru-RU"/>
+          </a:p>
+        </p:txBody>
+      </p:sp>
+      <p:sp>
+        <p:nvSpPr>
+          <p:cNvPr id="7" name="Номер слайда 6"/>
+          <p:cNvSpPr>
+            <a:spLocks noGrp="1"/>
+          </p:cNvSpPr>
+          <p:nvPr>
+            <p:ph type="sldNum" sz="quarter" idx="5"/>
+          </p:nvPr>
+        </p:nvSpPr>
+        <p:spPr>
+          <a:xfrm>
+            <a:off x="3884613" y="8685213"/>
+            <a:ext cx="2971800" cy="457200"/>
+          </a:xfrm>
+          <a:prstGeom prst="rect">
+            <a:avLst/>
+          </a:prstGeom>
+        </p:spPr>
+        <p:txBody>
+          <a:bodyPr vert="horz" lIns="91440" tIns="45720" rIns="91440" bIns="45720" rtlCol="0" anchor="b"/>
+          <a:lstStyle>
+            <a:lvl1pPr algn="r">
+              <a:defRPr sz="1200"/>
+            </a:lvl1pPr>
+          </a:lstStyle>
+          <a:p>
+            <a:fld id="{5493EB9B-1940-4241-BE8B-45F5035BFD6D}" type="slidenum">
+              <a:rPr lang="ru-RU" smtClean="0"/>
+              <a:t>‹#›</a:t>
+            </a:fld>
+            <a:endParaRPr lang="ru-RU"/>
+          </a:p>
+        </p:txBody>
+      </p:sp>
+    </p:spTree>
+  </p:cSld>
+  <p:clrMap bg1="lt1" tx1="dk1" bg2="lt2" tx2="dk2" accent1="accent1" accent2="accent2" accent3="accent3" accent4="accent4" accent5="accent5" accent6="accent6" hlink="hlink" folHlink="folHlink"/>
+  <p:notesStyle>
+    <a:lvl1pPr marL="0" algn="l" defTabSz="914400" rtl="0" eaLnBrk="1" latinLnBrk="0" hangingPunct="1">
+      <a:defRPr sz="1200" kern="1200">
+        <a:solidFill>
+          <a:schemeClr val="tx1"/>
+        </a:solidFill>
+        <a:latin typeface="+mn-lt"/>
+        <a:ea typeface="+mn-ea"/>
+        <a:cs typeface="+mn-cs"/>
+      </a:defRPr>
+    </a:lvl1pPr>
+    <a:lvl2pPr marL="457200" algn="l" defTabSz="914400" rtl="0" eaLnBrk="1" latinLnBrk="0" hangingPunct="1">
+      <a:defRPr sz="1200" kern="1200">
+        <a:solidFill>
+          <a:schemeClr val="tx1"/>
+        </a:solidFill>
+        <a:latin typeface="+mn-lt"/>
+        <a:ea typeface="+mn-ea"/>
+        <a:cs typeface="+mn-cs"/>
+      </a:defRPr>
+    </a:lvl2pPr>
+    <a:lvl3pPr marL="914400" algn="l" defTabSz="914400" rtl="0" eaLnBrk="1" latinLnBrk="0" hangingPunct="1">
+      <a:defRPr sz="1200" kern="1200">
+        <a:solidFill>
+          <a:schemeClr val="tx1"/>
+        </a:solidFill>
+        <a:latin typeface="+mn-lt"/>
+        <a:ea typeface="+mn-ea"/>
+        <a:cs typeface="+mn-cs"/>
+      </a:defRPr>
+    </a:lvl3pPr>
+    <a:lvl4pPr marL="1371600" algn="l" defTabSz="914400" rtl="0" eaLnBrk="1" latinLnBrk="0" hangingPunct="1">
+      <a:defRPr sz="1200" kern="1200">
+        <a:solidFill>
+          <a:schemeClr val="tx1"/>
+        </a:solidFill>
+        <a:latin typeface="+mn-lt"/>
+        <a:ea typeface="+mn-ea"/>
+        <a:cs typeface="+mn-cs"/>
+      </a:defRPr>
+    </a:lvl4pPr>
+    <a:lvl5pPr marL="1828800" algn="l" defTabSz="914400" rtl="0" eaLnBrk="1" latinLnBrk="0" hangingPunct="1">
+      <a:defRPr sz="1200" kern="1200">
+        <a:solidFill>
+          <a:schemeClr val="tx1"/>
+        </a:solidFill>
+        <a:latin typeface="+mn-lt"/>
+        <a:ea typeface="+mn-ea"/>
+        <a:cs typeface="+mn-cs"/>
+      </a:defRPr>
+    </a:lvl5pPr>
+    <a:lvl6pPr marL="2286000" algn="l" defTabSz="914400" rtl="0" eaLnBrk="1" latinLnBrk="0" hangingPunct="1">
+      <a:defRPr sz="1200" kern="1200">
+        <a:solidFill>
+          <a:schemeClr val="tx1"/>
+        </a:solidFill>
+        <a:latin typeface="+mn-lt"/>
+        <a:ea typeface="+mn-ea"/>
+        <a:cs typeface="+mn-cs"/>
+      </a:defRPr>
+    </a:lvl6pPr>
+    <a:lvl7pPr marL="2743200" algn="l" defTabSz="914400" rtl="0" eaLnBrk="1" latinLnBrk="0" hangingPunct="1">
+      <a:defRPr sz="1200" kern="1200">
+        <a:solidFill>
+          <a:schemeClr val="tx1"/>
+        </a:solidFill>
+        <a:latin typeface="+mn-lt"/>
+        <a:ea typeface="+mn-ea"/>
+        <a:cs typeface="+mn-cs"/>
+      </a:defRPr>
+    </a:lvl7pPr>
+    <a:lvl8pPr marL="3200400" algn="l" defTabSz="914400" rtl="0" eaLnBrk="1" latinLnBrk="0" hangingPunct="1">
+      <a:defRPr sz="1200" kern="1200">
+        <a:solidFill>
+          <a:schemeClr val="tx1"/>
+        </a:solidFill>
+        <a:latin typeface="+mn-lt"/>
+        <a:ea typeface="+mn-ea"/>
+        <a:cs typeface="+mn-cs"/>
+      </a:defRPr>
+    </a:lvl8pPr>
+    <a:lvl9pPr marL="3657600" algn="l" defTabSz="914400" rtl="0" eaLnBrk="1" latinLnBrk="0" hangingPunct="1">
+      <a:defRPr sz="1200" kern="1200">
+        <a:solidFill>
+          <a:schemeClr val="tx1"/>
+        </a:solidFill>
+        <a:latin typeface="+mn-lt"/>
+        <a:ea typeface="+mn-ea"/>
+        <a:cs typeface="+mn-cs"/>
+      </a:defRPr>
+    </a:lvl9pPr>
+  </p:notesStyle>
+</p:notesMaster>
+</file>
+
 <file path=ppt/slideLayouts/slideLayout1.xml><?xml version="1.0" encoding="utf-8"?>
 <p:sldLayout xmlns:a="http://schemas.openxmlformats.org/drawingml/2006/main" xmlns:r="http://schemas.openxmlformats.org/officeDocument/2006/relationships" xmlns:p="http://schemas.openxmlformats.org/presentationml/2006/main" type="title" preserve="1">
   <p:cSld name="Титульный слайд">
@@ -287,7 +638,7 @@
           <a:bodyPr/>
           <a:lstStyle/>
           <a:p>
-            <a:fld id="{168C0A23-415D-4AC1-8AEB-3F5404F43276}" type="datetimeFigureOut">
+            <a:fld id="{DF6D98E3-477C-4137-80FB-7D6919B291D2}" type="datetime1">
               <a:rPr lang="ru-RU" smtClean="0"/>
               <a:t>13.12.2012</a:t>
             </a:fld>
@@ -331,6 +682,7 @@
           <a:p>
             <a:fld id="{F2BB55FB-146C-47F1-A3F4-E5E9F11C5D2A}" type="slidenum">
               <a:rPr lang="ru-RU" smtClean="0"/>
+              <a:pPr/>
               <a:t>‹#›</a:t>
             </a:fld>
             <a:endParaRPr lang="ru-RU"/>
@@ -452,7 +804,7 @@
           <a:bodyPr/>
           <a:lstStyle/>
           <a:p>
-            <a:fld id="{168C0A23-415D-4AC1-8AEB-3F5404F43276}" type="datetimeFigureOut">
+            <a:fld id="{CF44CCC3-2DC3-439A-8DAF-46884964360B}" type="datetime1">
               <a:rPr lang="ru-RU" smtClean="0"/>
               <a:t>13.12.2012</a:t>
             </a:fld>
@@ -496,6 +848,7 @@
           <a:p>
             <a:fld id="{F2BB55FB-146C-47F1-A3F4-E5E9F11C5D2A}" type="slidenum">
               <a:rPr lang="ru-RU" smtClean="0"/>
+              <a:pPr/>
               <a:t>‹#›</a:t>
             </a:fld>
             <a:endParaRPr lang="ru-RU"/>
@@ -627,7 +980,7 @@
           <a:bodyPr/>
           <a:lstStyle/>
           <a:p>
-            <a:fld id="{168C0A23-415D-4AC1-8AEB-3F5404F43276}" type="datetimeFigureOut">
+            <a:fld id="{24FD7FC3-2BB8-467B-B264-4ECA9C48C359}" type="datetime1">
               <a:rPr lang="ru-RU" smtClean="0"/>
               <a:t>13.12.2012</a:t>
             </a:fld>
@@ -671,6 +1024,7 @@
           <a:p>
             <a:fld id="{F2BB55FB-146C-47F1-A3F4-E5E9F11C5D2A}" type="slidenum">
               <a:rPr lang="ru-RU" smtClean="0"/>
+              <a:pPr/>
               <a:t>‹#›</a:t>
             </a:fld>
             <a:endParaRPr lang="ru-RU"/>
@@ -792,7 +1146,7 @@
           <a:bodyPr/>
           <a:lstStyle/>
           <a:p>
-            <a:fld id="{168C0A23-415D-4AC1-8AEB-3F5404F43276}" type="datetimeFigureOut">
+            <a:fld id="{7742CB0B-03FE-42BF-8EA7-54DEDE414E6E}" type="datetime1">
               <a:rPr lang="ru-RU" smtClean="0"/>
               <a:t>13.12.2012</a:t>
             </a:fld>
@@ -836,6 +1190,7 @@
           <a:p>
             <a:fld id="{F2BB55FB-146C-47F1-A3F4-E5E9F11C5D2A}" type="slidenum">
               <a:rPr lang="ru-RU" smtClean="0"/>
+              <a:pPr/>
               <a:t>‹#›</a:t>
             </a:fld>
             <a:endParaRPr lang="ru-RU"/>
@@ -1033,7 +1388,7 @@
           <a:bodyPr/>
           <a:lstStyle/>
           <a:p>
-            <a:fld id="{168C0A23-415D-4AC1-8AEB-3F5404F43276}" type="datetimeFigureOut">
+            <a:fld id="{72AB656D-CDA8-4825-9D24-A6D94E2EF928}" type="datetime1">
               <a:rPr lang="ru-RU" smtClean="0"/>
               <a:t>13.12.2012</a:t>
             </a:fld>
@@ -1077,6 +1432,7 @@
           <a:p>
             <a:fld id="{F2BB55FB-146C-47F1-A3F4-E5E9F11C5D2A}" type="slidenum">
               <a:rPr lang="ru-RU" smtClean="0"/>
+              <a:pPr/>
               <a:t>‹#›</a:t>
             </a:fld>
             <a:endParaRPr lang="ru-RU"/>
@@ -1316,7 +1672,7 @@
           <a:bodyPr/>
           <a:lstStyle/>
           <a:p>
-            <a:fld id="{168C0A23-415D-4AC1-8AEB-3F5404F43276}" type="datetimeFigureOut">
+            <a:fld id="{9B9F40C6-1B84-4FE7-B1A6-A7A37A5C1668}" type="datetime1">
               <a:rPr lang="ru-RU" smtClean="0"/>
               <a:t>13.12.2012</a:t>
             </a:fld>
@@ -1360,6 +1716,7 @@
           <a:p>
             <a:fld id="{F2BB55FB-146C-47F1-A3F4-E5E9F11C5D2A}" type="slidenum">
               <a:rPr lang="ru-RU" smtClean="0"/>
+              <a:pPr/>
               <a:t>‹#›</a:t>
             </a:fld>
             <a:endParaRPr lang="ru-RU"/>
@@ -1733,7 +2090,7 @@
           <a:bodyPr/>
           <a:lstStyle/>
           <a:p>
-            <a:fld id="{168C0A23-415D-4AC1-8AEB-3F5404F43276}" type="datetimeFigureOut">
+            <a:fld id="{FC6D2E4D-2145-46C4-A4E3-037418611669}" type="datetime1">
               <a:rPr lang="ru-RU" smtClean="0"/>
               <a:t>13.12.2012</a:t>
             </a:fld>
@@ -1777,6 +2134,7 @@
           <a:p>
             <a:fld id="{F2BB55FB-146C-47F1-A3F4-E5E9F11C5D2A}" type="slidenum">
               <a:rPr lang="ru-RU" smtClean="0"/>
+              <a:pPr/>
               <a:t>‹#›</a:t>
             </a:fld>
             <a:endParaRPr lang="ru-RU"/>
@@ -1846,7 +2204,7 @@
           <a:bodyPr/>
           <a:lstStyle/>
           <a:p>
-            <a:fld id="{168C0A23-415D-4AC1-8AEB-3F5404F43276}" type="datetimeFigureOut">
+            <a:fld id="{9876188F-85A9-40F2-A9B3-0A463D6B7703}" type="datetime1">
               <a:rPr lang="ru-RU" smtClean="0"/>
               <a:t>13.12.2012</a:t>
             </a:fld>
@@ -1890,6 +2248,7 @@
           <a:p>
             <a:fld id="{F2BB55FB-146C-47F1-A3F4-E5E9F11C5D2A}" type="slidenum">
               <a:rPr lang="ru-RU" smtClean="0"/>
+              <a:pPr/>
               <a:t>‹#›</a:t>
             </a:fld>
             <a:endParaRPr lang="ru-RU"/>
@@ -1936,7 +2295,7 @@
           <a:bodyPr/>
           <a:lstStyle/>
           <a:p>
-            <a:fld id="{168C0A23-415D-4AC1-8AEB-3F5404F43276}" type="datetimeFigureOut">
+            <a:fld id="{3D62AEDD-A811-490C-9C67-D77A63D9F494}" type="datetime1">
               <a:rPr lang="ru-RU" smtClean="0"/>
               <a:t>13.12.2012</a:t>
             </a:fld>
@@ -1980,6 +2339,7 @@
           <a:p>
             <a:fld id="{F2BB55FB-146C-47F1-A3F4-E5E9F11C5D2A}" type="slidenum">
               <a:rPr lang="ru-RU" smtClean="0"/>
+              <a:pPr/>
               <a:t>‹#›</a:t>
             </a:fld>
             <a:endParaRPr lang="ru-RU"/>
@@ -2208,7 +2568,7 @@
           <a:bodyPr/>
           <a:lstStyle/>
           <a:p>
-            <a:fld id="{168C0A23-415D-4AC1-8AEB-3F5404F43276}" type="datetimeFigureOut">
+            <a:fld id="{B9F8293E-3299-42DC-9105-CEE00314FB04}" type="datetime1">
               <a:rPr lang="ru-RU" smtClean="0"/>
               <a:t>13.12.2012</a:t>
             </a:fld>
@@ -2252,6 +2612,7 @@
           <a:p>
             <a:fld id="{F2BB55FB-146C-47F1-A3F4-E5E9F11C5D2A}" type="slidenum">
               <a:rPr lang="ru-RU" smtClean="0"/>
+              <a:pPr/>
               <a:t>‹#›</a:t>
             </a:fld>
             <a:endParaRPr lang="ru-RU"/>
@@ -2456,7 +2817,7 @@
           <a:bodyPr/>
           <a:lstStyle/>
           <a:p>
-            <a:fld id="{168C0A23-415D-4AC1-8AEB-3F5404F43276}" type="datetimeFigureOut">
+            <a:fld id="{C7A57CF0-8374-4B02-9E05-5EE70DB68D35}" type="datetime1">
               <a:rPr lang="ru-RU" smtClean="0"/>
               <a:t>13.12.2012</a:t>
             </a:fld>
@@ -2500,6 +2861,7 @@
           <a:p>
             <a:fld id="{F2BB55FB-146C-47F1-A3F4-E5E9F11C5D2A}" type="slidenum">
               <a:rPr lang="ru-RU" smtClean="0"/>
+              <a:pPr/>
               <a:t>‹#›</a:t>
             </a:fld>
             <a:endParaRPr lang="ru-RU"/>
@@ -2664,7 +3026,7 @@
             </a:lvl1pPr>
           </a:lstStyle>
           <a:p>
-            <a:fld id="{168C0A23-415D-4AC1-8AEB-3F5404F43276}" type="datetimeFigureOut">
+            <a:fld id="{1A4AB98C-B80B-4098-8CAF-56621EE6A1CA}" type="datetime1">
               <a:rPr lang="ru-RU" smtClean="0"/>
               <a:t>13.12.2012</a:t>
             </a:fld>
@@ -2744,6 +3106,7 @@
           <a:p>
             <a:fld id="{F2BB55FB-146C-47F1-A3F4-E5E9F11C5D2A}" type="slidenum">
               <a:rPr lang="ru-RU" smtClean="0"/>
+              <a:pPr/>
               <a:t>‹#›</a:t>
             </a:fld>
             <a:endParaRPr lang="ru-RU"/>
@@ -2766,6 +3129,7 @@
     <p:sldLayoutId id="2147483658" r:id="rId10"/>
     <p:sldLayoutId id="2147483659" r:id="rId11"/>
   </p:sldLayoutIdLst>
+  <p:hf hdr="0" ftr="0" dt="0"/>
   <p:txStyles>
     <p:titleStyle>
       <a:lvl1pPr algn="ctr" defTabSz="914400" rtl="0" eaLnBrk="1" latinLnBrk="0" hangingPunct="1">
@@ -3146,7 +3510,7 @@
         </p:nvSpPr>
         <p:spPr>
           <a:xfrm>
-            <a:off x="214282" y="3429000"/>
+            <a:off x="214282" y="2500306"/>
             <a:ext cx="8810040" cy="1200329"/>
           </a:xfrm>
           <a:prstGeom prst="rect">
@@ -3217,7 +3581,7 @@
         </p:nvSpPr>
         <p:spPr>
           <a:xfrm>
-            <a:off x="4500562" y="5715016"/>
+            <a:off x="4500562" y="5143512"/>
             <a:ext cx="4429156" cy="646331"/>
           </a:xfrm>
           <a:prstGeom prst="rect">
@@ -3321,6 +3685,42 @@
           <a:noFill/>
         </p:spPr>
       </p:pic>
+      <p:sp>
+        <p:nvSpPr>
+          <p:cNvPr id="7" name="TextBox 6"/>
+          <p:cNvSpPr txBox="1"/>
+          <p:nvPr/>
+        </p:nvSpPr>
+        <p:spPr>
+          <a:xfrm>
+            <a:off x="3786182" y="6357958"/>
+            <a:ext cx="1631344" cy="369332"/>
+          </a:xfrm>
+          <a:prstGeom prst="rect">
+            <a:avLst/>
+          </a:prstGeom>
+          <a:noFill/>
+        </p:spPr>
+        <p:txBody>
+          <a:bodyPr wrap="none" rtlCol="0">
+            <a:spAutoFit/>
+          </a:bodyPr>
+          <a:lstStyle/>
+          <a:p>
+            <a:r>
+              <a:rPr lang="ru-RU" dirty="0" smtClean="0">
+                <a:latin typeface="Times New Roman" pitchFamily="18" charset="0"/>
+                <a:cs typeface="Times New Roman" pitchFamily="18" charset="0"/>
+              </a:rPr>
+              <a:t>Москва 2012 г.</a:t>
+            </a:r>
+            <a:endParaRPr lang="ru-RU" dirty="0">
+              <a:latin typeface="Times New Roman" pitchFamily="18" charset="0"/>
+              <a:cs typeface="Times New Roman" pitchFamily="18" charset="0"/>
+            </a:endParaRPr>
+          </a:p>
+        </p:txBody>
+      </p:sp>
     </p:spTree>
   </p:cSld>
   <p:clrMapOvr>
@@ -3359,7 +3759,7 @@
         <p:spPr>
           <a:xfrm>
             <a:off x="457200" y="274638"/>
-            <a:ext cx="8229600" cy="725470"/>
+            <a:ext cx="8229600" cy="511156"/>
           </a:xfrm>
         </p:spPr>
         <p:txBody>
@@ -3369,38 +3769,1048 @@
           <a:lstStyle/>
           <a:p>
             <a:r>
-              <a:rPr lang="ru-RU" sz="2400" b="1" dirty="0" smtClean="0">
+              <a:rPr lang="ru-RU" sz="2600" dirty="0" smtClean="0">
                 <a:latin typeface="Times New Roman" pitchFamily="18" charset="0"/>
                 <a:cs typeface="Times New Roman" pitchFamily="18" charset="0"/>
               </a:rPr>
               <a:t>Постановка задачи. Предпосылки к разработке библиотеки функций</a:t>
             </a:r>
-            <a:endParaRPr lang="ru-RU" sz="2400" b="1" dirty="0">
+            <a:endParaRPr lang="ru-RU" sz="2600" dirty="0">
               <a:latin typeface="Times New Roman" pitchFamily="18" charset="0"/>
               <a:cs typeface="Times New Roman" pitchFamily="18" charset="0"/>
             </a:endParaRPr>
           </a:p>
         </p:txBody>
       </p:sp>
-      <p:sp>
-        <p:nvSpPr>
+      <p:graphicFrame>
+        <p:nvGraphicFramePr>
           <p:cNvPr id="5" name="Содержимое 4"/>
-          <p:cNvSpPr>
-            <a:spLocks noGrp="1"/>
-          </p:cNvSpPr>
+          <p:cNvGraphicFramePr>
+            <a:graphicFrameLocks noGrp="1"/>
+          </p:cNvGraphicFramePr>
           <p:nvPr>
             <p:ph idx="1"/>
           </p:nvPr>
+        </p:nvGraphicFramePr>
+        <p:xfrm>
+          <a:off x="500034" y="3143248"/>
+          <a:ext cx="8143900" cy="3000396"/>
+        </p:xfrm>
+        <a:graphic>
+          <a:graphicData uri="http://schemas.openxmlformats.org/drawingml/2006/table">
+            <a:tbl>
+              <a:tblPr firstRow="1" bandRow="1">
+                <a:tableStyleId>{616DA210-FB5B-4158-B5E0-FEB733F419BA}</a:tableStyleId>
+              </a:tblPr>
+              <a:tblGrid>
+                <a:gridCol w="4071950"/>
+                <a:gridCol w="4071950"/>
+              </a:tblGrid>
+              <a:tr h="361991">
+                <a:tc>
+                  <a:txBody>
+                    <a:bodyPr/>
+                    <a:lstStyle/>
+                    <a:p>
+                      <a:pPr algn="ctr"/>
+                      <a:r>
+                        <a:rPr lang="ru-RU" sz="1400" b="0" dirty="0" smtClean="0">
+                          <a:latin typeface="Times New Roman" pitchFamily="18" charset="0"/>
+                          <a:cs typeface="Times New Roman" pitchFamily="18" charset="0"/>
+                        </a:rPr>
+                        <a:t>Необходимый функционал</a:t>
+                      </a:r>
+                      <a:endParaRPr lang="ru-RU" sz="1400" b="0" dirty="0">
+                        <a:latin typeface="Times New Roman" pitchFamily="18" charset="0"/>
+                        <a:cs typeface="Times New Roman" pitchFamily="18" charset="0"/>
+                      </a:endParaRPr>
+                    </a:p>
+                  </a:txBody>
+                  <a:tcPr anchor="ctr">
+                    <a:lnL w="28575" cap="flat" cmpd="sng" algn="ctr">
+                      <a:solidFill>
+                        <a:schemeClr val="tx1"/>
+                      </a:solidFill>
+                      <a:prstDash val="solid"/>
+                      <a:round/>
+                      <a:headEnd type="none" w="med" len="med"/>
+                      <a:tailEnd type="none" w="med" len="med"/>
+                    </a:lnL>
+                    <a:lnR w="28575" cap="flat" cmpd="sng" algn="ctr">
+                      <a:solidFill>
+                        <a:schemeClr val="tx1"/>
+                      </a:solidFill>
+                      <a:prstDash val="solid"/>
+                      <a:round/>
+                      <a:headEnd type="none" w="med" len="med"/>
+                      <a:tailEnd type="none" w="med" len="med"/>
+                    </a:lnR>
+                    <a:lnT w="28575" cap="flat" cmpd="sng" algn="ctr">
+                      <a:solidFill>
+                        <a:schemeClr val="tx1"/>
+                      </a:solidFill>
+                      <a:prstDash val="solid"/>
+                      <a:round/>
+                      <a:headEnd type="none" w="med" len="med"/>
+                      <a:tailEnd type="none" w="med" len="med"/>
+                    </a:lnT>
+                  </a:tcPr>
+                </a:tc>
+                <a:tc>
+                  <a:txBody>
+                    <a:bodyPr/>
+                    <a:lstStyle/>
+                    <a:p>
+                      <a:pPr algn="ctr"/>
+                      <a:r>
+                        <a:rPr lang="ru-RU" sz="1400" b="0" dirty="0" smtClean="0">
+                          <a:latin typeface="Times New Roman" pitchFamily="18" charset="0"/>
+                          <a:cs typeface="Times New Roman" pitchFamily="18" charset="0"/>
+                        </a:rPr>
+                        <a:t>Недостатки существующих аналогов</a:t>
+                      </a:r>
+                      <a:endParaRPr lang="ru-RU" sz="1400" b="0" dirty="0">
+                        <a:latin typeface="Times New Roman" pitchFamily="18" charset="0"/>
+                        <a:cs typeface="Times New Roman" pitchFamily="18" charset="0"/>
+                      </a:endParaRPr>
+                    </a:p>
+                  </a:txBody>
+                  <a:tcPr anchor="ctr">
+                    <a:lnL w="28575" cap="flat" cmpd="sng" algn="ctr">
+                      <a:solidFill>
+                        <a:schemeClr val="tx1"/>
+                      </a:solidFill>
+                      <a:prstDash val="solid"/>
+                      <a:round/>
+                      <a:headEnd type="none" w="med" len="med"/>
+                      <a:tailEnd type="none" w="med" len="med"/>
+                    </a:lnL>
+                    <a:lnR w="28575" cap="flat" cmpd="sng" algn="ctr">
+                      <a:solidFill>
+                        <a:schemeClr val="tx1"/>
+                      </a:solidFill>
+                      <a:prstDash val="solid"/>
+                      <a:round/>
+                      <a:headEnd type="none" w="med" len="med"/>
+                      <a:tailEnd type="none" w="med" len="med"/>
+                    </a:lnR>
+                    <a:lnT w="28575" cap="flat" cmpd="sng" algn="ctr">
+                      <a:solidFill>
+                        <a:schemeClr val="tx1"/>
+                      </a:solidFill>
+                      <a:prstDash val="solid"/>
+                      <a:round/>
+                      <a:headEnd type="none" w="med" len="med"/>
+                      <a:tailEnd type="none" w="med" len="med"/>
+                    </a:lnT>
+                  </a:tcPr>
+                </a:tc>
+              </a:tr>
+              <a:tr h="2638405">
+                <a:tc>
+                  <a:txBody>
+                    <a:bodyPr/>
+                    <a:lstStyle/>
+                    <a:p>
+                      <a:pPr marL="266700" indent="-177800">
+                        <a:lnSpc>
+                          <a:spcPct val="150000"/>
+                        </a:lnSpc>
+                        <a:buFont typeface="Arial" pitchFamily="34" charset="0"/>
+                        <a:buChar char="•"/>
+                      </a:pPr>
+                      <a:r>
+                        <a:rPr lang="ru-RU" sz="1400" dirty="0" smtClean="0">
+                          <a:latin typeface="Times New Roman" pitchFamily="18" charset="0"/>
+                          <a:cs typeface="Times New Roman" pitchFamily="18" charset="0"/>
+                        </a:rPr>
+                        <a:t>Унификация получения параметров</a:t>
+                      </a:r>
+                    </a:p>
+                    <a:p>
+                      <a:pPr marL="266700" indent="-177800">
+                        <a:lnSpc>
+                          <a:spcPct val="150000"/>
+                        </a:lnSpc>
+                        <a:buFont typeface="Arial" pitchFamily="34" charset="0"/>
+                        <a:buChar char="•"/>
+                      </a:pPr>
+                      <a:r>
+                        <a:rPr lang="ru-RU" sz="1400" dirty="0" smtClean="0">
+                          <a:latin typeface="Times New Roman" pitchFamily="18" charset="0"/>
+                          <a:cs typeface="Times New Roman" pitchFamily="18" charset="0"/>
+                        </a:rPr>
+                        <a:t>Интеграция в систему</a:t>
+                      </a:r>
+                      <a:r>
+                        <a:rPr lang="ru-RU" sz="1400" baseline="0" dirty="0" smtClean="0">
+                          <a:latin typeface="Times New Roman" pitchFamily="18" charset="0"/>
+                          <a:cs typeface="Times New Roman" pitchFamily="18" charset="0"/>
+                        </a:rPr>
+                        <a:t> тестирования более высокого уровня</a:t>
+                      </a:r>
+                    </a:p>
+                    <a:p>
+                      <a:pPr marL="266700" indent="-177800">
+                        <a:lnSpc>
+                          <a:spcPct val="150000"/>
+                        </a:lnSpc>
+                        <a:buFont typeface="Arial" pitchFamily="34" charset="0"/>
+                        <a:buChar char="•"/>
+                      </a:pPr>
+                      <a:r>
+                        <a:rPr lang="ru-RU" sz="1400" baseline="0" dirty="0" smtClean="0">
+                          <a:latin typeface="Times New Roman" pitchFamily="18" charset="0"/>
+                          <a:cs typeface="Times New Roman" pitchFamily="18" charset="0"/>
+                        </a:rPr>
+                        <a:t>Потоковая безопасность</a:t>
+                      </a:r>
+                    </a:p>
+                    <a:p>
+                      <a:pPr marL="266700" indent="-177800">
+                        <a:lnSpc>
+                          <a:spcPct val="150000"/>
+                        </a:lnSpc>
+                        <a:buFont typeface="Arial" pitchFamily="34" charset="0"/>
+                        <a:buChar char="•"/>
+                      </a:pPr>
+                      <a:r>
+                        <a:rPr lang="ru-RU" sz="1400" baseline="0" dirty="0" smtClean="0">
+                          <a:latin typeface="Times New Roman" pitchFamily="18" charset="0"/>
+                          <a:cs typeface="Times New Roman" pitchFamily="18" charset="0"/>
+                        </a:rPr>
+                        <a:t>Малый размер и высокая переносимость</a:t>
+                      </a:r>
+                      <a:endParaRPr lang="ru-RU" sz="1400" dirty="0">
+                        <a:latin typeface="Times New Roman" pitchFamily="18" charset="0"/>
+                        <a:cs typeface="Times New Roman" pitchFamily="18" charset="0"/>
+                      </a:endParaRPr>
+                    </a:p>
+                  </a:txBody>
+                  <a:tcPr>
+                    <a:lnL w="28575" cap="flat" cmpd="sng" algn="ctr">
+                      <a:solidFill>
+                        <a:schemeClr val="tx1"/>
+                      </a:solidFill>
+                      <a:prstDash val="solid"/>
+                      <a:round/>
+                      <a:headEnd type="none" w="med" len="med"/>
+                      <a:tailEnd type="none" w="med" len="med"/>
+                    </a:lnL>
+                    <a:lnR w="28575" cap="flat" cmpd="sng" algn="ctr">
+                      <a:solidFill>
+                        <a:schemeClr val="tx1"/>
+                      </a:solidFill>
+                      <a:prstDash val="solid"/>
+                      <a:round/>
+                      <a:headEnd type="none" w="med" len="med"/>
+                      <a:tailEnd type="none" w="med" len="med"/>
+                    </a:lnR>
+                    <a:lnB w="28575" cap="flat" cmpd="sng" algn="ctr">
+                      <a:solidFill>
+                        <a:schemeClr val="tx1"/>
+                      </a:solidFill>
+                      <a:prstDash val="solid"/>
+                      <a:round/>
+                      <a:headEnd type="none" w="med" len="med"/>
+                      <a:tailEnd type="none" w="med" len="med"/>
+                    </a:lnB>
+                    <a:noFill/>
+                  </a:tcPr>
+                </a:tc>
+                <a:tc>
+                  <a:txBody>
+                    <a:bodyPr/>
+                    <a:lstStyle/>
+                    <a:p>
+                      <a:pPr marL="179388" indent="-179388" algn="l" defTabSz="914400" rtl="0" eaLnBrk="1" latinLnBrk="0" hangingPunct="1">
+                        <a:lnSpc>
+                          <a:spcPct val="150000"/>
+                        </a:lnSpc>
+                        <a:buFont typeface="Arial" pitchFamily="34" charset="0"/>
+                        <a:buChar char="•"/>
+                      </a:pPr>
+                      <a:r>
+                        <a:rPr lang="ru-RU" sz="1400" kern="1200" dirty="0" smtClean="0">
+                          <a:solidFill>
+                            <a:schemeClr val="tx1"/>
+                          </a:solidFill>
+                          <a:latin typeface="Times New Roman" pitchFamily="18" charset="0"/>
+                          <a:ea typeface="+mn-ea"/>
+                          <a:cs typeface="Times New Roman" pitchFamily="18" charset="0"/>
+                        </a:rPr>
+                        <a:t>Интеграция всех тестов в единый исполняемый модуль</a:t>
+                      </a:r>
+                    </a:p>
+                    <a:p>
+                      <a:pPr marL="179388" indent="-179388" algn="l" defTabSz="914400" rtl="0" eaLnBrk="1" latinLnBrk="0" hangingPunct="1">
+                        <a:lnSpc>
+                          <a:spcPct val="150000"/>
+                        </a:lnSpc>
+                        <a:buFont typeface="Arial" pitchFamily="34" charset="0"/>
+                        <a:buChar char="•"/>
+                      </a:pPr>
+                      <a:r>
+                        <a:rPr lang="ru-RU" sz="1400" kern="1200" dirty="0" smtClean="0">
+                          <a:solidFill>
+                            <a:schemeClr val="tx1"/>
+                          </a:solidFill>
+                          <a:latin typeface="Times New Roman" pitchFamily="18" charset="0"/>
+                          <a:ea typeface="+mn-ea"/>
+                          <a:cs typeface="Times New Roman" pitchFamily="18" charset="0"/>
+                        </a:rPr>
+                        <a:t>Отсутствие средств унификации</a:t>
+                      </a:r>
+                      <a:r>
+                        <a:rPr lang="ru-RU" sz="1400" kern="1200" baseline="0" dirty="0" smtClean="0">
+                          <a:solidFill>
+                            <a:schemeClr val="tx1"/>
+                          </a:solidFill>
+                          <a:latin typeface="Times New Roman" pitchFamily="18" charset="0"/>
+                          <a:ea typeface="+mn-ea"/>
+                          <a:cs typeface="Times New Roman" pitchFamily="18" charset="0"/>
+                        </a:rPr>
+                        <a:t> вывода табличной информации</a:t>
+                      </a:r>
+                    </a:p>
+                    <a:p>
+                      <a:pPr marL="179388" indent="-179388" algn="l" defTabSz="914400" rtl="0" eaLnBrk="1" latinLnBrk="0" hangingPunct="1">
+                        <a:lnSpc>
+                          <a:spcPct val="150000"/>
+                        </a:lnSpc>
+                        <a:buFont typeface="Arial" pitchFamily="34" charset="0"/>
+                        <a:buChar char="•"/>
+                      </a:pPr>
+                      <a:r>
+                        <a:rPr lang="ru-RU" sz="1400" kern="1200" baseline="0" dirty="0" smtClean="0">
+                          <a:solidFill>
+                            <a:schemeClr val="tx1"/>
+                          </a:solidFill>
+                          <a:latin typeface="Times New Roman" pitchFamily="18" charset="0"/>
+                          <a:ea typeface="+mn-ea"/>
+                          <a:cs typeface="Times New Roman" pitchFamily="18" charset="0"/>
+                        </a:rPr>
+                        <a:t>Осуществление ввода данных через глобальные переменные</a:t>
+                      </a:r>
+                      <a:endParaRPr lang="ru-RU" sz="1400" kern="1200" dirty="0" smtClean="0">
+                        <a:solidFill>
+                          <a:schemeClr val="tx1"/>
+                        </a:solidFill>
+                        <a:latin typeface="Times New Roman" pitchFamily="18" charset="0"/>
+                        <a:ea typeface="+mn-ea"/>
+                        <a:cs typeface="Times New Roman" pitchFamily="18" charset="0"/>
+                      </a:endParaRPr>
+                    </a:p>
+                    <a:p>
+                      <a:pPr marL="0" indent="180000" algn="l" defTabSz="914400" rtl="0" eaLnBrk="1" latinLnBrk="0" hangingPunct="1">
+                        <a:lnSpc>
+                          <a:spcPct val="150000"/>
+                        </a:lnSpc>
+                        <a:buFont typeface="Arial" pitchFamily="34" charset="0"/>
+                        <a:buChar char="•"/>
+                      </a:pPr>
+                      <a:endParaRPr lang="ru-RU" sz="1400" kern="1200" dirty="0">
+                        <a:solidFill>
+                          <a:schemeClr val="tx1"/>
+                        </a:solidFill>
+                        <a:latin typeface="Times New Roman" pitchFamily="18" charset="0"/>
+                        <a:ea typeface="+mn-ea"/>
+                        <a:cs typeface="Times New Roman" pitchFamily="18" charset="0"/>
+                      </a:endParaRPr>
+                    </a:p>
+                  </a:txBody>
+                  <a:tcPr>
+                    <a:lnL w="28575" cap="flat" cmpd="sng" algn="ctr">
+                      <a:solidFill>
+                        <a:schemeClr val="tx1"/>
+                      </a:solidFill>
+                      <a:prstDash val="solid"/>
+                      <a:round/>
+                      <a:headEnd type="none" w="med" len="med"/>
+                      <a:tailEnd type="none" w="med" len="med"/>
+                    </a:lnL>
+                    <a:lnR w="28575" cap="flat" cmpd="sng" algn="ctr">
+                      <a:solidFill>
+                        <a:schemeClr val="tx1"/>
+                      </a:solidFill>
+                      <a:prstDash val="solid"/>
+                      <a:round/>
+                      <a:headEnd type="none" w="med" len="med"/>
+                      <a:tailEnd type="none" w="med" len="med"/>
+                    </a:lnR>
+                    <a:lnB w="28575" cap="flat" cmpd="sng" algn="ctr">
+                      <a:solidFill>
+                        <a:schemeClr val="tx1"/>
+                      </a:solidFill>
+                      <a:prstDash val="solid"/>
+                      <a:round/>
+                      <a:headEnd type="none" w="med" len="med"/>
+                      <a:tailEnd type="none" w="med" len="med"/>
+                    </a:lnB>
+                    <a:noFill/>
+                  </a:tcPr>
+                </a:tc>
+              </a:tr>
+            </a:tbl>
+          </a:graphicData>
+        </a:graphic>
+      </p:graphicFrame>
+      <p:sp>
+        <p:nvSpPr>
+          <p:cNvPr id="4" name="TextBox 3"/>
+          <p:cNvSpPr txBox="1"/>
+          <p:nvPr/>
+        </p:nvSpPr>
+        <p:spPr>
+          <a:xfrm>
+            <a:off x="2786050" y="2571744"/>
+            <a:ext cx="3714776" cy="461665"/>
+          </a:xfrm>
+          <a:prstGeom prst="rect">
+            <a:avLst/>
+          </a:prstGeom>
+          <a:noFill/>
+        </p:spPr>
+        <p:txBody>
+          <a:bodyPr wrap="square" rtlCol="0">
+            <a:spAutoFit/>
+          </a:bodyPr>
+          <a:lstStyle/>
+          <a:p>
+            <a:pPr algn="ctr"/>
+            <a:r>
+              <a:rPr lang="ru-RU" sz="2400" dirty="0" smtClean="0">
+                <a:latin typeface="Times New Roman" pitchFamily="18" charset="0"/>
+                <a:cs typeface="Times New Roman" pitchFamily="18" charset="0"/>
+              </a:rPr>
+              <a:t>Предпосылки разработки</a:t>
+            </a:r>
+            <a:endParaRPr lang="ru-RU" sz="2400" dirty="0">
+              <a:latin typeface="Times New Roman" pitchFamily="18" charset="0"/>
+              <a:cs typeface="Times New Roman" pitchFamily="18" charset="0"/>
+            </a:endParaRPr>
+          </a:p>
+        </p:txBody>
+      </p:sp>
+      <p:sp>
+        <p:nvSpPr>
+          <p:cNvPr id="7" name="TextBox 6"/>
+          <p:cNvSpPr txBox="1"/>
+          <p:nvPr/>
+        </p:nvSpPr>
+        <p:spPr>
+          <a:xfrm>
+            <a:off x="642910" y="1362662"/>
+            <a:ext cx="7858180" cy="923330"/>
+          </a:xfrm>
+          <a:prstGeom prst="rect">
+            <a:avLst/>
+          </a:prstGeom>
+          <a:noFill/>
+        </p:spPr>
+        <p:txBody>
+          <a:bodyPr wrap="square" rtlCol="0">
+            <a:spAutoFit/>
+          </a:bodyPr>
+          <a:lstStyle/>
+          <a:p>
+            <a:pPr algn="just"/>
+            <a:r>
+              <a:rPr lang="ru-RU" dirty="0" smtClean="0">
+                <a:latin typeface="Times New Roman" pitchFamily="18" charset="0"/>
+                <a:cs typeface="Times New Roman" pitchFamily="18" charset="0"/>
+              </a:rPr>
+              <a:t>Целью дипломной работы является разработка библиотеки, решающей задачу автоматизации </a:t>
+            </a:r>
+            <a:r>
+              <a:rPr lang="ru-RU" dirty="0" smtClean="0">
+                <a:latin typeface="Times New Roman" pitchFamily="18" charset="0"/>
+                <a:cs typeface="Times New Roman" pitchFamily="18" charset="0"/>
+              </a:rPr>
+              <a:t>запуска, сбора информации </a:t>
+            </a:r>
+            <a:r>
+              <a:rPr lang="ru-RU" dirty="0" smtClean="0">
+                <a:latin typeface="Times New Roman" pitchFamily="18" charset="0"/>
+                <a:cs typeface="Times New Roman" pitchFamily="18" charset="0"/>
+              </a:rPr>
+              <a:t>и интерпретации результатов тестирования</a:t>
+            </a:r>
+            <a:endParaRPr lang="ru-RU" dirty="0">
+              <a:latin typeface="Times New Roman" pitchFamily="18" charset="0"/>
+              <a:cs typeface="Times New Roman" pitchFamily="18" charset="0"/>
+            </a:endParaRPr>
+          </a:p>
+        </p:txBody>
+      </p:sp>
+      <p:sp>
+        <p:nvSpPr>
+          <p:cNvPr id="8" name="Номер слайда 7"/>
+          <p:cNvSpPr>
+            <a:spLocks noGrp="1"/>
+          </p:cNvSpPr>
+          <p:nvPr>
+            <p:ph type="sldNum" sz="quarter" idx="12"/>
+          </p:nvPr>
         </p:nvSpPr>
         <p:spPr/>
         <p:txBody>
           <a:bodyPr/>
           <a:lstStyle/>
           <a:p>
+            <a:fld id="{F2BB55FB-146C-47F1-A3F4-E5E9F11C5D2A}" type="slidenum">
+              <a:rPr lang="ru-RU" smtClean="0"/>
+              <a:pPr/>
+              <a:t>2</a:t>
+            </a:fld>
             <a:endParaRPr lang="ru-RU" dirty="0"/>
           </a:p>
         </p:txBody>
       </p:sp>
+    </p:spTree>
+  </p:cSld>
+  <p:clrMapOvr>
+    <a:masterClrMapping/>
+  </p:clrMapOvr>
+</p:sld>
+</file>
+
+<file path=ppt/slides/slide3.xml><?xml version="1.0" encoding="utf-8"?>
+<p:sld xmlns:a="http://schemas.openxmlformats.org/drawingml/2006/main" xmlns:r="http://schemas.openxmlformats.org/officeDocument/2006/relationships" xmlns:p="http://schemas.openxmlformats.org/presentationml/2006/main">
+  <p:cSld>
+    <p:spTree>
+      <p:nvGrpSpPr>
+        <p:cNvPr id="1" name=""/>
+        <p:cNvGrpSpPr/>
+        <p:nvPr/>
+      </p:nvGrpSpPr>
+      <p:grpSpPr>
+        <a:xfrm>
+          <a:off x="0" y="0"/>
+          <a:ext cx="0" cy="0"/>
+          <a:chOff x="0" y="0"/>
+          <a:chExt cx="0" cy="0"/>
+        </a:xfrm>
+      </p:grpSpPr>
+      <p:sp>
+        <p:nvSpPr>
+          <p:cNvPr id="34" name="Прямоугольник 33"/>
+          <p:cNvSpPr/>
+          <p:nvPr/>
+        </p:nvSpPr>
+        <p:spPr>
+          <a:xfrm>
+            <a:off x="2786050" y="3643314"/>
+            <a:ext cx="2428892" cy="500066"/>
+          </a:xfrm>
+          <a:prstGeom prst="rect">
+            <a:avLst/>
+          </a:prstGeom>
+        </p:spPr>
+        <p:style>
+          <a:lnRef idx="1">
+            <a:schemeClr val="accent1"/>
+          </a:lnRef>
+          <a:fillRef idx="2">
+            <a:schemeClr val="accent1"/>
+          </a:fillRef>
+          <a:effectRef idx="1">
+            <a:schemeClr val="accent1"/>
+          </a:effectRef>
+          <a:fontRef idx="minor">
+            <a:schemeClr val="dk1"/>
+          </a:fontRef>
+        </p:style>
+        <p:txBody>
+          <a:bodyPr rtlCol="0" anchor="ctr"/>
+          <a:lstStyle/>
+          <a:p>
+            <a:pPr algn="ctr"/>
+            <a:r>
+              <a:rPr lang="ru-RU" dirty="0" smtClean="0"/>
+              <a:t>Эксплуатация</a:t>
+            </a:r>
+            <a:endParaRPr lang="ru-RU" dirty="0"/>
+          </a:p>
+        </p:txBody>
+      </p:sp>
+      <p:sp>
+        <p:nvSpPr>
+          <p:cNvPr id="32" name="Прямоугольник 31"/>
+          <p:cNvSpPr/>
+          <p:nvPr/>
+        </p:nvSpPr>
+        <p:spPr>
+          <a:xfrm>
+            <a:off x="2285984" y="3214686"/>
+            <a:ext cx="2428892" cy="500066"/>
+          </a:xfrm>
+          <a:prstGeom prst="rect">
+            <a:avLst/>
+          </a:prstGeom>
+        </p:spPr>
+        <p:style>
+          <a:lnRef idx="1">
+            <a:schemeClr val="accent1"/>
+          </a:lnRef>
+          <a:fillRef idx="2">
+            <a:schemeClr val="accent1"/>
+          </a:fillRef>
+          <a:effectRef idx="1">
+            <a:schemeClr val="accent1"/>
+          </a:effectRef>
+          <a:fontRef idx="minor">
+            <a:schemeClr val="dk1"/>
+          </a:fontRef>
+        </p:style>
+        <p:txBody>
+          <a:bodyPr rtlCol="0" anchor="ctr"/>
+          <a:lstStyle/>
+          <a:p>
+            <a:pPr algn="ctr"/>
+            <a:r>
+              <a:rPr lang="ru-RU" dirty="0" smtClean="0"/>
+              <a:t>Тестирование</a:t>
+            </a:r>
+            <a:endParaRPr lang="ru-RU" dirty="0"/>
+          </a:p>
+        </p:txBody>
+      </p:sp>
+      <p:sp>
+        <p:nvSpPr>
+          <p:cNvPr id="30" name="Прямоугольник 29"/>
+          <p:cNvSpPr/>
+          <p:nvPr/>
+        </p:nvSpPr>
+        <p:spPr>
+          <a:xfrm>
+            <a:off x="1785918" y="2786058"/>
+            <a:ext cx="2428892" cy="500066"/>
+          </a:xfrm>
+          <a:prstGeom prst="rect">
+            <a:avLst/>
+          </a:prstGeom>
+        </p:spPr>
+        <p:style>
+          <a:lnRef idx="1">
+            <a:schemeClr val="accent1"/>
+          </a:lnRef>
+          <a:fillRef idx="2">
+            <a:schemeClr val="accent1"/>
+          </a:fillRef>
+          <a:effectRef idx="1">
+            <a:schemeClr val="accent1"/>
+          </a:effectRef>
+          <a:fontRef idx="minor">
+            <a:schemeClr val="dk1"/>
+          </a:fontRef>
+        </p:style>
+        <p:txBody>
+          <a:bodyPr rtlCol="0" anchor="ctr"/>
+          <a:lstStyle/>
+          <a:p>
+            <a:pPr algn="ctr"/>
+            <a:r>
+              <a:rPr lang="ru-RU" dirty="0" smtClean="0"/>
+              <a:t>Кодирование</a:t>
+            </a:r>
+            <a:endParaRPr lang="ru-RU" dirty="0"/>
+          </a:p>
+        </p:txBody>
+      </p:sp>
+      <p:sp>
+        <p:nvSpPr>
+          <p:cNvPr id="7" name="Прямоугольник 6"/>
+          <p:cNvSpPr/>
+          <p:nvPr/>
+        </p:nvSpPr>
+        <p:spPr>
+          <a:xfrm>
+            <a:off x="1285852" y="2357430"/>
+            <a:ext cx="2428892" cy="500066"/>
+          </a:xfrm>
+          <a:prstGeom prst="rect">
+            <a:avLst/>
+          </a:prstGeom>
+        </p:spPr>
+        <p:style>
+          <a:lnRef idx="1">
+            <a:schemeClr val="accent1"/>
+          </a:lnRef>
+          <a:fillRef idx="2">
+            <a:schemeClr val="accent1"/>
+          </a:fillRef>
+          <a:effectRef idx="1">
+            <a:schemeClr val="accent1"/>
+          </a:effectRef>
+          <a:fontRef idx="minor">
+            <a:schemeClr val="dk1"/>
+          </a:fontRef>
+        </p:style>
+        <p:txBody>
+          <a:bodyPr rtlCol="0" anchor="ctr"/>
+          <a:lstStyle/>
+          <a:p>
+            <a:pPr algn="ctr"/>
+            <a:r>
+              <a:rPr lang="ru-RU" dirty="0" smtClean="0"/>
+              <a:t>Проектирование</a:t>
+            </a:r>
+            <a:endParaRPr lang="ru-RU" dirty="0"/>
+          </a:p>
+        </p:txBody>
+      </p:sp>
+      <p:sp>
+        <p:nvSpPr>
+          <p:cNvPr id="2" name="Заголовок 1"/>
+          <p:cNvSpPr>
+            <a:spLocks noGrp="1"/>
+          </p:cNvSpPr>
+          <p:nvPr>
+            <p:ph type="title"/>
+          </p:nvPr>
+        </p:nvSpPr>
+        <p:spPr/>
+        <p:txBody>
+          <a:bodyPr/>
+          <a:lstStyle/>
+          <a:p>
+            <a:pPr algn="ctr"/>
+            <a:r>
+              <a:rPr lang="ru-RU" dirty="0" smtClean="0"/>
+              <a:t>Каскадная модель</a:t>
+            </a:r>
+            <a:endParaRPr lang="ru-RU" dirty="0"/>
+          </a:p>
+        </p:txBody>
+      </p:sp>
+      <p:sp>
+        <p:nvSpPr>
+          <p:cNvPr id="3" name="Содержимое 2"/>
+          <p:cNvSpPr>
+            <a:spLocks noGrp="1"/>
+          </p:cNvSpPr>
+          <p:nvPr>
+            <p:ph idx="1"/>
+          </p:nvPr>
+        </p:nvSpPr>
+        <p:spPr>
+          <a:xfrm>
+            <a:off x="457200" y="4429132"/>
+            <a:ext cx="4614866" cy="2071701"/>
+          </a:xfrm>
+        </p:spPr>
+        <p:txBody>
+          <a:bodyPr/>
+          <a:lstStyle/>
+          <a:p>
+            <a:r>
+              <a:rPr lang="ru-RU" dirty="0" smtClean="0"/>
+              <a:t>Каскадная модель</a:t>
+            </a:r>
+            <a:endParaRPr lang="ru-RU" dirty="0"/>
+          </a:p>
+        </p:txBody>
+      </p:sp>
+      <p:sp>
+        <p:nvSpPr>
+          <p:cNvPr id="4" name="TextBox 3"/>
+          <p:cNvSpPr txBox="1"/>
+          <p:nvPr/>
+        </p:nvSpPr>
+        <p:spPr>
+          <a:xfrm>
+            <a:off x="6072198" y="1488032"/>
+            <a:ext cx="2000264" cy="369332"/>
+          </a:xfrm>
+          <a:prstGeom prst="rect">
+            <a:avLst/>
+          </a:prstGeom>
+          <a:noFill/>
+        </p:spPr>
+        <p:txBody>
+          <a:bodyPr wrap="square" rtlCol="0">
+            <a:spAutoFit/>
+          </a:bodyPr>
+          <a:lstStyle/>
+          <a:p>
+            <a:pPr>
+              <a:buFont typeface="Arial" pitchFamily="34" charset="0"/>
+              <a:buChar char="•"/>
+            </a:pPr>
+            <a:r>
+              <a:rPr lang="ru-RU" dirty="0" err="1" smtClean="0">
+                <a:latin typeface="Times New Roman" pitchFamily="18" charset="0"/>
+                <a:cs typeface="Times New Roman" pitchFamily="18" charset="0"/>
+              </a:rPr>
+              <a:t>вввв</a:t>
+            </a:r>
+            <a:endParaRPr lang="ru-RU" dirty="0">
+              <a:latin typeface="Times New Roman" pitchFamily="18" charset="0"/>
+              <a:cs typeface="Times New Roman" pitchFamily="18" charset="0"/>
+            </a:endParaRPr>
+          </a:p>
+        </p:txBody>
+      </p:sp>
+      <p:sp>
+        <p:nvSpPr>
+          <p:cNvPr id="6" name="Прямоугольник 5"/>
+          <p:cNvSpPr/>
+          <p:nvPr/>
+        </p:nvSpPr>
+        <p:spPr>
+          <a:xfrm>
+            <a:off x="785786" y="1928802"/>
+            <a:ext cx="2428892" cy="500066"/>
+          </a:xfrm>
+          <a:prstGeom prst="rect">
+            <a:avLst/>
+          </a:prstGeom>
+        </p:spPr>
+        <p:style>
+          <a:lnRef idx="1">
+            <a:schemeClr val="accent1"/>
+          </a:lnRef>
+          <a:fillRef idx="2">
+            <a:schemeClr val="accent1"/>
+          </a:fillRef>
+          <a:effectRef idx="1">
+            <a:schemeClr val="accent1"/>
+          </a:effectRef>
+          <a:fontRef idx="minor">
+            <a:schemeClr val="dk1"/>
+          </a:fontRef>
+        </p:style>
+        <p:txBody>
+          <a:bodyPr rtlCol="0" anchor="ctr"/>
+          <a:lstStyle/>
+          <a:p>
+            <a:pPr algn="ctr"/>
+            <a:r>
+              <a:rPr lang="ru-RU" dirty="0" smtClean="0"/>
+              <a:t>Анализ</a:t>
+            </a:r>
+            <a:endParaRPr lang="ru-RU" dirty="0"/>
+          </a:p>
+        </p:txBody>
+      </p:sp>
+      <p:sp>
+        <p:nvSpPr>
+          <p:cNvPr id="5" name="Прямоугольник 4"/>
+          <p:cNvSpPr/>
+          <p:nvPr/>
+        </p:nvSpPr>
+        <p:spPr>
+          <a:xfrm>
+            <a:off x="285720" y="1500174"/>
+            <a:ext cx="2428892" cy="500066"/>
+          </a:xfrm>
+          <a:prstGeom prst="rect">
+            <a:avLst/>
+          </a:prstGeom>
+        </p:spPr>
+        <p:style>
+          <a:lnRef idx="1">
+            <a:schemeClr val="accent1"/>
+          </a:lnRef>
+          <a:fillRef idx="2">
+            <a:schemeClr val="accent1"/>
+          </a:fillRef>
+          <a:effectRef idx="1">
+            <a:schemeClr val="accent1"/>
+          </a:effectRef>
+          <a:fontRef idx="minor">
+            <a:schemeClr val="dk1"/>
+          </a:fontRef>
+        </p:style>
+        <p:txBody>
+          <a:bodyPr rtlCol="0" anchor="ctr"/>
+          <a:lstStyle/>
+          <a:p>
+            <a:pPr algn="ctr"/>
+            <a:r>
+              <a:rPr lang="ru-RU" dirty="0" smtClean="0"/>
+              <a:t>Постановка задачи</a:t>
+            </a:r>
+            <a:endParaRPr lang="ru-RU" dirty="0"/>
+          </a:p>
+        </p:txBody>
+      </p:sp>
+      <p:cxnSp>
+        <p:nvCxnSpPr>
+          <p:cNvPr id="9" name="Соединительная линия уступом 8"/>
+          <p:cNvCxnSpPr/>
+          <p:nvPr/>
+        </p:nvCxnSpPr>
+        <p:spPr>
+          <a:xfrm rot="16200000" flipH="1">
+            <a:off x="571472" y="2000240"/>
+            <a:ext cx="214314" cy="214314"/>
+          </a:xfrm>
+          <a:prstGeom prst="bentConnector3">
+            <a:avLst>
+              <a:gd name="adj1" fmla="val 99708"/>
+            </a:avLst>
+          </a:prstGeom>
+          <a:ln>
+            <a:tailEnd type="arrow"/>
+          </a:ln>
+        </p:spPr>
+        <p:style>
+          <a:lnRef idx="2">
+            <a:schemeClr val="accent1"/>
+          </a:lnRef>
+          <a:fillRef idx="0">
+            <a:schemeClr val="accent1"/>
+          </a:fillRef>
+          <a:effectRef idx="1">
+            <a:schemeClr val="accent1"/>
+          </a:effectRef>
+          <a:fontRef idx="minor">
+            <a:schemeClr val="tx1"/>
+          </a:fontRef>
+        </p:style>
+      </p:cxnSp>
+      <p:cxnSp>
+        <p:nvCxnSpPr>
+          <p:cNvPr id="29" name="Соединительная линия уступом 28"/>
+          <p:cNvCxnSpPr/>
+          <p:nvPr/>
+        </p:nvCxnSpPr>
+        <p:spPr>
+          <a:xfrm rot="16200000" flipH="1">
+            <a:off x="1071538" y="2428868"/>
+            <a:ext cx="214314" cy="214314"/>
+          </a:xfrm>
+          <a:prstGeom prst="bentConnector3">
+            <a:avLst>
+              <a:gd name="adj1" fmla="val 99708"/>
+            </a:avLst>
+          </a:prstGeom>
+          <a:ln>
+            <a:tailEnd type="arrow"/>
+          </a:ln>
+        </p:spPr>
+        <p:style>
+          <a:lnRef idx="2">
+            <a:schemeClr val="accent1"/>
+          </a:lnRef>
+          <a:fillRef idx="0">
+            <a:schemeClr val="accent1"/>
+          </a:fillRef>
+          <a:effectRef idx="1">
+            <a:schemeClr val="accent1"/>
+          </a:effectRef>
+          <a:fontRef idx="minor">
+            <a:schemeClr val="tx1"/>
+          </a:fontRef>
+        </p:style>
+      </p:cxnSp>
+      <p:cxnSp>
+        <p:nvCxnSpPr>
+          <p:cNvPr id="31" name="Соединительная линия уступом 30"/>
+          <p:cNvCxnSpPr/>
+          <p:nvPr/>
+        </p:nvCxnSpPr>
+        <p:spPr>
+          <a:xfrm rot="16200000" flipH="1">
+            <a:off x="1571604" y="2857496"/>
+            <a:ext cx="214314" cy="214314"/>
+          </a:xfrm>
+          <a:prstGeom prst="bentConnector3">
+            <a:avLst>
+              <a:gd name="adj1" fmla="val 99708"/>
+            </a:avLst>
+          </a:prstGeom>
+          <a:ln>
+            <a:tailEnd type="arrow"/>
+          </a:ln>
+        </p:spPr>
+        <p:style>
+          <a:lnRef idx="2">
+            <a:schemeClr val="accent1"/>
+          </a:lnRef>
+          <a:fillRef idx="0">
+            <a:schemeClr val="accent1"/>
+          </a:fillRef>
+          <a:effectRef idx="1">
+            <a:schemeClr val="accent1"/>
+          </a:effectRef>
+          <a:fontRef idx="minor">
+            <a:schemeClr val="tx1"/>
+          </a:fontRef>
+        </p:style>
+      </p:cxnSp>
+      <p:cxnSp>
+        <p:nvCxnSpPr>
+          <p:cNvPr id="33" name="Соединительная линия уступом 32"/>
+          <p:cNvCxnSpPr/>
+          <p:nvPr/>
+        </p:nvCxnSpPr>
+        <p:spPr>
+          <a:xfrm rot="16200000" flipH="1">
+            <a:off x="2071670" y="3286124"/>
+            <a:ext cx="214314" cy="214314"/>
+          </a:xfrm>
+          <a:prstGeom prst="bentConnector3">
+            <a:avLst>
+              <a:gd name="adj1" fmla="val 99708"/>
+            </a:avLst>
+          </a:prstGeom>
+          <a:ln>
+            <a:tailEnd type="arrow"/>
+          </a:ln>
+        </p:spPr>
+        <p:style>
+          <a:lnRef idx="2">
+            <a:schemeClr val="accent1"/>
+          </a:lnRef>
+          <a:fillRef idx="0">
+            <a:schemeClr val="accent1"/>
+          </a:fillRef>
+          <a:effectRef idx="1">
+            <a:schemeClr val="accent1"/>
+          </a:effectRef>
+          <a:fontRef idx="minor">
+            <a:schemeClr val="tx1"/>
+          </a:fontRef>
+        </p:style>
+      </p:cxnSp>
+      <p:cxnSp>
+        <p:nvCxnSpPr>
+          <p:cNvPr id="35" name="Соединительная линия уступом 34"/>
+          <p:cNvCxnSpPr/>
+          <p:nvPr/>
+        </p:nvCxnSpPr>
+        <p:spPr>
+          <a:xfrm rot="16200000" flipH="1">
+            <a:off x="2571736" y="3714752"/>
+            <a:ext cx="214314" cy="214314"/>
+          </a:xfrm>
+          <a:prstGeom prst="bentConnector3">
+            <a:avLst>
+              <a:gd name="adj1" fmla="val 99708"/>
+            </a:avLst>
+          </a:prstGeom>
+          <a:ln>
+            <a:tailEnd type="arrow"/>
+          </a:ln>
+        </p:spPr>
+        <p:style>
+          <a:lnRef idx="2">
+            <a:schemeClr val="accent1"/>
+          </a:lnRef>
+          <a:fillRef idx="0">
+            <a:schemeClr val="accent1"/>
+          </a:fillRef>
+          <a:effectRef idx="1">
+            <a:schemeClr val="accent1"/>
+          </a:effectRef>
+          <a:fontRef idx="minor">
+            <a:schemeClr val="tx1"/>
+          </a:fontRef>
+        </p:style>
+      </p:cxnSp>
     </p:spTree>
   </p:cSld>
   <p:clrMapOvr>
@@ -3690,4 +5100,287 @@
   <a:objectDefaults/>
   <a:extraClrSchemeLst/>
 </a:theme>
+</file>
+
+<file path=ppt/theme/theme2.xml><?xml version="1.0" encoding="utf-8"?>
+<a:theme xmlns:a="http://schemas.openxmlformats.org/drawingml/2006/main" name="Тема Office">
+  <a:themeElements>
+    <a:clrScheme name="Стандартная">
+      <a:dk1>
+        <a:sysClr val="windowText" lastClr="000000"/>
+      </a:dk1>
+      <a:lt1>
+        <a:sysClr val="window" lastClr="FFFFFF"/>
+      </a:lt1>
+      <a:dk2>
+        <a:srgbClr val="1F497D"/>
+      </a:dk2>
+      <a:lt2>
+        <a:srgbClr val="EEECE1"/>
+      </a:lt2>
+      <a:accent1>
+        <a:srgbClr val="4F81BD"/>
+      </a:accent1>
+      <a:accent2>
+        <a:srgbClr val="C0504D"/>
+      </a:accent2>
+      <a:accent3>
+        <a:srgbClr val="9BBB59"/>
+      </a:accent3>
+      <a:accent4>
+        <a:srgbClr val="8064A2"/>
+      </a:accent4>
+      <a:accent5>
+        <a:srgbClr val="4BACC6"/>
+      </a:accent5>
+      <a:accent6>
+        <a:srgbClr val="F79646"/>
+      </a:accent6>
+      <a:hlink>
+        <a:srgbClr val="0000FF"/>
+      </a:hlink>
+      <a:folHlink>
+        <a:srgbClr val="800080"/>
+      </a:folHlink>
+    </a:clrScheme>
+    <a:fontScheme name="Стандартная">
+      <a:majorFont>
+        <a:latin typeface="Calibri"/>
+        <a:ea typeface=""/>
+        <a:cs typeface=""/>
+        <a:font script="Jpan" typeface="ＭＳ Ｐゴシック"/>
+        <a:font script="Hang" typeface="맑은 고딕"/>
+        <a:font script="Hans" typeface="宋体"/>
+        <a:font script="Hant" typeface="新細明體"/>
+        <a:font script="Arab" typeface="Times New Roman"/>
+        <a:font script="Hebr" typeface="Times New Roman"/>
+        <a:font script="Thai" typeface="Angsana New"/>
+        <a:font script="Ethi" typeface="Nyala"/>
+        <a:font script="Beng" typeface="Vrinda"/>
+        <a:font script="Gujr" typeface="Shruti"/>
+        <a:font script="Khmr" typeface="MoolBoran"/>
+        <a:font script="Knda" typeface="Tunga"/>
+        <a:font script="Guru" typeface="Raavi"/>
+        <a:font script="Cans" typeface="Euphemia"/>
+        <a:font script="Cher" typeface="Plantagenet Cherokee"/>
+        <a:font script="Yiii" typeface="Microsoft Yi Baiti"/>
+        <a:font script="Tibt" typeface="Microsoft Himalaya"/>
+        <a:font script="Thaa" typeface="MV Boli"/>
+        <a:font script="Deva" typeface="Mangal"/>
+        <a:font script="Telu" typeface="Gautami"/>
+        <a:font script="Taml" typeface="Latha"/>
+        <a:font script="Syrc" typeface="Estrangelo Edessa"/>
+        <a:font script="Orya" typeface="Kalinga"/>
+        <a:font script="Mlym" typeface="Kartika"/>
+        <a:font script="Laoo" typeface="DokChampa"/>
+        <a:font script="Sinh" typeface="Iskoola Pota"/>
+        <a:font script="Mong" typeface="Mongolian Baiti"/>
+        <a:font script="Viet" typeface="Times New Roman"/>
+        <a:font script="Uigh" typeface="Microsoft Uighur"/>
+      </a:majorFont>
+      <a:minorFont>
+        <a:latin typeface="Calibri"/>
+        <a:ea typeface=""/>
+        <a:cs typeface=""/>
+        <a:font script="Jpan" typeface="ＭＳ Ｐゴシック"/>
+        <a:font script="Hang" typeface="맑은 고딕"/>
+        <a:font script="Hans" typeface="宋体"/>
+        <a:font script="Hant" typeface="新細明體"/>
+        <a:font script="Arab" typeface="Arial"/>
+        <a:font script="Hebr" typeface="Arial"/>
+        <a:font script="Thai" typeface="Cordia New"/>
+        <a:font script="Ethi" typeface="Nyala"/>
+        <a:font script="Beng" typeface="Vrinda"/>
+        <a:font script="Gujr" typeface="Shruti"/>
+        <a:font script="Khmr" typeface="DaunPenh"/>
+        <a:font script="Knda" typeface="Tunga"/>
+        <a:font script="Guru" typeface="Raavi"/>
+        <a:font script="Cans" typeface="Euphemia"/>
+        <a:font script="Cher" typeface="Plantagenet Cherokee"/>
+        <a:font script="Yiii" typeface="Microsoft Yi Baiti"/>
+        <a:font script="Tibt" typeface="Microsoft Himalaya"/>
+        <a:font script="Thaa" typeface="MV Boli"/>
+        <a:font script="Deva" typeface="Mangal"/>
+        <a:font script="Telu" typeface="Gautami"/>
+        <a:font script="Taml" typeface="Latha"/>
+        <a:font script="Syrc" typeface="Estrangelo Edessa"/>
+        <a:font script="Orya" typeface="Kalinga"/>
+        <a:font script="Mlym" typeface="Kartika"/>
+        <a:font script="Laoo" typeface="DokChampa"/>
+        <a:font script="Sinh" typeface="Iskoola Pota"/>
+        <a:font script="Mong" typeface="Mongolian Baiti"/>
+        <a:font script="Viet" typeface="Arial"/>
+        <a:font script="Uigh" typeface="Microsoft Uighur"/>
+      </a:minorFont>
+    </a:fontScheme>
+    <a:fmtScheme name="Стандартная">
+      <a:fillStyleLst>
+        <a:solidFill>
+          <a:schemeClr val="phClr"/>
+        </a:solidFill>
+        <a:gradFill rotWithShape="1">
+          <a:gsLst>
+            <a:gs pos="0">
+              <a:schemeClr val="phClr">
+                <a:tint val="50000"/>
+                <a:satMod val="300000"/>
+              </a:schemeClr>
+            </a:gs>
+            <a:gs pos="35000">
+              <a:schemeClr val="phClr">
+                <a:tint val="37000"/>
+                <a:satMod val="300000"/>
+              </a:schemeClr>
+            </a:gs>
+            <a:gs pos="100000">
+              <a:schemeClr val="phClr">
+                <a:tint val="15000"/>
+                <a:satMod val="350000"/>
+              </a:schemeClr>
+            </a:gs>
+          </a:gsLst>
+          <a:lin ang="16200000" scaled="1"/>
+        </a:gradFill>
+        <a:gradFill rotWithShape="1">
+          <a:gsLst>
+            <a:gs pos="0">
+              <a:schemeClr val="phClr">
+                <a:shade val="51000"/>
+                <a:satMod val="130000"/>
+              </a:schemeClr>
+            </a:gs>
+            <a:gs pos="80000">
+              <a:schemeClr val="phClr">
+                <a:shade val="93000"/>
+                <a:satMod val="130000"/>
+              </a:schemeClr>
+            </a:gs>
+            <a:gs pos="100000">
+              <a:schemeClr val="phClr">
+                <a:shade val="94000"/>
+                <a:satMod val="135000"/>
+              </a:schemeClr>
+            </a:gs>
+          </a:gsLst>
+          <a:lin ang="16200000" scaled="0"/>
+        </a:gradFill>
+      </a:fillStyleLst>
+      <a:lnStyleLst>
+        <a:ln w="9525" cap="flat" cmpd="sng" algn="ctr">
+          <a:solidFill>
+            <a:schemeClr val="phClr">
+              <a:shade val="95000"/>
+              <a:satMod val="105000"/>
+            </a:schemeClr>
+          </a:solidFill>
+          <a:prstDash val="solid"/>
+        </a:ln>
+        <a:ln w="25400" cap="flat" cmpd="sng" algn="ctr">
+          <a:solidFill>
+            <a:schemeClr val="phClr"/>
+          </a:solidFill>
+          <a:prstDash val="solid"/>
+        </a:ln>
+        <a:ln w="38100" cap="flat" cmpd="sng" algn="ctr">
+          <a:solidFill>
+            <a:schemeClr val="phClr"/>
+          </a:solidFill>
+          <a:prstDash val="solid"/>
+        </a:ln>
+      </a:lnStyleLst>
+      <a:effectStyleLst>
+        <a:effectStyle>
+          <a:effectLst>
+            <a:outerShdw blurRad="40000" dist="20000" dir="5400000" rotWithShape="0">
+              <a:srgbClr val="000000">
+                <a:alpha val="38000"/>
+              </a:srgbClr>
+            </a:outerShdw>
+          </a:effectLst>
+        </a:effectStyle>
+        <a:effectStyle>
+          <a:effectLst>
+            <a:outerShdw blurRad="40000" dist="23000" dir="5400000" rotWithShape="0">
+              <a:srgbClr val="000000">
+                <a:alpha val="35000"/>
+              </a:srgbClr>
+            </a:outerShdw>
+          </a:effectLst>
+        </a:effectStyle>
+        <a:effectStyle>
+          <a:effectLst>
+            <a:outerShdw blurRad="40000" dist="23000" dir="5400000" rotWithShape="0">
+              <a:srgbClr val="000000">
+                <a:alpha val="35000"/>
+              </a:srgbClr>
+            </a:outerShdw>
+          </a:effectLst>
+          <a:scene3d>
+            <a:camera prst="orthographicFront">
+              <a:rot lat="0" lon="0" rev="0"/>
+            </a:camera>
+            <a:lightRig rig="threePt" dir="t">
+              <a:rot lat="0" lon="0" rev="1200000"/>
+            </a:lightRig>
+          </a:scene3d>
+          <a:sp3d>
+            <a:bevelT w="63500" h="25400"/>
+          </a:sp3d>
+        </a:effectStyle>
+      </a:effectStyleLst>
+      <a:bgFillStyleLst>
+        <a:solidFill>
+          <a:schemeClr val="phClr"/>
+        </a:solidFill>
+        <a:gradFill rotWithShape="1">
+          <a:gsLst>
+            <a:gs pos="0">
+              <a:schemeClr val="phClr">
+                <a:tint val="40000"/>
+                <a:satMod val="350000"/>
+              </a:schemeClr>
+            </a:gs>
+            <a:gs pos="40000">
+              <a:schemeClr val="phClr">
+                <a:tint val="45000"/>
+                <a:shade val="99000"/>
+                <a:satMod val="350000"/>
+              </a:schemeClr>
+            </a:gs>
+            <a:gs pos="100000">
+              <a:schemeClr val="phClr">
+                <a:shade val="20000"/>
+                <a:satMod val="255000"/>
+              </a:schemeClr>
+            </a:gs>
+          </a:gsLst>
+          <a:path path="circle">
+            <a:fillToRect l="50000" t="-80000" r="50000" b="180000"/>
+          </a:path>
+        </a:gradFill>
+        <a:gradFill rotWithShape="1">
+          <a:gsLst>
+            <a:gs pos="0">
+              <a:schemeClr val="phClr">
+                <a:tint val="80000"/>
+                <a:satMod val="300000"/>
+              </a:schemeClr>
+            </a:gs>
+            <a:gs pos="100000">
+              <a:schemeClr val="phClr">
+                <a:shade val="30000"/>
+                <a:satMod val="200000"/>
+              </a:schemeClr>
+            </a:gs>
+          </a:gsLst>
+          <a:path path="circle">
+            <a:fillToRect l="50000" t="50000" r="50000" b="50000"/>
+          </a:path>
+        </a:gradFill>
+      </a:bgFillStyleLst>
+    </a:fmtScheme>
+  </a:themeElements>
+  <a:objectDefaults/>
+  <a:extraClrSchemeLst/>
+</a:theme>
 </file>
--- a/presentation/presentation.pptx
+++ b/presentation/presentation.pptx
@@ -5,12 +5,22 @@
     <p:sldMasterId id="2147483648" r:id="rId1"/>
   </p:sldMasterIdLst>
   <p:notesMasterIdLst>
-    <p:notesMasterId r:id="rId5"/>
+    <p:notesMasterId r:id="rId15"/>
   </p:notesMasterIdLst>
   <p:sldIdLst>
     <p:sldId id="256" r:id="rId2"/>
     <p:sldId id="258" r:id="rId3"/>
     <p:sldId id="260" r:id="rId4"/>
+    <p:sldId id="262" r:id="rId5"/>
+    <p:sldId id="263" r:id="rId6"/>
+    <p:sldId id="264" r:id="rId7"/>
+    <p:sldId id="265" r:id="rId8"/>
+    <p:sldId id="266" r:id="rId9"/>
+    <p:sldId id="268" r:id="rId10"/>
+    <p:sldId id="269" r:id="rId11"/>
+    <p:sldId id="270" r:id="rId12"/>
+    <p:sldId id="271" r:id="rId13"/>
+    <p:sldId id="267" r:id="rId14"/>
   </p:sldIdLst>
   <p:sldSz cx="9144000" cy="6858000" type="screen4x3"/>
   <p:notesSz cx="6858000" cy="9144000"/>
@@ -112,6 +122,34 @@
 </p:presentation>
 </file>
 
+<file path=ppt/commentAuthors.xml><?xml version="1.0" encoding="utf-8"?>
+<p:cmAuthorLst xmlns:a="http://schemas.openxmlformats.org/drawingml/2006/main" xmlns:r="http://schemas.openxmlformats.org/officeDocument/2006/relationships" xmlns:p="http://schemas.openxmlformats.org/presentationml/2006/main">
+  <p:cmAuthor id="0" name="nwcfang" initials="n" lastIdx="3" clrIdx="0"/>
+</p:cmAuthorLst>
+</file>
+
+<file path=ppt/comments/comment1.xml><?xml version="1.0" encoding="utf-8"?>
+<p:cmLst xmlns:a="http://schemas.openxmlformats.org/drawingml/2006/main" xmlns:r="http://schemas.openxmlformats.org/officeDocument/2006/relationships" xmlns:p="http://schemas.openxmlformats.org/presentationml/2006/main">
+  <p:cm authorId="0" dt="2012-12-14T03:02:00.374" idx="2">
+    <p:pos x="1441" y="3214"/>
+    <p:text>добавить последнюю строчку</p:text>
+  </p:cm>
+</p:cmLst>
+</file>
+
+<file path=ppt/comments/comment2.xml><?xml version="1.0" encoding="utf-8"?>
+<p:cmLst xmlns:a="http://schemas.openxmlformats.org/drawingml/2006/main" xmlns:r="http://schemas.openxmlformats.org/officeDocument/2006/relationships" xmlns:p="http://schemas.openxmlformats.org/presentationml/2006/main">
+  <p:cm authorId="0" dt="2012-12-14T03:01:43.877" idx="1">
+    <p:pos x="391" y="2976"/>
+    <p:text>добавить последнюю строчку</p:text>
+  </p:cm>
+  <p:cm authorId="0" dt="2012-12-14T03:02:51.368" idx="3">
+    <p:pos x="3782" y="3453"/>
+    <p:text>Правильно?</p:text>
+  </p:cm>
+</p:cmLst>
+</file>
+
 <file path=ppt/notesMasters/notesMaster1.xml><?xml version="1.0" encoding="utf-8"?>
 <p:notesMaster xmlns:a="http://schemas.openxmlformats.org/drawingml/2006/main" xmlns:r="http://schemas.openxmlformats.org/officeDocument/2006/relationships" xmlns:p="http://schemas.openxmlformats.org/presentationml/2006/main">
   <p:cSld>
@@ -194,7 +232,8 @@
           <a:p>
             <a:fld id="{17F83A53-07E1-410B-A130-824697CEF0E2}" type="datetimeFigureOut">
               <a:rPr lang="ru-RU" smtClean="0"/>
-              <a:t>13.12.2012</a:t>
+              <a:pPr/>
+              <a:t>14.12.2012</a:t>
             </a:fld>
             <a:endParaRPr lang="ru-RU"/>
           </a:p>
@@ -355,6 +394,7 @@
           <a:p>
             <a:fld id="{5493EB9B-1940-4241-BE8B-45F5035BFD6D}" type="slidenum">
               <a:rPr lang="ru-RU" smtClean="0"/>
+              <a:pPr/>
               <a:t>‹#›</a:t>
             </a:fld>
             <a:endParaRPr lang="ru-RU"/>
@@ -640,7 +680,8 @@
           <a:p>
             <a:fld id="{DF6D98E3-477C-4137-80FB-7D6919B291D2}" type="datetime1">
               <a:rPr lang="ru-RU" smtClean="0"/>
-              <a:t>13.12.2012</a:t>
+              <a:pPr/>
+              <a:t>14.12.2012</a:t>
             </a:fld>
             <a:endParaRPr lang="ru-RU"/>
           </a:p>
@@ -806,7 +847,8 @@
           <a:p>
             <a:fld id="{CF44CCC3-2DC3-439A-8DAF-46884964360B}" type="datetime1">
               <a:rPr lang="ru-RU" smtClean="0"/>
-              <a:t>13.12.2012</a:t>
+              <a:pPr/>
+              <a:t>14.12.2012</a:t>
             </a:fld>
             <a:endParaRPr lang="ru-RU"/>
           </a:p>
@@ -982,7 +1024,8 @@
           <a:p>
             <a:fld id="{24FD7FC3-2BB8-467B-B264-4ECA9C48C359}" type="datetime1">
               <a:rPr lang="ru-RU" smtClean="0"/>
-              <a:t>13.12.2012</a:t>
+              <a:pPr/>
+              <a:t>14.12.2012</a:t>
             </a:fld>
             <a:endParaRPr lang="ru-RU"/>
           </a:p>
@@ -1148,7 +1191,8 @@
           <a:p>
             <a:fld id="{7742CB0B-03FE-42BF-8EA7-54DEDE414E6E}" type="datetime1">
               <a:rPr lang="ru-RU" smtClean="0"/>
-              <a:t>13.12.2012</a:t>
+              <a:pPr/>
+              <a:t>14.12.2012</a:t>
             </a:fld>
             <a:endParaRPr lang="ru-RU"/>
           </a:p>
@@ -1390,7 +1434,8 @@
           <a:p>
             <a:fld id="{72AB656D-CDA8-4825-9D24-A6D94E2EF928}" type="datetime1">
               <a:rPr lang="ru-RU" smtClean="0"/>
-              <a:t>13.12.2012</a:t>
+              <a:pPr/>
+              <a:t>14.12.2012</a:t>
             </a:fld>
             <a:endParaRPr lang="ru-RU"/>
           </a:p>
@@ -1674,7 +1719,8 @@
           <a:p>
             <a:fld id="{9B9F40C6-1B84-4FE7-B1A6-A7A37A5C1668}" type="datetime1">
               <a:rPr lang="ru-RU" smtClean="0"/>
-              <a:t>13.12.2012</a:t>
+              <a:pPr/>
+              <a:t>14.12.2012</a:t>
             </a:fld>
             <a:endParaRPr lang="ru-RU"/>
           </a:p>
@@ -2092,7 +2138,8 @@
           <a:p>
             <a:fld id="{FC6D2E4D-2145-46C4-A4E3-037418611669}" type="datetime1">
               <a:rPr lang="ru-RU" smtClean="0"/>
-              <a:t>13.12.2012</a:t>
+              <a:pPr/>
+              <a:t>14.12.2012</a:t>
             </a:fld>
             <a:endParaRPr lang="ru-RU"/>
           </a:p>
@@ -2206,7 +2253,8 @@
           <a:p>
             <a:fld id="{9876188F-85A9-40F2-A9B3-0A463D6B7703}" type="datetime1">
               <a:rPr lang="ru-RU" smtClean="0"/>
-              <a:t>13.12.2012</a:t>
+              <a:pPr/>
+              <a:t>14.12.2012</a:t>
             </a:fld>
             <a:endParaRPr lang="ru-RU"/>
           </a:p>
@@ -2297,7 +2345,8 @@
           <a:p>
             <a:fld id="{3D62AEDD-A811-490C-9C67-D77A63D9F494}" type="datetime1">
               <a:rPr lang="ru-RU" smtClean="0"/>
-              <a:t>13.12.2012</a:t>
+              <a:pPr/>
+              <a:t>14.12.2012</a:t>
             </a:fld>
             <a:endParaRPr lang="ru-RU"/>
           </a:p>
@@ -2570,7 +2619,8 @@
           <a:p>
             <a:fld id="{B9F8293E-3299-42DC-9105-CEE00314FB04}" type="datetime1">
               <a:rPr lang="ru-RU" smtClean="0"/>
-              <a:t>13.12.2012</a:t>
+              <a:pPr/>
+              <a:t>14.12.2012</a:t>
             </a:fld>
             <a:endParaRPr lang="ru-RU"/>
           </a:p>
@@ -2819,7 +2869,8 @@
           <a:p>
             <a:fld id="{C7A57CF0-8374-4B02-9E05-5EE70DB68D35}" type="datetime1">
               <a:rPr lang="ru-RU" smtClean="0"/>
-              <a:t>13.12.2012</a:t>
+              <a:pPr/>
+              <a:t>14.12.2012</a:t>
             </a:fld>
             <a:endParaRPr lang="ru-RU"/>
           </a:p>
@@ -3028,7 +3079,8 @@
           <a:p>
             <a:fld id="{1A4AB98C-B80B-4098-8CAF-56621EE6A1CA}" type="datetime1">
               <a:rPr lang="ru-RU" smtClean="0"/>
-              <a:t>13.12.2012</a:t>
+              <a:pPr/>
+              <a:t>14.12.2012</a:t>
             </a:fld>
             <a:endParaRPr lang="ru-RU"/>
           </a:p>
@@ -3726,6 +3778,1368 @@
   <p:clrMapOvr>
     <a:masterClrMapping/>
   </p:clrMapOvr>
+  <p:timing>
+    <p:tnLst>
+      <p:par>
+        <p:cTn id="1" dur="indefinite" restart="never" nodeType="tmRoot"/>
+      </p:par>
+    </p:tnLst>
+  </p:timing>
+</p:sld>
+</file>
+
+<file path=ppt/slides/slide10.xml><?xml version="1.0" encoding="utf-8"?>
+<p:sld xmlns:a="http://schemas.openxmlformats.org/drawingml/2006/main" xmlns:r="http://schemas.openxmlformats.org/officeDocument/2006/relationships" xmlns:p="http://schemas.openxmlformats.org/presentationml/2006/main">
+  <p:cSld>
+    <p:spTree>
+      <p:nvGrpSpPr>
+        <p:cNvPr id="1" name=""/>
+        <p:cNvGrpSpPr/>
+        <p:nvPr/>
+      </p:nvGrpSpPr>
+      <p:grpSpPr>
+        <a:xfrm>
+          <a:off x="0" y="0"/>
+          <a:ext cx="0" cy="0"/>
+          <a:chOff x="0" y="0"/>
+          <a:chExt cx="0" cy="0"/>
+        </a:xfrm>
+      </p:grpSpPr>
+      <p:sp>
+        <p:nvSpPr>
+          <p:cNvPr id="2" name="Заголовок 1"/>
+          <p:cNvSpPr>
+            <a:spLocks noGrp="1"/>
+          </p:cNvSpPr>
+          <p:nvPr>
+            <p:ph type="title"/>
+          </p:nvPr>
+        </p:nvSpPr>
+        <p:spPr>
+          <a:xfrm>
+            <a:off x="0" y="0"/>
+            <a:ext cx="9144000" cy="714356"/>
+          </a:xfrm>
+        </p:spPr>
+        <p:txBody>
+          <a:bodyPr>
+            <a:normAutofit/>
+          </a:bodyPr>
+          <a:lstStyle/>
+          <a:p>
+            <a:r>
+              <a:rPr lang="ru-RU" sz="2600" dirty="0" smtClean="0">
+                <a:latin typeface="Times New Roman" pitchFamily="18" charset="0"/>
+                <a:cs typeface="Times New Roman" pitchFamily="18" charset="0"/>
+              </a:rPr>
+              <a:t>Технология разработки библиотеки</a:t>
+            </a:r>
+          </a:p>
+        </p:txBody>
+      </p:sp>
+      <p:sp>
+        <p:nvSpPr>
+          <p:cNvPr id="3" name="Содержимое 2"/>
+          <p:cNvSpPr>
+            <a:spLocks noGrp="1"/>
+          </p:cNvSpPr>
+          <p:nvPr>
+            <p:ph idx="1"/>
+          </p:nvPr>
+        </p:nvSpPr>
+        <p:spPr>
+          <a:xfrm>
+            <a:off x="500034" y="1857364"/>
+            <a:ext cx="3929090" cy="285752"/>
+          </a:xfrm>
+        </p:spPr>
+        <p:txBody>
+          <a:bodyPr>
+            <a:noAutofit/>
+          </a:bodyPr>
+          <a:lstStyle/>
+          <a:p>
+            <a:pPr marL="0" indent="0">
+              <a:buBlip>
+                <a:blip r:embed="rId2"/>
+              </a:buBlip>
+              <a:tabLst>
+                <a:tab pos="444500" algn="l"/>
+              </a:tabLst>
+            </a:pPr>
+            <a:r>
+              <a:rPr lang="en-US" sz="1400" dirty="0" smtClean="0">
+                <a:solidFill>
+                  <a:schemeClr val="accent5">
+                    <a:lumMod val="50000"/>
+                  </a:schemeClr>
+                </a:solidFill>
+                <a:latin typeface="Times New Roman" pitchFamily="18" charset="0"/>
+                <a:cs typeface="Times New Roman" pitchFamily="18" charset="0"/>
+              </a:rPr>
+              <a:t> </a:t>
+            </a:r>
+            <a:r>
+              <a:rPr lang="en-US" sz="1400" b="1" dirty="0" err="1" smtClean="0">
+                <a:solidFill>
+                  <a:schemeClr val="accent5">
+                    <a:lumMod val="50000"/>
+                  </a:schemeClr>
+                </a:solidFill>
+                <a:latin typeface="Times New Roman" pitchFamily="18" charset="0"/>
+                <a:cs typeface="Times New Roman" pitchFamily="18" charset="0"/>
+              </a:rPr>
+              <a:t>Git</a:t>
+            </a:r>
+            <a:r>
+              <a:rPr lang="en-US" sz="1400" dirty="0" smtClean="0">
+                <a:solidFill>
+                  <a:schemeClr val="accent5">
+                    <a:lumMod val="50000"/>
+                  </a:schemeClr>
+                </a:solidFill>
+                <a:latin typeface="Times New Roman" pitchFamily="18" charset="0"/>
+                <a:cs typeface="Times New Roman" pitchFamily="18" charset="0"/>
+              </a:rPr>
+              <a:t> - </a:t>
+            </a:r>
+            <a:r>
+              <a:rPr lang="ru-RU" sz="1400" dirty="0" smtClean="0">
+                <a:solidFill>
+                  <a:schemeClr val="accent5">
+                    <a:lumMod val="50000"/>
+                  </a:schemeClr>
+                </a:solidFill>
+                <a:latin typeface="Times New Roman" pitchFamily="18" charset="0"/>
+                <a:cs typeface="Times New Roman" pitchFamily="18" charset="0"/>
+              </a:rPr>
+              <a:t>распределённая система </a:t>
+            </a:r>
+            <a:r>
+              <a:rPr lang="ru-RU" sz="1400" dirty="0" smtClean="0">
+                <a:solidFill>
+                  <a:schemeClr val="accent5">
+                    <a:lumMod val="50000"/>
+                  </a:schemeClr>
+                </a:solidFill>
+                <a:latin typeface="Times New Roman" pitchFamily="18" charset="0"/>
+                <a:cs typeface="Times New Roman" pitchFamily="18" charset="0"/>
+              </a:rPr>
+              <a:t>контроля </a:t>
+            </a:r>
+            <a:r>
+              <a:rPr lang="ru-RU" sz="1400" dirty="0" smtClean="0">
+                <a:solidFill>
+                  <a:schemeClr val="accent5">
+                    <a:lumMod val="50000"/>
+                  </a:schemeClr>
+                </a:solidFill>
+                <a:latin typeface="Times New Roman" pitchFamily="18" charset="0"/>
+                <a:cs typeface="Times New Roman" pitchFamily="18" charset="0"/>
+              </a:rPr>
+              <a:t>версий</a:t>
+            </a:r>
+            <a:endParaRPr lang="ru-RU" sz="1400" dirty="0">
+              <a:solidFill>
+                <a:schemeClr val="accent5">
+                  <a:lumMod val="50000"/>
+                </a:schemeClr>
+              </a:solidFill>
+              <a:latin typeface="Times New Roman" pitchFamily="18" charset="0"/>
+              <a:cs typeface="Times New Roman" pitchFamily="18" charset="0"/>
+            </a:endParaRPr>
+          </a:p>
+        </p:txBody>
+      </p:sp>
+      <p:sp>
+        <p:nvSpPr>
+          <p:cNvPr id="4" name="Номер слайда 3"/>
+          <p:cNvSpPr>
+            <a:spLocks noGrp="1"/>
+          </p:cNvSpPr>
+          <p:nvPr>
+            <p:ph type="sldNum" sz="quarter" idx="12"/>
+          </p:nvPr>
+        </p:nvSpPr>
+        <p:spPr/>
+        <p:txBody>
+          <a:bodyPr/>
+          <a:lstStyle/>
+          <a:p>
+            <a:fld id="{F2BB55FB-146C-47F1-A3F4-E5E9F11C5D2A}" type="slidenum">
+              <a:rPr lang="ru-RU" smtClean="0"/>
+              <a:pPr/>
+              <a:t>10</a:t>
+            </a:fld>
+            <a:endParaRPr lang="ru-RU"/>
+          </a:p>
+        </p:txBody>
+      </p:sp>
+      <p:pic>
+        <p:nvPicPr>
+          <p:cNvPr id="7" name="Рисунок 6" descr="git1.png"/>
+          <p:cNvPicPr>
+            <a:picLocks noChangeAspect="1"/>
+          </p:cNvPicPr>
+          <p:nvPr/>
+        </p:nvPicPr>
+        <p:blipFill>
+          <a:blip r:embed="rId3"/>
+          <a:stretch>
+            <a:fillRect/>
+          </a:stretch>
+        </p:blipFill>
+        <p:spPr>
+          <a:xfrm>
+            <a:off x="785786" y="2357430"/>
+            <a:ext cx="3143272" cy="3084753"/>
+          </a:xfrm>
+          <a:prstGeom prst="rect">
+            <a:avLst/>
+          </a:prstGeom>
+        </p:spPr>
+      </p:pic>
+      <p:sp>
+        <p:nvSpPr>
+          <p:cNvPr id="9" name="TextBox 8"/>
+          <p:cNvSpPr txBox="1"/>
+          <p:nvPr/>
+        </p:nvSpPr>
+        <p:spPr>
+          <a:xfrm>
+            <a:off x="3214678" y="642918"/>
+            <a:ext cx="2685351" cy="369332"/>
+          </a:xfrm>
+          <a:prstGeom prst="rect">
+            <a:avLst/>
+          </a:prstGeom>
+          <a:noFill/>
+        </p:spPr>
+        <p:txBody>
+          <a:bodyPr wrap="none" rtlCol="0">
+            <a:spAutoFit/>
+          </a:bodyPr>
+          <a:lstStyle/>
+          <a:p>
+            <a:r>
+              <a:rPr lang="ru-RU" dirty="0" smtClean="0">
+                <a:latin typeface="Times New Roman" pitchFamily="18" charset="0"/>
+                <a:cs typeface="Times New Roman" pitchFamily="18" charset="0"/>
+              </a:rPr>
+              <a:t>Инструменты разработки</a:t>
+            </a:r>
+            <a:endParaRPr lang="ru-RU" dirty="0">
+              <a:latin typeface="Times New Roman" pitchFamily="18" charset="0"/>
+              <a:cs typeface="Times New Roman" pitchFamily="18" charset="0"/>
+            </a:endParaRPr>
+          </a:p>
+        </p:txBody>
+      </p:sp>
+      <p:pic>
+        <p:nvPicPr>
+          <p:cNvPr id="10" name="Рисунок 9" descr="git2.png"/>
+          <p:cNvPicPr>
+            <a:picLocks noChangeAspect="1"/>
+          </p:cNvPicPr>
+          <p:nvPr/>
+        </p:nvPicPr>
+        <p:blipFill>
+          <a:blip r:embed="rId4"/>
+          <a:stretch>
+            <a:fillRect/>
+          </a:stretch>
+        </p:blipFill>
+        <p:spPr>
+          <a:xfrm>
+            <a:off x="5072066" y="1714488"/>
+            <a:ext cx="3571900" cy="1583820"/>
+          </a:xfrm>
+          <a:prstGeom prst="rect">
+            <a:avLst/>
+          </a:prstGeom>
+        </p:spPr>
+      </p:pic>
+      <p:sp>
+        <p:nvSpPr>
+          <p:cNvPr id="11" name="Содержимое 2"/>
+          <p:cNvSpPr txBox="1">
+            <a:spLocks/>
+          </p:cNvSpPr>
+          <p:nvPr/>
+        </p:nvSpPr>
+        <p:spPr>
+          <a:xfrm>
+            <a:off x="6572264" y="1285860"/>
+            <a:ext cx="2000296" cy="285752"/>
+          </a:xfrm>
+          <a:prstGeom prst="rect">
+            <a:avLst/>
+          </a:prstGeom>
+        </p:spPr>
+        <p:txBody>
+          <a:bodyPr vert="horz" lIns="91440" tIns="45720" rIns="91440" bIns="45720" rtlCol="0">
+            <a:normAutofit lnSpcReduction="10000"/>
+          </a:bodyPr>
+          <a:lstStyle/>
+          <a:p>
+            <a:pPr lvl="0">
+              <a:spcBef>
+                <a:spcPct val="20000"/>
+              </a:spcBef>
+              <a:buBlip>
+                <a:blip r:embed="rId2"/>
+              </a:buBlip>
+              <a:tabLst>
+                <a:tab pos="444500" algn="l"/>
+              </a:tabLst>
+            </a:pPr>
+            <a:r>
+              <a:rPr lang="ru-RU" sz="1400" dirty="0" smtClean="0">
+                <a:solidFill>
+                  <a:schemeClr val="accent5">
+                    <a:lumMod val="50000"/>
+                  </a:schemeClr>
+                </a:solidFill>
+                <a:latin typeface="Times New Roman" pitchFamily="18" charset="0"/>
+                <a:cs typeface="Times New Roman" pitchFamily="18" charset="0"/>
+              </a:rPr>
+              <a:t>Слепки вместо </a:t>
+            </a:r>
+            <a:r>
+              <a:rPr lang="ru-RU" sz="1400" dirty="0" err="1" smtClean="0">
+                <a:solidFill>
+                  <a:schemeClr val="accent5">
+                    <a:lumMod val="50000"/>
+                  </a:schemeClr>
+                </a:solidFill>
+                <a:latin typeface="Times New Roman" pitchFamily="18" charset="0"/>
+                <a:cs typeface="Times New Roman" pitchFamily="18" charset="0"/>
+              </a:rPr>
+              <a:t>патчей</a:t>
+            </a:r>
+            <a:endParaRPr kumimoji="0" lang="ru-RU" sz="1400" b="0" i="0" u="none" strike="noStrike" kern="1200" cap="none" spc="0" normalizeH="0" baseline="0" noProof="0" dirty="0">
+              <a:ln>
+                <a:noFill/>
+              </a:ln>
+              <a:solidFill>
+                <a:schemeClr val="accent5">
+                  <a:lumMod val="50000"/>
+                </a:schemeClr>
+              </a:solidFill>
+              <a:effectLst/>
+              <a:uLnTx/>
+              <a:uFillTx/>
+              <a:latin typeface="Times New Roman" pitchFamily="18" charset="0"/>
+              <a:ea typeface="+mn-ea"/>
+              <a:cs typeface="Times New Roman" pitchFamily="18" charset="0"/>
+            </a:endParaRPr>
+          </a:p>
+        </p:txBody>
+      </p:sp>
+      <p:sp>
+        <p:nvSpPr>
+          <p:cNvPr id="12" name="Содержимое 2"/>
+          <p:cNvSpPr txBox="1">
+            <a:spLocks/>
+          </p:cNvSpPr>
+          <p:nvPr/>
+        </p:nvSpPr>
+        <p:spPr>
+          <a:xfrm>
+            <a:off x="6643702" y="3571876"/>
+            <a:ext cx="1928826" cy="285752"/>
+          </a:xfrm>
+          <a:prstGeom prst="rect">
+            <a:avLst/>
+          </a:prstGeom>
+        </p:spPr>
+        <p:txBody>
+          <a:bodyPr vert="horz" lIns="91440" tIns="45720" rIns="91440" bIns="45720" rtlCol="0">
+            <a:normAutofit lnSpcReduction="10000"/>
+          </a:bodyPr>
+          <a:lstStyle/>
+          <a:p>
+            <a:pPr lvl="0">
+              <a:spcBef>
+                <a:spcPct val="20000"/>
+              </a:spcBef>
+              <a:buBlip>
+                <a:blip r:embed="rId2"/>
+              </a:buBlip>
+              <a:tabLst>
+                <a:tab pos="444500" algn="l"/>
+              </a:tabLst>
+            </a:pPr>
+            <a:r>
+              <a:rPr lang="ru-RU" sz="1400" dirty="0" smtClean="0">
+                <a:solidFill>
+                  <a:schemeClr val="accent5">
+                    <a:lumMod val="50000"/>
+                  </a:schemeClr>
+                </a:solidFill>
+                <a:latin typeface="Times New Roman" pitchFamily="18" charset="0"/>
+                <a:cs typeface="Times New Roman" pitchFamily="18" charset="0"/>
+              </a:rPr>
+              <a:t>Три состояния файла</a:t>
+            </a:r>
+            <a:endParaRPr kumimoji="0" lang="ru-RU" sz="1400" b="0" i="0" u="none" strike="noStrike" kern="1200" cap="none" spc="0" normalizeH="0" baseline="0" noProof="0" dirty="0">
+              <a:ln>
+                <a:noFill/>
+              </a:ln>
+              <a:solidFill>
+                <a:schemeClr val="accent5">
+                  <a:lumMod val="50000"/>
+                </a:schemeClr>
+              </a:solidFill>
+              <a:effectLst/>
+              <a:uLnTx/>
+              <a:uFillTx/>
+              <a:latin typeface="Times New Roman" pitchFamily="18" charset="0"/>
+              <a:ea typeface="+mn-ea"/>
+              <a:cs typeface="Times New Roman" pitchFamily="18" charset="0"/>
+            </a:endParaRPr>
+          </a:p>
+        </p:txBody>
+      </p:sp>
+      <p:pic>
+        <p:nvPicPr>
+          <p:cNvPr id="13" name="Рисунок 12" descr="git3.png"/>
+          <p:cNvPicPr>
+            <a:picLocks noChangeAspect="1"/>
+          </p:cNvPicPr>
+          <p:nvPr/>
+        </p:nvPicPr>
+        <p:blipFill>
+          <a:blip r:embed="rId5"/>
+          <a:stretch>
+            <a:fillRect/>
+          </a:stretch>
+        </p:blipFill>
+        <p:spPr>
+          <a:xfrm>
+            <a:off x="5214942" y="3857628"/>
+            <a:ext cx="3219899" cy="2900767"/>
+          </a:xfrm>
+          <a:prstGeom prst="rect">
+            <a:avLst/>
+          </a:prstGeom>
+        </p:spPr>
+      </p:pic>
+      <p:pic>
+        <p:nvPicPr>
+          <p:cNvPr id="39" name="Рисунок 38" descr="Git-Logo-2Color.png"/>
+          <p:cNvPicPr>
+            <a:picLocks noChangeAspect="1"/>
+          </p:cNvPicPr>
+          <p:nvPr/>
+        </p:nvPicPr>
+        <p:blipFill>
+          <a:blip r:embed="rId6" cstate="print"/>
+          <a:stretch>
+            <a:fillRect/>
+          </a:stretch>
+        </p:blipFill>
+        <p:spPr>
+          <a:xfrm>
+            <a:off x="3929058" y="1071546"/>
+            <a:ext cx="1357322" cy="566793"/>
+          </a:xfrm>
+          <a:prstGeom prst="rect">
+            <a:avLst/>
+          </a:prstGeom>
+        </p:spPr>
+      </p:pic>
+    </p:spTree>
+  </p:cSld>
+  <p:clrMapOvr>
+    <a:masterClrMapping/>
+  </p:clrMapOvr>
+  <p:timing>
+    <p:tnLst>
+      <p:par>
+        <p:cTn id="1" dur="indefinite" restart="never" nodeType="tmRoot"/>
+      </p:par>
+    </p:tnLst>
+  </p:timing>
+</p:sld>
+</file>
+
+<file path=ppt/slides/slide11.xml><?xml version="1.0" encoding="utf-8"?>
+<p:sld xmlns:a="http://schemas.openxmlformats.org/drawingml/2006/main" xmlns:r="http://schemas.openxmlformats.org/officeDocument/2006/relationships" xmlns:p="http://schemas.openxmlformats.org/presentationml/2006/main">
+  <p:cSld>
+    <p:spTree>
+      <p:nvGrpSpPr>
+        <p:cNvPr id="1" name=""/>
+        <p:cNvGrpSpPr/>
+        <p:nvPr/>
+      </p:nvGrpSpPr>
+      <p:grpSpPr>
+        <a:xfrm>
+          <a:off x="0" y="0"/>
+          <a:ext cx="0" cy="0"/>
+          <a:chOff x="0" y="0"/>
+          <a:chExt cx="0" cy="0"/>
+        </a:xfrm>
+      </p:grpSpPr>
+      <p:sp>
+        <p:nvSpPr>
+          <p:cNvPr id="2" name="Заголовок 1"/>
+          <p:cNvSpPr>
+            <a:spLocks noGrp="1"/>
+          </p:cNvSpPr>
+          <p:nvPr>
+            <p:ph type="title"/>
+          </p:nvPr>
+        </p:nvSpPr>
+        <p:spPr>
+          <a:xfrm>
+            <a:off x="0" y="0"/>
+            <a:ext cx="9144000" cy="714356"/>
+          </a:xfrm>
+        </p:spPr>
+        <p:txBody>
+          <a:bodyPr>
+            <a:normAutofit/>
+          </a:bodyPr>
+          <a:lstStyle/>
+          <a:p>
+            <a:r>
+              <a:rPr lang="ru-RU" sz="2600" dirty="0" smtClean="0">
+                <a:latin typeface="Times New Roman" pitchFamily="18" charset="0"/>
+                <a:cs typeface="Times New Roman" pitchFamily="18" charset="0"/>
+              </a:rPr>
+              <a:t>Технология разработки библиотеки</a:t>
+            </a:r>
+          </a:p>
+        </p:txBody>
+      </p:sp>
+      <p:sp>
+        <p:nvSpPr>
+          <p:cNvPr id="4" name="Номер слайда 3"/>
+          <p:cNvSpPr>
+            <a:spLocks noGrp="1"/>
+          </p:cNvSpPr>
+          <p:nvPr>
+            <p:ph type="sldNum" sz="quarter" idx="12"/>
+          </p:nvPr>
+        </p:nvSpPr>
+        <p:spPr/>
+        <p:txBody>
+          <a:bodyPr/>
+          <a:lstStyle/>
+          <a:p>
+            <a:fld id="{F2BB55FB-146C-47F1-A3F4-E5E9F11C5D2A}" type="slidenum">
+              <a:rPr lang="ru-RU" smtClean="0"/>
+              <a:pPr/>
+              <a:t>11</a:t>
+            </a:fld>
+            <a:endParaRPr lang="ru-RU"/>
+          </a:p>
+        </p:txBody>
+      </p:sp>
+      <p:sp>
+        <p:nvSpPr>
+          <p:cNvPr id="9" name="TextBox 8"/>
+          <p:cNvSpPr txBox="1"/>
+          <p:nvPr/>
+        </p:nvSpPr>
+        <p:spPr>
+          <a:xfrm>
+            <a:off x="3214678" y="642918"/>
+            <a:ext cx="2685351" cy="369332"/>
+          </a:xfrm>
+          <a:prstGeom prst="rect">
+            <a:avLst/>
+          </a:prstGeom>
+          <a:noFill/>
+        </p:spPr>
+        <p:txBody>
+          <a:bodyPr wrap="none" rtlCol="0">
+            <a:spAutoFit/>
+          </a:bodyPr>
+          <a:lstStyle/>
+          <a:p>
+            <a:r>
+              <a:rPr lang="ru-RU" dirty="0" smtClean="0">
+                <a:latin typeface="Times New Roman" pitchFamily="18" charset="0"/>
+                <a:cs typeface="Times New Roman" pitchFamily="18" charset="0"/>
+              </a:rPr>
+              <a:t>Инструменты разработки</a:t>
+            </a:r>
+            <a:endParaRPr lang="ru-RU" dirty="0">
+              <a:latin typeface="Times New Roman" pitchFamily="18" charset="0"/>
+              <a:cs typeface="Times New Roman" pitchFamily="18" charset="0"/>
+            </a:endParaRPr>
+          </a:p>
+        </p:txBody>
+      </p:sp>
+      <p:pic>
+        <p:nvPicPr>
+          <p:cNvPr id="16" name="Рисунок 15" descr="vim-editor_logo.png"/>
+          <p:cNvPicPr>
+            <a:picLocks noChangeAspect="1"/>
+          </p:cNvPicPr>
+          <p:nvPr/>
+        </p:nvPicPr>
+        <p:blipFill>
+          <a:blip r:embed="rId2" cstate="print"/>
+          <a:stretch>
+            <a:fillRect/>
+          </a:stretch>
+        </p:blipFill>
+        <p:spPr>
+          <a:xfrm>
+            <a:off x="4143372" y="1071546"/>
+            <a:ext cx="785818" cy="785818"/>
+          </a:xfrm>
+          <a:prstGeom prst="rect">
+            <a:avLst/>
+          </a:prstGeom>
+        </p:spPr>
+      </p:pic>
+      <p:sp>
+        <p:nvSpPr>
+          <p:cNvPr id="17" name="Содержимое 2"/>
+          <p:cNvSpPr>
+            <a:spLocks noGrp="1"/>
+          </p:cNvSpPr>
+          <p:nvPr>
+            <p:ph idx="1"/>
+          </p:nvPr>
+        </p:nvSpPr>
+        <p:spPr>
+          <a:xfrm>
+            <a:off x="571472" y="1857364"/>
+            <a:ext cx="3929090" cy="1785950"/>
+          </a:xfrm>
+        </p:spPr>
+        <p:txBody>
+          <a:bodyPr>
+            <a:noAutofit/>
+          </a:bodyPr>
+          <a:lstStyle/>
+          <a:p>
+            <a:pPr marL="0" indent="0" algn="just">
+              <a:buNone/>
+              <a:tabLst>
+                <a:tab pos="444500" algn="l"/>
+              </a:tabLst>
+            </a:pPr>
+            <a:r>
+              <a:rPr lang="en-US" sz="1400" b="1" dirty="0" smtClean="0">
+                <a:solidFill>
+                  <a:schemeClr val="accent5">
+                    <a:lumMod val="50000"/>
+                  </a:schemeClr>
+                </a:solidFill>
+                <a:latin typeface="Times New Roman" pitchFamily="18" charset="0"/>
+                <a:cs typeface="Times New Roman" pitchFamily="18" charset="0"/>
+              </a:rPr>
+              <a:t>Vim</a:t>
+            </a:r>
+            <a:r>
+              <a:rPr lang="en-US" sz="1400" dirty="0" smtClean="0">
+                <a:solidFill>
+                  <a:schemeClr val="accent5">
+                    <a:lumMod val="50000"/>
+                  </a:schemeClr>
+                </a:solidFill>
+                <a:latin typeface="Times New Roman" pitchFamily="18" charset="0"/>
+                <a:cs typeface="Times New Roman" pitchFamily="18" charset="0"/>
+              </a:rPr>
+              <a:t> - </a:t>
+            </a:r>
+            <a:r>
+              <a:rPr lang="ru-RU" sz="1400" dirty="0" smtClean="0">
+                <a:solidFill>
+                  <a:schemeClr val="accent5">
+                    <a:lumMod val="50000"/>
+                  </a:schemeClr>
+                </a:solidFill>
+                <a:latin typeface="Times New Roman" pitchFamily="18" charset="0"/>
+                <a:cs typeface="Times New Roman" pitchFamily="18" charset="0"/>
+              </a:rPr>
+              <a:t>текстовый редактор с двумя режимами ввода:</a:t>
+            </a:r>
+          </a:p>
+          <a:p>
+            <a:pPr marL="0" indent="0" algn="just">
+              <a:buBlip>
+                <a:blip r:embed="rId3"/>
+              </a:buBlip>
+              <a:tabLst>
+                <a:tab pos="444500" algn="l"/>
+              </a:tabLst>
+            </a:pPr>
+            <a:r>
+              <a:rPr lang="ru-RU" sz="1400" dirty="0" smtClean="0">
+                <a:solidFill>
+                  <a:schemeClr val="accent5">
+                    <a:lumMod val="50000"/>
+                  </a:schemeClr>
+                </a:solidFill>
+                <a:latin typeface="Times New Roman" pitchFamily="18" charset="0"/>
+                <a:cs typeface="Times New Roman" pitchFamily="18" charset="0"/>
+              </a:rPr>
+              <a:t>Командный (позволяет использовать клавиши клавиатуры не для </a:t>
+            </a:r>
+            <a:r>
+              <a:rPr lang="ru-RU" sz="1400" dirty="0" smtClean="0">
+                <a:solidFill>
+                  <a:schemeClr val="accent5">
+                    <a:lumMod val="50000"/>
+                  </a:schemeClr>
+                </a:solidFill>
+                <a:latin typeface="Times New Roman" pitchFamily="18" charset="0"/>
+                <a:cs typeface="Times New Roman" pitchFamily="18" charset="0"/>
+              </a:rPr>
+              <a:t>печати символов, </a:t>
+            </a:r>
+            <a:r>
+              <a:rPr lang="ru-RU" sz="1400" dirty="0" smtClean="0">
+                <a:solidFill>
+                  <a:schemeClr val="accent5">
+                    <a:lumMod val="50000"/>
+                  </a:schemeClr>
+                </a:solidFill>
+                <a:latin typeface="Times New Roman" pitchFamily="18" charset="0"/>
+                <a:cs typeface="Times New Roman" pitchFamily="18" charset="0"/>
+              </a:rPr>
+              <a:t>а для различных команд) </a:t>
+            </a:r>
+            <a:endParaRPr lang="ru-RU" sz="1400" dirty="0" smtClean="0">
+              <a:solidFill>
+                <a:schemeClr val="accent5">
+                  <a:lumMod val="50000"/>
+                </a:schemeClr>
+              </a:solidFill>
+              <a:latin typeface="Times New Roman" pitchFamily="18" charset="0"/>
+              <a:cs typeface="Times New Roman" pitchFamily="18" charset="0"/>
+            </a:endParaRPr>
+          </a:p>
+          <a:p>
+            <a:pPr marL="0" indent="0" algn="just">
+              <a:buBlip>
+                <a:blip r:embed="rId3"/>
+              </a:buBlip>
+              <a:tabLst>
+                <a:tab pos="444500" algn="l"/>
+              </a:tabLst>
+            </a:pPr>
+            <a:r>
+              <a:rPr lang="ru-RU" sz="1400" dirty="0" smtClean="0">
+                <a:solidFill>
+                  <a:schemeClr val="accent5">
+                    <a:lumMod val="50000"/>
+                  </a:schemeClr>
+                </a:solidFill>
+                <a:latin typeface="Times New Roman" pitchFamily="18" charset="0"/>
+                <a:cs typeface="Times New Roman" pitchFamily="18" charset="0"/>
+              </a:rPr>
+              <a:t>Текстовый (режим непосредственного редактирования текста, аналогичный большинству «обычных» редакторов).</a:t>
+            </a:r>
+            <a:endParaRPr lang="ru-RU" sz="1400" dirty="0">
+              <a:solidFill>
+                <a:schemeClr val="accent5">
+                  <a:lumMod val="50000"/>
+                </a:schemeClr>
+              </a:solidFill>
+              <a:latin typeface="Times New Roman" pitchFamily="18" charset="0"/>
+              <a:cs typeface="Times New Roman" pitchFamily="18" charset="0"/>
+            </a:endParaRPr>
+          </a:p>
+        </p:txBody>
+      </p:sp>
+      <p:pic>
+        <p:nvPicPr>
+          <p:cNvPr id="18" name="Рисунок 17" descr="macvim.png"/>
+          <p:cNvPicPr>
+            <a:picLocks noChangeAspect="1"/>
+          </p:cNvPicPr>
+          <p:nvPr/>
+        </p:nvPicPr>
+        <p:blipFill>
+          <a:blip r:embed="rId4"/>
+          <a:stretch>
+            <a:fillRect/>
+          </a:stretch>
+        </p:blipFill>
+        <p:spPr>
+          <a:xfrm>
+            <a:off x="5286380" y="1857364"/>
+            <a:ext cx="3571880" cy="2190753"/>
+          </a:xfrm>
+          <a:prstGeom prst="rect">
+            <a:avLst/>
+          </a:prstGeom>
+        </p:spPr>
+      </p:pic>
+      <p:sp>
+        <p:nvSpPr>
+          <p:cNvPr id="20" name="TextBox 19"/>
+          <p:cNvSpPr txBox="1"/>
+          <p:nvPr/>
+        </p:nvSpPr>
+        <p:spPr>
+          <a:xfrm>
+            <a:off x="642910" y="4000504"/>
+            <a:ext cx="4500594" cy="2739211"/>
+          </a:xfrm>
+          <a:prstGeom prst="rect">
+            <a:avLst/>
+          </a:prstGeom>
+          <a:noFill/>
+        </p:spPr>
+        <p:txBody>
+          <a:bodyPr wrap="square" rtlCol="0">
+            <a:spAutoFit/>
+          </a:bodyPr>
+          <a:lstStyle/>
+          <a:p>
+            <a:pPr algn="ctr"/>
+            <a:r>
+              <a:rPr lang="ru-RU" sz="1400" b="1" dirty="0" smtClean="0">
+                <a:solidFill>
+                  <a:schemeClr val="accent5">
+                    <a:lumMod val="50000"/>
+                  </a:schemeClr>
+                </a:solidFill>
+                <a:latin typeface="Times New Roman" pitchFamily="18" charset="0"/>
+                <a:cs typeface="Times New Roman" pitchFamily="18" charset="0"/>
+              </a:rPr>
+              <a:t>Функциональность</a:t>
+            </a:r>
+          </a:p>
+          <a:p>
+            <a:pPr algn="ctr"/>
+            <a:endParaRPr lang="ru-RU" sz="1400" dirty="0" smtClean="0">
+              <a:solidFill>
+                <a:schemeClr val="accent5">
+                  <a:lumMod val="50000"/>
+                </a:schemeClr>
+              </a:solidFill>
+              <a:latin typeface="Times New Roman" pitchFamily="18" charset="0"/>
+              <a:cs typeface="Times New Roman" pitchFamily="18" charset="0"/>
+            </a:endParaRPr>
+          </a:p>
+          <a:p>
+            <a:pPr>
+              <a:buBlip>
+                <a:blip r:embed="rId3"/>
+              </a:buBlip>
+            </a:pPr>
+            <a:r>
+              <a:rPr lang="ru-RU" sz="1400" dirty="0" smtClean="0">
+                <a:solidFill>
+                  <a:schemeClr val="accent5">
+                    <a:lumMod val="50000"/>
+                  </a:schemeClr>
+                </a:solidFill>
+                <a:latin typeface="Times New Roman" pitchFamily="18" charset="0"/>
+                <a:cs typeface="Times New Roman" pitchFamily="18" charset="0"/>
+              </a:rPr>
+              <a:t> Разбиение окон </a:t>
+            </a:r>
+            <a:r>
+              <a:rPr lang="ru-RU" sz="1400" dirty="0" smtClean="0">
+                <a:solidFill>
+                  <a:schemeClr val="accent5">
+                    <a:lumMod val="50000"/>
+                  </a:schemeClr>
+                </a:solidFill>
+                <a:latin typeface="Times New Roman" pitchFamily="18" charset="0"/>
+                <a:cs typeface="Times New Roman" pitchFamily="18" charset="0"/>
+              </a:rPr>
+              <a:t>редактирования</a:t>
+            </a:r>
+          </a:p>
+          <a:p>
+            <a:pPr>
+              <a:buBlip>
+                <a:blip r:embed="rId3"/>
+              </a:buBlip>
+            </a:pPr>
+            <a:r>
+              <a:rPr lang="ru-RU" sz="1400" dirty="0" smtClean="0">
+                <a:solidFill>
+                  <a:schemeClr val="accent5">
+                    <a:lumMod val="50000"/>
+                  </a:schemeClr>
+                </a:solidFill>
+                <a:latin typeface="Times New Roman" pitchFamily="18" charset="0"/>
+                <a:cs typeface="Times New Roman" pitchFamily="18" charset="0"/>
+              </a:rPr>
+              <a:t>Неограниченная глубина отмены (</a:t>
+            </a:r>
+            <a:r>
+              <a:rPr lang="en-US" sz="1400" dirty="0" smtClean="0">
+                <a:solidFill>
+                  <a:schemeClr val="accent5">
+                    <a:lumMod val="50000"/>
+                  </a:schemeClr>
+                </a:solidFill>
+                <a:latin typeface="Times New Roman" pitchFamily="18" charset="0"/>
+                <a:cs typeface="Times New Roman" pitchFamily="18" charset="0"/>
+              </a:rPr>
+              <a:t>undo</a:t>
+            </a:r>
+            <a:r>
+              <a:rPr lang="en-US" sz="1400" dirty="0" smtClean="0">
+                <a:solidFill>
+                  <a:schemeClr val="accent5">
+                    <a:lumMod val="50000"/>
+                  </a:schemeClr>
+                </a:solidFill>
+                <a:latin typeface="Times New Roman" pitchFamily="18" charset="0"/>
+                <a:cs typeface="Times New Roman" pitchFamily="18" charset="0"/>
+              </a:rPr>
+              <a:t>)</a:t>
+            </a:r>
+            <a:endParaRPr lang="ru-RU" sz="1400" dirty="0" smtClean="0">
+              <a:solidFill>
+                <a:schemeClr val="accent5">
+                  <a:lumMod val="50000"/>
+                </a:schemeClr>
+              </a:solidFill>
+              <a:latin typeface="Times New Roman" pitchFamily="18" charset="0"/>
+              <a:cs typeface="Times New Roman" pitchFamily="18" charset="0"/>
+            </a:endParaRPr>
+          </a:p>
+          <a:p>
+            <a:pPr>
+              <a:buBlip>
+                <a:blip r:embed="rId3"/>
+              </a:buBlip>
+            </a:pPr>
+            <a:r>
+              <a:rPr lang="ru-RU" sz="1400" dirty="0" smtClean="0">
+                <a:solidFill>
+                  <a:schemeClr val="accent5">
+                    <a:lumMod val="50000"/>
+                  </a:schemeClr>
+                </a:solidFill>
+                <a:latin typeface="Times New Roman" pitchFamily="18" charset="0"/>
+                <a:cs typeface="Times New Roman" pitchFamily="18" charset="0"/>
+              </a:rPr>
+              <a:t>Режим сравнения двух </a:t>
+            </a:r>
+            <a:r>
+              <a:rPr lang="ru-RU" sz="1400" dirty="0" smtClean="0">
+                <a:solidFill>
+                  <a:schemeClr val="accent5">
+                    <a:lumMod val="50000"/>
+                  </a:schemeClr>
+                </a:solidFill>
+                <a:latin typeface="Times New Roman" pitchFamily="18" charset="0"/>
+                <a:cs typeface="Times New Roman" pitchFamily="18" charset="0"/>
+              </a:rPr>
+              <a:t>файлов</a:t>
+            </a:r>
+          </a:p>
+          <a:p>
+            <a:pPr>
+              <a:buBlip>
+                <a:blip r:embed="rId3"/>
+              </a:buBlip>
+            </a:pPr>
+            <a:r>
+              <a:rPr lang="ru-RU" sz="1400" dirty="0" smtClean="0">
+                <a:solidFill>
+                  <a:schemeClr val="accent5">
+                    <a:lumMod val="50000"/>
+                  </a:schemeClr>
+                </a:solidFill>
+                <a:latin typeface="Times New Roman" pitchFamily="18" charset="0"/>
+                <a:cs typeface="Times New Roman" pitchFamily="18" charset="0"/>
+              </a:rPr>
+              <a:t>Подсветка </a:t>
+            </a:r>
+            <a:r>
+              <a:rPr lang="ru-RU" sz="1400" dirty="0" smtClean="0">
+                <a:solidFill>
+                  <a:schemeClr val="accent5">
+                    <a:lumMod val="50000"/>
+                  </a:schemeClr>
+                </a:solidFill>
+                <a:latin typeface="Times New Roman" pitchFamily="18" charset="0"/>
+                <a:cs typeface="Times New Roman" pitchFamily="18" charset="0"/>
+              </a:rPr>
+              <a:t>синтаксиса</a:t>
+            </a:r>
+          </a:p>
+          <a:p>
+            <a:pPr>
+              <a:buBlip>
+                <a:blip r:embed="rId3"/>
+              </a:buBlip>
+            </a:pPr>
+            <a:r>
+              <a:rPr lang="ru-RU" sz="1400" dirty="0" smtClean="0">
+                <a:solidFill>
+                  <a:schemeClr val="accent5">
+                    <a:lumMod val="50000"/>
+                  </a:schemeClr>
+                </a:solidFill>
+                <a:latin typeface="Times New Roman" pitchFamily="18" charset="0"/>
+                <a:cs typeface="Times New Roman" pitchFamily="18" charset="0"/>
+              </a:rPr>
+              <a:t>Автоматическое продолжение </a:t>
+            </a:r>
+            <a:r>
+              <a:rPr lang="ru-RU" sz="1400" dirty="0" smtClean="0">
+                <a:solidFill>
+                  <a:schemeClr val="accent5">
+                    <a:lumMod val="50000"/>
+                  </a:schemeClr>
+                </a:solidFill>
+                <a:latin typeface="Times New Roman" pitchFamily="18" charset="0"/>
+                <a:cs typeface="Times New Roman" pitchFamily="18" charset="0"/>
+              </a:rPr>
+              <a:t>команд</a:t>
+            </a:r>
+          </a:p>
+          <a:p>
+            <a:pPr>
+              <a:buBlip>
+                <a:blip r:embed="rId3"/>
+              </a:buBlip>
+            </a:pPr>
+            <a:r>
+              <a:rPr lang="ru-RU" sz="1400" dirty="0" smtClean="0">
+                <a:solidFill>
+                  <a:schemeClr val="accent5">
+                    <a:lumMod val="50000"/>
+                  </a:schemeClr>
+                </a:solidFill>
+                <a:latin typeface="Times New Roman" pitchFamily="18" charset="0"/>
+                <a:cs typeface="Times New Roman" pitchFamily="18" charset="0"/>
+              </a:rPr>
+              <a:t>Сворачивание (</a:t>
+            </a:r>
+            <a:r>
+              <a:rPr lang="en-US" sz="1400" dirty="0" smtClean="0">
+                <a:solidFill>
+                  <a:schemeClr val="accent5">
+                    <a:lumMod val="50000"/>
+                  </a:schemeClr>
+                </a:solidFill>
+                <a:latin typeface="Times New Roman" pitchFamily="18" charset="0"/>
+                <a:cs typeface="Times New Roman" pitchFamily="18" charset="0"/>
+              </a:rPr>
+              <a:t>folding) </a:t>
+            </a:r>
+            <a:r>
+              <a:rPr lang="ru-RU" sz="1400" dirty="0" smtClean="0">
+                <a:solidFill>
+                  <a:schemeClr val="accent5">
+                    <a:lumMod val="50000"/>
+                  </a:schemeClr>
+                </a:solidFill>
+                <a:latin typeface="Times New Roman" pitchFamily="18" charset="0"/>
+                <a:cs typeface="Times New Roman" pitchFamily="18" charset="0"/>
+              </a:rPr>
+              <a:t>текста</a:t>
+            </a:r>
+          </a:p>
+          <a:p>
+            <a:pPr>
+              <a:buBlip>
+                <a:blip r:embed="rId3"/>
+              </a:buBlip>
+            </a:pPr>
+            <a:r>
+              <a:rPr lang="ru-RU" sz="1400" dirty="0" smtClean="0">
+                <a:solidFill>
+                  <a:schemeClr val="accent5">
+                    <a:lumMod val="50000"/>
+                  </a:schemeClr>
+                </a:solidFill>
+                <a:latin typeface="Times New Roman" pitchFamily="18" charset="0"/>
+                <a:cs typeface="Times New Roman" pitchFamily="18" charset="0"/>
+              </a:rPr>
+              <a:t>Поддержка </a:t>
+            </a:r>
+            <a:r>
+              <a:rPr lang="ru-RU" sz="1400" dirty="0" smtClean="0">
+                <a:solidFill>
+                  <a:schemeClr val="accent5">
+                    <a:lumMod val="50000"/>
+                  </a:schemeClr>
+                </a:solidFill>
+                <a:latin typeface="Times New Roman" pitchFamily="18" charset="0"/>
+                <a:cs typeface="Times New Roman" pitchFamily="18" charset="0"/>
+              </a:rPr>
+              <a:t>цикла разработки «редактирование — компиляция — исправление» программ</a:t>
+            </a:r>
+            <a:endParaRPr lang="ru-RU" sz="1400" dirty="0" smtClean="0">
+              <a:solidFill>
+                <a:schemeClr val="accent5">
+                  <a:lumMod val="50000"/>
+                </a:schemeClr>
+              </a:solidFill>
+              <a:latin typeface="Times New Roman" pitchFamily="18" charset="0"/>
+              <a:cs typeface="Times New Roman" pitchFamily="18" charset="0"/>
+            </a:endParaRPr>
+          </a:p>
+          <a:p>
+            <a:endParaRPr lang="ru-RU" sz="1400" dirty="0" smtClean="0">
+              <a:solidFill>
+                <a:schemeClr val="accent5">
+                  <a:lumMod val="50000"/>
+                </a:schemeClr>
+              </a:solidFill>
+              <a:latin typeface="Times New Roman" pitchFamily="18" charset="0"/>
+              <a:cs typeface="Times New Roman" pitchFamily="18" charset="0"/>
+            </a:endParaRPr>
+          </a:p>
+          <a:p>
+            <a:endParaRPr lang="ru-RU" dirty="0"/>
+          </a:p>
+        </p:txBody>
+      </p:sp>
+    </p:spTree>
+  </p:cSld>
+  <p:clrMapOvr>
+    <a:masterClrMapping/>
+  </p:clrMapOvr>
+  <p:timing>
+    <p:tnLst>
+      <p:par>
+        <p:cTn id="1" dur="indefinite" restart="never" nodeType="tmRoot"/>
+      </p:par>
+    </p:tnLst>
+  </p:timing>
+</p:sld>
+</file>
+
+<file path=ppt/slides/slide12.xml><?xml version="1.0" encoding="utf-8"?>
+<p:sld xmlns:a="http://schemas.openxmlformats.org/drawingml/2006/main" xmlns:r="http://schemas.openxmlformats.org/officeDocument/2006/relationships" xmlns:p="http://schemas.openxmlformats.org/presentationml/2006/main">
+  <p:cSld>
+    <p:spTree>
+      <p:nvGrpSpPr>
+        <p:cNvPr id="1" name=""/>
+        <p:cNvGrpSpPr/>
+        <p:nvPr/>
+      </p:nvGrpSpPr>
+      <p:grpSpPr>
+        <a:xfrm>
+          <a:off x="0" y="0"/>
+          <a:ext cx="0" cy="0"/>
+          <a:chOff x="0" y="0"/>
+          <a:chExt cx="0" cy="0"/>
+        </a:xfrm>
+      </p:grpSpPr>
+      <p:sp>
+        <p:nvSpPr>
+          <p:cNvPr id="2" name="Заголовок 1"/>
+          <p:cNvSpPr>
+            <a:spLocks noGrp="1"/>
+          </p:cNvSpPr>
+          <p:nvPr>
+            <p:ph type="title"/>
+          </p:nvPr>
+        </p:nvSpPr>
+        <p:spPr>
+          <a:xfrm>
+            <a:off x="0" y="0"/>
+            <a:ext cx="9144000" cy="714356"/>
+          </a:xfrm>
+        </p:spPr>
+        <p:txBody>
+          <a:bodyPr>
+            <a:normAutofit/>
+          </a:bodyPr>
+          <a:lstStyle/>
+          <a:p>
+            <a:r>
+              <a:rPr lang="ru-RU" sz="2600" dirty="0" smtClean="0">
+                <a:latin typeface="Times New Roman" pitchFamily="18" charset="0"/>
+                <a:cs typeface="Times New Roman" pitchFamily="18" charset="0"/>
+              </a:rPr>
+              <a:t>Технология разработки библиотеки</a:t>
+            </a:r>
+          </a:p>
+        </p:txBody>
+      </p:sp>
+      <p:sp>
+        <p:nvSpPr>
+          <p:cNvPr id="4" name="Номер слайда 3"/>
+          <p:cNvSpPr>
+            <a:spLocks noGrp="1"/>
+          </p:cNvSpPr>
+          <p:nvPr>
+            <p:ph type="sldNum" sz="quarter" idx="12"/>
+          </p:nvPr>
+        </p:nvSpPr>
+        <p:spPr/>
+        <p:txBody>
+          <a:bodyPr/>
+          <a:lstStyle/>
+          <a:p>
+            <a:fld id="{F2BB55FB-146C-47F1-A3F4-E5E9F11C5D2A}" type="slidenum">
+              <a:rPr lang="ru-RU" smtClean="0"/>
+              <a:pPr/>
+              <a:t>12</a:t>
+            </a:fld>
+            <a:endParaRPr lang="ru-RU"/>
+          </a:p>
+        </p:txBody>
+      </p:sp>
+      <p:sp>
+        <p:nvSpPr>
+          <p:cNvPr id="9" name="TextBox 8"/>
+          <p:cNvSpPr txBox="1"/>
+          <p:nvPr/>
+        </p:nvSpPr>
+        <p:spPr>
+          <a:xfrm>
+            <a:off x="0" y="642918"/>
+            <a:ext cx="9144000" cy="369332"/>
+          </a:xfrm>
+          <a:prstGeom prst="rect">
+            <a:avLst/>
+          </a:prstGeom>
+          <a:noFill/>
+        </p:spPr>
+        <p:txBody>
+          <a:bodyPr wrap="square" rtlCol="0">
+            <a:spAutoFit/>
+          </a:bodyPr>
+          <a:lstStyle/>
+          <a:p>
+            <a:pPr algn="ctr"/>
+            <a:r>
+              <a:rPr lang="ru-RU" dirty="0" err="1" smtClean="0">
+                <a:latin typeface="Times New Roman" pitchFamily="18" charset="0"/>
+                <a:cs typeface="Times New Roman" pitchFamily="18" charset="0"/>
+              </a:rPr>
+              <a:t>Прототипирование</a:t>
+            </a:r>
+            <a:endParaRPr lang="ru-RU" dirty="0">
+              <a:latin typeface="Times New Roman" pitchFamily="18" charset="0"/>
+              <a:cs typeface="Times New Roman" pitchFamily="18" charset="0"/>
+            </a:endParaRPr>
+          </a:p>
+        </p:txBody>
+      </p:sp>
+    </p:spTree>
+  </p:cSld>
+  <p:clrMapOvr>
+    <a:masterClrMapping/>
+  </p:clrMapOvr>
+  <p:timing>
+    <p:tnLst>
+      <p:par>
+        <p:cTn id="1" dur="indefinite" restart="never" nodeType="tmRoot"/>
+      </p:par>
+    </p:tnLst>
+  </p:timing>
+</p:sld>
+</file>
+
+<file path=ppt/slides/slide13.xml><?xml version="1.0" encoding="utf-8"?>
+<p:sld xmlns:a="http://schemas.openxmlformats.org/drawingml/2006/main" xmlns:r="http://schemas.openxmlformats.org/officeDocument/2006/relationships" xmlns:p="http://schemas.openxmlformats.org/presentationml/2006/main">
+  <p:cSld>
+    <p:spTree>
+      <p:nvGrpSpPr>
+        <p:cNvPr id="1" name=""/>
+        <p:cNvGrpSpPr/>
+        <p:nvPr/>
+      </p:nvGrpSpPr>
+      <p:grpSpPr>
+        <a:xfrm>
+          <a:off x="0" y="0"/>
+          <a:ext cx="0" cy="0"/>
+          <a:chOff x="0" y="0"/>
+          <a:chExt cx="0" cy="0"/>
+        </a:xfrm>
+      </p:grpSpPr>
+      <p:sp>
+        <p:nvSpPr>
+          <p:cNvPr id="2" name="Заголовок 1"/>
+          <p:cNvSpPr>
+            <a:spLocks noGrp="1"/>
+          </p:cNvSpPr>
+          <p:nvPr>
+            <p:ph type="title"/>
+          </p:nvPr>
+        </p:nvSpPr>
+        <p:spPr>
+          <a:xfrm>
+            <a:off x="0" y="2714620"/>
+            <a:ext cx="9144000" cy="1143000"/>
+          </a:xfrm>
+        </p:spPr>
+        <p:txBody>
+          <a:bodyPr>
+            <a:normAutofit/>
+          </a:bodyPr>
+          <a:lstStyle/>
+          <a:p>
+            <a:r>
+              <a:rPr lang="ru-RU" sz="5000" b="1" dirty="0" smtClean="0">
+                <a:latin typeface="Times New Roman" pitchFamily="18" charset="0"/>
+                <a:cs typeface="Times New Roman" pitchFamily="18" charset="0"/>
+              </a:rPr>
+              <a:t>Спасибо за </a:t>
+            </a:r>
+            <a:r>
+              <a:rPr lang="ru-RU" sz="5000" b="1" dirty="0" smtClean="0">
+                <a:latin typeface="Times New Roman" pitchFamily="18" charset="0"/>
+                <a:cs typeface="Times New Roman" pitchFamily="18" charset="0"/>
+              </a:rPr>
+              <a:t>В</a:t>
+            </a:r>
+            <a:r>
+              <a:rPr lang="ru-RU" sz="5000" b="1" dirty="0" smtClean="0">
+                <a:latin typeface="Times New Roman" pitchFamily="18" charset="0"/>
+                <a:cs typeface="Times New Roman" pitchFamily="18" charset="0"/>
+              </a:rPr>
+              <a:t>нимание</a:t>
+            </a:r>
+            <a:endParaRPr lang="ru-RU" sz="5000" b="1" dirty="0">
+              <a:latin typeface="Times New Roman" pitchFamily="18" charset="0"/>
+              <a:cs typeface="Times New Roman" pitchFamily="18" charset="0"/>
+            </a:endParaRPr>
+          </a:p>
+        </p:txBody>
+      </p:sp>
+      <p:sp>
+        <p:nvSpPr>
+          <p:cNvPr id="4" name="Номер слайда 3"/>
+          <p:cNvSpPr>
+            <a:spLocks noGrp="1"/>
+          </p:cNvSpPr>
+          <p:nvPr>
+            <p:ph type="sldNum" sz="quarter" idx="12"/>
+          </p:nvPr>
+        </p:nvSpPr>
+        <p:spPr/>
+        <p:txBody>
+          <a:bodyPr/>
+          <a:lstStyle/>
+          <a:p>
+            <a:fld id="{F2BB55FB-146C-47F1-A3F4-E5E9F11C5D2A}" type="slidenum">
+              <a:rPr lang="ru-RU" smtClean="0"/>
+              <a:pPr/>
+              <a:t>13</a:t>
+            </a:fld>
+            <a:endParaRPr lang="ru-RU"/>
+          </a:p>
+        </p:txBody>
+      </p:sp>
+    </p:spTree>
+  </p:cSld>
+  <p:clrMapOvr>
+    <a:masterClrMapping/>
+  </p:clrMapOvr>
+  <p:timing>
+    <p:tnLst>
+      <p:par>
+        <p:cTn id="1" dur="indefinite" restart="never" nodeType="tmRoot"/>
+      </p:par>
+    </p:tnLst>
+  </p:timing>
 </p:sld>
 </file>
 
@@ -3854,6 +5268,12 @@
                       <a:headEnd type="none" w="med" len="med"/>
                       <a:tailEnd type="none" w="med" len="med"/>
                     </a:lnT>
+                    <a:solidFill>
+                      <a:schemeClr val="accent1">
+                        <a:lumMod val="40000"/>
+                        <a:lumOff val="60000"/>
+                      </a:schemeClr>
+                    </a:solidFill>
                   </a:tcPr>
                 </a:tc>
                 <a:tc>
@@ -3903,6 +5323,12 @@
                       <a:headEnd type="none" w="med" len="med"/>
                       <a:tailEnd type="none" w="med" len="med"/>
                     </a:lnT>
+                    <a:solidFill>
+                      <a:schemeClr val="accent2">
+                        <a:lumMod val="40000"/>
+                        <a:lumOff val="60000"/>
+                      </a:schemeClr>
+                    </a:solidFill>
                   </a:tcPr>
                 </a:tc>
               </a:tr>
@@ -4015,7 +5441,12 @@
                       <a:headEnd type="none" w="med" len="med"/>
                       <a:tailEnd type="none" w="med" len="med"/>
                     </a:lnB>
-                    <a:noFill/>
+                    <a:solidFill>
+                      <a:schemeClr val="accent1">
+                        <a:lumMod val="20000"/>
+                        <a:lumOff val="80000"/>
+                      </a:schemeClr>
+                    </a:solidFill>
                   </a:tcPr>
                 </a:tc>
                 <a:tc>
@@ -4147,7 +5578,12 @@
                       <a:headEnd type="none" w="med" len="med"/>
                       <a:tailEnd type="none" w="med" len="med"/>
                     </a:lnB>
-                    <a:noFill/>
+                    <a:solidFill>
+                      <a:schemeClr val="accent2">
+                        <a:lumMod val="20000"/>
+                        <a:lumOff val="80000"/>
+                      </a:schemeClr>
+                    </a:solidFill>
                   </a:tcPr>
                 </a:tc>
               </a:tr>
@@ -4220,21 +5656,7 @@
                 <a:latin typeface="Times New Roman" pitchFamily="18" charset="0"/>
                 <a:cs typeface="Times New Roman" pitchFamily="18" charset="0"/>
               </a:rPr>
-              <a:t>Целью дипломной работы является разработка библиотеки, решающей задачу автоматизации </a:t>
-            </a:r>
-            <a:r>
-              <a:rPr lang="ru-RU" dirty="0" smtClean="0">
-                <a:latin typeface="Times New Roman" pitchFamily="18" charset="0"/>
-                <a:cs typeface="Times New Roman" pitchFamily="18" charset="0"/>
-              </a:rPr>
-              <a:t>запуска, сбора информации </a:t>
-            </a:r>
-            <a:r>
-              <a:rPr lang="ru-RU" dirty="0" smtClean="0">
-                <a:latin typeface="Times New Roman" pitchFamily="18" charset="0"/>
-                <a:cs typeface="Times New Roman" pitchFamily="18" charset="0"/>
-              </a:rPr>
-              <a:t>и интерпретации результатов тестирования</a:t>
+              <a:t>Целью дипломной работы является разработка библиотеки, решающей задачу автоматизации запуска, сбора информации и интерпретации результатов тестирования</a:t>
             </a:r>
             <a:endParaRPr lang="ru-RU" dirty="0">
               <a:latin typeface="Times New Roman" pitchFamily="18" charset="0"/>
@@ -4272,6 +5694,13 @@
   <p:clrMapOvr>
     <a:masterClrMapping/>
   </p:clrMapOvr>
+  <p:timing>
+    <p:tnLst>
+      <p:par>
+        <p:cTn id="1" dur="indefinite" restart="never" nodeType="tmRoot"/>
+      </p:par>
+    </p:tnLst>
+  </p:timing>
 </p:sld>
 </file>
 
@@ -4294,6 +5723,52 @@
       </p:grpSpPr>
       <p:sp>
         <p:nvSpPr>
+          <p:cNvPr id="20" name="Прямоугольник 19"/>
+          <p:cNvSpPr/>
+          <p:nvPr/>
+        </p:nvSpPr>
+        <p:spPr>
+          <a:xfrm>
+            <a:off x="6000760" y="1561446"/>
+            <a:ext cx="2786082" cy="2214578"/>
+          </a:xfrm>
+          <a:prstGeom prst="rect">
+            <a:avLst/>
+          </a:prstGeom>
+          <a:solidFill>
+            <a:schemeClr val="accent5">
+              <a:lumMod val="20000"/>
+              <a:lumOff val="80000"/>
+            </a:schemeClr>
+          </a:solidFill>
+        </p:spPr>
+        <p:style>
+          <a:lnRef idx="2">
+            <a:schemeClr val="accent1">
+              <a:shade val="50000"/>
+            </a:schemeClr>
+          </a:lnRef>
+          <a:fillRef idx="1">
+            <a:schemeClr val="accent1"/>
+          </a:fillRef>
+          <a:effectRef idx="0">
+            <a:schemeClr val="accent1"/>
+          </a:effectRef>
+          <a:fontRef idx="minor">
+            <a:schemeClr val="lt1"/>
+          </a:fontRef>
+        </p:style>
+        <p:txBody>
+          <a:bodyPr rtlCol="0" anchor="ctr"/>
+          <a:lstStyle/>
+          <a:p>
+            <a:pPr algn="ctr"/>
+            <a:endParaRPr lang="ru-RU"/>
+          </a:p>
+        </p:txBody>
+      </p:sp>
+      <p:sp>
+        <p:nvSpPr>
           <p:cNvPr id="34" name="Прямоугольник 33"/>
           <p:cNvSpPr/>
           <p:nvPr/>
@@ -4470,17 +5945,37 @@
             <p:ph type="title"/>
           </p:nvPr>
         </p:nvSpPr>
-        <p:spPr/>
-        <p:txBody>
-          <a:bodyPr/>
+        <p:spPr>
+          <a:xfrm>
+            <a:off x="500034" y="0"/>
+            <a:ext cx="8229600" cy="725470"/>
+          </a:xfrm>
+        </p:spPr>
+        <p:txBody>
+          <a:bodyPr>
+            <a:normAutofit/>
+          </a:bodyPr>
           <a:lstStyle/>
           <a:p>
             <a:pPr algn="ctr"/>
             <a:r>
-              <a:rPr lang="ru-RU" dirty="0" smtClean="0"/>
-              <a:t>Каскадная модель</a:t>
-            </a:r>
-            <a:endParaRPr lang="ru-RU" dirty="0"/>
+              <a:rPr lang="ru-RU" sz="2600" dirty="0" smtClean="0">
+                <a:latin typeface="Times New Roman" pitchFamily="18" charset="0"/>
+                <a:cs typeface="Times New Roman" pitchFamily="18" charset="0"/>
+              </a:rPr>
+              <a:t>Каскадная </a:t>
+            </a:r>
+            <a:r>
+              <a:rPr lang="ru-RU" sz="2600" dirty="0" smtClean="0">
+                <a:latin typeface="Times New Roman" pitchFamily="18" charset="0"/>
+                <a:cs typeface="Times New Roman" pitchFamily="18" charset="0"/>
+              </a:rPr>
+              <a:t>модель проектирования библиотеки функций</a:t>
+            </a:r>
+            <a:endParaRPr lang="ru-RU" sz="2600" dirty="0">
+              <a:latin typeface="Times New Roman" pitchFamily="18" charset="0"/>
+              <a:cs typeface="Times New Roman" pitchFamily="18" charset="0"/>
+            </a:endParaRPr>
           </a:p>
         </p:txBody>
       </p:sp>
@@ -4496,56 +5991,42 @@
         </p:nvSpPr>
         <p:spPr>
           <a:xfrm>
-            <a:off x="457200" y="4429132"/>
-            <a:ext cx="4614866" cy="2071701"/>
-          </a:xfrm>
-        </p:spPr>
-        <p:txBody>
-          <a:bodyPr/>
-          <a:lstStyle/>
-          <a:p>
-            <a:r>
-              <a:rPr lang="ru-RU" dirty="0" smtClean="0"/>
-              <a:t>Каскадная модель</a:t>
-            </a:r>
-            <a:endParaRPr lang="ru-RU" dirty="0"/>
-          </a:p>
-        </p:txBody>
-      </p:sp>
-      <p:sp>
-        <p:nvSpPr>
-          <p:cNvPr id="4" name="TextBox 3"/>
-          <p:cNvSpPr txBox="1"/>
-          <p:nvPr/>
-        </p:nvSpPr>
-        <p:spPr>
-          <a:xfrm>
-            <a:off x="6072198" y="1488032"/>
-            <a:ext cx="2000264" cy="369332"/>
-          </a:xfrm>
-          <a:prstGeom prst="rect">
-            <a:avLst/>
-          </a:prstGeom>
-          <a:noFill/>
-        </p:spPr>
-        <p:txBody>
-          <a:bodyPr wrap="square" rtlCol="0">
-            <a:spAutoFit/>
+            <a:off x="500034" y="5214950"/>
+            <a:ext cx="7186634" cy="857256"/>
+          </a:xfrm>
+        </p:spPr>
+        <p:txBody>
+          <a:bodyPr>
+            <a:normAutofit/>
           </a:bodyPr>
           <a:lstStyle/>
           <a:p>
-            <a:pPr>
-              <a:buFont typeface="Arial" pitchFamily="34" charset="0"/>
-              <a:buChar char="•"/>
-            </a:pPr>
-            <a:r>
-              <a:rPr lang="ru-RU" dirty="0" err="1" smtClean="0">
-                <a:latin typeface="Times New Roman" pitchFamily="18" charset="0"/>
-                <a:cs typeface="Times New Roman" pitchFamily="18" charset="0"/>
-              </a:rPr>
-              <a:t>вввв</a:t>
-            </a:r>
-            <a:endParaRPr lang="ru-RU" dirty="0">
+            <a:r>
+              <a:rPr lang="ru-RU" sz="2000" dirty="0" smtClean="0">
+                <a:solidFill>
+                  <a:schemeClr val="tx2"/>
+                </a:solidFill>
+                <a:latin typeface="Times New Roman" pitchFamily="18" charset="0"/>
+                <a:cs typeface="Times New Roman" pitchFamily="18" charset="0"/>
+              </a:rPr>
+              <a:t>Требования к работе ясны и понятны</a:t>
+            </a:r>
+          </a:p>
+          <a:p>
+            <a:r>
+              <a:rPr lang="ru-RU" sz="2000" dirty="0" smtClean="0">
+                <a:solidFill>
+                  <a:schemeClr val="tx2"/>
+                </a:solidFill>
+                <a:latin typeface="Times New Roman" pitchFamily="18" charset="0"/>
+                <a:cs typeface="Times New Roman" pitchFamily="18" charset="0"/>
+              </a:rPr>
+              <a:t>Сроки выполнения работы жестко ограничены</a:t>
+            </a:r>
+            <a:endParaRPr lang="ru-RU" sz="2000" dirty="0">
+              <a:solidFill>
+                <a:schemeClr val="tx2"/>
+              </a:solidFill>
               <a:latin typeface="Times New Roman" pitchFamily="18" charset="0"/>
               <a:cs typeface="Times New Roman" pitchFamily="18" charset="0"/>
             </a:endParaRPr>
@@ -4811,11 +6292,3459 @@
           </a:fontRef>
         </p:style>
       </p:cxnSp>
+      <p:sp>
+        <p:nvSpPr>
+          <p:cNvPr id="16" name="TextBox 15"/>
+          <p:cNvSpPr txBox="1"/>
+          <p:nvPr/>
+        </p:nvSpPr>
+        <p:spPr>
+          <a:xfrm>
+            <a:off x="500034" y="4857760"/>
+            <a:ext cx="6819303" cy="400110"/>
+          </a:xfrm>
+          <a:prstGeom prst="rect">
+            <a:avLst/>
+          </a:prstGeom>
+          <a:noFill/>
+        </p:spPr>
+        <p:txBody>
+          <a:bodyPr wrap="none" rtlCol="0">
+            <a:spAutoFit/>
+          </a:bodyPr>
+          <a:lstStyle/>
+          <a:p>
+            <a:r>
+              <a:rPr lang="ru-RU" sz="2000" b="1" dirty="0" smtClean="0">
+                <a:solidFill>
+                  <a:schemeClr val="tx2"/>
+                </a:solidFill>
+                <a:latin typeface="Times New Roman" pitchFamily="18" charset="0"/>
+                <a:cs typeface="Times New Roman" pitchFamily="18" charset="0"/>
+              </a:rPr>
+              <a:t>Причины по которым была выбрана именно эта модель</a:t>
+            </a:r>
+            <a:r>
+              <a:rPr lang="en-US" sz="2000" b="1" dirty="0" smtClean="0">
+                <a:solidFill>
+                  <a:schemeClr val="tx2"/>
+                </a:solidFill>
+                <a:latin typeface="Times New Roman" pitchFamily="18" charset="0"/>
+                <a:cs typeface="Times New Roman" pitchFamily="18" charset="0"/>
+              </a:rPr>
+              <a:t>:</a:t>
+            </a:r>
+            <a:endParaRPr lang="ru-RU" sz="2000" b="1" dirty="0">
+              <a:solidFill>
+                <a:schemeClr val="tx2"/>
+              </a:solidFill>
+              <a:latin typeface="Times New Roman" pitchFamily="18" charset="0"/>
+              <a:cs typeface="Times New Roman" pitchFamily="18" charset="0"/>
+            </a:endParaRPr>
+          </a:p>
+        </p:txBody>
+      </p:sp>
+      <p:sp>
+        <p:nvSpPr>
+          <p:cNvPr id="17" name="TextBox 16"/>
+          <p:cNvSpPr txBox="1"/>
+          <p:nvPr/>
+        </p:nvSpPr>
+        <p:spPr>
+          <a:xfrm>
+            <a:off x="6000760" y="1847198"/>
+            <a:ext cx="2915222" cy="1883657"/>
+          </a:xfrm>
+          <a:prstGeom prst="rect">
+            <a:avLst/>
+          </a:prstGeom>
+          <a:noFill/>
+        </p:spPr>
+        <p:txBody>
+          <a:bodyPr wrap="none" rtlCol="0">
+            <a:spAutoFit/>
+          </a:bodyPr>
+          <a:lstStyle/>
+          <a:p>
+            <a:pPr>
+              <a:lnSpc>
+                <a:spcPct val="150000"/>
+              </a:lnSpc>
+              <a:buBlip>
+                <a:blip r:embed="rId2"/>
+              </a:buBlip>
+            </a:pPr>
+            <a:r>
+              <a:rPr lang="ru-RU" dirty="0" smtClean="0"/>
+              <a:t> </a:t>
+            </a:r>
+            <a:r>
+              <a:rPr lang="en-US" sz="2000" dirty="0" smtClean="0">
+                <a:latin typeface="Times New Roman" pitchFamily="18" charset="0"/>
+                <a:cs typeface="Times New Roman" pitchFamily="18" charset="0"/>
+              </a:rPr>
+              <a:t>V</a:t>
+            </a:r>
+            <a:r>
+              <a:rPr lang="ru-RU" sz="2000" dirty="0" smtClean="0">
+                <a:latin typeface="Times New Roman" pitchFamily="18" charset="0"/>
+                <a:cs typeface="Times New Roman" pitchFamily="18" charset="0"/>
+              </a:rPr>
+              <a:t>-образная модель </a:t>
+            </a:r>
+          </a:p>
+          <a:p>
+            <a:pPr>
+              <a:lnSpc>
+                <a:spcPct val="150000"/>
+              </a:lnSpc>
+              <a:buBlip>
+                <a:blip r:embed="rId2"/>
+              </a:buBlip>
+            </a:pPr>
+            <a:r>
+              <a:rPr lang="ru-RU" sz="2000" dirty="0" smtClean="0">
+                <a:latin typeface="Times New Roman" pitchFamily="18" charset="0"/>
+                <a:cs typeface="Times New Roman" pitchFamily="18" charset="0"/>
+              </a:rPr>
+              <a:t> Модель </a:t>
+            </a:r>
+            <a:r>
+              <a:rPr lang="ru-RU" sz="2000" dirty="0" smtClean="0">
+                <a:latin typeface="Times New Roman" pitchFamily="18" charset="0"/>
+                <a:cs typeface="Times New Roman" pitchFamily="18" charset="0"/>
+              </a:rPr>
+              <a:t>RAD</a:t>
+            </a:r>
+          </a:p>
+          <a:p>
+            <a:pPr>
+              <a:lnSpc>
+                <a:spcPct val="150000"/>
+              </a:lnSpc>
+              <a:buBlip>
+                <a:blip r:embed="rId2"/>
+              </a:buBlip>
+            </a:pPr>
+            <a:r>
+              <a:rPr lang="ru-RU" sz="2000" dirty="0" smtClean="0">
+                <a:latin typeface="Times New Roman" pitchFamily="18" charset="0"/>
+                <a:cs typeface="Times New Roman" pitchFamily="18" charset="0"/>
+              </a:rPr>
+              <a:t> Спиральная </a:t>
+            </a:r>
+            <a:r>
+              <a:rPr lang="ru-RU" sz="2000" dirty="0" smtClean="0">
+                <a:latin typeface="Times New Roman" pitchFamily="18" charset="0"/>
+                <a:cs typeface="Times New Roman" pitchFamily="18" charset="0"/>
+              </a:rPr>
+              <a:t>модель</a:t>
+            </a:r>
+          </a:p>
+          <a:p>
+            <a:pPr>
+              <a:lnSpc>
+                <a:spcPct val="150000"/>
+              </a:lnSpc>
+              <a:buBlip>
+                <a:blip r:embed="rId2"/>
+              </a:buBlip>
+            </a:pPr>
+            <a:r>
+              <a:rPr lang="ru-RU" sz="2000" dirty="0" smtClean="0">
+                <a:latin typeface="Times New Roman" pitchFamily="18" charset="0"/>
+                <a:cs typeface="Times New Roman" pitchFamily="18" charset="0"/>
+              </a:rPr>
+              <a:t> Инкрементная </a:t>
+            </a:r>
+            <a:r>
+              <a:rPr lang="ru-RU" sz="2000" dirty="0" smtClean="0">
+                <a:latin typeface="Times New Roman" pitchFamily="18" charset="0"/>
+                <a:cs typeface="Times New Roman" pitchFamily="18" charset="0"/>
+              </a:rPr>
+              <a:t>модель </a:t>
+            </a:r>
+          </a:p>
+        </p:txBody>
+      </p:sp>
+      <p:sp>
+        <p:nvSpPr>
+          <p:cNvPr id="19" name="TextBox 18"/>
+          <p:cNvSpPr txBox="1"/>
+          <p:nvPr/>
+        </p:nvSpPr>
+        <p:spPr>
+          <a:xfrm>
+            <a:off x="6000760" y="1561446"/>
+            <a:ext cx="2414700" cy="400110"/>
+          </a:xfrm>
+          <a:prstGeom prst="rect">
+            <a:avLst/>
+          </a:prstGeom>
+          <a:noFill/>
+        </p:spPr>
+        <p:txBody>
+          <a:bodyPr wrap="none" rtlCol="0">
+            <a:spAutoFit/>
+          </a:bodyPr>
+          <a:lstStyle/>
+          <a:p>
+            <a:r>
+              <a:rPr lang="ru-RU" sz="2000" b="1" dirty="0" smtClean="0">
+                <a:latin typeface="Times New Roman" pitchFamily="18" charset="0"/>
+                <a:cs typeface="Times New Roman" pitchFamily="18" charset="0"/>
+              </a:rPr>
+              <a:t>Другие </a:t>
+            </a:r>
+            <a:r>
+              <a:rPr lang="ru-RU" sz="2000" b="1" dirty="0" smtClean="0">
+                <a:latin typeface="Times New Roman" pitchFamily="18" charset="0"/>
+                <a:cs typeface="Times New Roman" pitchFamily="18" charset="0"/>
+              </a:rPr>
+              <a:t>модели</a:t>
+            </a:r>
+            <a:r>
+              <a:rPr lang="en-US" sz="2000" b="1" dirty="0" smtClean="0">
+                <a:latin typeface="Times New Roman" pitchFamily="18" charset="0"/>
+                <a:cs typeface="Times New Roman" pitchFamily="18" charset="0"/>
+              </a:rPr>
+              <a:t> </a:t>
+            </a:r>
+            <a:r>
+              <a:rPr lang="ru-RU" sz="2000" b="1" dirty="0" smtClean="0">
+                <a:latin typeface="Times New Roman" pitchFamily="18" charset="0"/>
+                <a:cs typeface="Times New Roman" pitchFamily="18" charset="0"/>
+              </a:rPr>
+              <a:t>ЖЦ</a:t>
+            </a:r>
+            <a:endParaRPr lang="ru-RU" sz="2000" b="1" dirty="0" smtClean="0">
+              <a:latin typeface="Times New Roman" pitchFamily="18" charset="0"/>
+              <a:cs typeface="Times New Roman" pitchFamily="18" charset="0"/>
+            </a:endParaRPr>
+          </a:p>
+        </p:txBody>
+      </p:sp>
     </p:spTree>
   </p:cSld>
   <p:clrMapOvr>
     <a:masterClrMapping/>
   </p:clrMapOvr>
+  <p:timing>
+    <p:tnLst>
+      <p:par>
+        <p:cTn id="1" dur="indefinite" restart="never" nodeType="tmRoot"/>
+      </p:par>
+    </p:tnLst>
+  </p:timing>
+</p:sld>
+</file>
+
+<file path=ppt/slides/slide4.xml><?xml version="1.0" encoding="utf-8"?>
+<p:sld xmlns:a="http://schemas.openxmlformats.org/drawingml/2006/main" xmlns:r="http://schemas.openxmlformats.org/officeDocument/2006/relationships" xmlns:p="http://schemas.openxmlformats.org/presentationml/2006/main">
+  <p:cSld>
+    <p:spTree>
+      <p:nvGrpSpPr>
+        <p:cNvPr id="1" name=""/>
+        <p:cNvGrpSpPr/>
+        <p:nvPr/>
+      </p:nvGrpSpPr>
+      <p:grpSpPr>
+        <a:xfrm>
+          <a:off x="0" y="0"/>
+          <a:ext cx="0" cy="0"/>
+          <a:chOff x="0" y="0"/>
+          <a:chExt cx="0" cy="0"/>
+        </a:xfrm>
+      </p:grpSpPr>
+      <p:sp>
+        <p:nvSpPr>
+          <p:cNvPr id="2" name="Заголовок 1"/>
+          <p:cNvSpPr>
+            <a:spLocks noGrp="1"/>
+          </p:cNvSpPr>
+          <p:nvPr>
+            <p:ph type="title"/>
+          </p:nvPr>
+        </p:nvSpPr>
+        <p:spPr>
+          <a:xfrm>
+            <a:off x="0" y="857232"/>
+            <a:ext cx="9144000" cy="500058"/>
+          </a:xfrm>
+        </p:spPr>
+        <p:txBody>
+          <a:bodyPr>
+            <a:normAutofit/>
+          </a:bodyPr>
+          <a:lstStyle/>
+          <a:p>
+            <a:r>
+              <a:rPr lang="ru-RU" sz="2600" dirty="0" smtClean="0">
+                <a:latin typeface="Times New Roman" pitchFamily="18" charset="0"/>
+                <a:cs typeface="Times New Roman" pitchFamily="18" charset="0"/>
+              </a:rPr>
+              <a:t>Функция инициализации библиотеки</a:t>
+            </a:r>
+            <a:endParaRPr lang="ru-RU" sz="2600" dirty="0">
+              <a:latin typeface="Times New Roman" pitchFamily="18" charset="0"/>
+              <a:cs typeface="Times New Roman" pitchFamily="18" charset="0"/>
+            </a:endParaRPr>
+          </a:p>
+        </p:txBody>
+      </p:sp>
+      <p:sp>
+        <p:nvSpPr>
+          <p:cNvPr id="5" name="Содержимое 4"/>
+          <p:cNvSpPr>
+            <a:spLocks noGrp="1"/>
+          </p:cNvSpPr>
+          <p:nvPr>
+            <p:ph idx="1"/>
+          </p:nvPr>
+        </p:nvSpPr>
+        <p:spPr/>
+        <p:txBody>
+          <a:bodyPr>
+            <a:normAutofit/>
+          </a:bodyPr>
+          <a:lstStyle/>
+          <a:p>
+            <a:r>
+              <a:rPr lang="ru-RU" sz="1800" dirty="0" smtClean="0">
+                <a:latin typeface="Times New Roman" pitchFamily="18" charset="0"/>
+                <a:cs typeface="Times New Roman" pitchFamily="18" charset="0"/>
+              </a:rPr>
+              <a:t>Функция инициализирует работу библиотеки и производит разбор параметров переданных вместе с командной строкой.</a:t>
+            </a:r>
+            <a:endParaRPr lang="ru-RU" sz="1800" dirty="0">
+              <a:latin typeface="Times New Roman" pitchFamily="18" charset="0"/>
+              <a:cs typeface="Times New Roman" pitchFamily="18" charset="0"/>
+            </a:endParaRPr>
+          </a:p>
+        </p:txBody>
+      </p:sp>
+      <p:sp>
+        <p:nvSpPr>
+          <p:cNvPr id="7" name="Блок-схема: знак завершения 6"/>
+          <p:cNvSpPr/>
+          <p:nvPr/>
+        </p:nvSpPr>
+        <p:spPr>
+          <a:xfrm>
+            <a:off x="928662" y="500042"/>
+            <a:ext cx="1643074" cy="214314"/>
+          </a:xfrm>
+          <a:prstGeom prst="flowChartTerminator">
+            <a:avLst/>
+          </a:prstGeom>
+          <a:solidFill>
+            <a:schemeClr val="accent3">
+              <a:lumMod val="60000"/>
+              <a:lumOff val="40000"/>
+            </a:schemeClr>
+          </a:solidFill>
+          <a:ln>
+            <a:solidFill>
+              <a:schemeClr val="tx1"/>
+            </a:solidFill>
+          </a:ln>
+        </p:spPr>
+        <p:style>
+          <a:lnRef idx="2">
+            <a:schemeClr val="accent1">
+              <a:shade val="50000"/>
+            </a:schemeClr>
+          </a:lnRef>
+          <a:fillRef idx="1">
+            <a:schemeClr val="accent1"/>
+          </a:fillRef>
+          <a:effectRef idx="0">
+            <a:schemeClr val="accent1"/>
+          </a:effectRef>
+          <a:fontRef idx="minor">
+            <a:schemeClr val="lt1"/>
+          </a:fontRef>
+        </p:style>
+        <p:txBody>
+          <a:bodyPr rtlCol="0" anchor="ctr"/>
+          <a:lstStyle/>
+          <a:p>
+            <a:pPr algn="ctr"/>
+            <a:r>
+              <a:rPr lang="ru-RU" sz="1200" dirty="0" smtClean="0">
+                <a:solidFill>
+                  <a:schemeClr val="tx1"/>
+                </a:solidFill>
+                <a:latin typeface="Times New Roman" pitchFamily="18" charset="0"/>
+                <a:cs typeface="Times New Roman" pitchFamily="18" charset="0"/>
+              </a:rPr>
+              <a:t>Инициализация</a:t>
+            </a:r>
+          </a:p>
+        </p:txBody>
+      </p:sp>
+      <p:sp>
+        <p:nvSpPr>
+          <p:cNvPr id="8" name="Блок-схема: знак завершения 7"/>
+          <p:cNvSpPr/>
+          <p:nvPr/>
+        </p:nvSpPr>
+        <p:spPr>
+          <a:xfrm>
+            <a:off x="3714744" y="142852"/>
+            <a:ext cx="1643074" cy="214314"/>
+          </a:xfrm>
+          <a:prstGeom prst="flowChartTerminator">
+            <a:avLst/>
+          </a:prstGeom>
+          <a:solidFill>
+            <a:schemeClr val="bg1"/>
+          </a:solidFill>
+          <a:ln>
+            <a:solidFill>
+              <a:schemeClr val="tx1"/>
+            </a:solidFill>
+          </a:ln>
+        </p:spPr>
+        <p:style>
+          <a:lnRef idx="2">
+            <a:schemeClr val="accent1">
+              <a:shade val="50000"/>
+            </a:schemeClr>
+          </a:lnRef>
+          <a:fillRef idx="1">
+            <a:schemeClr val="accent1"/>
+          </a:fillRef>
+          <a:effectRef idx="0">
+            <a:schemeClr val="accent1"/>
+          </a:effectRef>
+          <a:fontRef idx="minor">
+            <a:schemeClr val="lt1"/>
+          </a:fontRef>
+        </p:style>
+        <p:txBody>
+          <a:bodyPr rtlCol="0" anchor="ctr"/>
+          <a:lstStyle/>
+          <a:p>
+            <a:pPr algn="ctr"/>
+            <a:r>
+              <a:rPr lang="ru-RU" sz="1200" dirty="0" smtClean="0">
+                <a:solidFill>
+                  <a:schemeClr val="tx1"/>
+                </a:solidFill>
+                <a:latin typeface="Times New Roman" pitchFamily="18" charset="0"/>
+                <a:cs typeface="Times New Roman" pitchFamily="18" charset="0"/>
+              </a:rPr>
+              <a:t>Работа с ошибками</a:t>
+            </a:r>
+          </a:p>
+        </p:txBody>
+      </p:sp>
+      <p:sp>
+        <p:nvSpPr>
+          <p:cNvPr id="9" name="Блок-схема: знак завершения 8"/>
+          <p:cNvSpPr/>
+          <p:nvPr/>
+        </p:nvSpPr>
+        <p:spPr>
+          <a:xfrm>
+            <a:off x="2786050" y="500042"/>
+            <a:ext cx="1643074" cy="214314"/>
+          </a:xfrm>
+          <a:prstGeom prst="flowChartTerminator">
+            <a:avLst/>
+          </a:prstGeom>
+          <a:solidFill>
+            <a:schemeClr val="bg1"/>
+          </a:solidFill>
+          <a:ln>
+            <a:solidFill>
+              <a:schemeClr val="tx1"/>
+            </a:solidFill>
+          </a:ln>
+        </p:spPr>
+        <p:style>
+          <a:lnRef idx="2">
+            <a:schemeClr val="accent1">
+              <a:shade val="50000"/>
+            </a:schemeClr>
+          </a:lnRef>
+          <a:fillRef idx="1">
+            <a:schemeClr val="accent1"/>
+          </a:fillRef>
+          <a:effectRef idx="0">
+            <a:schemeClr val="accent1"/>
+          </a:effectRef>
+          <a:fontRef idx="minor">
+            <a:schemeClr val="lt1"/>
+          </a:fontRef>
+        </p:style>
+        <p:txBody>
+          <a:bodyPr rtlCol="0" anchor="ctr"/>
+          <a:lstStyle/>
+          <a:p>
+            <a:pPr algn="ctr"/>
+            <a:r>
+              <a:rPr lang="en-US" sz="1200" dirty="0" smtClean="0">
+                <a:solidFill>
+                  <a:schemeClr val="tx1"/>
+                </a:solidFill>
+                <a:latin typeface="Times New Roman" pitchFamily="18" charset="0"/>
+                <a:cs typeface="Times New Roman" pitchFamily="18" charset="0"/>
+              </a:rPr>
+              <a:t>C</a:t>
+            </a:r>
+            <a:r>
+              <a:rPr lang="ru-RU" sz="1200" dirty="0" smtClean="0">
+                <a:solidFill>
+                  <a:schemeClr val="tx1"/>
+                </a:solidFill>
+                <a:latin typeface="Times New Roman" pitchFamily="18" charset="0"/>
+                <a:cs typeface="Times New Roman" pitchFamily="18" charset="0"/>
+              </a:rPr>
+              <a:t>бор </a:t>
+            </a:r>
+            <a:r>
+              <a:rPr lang="ru-RU" sz="1200" dirty="0" smtClean="0">
+                <a:solidFill>
+                  <a:schemeClr val="tx1"/>
+                </a:solidFill>
+                <a:latin typeface="Times New Roman" pitchFamily="18" charset="0"/>
+                <a:cs typeface="Times New Roman" pitchFamily="18" charset="0"/>
+              </a:rPr>
+              <a:t>параметров</a:t>
+            </a:r>
+          </a:p>
+        </p:txBody>
+      </p:sp>
+      <p:sp>
+        <p:nvSpPr>
+          <p:cNvPr id="10" name="Блок-схема: знак завершения 9"/>
+          <p:cNvSpPr/>
+          <p:nvPr/>
+        </p:nvSpPr>
+        <p:spPr>
+          <a:xfrm>
+            <a:off x="4714876" y="500042"/>
+            <a:ext cx="1643074" cy="214314"/>
+          </a:xfrm>
+          <a:prstGeom prst="flowChartTerminator">
+            <a:avLst/>
+          </a:prstGeom>
+          <a:solidFill>
+            <a:schemeClr val="bg1"/>
+          </a:solidFill>
+          <a:ln>
+            <a:solidFill>
+              <a:schemeClr val="tx1"/>
+            </a:solidFill>
+          </a:ln>
+        </p:spPr>
+        <p:style>
+          <a:lnRef idx="2">
+            <a:schemeClr val="accent1">
+              <a:shade val="50000"/>
+            </a:schemeClr>
+          </a:lnRef>
+          <a:fillRef idx="1">
+            <a:schemeClr val="accent1"/>
+          </a:fillRef>
+          <a:effectRef idx="0">
+            <a:schemeClr val="accent1"/>
+          </a:effectRef>
+          <a:fontRef idx="minor">
+            <a:schemeClr val="lt1"/>
+          </a:fontRef>
+        </p:style>
+        <p:txBody>
+          <a:bodyPr rtlCol="0" anchor="ctr"/>
+          <a:lstStyle/>
+          <a:p>
+            <a:pPr algn="ctr"/>
+            <a:r>
+              <a:rPr lang="ru-RU" sz="1200" dirty="0" smtClean="0">
+                <a:solidFill>
+                  <a:schemeClr val="tx1"/>
+                </a:solidFill>
+                <a:latin typeface="Times New Roman" pitchFamily="18" charset="0"/>
+                <a:cs typeface="Times New Roman" pitchFamily="18" charset="0"/>
+              </a:rPr>
+              <a:t>Вывод</a:t>
+            </a:r>
+          </a:p>
+        </p:txBody>
+      </p:sp>
+      <p:sp>
+        <p:nvSpPr>
+          <p:cNvPr id="11" name="Блок-схема: знак завершения 10"/>
+          <p:cNvSpPr/>
+          <p:nvPr/>
+        </p:nvSpPr>
+        <p:spPr>
+          <a:xfrm>
+            <a:off x="6572264" y="500042"/>
+            <a:ext cx="1643074" cy="214314"/>
+          </a:xfrm>
+          <a:prstGeom prst="flowChartTerminator">
+            <a:avLst/>
+          </a:prstGeom>
+          <a:solidFill>
+            <a:schemeClr val="bg1"/>
+          </a:solidFill>
+          <a:ln>
+            <a:solidFill>
+              <a:schemeClr val="tx1"/>
+            </a:solidFill>
+          </a:ln>
+        </p:spPr>
+        <p:style>
+          <a:lnRef idx="2">
+            <a:schemeClr val="accent1">
+              <a:shade val="50000"/>
+            </a:schemeClr>
+          </a:lnRef>
+          <a:fillRef idx="1">
+            <a:schemeClr val="accent1"/>
+          </a:fillRef>
+          <a:effectRef idx="0">
+            <a:schemeClr val="accent1"/>
+          </a:effectRef>
+          <a:fontRef idx="minor">
+            <a:schemeClr val="lt1"/>
+          </a:fontRef>
+        </p:style>
+        <p:txBody>
+          <a:bodyPr rtlCol="0" anchor="ctr"/>
+          <a:lstStyle/>
+          <a:p>
+            <a:pPr algn="ctr"/>
+            <a:r>
+              <a:rPr lang="ru-RU" sz="1200" dirty="0" err="1" smtClean="0">
+                <a:solidFill>
+                  <a:schemeClr val="tx1"/>
+                </a:solidFill>
+                <a:latin typeface="Times New Roman" pitchFamily="18" charset="0"/>
+                <a:cs typeface="Times New Roman" pitchFamily="18" charset="0"/>
+              </a:rPr>
+              <a:t>Финализация</a:t>
+            </a:r>
+            <a:endParaRPr lang="ru-RU" sz="1200" dirty="0" smtClean="0">
+              <a:solidFill>
+                <a:schemeClr val="tx1"/>
+              </a:solidFill>
+              <a:latin typeface="Times New Roman" pitchFamily="18" charset="0"/>
+              <a:cs typeface="Times New Roman" pitchFamily="18" charset="0"/>
+            </a:endParaRPr>
+          </a:p>
+        </p:txBody>
+      </p:sp>
+      <p:cxnSp>
+        <p:nvCxnSpPr>
+          <p:cNvPr id="13" name="Shape 12"/>
+          <p:cNvCxnSpPr>
+            <a:stCxn id="7" idx="0"/>
+            <a:endCxn id="8" idx="1"/>
+          </p:cNvCxnSpPr>
+          <p:nvPr/>
+        </p:nvCxnSpPr>
+        <p:spPr>
+          <a:xfrm rot="5400000" flipH="1" flipV="1">
+            <a:off x="2607455" y="-607246"/>
+            <a:ext cx="250033" cy="1964545"/>
+          </a:xfrm>
+          <a:prstGeom prst="curvedConnector2">
+            <a:avLst/>
+          </a:prstGeom>
+          <a:ln>
+            <a:solidFill>
+              <a:schemeClr val="tx1"/>
+            </a:solidFill>
+            <a:tailEnd type="arrow"/>
+          </a:ln>
+        </p:spPr>
+        <p:style>
+          <a:lnRef idx="1">
+            <a:schemeClr val="accent1"/>
+          </a:lnRef>
+          <a:fillRef idx="0">
+            <a:schemeClr val="accent1"/>
+          </a:fillRef>
+          <a:effectRef idx="0">
+            <a:schemeClr val="accent1"/>
+          </a:effectRef>
+          <a:fontRef idx="minor">
+            <a:schemeClr val="tx1"/>
+          </a:fontRef>
+        </p:style>
+      </p:cxnSp>
+      <p:cxnSp>
+        <p:nvCxnSpPr>
+          <p:cNvPr id="15" name="Скругленная соединительная линия 14"/>
+          <p:cNvCxnSpPr>
+            <a:stCxn id="7" idx="3"/>
+            <a:endCxn id="9" idx="1"/>
+          </p:cNvCxnSpPr>
+          <p:nvPr/>
+        </p:nvCxnSpPr>
+        <p:spPr>
+          <a:xfrm>
+            <a:off x="2571736" y="607199"/>
+            <a:ext cx="214314" cy="1588"/>
+          </a:xfrm>
+          <a:prstGeom prst="curvedConnector3">
+            <a:avLst>
+              <a:gd name="adj1" fmla="val 50000"/>
+            </a:avLst>
+          </a:prstGeom>
+          <a:ln>
+            <a:solidFill>
+              <a:schemeClr val="tx1"/>
+            </a:solidFill>
+            <a:tailEnd type="arrow"/>
+          </a:ln>
+        </p:spPr>
+        <p:style>
+          <a:lnRef idx="1">
+            <a:schemeClr val="accent1"/>
+          </a:lnRef>
+          <a:fillRef idx="0">
+            <a:schemeClr val="accent1"/>
+          </a:fillRef>
+          <a:effectRef idx="0">
+            <a:schemeClr val="accent1"/>
+          </a:effectRef>
+          <a:fontRef idx="minor">
+            <a:schemeClr val="tx1"/>
+          </a:fontRef>
+        </p:style>
+      </p:cxnSp>
+      <p:cxnSp>
+        <p:nvCxnSpPr>
+          <p:cNvPr id="17" name="Скругленная соединительная линия 16"/>
+          <p:cNvCxnSpPr>
+            <a:stCxn id="9" idx="3"/>
+            <a:endCxn id="10" idx="1"/>
+          </p:cNvCxnSpPr>
+          <p:nvPr/>
+        </p:nvCxnSpPr>
+        <p:spPr>
+          <a:xfrm>
+            <a:off x="4429124" y="607199"/>
+            <a:ext cx="285752" cy="1588"/>
+          </a:xfrm>
+          <a:prstGeom prst="curvedConnector3">
+            <a:avLst>
+              <a:gd name="adj1" fmla="val 50000"/>
+            </a:avLst>
+          </a:prstGeom>
+          <a:ln>
+            <a:solidFill>
+              <a:schemeClr val="tx1"/>
+            </a:solidFill>
+            <a:tailEnd type="arrow"/>
+          </a:ln>
+        </p:spPr>
+        <p:style>
+          <a:lnRef idx="1">
+            <a:schemeClr val="accent1"/>
+          </a:lnRef>
+          <a:fillRef idx="0">
+            <a:schemeClr val="accent1"/>
+          </a:fillRef>
+          <a:effectRef idx="0">
+            <a:schemeClr val="accent1"/>
+          </a:effectRef>
+          <a:fontRef idx="minor">
+            <a:schemeClr val="tx1"/>
+          </a:fontRef>
+        </p:style>
+      </p:cxnSp>
+      <p:cxnSp>
+        <p:nvCxnSpPr>
+          <p:cNvPr id="19" name="Скругленная соединительная линия 18"/>
+          <p:cNvCxnSpPr>
+            <a:stCxn id="10" idx="3"/>
+            <a:endCxn id="11" idx="1"/>
+          </p:cNvCxnSpPr>
+          <p:nvPr/>
+        </p:nvCxnSpPr>
+        <p:spPr>
+          <a:xfrm>
+            <a:off x="6357950" y="607199"/>
+            <a:ext cx="214314" cy="1588"/>
+          </a:xfrm>
+          <a:prstGeom prst="curvedConnector3">
+            <a:avLst>
+              <a:gd name="adj1" fmla="val 50000"/>
+            </a:avLst>
+          </a:prstGeom>
+          <a:ln>
+            <a:solidFill>
+              <a:schemeClr val="tx1"/>
+            </a:solidFill>
+            <a:tailEnd type="arrow"/>
+          </a:ln>
+        </p:spPr>
+        <p:style>
+          <a:lnRef idx="1">
+            <a:schemeClr val="accent1"/>
+          </a:lnRef>
+          <a:fillRef idx="0">
+            <a:schemeClr val="accent1"/>
+          </a:fillRef>
+          <a:effectRef idx="0">
+            <a:schemeClr val="accent1"/>
+          </a:effectRef>
+          <a:fontRef idx="minor">
+            <a:schemeClr val="tx1"/>
+          </a:fontRef>
+        </p:style>
+      </p:cxnSp>
+      <p:cxnSp>
+        <p:nvCxnSpPr>
+          <p:cNvPr id="21" name="Shape 20"/>
+          <p:cNvCxnSpPr>
+            <a:stCxn id="9" idx="0"/>
+          </p:cNvCxnSpPr>
+          <p:nvPr/>
+        </p:nvCxnSpPr>
+        <p:spPr>
+          <a:xfrm rot="5400000" flipH="1" flipV="1">
+            <a:off x="3625446" y="339307"/>
+            <a:ext cx="142876" cy="178595"/>
+          </a:xfrm>
+          <a:prstGeom prst="curvedConnector2">
+            <a:avLst/>
+          </a:prstGeom>
+          <a:ln>
+            <a:solidFill>
+              <a:schemeClr val="tx1"/>
+            </a:solidFill>
+            <a:tailEnd type="arrow"/>
+          </a:ln>
+        </p:spPr>
+        <p:style>
+          <a:lnRef idx="1">
+            <a:schemeClr val="accent1"/>
+          </a:lnRef>
+          <a:fillRef idx="0">
+            <a:schemeClr val="accent1"/>
+          </a:fillRef>
+          <a:effectRef idx="0">
+            <a:schemeClr val="accent1"/>
+          </a:effectRef>
+          <a:fontRef idx="minor">
+            <a:schemeClr val="tx1"/>
+          </a:fontRef>
+        </p:style>
+      </p:cxnSp>
+      <p:cxnSp>
+        <p:nvCxnSpPr>
+          <p:cNvPr id="23" name="Shape 22"/>
+          <p:cNvCxnSpPr>
+            <a:stCxn id="10" idx="0"/>
+          </p:cNvCxnSpPr>
+          <p:nvPr/>
+        </p:nvCxnSpPr>
+        <p:spPr>
+          <a:xfrm rot="16200000" flipV="1">
+            <a:off x="5339959" y="303587"/>
+            <a:ext cx="142876" cy="250033"/>
+          </a:xfrm>
+          <a:prstGeom prst="curvedConnector2">
+            <a:avLst/>
+          </a:prstGeom>
+          <a:ln>
+            <a:solidFill>
+              <a:schemeClr val="tx1"/>
+            </a:solidFill>
+            <a:tailEnd type="arrow"/>
+          </a:ln>
+        </p:spPr>
+        <p:style>
+          <a:lnRef idx="1">
+            <a:schemeClr val="accent1"/>
+          </a:lnRef>
+          <a:fillRef idx="0">
+            <a:schemeClr val="accent1"/>
+          </a:fillRef>
+          <a:effectRef idx="0">
+            <a:schemeClr val="accent1"/>
+          </a:effectRef>
+          <a:fontRef idx="minor">
+            <a:schemeClr val="tx1"/>
+          </a:fontRef>
+        </p:style>
+      </p:cxnSp>
+      <p:cxnSp>
+        <p:nvCxnSpPr>
+          <p:cNvPr id="25" name="Shape 24"/>
+          <p:cNvCxnSpPr>
+            <a:stCxn id="11" idx="0"/>
+            <a:endCxn id="8" idx="3"/>
+          </p:cNvCxnSpPr>
+          <p:nvPr/>
+        </p:nvCxnSpPr>
+        <p:spPr>
+          <a:xfrm rot="16200000" flipV="1">
+            <a:off x="6250794" y="-642966"/>
+            <a:ext cx="250033" cy="2035983"/>
+          </a:xfrm>
+          <a:prstGeom prst="curvedConnector2">
+            <a:avLst/>
+          </a:prstGeom>
+          <a:ln>
+            <a:solidFill>
+              <a:schemeClr val="tx1"/>
+            </a:solidFill>
+            <a:tailEnd type="arrow"/>
+          </a:ln>
+        </p:spPr>
+        <p:style>
+          <a:lnRef idx="1">
+            <a:schemeClr val="accent1"/>
+          </a:lnRef>
+          <a:fillRef idx="0">
+            <a:schemeClr val="accent1"/>
+          </a:fillRef>
+          <a:effectRef idx="0">
+            <a:schemeClr val="accent1"/>
+          </a:effectRef>
+          <a:fontRef idx="minor">
+            <a:schemeClr val="tx1"/>
+          </a:fontRef>
+        </p:style>
+      </p:cxnSp>
+    </p:spTree>
+  </p:cSld>
+  <p:clrMapOvr>
+    <a:masterClrMapping/>
+  </p:clrMapOvr>
+  <p:timing>
+    <p:tnLst>
+      <p:par>
+        <p:cTn id="1" dur="indefinite" restart="never" nodeType="tmRoot"/>
+      </p:par>
+    </p:tnLst>
+  </p:timing>
+</p:sld>
+</file>
+
+<file path=ppt/slides/slide5.xml><?xml version="1.0" encoding="utf-8"?>
+<p:sld xmlns:a="http://schemas.openxmlformats.org/drawingml/2006/main" xmlns:r="http://schemas.openxmlformats.org/officeDocument/2006/relationships" xmlns:p="http://schemas.openxmlformats.org/presentationml/2006/main">
+  <p:cSld>
+    <p:spTree>
+      <p:nvGrpSpPr>
+        <p:cNvPr id="1" name=""/>
+        <p:cNvGrpSpPr/>
+        <p:nvPr/>
+      </p:nvGrpSpPr>
+      <p:grpSpPr>
+        <a:xfrm>
+          <a:off x="0" y="0"/>
+          <a:ext cx="0" cy="0"/>
+          <a:chOff x="0" y="0"/>
+          <a:chExt cx="0" cy="0"/>
+        </a:xfrm>
+      </p:grpSpPr>
+      <p:sp>
+        <p:nvSpPr>
+          <p:cNvPr id="2" name="Заголовок 1"/>
+          <p:cNvSpPr>
+            <a:spLocks noGrp="1"/>
+          </p:cNvSpPr>
+          <p:nvPr>
+            <p:ph type="title"/>
+          </p:nvPr>
+        </p:nvSpPr>
+        <p:spPr>
+          <a:xfrm>
+            <a:off x="0" y="857232"/>
+            <a:ext cx="9144000" cy="500058"/>
+          </a:xfrm>
+        </p:spPr>
+        <p:txBody>
+          <a:bodyPr>
+            <a:normAutofit/>
+          </a:bodyPr>
+          <a:lstStyle/>
+          <a:p>
+            <a:r>
+              <a:rPr lang="ru-RU" sz="2600" dirty="0" smtClean="0">
+                <a:latin typeface="Times New Roman" pitchFamily="18" charset="0"/>
+                <a:cs typeface="Times New Roman" pitchFamily="18" charset="0"/>
+              </a:rPr>
+              <a:t>Функция инициализации библиотеки</a:t>
+            </a:r>
+            <a:endParaRPr lang="ru-RU" sz="2600" dirty="0">
+              <a:latin typeface="Times New Roman" pitchFamily="18" charset="0"/>
+              <a:cs typeface="Times New Roman" pitchFamily="18" charset="0"/>
+            </a:endParaRPr>
+          </a:p>
+        </p:txBody>
+      </p:sp>
+      <p:sp>
+        <p:nvSpPr>
+          <p:cNvPr id="5" name="Содержимое 4"/>
+          <p:cNvSpPr>
+            <a:spLocks noGrp="1"/>
+          </p:cNvSpPr>
+          <p:nvPr>
+            <p:ph idx="1"/>
+          </p:nvPr>
+        </p:nvSpPr>
+        <p:spPr/>
+        <p:txBody>
+          <a:bodyPr>
+            <a:normAutofit/>
+          </a:bodyPr>
+          <a:lstStyle/>
+          <a:p>
+            <a:r>
+              <a:rPr lang="ru-RU" sz="1800" dirty="0" smtClean="0">
+                <a:latin typeface="Times New Roman" pitchFamily="18" charset="0"/>
+                <a:cs typeface="Times New Roman" pitchFamily="18" charset="0"/>
+              </a:rPr>
+              <a:t>Функция инициализирует работу библиотеки и производит разбор параметров переданных вместе с командной строкой.</a:t>
+            </a:r>
+            <a:endParaRPr lang="ru-RU" sz="1800" dirty="0">
+              <a:latin typeface="Times New Roman" pitchFamily="18" charset="0"/>
+              <a:cs typeface="Times New Roman" pitchFamily="18" charset="0"/>
+            </a:endParaRPr>
+          </a:p>
+        </p:txBody>
+      </p:sp>
+      <p:sp>
+        <p:nvSpPr>
+          <p:cNvPr id="7" name="Блок-схема: знак завершения 6"/>
+          <p:cNvSpPr/>
+          <p:nvPr/>
+        </p:nvSpPr>
+        <p:spPr>
+          <a:xfrm>
+            <a:off x="928662" y="500042"/>
+            <a:ext cx="1643074" cy="214314"/>
+          </a:xfrm>
+          <a:prstGeom prst="flowChartTerminator">
+            <a:avLst/>
+          </a:prstGeom>
+          <a:solidFill>
+            <a:schemeClr val="bg1"/>
+          </a:solidFill>
+          <a:ln>
+            <a:solidFill>
+              <a:schemeClr val="tx1"/>
+            </a:solidFill>
+          </a:ln>
+        </p:spPr>
+        <p:style>
+          <a:lnRef idx="2">
+            <a:schemeClr val="accent1">
+              <a:shade val="50000"/>
+            </a:schemeClr>
+          </a:lnRef>
+          <a:fillRef idx="1">
+            <a:schemeClr val="accent1"/>
+          </a:fillRef>
+          <a:effectRef idx="0">
+            <a:schemeClr val="accent1"/>
+          </a:effectRef>
+          <a:fontRef idx="minor">
+            <a:schemeClr val="lt1"/>
+          </a:fontRef>
+        </p:style>
+        <p:txBody>
+          <a:bodyPr rtlCol="0" anchor="ctr"/>
+          <a:lstStyle/>
+          <a:p>
+            <a:pPr algn="ctr"/>
+            <a:r>
+              <a:rPr lang="ru-RU" sz="1200" dirty="0" smtClean="0">
+                <a:solidFill>
+                  <a:schemeClr val="tx1"/>
+                </a:solidFill>
+                <a:latin typeface="Times New Roman" pitchFamily="18" charset="0"/>
+                <a:cs typeface="Times New Roman" pitchFamily="18" charset="0"/>
+              </a:rPr>
+              <a:t>Инициализация</a:t>
+            </a:r>
+          </a:p>
+        </p:txBody>
+      </p:sp>
+      <p:sp>
+        <p:nvSpPr>
+          <p:cNvPr id="8" name="Блок-схема: знак завершения 7"/>
+          <p:cNvSpPr/>
+          <p:nvPr/>
+        </p:nvSpPr>
+        <p:spPr>
+          <a:xfrm>
+            <a:off x="3714744" y="142852"/>
+            <a:ext cx="1643074" cy="214314"/>
+          </a:xfrm>
+          <a:prstGeom prst="flowChartTerminator">
+            <a:avLst/>
+          </a:prstGeom>
+          <a:solidFill>
+            <a:schemeClr val="bg1"/>
+          </a:solidFill>
+          <a:ln>
+            <a:solidFill>
+              <a:schemeClr val="tx1"/>
+            </a:solidFill>
+          </a:ln>
+        </p:spPr>
+        <p:style>
+          <a:lnRef idx="2">
+            <a:schemeClr val="accent1">
+              <a:shade val="50000"/>
+            </a:schemeClr>
+          </a:lnRef>
+          <a:fillRef idx="1">
+            <a:schemeClr val="accent1"/>
+          </a:fillRef>
+          <a:effectRef idx="0">
+            <a:schemeClr val="accent1"/>
+          </a:effectRef>
+          <a:fontRef idx="minor">
+            <a:schemeClr val="lt1"/>
+          </a:fontRef>
+        </p:style>
+        <p:txBody>
+          <a:bodyPr rtlCol="0" anchor="ctr"/>
+          <a:lstStyle/>
+          <a:p>
+            <a:pPr algn="ctr"/>
+            <a:r>
+              <a:rPr lang="ru-RU" sz="1200" dirty="0" smtClean="0">
+                <a:solidFill>
+                  <a:schemeClr val="tx1"/>
+                </a:solidFill>
+                <a:latin typeface="Times New Roman" pitchFamily="18" charset="0"/>
+                <a:cs typeface="Times New Roman" pitchFamily="18" charset="0"/>
+              </a:rPr>
+              <a:t>Работа с ошибками</a:t>
+            </a:r>
+          </a:p>
+        </p:txBody>
+      </p:sp>
+      <p:sp>
+        <p:nvSpPr>
+          <p:cNvPr id="9" name="Блок-схема: знак завершения 8"/>
+          <p:cNvSpPr/>
+          <p:nvPr/>
+        </p:nvSpPr>
+        <p:spPr>
+          <a:xfrm>
+            <a:off x="2786050" y="500042"/>
+            <a:ext cx="1643074" cy="214314"/>
+          </a:xfrm>
+          <a:prstGeom prst="flowChartTerminator">
+            <a:avLst/>
+          </a:prstGeom>
+          <a:solidFill>
+            <a:schemeClr val="accent3">
+              <a:lumMod val="60000"/>
+              <a:lumOff val="40000"/>
+            </a:schemeClr>
+          </a:solidFill>
+          <a:ln>
+            <a:solidFill>
+              <a:schemeClr val="tx1"/>
+            </a:solidFill>
+          </a:ln>
+        </p:spPr>
+        <p:style>
+          <a:lnRef idx="2">
+            <a:schemeClr val="accent1">
+              <a:shade val="50000"/>
+            </a:schemeClr>
+          </a:lnRef>
+          <a:fillRef idx="1">
+            <a:schemeClr val="accent1"/>
+          </a:fillRef>
+          <a:effectRef idx="0">
+            <a:schemeClr val="accent1"/>
+          </a:effectRef>
+          <a:fontRef idx="minor">
+            <a:schemeClr val="lt1"/>
+          </a:fontRef>
+        </p:style>
+        <p:txBody>
+          <a:bodyPr rtlCol="0" anchor="ctr"/>
+          <a:lstStyle/>
+          <a:p>
+            <a:pPr algn="ctr"/>
+            <a:r>
+              <a:rPr lang="en-US" sz="1200" dirty="0" smtClean="0">
+                <a:solidFill>
+                  <a:schemeClr val="tx1"/>
+                </a:solidFill>
+                <a:latin typeface="Times New Roman" pitchFamily="18" charset="0"/>
+                <a:cs typeface="Times New Roman" pitchFamily="18" charset="0"/>
+              </a:rPr>
+              <a:t>C</a:t>
+            </a:r>
+            <a:r>
+              <a:rPr lang="ru-RU" sz="1200" dirty="0" smtClean="0">
+                <a:solidFill>
+                  <a:schemeClr val="tx1"/>
+                </a:solidFill>
+                <a:latin typeface="Times New Roman" pitchFamily="18" charset="0"/>
+                <a:cs typeface="Times New Roman" pitchFamily="18" charset="0"/>
+              </a:rPr>
+              <a:t>бор </a:t>
+            </a:r>
+            <a:r>
+              <a:rPr lang="ru-RU" sz="1200" dirty="0" smtClean="0">
+                <a:solidFill>
+                  <a:schemeClr val="tx1"/>
+                </a:solidFill>
+                <a:latin typeface="Times New Roman" pitchFamily="18" charset="0"/>
+                <a:cs typeface="Times New Roman" pitchFamily="18" charset="0"/>
+              </a:rPr>
+              <a:t>параметров</a:t>
+            </a:r>
+          </a:p>
+        </p:txBody>
+      </p:sp>
+      <p:sp>
+        <p:nvSpPr>
+          <p:cNvPr id="10" name="Блок-схема: знак завершения 9"/>
+          <p:cNvSpPr/>
+          <p:nvPr/>
+        </p:nvSpPr>
+        <p:spPr>
+          <a:xfrm>
+            <a:off x="4714876" y="500042"/>
+            <a:ext cx="1643074" cy="214314"/>
+          </a:xfrm>
+          <a:prstGeom prst="flowChartTerminator">
+            <a:avLst/>
+          </a:prstGeom>
+          <a:solidFill>
+            <a:schemeClr val="bg1"/>
+          </a:solidFill>
+          <a:ln>
+            <a:solidFill>
+              <a:schemeClr val="tx1"/>
+            </a:solidFill>
+          </a:ln>
+        </p:spPr>
+        <p:style>
+          <a:lnRef idx="2">
+            <a:schemeClr val="accent1">
+              <a:shade val="50000"/>
+            </a:schemeClr>
+          </a:lnRef>
+          <a:fillRef idx="1">
+            <a:schemeClr val="accent1"/>
+          </a:fillRef>
+          <a:effectRef idx="0">
+            <a:schemeClr val="accent1"/>
+          </a:effectRef>
+          <a:fontRef idx="minor">
+            <a:schemeClr val="lt1"/>
+          </a:fontRef>
+        </p:style>
+        <p:txBody>
+          <a:bodyPr rtlCol="0" anchor="ctr"/>
+          <a:lstStyle/>
+          <a:p>
+            <a:pPr algn="ctr"/>
+            <a:r>
+              <a:rPr lang="ru-RU" sz="1200" dirty="0" smtClean="0">
+                <a:solidFill>
+                  <a:schemeClr val="tx1"/>
+                </a:solidFill>
+                <a:latin typeface="Times New Roman" pitchFamily="18" charset="0"/>
+                <a:cs typeface="Times New Roman" pitchFamily="18" charset="0"/>
+              </a:rPr>
+              <a:t>Вывод</a:t>
+            </a:r>
+          </a:p>
+        </p:txBody>
+      </p:sp>
+      <p:sp>
+        <p:nvSpPr>
+          <p:cNvPr id="11" name="Блок-схема: знак завершения 10"/>
+          <p:cNvSpPr/>
+          <p:nvPr/>
+        </p:nvSpPr>
+        <p:spPr>
+          <a:xfrm>
+            <a:off x="6572264" y="500042"/>
+            <a:ext cx="1643074" cy="214314"/>
+          </a:xfrm>
+          <a:prstGeom prst="flowChartTerminator">
+            <a:avLst/>
+          </a:prstGeom>
+          <a:solidFill>
+            <a:schemeClr val="bg1"/>
+          </a:solidFill>
+          <a:ln>
+            <a:solidFill>
+              <a:schemeClr val="tx1"/>
+            </a:solidFill>
+          </a:ln>
+        </p:spPr>
+        <p:style>
+          <a:lnRef idx="2">
+            <a:schemeClr val="accent1">
+              <a:shade val="50000"/>
+            </a:schemeClr>
+          </a:lnRef>
+          <a:fillRef idx="1">
+            <a:schemeClr val="accent1"/>
+          </a:fillRef>
+          <a:effectRef idx="0">
+            <a:schemeClr val="accent1"/>
+          </a:effectRef>
+          <a:fontRef idx="minor">
+            <a:schemeClr val="lt1"/>
+          </a:fontRef>
+        </p:style>
+        <p:txBody>
+          <a:bodyPr rtlCol="0" anchor="ctr"/>
+          <a:lstStyle/>
+          <a:p>
+            <a:pPr algn="ctr"/>
+            <a:r>
+              <a:rPr lang="ru-RU" sz="1200" dirty="0" err="1" smtClean="0">
+                <a:solidFill>
+                  <a:schemeClr val="tx1"/>
+                </a:solidFill>
+                <a:latin typeface="Times New Roman" pitchFamily="18" charset="0"/>
+                <a:cs typeface="Times New Roman" pitchFamily="18" charset="0"/>
+              </a:rPr>
+              <a:t>Финализация</a:t>
+            </a:r>
+            <a:endParaRPr lang="ru-RU" sz="1200" dirty="0" smtClean="0">
+              <a:solidFill>
+                <a:schemeClr val="tx1"/>
+              </a:solidFill>
+              <a:latin typeface="Times New Roman" pitchFamily="18" charset="0"/>
+              <a:cs typeface="Times New Roman" pitchFamily="18" charset="0"/>
+            </a:endParaRPr>
+          </a:p>
+        </p:txBody>
+      </p:sp>
+      <p:cxnSp>
+        <p:nvCxnSpPr>
+          <p:cNvPr id="13" name="Shape 12"/>
+          <p:cNvCxnSpPr>
+            <a:stCxn id="7" idx="0"/>
+            <a:endCxn id="8" idx="1"/>
+          </p:cNvCxnSpPr>
+          <p:nvPr/>
+        </p:nvCxnSpPr>
+        <p:spPr>
+          <a:xfrm rot="5400000" flipH="1" flipV="1">
+            <a:off x="2607455" y="-607246"/>
+            <a:ext cx="250033" cy="1964545"/>
+          </a:xfrm>
+          <a:prstGeom prst="curvedConnector2">
+            <a:avLst/>
+          </a:prstGeom>
+          <a:ln>
+            <a:solidFill>
+              <a:schemeClr val="tx1"/>
+            </a:solidFill>
+            <a:tailEnd type="arrow"/>
+          </a:ln>
+        </p:spPr>
+        <p:style>
+          <a:lnRef idx="1">
+            <a:schemeClr val="accent1"/>
+          </a:lnRef>
+          <a:fillRef idx="0">
+            <a:schemeClr val="accent1"/>
+          </a:fillRef>
+          <a:effectRef idx="0">
+            <a:schemeClr val="accent1"/>
+          </a:effectRef>
+          <a:fontRef idx="minor">
+            <a:schemeClr val="tx1"/>
+          </a:fontRef>
+        </p:style>
+      </p:cxnSp>
+      <p:cxnSp>
+        <p:nvCxnSpPr>
+          <p:cNvPr id="15" name="Скругленная соединительная линия 14"/>
+          <p:cNvCxnSpPr>
+            <a:stCxn id="7" idx="3"/>
+            <a:endCxn id="9" idx="1"/>
+          </p:cNvCxnSpPr>
+          <p:nvPr/>
+        </p:nvCxnSpPr>
+        <p:spPr>
+          <a:xfrm>
+            <a:off x="2571736" y="607199"/>
+            <a:ext cx="214314" cy="1588"/>
+          </a:xfrm>
+          <a:prstGeom prst="curvedConnector3">
+            <a:avLst>
+              <a:gd name="adj1" fmla="val 50000"/>
+            </a:avLst>
+          </a:prstGeom>
+          <a:ln>
+            <a:solidFill>
+              <a:schemeClr val="tx1"/>
+            </a:solidFill>
+            <a:tailEnd type="arrow"/>
+          </a:ln>
+        </p:spPr>
+        <p:style>
+          <a:lnRef idx="1">
+            <a:schemeClr val="accent1"/>
+          </a:lnRef>
+          <a:fillRef idx="0">
+            <a:schemeClr val="accent1"/>
+          </a:fillRef>
+          <a:effectRef idx="0">
+            <a:schemeClr val="accent1"/>
+          </a:effectRef>
+          <a:fontRef idx="minor">
+            <a:schemeClr val="tx1"/>
+          </a:fontRef>
+        </p:style>
+      </p:cxnSp>
+      <p:cxnSp>
+        <p:nvCxnSpPr>
+          <p:cNvPr id="17" name="Скругленная соединительная линия 16"/>
+          <p:cNvCxnSpPr>
+            <a:stCxn id="9" idx="3"/>
+            <a:endCxn id="10" idx="1"/>
+          </p:cNvCxnSpPr>
+          <p:nvPr/>
+        </p:nvCxnSpPr>
+        <p:spPr>
+          <a:xfrm>
+            <a:off x="4429124" y="607199"/>
+            <a:ext cx="285752" cy="1588"/>
+          </a:xfrm>
+          <a:prstGeom prst="curvedConnector3">
+            <a:avLst>
+              <a:gd name="adj1" fmla="val 50000"/>
+            </a:avLst>
+          </a:prstGeom>
+          <a:ln>
+            <a:solidFill>
+              <a:schemeClr val="tx1"/>
+            </a:solidFill>
+            <a:tailEnd type="arrow"/>
+          </a:ln>
+        </p:spPr>
+        <p:style>
+          <a:lnRef idx="1">
+            <a:schemeClr val="accent1"/>
+          </a:lnRef>
+          <a:fillRef idx="0">
+            <a:schemeClr val="accent1"/>
+          </a:fillRef>
+          <a:effectRef idx="0">
+            <a:schemeClr val="accent1"/>
+          </a:effectRef>
+          <a:fontRef idx="minor">
+            <a:schemeClr val="tx1"/>
+          </a:fontRef>
+        </p:style>
+      </p:cxnSp>
+      <p:cxnSp>
+        <p:nvCxnSpPr>
+          <p:cNvPr id="19" name="Скругленная соединительная линия 18"/>
+          <p:cNvCxnSpPr>
+            <a:stCxn id="10" idx="3"/>
+            <a:endCxn id="11" idx="1"/>
+          </p:cNvCxnSpPr>
+          <p:nvPr/>
+        </p:nvCxnSpPr>
+        <p:spPr>
+          <a:xfrm>
+            <a:off x="6357950" y="607199"/>
+            <a:ext cx="214314" cy="1588"/>
+          </a:xfrm>
+          <a:prstGeom prst="curvedConnector3">
+            <a:avLst>
+              <a:gd name="adj1" fmla="val 50000"/>
+            </a:avLst>
+          </a:prstGeom>
+          <a:ln>
+            <a:solidFill>
+              <a:schemeClr val="tx1"/>
+            </a:solidFill>
+            <a:tailEnd type="arrow"/>
+          </a:ln>
+        </p:spPr>
+        <p:style>
+          <a:lnRef idx="1">
+            <a:schemeClr val="accent1"/>
+          </a:lnRef>
+          <a:fillRef idx="0">
+            <a:schemeClr val="accent1"/>
+          </a:fillRef>
+          <a:effectRef idx="0">
+            <a:schemeClr val="accent1"/>
+          </a:effectRef>
+          <a:fontRef idx="minor">
+            <a:schemeClr val="tx1"/>
+          </a:fontRef>
+        </p:style>
+      </p:cxnSp>
+      <p:cxnSp>
+        <p:nvCxnSpPr>
+          <p:cNvPr id="21" name="Shape 20"/>
+          <p:cNvCxnSpPr>
+            <a:stCxn id="9" idx="0"/>
+          </p:cNvCxnSpPr>
+          <p:nvPr/>
+        </p:nvCxnSpPr>
+        <p:spPr>
+          <a:xfrm rot="5400000" flipH="1" flipV="1">
+            <a:off x="3625446" y="339307"/>
+            <a:ext cx="142876" cy="178595"/>
+          </a:xfrm>
+          <a:prstGeom prst="curvedConnector2">
+            <a:avLst/>
+          </a:prstGeom>
+          <a:ln>
+            <a:solidFill>
+              <a:schemeClr val="tx1"/>
+            </a:solidFill>
+            <a:tailEnd type="arrow"/>
+          </a:ln>
+        </p:spPr>
+        <p:style>
+          <a:lnRef idx="1">
+            <a:schemeClr val="accent1"/>
+          </a:lnRef>
+          <a:fillRef idx="0">
+            <a:schemeClr val="accent1"/>
+          </a:fillRef>
+          <a:effectRef idx="0">
+            <a:schemeClr val="accent1"/>
+          </a:effectRef>
+          <a:fontRef idx="minor">
+            <a:schemeClr val="tx1"/>
+          </a:fontRef>
+        </p:style>
+      </p:cxnSp>
+      <p:cxnSp>
+        <p:nvCxnSpPr>
+          <p:cNvPr id="23" name="Shape 22"/>
+          <p:cNvCxnSpPr>
+            <a:stCxn id="10" idx="0"/>
+          </p:cNvCxnSpPr>
+          <p:nvPr/>
+        </p:nvCxnSpPr>
+        <p:spPr>
+          <a:xfrm rot="16200000" flipV="1">
+            <a:off x="5339959" y="303587"/>
+            <a:ext cx="142876" cy="250033"/>
+          </a:xfrm>
+          <a:prstGeom prst="curvedConnector2">
+            <a:avLst/>
+          </a:prstGeom>
+          <a:ln>
+            <a:solidFill>
+              <a:schemeClr val="tx1"/>
+            </a:solidFill>
+            <a:tailEnd type="arrow"/>
+          </a:ln>
+        </p:spPr>
+        <p:style>
+          <a:lnRef idx="1">
+            <a:schemeClr val="accent1"/>
+          </a:lnRef>
+          <a:fillRef idx="0">
+            <a:schemeClr val="accent1"/>
+          </a:fillRef>
+          <a:effectRef idx="0">
+            <a:schemeClr val="accent1"/>
+          </a:effectRef>
+          <a:fontRef idx="minor">
+            <a:schemeClr val="tx1"/>
+          </a:fontRef>
+        </p:style>
+      </p:cxnSp>
+      <p:cxnSp>
+        <p:nvCxnSpPr>
+          <p:cNvPr id="25" name="Shape 24"/>
+          <p:cNvCxnSpPr>
+            <a:stCxn id="11" idx="0"/>
+            <a:endCxn id="8" idx="3"/>
+          </p:cNvCxnSpPr>
+          <p:nvPr/>
+        </p:nvCxnSpPr>
+        <p:spPr>
+          <a:xfrm rot="16200000" flipV="1">
+            <a:off x="6250794" y="-642966"/>
+            <a:ext cx="250033" cy="2035983"/>
+          </a:xfrm>
+          <a:prstGeom prst="curvedConnector2">
+            <a:avLst/>
+          </a:prstGeom>
+          <a:ln>
+            <a:solidFill>
+              <a:schemeClr val="tx1"/>
+            </a:solidFill>
+            <a:tailEnd type="arrow"/>
+          </a:ln>
+        </p:spPr>
+        <p:style>
+          <a:lnRef idx="1">
+            <a:schemeClr val="accent1"/>
+          </a:lnRef>
+          <a:fillRef idx="0">
+            <a:schemeClr val="accent1"/>
+          </a:fillRef>
+          <a:effectRef idx="0">
+            <a:schemeClr val="accent1"/>
+          </a:effectRef>
+          <a:fontRef idx="minor">
+            <a:schemeClr val="tx1"/>
+          </a:fontRef>
+        </p:style>
+      </p:cxnSp>
+    </p:spTree>
+  </p:cSld>
+  <p:clrMapOvr>
+    <a:masterClrMapping/>
+  </p:clrMapOvr>
+  <p:timing>
+    <p:tnLst>
+      <p:par>
+        <p:cTn id="1" dur="indefinite" restart="never" nodeType="tmRoot"/>
+      </p:par>
+    </p:tnLst>
+  </p:timing>
+</p:sld>
+</file>
+
+<file path=ppt/slides/slide6.xml><?xml version="1.0" encoding="utf-8"?>
+<p:sld xmlns:a="http://schemas.openxmlformats.org/drawingml/2006/main" xmlns:r="http://schemas.openxmlformats.org/officeDocument/2006/relationships" xmlns:p="http://schemas.openxmlformats.org/presentationml/2006/main">
+  <p:cSld>
+    <p:spTree>
+      <p:nvGrpSpPr>
+        <p:cNvPr id="1" name=""/>
+        <p:cNvGrpSpPr/>
+        <p:nvPr/>
+      </p:nvGrpSpPr>
+      <p:grpSpPr>
+        <a:xfrm>
+          <a:off x="0" y="0"/>
+          <a:ext cx="0" cy="0"/>
+          <a:chOff x="0" y="0"/>
+          <a:chExt cx="0" cy="0"/>
+        </a:xfrm>
+      </p:grpSpPr>
+      <p:sp>
+        <p:nvSpPr>
+          <p:cNvPr id="2" name="Заголовок 1"/>
+          <p:cNvSpPr>
+            <a:spLocks noGrp="1"/>
+          </p:cNvSpPr>
+          <p:nvPr>
+            <p:ph type="title"/>
+          </p:nvPr>
+        </p:nvSpPr>
+        <p:spPr>
+          <a:xfrm>
+            <a:off x="0" y="857232"/>
+            <a:ext cx="9144000" cy="500058"/>
+          </a:xfrm>
+        </p:spPr>
+        <p:txBody>
+          <a:bodyPr>
+            <a:normAutofit/>
+          </a:bodyPr>
+          <a:lstStyle/>
+          <a:p>
+            <a:r>
+              <a:rPr lang="ru-RU" sz="2600" dirty="0" smtClean="0">
+                <a:latin typeface="Times New Roman" pitchFamily="18" charset="0"/>
+                <a:cs typeface="Times New Roman" pitchFamily="18" charset="0"/>
+              </a:rPr>
+              <a:t>Функция инициализации библиотеки</a:t>
+            </a:r>
+            <a:endParaRPr lang="ru-RU" sz="2600" dirty="0">
+              <a:latin typeface="Times New Roman" pitchFamily="18" charset="0"/>
+              <a:cs typeface="Times New Roman" pitchFamily="18" charset="0"/>
+            </a:endParaRPr>
+          </a:p>
+        </p:txBody>
+      </p:sp>
+      <p:sp>
+        <p:nvSpPr>
+          <p:cNvPr id="5" name="Содержимое 4"/>
+          <p:cNvSpPr>
+            <a:spLocks noGrp="1"/>
+          </p:cNvSpPr>
+          <p:nvPr>
+            <p:ph idx="1"/>
+          </p:nvPr>
+        </p:nvSpPr>
+        <p:spPr/>
+        <p:txBody>
+          <a:bodyPr>
+            <a:normAutofit/>
+          </a:bodyPr>
+          <a:lstStyle/>
+          <a:p>
+            <a:r>
+              <a:rPr lang="ru-RU" sz="1800" dirty="0" smtClean="0">
+                <a:latin typeface="Times New Roman" pitchFamily="18" charset="0"/>
+                <a:cs typeface="Times New Roman" pitchFamily="18" charset="0"/>
+              </a:rPr>
+              <a:t>Функция инициализирует работу библиотеки и производит разбор параметров переданных вместе с командной строкой.</a:t>
+            </a:r>
+            <a:endParaRPr lang="ru-RU" sz="1800" dirty="0">
+              <a:latin typeface="Times New Roman" pitchFamily="18" charset="0"/>
+              <a:cs typeface="Times New Roman" pitchFamily="18" charset="0"/>
+            </a:endParaRPr>
+          </a:p>
+        </p:txBody>
+      </p:sp>
+      <p:sp>
+        <p:nvSpPr>
+          <p:cNvPr id="7" name="Блок-схема: знак завершения 6"/>
+          <p:cNvSpPr/>
+          <p:nvPr/>
+        </p:nvSpPr>
+        <p:spPr>
+          <a:xfrm>
+            <a:off x="928662" y="500042"/>
+            <a:ext cx="1643074" cy="214314"/>
+          </a:xfrm>
+          <a:prstGeom prst="flowChartTerminator">
+            <a:avLst/>
+          </a:prstGeom>
+          <a:solidFill>
+            <a:schemeClr val="bg1"/>
+          </a:solidFill>
+          <a:ln>
+            <a:solidFill>
+              <a:schemeClr val="tx1"/>
+            </a:solidFill>
+          </a:ln>
+        </p:spPr>
+        <p:style>
+          <a:lnRef idx="2">
+            <a:schemeClr val="accent1">
+              <a:shade val="50000"/>
+            </a:schemeClr>
+          </a:lnRef>
+          <a:fillRef idx="1">
+            <a:schemeClr val="accent1"/>
+          </a:fillRef>
+          <a:effectRef idx="0">
+            <a:schemeClr val="accent1"/>
+          </a:effectRef>
+          <a:fontRef idx="minor">
+            <a:schemeClr val="lt1"/>
+          </a:fontRef>
+        </p:style>
+        <p:txBody>
+          <a:bodyPr rtlCol="0" anchor="ctr"/>
+          <a:lstStyle/>
+          <a:p>
+            <a:pPr algn="ctr"/>
+            <a:r>
+              <a:rPr lang="ru-RU" sz="1200" dirty="0" smtClean="0">
+                <a:solidFill>
+                  <a:schemeClr val="tx1"/>
+                </a:solidFill>
+                <a:latin typeface="Times New Roman" pitchFamily="18" charset="0"/>
+                <a:cs typeface="Times New Roman" pitchFamily="18" charset="0"/>
+              </a:rPr>
+              <a:t>Инициализация</a:t>
+            </a:r>
+          </a:p>
+        </p:txBody>
+      </p:sp>
+      <p:sp>
+        <p:nvSpPr>
+          <p:cNvPr id="8" name="Блок-схема: знак завершения 7"/>
+          <p:cNvSpPr/>
+          <p:nvPr/>
+        </p:nvSpPr>
+        <p:spPr>
+          <a:xfrm>
+            <a:off x="3714744" y="142852"/>
+            <a:ext cx="1643074" cy="214314"/>
+          </a:xfrm>
+          <a:prstGeom prst="flowChartTerminator">
+            <a:avLst/>
+          </a:prstGeom>
+          <a:solidFill>
+            <a:schemeClr val="bg1"/>
+          </a:solidFill>
+          <a:ln>
+            <a:solidFill>
+              <a:schemeClr val="tx1"/>
+            </a:solidFill>
+          </a:ln>
+        </p:spPr>
+        <p:style>
+          <a:lnRef idx="2">
+            <a:schemeClr val="accent1">
+              <a:shade val="50000"/>
+            </a:schemeClr>
+          </a:lnRef>
+          <a:fillRef idx="1">
+            <a:schemeClr val="accent1"/>
+          </a:fillRef>
+          <a:effectRef idx="0">
+            <a:schemeClr val="accent1"/>
+          </a:effectRef>
+          <a:fontRef idx="minor">
+            <a:schemeClr val="lt1"/>
+          </a:fontRef>
+        </p:style>
+        <p:txBody>
+          <a:bodyPr rtlCol="0" anchor="ctr"/>
+          <a:lstStyle/>
+          <a:p>
+            <a:pPr algn="ctr"/>
+            <a:r>
+              <a:rPr lang="ru-RU" sz="1200" dirty="0" smtClean="0">
+                <a:solidFill>
+                  <a:schemeClr val="tx1"/>
+                </a:solidFill>
+                <a:latin typeface="Times New Roman" pitchFamily="18" charset="0"/>
+                <a:cs typeface="Times New Roman" pitchFamily="18" charset="0"/>
+              </a:rPr>
+              <a:t>Работа с ошибками</a:t>
+            </a:r>
+          </a:p>
+        </p:txBody>
+      </p:sp>
+      <p:sp>
+        <p:nvSpPr>
+          <p:cNvPr id="9" name="Блок-схема: знак завершения 8"/>
+          <p:cNvSpPr/>
+          <p:nvPr/>
+        </p:nvSpPr>
+        <p:spPr>
+          <a:xfrm>
+            <a:off x="2786050" y="500042"/>
+            <a:ext cx="1643074" cy="214314"/>
+          </a:xfrm>
+          <a:prstGeom prst="flowChartTerminator">
+            <a:avLst/>
+          </a:prstGeom>
+          <a:solidFill>
+            <a:schemeClr val="bg1"/>
+          </a:solidFill>
+          <a:ln>
+            <a:solidFill>
+              <a:schemeClr val="tx1"/>
+            </a:solidFill>
+          </a:ln>
+        </p:spPr>
+        <p:style>
+          <a:lnRef idx="2">
+            <a:schemeClr val="accent1">
+              <a:shade val="50000"/>
+            </a:schemeClr>
+          </a:lnRef>
+          <a:fillRef idx="1">
+            <a:schemeClr val="accent1"/>
+          </a:fillRef>
+          <a:effectRef idx="0">
+            <a:schemeClr val="accent1"/>
+          </a:effectRef>
+          <a:fontRef idx="minor">
+            <a:schemeClr val="lt1"/>
+          </a:fontRef>
+        </p:style>
+        <p:txBody>
+          <a:bodyPr rtlCol="0" anchor="ctr"/>
+          <a:lstStyle/>
+          <a:p>
+            <a:pPr algn="ctr"/>
+            <a:r>
+              <a:rPr lang="en-US" sz="1200" dirty="0" smtClean="0">
+                <a:solidFill>
+                  <a:schemeClr val="tx1"/>
+                </a:solidFill>
+                <a:latin typeface="Times New Roman" pitchFamily="18" charset="0"/>
+                <a:cs typeface="Times New Roman" pitchFamily="18" charset="0"/>
+              </a:rPr>
+              <a:t>C</a:t>
+            </a:r>
+            <a:r>
+              <a:rPr lang="ru-RU" sz="1200" dirty="0" smtClean="0">
+                <a:solidFill>
+                  <a:schemeClr val="tx1"/>
+                </a:solidFill>
+                <a:latin typeface="Times New Roman" pitchFamily="18" charset="0"/>
+                <a:cs typeface="Times New Roman" pitchFamily="18" charset="0"/>
+              </a:rPr>
+              <a:t>бор </a:t>
+            </a:r>
+            <a:r>
+              <a:rPr lang="ru-RU" sz="1200" dirty="0" smtClean="0">
+                <a:solidFill>
+                  <a:schemeClr val="tx1"/>
+                </a:solidFill>
+                <a:latin typeface="Times New Roman" pitchFamily="18" charset="0"/>
+                <a:cs typeface="Times New Roman" pitchFamily="18" charset="0"/>
+              </a:rPr>
+              <a:t>параметров</a:t>
+            </a:r>
+          </a:p>
+        </p:txBody>
+      </p:sp>
+      <p:sp>
+        <p:nvSpPr>
+          <p:cNvPr id="10" name="Блок-схема: знак завершения 9"/>
+          <p:cNvSpPr/>
+          <p:nvPr/>
+        </p:nvSpPr>
+        <p:spPr>
+          <a:xfrm>
+            <a:off x="4714876" y="500042"/>
+            <a:ext cx="1643074" cy="214314"/>
+          </a:xfrm>
+          <a:prstGeom prst="flowChartTerminator">
+            <a:avLst/>
+          </a:prstGeom>
+          <a:solidFill>
+            <a:schemeClr val="accent3">
+              <a:lumMod val="60000"/>
+              <a:lumOff val="40000"/>
+            </a:schemeClr>
+          </a:solidFill>
+          <a:ln>
+            <a:solidFill>
+              <a:schemeClr val="tx1"/>
+            </a:solidFill>
+          </a:ln>
+        </p:spPr>
+        <p:style>
+          <a:lnRef idx="2">
+            <a:schemeClr val="accent1">
+              <a:shade val="50000"/>
+            </a:schemeClr>
+          </a:lnRef>
+          <a:fillRef idx="1">
+            <a:schemeClr val="accent1"/>
+          </a:fillRef>
+          <a:effectRef idx="0">
+            <a:schemeClr val="accent1"/>
+          </a:effectRef>
+          <a:fontRef idx="minor">
+            <a:schemeClr val="lt1"/>
+          </a:fontRef>
+        </p:style>
+        <p:txBody>
+          <a:bodyPr rtlCol="0" anchor="ctr"/>
+          <a:lstStyle/>
+          <a:p>
+            <a:pPr algn="ctr"/>
+            <a:r>
+              <a:rPr lang="ru-RU" sz="1200" dirty="0" smtClean="0">
+                <a:solidFill>
+                  <a:schemeClr val="tx1"/>
+                </a:solidFill>
+                <a:latin typeface="Times New Roman" pitchFamily="18" charset="0"/>
+                <a:cs typeface="Times New Roman" pitchFamily="18" charset="0"/>
+              </a:rPr>
+              <a:t>Вывод</a:t>
+            </a:r>
+          </a:p>
+        </p:txBody>
+      </p:sp>
+      <p:sp>
+        <p:nvSpPr>
+          <p:cNvPr id="11" name="Блок-схема: знак завершения 10"/>
+          <p:cNvSpPr/>
+          <p:nvPr/>
+        </p:nvSpPr>
+        <p:spPr>
+          <a:xfrm>
+            <a:off x="6572264" y="500042"/>
+            <a:ext cx="1643074" cy="214314"/>
+          </a:xfrm>
+          <a:prstGeom prst="flowChartTerminator">
+            <a:avLst/>
+          </a:prstGeom>
+          <a:solidFill>
+            <a:schemeClr val="bg1"/>
+          </a:solidFill>
+          <a:ln>
+            <a:solidFill>
+              <a:schemeClr val="tx1"/>
+            </a:solidFill>
+          </a:ln>
+        </p:spPr>
+        <p:style>
+          <a:lnRef idx="2">
+            <a:schemeClr val="accent1">
+              <a:shade val="50000"/>
+            </a:schemeClr>
+          </a:lnRef>
+          <a:fillRef idx="1">
+            <a:schemeClr val="accent1"/>
+          </a:fillRef>
+          <a:effectRef idx="0">
+            <a:schemeClr val="accent1"/>
+          </a:effectRef>
+          <a:fontRef idx="minor">
+            <a:schemeClr val="lt1"/>
+          </a:fontRef>
+        </p:style>
+        <p:txBody>
+          <a:bodyPr rtlCol="0" anchor="ctr"/>
+          <a:lstStyle/>
+          <a:p>
+            <a:pPr algn="ctr"/>
+            <a:r>
+              <a:rPr lang="ru-RU" sz="1200" dirty="0" err="1" smtClean="0">
+                <a:solidFill>
+                  <a:schemeClr val="tx1"/>
+                </a:solidFill>
+                <a:latin typeface="Times New Roman" pitchFamily="18" charset="0"/>
+                <a:cs typeface="Times New Roman" pitchFamily="18" charset="0"/>
+              </a:rPr>
+              <a:t>Финализация</a:t>
+            </a:r>
+            <a:endParaRPr lang="ru-RU" sz="1200" dirty="0" smtClean="0">
+              <a:solidFill>
+                <a:schemeClr val="tx1"/>
+              </a:solidFill>
+              <a:latin typeface="Times New Roman" pitchFamily="18" charset="0"/>
+              <a:cs typeface="Times New Roman" pitchFamily="18" charset="0"/>
+            </a:endParaRPr>
+          </a:p>
+        </p:txBody>
+      </p:sp>
+      <p:cxnSp>
+        <p:nvCxnSpPr>
+          <p:cNvPr id="13" name="Shape 12"/>
+          <p:cNvCxnSpPr>
+            <a:stCxn id="7" idx="0"/>
+            <a:endCxn id="8" idx="1"/>
+          </p:cNvCxnSpPr>
+          <p:nvPr/>
+        </p:nvCxnSpPr>
+        <p:spPr>
+          <a:xfrm rot="5400000" flipH="1" flipV="1">
+            <a:off x="2607455" y="-607246"/>
+            <a:ext cx="250033" cy="1964545"/>
+          </a:xfrm>
+          <a:prstGeom prst="curvedConnector2">
+            <a:avLst/>
+          </a:prstGeom>
+          <a:ln>
+            <a:solidFill>
+              <a:schemeClr val="tx1"/>
+            </a:solidFill>
+            <a:tailEnd type="arrow"/>
+          </a:ln>
+        </p:spPr>
+        <p:style>
+          <a:lnRef idx="1">
+            <a:schemeClr val="accent1"/>
+          </a:lnRef>
+          <a:fillRef idx="0">
+            <a:schemeClr val="accent1"/>
+          </a:fillRef>
+          <a:effectRef idx="0">
+            <a:schemeClr val="accent1"/>
+          </a:effectRef>
+          <a:fontRef idx="minor">
+            <a:schemeClr val="tx1"/>
+          </a:fontRef>
+        </p:style>
+      </p:cxnSp>
+      <p:cxnSp>
+        <p:nvCxnSpPr>
+          <p:cNvPr id="15" name="Скругленная соединительная линия 14"/>
+          <p:cNvCxnSpPr>
+            <a:stCxn id="7" idx="3"/>
+            <a:endCxn id="9" idx="1"/>
+          </p:cNvCxnSpPr>
+          <p:nvPr/>
+        </p:nvCxnSpPr>
+        <p:spPr>
+          <a:xfrm>
+            <a:off x="2571736" y="607199"/>
+            <a:ext cx="214314" cy="1588"/>
+          </a:xfrm>
+          <a:prstGeom prst="curvedConnector3">
+            <a:avLst>
+              <a:gd name="adj1" fmla="val 50000"/>
+            </a:avLst>
+          </a:prstGeom>
+          <a:ln>
+            <a:solidFill>
+              <a:schemeClr val="tx1"/>
+            </a:solidFill>
+            <a:tailEnd type="arrow"/>
+          </a:ln>
+        </p:spPr>
+        <p:style>
+          <a:lnRef idx="1">
+            <a:schemeClr val="accent1"/>
+          </a:lnRef>
+          <a:fillRef idx="0">
+            <a:schemeClr val="accent1"/>
+          </a:fillRef>
+          <a:effectRef idx="0">
+            <a:schemeClr val="accent1"/>
+          </a:effectRef>
+          <a:fontRef idx="minor">
+            <a:schemeClr val="tx1"/>
+          </a:fontRef>
+        </p:style>
+      </p:cxnSp>
+      <p:cxnSp>
+        <p:nvCxnSpPr>
+          <p:cNvPr id="17" name="Скругленная соединительная линия 16"/>
+          <p:cNvCxnSpPr>
+            <a:stCxn id="9" idx="3"/>
+            <a:endCxn id="10" idx="1"/>
+          </p:cNvCxnSpPr>
+          <p:nvPr/>
+        </p:nvCxnSpPr>
+        <p:spPr>
+          <a:xfrm>
+            <a:off x="4429124" y="607199"/>
+            <a:ext cx="285752" cy="1588"/>
+          </a:xfrm>
+          <a:prstGeom prst="curvedConnector3">
+            <a:avLst>
+              <a:gd name="adj1" fmla="val 50000"/>
+            </a:avLst>
+          </a:prstGeom>
+          <a:ln>
+            <a:solidFill>
+              <a:schemeClr val="tx1"/>
+            </a:solidFill>
+            <a:tailEnd type="arrow"/>
+          </a:ln>
+        </p:spPr>
+        <p:style>
+          <a:lnRef idx="1">
+            <a:schemeClr val="accent1"/>
+          </a:lnRef>
+          <a:fillRef idx="0">
+            <a:schemeClr val="accent1"/>
+          </a:fillRef>
+          <a:effectRef idx="0">
+            <a:schemeClr val="accent1"/>
+          </a:effectRef>
+          <a:fontRef idx="minor">
+            <a:schemeClr val="tx1"/>
+          </a:fontRef>
+        </p:style>
+      </p:cxnSp>
+      <p:cxnSp>
+        <p:nvCxnSpPr>
+          <p:cNvPr id="19" name="Скругленная соединительная линия 18"/>
+          <p:cNvCxnSpPr>
+            <a:stCxn id="10" idx="3"/>
+            <a:endCxn id="11" idx="1"/>
+          </p:cNvCxnSpPr>
+          <p:nvPr/>
+        </p:nvCxnSpPr>
+        <p:spPr>
+          <a:xfrm>
+            <a:off x="6357950" y="607199"/>
+            <a:ext cx="214314" cy="1588"/>
+          </a:xfrm>
+          <a:prstGeom prst="curvedConnector3">
+            <a:avLst>
+              <a:gd name="adj1" fmla="val 50000"/>
+            </a:avLst>
+          </a:prstGeom>
+          <a:ln>
+            <a:solidFill>
+              <a:schemeClr val="tx1"/>
+            </a:solidFill>
+            <a:tailEnd type="arrow"/>
+          </a:ln>
+        </p:spPr>
+        <p:style>
+          <a:lnRef idx="1">
+            <a:schemeClr val="accent1"/>
+          </a:lnRef>
+          <a:fillRef idx="0">
+            <a:schemeClr val="accent1"/>
+          </a:fillRef>
+          <a:effectRef idx="0">
+            <a:schemeClr val="accent1"/>
+          </a:effectRef>
+          <a:fontRef idx="minor">
+            <a:schemeClr val="tx1"/>
+          </a:fontRef>
+        </p:style>
+      </p:cxnSp>
+      <p:cxnSp>
+        <p:nvCxnSpPr>
+          <p:cNvPr id="21" name="Shape 20"/>
+          <p:cNvCxnSpPr>
+            <a:stCxn id="9" idx="0"/>
+          </p:cNvCxnSpPr>
+          <p:nvPr/>
+        </p:nvCxnSpPr>
+        <p:spPr>
+          <a:xfrm rot="5400000" flipH="1" flipV="1">
+            <a:off x="3625446" y="339307"/>
+            <a:ext cx="142876" cy="178595"/>
+          </a:xfrm>
+          <a:prstGeom prst="curvedConnector2">
+            <a:avLst/>
+          </a:prstGeom>
+          <a:ln>
+            <a:solidFill>
+              <a:schemeClr val="tx1"/>
+            </a:solidFill>
+            <a:tailEnd type="arrow"/>
+          </a:ln>
+        </p:spPr>
+        <p:style>
+          <a:lnRef idx="1">
+            <a:schemeClr val="accent1"/>
+          </a:lnRef>
+          <a:fillRef idx="0">
+            <a:schemeClr val="accent1"/>
+          </a:fillRef>
+          <a:effectRef idx="0">
+            <a:schemeClr val="accent1"/>
+          </a:effectRef>
+          <a:fontRef idx="minor">
+            <a:schemeClr val="tx1"/>
+          </a:fontRef>
+        </p:style>
+      </p:cxnSp>
+      <p:cxnSp>
+        <p:nvCxnSpPr>
+          <p:cNvPr id="23" name="Shape 22"/>
+          <p:cNvCxnSpPr>
+            <a:stCxn id="10" idx="0"/>
+          </p:cNvCxnSpPr>
+          <p:nvPr/>
+        </p:nvCxnSpPr>
+        <p:spPr>
+          <a:xfrm rot="16200000" flipV="1">
+            <a:off x="5339959" y="303587"/>
+            <a:ext cx="142876" cy="250033"/>
+          </a:xfrm>
+          <a:prstGeom prst="curvedConnector2">
+            <a:avLst/>
+          </a:prstGeom>
+          <a:ln>
+            <a:solidFill>
+              <a:schemeClr val="tx1"/>
+            </a:solidFill>
+            <a:tailEnd type="arrow"/>
+          </a:ln>
+        </p:spPr>
+        <p:style>
+          <a:lnRef idx="1">
+            <a:schemeClr val="accent1"/>
+          </a:lnRef>
+          <a:fillRef idx="0">
+            <a:schemeClr val="accent1"/>
+          </a:fillRef>
+          <a:effectRef idx="0">
+            <a:schemeClr val="accent1"/>
+          </a:effectRef>
+          <a:fontRef idx="minor">
+            <a:schemeClr val="tx1"/>
+          </a:fontRef>
+        </p:style>
+      </p:cxnSp>
+      <p:cxnSp>
+        <p:nvCxnSpPr>
+          <p:cNvPr id="25" name="Shape 24"/>
+          <p:cNvCxnSpPr>
+            <a:stCxn id="11" idx="0"/>
+            <a:endCxn id="8" idx="3"/>
+          </p:cNvCxnSpPr>
+          <p:nvPr/>
+        </p:nvCxnSpPr>
+        <p:spPr>
+          <a:xfrm rot="16200000" flipV="1">
+            <a:off x="6250794" y="-642966"/>
+            <a:ext cx="250033" cy="2035983"/>
+          </a:xfrm>
+          <a:prstGeom prst="curvedConnector2">
+            <a:avLst/>
+          </a:prstGeom>
+          <a:ln>
+            <a:solidFill>
+              <a:schemeClr val="tx1"/>
+            </a:solidFill>
+            <a:tailEnd type="arrow"/>
+          </a:ln>
+        </p:spPr>
+        <p:style>
+          <a:lnRef idx="1">
+            <a:schemeClr val="accent1"/>
+          </a:lnRef>
+          <a:fillRef idx="0">
+            <a:schemeClr val="accent1"/>
+          </a:fillRef>
+          <a:effectRef idx="0">
+            <a:schemeClr val="accent1"/>
+          </a:effectRef>
+          <a:fontRef idx="minor">
+            <a:schemeClr val="tx1"/>
+          </a:fontRef>
+        </p:style>
+      </p:cxnSp>
+    </p:spTree>
+  </p:cSld>
+  <p:clrMapOvr>
+    <a:masterClrMapping/>
+  </p:clrMapOvr>
+  <p:timing>
+    <p:tnLst>
+      <p:par>
+        <p:cTn id="1" dur="indefinite" restart="never" nodeType="tmRoot"/>
+      </p:par>
+    </p:tnLst>
+  </p:timing>
+</p:sld>
+</file>
+
+<file path=ppt/slides/slide7.xml><?xml version="1.0" encoding="utf-8"?>
+<p:sld xmlns:a="http://schemas.openxmlformats.org/drawingml/2006/main" xmlns:r="http://schemas.openxmlformats.org/officeDocument/2006/relationships" xmlns:p="http://schemas.openxmlformats.org/presentationml/2006/main">
+  <p:cSld>
+    <p:spTree>
+      <p:nvGrpSpPr>
+        <p:cNvPr id="1" name=""/>
+        <p:cNvGrpSpPr/>
+        <p:nvPr/>
+      </p:nvGrpSpPr>
+      <p:grpSpPr>
+        <a:xfrm>
+          <a:off x="0" y="0"/>
+          <a:ext cx="0" cy="0"/>
+          <a:chOff x="0" y="0"/>
+          <a:chExt cx="0" cy="0"/>
+        </a:xfrm>
+      </p:grpSpPr>
+      <p:sp>
+        <p:nvSpPr>
+          <p:cNvPr id="2" name="Заголовок 1"/>
+          <p:cNvSpPr>
+            <a:spLocks noGrp="1"/>
+          </p:cNvSpPr>
+          <p:nvPr>
+            <p:ph type="title"/>
+          </p:nvPr>
+        </p:nvSpPr>
+        <p:spPr>
+          <a:xfrm>
+            <a:off x="0" y="857232"/>
+            <a:ext cx="9144000" cy="500058"/>
+          </a:xfrm>
+        </p:spPr>
+        <p:txBody>
+          <a:bodyPr>
+            <a:normAutofit/>
+          </a:bodyPr>
+          <a:lstStyle/>
+          <a:p>
+            <a:r>
+              <a:rPr lang="ru-RU" sz="2600" dirty="0" smtClean="0">
+                <a:latin typeface="Times New Roman" pitchFamily="18" charset="0"/>
+                <a:cs typeface="Times New Roman" pitchFamily="18" charset="0"/>
+              </a:rPr>
+              <a:t>Функция инициализации библиотеки</a:t>
+            </a:r>
+            <a:endParaRPr lang="ru-RU" sz="2600" dirty="0">
+              <a:latin typeface="Times New Roman" pitchFamily="18" charset="0"/>
+              <a:cs typeface="Times New Roman" pitchFamily="18" charset="0"/>
+            </a:endParaRPr>
+          </a:p>
+        </p:txBody>
+      </p:sp>
+      <p:sp>
+        <p:nvSpPr>
+          <p:cNvPr id="5" name="Содержимое 4"/>
+          <p:cNvSpPr>
+            <a:spLocks noGrp="1"/>
+          </p:cNvSpPr>
+          <p:nvPr>
+            <p:ph idx="1"/>
+          </p:nvPr>
+        </p:nvSpPr>
+        <p:spPr/>
+        <p:txBody>
+          <a:bodyPr>
+            <a:normAutofit/>
+          </a:bodyPr>
+          <a:lstStyle/>
+          <a:p>
+            <a:r>
+              <a:rPr lang="ru-RU" sz="1800" dirty="0" smtClean="0">
+                <a:latin typeface="Times New Roman" pitchFamily="18" charset="0"/>
+                <a:cs typeface="Times New Roman" pitchFamily="18" charset="0"/>
+              </a:rPr>
+              <a:t>Функция инициализирует работу библиотеки и производит разбор параметров переданных вместе с командной строкой.</a:t>
+            </a:r>
+            <a:endParaRPr lang="ru-RU" sz="1800" dirty="0">
+              <a:latin typeface="Times New Roman" pitchFamily="18" charset="0"/>
+              <a:cs typeface="Times New Roman" pitchFamily="18" charset="0"/>
+            </a:endParaRPr>
+          </a:p>
+        </p:txBody>
+      </p:sp>
+      <p:sp>
+        <p:nvSpPr>
+          <p:cNvPr id="7" name="Блок-схема: знак завершения 6"/>
+          <p:cNvSpPr/>
+          <p:nvPr/>
+        </p:nvSpPr>
+        <p:spPr>
+          <a:xfrm>
+            <a:off x="928662" y="500042"/>
+            <a:ext cx="1643074" cy="214314"/>
+          </a:xfrm>
+          <a:prstGeom prst="flowChartTerminator">
+            <a:avLst/>
+          </a:prstGeom>
+          <a:solidFill>
+            <a:schemeClr val="bg1"/>
+          </a:solidFill>
+          <a:ln>
+            <a:solidFill>
+              <a:schemeClr val="tx1"/>
+            </a:solidFill>
+          </a:ln>
+        </p:spPr>
+        <p:style>
+          <a:lnRef idx="2">
+            <a:schemeClr val="accent1">
+              <a:shade val="50000"/>
+            </a:schemeClr>
+          </a:lnRef>
+          <a:fillRef idx="1">
+            <a:schemeClr val="accent1"/>
+          </a:fillRef>
+          <a:effectRef idx="0">
+            <a:schemeClr val="accent1"/>
+          </a:effectRef>
+          <a:fontRef idx="minor">
+            <a:schemeClr val="lt1"/>
+          </a:fontRef>
+        </p:style>
+        <p:txBody>
+          <a:bodyPr rtlCol="0" anchor="ctr"/>
+          <a:lstStyle/>
+          <a:p>
+            <a:pPr algn="ctr"/>
+            <a:r>
+              <a:rPr lang="ru-RU" sz="1200" dirty="0" smtClean="0">
+                <a:solidFill>
+                  <a:schemeClr val="tx1"/>
+                </a:solidFill>
+                <a:latin typeface="Times New Roman" pitchFamily="18" charset="0"/>
+                <a:cs typeface="Times New Roman" pitchFamily="18" charset="0"/>
+              </a:rPr>
+              <a:t>Инициализация</a:t>
+            </a:r>
+          </a:p>
+        </p:txBody>
+      </p:sp>
+      <p:sp>
+        <p:nvSpPr>
+          <p:cNvPr id="8" name="Блок-схема: знак завершения 7"/>
+          <p:cNvSpPr/>
+          <p:nvPr/>
+        </p:nvSpPr>
+        <p:spPr>
+          <a:xfrm>
+            <a:off x="3714744" y="142852"/>
+            <a:ext cx="1643074" cy="214314"/>
+          </a:xfrm>
+          <a:prstGeom prst="flowChartTerminator">
+            <a:avLst/>
+          </a:prstGeom>
+          <a:solidFill>
+            <a:schemeClr val="bg1"/>
+          </a:solidFill>
+          <a:ln>
+            <a:solidFill>
+              <a:schemeClr val="tx1"/>
+            </a:solidFill>
+          </a:ln>
+        </p:spPr>
+        <p:style>
+          <a:lnRef idx="2">
+            <a:schemeClr val="accent1">
+              <a:shade val="50000"/>
+            </a:schemeClr>
+          </a:lnRef>
+          <a:fillRef idx="1">
+            <a:schemeClr val="accent1"/>
+          </a:fillRef>
+          <a:effectRef idx="0">
+            <a:schemeClr val="accent1"/>
+          </a:effectRef>
+          <a:fontRef idx="minor">
+            <a:schemeClr val="lt1"/>
+          </a:fontRef>
+        </p:style>
+        <p:txBody>
+          <a:bodyPr rtlCol="0" anchor="ctr"/>
+          <a:lstStyle/>
+          <a:p>
+            <a:pPr algn="ctr"/>
+            <a:r>
+              <a:rPr lang="ru-RU" sz="1200" dirty="0" smtClean="0">
+                <a:solidFill>
+                  <a:schemeClr val="tx1"/>
+                </a:solidFill>
+                <a:latin typeface="Times New Roman" pitchFamily="18" charset="0"/>
+                <a:cs typeface="Times New Roman" pitchFamily="18" charset="0"/>
+              </a:rPr>
+              <a:t>Работа с ошибками</a:t>
+            </a:r>
+          </a:p>
+        </p:txBody>
+      </p:sp>
+      <p:sp>
+        <p:nvSpPr>
+          <p:cNvPr id="9" name="Блок-схема: знак завершения 8"/>
+          <p:cNvSpPr/>
+          <p:nvPr/>
+        </p:nvSpPr>
+        <p:spPr>
+          <a:xfrm>
+            <a:off x="2786050" y="500042"/>
+            <a:ext cx="1643074" cy="214314"/>
+          </a:xfrm>
+          <a:prstGeom prst="flowChartTerminator">
+            <a:avLst/>
+          </a:prstGeom>
+          <a:solidFill>
+            <a:schemeClr val="bg1"/>
+          </a:solidFill>
+          <a:ln>
+            <a:solidFill>
+              <a:schemeClr val="tx1"/>
+            </a:solidFill>
+          </a:ln>
+        </p:spPr>
+        <p:style>
+          <a:lnRef idx="2">
+            <a:schemeClr val="accent1">
+              <a:shade val="50000"/>
+            </a:schemeClr>
+          </a:lnRef>
+          <a:fillRef idx="1">
+            <a:schemeClr val="accent1"/>
+          </a:fillRef>
+          <a:effectRef idx="0">
+            <a:schemeClr val="accent1"/>
+          </a:effectRef>
+          <a:fontRef idx="minor">
+            <a:schemeClr val="lt1"/>
+          </a:fontRef>
+        </p:style>
+        <p:txBody>
+          <a:bodyPr rtlCol="0" anchor="ctr"/>
+          <a:lstStyle/>
+          <a:p>
+            <a:pPr algn="ctr"/>
+            <a:r>
+              <a:rPr lang="en-US" sz="1200" dirty="0" smtClean="0">
+                <a:solidFill>
+                  <a:schemeClr val="tx1"/>
+                </a:solidFill>
+                <a:latin typeface="Times New Roman" pitchFamily="18" charset="0"/>
+                <a:cs typeface="Times New Roman" pitchFamily="18" charset="0"/>
+              </a:rPr>
+              <a:t>C</a:t>
+            </a:r>
+            <a:r>
+              <a:rPr lang="ru-RU" sz="1200" dirty="0" smtClean="0">
+                <a:solidFill>
+                  <a:schemeClr val="tx1"/>
+                </a:solidFill>
+                <a:latin typeface="Times New Roman" pitchFamily="18" charset="0"/>
+                <a:cs typeface="Times New Roman" pitchFamily="18" charset="0"/>
+              </a:rPr>
+              <a:t>бор </a:t>
+            </a:r>
+            <a:r>
+              <a:rPr lang="ru-RU" sz="1200" dirty="0" smtClean="0">
+                <a:solidFill>
+                  <a:schemeClr val="tx1"/>
+                </a:solidFill>
+                <a:latin typeface="Times New Roman" pitchFamily="18" charset="0"/>
+                <a:cs typeface="Times New Roman" pitchFamily="18" charset="0"/>
+              </a:rPr>
+              <a:t>параметров</a:t>
+            </a:r>
+          </a:p>
+        </p:txBody>
+      </p:sp>
+      <p:sp>
+        <p:nvSpPr>
+          <p:cNvPr id="10" name="Блок-схема: знак завершения 9"/>
+          <p:cNvSpPr/>
+          <p:nvPr/>
+        </p:nvSpPr>
+        <p:spPr>
+          <a:xfrm>
+            <a:off x="4714876" y="500042"/>
+            <a:ext cx="1643074" cy="214314"/>
+          </a:xfrm>
+          <a:prstGeom prst="flowChartTerminator">
+            <a:avLst/>
+          </a:prstGeom>
+          <a:solidFill>
+            <a:schemeClr val="bg1"/>
+          </a:solidFill>
+          <a:ln>
+            <a:solidFill>
+              <a:schemeClr val="tx1"/>
+            </a:solidFill>
+          </a:ln>
+        </p:spPr>
+        <p:style>
+          <a:lnRef idx="2">
+            <a:schemeClr val="accent1">
+              <a:shade val="50000"/>
+            </a:schemeClr>
+          </a:lnRef>
+          <a:fillRef idx="1">
+            <a:schemeClr val="accent1"/>
+          </a:fillRef>
+          <a:effectRef idx="0">
+            <a:schemeClr val="accent1"/>
+          </a:effectRef>
+          <a:fontRef idx="minor">
+            <a:schemeClr val="lt1"/>
+          </a:fontRef>
+        </p:style>
+        <p:txBody>
+          <a:bodyPr rtlCol="0" anchor="ctr"/>
+          <a:lstStyle/>
+          <a:p>
+            <a:pPr algn="ctr"/>
+            <a:r>
+              <a:rPr lang="ru-RU" sz="1200" dirty="0" smtClean="0">
+                <a:solidFill>
+                  <a:schemeClr val="tx1"/>
+                </a:solidFill>
+                <a:latin typeface="Times New Roman" pitchFamily="18" charset="0"/>
+                <a:cs typeface="Times New Roman" pitchFamily="18" charset="0"/>
+              </a:rPr>
+              <a:t>Вывод</a:t>
+            </a:r>
+          </a:p>
+        </p:txBody>
+      </p:sp>
+      <p:sp>
+        <p:nvSpPr>
+          <p:cNvPr id="11" name="Блок-схема: знак завершения 10"/>
+          <p:cNvSpPr/>
+          <p:nvPr/>
+        </p:nvSpPr>
+        <p:spPr>
+          <a:xfrm>
+            <a:off x="6572264" y="500042"/>
+            <a:ext cx="1643074" cy="214314"/>
+          </a:xfrm>
+          <a:prstGeom prst="flowChartTerminator">
+            <a:avLst/>
+          </a:prstGeom>
+          <a:solidFill>
+            <a:schemeClr val="accent3">
+              <a:lumMod val="60000"/>
+              <a:lumOff val="40000"/>
+            </a:schemeClr>
+          </a:solidFill>
+          <a:ln>
+            <a:solidFill>
+              <a:schemeClr val="tx1"/>
+            </a:solidFill>
+          </a:ln>
+        </p:spPr>
+        <p:style>
+          <a:lnRef idx="2">
+            <a:schemeClr val="accent1">
+              <a:shade val="50000"/>
+            </a:schemeClr>
+          </a:lnRef>
+          <a:fillRef idx="1">
+            <a:schemeClr val="accent1"/>
+          </a:fillRef>
+          <a:effectRef idx="0">
+            <a:schemeClr val="accent1"/>
+          </a:effectRef>
+          <a:fontRef idx="minor">
+            <a:schemeClr val="lt1"/>
+          </a:fontRef>
+        </p:style>
+        <p:txBody>
+          <a:bodyPr rtlCol="0" anchor="ctr"/>
+          <a:lstStyle/>
+          <a:p>
+            <a:pPr algn="ctr"/>
+            <a:r>
+              <a:rPr lang="ru-RU" sz="1200" dirty="0" err="1" smtClean="0">
+                <a:solidFill>
+                  <a:schemeClr val="tx1"/>
+                </a:solidFill>
+                <a:latin typeface="Times New Roman" pitchFamily="18" charset="0"/>
+                <a:cs typeface="Times New Roman" pitchFamily="18" charset="0"/>
+              </a:rPr>
+              <a:t>Финализация</a:t>
+            </a:r>
+            <a:endParaRPr lang="ru-RU" sz="1200" dirty="0" smtClean="0">
+              <a:solidFill>
+                <a:schemeClr val="tx1"/>
+              </a:solidFill>
+              <a:latin typeface="Times New Roman" pitchFamily="18" charset="0"/>
+              <a:cs typeface="Times New Roman" pitchFamily="18" charset="0"/>
+            </a:endParaRPr>
+          </a:p>
+        </p:txBody>
+      </p:sp>
+      <p:cxnSp>
+        <p:nvCxnSpPr>
+          <p:cNvPr id="13" name="Shape 12"/>
+          <p:cNvCxnSpPr>
+            <a:stCxn id="7" idx="0"/>
+            <a:endCxn id="8" idx="1"/>
+          </p:cNvCxnSpPr>
+          <p:nvPr/>
+        </p:nvCxnSpPr>
+        <p:spPr>
+          <a:xfrm rot="5400000" flipH="1" flipV="1">
+            <a:off x="2607455" y="-607246"/>
+            <a:ext cx="250033" cy="1964545"/>
+          </a:xfrm>
+          <a:prstGeom prst="curvedConnector2">
+            <a:avLst/>
+          </a:prstGeom>
+          <a:ln>
+            <a:solidFill>
+              <a:schemeClr val="tx1"/>
+            </a:solidFill>
+            <a:tailEnd type="arrow"/>
+          </a:ln>
+        </p:spPr>
+        <p:style>
+          <a:lnRef idx="1">
+            <a:schemeClr val="accent1"/>
+          </a:lnRef>
+          <a:fillRef idx="0">
+            <a:schemeClr val="accent1"/>
+          </a:fillRef>
+          <a:effectRef idx="0">
+            <a:schemeClr val="accent1"/>
+          </a:effectRef>
+          <a:fontRef idx="minor">
+            <a:schemeClr val="tx1"/>
+          </a:fontRef>
+        </p:style>
+      </p:cxnSp>
+      <p:cxnSp>
+        <p:nvCxnSpPr>
+          <p:cNvPr id="15" name="Скругленная соединительная линия 14"/>
+          <p:cNvCxnSpPr>
+            <a:stCxn id="7" idx="3"/>
+            <a:endCxn id="9" idx="1"/>
+          </p:cNvCxnSpPr>
+          <p:nvPr/>
+        </p:nvCxnSpPr>
+        <p:spPr>
+          <a:xfrm>
+            <a:off x="2571736" y="607199"/>
+            <a:ext cx="214314" cy="1588"/>
+          </a:xfrm>
+          <a:prstGeom prst="curvedConnector3">
+            <a:avLst>
+              <a:gd name="adj1" fmla="val 50000"/>
+            </a:avLst>
+          </a:prstGeom>
+          <a:ln>
+            <a:solidFill>
+              <a:schemeClr val="tx1"/>
+            </a:solidFill>
+            <a:tailEnd type="arrow"/>
+          </a:ln>
+        </p:spPr>
+        <p:style>
+          <a:lnRef idx="1">
+            <a:schemeClr val="accent1"/>
+          </a:lnRef>
+          <a:fillRef idx="0">
+            <a:schemeClr val="accent1"/>
+          </a:fillRef>
+          <a:effectRef idx="0">
+            <a:schemeClr val="accent1"/>
+          </a:effectRef>
+          <a:fontRef idx="minor">
+            <a:schemeClr val="tx1"/>
+          </a:fontRef>
+        </p:style>
+      </p:cxnSp>
+      <p:cxnSp>
+        <p:nvCxnSpPr>
+          <p:cNvPr id="17" name="Скругленная соединительная линия 16"/>
+          <p:cNvCxnSpPr>
+            <a:stCxn id="9" idx="3"/>
+            <a:endCxn id="10" idx="1"/>
+          </p:cNvCxnSpPr>
+          <p:nvPr/>
+        </p:nvCxnSpPr>
+        <p:spPr>
+          <a:xfrm>
+            <a:off x="4429124" y="607199"/>
+            <a:ext cx="285752" cy="1588"/>
+          </a:xfrm>
+          <a:prstGeom prst="curvedConnector3">
+            <a:avLst>
+              <a:gd name="adj1" fmla="val 50000"/>
+            </a:avLst>
+          </a:prstGeom>
+          <a:ln>
+            <a:solidFill>
+              <a:schemeClr val="tx1"/>
+            </a:solidFill>
+            <a:tailEnd type="arrow"/>
+          </a:ln>
+        </p:spPr>
+        <p:style>
+          <a:lnRef idx="1">
+            <a:schemeClr val="accent1"/>
+          </a:lnRef>
+          <a:fillRef idx="0">
+            <a:schemeClr val="accent1"/>
+          </a:fillRef>
+          <a:effectRef idx="0">
+            <a:schemeClr val="accent1"/>
+          </a:effectRef>
+          <a:fontRef idx="minor">
+            <a:schemeClr val="tx1"/>
+          </a:fontRef>
+        </p:style>
+      </p:cxnSp>
+      <p:cxnSp>
+        <p:nvCxnSpPr>
+          <p:cNvPr id="19" name="Скругленная соединительная линия 18"/>
+          <p:cNvCxnSpPr>
+            <a:stCxn id="10" idx="3"/>
+            <a:endCxn id="11" idx="1"/>
+          </p:cNvCxnSpPr>
+          <p:nvPr/>
+        </p:nvCxnSpPr>
+        <p:spPr>
+          <a:xfrm>
+            <a:off x="6357950" y="607199"/>
+            <a:ext cx="214314" cy="1588"/>
+          </a:xfrm>
+          <a:prstGeom prst="curvedConnector3">
+            <a:avLst>
+              <a:gd name="adj1" fmla="val 50000"/>
+            </a:avLst>
+          </a:prstGeom>
+          <a:ln>
+            <a:solidFill>
+              <a:schemeClr val="tx1"/>
+            </a:solidFill>
+            <a:tailEnd type="arrow"/>
+          </a:ln>
+        </p:spPr>
+        <p:style>
+          <a:lnRef idx="1">
+            <a:schemeClr val="accent1"/>
+          </a:lnRef>
+          <a:fillRef idx="0">
+            <a:schemeClr val="accent1"/>
+          </a:fillRef>
+          <a:effectRef idx="0">
+            <a:schemeClr val="accent1"/>
+          </a:effectRef>
+          <a:fontRef idx="minor">
+            <a:schemeClr val="tx1"/>
+          </a:fontRef>
+        </p:style>
+      </p:cxnSp>
+      <p:cxnSp>
+        <p:nvCxnSpPr>
+          <p:cNvPr id="21" name="Shape 20"/>
+          <p:cNvCxnSpPr>
+            <a:stCxn id="9" idx="0"/>
+          </p:cNvCxnSpPr>
+          <p:nvPr/>
+        </p:nvCxnSpPr>
+        <p:spPr>
+          <a:xfrm rot="5400000" flipH="1" flipV="1">
+            <a:off x="3625446" y="339307"/>
+            <a:ext cx="142876" cy="178595"/>
+          </a:xfrm>
+          <a:prstGeom prst="curvedConnector2">
+            <a:avLst/>
+          </a:prstGeom>
+          <a:ln>
+            <a:solidFill>
+              <a:schemeClr val="tx1"/>
+            </a:solidFill>
+            <a:tailEnd type="arrow"/>
+          </a:ln>
+        </p:spPr>
+        <p:style>
+          <a:lnRef idx="1">
+            <a:schemeClr val="accent1"/>
+          </a:lnRef>
+          <a:fillRef idx="0">
+            <a:schemeClr val="accent1"/>
+          </a:fillRef>
+          <a:effectRef idx="0">
+            <a:schemeClr val="accent1"/>
+          </a:effectRef>
+          <a:fontRef idx="minor">
+            <a:schemeClr val="tx1"/>
+          </a:fontRef>
+        </p:style>
+      </p:cxnSp>
+      <p:cxnSp>
+        <p:nvCxnSpPr>
+          <p:cNvPr id="23" name="Shape 22"/>
+          <p:cNvCxnSpPr>
+            <a:stCxn id="10" idx="0"/>
+          </p:cNvCxnSpPr>
+          <p:nvPr/>
+        </p:nvCxnSpPr>
+        <p:spPr>
+          <a:xfrm rot="16200000" flipV="1">
+            <a:off x="5339959" y="303587"/>
+            <a:ext cx="142876" cy="250033"/>
+          </a:xfrm>
+          <a:prstGeom prst="curvedConnector2">
+            <a:avLst/>
+          </a:prstGeom>
+          <a:ln>
+            <a:solidFill>
+              <a:schemeClr val="tx1"/>
+            </a:solidFill>
+            <a:tailEnd type="arrow"/>
+          </a:ln>
+        </p:spPr>
+        <p:style>
+          <a:lnRef idx="1">
+            <a:schemeClr val="accent1"/>
+          </a:lnRef>
+          <a:fillRef idx="0">
+            <a:schemeClr val="accent1"/>
+          </a:fillRef>
+          <a:effectRef idx="0">
+            <a:schemeClr val="accent1"/>
+          </a:effectRef>
+          <a:fontRef idx="minor">
+            <a:schemeClr val="tx1"/>
+          </a:fontRef>
+        </p:style>
+      </p:cxnSp>
+      <p:cxnSp>
+        <p:nvCxnSpPr>
+          <p:cNvPr id="25" name="Shape 24"/>
+          <p:cNvCxnSpPr>
+            <a:stCxn id="11" idx="0"/>
+            <a:endCxn id="8" idx="3"/>
+          </p:cNvCxnSpPr>
+          <p:nvPr/>
+        </p:nvCxnSpPr>
+        <p:spPr>
+          <a:xfrm rot="16200000" flipV="1">
+            <a:off x="6250794" y="-642966"/>
+            <a:ext cx="250033" cy="2035983"/>
+          </a:xfrm>
+          <a:prstGeom prst="curvedConnector2">
+            <a:avLst/>
+          </a:prstGeom>
+          <a:ln>
+            <a:solidFill>
+              <a:schemeClr val="tx1"/>
+            </a:solidFill>
+            <a:tailEnd type="arrow"/>
+          </a:ln>
+        </p:spPr>
+        <p:style>
+          <a:lnRef idx="1">
+            <a:schemeClr val="accent1"/>
+          </a:lnRef>
+          <a:fillRef idx="0">
+            <a:schemeClr val="accent1"/>
+          </a:fillRef>
+          <a:effectRef idx="0">
+            <a:schemeClr val="accent1"/>
+          </a:effectRef>
+          <a:fontRef idx="minor">
+            <a:schemeClr val="tx1"/>
+          </a:fontRef>
+        </p:style>
+      </p:cxnSp>
+    </p:spTree>
+  </p:cSld>
+  <p:clrMapOvr>
+    <a:masterClrMapping/>
+  </p:clrMapOvr>
+  <p:timing>
+    <p:tnLst>
+      <p:par>
+        <p:cTn id="1" dur="indefinite" restart="never" nodeType="tmRoot"/>
+      </p:par>
+    </p:tnLst>
+  </p:timing>
+</p:sld>
+</file>
+
+<file path=ppt/slides/slide8.xml><?xml version="1.0" encoding="utf-8"?>
+<p:sld xmlns:a="http://schemas.openxmlformats.org/drawingml/2006/main" xmlns:r="http://schemas.openxmlformats.org/officeDocument/2006/relationships" xmlns:p="http://schemas.openxmlformats.org/presentationml/2006/main">
+  <p:cSld>
+    <p:spTree>
+      <p:nvGrpSpPr>
+        <p:cNvPr id="1" name=""/>
+        <p:cNvGrpSpPr/>
+        <p:nvPr/>
+      </p:nvGrpSpPr>
+      <p:grpSpPr>
+        <a:xfrm>
+          <a:off x="0" y="0"/>
+          <a:ext cx="0" cy="0"/>
+          <a:chOff x="0" y="0"/>
+          <a:chExt cx="0" cy="0"/>
+        </a:xfrm>
+      </p:grpSpPr>
+      <p:sp>
+        <p:nvSpPr>
+          <p:cNvPr id="10" name="Прямоугольник 9"/>
+          <p:cNvSpPr/>
+          <p:nvPr/>
+        </p:nvSpPr>
+        <p:spPr>
+          <a:xfrm>
+            <a:off x="142844" y="571480"/>
+            <a:ext cx="8858312" cy="4714908"/>
+          </a:xfrm>
+          <a:prstGeom prst="rect">
+            <a:avLst/>
+          </a:prstGeom>
+          <a:noFill/>
+          <a:ln cmpd="dbl">
+            <a:solidFill>
+              <a:schemeClr val="tx1"/>
+            </a:solidFill>
+          </a:ln>
+        </p:spPr>
+        <p:style>
+          <a:lnRef idx="2">
+            <a:schemeClr val="accent1">
+              <a:shade val="50000"/>
+            </a:schemeClr>
+          </a:lnRef>
+          <a:fillRef idx="1">
+            <a:schemeClr val="accent1"/>
+          </a:fillRef>
+          <a:effectRef idx="0">
+            <a:schemeClr val="accent1"/>
+          </a:effectRef>
+          <a:fontRef idx="minor">
+            <a:schemeClr val="lt1"/>
+          </a:fontRef>
+        </p:style>
+        <p:txBody>
+          <a:bodyPr rtlCol="0" anchor="ctr"/>
+          <a:lstStyle/>
+          <a:p>
+            <a:pPr algn="ctr"/>
+            <a:endParaRPr lang="ru-RU"/>
+          </a:p>
+        </p:txBody>
+      </p:sp>
+      <p:sp>
+        <p:nvSpPr>
+          <p:cNvPr id="2" name="Заголовок 1"/>
+          <p:cNvSpPr>
+            <a:spLocks noGrp="1"/>
+          </p:cNvSpPr>
+          <p:nvPr>
+            <p:ph type="title"/>
+          </p:nvPr>
+        </p:nvSpPr>
+        <p:spPr>
+          <a:xfrm>
+            <a:off x="0" y="0"/>
+            <a:ext cx="9144000" cy="571480"/>
+          </a:xfrm>
+        </p:spPr>
+        <p:txBody>
+          <a:bodyPr>
+            <a:normAutofit fontScale="90000"/>
+          </a:bodyPr>
+          <a:lstStyle/>
+          <a:p>
+            <a:r>
+              <a:rPr lang="ru-RU" sz="2900" dirty="0" smtClean="0">
+                <a:latin typeface="Times New Roman" pitchFamily="18" charset="0"/>
+                <a:cs typeface="Times New Roman" pitchFamily="18" charset="0"/>
+              </a:rPr>
+              <a:t>Демонстрация среды исполнения подпрограмм библиотеки</a:t>
+            </a:r>
+            <a:r>
+              <a:rPr lang="ru-RU" dirty="0" smtClean="0"/>
+              <a:t> </a:t>
+            </a:r>
+            <a:endParaRPr lang="ru-RU" dirty="0"/>
+          </a:p>
+        </p:txBody>
+      </p:sp>
+      <p:sp>
+        <p:nvSpPr>
+          <p:cNvPr id="4" name="Номер слайда 3"/>
+          <p:cNvSpPr>
+            <a:spLocks noGrp="1"/>
+          </p:cNvSpPr>
+          <p:nvPr>
+            <p:ph type="sldNum" sz="quarter" idx="12"/>
+          </p:nvPr>
+        </p:nvSpPr>
+        <p:spPr/>
+        <p:txBody>
+          <a:bodyPr/>
+          <a:lstStyle/>
+          <a:p>
+            <a:fld id="{F2BB55FB-146C-47F1-A3F4-E5E9F11C5D2A}" type="slidenum">
+              <a:rPr lang="ru-RU" smtClean="0"/>
+              <a:pPr/>
+              <a:t>8</a:t>
+            </a:fld>
+            <a:endParaRPr lang="ru-RU"/>
+          </a:p>
+        </p:txBody>
+      </p:sp>
+      <p:pic>
+        <p:nvPicPr>
+          <p:cNvPr id="1027" name="Picture 3" descr="C:\Users\nwcfang\diplom_report\chistovik\mTest3_mini.png"/>
+          <p:cNvPicPr>
+            <a:picLocks noChangeAspect="1" noChangeArrowheads="1"/>
+          </p:cNvPicPr>
+          <p:nvPr/>
+        </p:nvPicPr>
+        <p:blipFill>
+          <a:blip r:embed="rId2"/>
+          <a:srcRect/>
+          <a:stretch>
+            <a:fillRect/>
+          </a:stretch>
+        </p:blipFill>
+        <p:spPr bwMode="auto">
+          <a:xfrm>
+            <a:off x="214282" y="642918"/>
+            <a:ext cx="8215370" cy="3148980"/>
+          </a:xfrm>
+          <a:prstGeom prst="rect">
+            <a:avLst/>
+          </a:prstGeom>
+          <a:noFill/>
+        </p:spPr>
+      </p:pic>
+      <p:pic>
+        <p:nvPicPr>
+          <p:cNvPr id="1026" name="Picture 2" descr="C:\Users\nwcfang\diplom_report\chistovik\mTest4.PNG"/>
+          <p:cNvPicPr>
+            <a:picLocks noChangeAspect="1" noChangeArrowheads="1"/>
+          </p:cNvPicPr>
+          <p:nvPr/>
+        </p:nvPicPr>
+        <p:blipFill>
+          <a:blip r:embed="rId3"/>
+          <a:srcRect/>
+          <a:stretch>
+            <a:fillRect/>
+          </a:stretch>
+        </p:blipFill>
+        <p:spPr bwMode="auto">
+          <a:xfrm>
+            <a:off x="214282" y="2402235"/>
+            <a:ext cx="7072362" cy="2834730"/>
+          </a:xfrm>
+          <a:prstGeom prst="rect">
+            <a:avLst/>
+          </a:prstGeom>
+          <a:noFill/>
+        </p:spPr>
+      </p:pic>
+      <p:sp>
+        <p:nvSpPr>
+          <p:cNvPr id="9" name="TextBox 8"/>
+          <p:cNvSpPr txBox="1"/>
+          <p:nvPr/>
+        </p:nvSpPr>
+        <p:spPr>
+          <a:xfrm>
+            <a:off x="4110856" y="5643578"/>
+            <a:ext cx="4791055" cy="646331"/>
+          </a:xfrm>
+          <a:prstGeom prst="rect">
+            <a:avLst/>
+          </a:prstGeom>
+          <a:noFill/>
+        </p:spPr>
+        <p:txBody>
+          <a:bodyPr wrap="none" rtlCol="0">
+            <a:spAutoFit/>
+          </a:bodyPr>
+          <a:lstStyle/>
+          <a:p>
+            <a:pPr algn="r"/>
+            <a:r>
+              <a:rPr lang="ru-RU" dirty="0" smtClean="0">
+                <a:latin typeface="Times New Roman" pitchFamily="18" charset="0"/>
+                <a:ea typeface="+mj-ea"/>
+                <a:cs typeface="Times New Roman" pitchFamily="18" charset="0"/>
+              </a:rPr>
+              <a:t>Фрагмент вывода автоматического модульного</a:t>
+            </a:r>
+          </a:p>
+          <a:p>
+            <a:pPr algn="r"/>
+            <a:r>
+              <a:rPr lang="ru-RU" dirty="0" smtClean="0">
+                <a:latin typeface="Times New Roman" pitchFamily="18" charset="0"/>
+                <a:ea typeface="+mj-ea"/>
+                <a:cs typeface="Times New Roman" pitchFamily="18" charset="0"/>
+              </a:rPr>
+              <a:t> тестирования функций библиотеки</a:t>
+            </a:r>
+            <a:endParaRPr lang="ru-RU" dirty="0" smtClean="0">
+              <a:latin typeface="Times New Roman" pitchFamily="18" charset="0"/>
+              <a:ea typeface="+mj-ea"/>
+              <a:cs typeface="Times New Roman" pitchFamily="18" charset="0"/>
+            </a:endParaRPr>
+          </a:p>
+        </p:txBody>
+      </p:sp>
+    </p:spTree>
+  </p:cSld>
+  <p:clrMapOvr>
+    <a:masterClrMapping/>
+  </p:clrMapOvr>
+  <p:timing>
+    <p:tnLst>
+      <p:par>
+        <p:cTn id="1" dur="indefinite" restart="never" nodeType="tmRoot"/>
+      </p:par>
+    </p:tnLst>
+  </p:timing>
+</p:sld>
+</file>
+
+<file path=ppt/slides/slide9.xml><?xml version="1.0" encoding="utf-8"?>
+<p:sld xmlns:a="http://schemas.openxmlformats.org/drawingml/2006/main" xmlns:r="http://schemas.openxmlformats.org/officeDocument/2006/relationships" xmlns:p="http://schemas.openxmlformats.org/presentationml/2006/main">
+  <p:cSld>
+    <p:spTree>
+      <p:nvGrpSpPr>
+        <p:cNvPr id="1" name=""/>
+        <p:cNvGrpSpPr/>
+        <p:nvPr/>
+      </p:nvGrpSpPr>
+      <p:grpSpPr>
+        <a:xfrm>
+          <a:off x="0" y="0"/>
+          <a:ext cx="0" cy="0"/>
+          <a:chOff x="0" y="0"/>
+          <a:chExt cx="0" cy="0"/>
+        </a:xfrm>
+      </p:grpSpPr>
+      <p:sp>
+        <p:nvSpPr>
+          <p:cNvPr id="10" name="Прямоугольник 9"/>
+          <p:cNvSpPr/>
+          <p:nvPr/>
+        </p:nvSpPr>
+        <p:spPr>
+          <a:xfrm>
+            <a:off x="142844" y="571480"/>
+            <a:ext cx="8858312" cy="4714908"/>
+          </a:xfrm>
+          <a:prstGeom prst="rect">
+            <a:avLst/>
+          </a:prstGeom>
+          <a:noFill/>
+          <a:ln cmpd="dbl">
+            <a:solidFill>
+              <a:schemeClr val="tx1"/>
+            </a:solidFill>
+          </a:ln>
+        </p:spPr>
+        <p:style>
+          <a:lnRef idx="2">
+            <a:schemeClr val="accent1">
+              <a:shade val="50000"/>
+            </a:schemeClr>
+          </a:lnRef>
+          <a:fillRef idx="1">
+            <a:schemeClr val="accent1"/>
+          </a:fillRef>
+          <a:effectRef idx="0">
+            <a:schemeClr val="accent1"/>
+          </a:effectRef>
+          <a:fontRef idx="minor">
+            <a:schemeClr val="lt1"/>
+          </a:fontRef>
+        </p:style>
+        <p:txBody>
+          <a:bodyPr rtlCol="0" anchor="ctr"/>
+          <a:lstStyle/>
+          <a:p>
+            <a:pPr algn="ctr"/>
+            <a:endParaRPr lang="ru-RU"/>
+          </a:p>
+        </p:txBody>
+      </p:sp>
+      <p:sp>
+        <p:nvSpPr>
+          <p:cNvPr id="2" name="Заголовок 1"/>
+          <p:cNvSpPr>
+            <a:spLocks noGrp="1"/>
+          </p:cNvSpPr>
+          <p:nvPr>
+            <p:ph type="title"/>
+          </p:nvPr>
+        </p:nvSpPr>
+        <p:spPr>
+          <a:xfrm>
+            <a:off x="0" y="0"/>
+            <a:ext cx="9144000" cy="571480"/>
+          </a:xfrm>
+        </p:spPr>
+        <p:txBody>
+          <a:bodyPr>
+            <a:normAutofit fontScale="90000"/>
+          </a:bodyPr>
+          <a:lstStyle/>
+          <a:p>
+            <a:r>
+              <a:rPr lang="ru-RU" sz="2900" dirty="0" smtClean="0">
+                <a:latin typeface="Times New Roman" pitchFamily="18" charset="0"/>
+                <a:cs typeface="Times New Roman" pitchFamily="18" charset="0"/>
+              </a:rPr>
+              <a:t>Демонстрация среды исполнения подпрограмм библиотеки</a:t>
+            </a:r>
+            <a:r>
+              <a:rPr lang="ru-RU" dirty="0" smtClean="0"/>
+              <a:t> </a:t>
+            </a:r>
+            <a:endParaRPr lang="ru-RU" dirty="0"/>
+          </a:p>
+        </p:txBody>
+      </p:sp>
+      <p:sp>
+        <p:nvSpPr>
+          <p:cNvPr id="4" name="Номер слайда 3"/>
+          <p:cNvSpPr>
+            <a:spLocks noGrp="1"/>
+          </p:cNvSpPr>
+          <p:nvPr>
+            <p:ph type="sldNum" sz="quarter" idx="12"/>
+          </p:nvPr>
+        </p:nvSpPr>
+        <p:spPr/>
+        <p:txBody>
+          <a:bodyPr/>
+          <a:lstStyle/>
+          <a:p>
+            <a:fld id="{F2BB55FB-146C-47F1-A3F4-E5E9F11C5D2A}" type="slidenum">
+              <a:rPr lang="ru-RU" smtClean="0"/>
+              <a:pPr/>
+              <a:t>9</a:t>
+            </a:fld>
+            <a:endParaRPr lang="ru-RU"/>
+          </a:p>
+        </p:txBody>
+      </p:sp>
+      <p:sp>
+        <p:nvSpPr>
+          <p:cNvPr id="9" name="TextBox 8"/>
+          <p:cNvSpPr txBox="1"/>
+          <p:nvPr/>
+        </p:nvSpPr>
+        <p:spPr>
+          <a:xfrm>
+            <a:off x="5588195" y="5643578"/>
+            <a:ext cx="3313728" cy="369332"/>
+          </a:xfrm>
+          <a:prstGeom prst="rect">
+            <a:avLst/>
+          </a:prstGeom>
+          <a:noFill/>
+        </p:spPr>
+        <p:txBody>
+          <a:bodyPr wrap="none" rtlCol="0">
+            <a:spAutoFit/>
+          </a:bodyPr>
+          <a:lstStyle/>
+          <a:p>
+            <a:pPr algn="r"/>
+            <a:r>
+              <a:rPr lang="ru-RU" dirty="0" smtClean="0">
+                <a:latin typeface="Times New Roman" pitchFamily="18" charset="0"/>
+                <a:ea typeface="+mj-ea"/>
+                <a:cs typeface="Times New Roman" pitchFamily="18" charset="0"/>
+              </a:rPr>
+              <a:t>Результат автономной проверки</a:t>
+            </a:r>
+            <a:endParaRPr lang="ru-RU" dirty="0" smtClean="0">
+              <a:latin typeface="Times New Roman" pitchFamily="18" charset="0"/>
+              <a:ea typeface="+mj-ea"/>
+              <a:cs typeface="Times New Roman" pitchFamily="18" charset="0"/>
+            </a:endParaRPr>
+          </a:p>
+        </p:txBody>
+      </p:sp>
+      <p:pic>
+        <p:nvPicPr>
+          <p:cNvPr id="2050" name="Picture 2" descr="C:\Users\nwcfang\diplom_report\chistovik\rs232test.png"/>
+          <p:cNvPicPr>
+            <a:picLocks noChangeAspect="1" noChangeArrowheads="1"/>
+          </p:cNvPicPr>
+          <p:nvPr/>
+        </p:nvPicPr>
+        <p:blipFill>
+          <a:blip r:embed="rId2"/>
+          <a:srcRect/>
+          <a:stretch>
+            <a:fillRect/>
+          </a:stretch>
+        </p:blipFill>
+        <p:spPr bwMode="auto">
+          <a:xfrm>
+            <a:off x="214282" y="642918"/>
+            <a:ext cx="6478587" cy="4057650"/>
+          </a:xfrm>
+          <a:prstGeom prst="rect">
+            <a:avLst/>
+          </a:prstGeom>
+          <a:noFill/>
+        </p:spPr>
+      </p:pic>
+    </p:spTree>
+  </p:cSld>
+  <p:clrMapOvr>
+    <a:masterClrMapping/>
+  </p:clrMapOvr>
+  <p:timing>
+    <p:tnLst>
+      <p:par>
+        <p:cTn id="1" dur="indefinite" restart="never" nodeType="tmRoot"/>
+      </p:par>
+    </p:tnLst>
+  </p:timing>
 </p:sld>
 </file>
 

--- a/presentation/presentation.pptx
+++ b/presentation/presentation.pptx
@@ -5,7 +5,7 @@
     <p:sldMasterId id="2147483648" r:id="rId1"/>
   </p:sldMasterIdLst>
   <p:notesMasterIdLst>
-    <p:notesMasterId r:id="rId15"/>
+    <p:notesMasterId r:id="rId17"/>
   </p:notesMasterIdLst>
   <p:sldIdLst>
     <p:sldId id="256" r:id="rId2"/>
@@ -13,14 +13,16 @@
     <p:sldId id="260" r:id="rId4"/>
     <p:sldId id="262" r:id="rId5"/>
     <p:sldId id="263" r:id="rId6"/>
-    <p:sldId id="264" r:id="rId7"/>
-    <p:sldId id="265" r:id="rId8"/>
-    <p:sldId id="266" r:id="rId9"/>
-    <p:sldId id="268" r:id="rId10"/>
-    <p:sldId id="269" r:id="rId11"/>
-    <p:sldId id="270" r:id="rId12"/>
-    <p:sldId id="271" r:id="rId13"/>
-    <p:sldId id="267" r:id="rId14"/>
+    <p:sldId id="273" r:id="rId7"/>
+    <p:sldId id="264" r:id="rId8"/>
+    <p:sldId id="265" r:id="rId9"/>
+    <p:sldId id="266" r:id="rId10"/>
+    <p:sldId id="268" r:id="rId11"/>
+    <p:sldId id="269" r:id="rId12"/>
+    <p:sldId id="270" r:id="rId13"/>
+    <p:sldId id="271" r:id="rId14"/>
+    <p:sldId id="272" r:id="rId15"/>
+    <p:sldId id="267" r:id="rId16"/>
   </p:sldIdLst>
   <p:sldSz cx="9144000" cy="6858000" type="screen4x3"/>
   <p:notesSz cx="6858000" cy="9144000"/>
@@ -3694,7 +3696,7 @@
           <p:nvPr/>
         </p:nvPicPr>
         <p:blipFill>
-          <a:blip r:embed="rId2"/>
+          <a:blip r:embed="rId2" cstate="print"/>
           <a:srcRect/>
           <a:stretch>
             <a:fillRect/>
@@ -3720,7 +3722,7 @@
           <p:nvPr/>
         </p:nvPicPr>
         <p:blipFill>
-          <a:blip r:embed="rId3"/>
+          <a:blip r:embed="rId3" cstate="print"/>
           <a:srcRect/>
           <a:stretch>
             <a:fillRect/>
@@ -3818,136 +3820,27 @@
         <p:spPr>
           <a:xfrm>
             <a:off x="0" y="0"/>
-            <a:ext cx="9144000" cy="714356"/>
+            <a:ext cx="9144000" cy="571480"/>
           </a:xfrm>
         </p:spPr>
         <p:txBody>
           <a:bodyPr>
-            <a:normAutofit/>
+            <a:normAutofit fontScale="90000"/>
           </a:bodyPr>
           <a:lstStyle/>
           <a:p>
             <a:r>
-              <a:rPr lang="ru-RU" sz="2600" dirty="0" smtClean="0">
-                <a:latin typeface="Times New Roman" pitchFamily="18" charset="0"/>
-                <a:cs typeface="Times New Roman" pitchFamily="18" charset="0"/>
-              </a:rPr>
-              <a:t>Технология разработки библиотеки</a:t>
-            </a:r>
-          </a:p>
-        </p:txBody>
-      </p:sp>
-      <p:sp>
-        <p:nvSpPr>
-          <p:cNvPr id="3" name="Содержимое 2"/>
-          <p:cNvSpPr>
-            <a:spLocks noGrp="1"/>
-          </p:cNvSpPr>
-          <p:nvPr>
-            <p:ph idx="1"/>
-          </p:nvPr>
-        </p:nvSpPr>
-        <p:spPr>
-          <a:xfrm>
-            <a:off x="500034" y="1857364"/>
-            <a:ext cx="3929090" cy="285752"/>
-          </a:xfrm>
-        </p:spPr>
-        <p:txBody>
-          <a:bodyPr>
-            <a:noAutofit/>
-          </a:bodyPr>
-          <a:lstStyle/>
-          <a:p>
-            <a:pPr marL="0" indent="0">
-              <a:buBlip>
-                <a:blip r:embed="rId2"/>
-              </a:buBlip>
-              <a:tabLst>
-                <a:tab pos="444500" algn="l"/>
-              </a:tabLst>
-            </a:pPr>
-            <a:r>
-              <a:rPr lang="en-US" sz="1400" dirty="0" smtClean="0">
-                <a:solidFill>
-                  <a:schemeClr val="accent5">
-                    <a:lumMod val="50000"/>
-                  </a:schemeClr>
-                </a:solidFill>
-                <a:latin typeface="Times New Roman" pitchFamily="18" charset="0"/>
-                <a:cs typeface="Times New Roman" pitchFamily="18" charset="0"/>
-              </a:rPr>
+              <a:rPr lang="ru-RU" sz="2900" dirty="0" smtClean="0">
+                <a:latin typeface="Times New Roman" pitchFamily="18" charset="0"/>
+                <a:cs typeface="Times New Roman" pitchFamily="18" charset="0"/>
+              </a:rPr>
+              <a:t>Демонстрация среды исполнения подпрограмм библиотеки</a:t>
+            </a:r>
+            <a:r>
+              <a:rPr lang="ru-RU" dirty="0" smtClean="0"/>
               <a:t> </a:t>
             </a:r>
-            <a:r>
-              <a:rPr lang="en-US" sz="1400" b="1" dirty="0" err="1" smtClean="0">
-                <a:solidFill>
-                  <a:schemeClr val="accent5">
-                    <a:lumMod val="50000"/>
-                  </a:schemeClr>
-                </a:solidFill>
-                <a:latin typeface="Times New Roman" pitchFamily="18" charset="0"/>
-                <a:cs typeface="Times New Roman" pitchFamily="18" charset="0"/>
-              </a:rPr>
-              <a:t>Git</a:t>
-            </a:r>
-            <a:r>
-              <a:rPr lang="en-US" sz="1400" dirty="0" smtClean="0">
-                <a:solidFill>
-                  <a:schemeClr val="accent5">
-                    <a:lumMod val="50000"/>
-                  </a:schemeClr>
-                </a:solidFill>
-                <a:latin typeface="Times New Roman" pitchFamily="18" charset="0"/>
-                <a:cs typeface="Times New Roman" pitchFamily="18" charset="0"/>
-              </a:rPr>
-              <a:t> - </a:t>
-            </a:r>
-            <a:r>
-              <a:rPr lang="ru-RU" sz="1400" dirty="0" smtClean="0">
-                <a:solidFill>
-                  <a:schemeClr val="accent5">
-                    <a:lumMod val="50000"/>
-                  </a:schemeClr>
-                </a:solidFill>
-                <a:latin typeface="Times New Roman" pitchFamily="18" charset="0"/>
-                <a:cs typeface="Times New Roman" pitchFamily="18" charset="0"/>
-              </a:rPr>
-              <a:t>распределённая система </a:t>
-            </a:r>
-            <a:r>
-              <a:rPr lang="ru-RU" sz="1400" dirty="0" smtClean="0">
-                <a:solidFill>
-                  <a:schemeClr val="accent5">
-                    <a:lumMod val="50000"/>
-                  </a:schemeClr>
-                </a:solidFill>
-                <a:latin typeface="Times New Roman" pitchFamily="18" charset="0"/>
-                <a:cs typeface="Times New Roman" pitchFamily="18" charset="0"/>
-              </a:rPr>
-              <a:t>контроля </a:t>
-            </a:r>
-            <a:r>
-              <a:rPr lang="ru-RU" sz="1400" dirty="0" smtClean="0">
-                <a:solidFill>
-                  <a:schemeClr val="accent5">
-                    <a:lumMod val="50000"/>
-                  </a:schemeClr>
-                </a:solidFill>
-                <a:latin typeface="Times New Roman" pitchFamily="18" charset="0"/>
-                <a:cs typeface="Times New Roman" pitchFamily="18" charset="0"/>
-              </a:rPr>
-              <a:t>версий</a:t>
-            </a:r>
-            <a:endParaRPr lang="ru-RU" sz="1400" dirty="0">
-              <a:solidFill>
-                <a:schemeClr val="accent5">
-                  <a:lumMod val="50000"/>
-                </a:schemeClr>
-              </a:solidFill>
-              <a:latin typeface="Times New Roman" pitchFamily="18" charset="0"/>
-              <a:cs typeface="Times New Roman" pitchFamily="18" charset="0"/>
-            </a:endParaRPr>
+            <a:endParaRPr lang="ru-RU" dirty="0"/>
           </a:p>
         </p:txBody>
       </p:sp>
@@ -3975,280 +3868,112 @@
           </a:p>
         </p:txBody>
       </p:sp>
+      <p:sp>
+        <p:nvSpPr>
+          <p:cNvPr id="9" name="TextBox 8"/>
+          <p:cNvSpPr txBox="1"/>
+          <p:nvPr/>
+        </p:nvSpPr>
+        <p:spPr>
+          <a:xfrm>
+            <a:off x="5588195" y="5643578"/>
+            <a:ext cx="3313728" cy="369332"/>
+          </a:xfrm>
+          <a:prstGeom prst="rect">
+            <a:avLst/>
+          </a:prstGeom>
+          <a:noFill/>
+        </p:spPr>
+        <p:txBody>
+          <a:bodyPr wrap="none" rtlCol="0">
+            <a:spAutoFit/>
+          </a:bodyPr>
+          <a:lstStyle/>
+          <a:p>
+            <a:pPr algn="r"/>
+            <a:r>
+              <a:rPr lang="ru-RU" dirty="0" smtClean="0">
+                <a:latin typeface="Times New Roman" pitchFamily="18" charset="0"/>
+                <a:ea typeface="+mj-ea"/>
+                <a:cs typeface="Times New Roman" pitchFamily="18" charset="0"/>
+              </a:rPr>
+              <a:t>Результат автономной проверки</a:t>
+            </a:r>
+          </a:p>
+        </p:txBody>
+      </p:sp>
       <p:pic>
         <p:nvPicPr>
-          <p:cNvPr id="7" name="Рисунок 6" descr="git1.png"/>
+          <p:cNvPr id="2050" name="Picture 2" descr="C:\Users\nwcfang\diplom_report\chistovik\rs232test.png"/>
           <p:cNvPicPr>
-            <a:picLocks noChangeAspect="1"/>
+            <a:picLocks noChangeAspect="1" noChangeArrowheads="1"/>
           </p:cNvPicPr>
           <p:nvPr/>
         </p:nvPicPr>
         <p:blipFill>
-          <a:blip r:embed="rId3"/>
+          <a:blip r:embed="rId2" cstate="print"/>
+          <a:srcRect/>
           <a:stretch>
             <a:fillRect/>
           </a:stretch>
         </p:blipFill>
-        <p:spPr>
-          <a:xfrm>
-            <a:off x="785786" y="2357430"/>
-            <a:ext cx="3143272" cy="3084753"/>
-          </a:xfrm>
-          <a:prstGeom prst="rect">
-            <a:avLst/>
-          </a:prstGeom>
-        </p:spPr>
-      </p:pic>
-      <p:sp>
-        <p:nvSpPr>
-          <p:cNvPr id="9" name="TextBox 8"/>
-          <p:cNvSpPr txBox="1"/>
-          <p:nvPr/>
-        </p:nvSpPr>
-        <p:spPr>
-          <a:xfrm>
-            <a:off x="3214678" y="642918"/>
-            <a:ext cx="2685351" cy="369332"/>
+        <p:spPr bwMode="auto">
+          <a:xfrm>
+            <a:off x="214282" y="642918"/>
+            <a:ext cx="6478587" cy="4057650"/>
           </a:xfrm>
           <a:prstGeom prst="rect">
             <a:avLst/>
           </a:prstGeom>
           <a:noFill/>
         </p:spPr>
-        <p:txBody>
-          <a:bodyPr wrap="none" rtlCol="0">
-            <a:spAutoFit/>
-          </a:bodyPr>
-          <a:lstStyle/>
-          <a:p>
-            <a:r>
-              <a:rPr lang="ru-RU" dirty="0" smtClean="0">
-                <a:latin typeface="Times New Roman" pitchFamily="18" charset="0"/>
-                <a:cs typeface="Times New Roman" pitchFamily="18" charset="0"/>
-              </a:rPr>
-              <a:t>Инструменты разработки</a:t>
-            </a:r>
-            <a:endParaRPr lang="ru-RU" dirty="0">
-              <a:latin typeface="Times New Roman" pitchFamily="18" charset="0"/>
-              <a:cs typeface="Times New Roman" pitchFamily="18" charset="0"/>
-            </a:endParaRPr>
-          </a:p>
-        </p:txBody>
-      </p:sp>
-      <p:pic>
-        <p:nvPicPr>
-          <p:cNvPr id="10" name="Рисунок 9" descr="git2.png"/>
-          <p:cNvPicPr>
-            <a:picLocks noChangeAspect="1"/>
-          </p:cNvPicPr>
+      </p:pic>
+      <p:sp>
+        <p:nvSpPr>
+          <p:cNvPr id="10" name="Прямоугольник 9"/>
+          <p:cNvSpPr/>
           <p:nvPr/>
-        </p:nvPicPr>
-        <p:blipFill>
-          <a:blip r:embed="rId4"/>
-          <a:stretch>
-            <a:fillRect/>
-          </a:stretch>
-        </p:blipFill>
-        <p:spPr>
-          <a:xfrm>
-            <a:off x="5072066" y="1714488"/>
-            <a:ext cx="3571900" cy="1583820"/>
+        </p:nvSpPr>
+        <p:spPr>
+          <a:xfrm>
+            <a:off x="142844" y="571480"/>
+            <a:ext cx="8858312" cy="4714908"/>
           </a:xfrm>
           <a:prstGeom prst="rect">
             <a:avLst/>
           </a:prstGeom>
-        </p:spPr>
-      </p:pic>
-      <p:sp>
-        <p:nvSpPr>
-          <p:cNvPr id="11" name="Содержимое 2"/>
-          <p:cNvSpPr txBox="1">
-            <a:spLocks/>
-          </p:cNvSpPr>
-          <p:nvPr/>
-        </p:nvSpPr>
-        <p:spPr>
-          <a:xfrm>
-            <a:off x="6572264" y="1285860"/>
-            <a:ext cx="2000296" cy="285752"/>
-          </a:xfrm>
-          <a:prstGeom prst="rect">
-            <a:avLst/>
-          </a:prstGeom>
-        </p:spPr>
-        <p:txBody>
-          <a:bodyPr vert="horz" lIns="91440" tIns="45720" rIns="91440" bIns="45720" rtlCol="0">
-            <a:normAutofit lnSpcReduction="10000"/>
-          </a:bodyPr>
-          <a:lstStyle/>
-          <a:p>
-            <a:pPr lvl="0">
-              <a:spcBef>
-                <a:spcPct val="20000"/>
-              </a:spcBef>
-              <a:buBlip>
-                <a:blip r:embed="rId2"/>
-              </a:buBlip>
-              <a:tabLst>
-                <a:tab pos="444500" algn="l"/>
-              </a:tabLst>
-            </a:pPr>
-            <a:r>
-              <a:rPr lang="ru-RU" sz="1400" dirty="0" smtClean="0">
-                <a:solidFill>
-                  <a:schemeClr val="accent5">
-                    <a:lumMod val="50000"/>
-                  </a:schemeClr>
-                </a:solidFill>
-                <a:latin typeface="Times New Roman" pitchFamily="18" charset="0"/>
-                <a:cs typeface="Times New Roman" pitchFamily="18" charset="0"/>
-              </a:rPr>
-              <a:t>Слепки вместо </a:t>
-            </a:r>
-            <a:r>
-              <a:rPr lang="ru-RU" sz="1400" dirty="0" err="1" smtClean="0">
-                <a:solidFill>
-                  <a:schemeClr val="accent5">
-                    <a:lumMod val="50000"/>
-                  </a:schemeClr>
-                </a:solidFill>
-                <a:latin typeface="Times New Roman" pitchFamily="18" charset="0"/>
-                <a:cs typeface="Times New Roman" pitchFamily="18" charset="0"/>
-              </a:rPr>
-              <a:t>патчей</a:t>
-            </a:r>
-            <a:endParaRPr kumimoji="0" lang="ru-RU" sz="1400" b="0" i="0" u="none" strike="noStrike" kern="1200" cap="none" spc="0" normalizeH="0" baseline="0" noProof="0" dirty="0">
-              <a:ln>
-                <a:noFill/>
-              </a:ln>
-              <a:solidFill>
-                <a:schemeClr val="accent5">
-                  <a:lumMod val="50000"/>
-                </a:schemeClr>
-              </a:solidFill>
-              <a:effectLst/>
-              <a:uLnTx/>
-              <a:uFillTx/>
-              <a:latin typeface="Times New Roman" pitchFamily="18" charset="0"/>
-              <a:ea typeface="+mn-ea"/>
-              <a:cs typeface="Times New Roman" pitchFamily="18" charset="0"/>
-            </a:endParaRPr>
-          </a:p>
-        </p:txBody>
-      </p:sp>
-      <p:sp>
-        <p:nvSpPr>
-          <p:cNvPr id="12" name="Содержимое 2"/>
-          <p:cNvSpPr txBox="1">
-            <a:spLocks/>
-          </p:cNvSpPr>
-          <p:nvPr/>
-        </p:nvSpPr>
-        <p:spPr>
-          <a:xfrm>
-            <a:off x="6643702" y="3571876"/>
-            <a:ext cx="1928826" cy="285752"/>
-          </a:xfrm>
-          <a:prstGeom prst="rect">
-            <a:avLst/>
-          </a:prstGeom>
-        </p:spPr>
-        <p:txBody>
-          <a:bodyPr vert="horz" lIns="91440" tIns="45720" rIns="91440" bIns="45720" rtlCol="0">
-            <a:normAutofit lnSpcReduction="10000"/>
-          </a:bodyPr>
-          <a:lstStyle/>
-          <a:p>
-            <a:pPr lvl="0">
-              <a:spcBef>
-                <a:spcPct val="20000"/>
-              </a:spcBef>
-              <a:buBlip>
-                <a:blip r:embed="rId2"/>
-              </a:buBlip>
-              <a:tabLst>
-                <a:tab pos="444500" algn="l"/>
-              </a:tabLst>
-            </a:pPr>
-            <a:r>
-              <a:rPr lang="ru-RU" sz="1400" dirty="0" smtClean="0">
-                <a:solidFill>
-                  <a:schemeClr val="accent5">
-                    <a:lumMod val="50000"/>
-                  </a:schemeClr>
-                </a:solidFill>
-                <a:latin typeface="Times New Roman" pitchFamily="18" charset="0"/>
-                <a:cs typeface="Times New Roman" pitchFamily="18" charset="0"/>
-              </a:rPr>
-              <a:t>Три состояния файла</a:t>
-            </a:r>
-            <a:endParaRPr kumimoji="0" lang="ru-RU" sz="1400" b="0" i="0" u="none" strike="noStrike" kern="1200" cap="none" spc="0" normalizeH="0" baseline="0" noProof="0" dirty="0">
-              <a:ln>
-                <a:noFill/>
-              </a:ln>
-              <a:solidFill>
-                <a:schemeClr val="accent5">
-                  <a:lumMod val="50000"/>
-                </a:schemeClr>
-              </a:solidFill>
-              <a:effectLst/>
-              <a:uLnTx/>
-              <a:uFillTx/>
-              <a:latin typeface="Times New Roman" pitchFamily="18" charset="0"/>
-              <a:ea typeface="+mn-ea"/>
-              <a:cs typeface="Times New Roman" pitchFamily="18" charset="0"/>
-            </a:endParaRPr>
-          </a:p>
-        </p:txBody>
-      </p:sp>
-      <p:pic>
-        <p:nvPicPr>
-          <p:cNvPr id="13" name="Рисунок 12" descr="git3.png"/>
-          <p:cNvPicPr>
-            <a:picLocks noChangeAspect="1"/>
-          </p:cNvPicPr>
-          <p:nvPr/>
-        </p:nvPicPr>
-        <p:blipFill>
-          <a:blip r:embed="rId5"/>
-          <a:stretch>
-            <a:fillRect/>
-          </a:stretch>
-        </p:blipFill>
-        <p:spPr>
-          <a:xfrm>
-            <a:off x="5214942" y="3857628"/>
-            <a:ext cx="3219899" cy="2900767"/>
-          </a:xfrm>
-          <a:prstGeom prst="rect">
-            <a:avLst/>
-          </a:prstGeom>
-        </p:spPr>
-      </p:pic>
-      <p:pic>
-        <p:nvPicPr>
-          <p:cNvPr id="39" name="Рисунок 38" descr="Git-Logo-2Color.png"/>
-          <p:cNvPicPr>
-            <a:picLocks noChangeAspect="1"/>
-          </p:cNvPicPr>
-          <p:nvPr/>
-        </p:nvPicPr>
-        <p:blipFill>
-          <a:blip r:embed="rId6" cstate="print"/>
-          <a:stretch>
-            <a:fillRect/>
-          </a:stretch>
-        </p:blipFill>
-        <p:spPr>
-          <a:xfrm>
-            <a:off x="3929058" y="1071546"/>
-            <a:ext cx="1357322" cy="566793"/>
-          </a:xfrm>
-          <a:prstGeom prst="rect">
-            <a:avLst/>
-          </a:prstGeom>
-        </p:spPr>
-      </p:pic>
+          <a:noFill/>
+          <a:ln cmpd="dbl">
+            <a:solidFill>
+              <a:schemeClr val="tx1"/>
+            </a:solidFill>
+          </a:ln>
+        </p:spPr>
+        <p:style>
+          <a:lnRef idx="2">
+            <a:schemeClr val="accent1">
+              <a:shade val="50000"/>
+            </a:schemeClr>
+          </a:lnRef>
+          <a:fillRef idx="1">
+            <a:schemeClr val="accent1"/>
+          </a:fillRef>
+          <a:effectRef idx="0">
+            <a:schemeClr val="accent1"/>
+          </a:effectRef>
+          <a:fontRef idx="minor">
+            <a:schemeClr val="lt1"/>
+          </a:fontRef>
+        </p:style>
+        <p:txBody>
+          <a:bodyPr rtlCol="0" anchor="ctr"/>
+          <a:lstStyle/>
+          <a:p>
+            <a:pPr algn="ctr"/>
+            <a:endParaRPr lang="ru-RU"/>
+          </a:p>
+        </p:txBody>
+      </p:sp>
     </p:spTree>
   </p:cSld>
   <p:clrMapOvr>
@@ -4315,91 +4040,7 @@
       </p:sp>
       <p:sp>
         <p:nvSpPr>
-          <p:cNvPr id="4" name="Номер слайда 3"/>
-          <p:cNvSpPr>
-            <a:spLocks noGrp="1"/>
-          </p:cNvSpPr>
-          <p:nvPr>
-            <p:ph type="sldNum" sz="quarter" idx="12"/>
-          </p:nvPr>
-        </p:nvSpPr>
-        <p:spPr/>
-        <p:txBody>
-          <a:bodyPr/>
-          <a:lstStyle/>
-          <a:p>
-            <a:fld id="{F2BB55FB-146C-47F1-A3F4-E5E9F11C5D2A}" type="slidenum">
-              <a:rPr lang="ru-RU" smtClean="0"/>
-              <a:pPr/>
-              <a:t>11</a:t>
-            </a:fld>
-            <a:endParaRPr lang="ru-RU"/>
-          </a:p>
-        </p:txBody>
-      </p:sp>
-      <p:sp>
-        <p:nvSpPr>
-          <p:cNvPr id="9" name="TextBox 8"/>
-          <p:cNvSpPr txBox="1"/>
-          <p:nvPr/>
-        </p:nvSpPr>
-        <p:spPr>
-          <a:xfrm>
-            <a:off x="3214678" y="642918"/>
-            <a:ext cx="2685351" cy="369332"/>
-          </a:xfrm>
-          <a:prstGeom prst="rect">
-            <a:avLst/>
-          </a:prstGeom>
-          <a:noFill/>
-        </p:spPr>
-        <p:txBody>
-          <a:bodyPr wrap="none" rtlCol="0">
-            <a:spAutoFit/>
-          </a:bodyPr>
-          <a:lstStyle/>
-          <a:p>
-            <a:r>
-              <a:rPr lang="ru-RU" dirty="0" smtClean="0">
-                <a:latin typeface="Times New Roman" pitchFamily="18" charset="0"/>
-                <a:cs typeface="Times New Roman" pitchFamily="18" charset="0"/>
-              </a:rPr>
-              <a:t>Инструменты разработки</a:t>
-            </a:r>
-            <a:endParaRPr lang="ru-RU" dirty="0">
-              <a:latin typeface="Times New Roman" pitchFamily="18" charset="0"/>
-              <a:cs typeface="Times New Roman" pitchFamily="18" charset="0"/>
-            </a:endParaRPr>
-          </a:p>
-        </p:txBody>
-      </p:sp>
-      <p:pic>
-        <p:nvPicPr>
-          <p:cNvPr id="16" name="Рисунок 15" descr="vim-editor_logo.png"/>
-          <p:cNvPicPr>
-            <a:picLocks noChangeAspect="1"/>
-          </p:cNvPicPr>
-          <p:nvPr/>
-        </p:nvPicPr>
-        <p:blipFill>
-          <a:blip r:embed="rId2" cstate="print"/>
-          <a:stretch>
-            <a:fillRect/>
-          </a:stretch>
-        </p:blipFill>
-        <p:spPr>
-          <a:xfrm>
-            <a:off x="4143372" y="1071546"/>
-            <a:ext cx="785818" cy="785818"/>
-          </a:xfrm>
-          <a:prstGeom prst="rect">
-            <a:avLst/>
-          </a:prstGeom>
-        </p:spPr>
-      </p:pic>
-      <p:sp>
-        <p:nvSpPr>
-          <p:cNvPr id="17" name="Содержимое 2"/>
+          <p:cNvPr id="3" name="Содержимое 2"/>
           <p:cNvSpPr>
             <a:spLocks noGrp="1"/>
           </p:cNvSpPr>
@@ -4409,8 +4050,8 @@
         </p:nvSpPr>
         <p:spPr>
           <a:xfrm>
-            <a:off x="571472" y="1857364"/>
-            <a:ext cx="3929090" cy="1785950"/>
+            <a:off x="500034" y="1857364"/>
+            <a:ext cx="3929090" cy="285752"/>
           </a:xfrm>
         </p:spPr>
         <p:txBody>
@@ -4419,60 +4060,16 @@
           </a:bodyPr>
           <a:lstStyle/>
           <a:p>
-            <a:pPr marL="0" indent="0" algn="just">
-              <a:buNone/>
-              <a:tabLst>
-                <a:tab pos="444500" algn="l"/>
-              </a:tabLst>
-            </a:pPr>
-            <a:r>
-              <a:rPr lang="en-US" sz="1400" b="1" dirty="0" smtClean="0">
-                <a:solidFill>
-                  <a:schemeClr val="accent5">
-                    <a:lumMod val="50000"/>
-                  </a:schemeClr>
-                </a:solidFill>
-                <a:latin typeface="Times New Roman" pitchFamily="18" charset="0"/>
-                <a:cs typeface="Times New Roman" pitchFamily="18" charset="0"/>
-              </a:rPr>
-              <a:t>Vim</a:t>
-            </a:r>
-            <a:r>
-              <a:rPr lang="en-US" sz="1400" dirty="0" smtClean="0">
-                <a:solidFill>
-                  <a:schemeClr val="accent5">
-                    <a:lumMod val="50000"/>
-                  </a:schemeClr>
-                </a:solidFill>
-                <a:latin typeface="Times New Roman" pitchFamily="18" charset="0"/>
-                <a:cs typeface="Times New Roman" pitchFamily="18" charset="0"/>
-              </a:rPr>
-              <a:t> - </a:t>
-            </a:r>
-            <a:r>
-              <a:rPr lang="ru-RU" sz="1400" dirty="0" smtClean="0">
-                <a:solidFill>
-                  <a:schemeClr val="accent5">
-                    <a:lumMod val="50000"/>
-                  </a:schemeClr>
-                </a:solidFill>
-                <a:latin typeface="Times New Roman" pitchFamily="18" charset="0"/>
-                <a:cs typeface="Times New Roman" pitchFamily="18" charset="0"/>
-              </a:rPr>
-              <a:t>текстовый редактор с двумя режимами ввода:</a:t>
-            </a:r>
-          </a:p>
-          <a:p>
-            <a:pPr marL="0" indent="0" algn="just">
+            <a:pPr marL="0" indent="0">
               <a:buBlip>
-                <a:blip r:embed="rId3"/>
+                <a:blip r:embed="rId2"/>
               </a:buBlip>
               <a:tabLst>
                 <a:tab pos="444500" algn="l"/>
               </a:tabLst>
             </a:pPr>
             <a:r>
-              <a:rPr lang="ru-RU" sz="1400" dirty="0" smtClean="0">
+              <a:rPr lang="en-US" sz="1400" dirty="0" smtClean="0">
                 <a:solidFill>
                   <a:schemeClr val="accent5">
                     <a:lumMod val="50000"/>
@@ -4481,10 +4078,10 @@
                 <a:latin typeface="Times New Roman" pitchFamily="18" charset="0"/>
                 <a:cs typeface="Times New Roman" pitchFamily="18" charset="0"/>
               </a:rPr>
-              <a:t>Командный (позволяет использовать клавиши клавиатуры не для </a:t>
-            </a:r>
-            <a:r>
-              <a:rPr lang="ru-RU" sz="1400" dirty="0" smtClean="0">
+              <a:t> </a:t>
+            </a:r>
+            <a:r>
+              <a:rPr lang="en-US" sz="1400" b="1" dirty="0" err="1" smtClean="0">
                 <a:solidFill>
                   <a:schemeClr val="accent5">
                     <a:lumMod val="50000"/>
@@ -4493,10 +4090,10 @@
                 <a:latin typeface="Times New Roman" pitchFamily="18" charset="0"/>
                 <a:cs typeface="Times New Roman" pitchFamily="18" charset="0"/>
               </a:rPr>
-              <a:t>печати символов, </a:t>
-            </a:r>
-            <a:r>
-              <a:rPr lang="ru-RU" sz="1400" dirty="0" smtClean="0">
+              <a:t>Git</a:t>
+            </a:r>
+            <a:r>
+              <a:rPr lang="en-US" sz="1400" dirty="0" smtClean="0">
                 <a:solidFill>
                   <a:schemeClr val="accent5">
                     <a:lumMod val="50000"/>
@@ -4505,27 +4102,8 @@
                 <a:latin typeface="Times New Roman" pitchFamily="18" charset="0"/>
                 <a:cs typeface="Times New Roman" pitchFamily="18" charset="0"/>
               </a:rPr>
-              <a:t>а для различных команд) </a:t>
-            </a:r>
-            <a:endParaRPr lang="ru-RU" sz="1400" dirty="0" smtClean="0">
-              <a:solidFill>
-                <a:schemeClr val="accent5">
-                  <a:lumMod val="50000"/>
-                </a:schemeClr>
-              </a:solidFill>
-              <a:latin typeface="Times New Roman" pitchFamily="18" charset="0"/>
-              <a:cs typeface="Times New Roman" pitchFamily="18" charset="0"/>
-            </a:endParaRPr>
-          </a:p>
-          <a:p>
-            <a:pPr marL="0" indent="0" algn="just">
-              <a:buBlip>
-                <a:blip r:embed="rId3"/>
-              </a:buBlip>
-              <a:tabLst>
-                <a:tab pos="444500" algn="l"/>
-              </a:tabLst>
-            </a:pPr>
+              <a:t> - </a:t>
+            </a:r>
             <a:r>
               <a:rPr lang="ru-RU" sz="1400" dirty="0" smtClean="0">
                 <a:solidFill>
@@ -4536,7 +4114,7 @@
                 <a:latin typeface="Times New Roman" pitchFamily="18" charset="0"/>
                 <a:cs typeface="Times New Roman" pitchFamily="18" charset="0"/>
               </a:rPr>
-              <a:t>Текстовый (режим непосредственного редактирования текста, аналогичный большинству «обычных» редакторов).</a:t>
+              <a:t>распределённая система контроля версий</a:t>
             </a:r>
             <a:endParaRPr lang="ru-RU" sz="1400" dirty="0">
               <a:solidFill>
@@ -4550,24 +4128,48 @@
           </a:p>
         </p:txBody>
       </p:sp>
+      <p:sp>
+        <p:nvSpPr>
+          <p:cNvPr id="4" name="Номер слайда 3"/>
+          <p:cNvSpPr>
+            <a:spLocks noGrp="1"/>
+          </p:cNvSpPr>
+          <p:nvPr>
+            <p:ph type="sldNum" sz="quarter" idx="12"/>
+          </p:nvPr>
+        </p:nvSpPr>
+        <p:spPr/>
+        <p:txBody>
+          <a:bodyPr/>
+          <a:lstStyle/>
+          <a:p>
+            <a:fld id="{F2BB55FB-146C-47F1-A3F4-E5E9F11C5D2A}" type="slidenum">
+              <a:rPr lang="ru-RU" smtClean="0"/>
+              <a:pPr/>
+              <a:t>11</a:t>
+            </a:fld>
+            <a:endParaRPr lang="ru-RU"/>
+          </a:p>
+        </p:txBody>
+      </p:sp>
       <p:pic>
         <p:nvPicPr>
-          <p:cNvPr id="18" name="Рисунок 17" descr="macvim.png"/>
+          <p:cNvPr id="7" name="Рисунок 6" descr="git1.png"/>
           <p:cNvPicPr>
             <a:picLocks noChangeAspect="1"/>
           </p:cNvPicPr>
           <p:nvPr/>
         </p:nvPicPr>
         <p:blipFill>
-          <a:blip r:embed="rId4"/>
+          <a:blip r:embed="rId3" cstate="print"/>
           <a:stretch>
             <a:fillRect/>
           </a:stretch>
         </p:blipFill>
         <p:spPr>
           <a:xfrm>
-            <a:off x="5286380" y="1857364"/>
-            <a:ext cx="3571880" cy="2190753"/>
+            <a:off x="785786" y="2357430"/>
+            <a:ext cx="3143272" cy="3084753"/>
           </a:xfrm>
           <a:prstGeom prst="rect">
             <a:avLst/>
@@ -4576,14 +4178,14 @@
       </p:pic>
       <p:sp>
         <p:nvSpPr>
-          <p:cNvPr id="20" name="TextBox 19"/>
+          <p:cNvPr id="9" name="TextBox 8"/>
           <p:cNvSpPr txBox="1"/>
           <p:nvPr/>
         </p:nvSpPr>
         <p:spPr>
           <a:xfrm>
-            <a:off x="642910" y="4000504"/>
-            <a:ext cx="4500594" cy="2739211"/>
+            <a:off x="3214678" y="642918"/>
+            <a:ext cx="2685351" cy="369332"/>
           </a:xfrm>
           <a:prstGeom prst="rect">
             <a:avLst/>
@@ -4591,14 +4193,85 @@
           <a:noFill/>
         </p:spPr>
         <p:txBody>
-          <a:bodyPr wrap="square" rtlCol="0">
+          <a:bodyPr wrap="none" rtlCol="0">
             <a:spAutoFit/>
           </a:bodyPr>
           <a:lstStyle/>
           <a:p>
-            <a:pPr algn="ctr"/>
-            <a:r>
-              <a:rPr lang="ru-RU" sz="1400" b="1" dirty="0" smtClean="0">
+            <a:r>
+              <a:rPr lang="ru-RU" dirty="0" smtClean="0">
+                <a:latin typeface="Times New Roman" pitchFamily="18" charset="0"/>
+                <a:cs typeface="Times New Roman" pitchFamily="18" charset="0"/>
+              </a:rPr>
+              <a:t>Инструменты разработки</a:t>
+            </a:r>
+            <a:endParaRPr lang="ru-RU" dirty="0">
+              <a:latin typeface="Times New Roman" pitchFamily="18" charset="0"/>
+              <a:cs typeface="Times New Roman" pitchFamily="18" charset="0"/>
+            </a:endParaRPr>
+          </a:p>
+        </p:txBody>
+      </p:sp>
+      <p:pic>
+        <p:nvPicPr>
+          <p:cNvPr id="10" name="Рисунок 9" descr="git2.png"/>
+          <p:cNvPicPr>
+            <a:picLocks noChangeAspect="1"/>
+          </p:cNvPicPr>
+          <p:nvPr/>
+        </p:nvPicPr>
+        <p:blipFill>
+          <a:blip r:embed="rId4" cstate="print"/>
+          <a:stretch>
+            <a:fillRect/>
+          </a:stretch>
+        </p:blipFill>
+        <p:spPr>
+          <a:xfrm>
+            <a:off x="5072066" y="1714488"/>
+            <a:ext cx="3571900" cy="1583820"/>
+          </a:xfrm>
+          <a:prstGeom prst="rect">
+            <a:avLst/>
+          </a:prstGeom>
+        </p:spPr>
+      </p:pic>
+      <p:sp>
+        <p:nvSpPr>
+          <p:cNvPr id="11" name="Содержимое 2"/>
+          <p:cNvSpPr txBox="1">
+            <a:spLocks/>
+          </p:cNvSpPr>
+          <p:nvPr/>
+        </p:nvSpPr>
+        <p:spPr>
+          <a:xfrm>
+            <a:off x="6572264" y="1285860"/>
+            <a:ext cx="2000296" cy="285752"/>
+          </a:xfrm>
+          <a:prstGeom prst="rect">
+            <a:avLst/>
+          </a:prstGeom>
+        </p:spPr>
+        <p:txBody>
+          <a:bodyPr vert="horz" lIns="91440" tIns="45720" rIns="91440" bIns="45720" rtlCol="0">
+            <a:normAutofit lnSpcReduction="10000"/>
+          </a:bodyPr>
+          <a:lstStyle/>
+          <a:p>
+            <a:pPr lvl="0">
+              <a:spcBef>
+                <a:spcPct val="20000"/>
+              </a:spcBef>
+              <a:buBlip>
+                <a:blip r:embed="rId2"/>
+              </a:buBlip>
+              <a:tabLst>
+                <a:tab pos="444500" algn="l"/>
+              </a:tabLst>
+            </a:pPr>
+            <a:r>
+              <a:rPr lang="ru-RU" sz="1400" dirty="0" smtClean="0">
                 <a:solidFill>
                   <a:schemeClr val="accent5">
                     <a:lumMod val="50000"/>
@@ -4607,26 +4280,72 @@
                 <a:latin typeface="Times New Roman" pitchFamily="18" charset="0"/>
                 <a:cs typeface="Times New Roman" pitchFamily="18" charset="0"/>
               </a:rPr>
-              <a:t>Функциональность</a:t>
-            </a:r>
-          </a:p>
-          <a:p>
-            <a:pPr algn="ctr"/>
-            <a:endParaRPr lang="ru-RU" sz="1400" dirty="0" smtClean="0">
+              <a:t>Слепки вместо </a:t>
+            </a:r>
+            <a:r>
+              <a:rPr lang="ru-RU" sz="1400" dirty="0" err="1" smtClean="0">
+                <a:solidFill>
+                  <a:schemeClr val="accent5">
+                    <a:lumMod val="50000"/>
+                  </a:schemeClr>
+                </a:solidFill>
+                <a:latin typeface="Times New Roman" pitchFamily="18" charset="0"/>
+                <a:cs typeface="Times New Roman" pitchFamily="18" charset="0"/>
+              </a:rPr>
+              <a:t>патчей</a:t>
+            </a:r>
+            <a:endParaRPr kumimoji="0" lang="ru-RU" sz="1400" b="0" i="0" u="none" strike="noStrike" kern="1200" cap="none" spc="0" normalizeH="0" baseline="0" noProof="0" dirty="0">
+              <a:ln>
+                <a:noFill/>
+              </a:ln>
               <a:solidFill>
                 <a:schemeClr val="accent5">
                   <a:lumMod val="50000"/>
                 </a:schemeClr>
               </a:solidFill>
+              <a:effectLst/>
+              <a:uLnTx/>
+              <a:uFillTx/>
               <a:latin typeface="Times New Roman" pitchFamily="18" charset="0"/>
+              <a:ea typeface="+mn-ea"/>
               <a:cs typeface="Times New Roman" pitchFamily="18" charset="0"/>
             </a:endParaRPr>
           </a:p>
-          <a:p>
-            <a:pPr>
+        </p:txBody>
+      </p:sp>
+      <p:sp>
+        <p:nvSpPr>
+          <p:cNvPr id="12" name="Содержимое 2"/>
+          <p:cNvSpPr txBox="1">
+            <a:spLocks/>
+          </p:cNvSpPr>
+          <p:nvPr/>
+        </p:nvSpPr>
+        <p:spPr>
+          <a:xfrm>
+            <a:off x="6643702" y="3500438"/>
+            <a:ext cx="1928826" cy="285752"/>
+          </a:xfrm>
+          <a:prstGeom prst="rect">
+            <a:avLst/>
+          </a:prstGeom>
+        </p:spPr>
+        <p:txBody>
+          <a:bodyPr vert="horz" lIns="91440" tIns="45720" rIns="91440" bIns="45720" rtlCol="0">
+            <a:normAutofit lnSpcReduction="10000"/>
+          </a:bodyPr>
+          <a:lstStyle/>
+          <a:p>
+            <a:pPr lvl="0">
+              <a:spcBef>
+                <a:spcPct val="20000"/>
+              </a:spcBef>
               <a:buBlip>
-                <a:blip r:embed="rId3"/>
+                <a:blip r:embed="rId2"/>
               </a:buBlip>
+              <a:tabLst>
+                <a:tab pos="444500" algn="l"/>
+              </a:tabLst>
             </a:pPr>
             <a:r>
               <a:rPr lang="ru-RU" sz="1400" dirty="0" smtClean="0">
@@ -4638,265 +4357,75 @@
                 <a:latin typeface="Times New Roman" pitchFamily="18" charset="0"/>
                 <a:cs typeface="Times New Roman" pitchFamily="18" charset="0"/>
               </a:rPr>
-              <a:t> Разбиение окон </a:t>
-            </a:r>
-            <a:r>
-              <a:rPr lang="ru-RU" sz="1400" dirty="0" smtClean="0">
-                <a:solidFill>
-                  <a:schemeClr val="accent5">
-                    <a:lumMod val="50000"/>
-                  </a:schemeClr>
-                </a:solidFill>
-                <a:latin typeface="Times New Roman" pitchFamily="18" charset="0"/>
-                <a:cs typeface="Times New Roman" pitchFamily="18" charset="0"/>
-              </a:rPr>
-              <a:t>редактирования</a:t>
-            </a:r>
-          </a:p>
-          <a:p>
-            <a:pPr>
-              <a:buBlip>
-                <a:blip r:embed="rId3"/>
-              </a:buBlip>
-            </a:pPr>
-            <a:r>
-              <a:rPr lang="ru-RU" sz="1400" dirty="0" smtClean="0">
-                <a:solidFill>
-                  <a:schemeClr val="accent5">
-                    <a:lumMod val="50000"/>
-                  </a:schemeClr>
-                </a:solidFill>
-                <a:latin typeface="Times New Roman" pitchFamily="18" charset="0"/>
-                <a:cs typeface="Times New Roman" pitchFamily="18" charset="0"/>
-              </a:rPr>
-              <a:t>Неограниченная глубина отмены (</a:t>
-            </a:r>
-            <a:r>
-              <a:rPr lang="en-US" sz="1400" dirty="0" smtClean="0">
-                <a:solidFill>
-                  <a:schemeClr val="accent5">
-                    <a:lumMod val="50000"/>
-                  </a:schemeClr>
-                </a:solidFill>
-                <a:latin typeface="Times New Roman" pitchFamily="18" charset="0"/>
-                <a:cs typeface="Times New Roman" pitchFamily="18" charset="0"/>
-              </a:rPr>
-              <a:t>undo</a:t>
-            </a:r>
-            <a:r>
-              <a:rPr lang="en-US" sz="1400" dirty="0" smtClean="0">
-                <a:solidFill>
-                  <a:schemeClr val="accent5">
-                    <a:lumMod val="50000"/>
-                  </a:schemeClr>
-                </a:solidFill>
-                <a:latin typeface="Times New Roman" pitchFamily="18" charset="0"/>
-                <a:cs typeface="Times New Roman" pitchFamily="18" charset="0"/>
-              </a:rPr>
-              <a:t>)</a:t>
-            </a:r>
-            <a:endParaRPr lang="ru-RU" sz="1400" dirty="0" smtClean="0">
+              <a:t>Три состояния файла</a:t>
+            </a:r>
+            <a:endParaRPr kumimoji="0" lang="ru-RU" sz="1400" b="0" i="0" u="none" strike="noStrike" kern="1200" cap="none" spc="0" normalizeH="0" baseline="0" noProof="0" dirty="0">
+              <a:ln>
+                <a:noFill/>
+              </a:ln>
               <a:solidFill>
                 <a:schemeClr val="accent5">
                   <a:lumMod val="50000"/>
                 </a:schemeClr>
               </a:solidFill>
+              <a:effectLst/>
+              <a:uLnTx/>
+              <a:uFillTx/>
               <a:latin typeface="Times New Roman" pitchFamily="18" charset="0"/>
+              <a:ea typeface="+mn-ea"/>
               <a:cs typeface="Times New Roman" pitchFamily="18" charset="0"/>
             </a:endParaRPr>
           </a:p>
-          <a:p>
-            <a:pPr>
-              <a:buBlip>
-                <a:blip r:embed="rId3"/>
-              </a:buBlip>
-            </a:pPr>
-            <a:r>
-              <a:rPr lang="ru-RU" sz="1400" dirty="0" smtClean="0">
-                <a:solidFill>
-                  <a:schemeClr val="accent5">
-                    <a:lumMod val="50000"/>
-                  </a:schemeClr>
-                </a:solidFill>
-                <a:latin typeface="Times New Roman" pitchFamily="18" charset="0"/>
-                <a:cs typeface="Times New Roman" pitchFamily="18" charset="0"/>
-              </a:rPr>
-              <a:t>Режим сравнения двух </a:t>
-            </a:r>
-            <a:r>
-              <a:rPr lang="ru-RU" sz="1400" dirty="0" smtClean="0">
-                <a:solidFill>
-                  <a:schemeClr val="accent5">
-                    <a:lumMod val="50000"/>
-                  </a:schemeClr>
-                </a:solidFill>
-                <a:latin typeface="Times New Roman" pitchFamily="18" charset="0"/>
-                <a:cs typeface="Times New Roman" pitchFamily="18" charset="0"/>
-              </a:rPr>
-              <a:t>файлов</a:t>
-            </a:r>
-          </a:p>
-          <a:p>
-            <a:pPr>
-              <a:buBlip>
-                <a:blip r:embed="rId3"/>
-              </a:buBlip>
-            </a:pPr>
-            <a:r>
-              <a:rPr lang="ru-RU" sz="1400" dirty="0" smtClean="0">
-                <a:solidFill>
-                  <a:schemeClr val="accent5">
-                    <a:lumMod val="50000"/>
-                  </a:schemeClr>
-                </a:solidFill>
-                <a:latin typeface="Times New Roman" pitchFamily="18" charset="0"/>
-                <a:cs typeface="Times New Roman" pitchFamily="18" charset="0"/>
-              </a:rPr>
-              <a:t>Подсветка </a:t>
-            </a:r>
-            <a:r>
-              <a:rPr lang="ru-RU" sz="1400" dirty="0" smtClean="0">
-                <a:solidFill>
-                  <a:schemeClr val="accent5">
-                    <a:lumMod val="50000"/>
-                  </a:schemeClr>
-                </a:solidFill>
-                <a:latin typeface="Times New Roman" pitchFamily="18" charset="0"/>
-                <a:cs typeface="Times New Roman" pitchFamily="18" charset="0"/>
-              </a:rPr>
-              <a:t>синтаксиса</a:t>
-            </a:r>
-          </a:p>
-          <a:p>
-            <a:pPr>
-              <a:buBlip>
-                <a:blip r:embed="rId3"/>
-              </a:buBlip>
-            </a:pPr>
-            <a:r>
-              <a:rPr lang="ru-RU" sz="1400" dirty="0" smtClean="0">
-                <a:solidFill>
-                  <a:schemeClr val="accent5">
-                    <a:lumMod val="50000"/>
-                  </a:schemeClr>
-                </a:solidFill>
-                <a:latin typeface="Times New Roman" pitchFamily="18" charset="0"/>
-                <a:cs typeface="Times New Roman" pitchFamily="18" charset="0"/>
-              </a:rPr>
-              <a:t>Автоматическое продолжение </a:t>
-            </a:r>
-            <a:r>
-              <a:rPr lang="ru-RU" sz="1400" dirty="0" smtClean="0">
-                <a:solidFill>
-                  <a:schemeClr val="accent5">
-                    <a:lumMod val="50000"/>
-                  </a:schemeClr>
-                </a:solidFill>
-                <a:latin typeface="Times New Roman" pitchFamily="18" charset="0"/>
-                <a:cs typeface="Times New Roman" pitchFamily="18" charset="0"/>
-              </a:rPr>
-              <a:t>команд</a:t>
-            </a:r>
-          </a:p>
-          <a:p>
-            <a:pPr>
-              <a:buBlip>
-                <a:blip r:embed="rId3"/>
-              </a:buBlip>
-            </a:pPr>
-            <a:r>
-              <a:rPr lang="ru-RU" sz="1400" dirty="0" smtClean="0">
-                <a:solidFill>
-                  <a:schemeClr val="accent5">
-                    <a:lumMod val="50000"/>
-                  </a:schemeClr>
-                </a:solidFill>
-                <a:latin typeface="Times New Roman" pitchFamily="18" charset="0"/>
-                <a:cs typeface="Times New Roman" pitchFamily="18" charset="0"/>
-              </a:rPr>
-              <a:t>Сворачивание (</a:t>
-            </a:r>
-            <a:r>
-              <a:rPr lang="en-US" sz="1400" dirty="0" smtClean="0">
-                <a:solidFill>
-                  <a:schemeClr val="accent5">
-                    <a:lumMod val="50000"/>
-                  </a:schemeClr>
-                </a:solidFill>
-                <a:latin typeface="Times New Roman" pitchFamily="18" charset="0"/>
-                <a:cs typeface="Times New Roman" pitchFamily="18" charset="0"/>
-              </a:rPr>
-              <a:t>folding) </a:t>
-            </a:r>
-            <a:r>
-              <a:rPr lang="ru-RU" sz="1400" dirty="0" smtClean="0">
-                <a:solidFill>
-                  <a:schemeClr val="accent5">
-                    <a:lumMod val="50000"/>
-                  </a:schemeClr>
-                </a:solidFill>
-                <a:latin typeface="Times New Roman" pitchFamily="18" charset="0"/>
-                <a:cs typeface="Times New Roman" pitchFamily="18" charset="0"/>
-              </a:rPr>
-              <a:t>текста</a:t>
-            </a:r>
-          </a:p>
-          <a:p>
-            <a:pPr>
-              <a:buBlip>
-                <a:blip r:embed="rId3"/>
-              </a:buBlip>
-            </a:pPr>
-            <a:r>
-              <a:rPr lang="ru-RU" sz="1400" dirty="0" smtClean="0">
-                <a:solidFill>
-                  <a:schemeClr val="accent5">
-                    <a:lumMod val="50000"/>
-                  </a:schemeClr>
-                </a:solidFill>
-                <a:latin typeface="Times New Roman" pitchFamily="18" charset="0"/>
-                <a:cs typeface="Times New Roman" pitchFamily="18" charset="0"/>
-              </a:rPr>
-              <a:t>Поддержка </a:t>
-            </a:r>
-            <a:r>
-              <a:rPr lang="ru-RU" sz="1400" dirty="0" smtClean="0">
-                <a:solidFill>
-                  <a:schemeClr val="accent5">
-                    <a:lumMod val="50000"/>
-                  </a:schemeClr>
-                </a:solidFill>
-                <a:latin typeface="Times New Roman" pitchFamily="18" charset="0"/>
-                <a:cs typeface="Times New Roman" pitchFamily="18" charset="0"/>
-              </a:rPr>
-              <a:t>цикла разработки «редактирование — компиляция — исправление» программ</a:t>
-            </a:r>
-            <a:endParaRPr lang="ru-RU" sz="1400" dirty="0" smtClean="0">
-              <a:solidFill>
-                <a:schemeClr val="accent5">
-                  <a:lumMod val="50000"/>
-                </a:schemeClr>
-              </a:solidFill>
-              <a:latin typeface="Times New Roman" pitchFamily="18" charset="0"/>
-              <a:cs typeface="Times New Roman" pitchFamily="18" charset="0"/>
-            </a:endParaRPr>
-          </a:p>
-          <a:p>
-            <a:endParaRPr lang="ru-RU" sz="1400" dirty="0" smtClean="0">
-              <a:solidFill>
-                <a:schemeClr val="accent5">
-                  <a:lumMod val="50000"/>
-                </a:schemeClr>
-              </a:solidFill>
-              <a:latin typeface="Times New Roman" pitchFamily="18" charset="0"/>
-              <a:cs typeface="Times New Roman" pitchFamily="18" charset="0"/>
-            </a:endParaRPr>
-          </a:p>
-          <a:p>
-            <a:endParaRPr lang="ru-RU" dirty="0"/>
-          </a:p>
-        </p:txBody>
-      </p:sp>
+        </p:txBody>
+      </p:sp>
+      <p:pic>
+        <p:nvPicPr>
+          <p:cNvPr id="13" name="Рисунок 12" descr="git3.png"/>
+          <p:cNvPicPr>
+            <a:picLocks noChangeAspect="1"/>
+          </p:cNvPicPr>
+          <p:nvPr/>
+        </p:nvPicPr>
+        <p:blipFill>
+          <a:blip r:embed="rId5" cstate="print"/>
+          <a:stretch>
+            <a:fillRect/>
+          </a:stretch>
+        </p:blipFill>
+        <p:spPr>
+          <a:xfrm>
+            <a:off x="5143504" y="3714752"/>
+            <a:ext cx="3219899" cy="2900767"/>
+          </a:xfrm>
+          <a:prstGeom prst="rect">
+            <a:avLst/>
+          </a:prstGeom>
+        </p:spPr>
+      </p:pic>
+      <p:pic>
+        <p:nvPicPr>
+          <p:cNvPr id="39" name="Рисунок 38" descr="Git-Logo-2Color.png"/>
+          <p:cNvPicPr>
+            <a:picLocks noChangeAspect="1"/>
+          </p:cNvPicPr>
+          <p:nvPr/>
+        </p:nvPicPr>
+        <p:blipFill>
+          <a:blip r:embed="rId6" cstate="print"/>
+          <a:stretch>
+            <a:fillRect/>
+          </a:stretch>
+        </p:blipFill>
+        <p:spPr>
+          <a:xfrm>
+            <a:off x="3929058" y="1071546"/>
+            <a:ext cx="1357322" cy="566793"/>
+          </a:xfrm>
+          <a:prstGeom prst="rect">
+            <a:avLst/>
+          </a:prstGeom>
+        </p:spPr>
+      </p:pic>
     </p:spTree>
   </p:cSld>
   <p:clrMapOvr>
@@ -4993,8 +4522,8 @@
         </p:nvSpPr>
         <p:spPr>
           <a:xfrm>
-            <a:off x="0" y="642918"/>
-            <a:ext cx="9144000" cy="369332"/>
+            <a:off x="3214678" y="642918"/>
+            <a:ext cx="2685351" cy="369332"/>
           </a:xfrm>
           <a:prstGeom prst="rect">
             <a:avLst/>
@@ -5002,23 +4531,432 @@
           <a:noFill/>
         </p:spPr>
         <p:txBody>
-          <a:bodyPr wrap="square" rtlCol="0">
+          <a:bodyPr wrap="none" rtlCol="0">
             <a:spAutoFit/>
           </a:bodyPr>
           <a:lstStyle/>
           <a:p>
-            <a:pPr algn="ctr"/>
-            <a:r>
-              <a:rPr lang="ru-RU" dirty="0" err="1" smtClean="0">
-                <a:latin typeface="Times New Roman" pitchFamily="18" charset="0"/>
-                <a:cs typeface="Times New Roman" pitchFamily="18" charset="0"/>
-              </a:rPr>
-              <a:t>Прототипирование</a:t>
+            <a:r>
+              <a:rPr lang="ru-RU" dirty="0" smtClean="0">
+                <a:latin typeface="Times New Roman" pitchFamily="18" charset="0"/>
+                <a:cs typeface="Times New Roman" pitchFamily="18" charset="0"/>
+              </a:rPr>
+              <a:t>Инструменты разработки</a:t>
             </a:r>
             <a:endParaRPr lang="ru-RU" dirty="0">
               <a:latin typeface="Times New Roman" pitchFamily="18" charset="0"/>
               <a:cs typeface="Times New Roman" pitchFamily="18" charset="0"/>
             </a:endParaRPr>
+          </a:p>
+        </p:txBody>
+      </p:sp>
+      <p:pic>
+        <p:nvPicPr>
+          <p:cNvPr id="16" name="Рисунок 15" descr="vim-editor_logo.png"/>
+          <p:cNvPicPr>
+            <a:picLocks noChangeAspect="1"/>
+          </p:cNvPicPr>
+          <p:nvPr/>
+        </p:nvPicPr>
+        <p:blipFill>
+          <a:blip r:embed="rId2" cstate="print"/>
+          <a:stretch>
+            <a:fillRect/>
+          </a:stretch>
+        </p:blipFill>
+        <p:spPr>
+          <a:xfrm>
+            <a:off x="4143372" y="1071546"/>
+            <a:ext cx="785818" cy="785818"/>
+          </a:xfrm>
+          <a:prstGeom prst="rect">
+            <a:avLst/>
+          </a:prstGeom>
+        </p:spPr>
+      </p:pic>
+      <p:sp>
+        <p:nvSpPr>
+          <p:cNvPr id="17" name="Содержимое 2"/>
+          <p:cNvSpPr>
+            <a:spLocks noGrp="1"/>
+          </p:cNvSpPr>
+          <p:nvPr>
+            <p:ph idx="1"/>
+          </p:nvPr>
+        </p:nvSpPr>
+        <p:spPr>
+          <a:xfrm>
+            <a:off x="571472" y="1857364"/>
+            <a:ext cx="3929090" cy="1785950"/>
+          </a:xfrm>
+        </p:spPr>
+        <p:txBody>
+          <a:bodyPr>
+            <a:noAutofit/>
+          </a:bodyPr>
+          <a:lstStyle/>
+          <a:p>
+            <a:pPr marL="0" indent="0" algn="just">
+              <a:buNone/>
+              <a:tabLst>
+                <a:tab pos="444500" algn="l"/>
+              </a:tabLst>
+            </a:pPr>
+            <a:r>
+              <a:rPr lang="en-US" sz="1400" b="1" dirty="0" smtClean="0">
+                <a:solidFill>
+                  <a:schemeClr val="accent5">
+                    <a:lumMod val="50000"/>
+                  </a:schemeClr>
+                </a:solidFill>
+                <a:latin typeface="Times New Roman" pitchFamily="18" charset="0"/>
+                <a:cs typeface="Times New Roman" pitchFamily="18" charset="0"/>
+              </a:rPr>
+              <a:t>Vim</a:t>
+            </a:r>
+            <a:r>
+              <a:rPr lang="en-US" sz="1400" dirty="0" smtClean="0">
+                <a:solidFill>
+                  <a:schemeClr val="accent5">
+                    <a:lumMod val="50000"/>
+                  </a:schemeClr>
+                </a:solidFill>
+                <a:latin typeface="Times New Roman" pitchFamily="18" charset="0"/>
+                <a:cs typeface="Times New Roman" pitchFamily="18" charset="0"/>
+              </a:rPr>
+              <a:t> - </a:t>
+            </a:r>
+            <a:r>
+              <a:rPr lang="ru-RU" sz="1400" dirty="0" smtClean="0">
+                <a:solidFill>
+                  <a:schemeClr val="accent5">
+                    <a:lumMod val="50000"/>
+                  </a:schemeClr>
+                </a:solidFill>
+                <a:latin typeface="Times New Roman" pitchFamily="18" charset="0"/>
+                <a:cs typeface="Times New Roman" pitchFamily="18" charset="0"/>
+              </a:rPr>
+              <a:t>текстовый редактор с двумя режимами ввода:</a:t>
+            </a:r>
+          </a:p>
+          <a:p>
+            <a:pPr marL="0" indent="0" algn="just">
+              <a:buBlip>
+                <a:blip r:embed="rId3"/>
+              </a:buBlip>
+              <a:tabLst>
+                <a:tab pos="444500" algn="l"/>
+              </a:tabLst>
+            </a:pPr>
+            <a:r>
+              <a:rPr lang="ru-RU" sz="1400" dirty="0" smtClean="0">
+                <a:solidFill>
+                  <a:schemeClr val="accent5">
+                    <a:lumMod val="50000"/>
+                  </a:schemeClr>
+                </a:solidFill>
+                <a:latin typeface="Times New Roman" pitchFamily="18" charset="0"/>
+                <a:cs typeface="Times New Roman" pitchFamily="18" charset="0"/>
+              </a:rPr>
+              <a:t>Командный (позволяет использовать клавиши клавиатуры не для печати символов, а для различных команд) </a:t>
+            </a:r>
+          </a:p>
+          <a:p>
+            <a:pPr marL="0" indent="0" algn="just">
+              <a:buBlip>
+                <a:blip r:embed="rId3"/>
+              </a:buBlip>
+              <a:tabLst>
+                <a:tab pos="444500" algn="l"/>
+              </a:tabLst>
+            </a:pPr>
+            <a:r>
+              <a:rPr lang="ru-RU" sz="1400" dirty="0" smtClean="0">
+                <a:solidFill>
+                  <a:schemeClr val="accent5">
+                    <a:lumMod val="50000"/>
+                  </a:schemeClr>
+                </a:solidFill>
+                <a:latin typeface="Times New Roman" pitchFamily="18" charset="0"/>
+                <a:cs typeface="Times New Roman" pitchFamily="18" charset="0"/>
+              </a:rPr>
+              <a:t>Текстовый (режим непосредственного редактирования текста, аналогичный большинству «обычных» редакторов).</a:t>
+            </a:r>
+            <a:endParaRPr lang="ru-RU" sz="1400" dirty="0">
+              <a:solidFill>
+                <a:schemeClr val="accent5">
+                  <a:lumMod val="50000"/>
+                </a:schemeClr>
+              </a:solidFill>
+              <a:latin typeface="Times New Roman" pitchFamily="18" charset="0"/>
+              <a:cs typeface="Times New Roman" pitchFamily="18" charset="0"/>
+            </a:endParaRPr>
+          </a:p>
+        </p:txBody>
+      </p:sp>
+      <p:pic>
+        <p:nvPicPr>
+          <p:cNvPr id="18" name="Рисунок 17" descr="macvim.png"/>
+          <p:cNvPicPr>
+            <a:picLocks noChangeAspect="1"/>
+          </p:cNvPicPr>
+          <p:nvPr/>
+        </p:nvPicPr>
+        <p:blipFill>
+          <a:blip r:embed="rId4" cstate="print"/>
+          <a:stretch>
+            <a:fillRect/>
+          </a:stretch>
+        </p:blipFill>
+        <p:spPr>
+          <a:xfrm>
+            <a:off x="5286380" y="2928934"/>
+            <a:ext cx="3571880" cy="2190753"/>
+          </a:xfrm>
+          <a:prstGeom prst="rect">
+            <a:avLst/>
+          </a:prstGeom>
+        </p:spPr>
+      </p:pic>
+      <p:sp>
+        <p:nvSpPr>
+          <p:cNvPr id="20" name="TextBox 19"/>
+          <p:cNvSpPr txBox="1"/>
+          <p:nvPr/>
+        </p:nvSpPr>
+        <p:spPr>
+          <a:xfrm>
+            <a:off x="642910" y="4000504"/>
+            <a:ext cx="4500594" cy="2739211"/>
+          </a:xfrm>
+          <a:prstGeom prst="rect">
+            <a:avLst/>
+          </a:prstGeom>
+          <a:noFill/>
+        </p:spPr>
+        <p:txBody>
+          <a:bodyPr wrap="square" rtlCol="0">
+            <a:spAutoFit/>
+          </a:bodyPr>
+          <a:lstStyle/>
+          <a:p>
+            <a:pPr algn="ctr"/>
+            <a:r>
+              <a:rPr lang="ru-RU" sz="1400" b="1" dirty="0" smtClean="0">
+                <a:solidFill>
+                  <a:schemeClr val="accent5">
+                    <a:lumMod val="50000"/>
+                  </a:schemeClr>
+                </a:solidFill>
+                <a:latin typeface="Times New Roman" pitchFamily="18" charset="0"/>
+                <a:cs typeface="Times New Roman" pitchFamily="18" charset="0"/>
+              </a:rPr>
+              <a:t>Функциональность</a:t>
+            </a:r>
+          </a:p>
+          <a:p>
+            <a:pPr algn="ctr"/>
+            <a:endParaRPr lang="ru-RU" sz="1400" dirty="0" smtClean="0">
+              <a:solidFill>
+                <a:schemeClr val="accent5">
+                  <a:lumMod val="50000"/>
+                </a:schemeClr>
+              </a:solidFill>
+              <a:latin typeface="Times New Roman" pitchFamily="18" charset="0"/>
+              <a:cs typeface="Times New Roman" pitchFamily="18" charset="0"/>
+            </a:endParaRPr>
+          </a:p>
+          <a:p>
+            <a:pPr>
+              <a:buBlip>
+                <a:blip r:embed="rId3"/>
+              </a:buBlip>
+            </a:pPr>
+            <a:r>
+              <a:rPr lang="ru-RU" sz="1400" dirty="0" smtClean="0">
+                <a:solidFill>
+                  <a:schemeClr val="accent5">
+                    <a:lumMod val="50000"/>
+                  </a:schemeClr>
+                </a:solidFill>
+                <a:latin typeface="Times New Roman" pitchFamily="18" charset="0"/>
+                <a:cs typeface="Times New Roman" pitchFamily="18" charset="0"/>
+              </a:rPr>
+              <a:t> Разбиение окон редактирования</a:t>
+            </a:r>
+          </a:p>
+          <a:p>
+            <a:pPr>
+              <a:buBlip>
+                <a:blip r:embed="rId3"/>
+              </a:buBlip>
+            </a:pPr>
+            <a:r>
+              <a:rPr lang="ru-RU" sz="1400" dirty="0" smtClean="0">
+                <a:solidFill>
+                  <a:schemeClr val="accent5">
+                    <a:lumMod val="50000"/>
+                  </a:schemeClr>
+                </a:solidFill>
+                <a:latin typeface="Times New Roman" pitchFamily="18" charset="0"/>
+                <a:cs typeface="Times New Roman" pitchFamily="18" charset="0"/>
+              </a:rPr>
+              <a:t>Неограниченная глубина отмены (</a:t>
+            </a:r>
+            <a:r>
+              <a:rPr lang="en-US" sz="1400" dirty="0" smtClean="0">
+                <a:solidFill>
+                  <a:schemeClr val="accent5">
+                    <a:lumMod val="50000"/>
+                  </a:schemeClr>
+                </a:solidFill>
+                <a:latin typeface="Times New Roman" pitchFamily="18" charset="0"/>
+                <a:cs typeface="Times New Roman" pitchFamily="18" charset="0"/>
+              </a:rPr>
+              <a:t>undo)</a:t>
+            </a:r>
+            <a:endParaRPr lang="ru-RU" sz="1400" dirty="0" smtClean="0">
+              <a:solidFill>
+                <a:schemeClr val="accent5">
+                  <a:lumMod val="50000"/>
+                </a:schemeClr>
+              </a:solidFill>
+              <a:latin typeface="Times New Roman" pitchFamily="18" charset="0"/>
+              <a:cs typeface="Times New Roman" pitchFamily="18" charset="0"/>
+            </a:endParaRPr>
+          </a:p>
+          <a:p>
+            <a:pPr>
+              <a:buBlip>
+                <a:blip r:embed="rId3"/>
+              </a:buBlip>
+            </a:pPr>
+            <a:r>
+              <a:rPr lang="ru-RU" sz="1400" dirty="0" smtClean="0">
+                <a:solidFill>
+                  <a:schemeClr val="accent5">
+                    <a:lumMod val="50000"/>
+                  </a:schemeClr>
+                </a:solidFill>
+                <a:latin typeface="Times New Roman" pitchFamily="18" charset="0"/>
+                <a:cs typeface="Times New Roman" pitchFamily="18" charset="0"/>
+              </a:rPr>
+              <a:t>Режим сравнения двух файлов</a:t>
+            </a:r>
+          </a:p>
+          <a:p>
+            <a:pPr>
+              <a:buBlip>
+                <a:blip r:embed="rId3"/>
+              </a:buBlip>
+            </a:pPr>
+            <a:r>
+              <a:rPr lang="ru-RU" sz="1400" dirty="0" smtClean="0">
+                <a:solidFill>
+                  <a:schemeClr val="accent5">
+                    <a:lumMod val="50000"/>
+                  </a:schemeClr>
+                </a:solidFill>
+                <a:latin typeface="Times New Roman" pitchFamily="18" charset="0"/>
+                <a:cs typeface="Times New Roman" pitchFamily="18" charset="0"/>
+              </a:rPr>
+              <a:t>Подсветка синтаксиса</a:t>
+            </a:r>
+          </a:p>
+          <a:p>
+            <a:pPr>
+              <a:buBlip>
+                <a:blip r:embed="rId3"/>
+              </a:buBlip>
+            </a:pPr>
+            <a:r>
+              <a:rPr lang="ru-RU" sz="1400" dirty="0" smtClean="0">
+                <a:solidFill>
+                  <a:schemeClr val="accent5">
+                    <a:lumMod val="50000"/>
+                  </a:schemeClr>
+                </a:solidFill>
+                <a:latin typeface="Times New Roman" pitchFamily="18" charset="0"/>
+                <a:cs typeface="Times New Roman" pitchFamily="18" charset="0"/>
+              </a:rPr>
+              <a:t>Автоматическое продолжение команд</a:t>
+            </a:r>
+          </a:p>
+          <a:p>
+            <a:pPr>
+              <a:buBlip>
+                <a:blip r:embed="rId3"/>
+              </a:buBlip>
+            </a:pPr>
+            <a:r>
+              <a:rPr lang="ru-RU" sz="1400" dirty="0" smtClean="0">
+                <a:solidFill>
+                  <a:schemeClr val="accent5">
+                    <a:lumMod val="50000"/>
+                  </a:schemeClr>
+                </a:solidFill>
+                <a:latin typeface="Times New Roman" pitchFamily="18" charset="0"/>
+                <a:cs typeface="Times New Roman" pitchFamily="18" charset="0"/>
+              </a:rPr>
+              <a:t>Сворачивание (</a:t>
+            </a:r>
+            <a:r>
+              <a:rPr lang="en-US" sz="1400" dirty="0" smtClean="0">
+                <a:solidFill>
+                  <a:schemeClr val="accent5">
+                    <a:lumMod val="50000"/>
+                  </a:schemeClr>
+                </a:solidFill>
+                <a:latin typeface="Times New Roman" pitchFamily="18" charset="0"/>
+                <a:cs typeface="Times New Roman" pitchFamily="18" charset="0"/>
+              </a:rPr>
+              <a:t>folding) </a:t>
+            </a:r>
+            <a:r>
+              <a:rPr lang="ru-RU" sz="1400" dirty="0" smtClean="0">
+                <a:solidFill>
+                  <a:schemeClr val="accent5">
+                    <a:lumMod val="50000"/>
+                  </a:schemeClr>
+                </a:solidFill>
+                <a:latin typeface="Times New Roman" pitchFamily="18" charset="0"/>
+                <a:cs typeface="Times New Roman" pitchFamily="18" charset="0"/>
+              </a:rPr>
+              <a:t>текста</a:t>
+            </a:r>
+          </a:p>
+          <a:p>
+            <a:pPr>
+              <a:buBlip>
+                <a:blip r:embed="rId3"/>
+              </a:buBlip>
+            </a:pPr>
+            <a:r>
+              <a:rPr lang="ru-RU" sz="1400" dirty="0" smtClean="0">
+                <a:solidFill>
+                  <a:schemeClr val="accent5">
+                    <a:lumMod val="50000"/>
+                  </a:schemeClr>
+                </a:solidFill>
+                <a:latin typeface="Times New Roman" pitchFamily="18" charset="0"/>
+                <a:cs typeface="Times New Roman" pitchFamily="18" charset="0"/>
+              </a:rPr>
+              <a:t>Поддержка цикла разработки «редактирование — компиляция — исправление» программ</a:t>
+            </a:r>
+          </a:p>
+          <a:p>
+            <a:endParaRPr lang="ru-RU" sz="1400" dirty="0" smtClean="0">
+              <a:solidFill>
+                <a:schemeClr val="accent5">
+                  <a:lumMod val="50000"/>
+                </a:schemeClr>
+              </a:solidFill>
+              <a:latin typeface="Times New Roman" pitchFamily="18" charset="0"/>
+              <a:cs typeface="Times New Roman" pitchFamily="18" charset="0"/>
+            </a:endParaRPr>
+          </a:p>
+          <a:p>
+            <a:endParaRPr lang="ru-RU" dirty="0"/>
           </a:p>
         </p:txBody>
       </p:sp>
@@ -5054,6 +4992,85 @@
           <a:chExt cx="0" cy="0"/>
         </a:xfrm>
       </p:grpSpPr>
+      <p:pic>
+        <p:nvPicPr>
+          <p:cNvPr id="1026" name="Picture 2" descr="C:\Documents and Settings\User\diplom_report\chistovik\valgrind\bad-callgraph.tif"/>
+          <p:cNvPicPr>
+            <a:picLocks noChangeAspect="1" noChangeArrowheads="1"/>
+          </p:cNvPicPr>
+          <p:nvPr/>
+        </p:nvPicPr>
+        <p:blipFill>
+          <a:blip r:embed="rId2" cstate="print"/>
+          <a:srcRect/>
+          <a:stretch>
+            <a:fillRect/>
+          </a:stretch>
+        </p:blipFill>
+        <p:spPr bwMode="auto">
+          <a:xfrm>
+            <a:off x="214282" y="1000108"/>
+            <a:ext cx="4000528" cy="5619694"/>
+          </a:xfrm>
+          <a:prstGeom prst="rect">
+            <a:avLst/>
+          </a:prstGeom>
+          <a:noFill/>
+        </p:spPr>
+      </p:pic>
+      <p:sp>
+        <p:nvSpPr>
+          <p:cNvPr id="24" name="Прямоугольник 23"/>
+          <p:cNvSpPr/>
+          <p:nvPr/>
+        </p:nvSpPr>
+        <p:spPr>
+          <a:xfrm>
+            <a:off x="4857752" y="1285860"/>
+            <a:ext cx="4071966" cy="2000264"/>
+          </a:xfrm>
+          <a:prstGeom prst="rect">
+            <a:avLst/>
+          </a:prstGeom>
+          <a:solidFill>
+            <a:schemeClr val="accent1">
+              <a:lumMod val="20000"/>
+              <a:lumOff val="80000"/>
+            </a:schemeClr>
+          </a:solidFill>
+          <a:ln>
+            <a:solidFill>
+              <a:schemeClr val="accent1">
+                <a:lumMod val="50000"/>
+              </a:schemeClr>
+            </a:solidFill>
+          </a:ln>
+        </p:spPr>
+        <p:style>
+          <a:lnRef idx="2">
+            <a:schemeClr val="accent1">
+              <a:shade val="50000"/>
+            </a:schemeClr>
+          </a:lnRef>
+          <a:fillRef idx="1">
+            <a:schemeClr val="accent1"/>
+          </a:fillRef>
+          <a:effectRef idx="0">
+            <a:schemeClr val="accent1"/>
+          </a:effectRef>
+          <a:fontRef idx="minor">
+            <a:schemeClr val="lt1"/>
+          </a:fontRef>
+        </p:style>
+        <p:txBody>
+          <a:bodyPr rtlCol="0" anchor="ctr"/>
+          <a:lstStyle/>
+          <a:p>
+            <a:pPr algn="ctr"/>
+            <a:endParaRPr lang="ru-RU"/>
+          </a:p>
+        </p:txBody>
+      </p:sp>
       <p:sp>
         <p:nvSpPr>
           <p:cNvPr id="2" name="Заголовок 1"/>
@@ -5066,8 +5083,8 @@
         </p:nvSpPr>
         <p:spPr>
           <a:xfrm>
-            <a:off x="0" y="2714620"/>
-            <a:ext cx="9144000" cy="1143000"/>
+            <a:off x="0" y="0"/>
+            <a:ext cx="9144000" cy="714356"/>
           </a:xfrm>
         </p:spPr>
         <p:txBody>
@@ -5077,30 +5094,12 @@
           <a:lstStyle/>
           <a:p>
             <a:r>
-              <a:rPr lang="ru-RU" sz="5000" b="1" dirty="0" smtClean="0">
-                <a:latin typeface="Times New Roman" pitchFamily="18" charset="0"/>
-                <a:cs typeface="Times New Roman" pitchFamily="18" charset="0"/>
-              </a:rPr>
-              <a:t>Спасибо за </a:t>
-            </a:r>
-            <a:r>
-              <a:rPr lang="ru-RU" sz="5000" b="1" dirty="0" smtClean="0">
-                <a:latin typeface="Times New Roman" pitchFamily="18" charset="0"/>
-                <a:cs typeface="Times New Roman" pitchFamily="18" charset="0"/>
-              </a:rPr>
-              <a:t>В</a:t>
-            </a:r>
-            <a:r>
-              <a:rPr lang="ru-RU" sz="5000" b="1" dirty="0" smtClean="0">
-                <a:latin typeface="Times New Roman" pitchFamily="18" charset="0"/>
-                <a:cs typeface="Times New Roman" pitchFamily="18" charset="0"/>
-              </a:rPr>
-              <a:t>нимание</a:t>
-            </a:r>
-            <a:endParaRPr lang="ru-RU" sz="5000" b="1" dirty="0">
-              <a:latin typeface="Times New Roman" pitchFamily="18" charset="0"/>
-              <a:cs typeface="Times New Roman" pitchFamily="18" charset="0"/>
-            </a:endParaRPr>
+              <a:rPr lang="ru-RU" sz="2600" dirty="0" smtClean="0">
+                <a:latin typeface="Times New Roman" pitchFamily="18" charset="0"/>
+                <a:cs typeface="Times New Roman" pitchFamily="18" charset="0"/>
+              </a:rPr>
+              <a:t>Технология разработки библиотеки</a:t>
+            </a:r>
           </a:p>
         </p:txBody>
       </p:sp>
@@ -5123,6 +5122,2097 @@
               <a:rPr lang="ru-RU" smtClean="0"/>
               <a:pPr/>
               <a:t>13</a:t>
+            </a:fld>
+            <a:endParaRPr lang="ru-RU" dirty="0"/>
+          </a:p>
+        </p:txBody>
+      </p:sp>
+      <p:sp>
+        <p:nvSpPr>
+          <p:cNvPr id="9" name="TextBox 8"/>
+          <p:cNvSpPr txBox="1"/>
+          <p:nvPr/>
+        </p:nvSpPr>
+        <p:spPr>
+          <a:xfrm>
+            <a:off x="0" y="642918"/>
+            <a:ext cx="9144000" cy="369332"/>
+          </a:xfrm>
+          <a:prstGeom prst="rect">
+            <a:avLst/>
+          </a:prstGeom>
+          <a:noFill/>
+        </p:spPr>
+        <p:txBody>
+          <a:bodyPr wrap="square" rtlCol="0">
+            <a:spAutoFit/>
+          </a:bodyPr>
+          <a:lstStyle/>
+          <a:p>
+            <a:pPr algn="ctr"/>
+            <a:r>
+              <a:rPr lang="ru-RU" dirty="0" smtClean="0">
+                <a:latin typeface="Times New Roman" pitchFamily="18" charset="0"/>
+                <a:cs typeface="Times New Roman" pitchFamily="18" charset="0"/>
+              </a:rPr>
+              <a:t>Профилирование</a:t>
+            </a:r>
+            <a:endParaRPr lang="ru-RU" dirty="0">
+              <a:latin typeface="Times New Roman" pitchFamily="18" charset="0"/>
+              <a:cs typeface="Times New Roman" pitchFamily="18" charset="0"/>
+            </a:endParaRPr>
+          </a:p>
+        </p:txBody>
+      </p:sp>
+      <p:sp>
+        <p:nvSpPr>
+          <p:cNvPr id="6" name="TextBox 5"/>
+          <p:cNvSpPr txBox="1"/>
+          <p:nvPr/>
+        </p:nvSpPr>
+        <p:spPr>
+          <a:xfrm>
+            <a:off x="5522568" y="1214422"/>
+            <a:ext cx="3378169" cy="646331"/>
+          </a:xfrm>
+          <a:prstGeom prst="rect">
+            <a:avLst/>
+          </a:prstGeom>
+          <a:noFill/>
+        </p:spPr>
+        <p:txBody>
+          <a:bodyPr wrap="none" rtlCol="0">
+            <a:spAutoFit/>
+          </a:bodyPr>
+          <a:lstStyle/>
+          <a:p>
+            <a:pPr algn="r"/>
+            <a:r>
+              <a:rPr lang="ru-RU" dirty="0" smtClean="0">
+                <a:solidFill>
+                  <a:schemeClr val="accent1">
+                    <a:lumMod val="50000"/>
+                  </a:schemeClr>
+                </a:solidFill>
+                <a:latin typeface="Times New Roman" pitchFamily="18" charset="0"/>
+                <a:cs typeface="Times New Roman" pitchFamily="18" charset="0"/>
+              </a:rPr>
+              <a:t>Используемый профилировщик</a:t>
+            </a:r>
+            <a:r>
+              <a:rPr lang="en-US" dirty="0" smtClean="0">
+                <a:solidFill>
+                  <a:schemeClr val="accent1">
+                    <a:lumMod val="50000"/>
+                  </a:schemeClr>
+                </a:solidFill>
+                <a:latin typeface="Times New Roman" pitchFamily="18" charset="0"/>
+                <a:cs typeface="Times New Roman" pitchFamily="18" charset="0"/>
+              </a:rPr>
+              <a:t>:</a:t>
+            </a:r>
+            <a:endParaRPr lang="ru-RU" dirty="0" smtClean="0">
+              <a:solidFill>
+                <a:schemeClr val="accent1">
+                  <a:lumMod val="50000"/>
+                </a:schemeClr>
+              </a:solidFill>
+              <a:latin typeface="Times New Roman" pitchFamily="18" charset="0"/>
+              <a:cs typeface="Times New Roman" pitchFamily="18" charset="0"/>
+            </a:endParaRPr>
+          </a:p>
+          <a:p>
+            <a:pPr algn="r"/>
+            <a:r>
+              <a:rPr lang="en-US" b="1" dirty="0" err="1" smtClean="0">
+                <a:solidFill>
+                  <a:schemeClr val="accent1">
+                    <a:lumMod val="50000"/>
+                  </a:schemeClr>
+                </a:solidFill>
+                <a:latin typeface="Times New Roman" pitchFamily="18" charset="0"/>
+                <a:cs typeface="Times New Roman" pitchFamily="18" charset="0"/>
+              </a:rPr>
+              <a:t>Valgrind</a:t>
+            </a:r>
+            <a:endParaRPr lang="ru-RU" b="1" dirty="0">
+              <a:solidFill>
+                <a:schemeClr val="accent1">
+                  <a:lumMod val="50000"/>
+                </a:schemeClr>
+              </a:solidFill>
+              <a:latin typeface="Times New Roman" pitchFamily="18" charset="0"/>
+              <a:cs typeface="Times New Roman" pitchFamily="18" charset="0"/>
+            </a:endParaRPr>
+          </a:p>
+        </p:txBody>
+      </p:sp>
+      <p:sp>
+        <p:nvSpPr>
+          <p:cNvPr id="7" name="TextBox 6"/>
+          <p:cNvSpPr txBox="1"/>
+          <p:nvPr/>
+        </p:nvSpPr>
+        <p:spPr>
+          <a:xfrm>
+            <a:off x="6572264" y="1785926"/>
+            <a:ext cx="2357454" cy="646331"/>
+          </a:xfrm>
+          <a:prstGeom prst="rect">
+            <a:avLst/>
+          </a:prstGeom>
+          <a:noFill/>
+        </p:spPr>
+        <p:txBody>
+          <a:bodyPr wrap="square" rtlCol="0">
+            <a:spAutoFit/>
+          </a:bodyPr>
+          <a:lstStyle/>
+          <a:p>
+            <a:pPr algn="r"/>
+            <a:r>
+              <a:rPr lang="ru-RU" dirty="0" smtClean="0">
+                <a:solidFill>
+                  <a:schemeClr val="accent1">
+                    <a:lumMod val="50000"/>
+                  </a:schemeClr>
+                </a:solidFill>
+                <a:latin typeface="Times New Roman" pitchFamily="18" charset="0"/>
+                <a:cs typeface="Times New Roman" pitchFamily="18" charset="0"/>
+              </a:rPr>
+              <a:t>Инструмент:</a:t>
+            </a:r>
+          </a:p>
+          <a:p>
+            <a:pPr algn="r"/>
+            <a:r>
+              <a:rPr lang="en-US" b="1" dirty="0" err="1" smtClean="0">
+                <a:solidFill>
+                  <a:schemeClr val="accent1">
+                    <a:lumMod val="50000"/>
+                  </a:schemeClr>
+                </a:solidFill>
+                <a:latin typeface="Times New Roman" pitchFamily="18" charset="0"/>
+                <a:cs typeface="Times New Roman" pitchFamily="18" charset="0"/>
+              </a:rPr>
+              <a:t>Callgrind</a:t>
+            </a:r>
+            <a:endParaRPr lang="ru-RU" b="1" dirty="0" smtClean="0">
+              <a:solidFill>
+                <a:schemeClr val="accent1">
+                  <a:lumMod val="50000"/>
+                </a:schemeClr>
+              </a:solidFill>
+              <a:latin typeface="Times New Roman" pitchFamily="18" charset="0"/>
+              <a:cs typeface="Times New Roman" pitchFamily="18" charset="0"/>
+            </a:endParaRPr>
+          </a:p>
+        </p:txBody>
+      </p:sp>
+      <p:sp>
+        <p:nvSpPr>
+          <p:cNvPr id="8" name="TextBox 7"/>
+          <p:cNvSpPr txBox="1"/>
+          <p:nvPr/>
+        </p:nvSpPr>
+        <p:spPr>
+          <a:xfrm>
+            <a:off x="4572000" y="2357430"/>
+            <a:ext cx="4304344" cy="923330"/>
+          </a:xfrm>
+          <a:prstGeom prst="rect">
+            <a:avLst/>
+          </a:prstGeom>
+          <a:noFill/>
+        </p:spPr>
+        <p:txBody>
+          <a:bodyPr wrap="square" rtlCol="0">
+            <a:spAutoFit/>
+          </a:bodyPr>
+          <a:lstStyle/>
+          <a:p>
+            <a:pPr algn="r"/>
+            <a:r>
+              <a:rPr lang="ru-RU" dirty="0" smtClean="0">
+                <a:solidFill>
+                  <a:schemeClr val="accent1">
+                    <a:lumMod val="50000"/>
+                  </a:schemeClr>
+                </a:solidFill>
+                <a:latin typeface="Times New Roman" pitchFamily="18" charset="0"/>
+                <a:cs typeface="Times New Roman" pitchFamily="18" charset="0"/>
+              </a:rPr>
+              <a:t>Визуальный инструмент для просмотра</a:t>
+            </a:r>
+          </a:p>
+          <a:p>
+            <a:pPr algn="r"/>
+            <a:r>
+              <a:rPr lang="ru-RU" dirty="0" smtClean="0">
+                <a:solidFill>
+                  <a:schemeClr val="accent1">
+                    <a:lumMod val="50000"/>
+                  </a:schemeClr>
+                </a:solidFill>
+                <a:latin typeface="Times New Roman" pitchFamily="18" charset="0"/>
+                <a:cs typeface="Times New Roman" pitchFamily="18" charset="0"/>
+              </a:rPr>
+              <a:t> данных профилирования:</a:t>
+            </a:r>
+          </a:p>
+          <a:p>
+            <a:pPr algn="r"/>
+            <a:r>
+              <a:rPr lang="en-US" b="1" dirty="0" err="1" smtClean="0">
+                <a:solidFill>
+                  <a:schemeClr val="accent1">
+                    <a:lumMod val="50000"/>
+                  </a:schemeClr>
+                </a:solidFill>
+                <a:latin typeface="Times New Roman" pitchFamily="18" charset="0"/>
+                <a:cs typeface="Times New Roman" pitchFamily="18" charset="0"/>
+              </a:rPr>
+              <a:t>KCachegrind</a:t>
+            </a:r>
+            <a:r>
+              <a:rPr lang="en-US" b="1" dirty="0" smtClean="0">
+                <a:solidFill>
+                  <a:schemeClr val="accent1">
+                    <a:lumMod val="50000"/>
+                  </a:schemeClr>
+                </a:solidFill>
+                <a:latin typeface="Times New Roman" pitchFamily="18" charset="0"/>
+                <a:cs typeface="Times New Roman" pitchFamily="18" charset="0"/>
+              </a:rPr>
+              <a:t> </a:t>
+            </a:r>
+            <a:endParaRPr lang="ru-RU" b="1" dirty="0" smtClean="0">
+              <a:solidFill>
+                <a:schemeClr val="accent1">
+                  <a:lumMod val="50000"/>
+                </a:schemeClr>
+              </a:solidFill>
+              <a:latin typeface="Times New Roman" pitchFamily="18" charset="0"/>
+              <a:cs typeface="Times New Roman" pitchFamily="18" charset="0"/>
+            </a:endParaRPr>
+          </a:p>
+        </p:txBody>
+      </p:sp>
+      <p:sp>
+        <p:nvSpPr>
+          <p:cNvPr id="10" name="TextBox 9"/>
+          <p:cNvSpPr txBox="1"/>
+          <p:nvPr/>
+        </p:nvSpPr>
+        <p:spPr>
+          <a:xfrm>
+            <a:off x="5489088" y="3733388"/>
+            <a:ext cx="2809295" cy="369332"/>
+          </a:xfrm>
+          <a:prstGeom prst="rect">
+            <a:avLst/>
+          </a:prstGeom>
+          <a:solidFill>
+            <a:schemeClr val="accent1">
+              <a:lumMod val="20000"/>
+              <a:lumOff val="80000"/>
+            </a:schemeClr>
+          </a:solidFill>
+          <a:ln>
+            <a:solidFill>
+              <a:schemeClr val="accent1">
+                <a:lumMod val="50000"/>
+              </a:schemeClr>
+            </a:solidFill>
+          </a:ln>
+        </p:spPr>
+        <p:style>
+          <a:lnRef idx="2">
+            <a:schemeClr val="accent1"/>
+          </a:lnRef>
+          <a:fillRef idx="1">
+            <a:schemeClr val="lt1"/>
+          </a:fillRef>
+          <a:effectRef idx="0">
+            <a:schemeClr val="accent1"/>
+          </a:effectRef>
+          <a:fontRef idx="minor">
+            <a:schemeClr val="dk1"/>
+          </a:fontRef>
+        </p:style>
+        <p:txBody>
+          <a:bodyPr wrap="none" rtlCol="0">
+            <a:spAutoFit/>
+          </a:bodyPr>
+          <a:lstStyle/>
+          <a:p>
+            <a:pPr algn="ctr"/>
+            <a:r>
+              <a:rPr lang="ru-RU" dirty="0" smtClean="0">
+                <a:solidFill>
+                  <a:schemeClr val="accent1">
+                    <a:lumMod val="50000"/>
+                  </a:schemeClr>
+                </a:solidFill>
+                <a:latin typeface="Times New Roman" pitchFamily="18" charset="0"/>
+                <a:cs typeface="Times New Roman" pitchFamily="18" charset="0"/>
+              </a:rPr>
+              <a:t>Имя вызываемой функции</a:t>
+            </a:r>
+          </a:p>
+        </p:txBody>
+      </p:sp>
+      <p:sp>
+        <p:nvSpPr>
+          <p:cNvPr id="11" name="TextBox 10"/>
+          <p:cNvSpPr txBox="1"/>
+          <p:nvPr/>
+        </p:nvSpPr>
+        <p:spPr>
+          <a:xfrm>
+            <a:off x="5233730" y="4549984"/>
+            <a:ext cx="3320011" cy="646331"/>
+          </a:xfrm>
+          <a:prstGeom prst="rect">
+            <a:avLst/>
+          </a:prstGeom>
+          <a:solidFill>
+            <a:schemeClr val="accent1">
+              <a:lumMod val="20000"/>
+              <a:lumOff val="80000"/>
+            </a:schemeClr>
+          </a:solidFill>
+          <a:ln>
+            <a:solidFill>
+              <a:schemeClr val="accent1">
+                <a:lumMod val="50000"/>
+              </a:schemeClr>
+            </a:solidFill>
+          </a:ln>
+        </p:spPr>
+        <p:style>
+          <a:lnRef idx="2">
+            <a:schemeClr val="accent1"/>
+          </a:lnRef>
+          <a:fillRef idx="1">
+            <a:schemeClr val="lt1"/>
+          </a:fillRef>
+          <a:effectRef idx="0">
+            <a:schemeClr val="accent1"/>
+          </a:effectRef>
+          <a:fontRef idx="minor">
+            <a:schemeClr val="dk1"/>
+          </a:fontRef>
+        </p:style>
+        <p:txBody>
+          <a:bodyPr wrap="none" rtlCol="0">
+            <a:spAutoFit/>
+          </a:bodyPr>
+          <a:lstStyle/>
+          <a:p>
+            <a:pPr algn="ctr"/>
+            <a:r>
+              <a:rPr lang="ru-RU" dirty="0" smtClean="0">
+                <a:solidFill>
+                  <a:schemeClr val="accent1">
+                    <a:lumMod val="50000"/>
+                  </a:schemeClr>
+                </a:solidFill>
+                <a:latin typeface="Times New Roman" pitchFamily="18" charset="0"/>
+                <a:cs typeface="Times New Roman" pitchFamily="18" charset="0"/>
+              </a:rPr>
+              <a:t>Число процессорных операций,</a:t>
+            </a:r>
+          </a:p>
+          <a:p>
+            <a:pPr algn="ctr"/>
+            <a:r>
+              <a:rPr lang="ru-RU" dirty="0" smtClean="0">
+                <a:solidFill>
+                  <a:schemeClr val="accent1">
+                    <a:lumMod val="50000"/>
+                  </a:schemeClr>
+                </a:solidFill>
+                <a:latin typeface="Times New Roman" pitchFamily="18" charset="0"/>
+                <a:cs typeface="Times New Roman" pitchFamily="18" charset="0"/>
+              </a:rPr>
+              <a:t>потраченных на выполнение</a:t>
+            </a:r>
+          </a:p>
+        </p:txBody>
+      </p:sp>
+      <p:sp>
+        <p:nvSpPr>
+          <p:cNvPr id="12" name="TextBox 11"/>
+          <p:cNvSpPr txBox="1"/>
+          <p:nvPr/>
+        </p:nvSpPr>
+        <p:spPr>
+          <a:xfrm>
+            <a:off x="5345523" y="5643578"/>
+            <a:ext cx="3096425" cy="369332"/>
+          </a:xfrm>
+          <a:prstGeom prst="rect">
+            <a:avLst/>
+          </a:prstGeom>
+          <a:solidFill>
+            <a:schemeClr val="accent1">
+              <a:lumMod val="20000"/>
+              <a:lumOff val="80000"/>
+            </a:schemeClr>
+          </a:solidFill>
+          <a:ln>
+            <a:solidFill>
+              <a:schemeClr val="accent1">
+                <a:lumMod val="50000"/>
+              </a:schemeClr>
+            </a:solidFill>
+          </a:ln>
+        </p:spPr>
+        <p:style>
+          <a:lnRef idx="2">
+            <a:schemeClr val="accent1"/>
+          </a:lnRef>
+          <a:fillRef idx="1">
+            <a:schemeClr val="lt1"/>
+          </a:fillRef>
+          <a:effectRef idx="0">
+            <a:schemeClr val="accent1"/>
+          </a:effectRef>
+          <a:fontRef idx="minor">
+            <a:schemeClr val="dk1"/>
+          </a:fontRef>
+        </p:style>
+        <p:txBody>
+          <a:bodyPr wrap="none" rtlCol="0">
+            <a:spAutoFit/>
+          </a:bodyPr>
+          <a:lstStyle/>
+          <a:p>
+            <a:pPr algn="ctr"/>
+            <a:r>
+              <a:rPr lang="ru-RU" dirty="0" smtClean="0">
+                <a:solidFill>
+                  <a:schemeClr val="accent1">
+                    <a:lumMod val="50000"/>
+                  </a:schemeClr>
+                </a:solidFill>
+                <a:latin typeface="Times New Roman" pitchFamily="18" charset="0"/>
+                <a:cs typeface="Times New Roman" pitchFamily="18" charset="0"/>
+              </a:rPr>
+              <a:t>Количество вызовов функций</a:t>
+            </a:r>
+          </a:p>
+        </p:txBody>
+      </p:sp>
+      <p:cxnSp>
+        <p:nvCxnSpPr>
+          <p:cNvPr id="14" name="Скругленная соединительная линия 13"/>
+          <p:cNvCxnSpPr>
+            <a:stCxn id="10" idx="1"/>
+          </p:cNvCxnSpPr>
+          <p:nvPr/>
+        </p:nvCxnSpPr>
+        <p:spPr>
+          <a:xfrm rot="10800000">
+            <a:off x="4071934" y="3357562"/>
+            <a:ext cx="1417154" cy="541856"/>
+          </a:xfrm>
+          <a:prstGeom prst="bentConnector3">
+            <a:avLst>
+              <a:gd name="adj1" fmla="val 50000"/>
+            </a:avLst>
+          </a:prstGeom>
+          <a:ln w="38100" cmpd="sng">
+            <a:solidFill>
+              <a:schemeClr val="accent1">
+                <a:lumMod val="50000"/>
+              </a:schemeClr>
+            </a:solidFill>
+            <a:tailEnd type="arrow"/>
+          </a:ln>
+          <a:scene3d>
+            <a:camera prst="orthographicFront">
+              <a:rot lat="0" lon="21599963" rev="0"/>
+            </a:camera>
+            <a:lightRig rig="threePt" dir="t"/>
+          </a:scene3d>
+        </p:spPr>
+        <p:style>
+          <a:lnRef idx="1">
+            <a:schemeClr val="accent1"/>
+          </a:lnRef>
+          <a:fillRef idx="0">
+            <a:schemeClr val="accent1"/>
+          </a:fillRef>
+          <a:effectRef idx="0">
+            <a:schemeClr val="accent1"/>
+          </a:effectRef>
+          <a:fontRef idx="minor">
+            <a:schemeClr val="tx1"/>
+          </a:fontRef>
+        </p:style>
+      </p:cxnSp>
+      <p:cxnSp>
+        <p:nvCxnSpPr>
+          <p:cNvPr id="16" name="Скругленная соединительная линия 13"/>
+          <p:cNvCxnSpPr>
+            <a:stCxn id="11" idx="1"/>
+          </p:cNvCxnSpPr>
+          <p:nvPr/>
+        </p:nvCxnSpPr>
+        <p:spPr>
+          <a:xfrm rot="10800000">
+            <a:off x="4006392" y="4232638"/>
+            <a:ext cx="1227338" cy="631195"/>
+          </a:xfrm>
+          <a:prstGeom prst="bentConnector3">
+            <a:avLst>
+              <a:gd name="adj1" fmla="val 50000"/>
+            </a:avLst>
+          </a:prstGeom>
+          <a:ln w="38100" cmpd="sng">
+            <a:solidFill>
+              <a:schemeClr val="accent1">
+                <a:lumMod val="50000"/>
+              </a:schemeClr>
+            </a:solidFill>
+            <a:tailEnd type="arrow"/>
+          </a:ln>
+          <a:scene3d>
+            <a:camera prst="orthographicFront">
+              <a:rot lat="0" lon="21599963" rev="0"/>
+            </a:camera>
+            <a:lightRig rig="threePt" dir="t"/>
+          </a:scene3d>
+        </p:spPr>
+        <p:style>
+          <a:lnRef idx="1">
+            <a:schemeClr val="accent1"/>
+          </a:lnRef>
+          <a:fillRef idx="0">
+            <a:schemeClr val="accent1"/>
+          </a:fillRef>
+          <a:effectRef idx="0">
+            <a:schemeClr val="accent1"/>
+          </a:effectRef>
+          <a:fontRef idx="minor">
+            <a:schemeClr val="tx1"/>
+          </a:fontRef>
+        </p:style>
+      </p:cxnSp>
+      <p:cxnSp>
+        <p:nvCxnSpPr>
+          <p:cNvPr id="19" name="Скругленная соединительная линия 13"/>
+          <p:cNvCxnSpPr>
+            <a:stCxn id="12" idx="1"/>
+          </p:cNvCxnSpPr>
+          <p:nvPr/>
+        </p:nvCxnSpPr>
+        <p:spPr>
+          <a:xfrm rot="10800000">
+            <a:off x="3786183" y="5286388"/>
+            <a:ext cx="1559341" cy="541856"/>
+          </a:xfrm>
+          <a:prstGeom prst="bentConnector3">
+            <a:avLst>
+              <a:gd name="adj1" fmla="val 50000"/>
+            </a:avLst>
+          </a:prstGeom>
+          <a:ln w="38100" cmpd="sng">
+            <a:solidFill>
+              <a:schemeClr val="accent1">
+                <a:lumMod val="50000"/>
+              </a:schemeClr>
+            </a:solidFill>
+            <a:tailEnd type="arrow"/>
+          </a:ln>
+          <a:scene3d>
+            <a:camera prst="orthographicFront">
+              <a:rot lat="0" lon="21599963" rev="0"/>
+            </a:camera>
+            <a:lightRig rig="threePt" dir="t"/>
+          </a:scene3d>
+        </p:spPr>
+        <p:style>
+          <a:lnRef idx="1">
+            <a:schemeClr val="accent1"/>
+          </a:lnRef>
+          <a:fillRef idx="0">
+            <a:schemeClr val="accent1"/>
+          </a:fillRef>
+          <a:effectRef idx="0">
+            <a:schemeClr val="accent1"/>
+          </a:effectRef>
+          <a:fontRef idx="minor">
+            <a:schemeClr val="tx1"/>
+          </a:fontRef>
+        </p:style>
+      </p:cxnSp>
+    </p:spTree>
+  </p:cSld>
+  <p:clrMapOvr>
+    <a:masterClrMapping/>
+  </p:clrMapOvr>
+  <p:timing>
+    <p:tnLst>
+      <p:par>
+        <p:cTn id="1" dur="indefinite" restart="never" nodeType="tmRoot"/>
+      </p:par>
+    </p:tnLst>
+  </p:timing>
+</p:sld>
+</file>
+
+<file path=ppt/slides/slide14.xml><?xml version="1.0" encoding="utf-8"?>
+<p:sld xmlns:a="http://schemas.openxmlformats.org/drawingml/2006/main" xmlns:r="http://schemas.openxmlformats.org/officeDocument/2006/relationships" xmlns:p="http://schemas.openxmlformats.org/presentationml/2006/main">
+  <p:cSld>
+    <p:spTree>
+      <p:nvGrpSpPr>
+        <p:cNvPr id="1" name=""/>
+        <p:cNvGrpSpPr/>
+        <p:nvPr/>
+      </p:nvGrpSpPr>
+      <p:grpSpPr>
+        <a:xfrm>
+          <a:off x="0" y="0"/>
+          <a:ext cx="0" cy="0"/>
+          <a:chOff x="0" y="0"/>
+          <a:chExt cx="0" cy="0"/>
+        </a:xfrm>
+      </p:grpSpPr>
+      <p:pic>
+        <p:nvPicPr>
+          <p:cNvPr id="1026" name="Picture 2" descr="C:\Documents and Settings\User\diplom_report\chistovik\valgrind\bad-callgraph.tif"/>
+          <p:cNvPicPr>
+            <a:picLocks noChangeAspect="1" noChangeArrowheads="1"/>
+          </p:cNvPicPr>
+          <p:nvPr/>
+        </p:nvPicPr>
+        <p:blipFill>
+          <a:blip r:embed="rId2" cstate="print"/>
+          <a:srcRect/>
+          <a:stretch>
+            <a:fillRect/>
+          </a:stretch>
+        </p:blipFill>
+        <p:spPr bwMode="auto">
+          <a:xfrm>
+            <a:off x="71406" y="1500174"/>
+            <a:ext cx="3071834" cy="4315122"/>
+          </a:xfrm>
+          <a:prstGeom prst="rect">
+            <a:avLst/>
+          </a:prstGeom>
+          <a:noFill/>
+        </p:spPr>
+      </p:pic>
+      <p:sp>
+        <p:nvSpPr>
+          <p:cNvPr id="2" name="Заголовок 1"/>
+          <p:cNvSpPr>
+            <a:spLocks noGrp="1"/>
+          </p:cNvSpPr>
+          <p:nvPr>
+            <p:ph type="title"/>
+          </p:nvPr>
+        </p:nvSpPr>
+        <p:spPr>
+          <a:xfrm>
+            <a:off x="0" y="0"/>
+            <a:ext cx="9144000" cy="714356"/>
+          </a:xfrm>
+        </p:spPr>
+        <p:txBody>
+          <a:bodyPr>
+            <a:normAutofit/>
+          </a:bodyPr>
+          <a:lstStyle/>
+          <a:p>
+            <a:r>
+              <a:rPr lang="ru-RU" sz="2600" dirty="0" smtClean="0">
+                <a:latin typeface="Times New Roman" pitchFamily="18" charset="0"/>
+                <a:cs typeface="Times New Roman" pitchFamily="18" charset="0"/>
+              </a:rPr>
+              <a:t>Технология разработки библиотеки</a:t>
+            </a:r>
+          </a:p>
+        </p:txBody>
+      </p:sp>
+      <p:sp>
+        <p:nvSpPr>
+          <p:cNvPr id="4" name="Номер слайда 3"/>
+          <p:cNvSpPr>
+            <a:spLocks noGrp="1"/>
+          </p:cNvSpPr>
+          <p:nvPr>
+            <p:ph type="sldNum" sz="quarter" idx="12"/>
+          </p:nvPr>
+        </p:nvSpPr>
+        <p:spPr/>
+        <p:txBody>
+          <a:bodyPr/>
+          <a:lstStyle/>
+          <a:p>
+            <a:fld id="{F2BB55FB-146C-47F1-A3F4-E5E9F11C5D2A}" type="slidenum">
+              <a:rPr lang="ru-RU" smtClean="0"/>
+              <a:pPr/>
+              <a:t>14</a:t>
+            </a:fld>
+            <a:endParaRPr lang="ru-RU" dirty="0"/>
+          </a:p>
+        </p:txBody>
+      </p:sp>
+      <p:sp>
+        <p:nvSpPr>
+          <p:cNvPr id="9" name="TextBox 8"/>
+          <p:cNvSpPr txBox="1"/>
+          <p:nvPr/>
+        </p:nvSpPr>
+        <p:spPr>
+          <a:xfrm>
+            <a:off x="0" y="642918"/>
+            <a:ext cx="9144000" cy="369332"/>
+          </a:xfrm>
+          <a:prstGeom prst="rect">
+            <a:avLst/>
+          </a:prstGeom>
+          <a:noFill/>
+        </p:spPr>
+        <p:txBody>
+          <a:bodyPr wrap="square" rtlCol="0">
+            <a:spAutoFit/>
+          </a:bodyPr>
+          <a:lstStyle/>
+          <a:p>
+            <a:pPr algn="ctr"/>
+            <a:r>
+              <a:rPr lang="ru-RU" dirty="0" smtClean="0">
+                <a:latin typeface="Times New Roman" pitchFamily="18" charset="0"/>
+                <a:cs typeface="Times New Roman" pitchFamily="18" charset="0"/>
+              </a:rPr>
+              <a:t>Оптимизация по результатам профилировки</a:t>
+            </a:r>
+            <a:endParaRPr lang="ru-RU" dirty="0">
+              <a:latin typeface="Times New Roman" pitchFamily="18" charset="0"/>
+              <a:cs typeface="Times New Roman" pitchFamily="18" charset="0"/>
+            </a:endParaRPr>
+          </a:p>
+        </p:txBody>
+      </p:sp>
+      <p:pic>
+        <p:nvPicPr>
+          <p:cNvPr id="18" name="Рисунок 17" descr="good-callgraph (2).tif"/>
+          <p:cNvPicPr/>
+          <p:nvPr/>
+        </p:nvPicPr>
+        <p:blipFill>
+          <a:blip r:embed="rId3" cstate="print"/>
+          <a:stretch>
+            <a:fillRect/>
+          </a:stretch>
+        </p:blipFill>
+        <p:spPr>
+          <a:xfrm>
+            <a:off x="5570286" y="1512873"/>
+            <a:ext cx="3546037" cy="4472291"/>
+          </a:xfrm>
+          <a:prstGeom prst="rect">
+            <a:avLst/>
+          </a:prstGeom>
+        </p:spPr>
+      </p:pic>
+      <p:sp>
+        <p:nvSpPr>
+          <p:cNvPr id="20" name="TextBox 19"/>
+          <p:cNvSpPr txBox="1"/>
+          <p:nvPr/>
+        </p:nvSpPr>
+        <p:spPr>
+          <a:xfrm>
+            <a:off x="1571604" y="1000108"/>
+            <a:ext cx="458780" cy="369332"/>
+          </a:xfrm>
+          <a:prstGeom prst="rect">
+            <a:avLst/>
+          </a:prstGeom>
+          <a:noFill/>
+        </p:spPr>
+        <p:txBody>
+          <a:bodyPr wrap="none" rtlCol="0">
+            <a:spAutoFit/>
+          </a:bodyPr>
+          <a:lstStyle/>
+          <a:p>
+            <a:r>
+              <a:rPr lang="ru-RU" b="1" dirty="0" smtClean="0">
+                <a:solidFill>
+                  <a:schemeClr val="accent1">
+                    <a:lumMod val="50000"/>
+                  </a:schemeClr>
+                </a:solidFill>
+                <a:latin typeface="Times New Roman" pitchFamily="18" charset="0"/>
+                <a:cs typeface="Times New Roman" pitchFamily="18" charset="0"/>
+              </a:rPr>
+              <a:t>До</a:t>
+            </a:r>
+          </a:p>
+        </p:txBody>
+      </p:sp>
+      <p:sp>
+        <p:nvSpPr>
+          <p:cNvPr id="21" name="TextBox 20"/>
+          <p:cNvSpPr txBox="1"/>
+          <p:nvPr/>
+        </p:nvSpPr>
+        <p:spPr>
+          <a:xfrm>
+            <a:off x="6000760" y="1071546"/>
+            <a:ext cx="814647" cy="369332"/>
+          </a:xfrm>
+          <a:prstGeom prst="rect">
+            <a:avLst/>
+          </a:prstGeom>
+          <a:noFill/>
+        </p:spPr>
+        <p:txBody>
+          <a:bodyPr wrap="none" rtlCol="0">
+            <a:spAutoFit/>
+          </a:bodyPr>
+          <a:lstStyle/>
+          <a:p>
+            <a:r>
+              <a:rPr lang="ru-RU" b="1" dirty="0" smtClean="0">
+                <a:solidFill>
+                  <a:schemeClr val="accent1">
+                    <a:lumMod val="50000"/>
+                  </a:schemeClr>
+                </a:solidFill>
+                <a:latin typeface="Times New Roman" pitchFamily="18" charset="0"/>
+                <a:cs typeface="Times New Roman" pitchFamily="18" charset="0"/>
+              </a:rPr>
+              <a:t>После</a:t>
+            </a:r>
+          </a:p>
+        </p:txBody>
+      </p:sp>
+      <p:sp>
+        <p:nvSpPr>
+          <p:cNvPr id="22" name="TextBox 21"/>
+          <p:cNvSpPr txBox="1"/>
+          <p:nvPr/>
+        </p:nvSpPr>
+        <p:spPr>
+          <a:xfrm>
+            <a:off x="3071802" y="2005321"/>
+            <a:ext cx="3102131" cy="2923877"/>
+          </a:xfrm>
+          <a:prstGeom prst="rect">
+            <a:avLst/>
+          </a:prstGeom>
+          <a:noFill/>
+        </p:spPr>
+        <p:txBody>
+          <a:bodyPr wrap="none" rtlCol="0">
+            <a:spAutoFit/>
+          </a:bodyPr>
+          <a:lstStyle/>
+          <a:p>
+            <a:r>
+              <a:rPr lang="en-US" sz="800" dirty="0" err="1" smtClean="0">
+                <a:latin typeface="Consolas" pitchFamily="49" charset="0"/>
+              </a:rPr>
+              <a:t>int</a:t>
+            </a:r>
+            <a:r>
+              <a:rPr lang="en-US" sz="800" dirty="0" smtClean="0">
+                <a:latin typeface="Consolas" pitchFamily="49" charset="0"/>
+              </a:rPr>
+              <a:t> </a:t>
+            </a:r>
+            <a:r>
+              <a:rPr lang="en-US" sz="800" dirty="0" err="1" smtClean="0">
+                <a:latin typeface="Consolas" pitchFamily="49" charset="0"/>
+              </a:rPr>
+              <a:t>drawLine</a:t>
+            </a:r>
+            <a:r>
+              <a:rPr lang="en-US" sz="800" dirty="0" smtClean="0">
+                <a:latin typeface="Consolas" pitchFamily="49" charset="0"/>
+              </a:rPr>
+              <a:t>( </a:t>
+            </a:r>
+            <a:r>
+              <a:rPr lang="en-US" sz="800" dirty="0" err="1" smtClean="0">
+                <a:latin typeface="Consolas" pitchFamily="49" charset="0"/>
+              </a:rPr>
+              <a:t>int</a:t>
+            </a:r>
+            <a:r>
+              <a:rPr lang="en-US" sz="800" dirty="0" smtClean="0">
+                <a:latin typeface="Consolas" pitchFamily="49" charset="0"/>
+              </a:rPr>
+              <a:t> </a:t>
+            </a:r>
+            <a:r>
+              <a:rPr lang="en-US" sz="800" dirty="0" err="1" smtClean="0">
+                <a:latin typeface="Consolas" pitchFamily="49" charset="0"/>
+              </a:rPr>
+              <a:t>lenColCon</a:t>
+            </a:r>
+            <a:r>
+              <a:rPr lang="en-US" sz="800" dirty="0" smtClean="0">
+                <a:latin typeface="Consolas" pitchFamily="49" charset="0"/>
+              </a:rPr>
+              <a:t> )</a:t>
+            </a:r>
+            <a:endParaRPr lang="ru-RU" sz="800" dirty="0" smtClean="0">
+              <a:latin typeface="Consolas" pitchFamily="49" charset="0"/>
+            </a:endParaRPr>
+          </a:p>
+          <a:p>
+            <a:r>
+              <a:rPr lang="en-US" sz="800" dirty="0" smtClean="0">
+                <a:latin typeface="Consolas" pitchFamily="49" charset="0"/>
+              </a:rPr>
+              <a:t> {</a:t>
+            </a:r>
+            <a:endParaRPr lang="ru-RU" sz="800" dirty="0" smtClean="0">
+              <a:latin typeface="Consolas" pitchFamily="49" charset="0"/>
+            </a:endParaRPr>
+          </a:p>
+          <a:p>
+            <a:endParaRPr lang="ru-RU" sz="800" dirty="0" smtClean="0">
+              <a:latin typeface="Consolas" pitchFamily="49" charset="0"/>
+            </a:endParaRPr>
+          </a:p>
+          <a:p>
+            <a:r>
+              <a:rPr lang="en-US" sz="800" b="1" dirty="0" smtClean="0">
+                <a:solidFill>
+                  <a:schemeClr val="accent3">
+                    <a:lumMod val="75000"/>
+                  </a:schemeClr>
+                </a:solidFill>
+                <a:latin typeface="Consolas" pitchFamily="49" charset="0"/>
+              </a:rPr>
+              <a:t>+    char *</a:t>
+            </a:r>
+            <a:r>
+              <a:rPr lang="en-US" sz="800" b="1" dirty="0" err="1" smtClean="0">
+                <a:solidFill>
+                  <a:schemeClr val="accent3">
+                    <a:lumMod val="75000"/>
+                  </a:schemeClr>
+                </a:solidFill>
+                <a:latin typeface="Consolas" pitchFamily="49" charset="0"/>
+              </a:rPr>
+              <a:t>pLine</a:t>
+            </a:r>
+            <a:r>
+              <a:rPr lang="en-US" sz="800" b="1" dirty="0" smtClean="0">
+                <a:solidFill>
+                  <a:schemeClr val="accent3">
+                    <a:lumMod val="75000"/>
+                  </a:schemeClr>
+                </a:solidFill>
+                <a:latin typeface="Consolas" pitchFamily="49" charset="0"/>
+              </a:rPr>
+              <a:t> = </a:t>
+            </a:r>
+            <a:r>
+              <a:rPr lang="en-US" sz="800" b="1" dirty="0" err="1" smtClean="0">
+                <a:solidFill>
+                  <a:schemeClr val="accent3">
+                    <a:lumMod val="75000"/>
+                  </a:schemeClr>
+                </a:solidFill>
+                <a:latin typeface="Consolas" pitchFamily="49" charset="0"/>
+              </a:rPr>
+              <a:t>malloc</a:t>
+            </a:r>
+            <a:r>
+              <a:rPr lang="en-US" sz="800" b="1" dirty="0" smtClean="0">
+                <a:solidFill>
+                  <a:schemeClr val="accent3">
+                    <a:lumMod val="75000"/>
+                  </a:schemeClr>
+                </a:solidFill>
+                <a:latin typeface="Consolas" pitchFamily="49" charset="0"/>
+              </a:rPr>
+              <a:t>( WIDTH * </a:t>
+            </a:r>
+            <a:r>
+              <a:rPr lang="en-US" sz="800" b="1" dirty="0" err="1" smtClean="0">
+                <a:solidFill>
+                  <a:schemeClr val="accent3">
+                    <a:lumMod val="75000"/>
+                  </a:schemeClr>
+                </a:solidFill>
+                <a:latin typeface="Consolas" pitchFamily="49" charset="0"/>
+              </a:rPr>
+              <a:t>sizeof</a:t>
+            </a:r>
+            <a:r>
+              <a:rPr lang="en-US" sz="800" b="1" dirty="0" smtClean="0">
+                <a:solidFill>
+                  <a:schemeClr val="accent3">
+                    <a:lumMod val="75000"/>
+                  </a:schemeClr>
+                </a:solidFill>
+                <a:latin typeface="Consolas" pitchFamily="49" charset="0"/>
+              </a:rPr>
+              <a:t>( char ) );</a:t>
+            </a:r>
+            <a:endParaRPr lang="ru-RU" sz="800" b="1" dirty="0" smtClean="0">
+              <a:solidFill>
+                <a:schemeClr val="accent3">
+                  <a:lumMod val="75000"/>
+                </a:schemeClr>
+              </a:solidFill>
+              <a:latin typeface="Consolas" pitchFamily="49" charset="0"/>
+            </a:endParaRPr>
+          </a:p>
+          <a:p>
+            <a:r>
+              <a:rPr lang="en-US" sz="800" dirty="0" smtClean="0">
+                <a:latin typeface="Consolas" pitchFamily="49" charset="0"/>
+              </a:rPr>
+              <a:t>     </a:t>
+            </a:r>
+            <a:r>
+              <a:rPr lang="en-US" sz="800" dirty="0" err="1" smtClean="0">
+                <a:latin typeface="Consolas" pitchFamily="49" charset="0"/>
+              </a:rPr>
+              <a:t>int</a:t>
+            </a:r>
+            <a:r>
+              <a:rPr lang="en-US" sz="800" dirty="0" smtClean="0">
+                <a:latin typeface="Consolas" pitchFamily="49" charset="0"/>
+              </a:rPr>
+              <a:t> </a:t>
+            </a:r>
+            <a:r>
+              <a:rPr lang="en-US" sz="800" dirty="0" err="1" smtClean="0">
+                <a:latin typeface="Consolas" pitchFamily="49" charset="0"/>
+              </a:rPr>
+              <a:t>i</a:t>
+            </a:r>
+            <a:r>
+              <a:rPr lang="en-US" sz="800" dirty="0" smtClean="0">
+                <a:latin typeface="Consolas" pitchFamily="49" charset="0"/>
+              </a:rPr>
+              <a:t>;</a:t>
+            </a:r>
+            <a:endParaRPr lang="ru-RU" sz="800" dirty="0" smtClean="0">
+              <a:latin typeface="Consolas" pitchFamily="49" charset="0"/>
+            </a:endParaRPr>
+          </a:p>
+          <a:p>
+            <a:r>
+              <a:rPr lang="en-US" sz="800" dirty="0" smtClean="0">
+                <a:latin typeface="Consolas" pitchFamily="49" charset="0"/>
+              </a:rPr>
+              <a:t>     for( </a:t>
+            </a:r>
+            <a:r>
+              <a:rPr lang="en-US" sz="800" dirty="0" err="1" smtClean="0">
+                <a:latin typeface="Consolas" pitchFamily="49" charset="0"/>
+              </a:rPr>
+              <a:t>i</a:t>
+            </a:r>
+            <a:r>
+              <a:rPr lang="en-US" sz="800" dirty="0" smtClean="0">
+                <a:latin typeface="Consolas" pitchFamily="49" charset="0"/>
+              </a:rPr>
+              <a:t> = 0; </a:t>
+            </a:r>
+            <a:r>
+              <a:rPr lang="en-US" sz="800" dirty="0" err="1" smtClean="0">
+                <a:latin typeface="Consolas" pitchFamily="49" charset="0"/>
+              </a:rPr>
+              <a:t>i</a:t>
+            </a:r>
+            <a:r>
+              <a:rPr lang="en-US" sz="800" dirty="0" smtClean="0">
+                <a:latin typeface="Consolas" pitchFamily="49" charset="0"/>
+              </a:rPr>
+              <a:t> &lt; WIDTH; ++ </a:t>
+            </a:r>
+            <a:r>
+              <a:rPr lang="en-US" sz="800" dirty="0" err="1" smtClean="0">
+                <a:latin typeface="Consolas" pitchFamily="49" charset="0"/>
+              </a:rPr>
+              <a:t>i</a:t>
+            </a:r>
+            <a:r>
+              <a:rPr lang="en-US" sz="800" dirty="0" smtClean="0">
+                <a:latin typeface="Consolas" pitchFamily="49" charset="0"/>
+              </a:rPr>
+              <a:t> )</a:t>
+            </a:r>
+            <a:endParaRPr lang="ru-RU" sz="800" dirty="0" smtClean="0">
+              <a:latin typeface="Consolas" pitchFamily="49" charset="0"/>
+            </a:endParaRPr>
+          </a:p>
+          <a:p>
+            <a:r>
+              <a:rPr lang="en-US" sz="800" dirty="0" smtClean="0">
+                <a:latin typeface="Consolas" pitchFamily="49" charset="0"/>
+              </a:rPr>
+              <a:t>     {</a:t>
+            </a:r>
+            <a:endParaRPr lang="ru-RU" sz="800" dirty="0" smtClean="0">
+              <a:latin typeface="Consolas" pitchFamily="49" charset="0"/>
+            </a:endParaRPr>
+          </a:p>
+          <a:p>
+            <a:r>
+              <a:rPr lang="en-US" sz="800" dirty="0" smtClean="0">
+                <a:latin typeface="Consolas" pitchFamily="49" charset="0"/>
+              </a:rPr>
+              <a:t>         if((</a:t>
+            </a:r>
+            <a:r>
+              <a:rPr lang="en-US" sz="800" dirty="0" err="1" smtClean="0">
+                <a:latin typeface="Consolas" pitchFamily="49" charset="0"/>
+              </a:rPr>
+              <a:t>i</a:t>
+            </a:r>
+            <a:r>
+              <a:rPr lang="en-US" sz="800" dirty="0" smtClean="0">
+                <a:latin typeface="Consolas" pitchFamily="49" charset="0"/>
+              </a:rPr>
+              <a:t> % </a:t>
+            </a:r>
+            <a:r>
+              <a:rPr lang="en-US" sz="800" dirty="0" err="1" smtClean="0">
+                <a:latin typeface="Consolas" pitchFamily="49" charset="0"/>
+              </a:rPr>
+              <a:t>lenColCon</a:t>
+            </a:r>
+            <a:r>
+              <a:rPr lang="en-US" sz="800" dirty="0" smtClean="0">
+                <a:latin typeface="Consolas" pitchFamily="49" charset="0"/>
+              </a:rPr>
+              <a:t>) == 0)</a:t>
+            </a:r>
+            <a:endParaRPr lang="ru-RU" sz="800" dirty="0" smtClean="0">
+              <a:latin typeface="Consolas" pitchFamily="49" charset="0"/>
+            </a:endParaRPr>
+          </a:p>
+          <a:p>
+            <a:r>
+              <a:rPr lang="en-US" sz="800" b="1" dirty="0" smtClean="0">
+                <a:solidFill>
+                  <a:schemeClr val="accent6">
+                    <a:lumMod val="75000"/>
+                  </a:schemeClr>
+                </a:solidFill>
+                <a:latin typeface="Consolas" pitchFamily="49" charset="0"/>
+              </a:rPr>
+              <a:t>-            </a:t>
+            </a:r>
+            <a:r>
+              <a:rPr lang="en-US" sz="800" b="1" dirty="0" err="1" smtClean="0">
+                <a:solidFill>
+                  <a:schemeClr val="accent6">
+                    <a:lumMod val="75000"/>
+                  </a:schemeClr>
+                </a:solidFill>
+                <a:latin typeface="Consolas" pitchFamily="49" charset="0"/>
+              </a:rPr>
+              <a:t>printf</a:t>
+            </a:r>
+            <a:r>
+              <a:rPr lang="en-US" sz="800" b="1" dirty="0" smtClean="0">
+                <a:solidFill>
+                  <a:schemeClr val="accent6">
+                    <a:lumMod val="75000"/>
+                  </a:schemeClr>
+                </a:solidFill>
+                <a:latin typeface="Consolas" pitchFamily="49" charset="0"/>
+              </a:rPr>
+              <a:t>("+");</a:t>
+            </a:r>
+            <a:endParaRPr lang="ru-RU" sz="800" b="1" dirty="0" smtClean="0">
+              <a:solidFill>
+                <a:schemeClr val="accent6">
+                  <a:lumMod val="75000"/>
+                </a:schemeClr>
+              </a:solidFill>
+              <a:latin typeface="Consolas" pitchFamily="49" charset="0"/>
+            </a:endParaRPr>
+          </a:p>
+          <a:p>
+            <a:r>
+              <a:rPr lang="en-US" sz="800" b="1" dirty="0" smtClean="0">
+                <a:solidFill>
+                  <a:schemeClr val="accent3">
+                    <a:lumMod val="75000"/>
+                  </a:schemeClr>
+                </a:solidFill>
+                <a:latin typeface="Consolas" pitchFamily="49" charset="0"/>
+              </a:rPr>
+              <a:t>+            </a:t>
+            </a:r>
+            <a:r>
+              <a:rPr lang="en-US" sz="800" b="1" dirty="0" err="1" smtClean="0">
+                <a:solidFill>
+                  <a:schemeClr val="accent3">
+                    <a:lumMod val="75000"/>
+                  </a:schemeClr>
+                </a:solidFill>
+                <a:latin typeface="Consolas" pitchFamily="49" charset="0"/>
+              </a:rPr>
+              <a:t>pLine</a:t>
+            </a:r>
+            <a:r>
+              <a:rPr lang="en-US" sz="800" b="1" dirty="0" smtClean="0">
+                <a:solidFill>
+                  <a:schemeClr val="accent3">
+                    <a:lumMod val="75000"/>
+                  </a:schemeClr>
+                </a:solidFill>
+                <a:latin typeface="Consolas" pitchFamily="49" charset="0"/>
+              </a:rPr>
+              <a:t>[</a:t>
+            </a:r>
+            <a:r>
+              <a:rPr lang="en-US" sz="800" b="1" dirty="0" err="1" smtClean="0">
+                <a:solidFill>
+                  <a:schemeClr val="accent3">
+                    <a:lumMod val="75000"/>
+                  </a:schemeClr>
+                </a:solidFill>
+                <a:latin typeface="Consolas" pitchFamily="49" charset="0"/>
+              </a:rPr>
+              <a:t>i</a:t>
+            </a:r>
+            <a:r>
+              <a:rPr lang="en-US" sz="800" b="1" dirty="0" smtClean="0">
+                <a:solidFill>
+                  <a:schemeClr val="accent3">
+                    <a:lumMod val="75000"/>
+                  </a:schemeClr>
+                </a:solidFill>
+                <a:latin typeface="Consolas" pitchFamily="49" charset="0"/>
+              </a:rPr>
+              <a:t>] = '+';</a:t>
+            </a:r>
+            <a:endParaRPr lang="ru-RU" sz="800" b="1" dirty="0" smtClean="0">
+              <a:solidFill>
+                <a:schemeClr val="accent3">
+                  <a:lumMod val="75000"/>
+                </a:schemeClr>
+              </a:solidFill>
+              <a:latin typeface="Consolas" pitchFamily="49" charset="0"/>
+            </a:endParaRPr>
+          </a:p>
+          <a:p>
+            <a:r>
+              <a:rPr lang="en-US" sz="800" dirty="0" smtClean="0">
+                <a:latin typeface="Consolas" pitchFamily="49" charset="0"/>
+              </a:rPr>
+              <a:t>         else</a:t>
+            </a:r>
+            <a:endParaRPr lang="ru-RU" sz="800" dirty="0" smtClean="0">
+              <a:latin typeface="Consolas" pitchFamily="49" charset="0"/>
+            </a:endParaRPr>
+          </a:p>
+          <a:p>
+            <a:r>
+              <a:rPr lang="en-US" sz="800" b="1" dirty="0" smtClean="0">
+                <a:solidFill>
+                  <a:schemeClr val="accent6">
+                    <a:lumMod val="75000"/>
+                  </a:schemeClr>
+                </a:solidFill>
+                <a:latin typeface="Consolas" pitchFamily="49" charset="0"/>
+              </a:rPr>
+              <a:t>-            </a:t>
+            </a:r>
+            <a:r>
+              <a:rPr lang="en-US" sz="800" b="1" dirty="0" err="1" smtClean="0">
+                <a:solidFill>
+                  <a:schemeClr val="accent6">
+                    <a:lumMod val="75000"/>
+                  </a:schemeClr>
+                </a:solidFill>
+                <a:latin typeface="Consolas" pitchFamily="49" charset="0"/>
+              </a:rPr>
+              <a:t>printf</a:t>
+            </a:r>
+            <a:r>
+              <a:rPr lang="en-US" sz="800" b="1" dirty="0" smtClean="0">
+                <a:solidFill>
+                  <a:schemeClr val="accent6">
+                    <a:lumMod val="75000"/>
+                  </a:schemeClr>
+                </a:solidFill>
+                <a:latin typeface="Consolas" pitchFamily="49" charset="0"/>
+              </a:rPr>
+              <a:t>("-");</a:t>
+            </a:r>
+            <a:endParaRPr lang="ru-RU" sz="800" b="1" dirty="0" smtClean="0">
+              <a:solidFill>
+                <a:schemeClr val="accent6">
+                  <a:lumMod val="75000"/>
+                </a:schemeClr>
+              </a:solidFill>
+              <a:latin typeface="Consolas" pitchFamily="49" charset="0"/>
+            </a:endParaRPr>
+          </a:p>
+          <a:p>
+            <a:r>
+              <a:rPr lang="en-US" sz="800" b="1" dirty="0" smtClean="0">
+                <a:solidFill>
+                  <a:schemeClr val="accent3">
+                    <a:lumMod val="75000"/>
+                  </a:schemeClr>
+                </a:solidFill>
+                <a:latin typeface="Consolas" pitchFamily="49" charset="0"/>
+              </a:rPr>
+              <a:t>+            </a:t>
+            </a:r>
+            <a:r>
+              <a:rPr lang="en-US" sz="800" b="1" dirty="0" err="1" smtClean="0">
+                <a:solidFill>
+                  <a:schemeClr val="accent3">
+                    <a:lumMod val="75000"/>
+                  </a:schemeClr>
+                </a:solidFill>
+                <a:latin typeface="Consolas" pitchFamily="49" charset="0"/>
+              </a:rPr>
+              <a:t>pLine</a:t>
+            </a:r>
+            <a:r>
+              <a:rPr lang="en-US" sz="800" b="1" dirty="0" smtClean="0">
+                <a:solidFill>
+                  <a:schemeClr val="accent3">
+                    <a:lumMod val="75000"/>
+                  </a:schemeClr>
+                </a:solidFill>
+                <a:latin typeface="Consolas" pitchFamily="49" charset="0"/>
+              </a:rPr>
+              <a:t>[</a:t>
+            </a:r>
+            <a:r>
+              <a:rPr lang="en-US" sz="800" b="1" dirty="0" err="1" smtClean="0">
+                <a:solidFill>
+                  <a:schemeClr val="accent3">
+                    <a:lumMod val="75000"/>
+                  </a:schemeClr>
+                </a:solidFill>
+                <a:latin typeface="Consolas" pitchFamily="49" charset="0"/>
+              </a:rPr>
+              <a:t>i</a:t>
+            </a:r>
+            <a:r>
+              <a:rPr lang="en-US" sz="800" b="1" dirty="0" smtClean="0">
+                <a:solidFill>
+                  <a:schemeClr val="accent3">
+                    <a:lumMod val="75000"/>
+                  </a:schemeClr>
+                </a:solidFill>
+                <a:latin typeface="Consolas" pitchFamily="49" charset="0"/>
+              </a:rPr>
+              <a:t>] = '-';</a:t>
+            </a:r>
+            <a:endParaRPr lang="ru-RU" sz="800" b="1" dirty="0" smtClean="0">
+              <a:solidFill>
+                <a:schemeClr val="accent3">
+                  <a:lumMod val="75000"/>
+                </a:schemeClr>
+              </a:solidFill>
+              <a:latin typeface="Consolas" pitchFamily="49" charset="0"/>
+            </a:endParaRPr>
+          </a:p>
+          <a:p>
+            <a:r>
+              <a:rPr lang="en-US" sz="800" dirty="0" smtClean="0">
+                <a:latin typeface="Consolas" pitchFamily="49" charset="0"/>
+              </a:rPr>
+              <a:t>     }</a:t>
+            </a:r>
+            <a:endParaRPr lang="ru-RU" sz="800" dirty="0" smtClean="0">
+              <a:latin typeface="Consolas" pitchFamily="49" charset="0"/>
+            </a:endParaRPr>
+          </a:p>
+          <a:p>
+            <a:r>
+              <a:rPr lang="en-US" sz="800" b="1" dirty="0" smtClean="0">
+                <a:solidFill>
+                  <a:schemeClr val="accent6">
+                    <a:lumMod val="75000"/>
+                  </a:schemeClr>
+                </a:solidFill>
+                <a:latin typeface="Consolas" pitchFamily="49" charset="0"/>
+              </a:rPr>
+              <a:t>-    </a:t>
+            </a:r>
+            <a:r>
+              <a:rPr lang="en-US" sz="800" b="1" dirty="0" err="1" smtClean="0">
+                <a:solidFill>
+                  <a:schemeClr val="accent6">
+                    <a:lumMod val="75000"/>
+                  </a:schemeClr>
+                </a:solidFill>
+                <a:latin typeface="Consolas" pitchFamily="49" charset="0"/>
+              </a:rPr>
+              <a:t>printf</a:t>
+            </a:r>
+            <a:r>
+              <a:rPr lang="en-US" sz="800" b="1" dirty="0" smtClean="0">
+                <a:solidFill>
+                  <a:schemeClr val="accent6">
+                    <a:lumMod val="75000"/>
+                  </a:schemeClr>
+                </a:solidFill>
+                <a:latin typeface="Consolas" pitchFamily="49" charset="0"/>
+              </a:rPr>
+              <a:t>( "+\n" );</a:t>
+            </a:r>
+            <a:endParaRPr lang="ru-RU" sz="800" b="1" dirty="0" smtClean="0">
+              <a:solidFill>
+                <a:schemeClr val="accent6">
+                  <a:lumMod val="75000"/>
+                </a:schemeClr>
+              </a:solidFill>
+              <a:latin typeface="Consolas" pitchFamily="49" charset="0"/>
+            </a:endParaRPr>
+          </a:p>
+          <a:p>
+            <a:r>
+              <a:rPr lang="en-US" sz="800" b="1" dirty="0" smtClean="0">
+                <a:solidFill>
+                  <a:schemeClr val="accent3">
+                    <a:lumMod val="75000"/>
+                  </a:schemeClr>
+                </a:solidFill>
+                <a:latin typeface="Consolas" pitchFamily="49" charset="0"/>
+              </a:rPr>
+              <a:t>+    </a:t>
+            </a:r>
+            <a:r>
+              <a:rPr lang="en-US" sz="800" b="1" dirty="0" err="1" smtClean="0">
+                <a:solidFill>
+                  <a:schemeClr val="accent3">
+                    <a:lumMod val="75000"/>
+                  </a:schemeClr>
+                </a:solidFill>
+                <a:latin typeface="Consolas" pitchFamily="49" charset="0"/>
+              </a:rPr>
+              <a:t>pLine</a:t>
+            </a:r>
+            <a:r>
+              <a:rPr lang="en-US" sz="800" b="1" dirty="0" smtClean="0">
+                <a:solidFill>
+                  <a:schemeClr val="accent3">
+                    <a:lumMod val="75000"/>
+                  </a:schemeClr>
+                </a:solidFill>
+                <a:latin typeface="Consolas" pitchFamily="49" charset="0"/>
+              </a:rPr>
+              <a:t>[</a:t>
+            </a:r>
+            <a:r>
+              <a:rPr lang="en-US" sz="800" b="1" dirty="0" err="1" smtClean="0">
+                <a:solidFill>
+                  <a:schemeClr val="accent3">
+                    <a:lumMod val="75000"/>
+                  </a:schemeClr>
+                </a:solidFill>
+                <a:latin typeface="Consolas" pitchFamily="49" charset="0"/>
+              </a:rPr>
+              <a:t>i</a:t>
+            </a:r>
+            <a:r>
+              <a:rPr lang="en-US" sz="800" b="1" dirty="0" smtClean="0">
+                <a:solidFill>
+                  <a:schemeClr val="accent3">
+                    <a:lumMod val="75000"/>
+                  </a:schemeClr>
+                </a:solidFill>
+                <a:latin typeface="Consolas" pitchFamily="49" charset="0"/>
+              </a:rPr>
+              <a:t>] = '+';</a:t>
+            </a:r>
+            <a:endParaRPr lang="ru-RU" sz="800" b="1" dirty="0" smtClean="0">
+              <a:solidFill>
+                <a:schemeClr val="accent3">
+                  <a:lumMod val="75000"/>
+                </a:schemeClr>
+              </a:solidFill>
+              <a:latin typeface="Consolas" pitchFamily="49" charset="0"/>
+            </a:endParaRPr>
+          </a:p>
+          <a:p>
+            <a:r>
+              <a:rPr lang="en-US" sz="800" b="1" dirty="0" smtClean="0">
+                <a:solidFill>
+                  <a:schemeClr val="accent3">
+                    <a:lumMod val="75000"/>
+                  </a:schemeClr>
+                </a:solidFill>
+                <a:latin typeface="Consolas" pitchFamily="49" charset="0"/>
+              </a:rPr>
+              <a:t>+    </a:t>
+            </a:r>
+            <a:r>
+              <a:rPr lang="en-US" sz="800" b="1" dirty="0" err="1" smtClean="0">
+                <a:solidFill>
+                  <a:schemeClr val="accent3">
+                    <a:lumMod val="75000"/>
+                  </a:schemeClr>
+                </a:solidFill>
+                <a:latin typeface="Consolas" pitchFamily="49" charset="0"/>
+              </a:rPr>
+              <a:t>pLine</a:t>
+            </a:r>
+            <a:r>
+              <a:rPr lang="en-US" sz="800" b="1" dirty="0" smtClean="0">
+                <a:solidFill>
+                  <a:schemeClr val="accent3">
+                    <a:lumMod val="75000"/>
+                  </a:schemeClr>
+                </a:solidFill>
+                <a:latin typeface="Consolas" pitchFamily="49" charset="0"/>
+              </a:rPr>
+              <a:t>[++</a:t>
+            </a:r>
+            <a:r>
+              <a:rPr lang="en-US" sz="800" b="1" dirty="0" err="1" smtClean="0">
+                <a:solidFill>
+                  <a:schemeClr val="accent3">
+                    <a:lumMod val="75000"/>
+                  </a:schemeClr>
+                </a:solidFill>
+                <a:latin typeface="Consolas" pitchFamily="49" charset="0"/>
+              </a:rPr>
+              <a:t>i</a:t>
+            </a:r>
+            <a:r>
+              <a:rPr lang="en-US" sz="800" b="1" dirty="0" smtClean="0">
+                <a:solidFill>
+                  <a:schemeClr val="accent3">
+                    <a:lumMod val="75000"/>
+                  </a:schemeClr>
+                </a:solidFill>
+                <a:latin typeface="Consolas" pitchFamily="49" charset="0"/>
+              </a:rPr>
+              <a:t>] = '\n';</a:t>
+            </a:r>
+            <a:endParaRPr lang="ru-RU" sz="800" b="1" dirty="0" smtClean="0">
+              <a:solidFill>
+                <a:schemeClr val="accent3">
+                  <a:lumMod val="75000"/>
+                </a:schemeClr>
+              </a:solidFill>
+              <a:latin typeface="Consolas" pitchFamily="49" charset="0"/>
+            </a:endParaRPr>
+          </a:p>
+          <a:p>
+            <a:r>
+              <a:rPr lang="en-US" sz="800" b="1" dirty="0" smtClean="0">
+                <a:solidFill>
+                  <a:schemeClr val="accent3">
+                    <a:lumMod val="75000"/>
+                  </a:schemeClr>
+                </a:solidFill>
+                <a:latin typeface="Consolas" pitchFamily="49" charset="0"/>
+              </a:rPr>
+              <a:t>+    </a:t>
+            </a:r>
+            <a:r>
+              <a:rPr lang="en-US" sz="800" b="1" dirty="0" err="1" smtClean="0">
+                <a:solidFill>
+                  <a:schemeClr val="accent3">
+                    <a:lumMod val="75000"/>
+                  </a:schemeClr>
+                </a:solidFill>
+                <a:latin typeface="Consolas" pitchFamily="49" charset="0"/>
+              </a:rPr>
+              <a:t>fputs</a:t>
+            </a:r>
+            <a:r>
+              <a:rPr lang="en-US" sz="800" b="1" dirty="0" smtClean="0">
+                <a:solidFill>
+                  <a:schemeClr val="accent3">
+                    <a:lumMod val="75000"/>
+                  </a:schemeClr>
+                </a:solidFill>
+                <a:latin typeface="Consolas" pitchFamily="49" charset="0"/>
+              </a:rPr>
+              <a:t>( </a:t>
+            </a:r>
+            <a:r>
+              <a:rPr lang="en-US" sz="800" b="1" dirty="0" err="1" smtClean="0">
+                <a:solidFill>
+                  <a:schemeClr val="accent3">
+                    <a:lumMod val="75000"/>
+                  </a:schemeClr>
+                </a:solidFill>
+                <a:latin typeface="Consolas" pitchFamily="49" charset="0"/>
+              </a:rPr>
+              <a:t>pLine</a:t>
+            </a:r>
+            <a:r>
+              <a:rPr lang="en-US" sz="800" b="1" dirty="0" smtClean="0">
+                <a:solidFill>
+                  <a:schemeClr val="accent3">
+                    <a:lumMod val="75000"/>
+                  </a:schemeClr>
+                </a:solidFill>
+                <a:latin typeface="Consolas" pitchFamily="49" charset="0"/>
+              </a:rPr>
+              <a:t>, </a:t>
+            </a:r>
+            <a:r>
+              <a:rPr lang="en-US" sz="800" b="1" dirty="0" err="1" smtClean="0">
+                <a:solidFill>
+                  <a:schemeClr val="accent3">
+                    <a:lumMod val="75000"/>
+                  </a:schemeClr>
+                </a:solidFill>
+                <a:latin typeface="Consolas" pitchFamily="49" charset="0"/>
+              </a:rPr>
+              <a:t>stdout</a:t>
+            </a:r>
+            <a:r>
+              <a:rPr lang="en-US" sz="800" b="1" dirty="0" smtClean="0">
+                <a:solidFill>
+                  <a:schemeClr val="accent3">
+                    <a:lumMod val="75000"/>
+                  </a:schemeClr>
+                </a:solidFill>
+                <a:latin typeface="Consolas" pitchFamily="49" charset="0"/>
+              </a:rPr>
+              <a:t> );</a:t>
+            </a:r>
+            <a:endParaRPr lang="ru-RU" sz="800" b="1" dirty="0" smtClean="0">
+              <a:solidFill>
+                <a:schemeClr val="accent3">
+                  <a:lumMod val="75000"/>
+                </a:schemeClr>
+              </a:solidFill>
+              <a:latin typeface="Consolas" pitchFamily="49" charset="0"/>
+            </a:endParaRPr>
+          </a:p>
+          <a:p>
+            <a:r>
+              <a:rPr lang="en-US" sz="800" b="1" dirty="0" smtClean="0">
+                <a:solidFill>
+                  <a:schemeClr val="accent3">
+                    <a:lumMod val="75000"/>
+                  </a:schemeClr>
+                </a:solidFill>
+                <a:latin typeface="Consolas" pitchFamily="49" charset="0"/>
+              </a:rPr>
+              <a:t>+    free(</a:t>
+            </a:r>
+            <a:r>
+              <a:rPr lang="en-US" sz="800" b="1" dirty="0" err="1" smtClean="0">
+                <a:solidFill>
+                  <a:schemeClr val="accent3">
+                    <a:lumMod val="75000"/>
+                  </a:schemeClr>
+                </a:solidFill>
+                <a:latin typeface="Consolas" pitchFamily="49" charset="0"/>
+              </a:rPr>
+              <a:t>pLine</a:t>
+            </a:r>
+            <a:r>
+              <a:rPr lang="en-US" sz="800" b="1" dirty="0" smtClean="0">
+                <a:solidFill>
+                  <a:schemeClr val="accent3">
+                    <a:lumMod val="75000"/>
+                  </a:schemeClr>
+                </a:solidFill>
+                <a:latin typeface="Consolas" pitchFamily="49" charset="0"/>
+              </a:rPr>
+              <a:t>);</a:t>
+            </a:r>
+            <a:endParaRPr lang="ru-RU" sz="800" b="1" dirty="0" smtClean="0">
+              <a:solidFill>
+                <a:schemeClr val="accent3">
+                  <a:lumMod val="75000"/>
+                </a:schemeClr>
+              </a:solidFill>
+              <a:latin typeface="Consolas" pitchFamily="49" charset="0"/>
+            </a:endParaRPr>
+          </a:p>
+          <a:p>
+            <a:r>
+              <a:rPr lang="en-US" sz="800" b="1" dirty="0" smtClean="0">
+                <a:solidFill>
+                  <a:schemeClr val="accent3">
+                    <a:lumMod val="75000"/>
+                  </a:schemeClr>
+                </a:solidFill>
+                <a:latin typeface="Consolas" pitchFamily="49" charset="0"/>
+              </a:rPr>
+              <a:t>+    </a:t>
+            </a:r>
+            <a:r>
+              <a:rPr lang="en-US" sz="800" b="1" dirty="0" err="1" smtClean="0">
+                <a:solidFill>
+                  <a:schemeClr val="accent3">
+                    <a:lumMod val="75000"/>
+                  </a:schemeClr>
+                </a:solidFill>
+                <a:latin typeface="Consolas" pitchFamily="49" charset="0"/>
+              </a:rPr>
+              <a:t>pLint</a:t>
+            </a:r>
+            <a:r>
+              <a:rPr lang="en-US" sz="800" b="1" dirty="0" smtClean="0">
+                <a:solidFill>
+                  <a:schemeClr val="accent3">
+                    <a:lumMod val="75000"/>
+                  </a:schemeClr>
+                </a:solidFill>
+                <a:latin typeface="Consolas" pitchFamily="49" charset="0"/>
+              </a:rPr>
+              <a:t> = NULL;</a:t>
+            </a:r>
+            <a:endParaRPr lang="ru-RU" sz="800" b="1" dirty="0" smtClean="0">
+              <a:solidFill>
+                <a:schemeClr val="accent3">
+                  <a:lumMod val="75000"/>
+                </a:schemeClr>
+              </a:solidFill>
+              <a:latin typeface="Consolas" pitchFamily="49" charset="0"/>
+            </a:endParaRPr>
+          </a:p>
+          <a:p>
+            <a:r>
+              <a:rPr lang="en-US" sz="800" dirty="0" smtClean="0">
+                <a:latin typeface="Consolas" pitchFamily="49" charset="0"/>
+              </a:rPr>
+              <a:t>     return 0;</a:t>
+            </a:r>
+            <a:endParaRPr lang="ru-RU" sz="800" dirty="0" smtClean="0">
+              <a:latin typeface="Consolas" pitchFamily="49" charset="0"/>
+            </a:endParaRPr>
+          </a:p>
+          <a:p>
+            <a:r>
+              <a:rPr lang="en-US" sz="800" dirty="0" smtClean="0">
+                <a:latin typeface="Consolas" pitchFamily="49" charset="0"/>
+              </a:rPr>
+              <a:t> </a:t>
+            </a:r>
+            <a:r>
+              <a:rPr lang="ru-RU" sz="800" dirty="0" smtClean="0">
+                <a:latin typeface="Consolas" pitchFamily="49" charset="0"/>
+              </a:rPr>
+              <a:t>}</a:t>
+            </a:r>
+          </a:p>
+          <a:p>
+            <a:endParaRPr lang="ru-RU" sz="800" dirty="0">
+              <a:latin typeface="Consolas" pitchFamily="49" charset="0"/>
+            </a:endParaRPr>
+          </a:p>
+        </p:txBody>
+      </p:sp>
+      <p:sp>
+        <p:nvSpPr>
+          <p:cNvPr id="23" name="TextBox 22"/>
+          <p:cNvSpPr txBox="1"/>
+          <p:nvPr/>
+        </p:nvSpPr>
+        <p:spPr>
+          <a:xfrm>
+            <a:off x="3143240" y="1559470"/>
+            <a:ext cx="2643206" cy="369332"/>
+          </a:xfrm>
+          <a:prstGeom prst="rect">
+            <a:avLst/>
+          </a:prstGeom>
+          <a:noFill/>
+        </p:spPr>
+        <p:txBody>
+          <a:bodyPr wrap="square" rtlCol="0">
+            <a:spAutoFit/>
+          </a:bodyPr>
+          <a:lstStyle/>
+          <a:p>
+            <a:r>
+              <a:rPr lang="ru-RU" b="1" dirty="0" smtClean="0">
+                <a:solidFill>
+                  <a:schemeClr val="accent1">
+                    <a:lumMod val="50000"/>
+                  </a:schemeClr>
+                </a:solidFill>
+                <a:latin typeface="Times New Roman" pitchFamily="18" charset="0"/>
+                <a:cs typeface="Times New Roman" pitchFamily="18" charset="0"/>
+              </a:rPr>
+              <a:t>Внесенные изменения</a:t>
+            </a:r>
+          </a:p>
+        </p:txBody>
+      </p:sp>
+      <p:sp>
+        <p:nvSpPr>
+          <p:cNvPr id="25" name="Стрелка вправо 24"/>
+          <p:cNvSpPr/>
+          <p:nvPr/>
+        </p:nvSpPr>
+        <p:spPr>
+          <a:xfrm>
+            <a:off x="2643174" y="1928802"/>
+            <a:ext cx="285752" cy="331471"/>
+          </a:xfrm>
+          <a:prstGeom prst="rightArrow">
+            <a:avLst/>
+          </a:prstGeom>
+        </p:spPr>
+        <p:style>
+          <a:lnRef idx="2">
+            <a:schemeClr val="accent1">
+              <a:shade val="50000"/>
+            </a:schemeClr>
+          </a:lnRef>
+          <a:fillRef idx="1">
+            <a:schemeClr val="accent1"/>
+          </a:fillRef>
+          <a:effectRef idx="0">
+            <a:schemeClr val="accent1"/>
+          </a:effectRef>
+          <a:fontRef idx="minor">
+            <a:schemeClr val="lt1"/>
+          </a:fontRef>
+        </p:style>
+        <p:txBody>
+          <a:bodyPr rtlCol="0" anchor="ctr"/>
+          <a:lstStyle/>
+          <a:p>
+            <a:pPr algn="ctr"/>
+            <a:endParaRPr lang="ru-RU"/>
+          </a:p>
+        </p:txBody>
+      </p:sp>
+      <p:sp>
+        <p:nvSpPr>
+          <p:cNvPr id="26" name="Стрелка вправо 25"/>
+          <p:cNvSpPr/>
+          <p:nvPr/>
+        </p:nvSpPr>
+        <p:spPr>
+          <a:xfrm>
+            <a:off x="5214942" y="4311975"/>
+            <a:ext cx="285752" cy="331471"/>
+          </a:xfrm>
+          <a:prstGeom prst="rightArrow">
+            <a:avLst/>
+          </a:prstGeom>
+        </p:spPr>
+        <p:style>
+          <a:lnRef idx="2">
+            <a:schemeClr val="accent1">
+              <a:shade val="50000"/>
+            </a:schemeClr>
+          </a:lnRef>
+          <a:fillRef idx="1">
+            <a:schemeClr val="accent1"/>
+          </a:fillRef>
+          <a:effectRef idx="0">
+            <a:schemeClr val="accent1"/>
+          </a:effectRef>
+          <a:fontRef idx="minor">
+            <a:schemeClr val="lt1"/>
+          </a:fontRef>
+        </p:style>
+        <p:txBody>
+          <a:bodyPr rtlCol="0" anchor="ctr"/>
+          <a:lstStyle/>
+          <a:p>
+            <a:pPr algn="ctr"/>
+            <a:endParaRPr lang="ru-RU"/>
+          </a:p>
+        </p:txBody>
+      </p:sp>
+      <p:sp>
+        <p:nvSpPr>
+          <p:cNvPr id="27" name="Овал 26"/>
+          <p:cNvSpPr/>
+          <p:nvPr/>
+        </p:nvSpPr>
+        <p:spPr>
+          <a:xfrm>
+            <a:off x="1928794" y="3786190"/>
+            <a:ext cx="537315" cy="287046"/>
+          </a:xfrm>
+          <a:prstGeom prst="ellipse">
+            <a:avLst/>
+          </a:prstGeom>
+          <a:noFill/>
+          <a:ln>
+            <a:solidFill>
+              <a:schemeClr val="tx1"/>
+            </a:solidFill>
+          </a:ln>
+        </p:spPr>
+        <p:style>
+          <a:lnRef idx="2">
+            <a:schemeClr val="accent1">
+              <a:shade val="50000"/>
+            </a:schemeClr>
+          </a:lnRef>
+          <a:fillRef idx="1">
+            <a:schemeClr val="accent1"/>
+          </a:fillRef>
+          <a:effectRef idx="0">
+            <a:schemeClr val="accent1"/>
+          </a:effectRef>
+          <a:fontRef idx="minor">
+            <a:schemeClr val="lt1"/>
+          </a:fontRef>
+        </p:style>
+        <p:txBody>
+          <a:bodyPr rtlCol="0" anchor="ctr"/>
+          <a:lstStyle/>
+          <a:p>
+            <a:pPr algn="ctr"/>
+            <a:endParaRPr lang="ru-RU"/>
+          </a:p>
+        </p:txBody>
+      </p:sp>
+      <p:sp>
+        <p:nvSpPr>
+          <p:cNvPr id="28" name="Овал 27"/>
+          <p:cNvSpPr/>
+          <p:nvPr/>
+        </p:nvSpPr>
+        <p:spPr>
+          <a:xfrm>
+            <a:off x="8570331" y="3602469"/>
+            <a:ext cx="537315" cy="287046"/>
+          </a:xfrm>
+          <a:prstGeom prst="ellipse">
+            <a:avLst/>
+          </a:prstGeom>
+          <a:noFill/>
+          <a:ln>
+            <a:solidFill>
+              <a:schemeClr val="tx1"/>
+            </a:solidFill>
+          </a:ln>
+        </p:spPr>
+        <p:style>
+          <a:lnRef idx="2">
+            <a:schemeClr val="accent1">
+              <a:shade val="50000"/>
+            </a:schemeClr>
+          </a:lnRef>
+          <a:fillRef idx="1">
+            <a:schemeClr val="accent1"/>
+          </a:fillRef>
+          <a:effectRef idx="0">
+            <a:schemeClr val="accent1"/>
+          </a:effectRef>
+          <a:fontRef idx="minor">
+            <a:schemeClr val="lt1"/>
+          </a:fontRef>
+        </p:style>
+        <p:txBody>
+          <a:bodyPr rtlCol="0" anchor="ctr"/>
+          <a:lstStyle/>
+          <a:p>
+            <a:pPr algn="ctr"/>
+            <a:endParaRPr lang="ru-RU"/>
+          </a:p>
+        </p:txBody>
+      </p:sp>
+    </p:spTree>
+  </p:cSld>
+  <p:clrMapOvr>
+    <a:masterClrMapping/>
+  </p:clrMapOvr>
+  <p:timing>
+    <p:tnLst>
+      <p:par>
+        <p:cTn id="1" dur="indefinite" restart="never" nodeType="tmRoot"/>
+      </p:par>
+    </p:tnLst>
+  </p:timing>
+</p:sld>
+</file>
+
+<file path=ppt/slides/slide15.xml><?xml version="1.0" encoding="utf-8"?>
+<p:sld xmlns:a="http://schemas.openxmlformats.org/drawingml/2006/main" xmlns:r="http://schemas.openxmlformats.org/officeDocument/2006/relationships" xmlns:p="http://schemas.openxmlformats.org/presentationml/2006/main">
+  <p:cSld>
+    <p:spTree>
+      <p:nvGrpSpPr>
+        <p:cNvPr id="1" name=""/>
+        <p:cNvGrpSpPr/>
+        <p:nvPr/>
+      </p:nvGrpSpPr>
+      <p:grpSpPr>
+        <a:xfrm>
+          <a:off x="0" y="0"/>
+          <a:ext cx="0" cy="0"/>
+          <a:chOff x="0" y="0"/>
+          <a:chExt cx="0" cy="0"/>
+        </a:xfrm>
+      </p:grpSpPr>
+      <p:sp>
+        <p:nvSpPr>
+          <p:cNvPr id="2" name="Заголовок 1"/>
+          <p:cNvSpPr>
+            <a:spLocks noGrp="1"/>
+          </p:cNvSpPr>
+          <p:nvPr>
+            <p:ph type="title"/>
+          </p:nvPr>
+        </p:nvSpPr>
+        <p:spPr>
+          <a:xfrm>
+            <a:off x="0" y="2714620"/>
+            <a:ext cx="9144000" cy="1143000"/>
+          </a:xfrm>
+        </p:spPr>
+        <p:txBody>
+          <a:bodyPr>
+            <a:normAutofit/>
+          </a:bodyPr>
+          <a:lstStyle/>
+          <a:p>
+            <a:r>
+              <a:rPr lang="ru-RU" sz="5000" b="1" dirty="0" smtClean="0">
+                <a:latin typeface="Times New Roman" pitchFamily="18" charset="0"/>
+                <a:cs typeface="Times New Roman" pitchFamily="18" charset="0"/>
+              </a:rPr>
+              <a:t>Спасибо за Внимание</a:t>
+            </a:r>
+            <a:endParaRPr lang="ru-RU" sz="5000" b="1" dirty="0">
+              <a:latin typeface="Times New Roman" pitchFamily="18" charset="0"/>
+              <a:cs typeface="Times New Roman" pitchFamily="18" charset="0"/>
+            </a:endParaRPr>
+          </a:p>
+        </p:txBody>
+      </p:sp>
+      <p:sp>
+        <p:nvSpPr>
+          <p:cNvPr id="4" name="Номер слайда 3"/>
+          <p:cNvSpPr>
+            <a:spLocks noGrp="1"/>
+          </p:cNvSpPr>
+          <p:nvPr>
+            <p:ph type="sldNum" sz="quarter" idx="12"/>
+          </p:nvPr>
+        </p:nvSpPr>
+        <p:spPr/>
+        <p:txBody>
+          <a:bodyPr/>
+          <a:lstStyle/>
+          <a:p>
+            <a:fld id="{F2BB55FB-146C-47F1-A3F4-E5E9F11C5D2A}" type="slidenum">
+              <a:rPr lang="ru-RU" smtClean="0"/>
+              <a:pPr/>
+              <a:t>15</a:t>
             </a:fld>
             <a:endParaRPr lang="ru-RU"/>
           </a:p>
@@ -5963,14 +8053,7 @@
                 <a:latin typeface="Times New Roman" pitchFamily="18" charset="0"/>
                 <a:cs typeface="Times New Roman" pitchFamily="18" charset="0"/>
               </a:rPr>
-              <a:t>Каскадная </a:t>
-            </a:r>
-            <a:r>
-              <a:rPr lang="ru-RU" sz="2600" dirty="0" smtClean="0">
-                <a:latin typeface="Times New Roman" pitchFamily="18" charset="0"/>
-                <a:cs typeface="Times New Roman" pitchFamily="18" charset="0"/>
-              </a:rPr>
-              <a:t>модель проектирования библиотеки функций</a:t>
+              <a:t>Каскадная модель проектирования библиотеки функций</a:t>
             </a:r>
             <a:endParaRPr lang="ru-RU" sz="2600" dirty="0">
               <a:latin typeface="Times New Roman" pitchFamily="18" charset="0"/>
@@ -6407,14 +8490,7 @@
                 <a:latin typeface="Times New Roman" pitchFamily="18" charset="0"/>
                 <a:cs typeface="Times New Roman" pitchFamily="18" charset="0"/>
               </a:rPr>
-              <a:t> Модель </a:t>
-            </a:r>
-            <a:r>
-              <a:rPr lang="ru-RU" sz="2000" dirty="0" smtClean="0">
-                <a:latin typeface="Times New Roman" pitchFamily="18" charset="0"/>
-                <a:cs typeface="Times New Roman" pitchFamily="18" charset="0"/>
-              </a:rPr>
-              <a:t>RAD</a:t>
+              <a:t> Модель RAD</a:t>
             </a:r>
           </a:p>
           <a:p>
@@ -6431,14 +8507,7 @@
                 <a:latin typeface="Times New Roman" pitchFamily="18" charset="0"/>
                 <a:cs typeface="Times New Roman" pitchFamily="18" charset="0"/>
               </a:rPr>
-              <a:t> Спиральная </a:t>
-            </a:r>
-            <a:r>
-              <a:rPr lang="ru-RU" sz="2000" dirty="0" smtClean="0">
-                <a:latin typeface="Times New Roman" pitchFamily="18" charset="0"/>
-                <a:cs typeface="Times New Roman" pitchFamily="18" charset="0"/>
-              </a:rPr>
-              <a:t>модель</a:t>
+              <a:t> Спиральная модель</a:t>
             </a:r>
           </a:p>
           <a:p>
@@ -6455,14 +8524,7 @@
                 <a:latin typeface="Times New Roman" pitchFamily="18" charset="0"/>
                 <a:cs typeface="Times New Roman" pitchFamily="18" charset="0"/>
               </a:rPr>
-              <a:t> Инкрементная </a:t>
-            </a:r>
-            <a:r>
-              <a:rPr lang="ru-RU" sz="2000" dirty="0" smtClean="0">
-                <a:latin typeface="Times New Roman" pitchFamily="18" charset="0"/>
-                <a:cs typeface="Times New Roman" pitchFamily="18" charset="0"/>
-              </a:rPr>
-              <a:t>модель </a:t>
+              <a:t> Инкрементная модель </a:t>
             </a:r>
           </a:p>
         </p:txBody>
@@ -6494,33 +8556,22 @@
                 <a:latin typeface="Times New Roman" pitchFamily="18" charset="0"/>
                 <a:cs typeface="Times New Roman" pitchFamily="18" charset="0"/>
               </a:rPr>
-              <a:t>Другие </a:t>
+              <a:t>Другие модели</a:t>
+            </a:r>
+            <a:r>
+              <a:rPr lang="en-US" sz="2000" b="1" dirty="0" smtClean="0">
+                <a:latin typeface="Times New Roman" pitchFamily="18" charset="0"/>
+                <a:cs typeface="Times New Roman" pitchFamily="18" charset="0"/>
+              </a:rPr>
+              <a:t> </a:t>
             </a:r>
             <a:r>
               <a:rPr lang="ru-RU" sz="2000" b="1" dirty="0" smtClean="0">
                 <a:latin typeface="Times New Roman" pitchFamily="18" charset="0"/>
                 <a:cs typeface="Times New Roman" pitchFamily="18" charset="0"/>
               </a:rPr>
-              <a:t>модели</a:t>
-            </a:r>
-            <a:r>
-              <a:rPr lang="en-US" sz="2000" b="1" dirty="0" smtClean="0">
-                <a:latin typeface="Times New Roman" pitchFamily="18" charset="0"/>
-                <a:cs typeface="Times New Roman" pitchFamily="18" charset="0"/>
-              </a:rPr>
-              <a:t> </a:t>
-            </a:r>
-            <a:r>
-              <a:rPr lang="ru-RU" sz="2000" b="1" dirty="0" smtClean="0">
-                <a:latin typeface="Times New Roman" pitchFamily="18" charset="0"/>
-                <a:cs typeface="Times New Roman" pitchFamily="18" charset="0"/>
-              </a:rPr>
               <a:t>ЖЦ</a:t>
             </a:r>
-            <a:endParaRPr lang="ru-RU" sz="2000" b="1" dirty="0" smtClean="0">
-              <a:latin typeface="Times New Roman" pitchFamily="18" charset="0"/>
-              <a:cs typeface="Times New Roman" pitchFamily="18" charset="0"/>
-            </a:endParaRPr>
           </a:p>
         </p:txBody>
       </p:sp>
@@ -6802,17 +8853,7 @@
                 <a:latin typeface="Times New Roman" pitchFamily="18" charset="0"/>
                 <a:cs typeface="Times New Roman" pitchFamily="18" charset="0"/>
               </a:rPr>
-              <a:t>бор </a:t>
-            </a:r>
-            <a:r>
-              <a:rPr lang="ru-RU" sz="1200" dirty="0" smtClean="0">
-                <a:solidFill>
-                  <a:schemeClr val="tx1"/>
-                </a:solidFill>
-                <a:latin typeface="Times New Roman" pitchFamily="18" charset="0"/>
-                <a:cs typeface="Times New Roman" pitchFamily="18" charset="0"/>
-              </a:rPr>
-              <a:t>параметров</a:t>
+              <a:t>бор параметров</a:t>
             </a:r>
           </a:p>
         </p:txBody>
@@ -7274,7 +9315,7 @@
                 <a:latin typeface="Times New Roman" pitchFamily="18" charset="0"/>
                 <a:cs typeface="Times New Roman" pitchFamily="18" charset="0"/>
               </a:rPr>
-              <a:t>Функция инициализации библиотеки</a:t>
+              <a:t>Функции получения входных параметров</a:t>
             </a:r>
             <a:endParaRPr lang="ru-RU" sz="2600" dirty="0">
               <a:latin typeface="Times New Roman" pitchFamily="18" charset="0"/>
@@ -7293,24 +9334,310 @@
             <p:ph idx="1"/>
           </p:nvPr>
         </p:nvSpPr>
-        <p:spPr/>
+        <p:spPr>
+          <a:xfrm>
+            <a:off x="214282" y="1600201"/>
+            <a:ext cx="8929718" cy="2114551"/>
+          </a:xfrm>
+        </p:spPr>
         <p:txBody>
           <a:bodyPr>
             <a:normAutofit/>
           </a:bodyPr>
           <a:lstStyle/>
           <a:p>
-            <a:r>
-              <a:rPr lang="ru-RU" sz="1800" dirty="0" smtClean="0">
-                <a:latin typeface="Times New Roman" pitchFamily="18" charset="0"/>
-                <a:cs typeface="Times New Roman" pitchFamily="18" charset="0"/>
-              </a:rPr>
-              <a:t>Функция инициализирует работу библиотеки и производит разбор параметров переданных вместе с командной строкой.</a:t>
-            </a:r>
-            <a:endParaRPr lang="ru-RU" sz="1800" dirty="0">
-              <a:latin typeface="Times New Roman" pitchFamily="18" charset="0"/>
-              <a:cs typeface="Times New Roman" pitchFamily="18" charset="0"/>
-            </a:endParaRPr>
+            <a:pPr>
+              <a:buBlip>
+                <a:blip r:embed="rId2"/>
+              </a:buBlip>
+            </a:pPr>
+            <a:r>
+              <a:rPr lang="en-US" sz="1000" dirty="0" err="1" smtClean="0">
+                <a:latin typeface="Consolas" pitchFamily="49" charset="0"/>
+                <a:cs typeface="Times New Roman" pitchFamily="18" charset="0"/>
+              </a:rPr>
+              <a:t>int</a:t>
+            </a:r>
+            <a:r>
+              <a:rPr lang="en-US" sz="1000" dirty="0" smtClean="0">
+                <a:latin typeface="Consolas" pitchFamily="49" charset="0"/>
+                <a:cs typeface="Times New Roman" pitchFamily="18" charset="0"/>
+              </a:rPr>
+              <a:t> </a:t>
+            </a:r>
+            <a:r>
+              <a:rPr lang="en-US" sz="1000" dirty="0" err="1" smtClean="0">
+                <a:latin typeface="Consolas" pitchFamily="49" charset="0"/>
+                <a:cs typeface="Times New Roman" pitchFamily="18" charset="0"/>
+              </a:rPr>
+              <a:t>tioGetS</a:t>
+            </a:r>
+            <a:r>
+              <a:rPr lang="en-US" sz="1000" dirty="0" smtClean="0">
+                <a:latin typeface="Consolas" pitchFamily="49" charset="0"/>
+                <a:cs typeface="Times New Roman" pitchFamily="18" charset="0"/>
+              </a:rPr>
+              <a:t>(const char* name, char* buff, const </a:t>
+            </a:r>
+            <a:r>
+              <a:rPr lang="en-US" sz="1000" dirty="0" err="1" smtClean="0">
+                <a:latin typeface="Consolas" pitchFamily="49" charset="0"/>
+                <a:cs typeface="Times New Roman" pitchFamily="18" charset="0"/>
+              </a:rPr>
+              <a:t>size_t</a:t>
+            </a:r>
+            <a:r>
+              <a:rPr lang="en-US" sz="1000" dirty="0" smtClean="0">
+                <a:latin typeface="Consolas" pitchFamily="49" charset="0"/>
+                <a:cs typeface="Times New Roman" pitchFamily="18" charset="0"/>
+              </a:rPr>
+              <a:t> </a:t>
+            </a:r>
+            <a:r>
+              <a:rPr lang="en-US" sz="1000" dirty="0" err="1" smtClean="0">
+                <a:latin typeface="Consolas" pitchFamily="49" charset="0"/>
+                <a:cs typeface="Times New Roman" pitchFamily="18" charset="0"/>
+              </a:rPr>
+              <a:t>buff_len</a:t>
+            </a:r>
+            <a:r>
+              <a:rPr lang="en-US" sz="1000" dirty="0" smtClean="0">
+                <a:latin typeface="Consolas" pitchFamily="49" charset="0"/>
+                <a:cs typeface="Times New Roman" pitchFamily="18" charset="0"/>
+              </a:rPr>
+              <a:t>);</a:t>
+            </a:r>
+          </a:p>
+          <a:p>
+            <a:pPr>
+              <a:buBlip>
+                <a:blip r:embed="rId2"/>
+              </a:buBlip>
+            </a:pPr>
+            <a:r>
+              <a:rPr lang="en-US" sz="1000" dirty="0" err="1" smtClean="0">
+                <a:latin typeface="Consolas" pitchFamily="49" charset="0"/>
+                <a:cs typeface="Times New Roman" pitchFamily="18" charset="0"/>
+              </a:rPr>
+              <a:t>int</a:t>
+            </a:r>
+            <a:r>
+              <a:rPr lang="en-US" sz="1000" dirty="0" smtClean="0">
+                <a:latin typeface="Consolas" pitchFamily="49" charset="0"/>
+                <a:cs typeface="Times New Roman" pitchFamily="18" charset="0"/>
+              </a:rPr>
+              <a:t> </a:t>
+            </a:r>
+            <a:r>
+              <a:rPr lang="en-US" sz="1000" dirty="0" err="1" smtClean="0">
+                <a:latin typeface="Consolas" pitchFamily="49" charset="0"/>
+                <a:cs typeface="Times New Roman" pitchFamily="18" charset="0"/>
+              </a:rPr>
+              <a:t>tioGetDefS</a:t>
+            </a:r>
+            <a:r>
+              <a:rPr lang="en-US" sz="1000" dirty="0" smtClean="0">
+                <a:latin typeface="Consolas" pitchFamily="49" charset="0"/>
+                <a:cs typeface="Times New Roman" pitchFamily="18" charset="0"/>
+              </a:rPr>
+              <a:t>(const char* name, const char* default, char* buff, const </a:t>
+            </a:r>
+            <a:r>
+              <a:rPr lang="en-US" sz="1000" dirty="0" err="1" smtClean="0">
+                <a:latin typeface="Consolas" pitchFamily="49" charset="0"/>
+                <a:cs typeface="Times New Roman" pitchFamily="18" charset="0"/>
+              </a:rPr>
+              <a:t>size_t</a:t>
+            </a:r>
+            <a:r>
+              <a:rPr lang="en-US" sz="1000" dirty="0" smtClean="0">
+                <a:latin typeface="Consolas" pitchFamily="49" charset="0"/>
+                <a:cs typeface="Times New Roman" pitchFamily="18" charset="0"/>
+              </a:rPr>
+              <a:t> </a:t>
+            </a:r>
+            <a:r>
+              <a:rPr lang="en-US" sz="1000" dirty="0" err="1" smtClean="0">
+                <a:latin typeface="Consolas" pitchFamily="49" charset="0"/>
+                <a:cs typeface="Times New Roman" pitchFamily="18" charset="0"/>
+              </a:rPr>
+              <a:t>buff_len</a:t>
+            </a:r>
+            <a:r>
+              <a:rPr lang="en-US" sz="1000" dirty="0" smtClean="0">
+                <a:latin typeface="Consolas" pitchFamily="49" charset="0"/>
+                <a:cs typeface="Times New Roman" pitchFamily="18" charset="0"/>
+              </a:rPr>
+              <a:t>);</a:t>
+            </a:r>
+          </a:p>
+          <a:p>
+            <a:pPr>
+              <a:buBlip>
+                <a:blip r:embed="rId2"/>
+              </a:buBlip>
+            </a:pPr>
+            <a:r>
+              <a:rPr lang="en-US" sz="1000" dirty="0" smtClean="0">
+                <a:latin typeface="Consolas" pitchFamily="49" charset="0"/>
+                <a:cs typeface="Times New Roman" pitchFamily="18" charset="0"/>
+              </a:rPr>
+              <a:t>long </a:t>
+            </a:r>
+            <a:r>
+              <a:rPr lang="en-US" sz="1000" dirty="0" err="1" smtClean="0">
+                <a:latin typeface="Consolas" pitchFamily="49" charset="0"/>
+                <a:cs typeface="Times New Roman" pitchFamily="18" charset="0"/>
+              </a:rPr>
+              <a:t>tioGetL</a:t>
+            </a:r>
+            <a:r>
+              <a:rPr lang="en-US" sz="1000" dirty="0" smtClean="0">
+                <a:latin typeface="Consolas" pitchFamily="49" charset="0"/>
+                <a:cs typeface="Times New Roman" pitchFamily="18" charset="0"/>
+              </a:rPr>
+              <a:t>(const char* name);</a:t>
+            </a:r>
+          </a:p>
+          <a:p>
+            <a:pPr>
+              <a:buBlip>
+                <a:blip r:embed="rId2"/>
+              </a:buBlip>
+            </a:pPr>
+            <a:r>
+              <a:rPr lang="en-US" sz="1000" dirty="0" smtClean="0">
+                <a:latin typeface="Consolas" pitchFamily="49" charset="0"/>
+                <a:cs typeface="Times New Roman" pitchFamily="18" charset="0"/>
+              </a:rPr>
+              <a:t>long </a:t>
+            </a:r>
+            <a:r>
+              <a:rPr lang="en-US" sz="1000" dirty="0" err="1" smtClean="0">
+                <a:latin typeface="Consolas" pitchFamily="49" charset="0"/>
+                <a:cs typeface="Times New Roman" pitchFamily="18" charset="0"/>
+              </a:rPr>
+              <a:t>tioGetDefL</a:t>
+            </a:r>
+            <a:r>
+              <a:rPr lang="en-US" sz="1000" dirty="0" smtClean="0">
+                <a:latin typeface="Consolas" pitchFamily="49" charset="0"/>
+                <a:cs typeface="Times New Roman" pitchFamily="18" charset="0"/>
+              </a:rPr>
+              <a:t>(const char* name, const long default);</a:t>
+            </a:r>
+          </a:p>
+          <a:p>
+            <a:pPr>
+              <a:buBlip>
+                <a:blip r:embed="rId2"/>
+              </a:buBlip>
+            </a:pPr>
+            <a:r>
+              <a:rPr lang="en-US" sz="1000" dirty="0" smtClean="0">
+                <a:latin typeface="Consolas" pitchFamily="49" charset="0"/>
+                <a:cs typeface="Times New Roman" pitchFamily="18" charset="0"/>
+              </a:rPr>
+              <a:t>unsigned char </a:t>
+            </a:r>
+            <a:r>
+              <a:rPr lang="en-US" sz="1000" dirty="0" err="1" smtClean="0">
+                <a:latin typeface="Consolas" pitchFamily="49" charset="0"/>
+                <a:cs typeface="Times New Roman" pitchFamily="18" charset="0"/>
+              </a:rPr>
+              <a:t>tioGetC</a:t>
+            </a:r>
+            <a:r>
+              <a:rPr lang="en-US" sz="1000" dirty="0" smtClean="0">
+                <a:latin typeface="Consolas" pitchFamily="49" charset="0"/>
+                <a:cs typeface="Times New Roman" pitchFamily="18" charset="0"/>
+              </a:rPr>
+              <a:t>(const char* name);</a:t>
+            </a:r>
+          </a:p>
+          <a:p>
+            <a:pPr>
+              <a:buBlip>
+                <a:blip r:embed="rId2"/>
+              </a:buBlip>
+            </a:pPr>
+            <a:r>
+              <a:rPr lang="en-US" sz="1000" dirty="0" smtClean="0">
+                <a:latin typeface="Consolas" pitchFamily="49" charset="0"/>
+                <a:cs typeface="Times New Roman" pitchFamily="18" charset="0"/>
+              </a:rPr>
+              <a:t>unsigned char </a:t>
+            </a:r>
+            <a:r>
+              <a:rPr lang="en-US" sz="1000" dirty="0" err="1" smtClean="0">
+                <a:latin typeface="Consolas" pitchFamily="49" charset="0"/>
+                <a:cs typeface="Times New Roman" pitchFamily="18" charset="0"/>
+              </a:rPr>
+              <a:t>tioGetDefC</a:t>
+            </a:r>
+            <a:r>
+              <a:rPr lang="en-US" sz="1000" dirty="0" smtClean="0">
+                <a:latin typeface="Consolas" pitchFamily="49" charset="0"/>
+                <a:cs typeface="Times New Roman" pitchFamily="18" charset="0"/>
+              </a:rPr>
+              <a:t>(const char* name, const unsigned char default);</a:t>
+            </a:r>
+          </a:p>
+          <a:p>
+            <a:pPr>
+              <a:buBlip>
+                <a:blip r:embed="rId2"/>
+              </a:buBlip>
+            </a:pPr>
+            <a:r>
+              <a:rPr lang="en-US" sz="1000" dirty="0" smtClean="0">
+                <a:latin typeface="Consolas" pitchFamily="49" charset="0"/>
+                <a:cs typeface="Times New Roman" pitchFamily="18" charset="0"/>
+              </a:rPr>
+              <a:t>double </a:t>
+            </a:r>
+            <a:r>
+              <a:rPr lang="en-US" sz="1000" dirty="0" err="1" smtClean="0">
+                <a:latin typeface="Consolas" pitchFamily="49" charset="0"/>
+                <a:cs typeface="Times New Roman" pitchFamily="18" charset="0"/>
+              </a:rPr>
+              <a:t>tioGetD</a:t>
+            </a:r>
+            <a:r>
+              <a:rPr lang="en-US" sz="1000" dirty="0" smtClean="0">
+                <a:latin typeface="Consolas" pitchFamily="49" charset="0"/>
+                <a:cs typeface="Times New Roman" pitchFamily="18" charset="0"/>
+              </a:rPr>
+              <a:t>(const char* name);</a:t>
+            </a:r>
+          </a:p>
+          <a:p>
+            <a:pPr>
+              <a:buBlip>
+                <a:blip r:embed="rId2"/>
+              </a:buBlip>
+            </a:pPr>
+            <a:r>
+              <a:rPr lang="en-US" sz="1000" dirty="0" smtClean="0">
+                <a:latin typeface="Consolas" pitchFamily="49" charset="0"/>
+                <a:cs typeface="Times New Roman" pitchFamily="18" charset="0"/>
+              </a:rPr>
+              <a:t>double </a:t>
+            </a:r>
+            <a:r>
+              <a:rPr lang="en-US" sz="1000" dirty="0" err="1" smtClean="0">
+                <a:latin typeface="Consolas" pitchFamily="49" charset="0"/>
+                <a:cs typeface="Times New Roman" pitchFamily="18" charset="0"/>
+              </a:rPr>
+              <a:t>tioGetDefD</a:t>
+            </a:r>
+            <a:r>
+              <a:rPr lang="en-US" sz="1000" dirty="0" smtClean="0">
+                <a:latin typeface="Consolas" pitchFamily="49" charset="0"/>
+                <a:cs typeface="Times New Roman" pitchFamily="18" charset="0"/>
+              </a:rPr>
+              <a:t>(const char* name, const double default);</a:t>
+            </a:r>
           </a:p>
         </p:txBody>
       </p:sp>
@@ -7493,17 +9820,7 @@
                 <a:latin typeface="Times New Roman" pitchFamily="18" charset="0"/>
                 <a:cs typeface="Times New Roman" pitchFamily="18" charset="0"/>
               </a:rPr>
-              <a:t>бор </a:t>
-            </a:r>
-            <a:r>
-              <a:rPr lang="ru-RU" sz="1200" dirty="0" smtClean="0">
-                <a:solidFill>
-                  <a:schemeClr val="tx1"/>
-                </a:solidFill>
-                <a:latin typeface="Times New Roman" pitchFamily="18" charset="0"/>
-                <a:cs typeface="Times New Roman" pitchFamily="18" charset="0"/>
-              </a:rPr>
-              <a:t>параметров</a:t>
+              <a:t>бор параметров</a:t>
             </a:r>
           </a:p>
         </p:txBody>
@@ -7906,6 +10223,996 @@
           </a:fontRef>
         </p:style>
       </p:cxnSp>
+      <p:sp>
+        <p:nvSpPr>
+          <p:cNvPr id="16" name="TextBox 15"/>
+          <p:cNvSpPr txBox="1"/>
+          <p:nvPr/>
+        </p:nvSpPr>
+        <p:spPr>
+          <a:xfrm>
+            <a:off x="285720" y="4364188"/>
+            <a:ext cx="1638077" cy="1231106"/>
+          </a:xfrm>
+          <a:prstGeom prst="rect">
+            <a:avLst/>
+          </a:prstGeom>
+          <a:noFill/>
+        </p:spPr>
+        <p:txBody>
+          <a:bodyPr wrap="none" rtlCol="0">
+            <a:spAutoFit/>
+          </a:bodyPr>
+          <a:lstStyle/>
+          <a:p>
+            <a:pPr lvl="0">
+              <a:buFont typeface="Arial" pitchFamily="34" charset="0"/>
+              <a:buChar char="•"/>
+            </a:pPr>
+            <a:r>
+              <a:rPr lang="en-US" sz="1400" dirty="0" smtClean="0">
+                <a:latin typeface="Times New Roman" pitchFamily="18" charset="0"/>
+                <a:cs typeface="Times New Roman" pitchFamily="18" charset="0"/>
+              </a:rPr>
+              <a:t> </a:t>
+            </a:r>
+            <a:r>
+              <a:rPr lang="ru-RU" sz="1400" dirty="0" smtClean="0">
+                <a:latin typeface="Times New Roman" pitchFamily="18" charset="0"/>
+                <a:cs typeface="Times New Roman" pitchFamily="18" charset="0"/>
+              </a:rPr>
+              <a:t>L – </a:t>
+            </a:r>
+            <a:r>
+              <a:rPr lang="ru-RU" sz="1400" dirty="0" err="1" smtClean="0">
+                <a:latin typeface="Times New Roman" pitchFamily="18" charset="0"/>
+                <a:cs typeface="Times New Roman" pitchFamily="18" charset="0"/>
+              </a:rPr>
+              <a:t>long</a:t>
+            </a:r>
+            <a:endParaRPr lang="ru-RU" sz="1400" dirty="0" smtClean="0">
+              <a:latin typeface="Times New Roman" pitchFamily="18" charset="0"/>
+              <a:cs typeface="Times New Roman" pitchFamily="18" charset="0"/>
+            </a:endParaRPr>
+          </a:p>
+          <a:p>
+            <a:pPr lvl="0">
+              <a:buFont typeface="Arial" pitchFamily="34" charset="0"/>
+              <a:buChar char="•"/>
+            </a:pPr>
+            <a:r>
+              <a:rPr lang="en-US" sz="1400" dirty="0" smtClean="0">
+                <a:latin typeface="Times New Roman" pitchFamily="18" charset="0"/>
+                <a:cs typeface="Times New Roman" pitchFamily="18" charset="0"/>
+              </a:rPr>
+              <a:t> </a:t>
+            </a:r>
+            <a:r>
+              <a:rPr lang="ru-RU" sz="1400" dirty="0" smtClean="0">
+                <a:latin typeface="Times New Roman" pitchFamily="18" charset="0"/>
+                <a:cs typeface="Times New Roman" pitchFamily="18" charset="0"/>
+              </a:rPr>
+              <a:t>D – </a:t>
+            </a:r>
+            <a:r>
+              <a:rPr lang="ru-RU" sz="1400" dirty="0" err="1" smtClean="0">
+                <a:latin typeface="Times New Roman" pitchFamily="18" charset="0"/>
+                <a:cs typeface="Times New Roman" pitchFamily="18" charset="0"/>
+              </a:rPr>
+              <a:t>double</a:t>
+            </a:r>
+            <a:endParaRPr lang="ru-RU" sz="1400" dirty="0" smtClean="0">
+              <a:latin typeface="Times New Roman" pitchFamily="18" charset="0"/>
+              <a:cs typeface="Times New Roman" pitchFamily="18" charset="0"/>
+            </a:endParaRPr>
+          </a:p>
+          <a:p>
+            <a:pPr lvl="0">
+              <a:buFont typeface="Arial" pitchFamily="34" charset="0"/>
+              <a:buChar char="•"/>
+            </a:pPr>
+            <a:r>
+              <a:rPr lang="en-US" sz="1400" dirty="0" smtClean="0">
+                <a:latin typeface="Times New Roman" pitchFamily="18" charset="0"/>
+                <a:cs typeface="Times New Roman" pitchFamily="18" charset="0"/>
+              </a:rPr>
+              <a:t> </a:t>
+            </a:r>
+            <a:r>
+              <a:rPr lang="ru-RU" sz="1400" dirty="0" smtClean="0">
+                <a:latin typeface="Times New Roman" pitchFamily="18" charset="0"/>
+                <a:cs typeface="Times New Roman" pitchFamily="18" charset="0"/>
+              </a:rPr>
+              <a:t>C – </a:t>
+            </a:r>
+            <a:r>
+              <a:rPr lang="ru-RU" sz="1400" dirty="0" err="1" smtClean="0">
+                <a:latin typeface="Times New Roman" pitchFamily="18" charset="0"/>
+                <a:cs typeface="Times New Roman" pitchFamily="18" charset="0"/>
+              </a:rPr>
+              <a:t>char</a:t>
+            </a:r>
+            <a:endParaRPr lang="ru-RU" sz="1400" dirty="0" smtClean="0">
+              <a:latin typeface="Times New Roman" pitchFamily="18" charset="0"/>
+              <a:cs typeface="Times New Roman" pitchFamily="18" charset="0"/>
+            </a:endParaRPr>
+          </a:p>
+          <a:p>
+            <a:pPr lvl="0">
+              <a:buFont typeface="Arial" pitchFamily="34" charset="0"/>
+              <a:buChar char="•"/>
+            </a:pPr>
+            <a:r>
+              <a:rPr lang="en-US" sz="1400" dirty="0" smtClean="0">
+                <a:latin typeface="Times New Roman" pitchFamily="18" charset="0"/>
+                <a:cs typeface="Times New Roman" pitchFamily="18" charset="0"/>
+              </a:rPr>
+              <a:t> </a:t>
+            </a:r>
+            <a:r>
+              <a:rPr lang="ru-RU" sz="1400" dirty="0" smtClean="0">
+                <a:latin typeface="Times New Roman" pitchFamily="18" charset="0"/>
+                <a:cs typeface="Times New Roman" pitchFamily="18" charset="0"/>
+              </a:rPr>
+              <a:t>S – </a:t>
+            </a:r>
+            <a:r>
+              <a:rPr lang="ru-RU" sz="1400" dirty="0" err="1" smtClean="0">
+                <a:latin typeface="Times New Roman" pitchFamily="18" charset="0"/>
+                <a:cs typeface="Times New Roman" pitchFamily="18" charset="0"/>
+              </a:rPr>
+              <a:t>char</a:t>
+            </a:r>
+            <a:r>
+              <a:rPr lang="ru-RU" sz="1400" dirty="0" smtClean="0">
+                <a:latin typeface="Times New Roman" pitchFamily="18" charset="0"/>
+                <a:cs typeface="Times New Roman" pitchFamily="18" charset="0"/>
+              </a:rPr>
+              <a:t>* (строка)</a:t>
+            </a:r>
+          </a:p>
+          <a:p>
+            <a:endParaRPr lang="ru-RU" dirty="0"/>
+          </a:p>
+        </p:txBody>
+      </p:sp>
+      <p:sp>
+        <p:nvSpPr>
+          <p:cNvPr id="20" name="TextBox 19"/>
+          <p:cNvSpPr txBox="1"/>
+          <p:nvPr/>
+        </p:nvSpPr>
+        <p:spPr>
+          <a:xfrm>
+            <a:off x="214282" y="3714752"/>
+            <a:ext cx="3548344" cy="523220"/>
+          </a:xfrm>
+          <a:prstGeom prst="rect">
+            <a:avLst/>
+          </a:prstGeom>
+          <a:noFill/>
+        </p:spPr>
+        <p:txBody>
+          <a:bodyPr wrap="none" rtlCol="0">
+            <a:spAutoFit/>
+          </a:bodyPr>
+          <a:lstStyle/>
+          <a:p>
+            <a:r>
+              <a:rPr lang="ru-RU" sz="1400" dirty="0" smtClean="0">
+                <a:latin typeface="Times New Roman" pitchFamily="18" charset="0"/>
+                <a:cs typeface="Times New Roman" pitchFamily="18" charset="0"/>
+              </a:rPr>
+              <a:t>Последняя буква – суффикс, обозначающий</a:t>
+            </a:r>
+          </a:p>
+          <a:p>
+            <a:r>
+              <a:rPr lang="ru-RU" sz="1400" dirty="0" smtClean="0">
+                <a:latin typeface="Times New Roman" pitchFamily="18" charset="0"/>
+                <a:cs typeface="Times New Roman" pitchFamily="18" charset="0"/>
+              </a:rPr>
+              <a:t>тип возвращаемого значения </a:t>
+            </a:r>
+          </a:p>
+        </p:txBody>
+      </p:sp>
+      <p:sp>
+        <p:nvSpPr>
+          <p:cNvPr id="22" name="TextBox 21"/>
+          <p:cNvSpPr txBox="1"/>
+          <p:nvPr/>
+        </p:nvSpPr>
+        <p:spPr>
+          <a:xfrm>
+            <a:off x="214282" y="3143248"/>
+            <a:ext cx="4547014" cy="523220"/>
+          </a:xfrm>
+          <a:prstGeom prst="rect">
+            <a:avLst/>
+          </a:prstGeom>
+          <a:noFill/>
+        </p:spPr>
+        <p:txBody>
+          <a:bodyPr wrap="none" rtlCol="0">
+            <a:spAutoFit/>
+          </a:bodyPr>
+          <a:lstStyle/>
+          <a:p>
+            <a:r>
+              <a:rPr lang="ru-RU" sz="1400" dirty="0" smtClean="0">
+                <a:latin typeface="Times New Roman" pitchFamily="18" charset="0"/>
+                <a:cs typeface="Times New Roman" pitchFamily="18" charset="0"/>
+              </a:rPr>
+              <a:t>Суффикс </a:t>
+            </a:r>
+            <a:r>
+              <a:rPr lang="en-US" sz="1400" dirty="0" smtClean="0">
+                <a:latin typeface="Times New Roman" pitchFamily="18" charset="0"/>
+                <a:cs typeface="Times New Roman" pitchFamily="18" charset="0"/>
+              </a:rPr>
+              <a:t>Def </a:t>
+            </a:r>
+            <a:r>
+              <a:rPr lang="ru-RU" sz="1400" dirty="0" smtClean="0">
+                <a:latin typeface="Times New Roman" pitchFamily="18" charset="0"/>
+                <a:cs typeface="Times New Roman" pitchFamily="18" charset="0"/>
+              </a:rPr>
+              <a:t>говорит о том, что случае если параметр</a:t>
+            </a:r>
+          </a:p>
+          <a:p>
+            <a:r>
+              <a:rPr lang="ru-RU" sz="1400" dirty="0" smtClean="0">
+                <a:latin typeface="Times New Roman" pitchFamily="18" charset="0"/>
+                <a:cs typeface="Times New Roman" pitchFamily="18" charset="0"/>
+              </a:rPr>
+              <a:t>не будет получен, возвращается значение по умолчанию</a:t>
+            </a:r>
+          </a:p>
+        </p:txBody>
+      </p:sp>
+      <p:graphicFrame>
+        <p:nvGraphicFramePr>
+          <p:cNvPr id="24" name="Таблица 23"/>
+          <p:cNvGraphicFramePr>
+            <a:graphicFrameLocks noGrp="1"/>
+          </p:cNvGraphicFramePr>
+          <p:nvPr/>
+        </p:nvGraphicFramePr>
+        <p:xfrm>
+          <a:off x="2786050" y="4752995"/>
+          <a:ext cx="6096000" cy="1533525"/>
+        </p:xfrm>
+        <a:graphic>
+          <a:graphicData uri="http://schemas.openxmlformats.org/drawingml/2006/table">
+            <a:tbl>
+              <a:tblPr/>
+              <a:tblGrid>
+                <a:gridCol w="1029131"/>
+                <a:gridCol w="5066869"/>
+              </a:tblGrid>
+              <a:tr h="306705">
+                <a:tc>
+                  <a:txBody>
+                    <a:bodyPr/>
+                    <a:lstStyle/>
+                    <a:p>
+                      <a:pPr>
+                        <a:lnSpc>
+                          <a:spcPct val="115000"/>
+                        </a:lnSpc>
+                        <a:spcAft>
+                          <a:spcPts val="0"/>
+                        </a:spcAft>
+                      </a:pPr>
+                      <a:r>
+                        <a:rPr lang="ru-RU" sz="1400" dirty="0">
+                          <a:latin typeface="Times New Roman"/>
+                          <a:ea typeface="Times New Roman"/>
+                        </a:rPr>
+                        <a:t>TENOPAR  </a:t>
+                      </a:r>
+                    </a:p>
+                  </a:txBody>
+                  <a:tcPr marL="9525" marR="9525" marT="9525" marB="9525" anchor="ctr">
+                    <a:lnL w="12700" cap="flat" cmpd="sng" algn="ctr">
+                      <a:solidFill>
+                        <a:schemeClr val="tx1"/>
+                      </a:solidFill>
+                      <a:prstDash val="solid"/>
+                      <a:round/>
+                      <a:headEnd type="none" w="med" len="med"/>
+                      <a:tailEnd type="none" w="med" len="med"/>
+                    </a:lnL>
+                    <a:lnR w="12700" cap="flat" cmpd="sng" algn="ctr">
+                      <a:solidFill>
+                        <a:schemeClr val="tx1"/>
+                      </a:solidFill>
+                      <a:prstDash val="solid"/>
+                      <a:round/>
+                      <a:headEnd type="none" w="med" len="med"/>
+                      <a:tailEnd type="none" w="med" len="med"/>
+                    </a:lnR>
+                    <a:lnT w="12700" cap="flat" cmpd="sng" algn="ctr">
+                      <a:solidFill>
+                        <a:schemeClr val="tx1"/>
+                      </a:solidFill>
+                      <a:prstDash val="solid"/>
+                      <a:round/>
+                      <a:headEnd type="none" w="med" len="med"/>
+                      <a:tailEnd type="none" w="med" len="med"/>
+                    </a:lnT>
+                    <a:lnB w="12700" cap="flat" cmpd="sng" algn="ctr">
+                      <a:solidFill>
+                        <a:schemeClr val="tx1"/>
+                      </a:solidFill>
+                      <a:prstDash val="solid"/>
+                      <a:round/>
+                      <a:headEnd type="none" w="med" len="med"/>
+                      <a:tailEnd type="none" w="med" len="med"/>
+                    </a:lnB>
+                    <a:solidFill>
+                      <a:srgbClr val="FFFFFF"/>
+                    </a:solidFill>
+                  </a:tcPr>
+                </a:tc>
+                <a:tc>
+                  <a:txBody>
+                    <a:bodyPr/>
+                    <a:lstStyle/>
+                    <a:p>
+                      <a:pPr>
+                        <a:lnSpc>
+                          <a:spcPct val="115000"/>
+                        </a:lnSpc>
+                        <a:spcAft>
+                          <a:spcPts val="0"/>
+                        </a:spcAft>
+                      </a:pPr>
+                      <a:r>
+                        <a:rPr lang="ru-RU" sz="1400" dirty="0" smtClean="0">
+                          <a:latin typeface="Times New Roman"/>
+                          <a:ea typeface="Times New Roman"/>
+                        </a:rPr>
+                        <a:t> Параметр </a:t>
+                      </a:r>
+                      <a:r>
+                        <a:rPr lang="ru-RU" sz="1400" dirty="0">
+                          <a:latin typeface="Times New Roman"/>
+                          <a:ea typeface="Times New Roman"/>
+                        </a:rPr>
+                        <a:t>не зарегистрирован при инициализации библиотеки</a:t>
+                      </a:r>
+                    </a:p>
+                  </a:txBody>
+                  <a:tcPr marL="9525" marR="9525" marT="9525" marB="9525" anchor="ctr">
+                    <a:lnL w="12700" cap="flat" cmpd="sng" algn="ctr">
+                      <a:solidFill>
+                        <a:schemeClr val="tx1"/>
+                      </a:solidFill>
+                      <a:prstDash val="solid"/>
+                      <a:round/>
+                      <a:headEnd type="none" w="med" len="med"/>
+                      <a:tailEnd type="none" w="med" len="med"/>
+                    </a:lnL>
+                    <a:lnR w="12700" cap="flat" cmpd="sng" algn="ctr">
+                      <a:solidFill>
+                        <a:schemeClr val="tx1"/>
+                      </a:solidFill>
+                      <a:prstDash val="solid"/>
+                      <a:round/>
+                      <a:headEnd type="none" w="med" len="med"/>
+                      <a:tailEnd type="none" w="med" len="med"/>
+                    </a:lnR>
+                    <a:lnT w="12700" cap="flat" cmpd="sng" algn="ctr">
+                      <a:solidFill>
+                        <a:schemeClr val="tx1"/>
+                      </a:solidFill>
+                      <a:prstDash val="solid"/>
+                      <a:round/>
+                      <a:headEnd type="none" w="med" len="med"/>
+                      <a:tailEnd type="none" w="med" len="med"/>
+                    </a:lnT>
+                    <a:lnB w="12700" cap="flat" cmpd="sng" algn="ctr">
+                      <a:solidFill>
+                        <a:schemeClr val="tx1"/>
+                      </a:solidFill>
+                      <a:prstDash val="solid"/>
+                      <a:round/>
+                      <a:headEnd type="none" w="med" len="med"/>
+                      <a:tailEnd type="none" w="med" len="med"/>
+                    </a:lnB>
+                    <a:solidFill>
+                      <a:srgbClr val="FFFFFF"/>
+                    </a:solidFill>
+                  </a:tcPr>
+                </a:tc>
+              </a:tr>
+              <a:tr h="306705">
+                <a:tc>
+                  <a:txBody>
+                    <a:bodyPr/>
+                    <a:lstStyle/>
+                    <a:p>
+                      <a:pPr>
+                        <a:lnSpc>
+                          <a:spcPct val="115000"/>
+                        </a:lnSpc>
+                        <a:spcAft>
+                          <a:spcPts val="0"/>
+                        </a:spcAft>
+                      </a:pPr>
+                      <a:r>
+                        <a:rPr lang="ru-RU" sz="1400">
+                          <a:latin typeface="Times New Roman"/>
+                          <a:ea typeface="Times New Roman"/>
+                        </a:rPr>
+                        <a:t>TEINCTYPE</a:t>
+                      </a:r>
+                    </a:p>
+                  </a:txBody>
+                  <a:tcPr marL="9525" marR="9525" marT="9525" marB="9525" anchor="ctr">
+                    <a:lnL w="12700" cap="flat" cmpd="sng" algn="ctr">
+                      <a:solidFill>
+                        <a:schemeClr val="tx1"/>
+                      </a:solidFill>
+                      <a:prstDash val="solid"/>
+                      <a:round/>
+                      <a:headEnd type="none" w="med" len="med"/>
+                      <a:tailEnd type="none" w="med" len="med"/>
+                    </a:lnL>
+                    <a:lnR w="12700" cap="flat" cmpd="sng" algn="ctr">
+                      <a:solidFill>
+                        <a:schemeClr val="tx1"/>
+                      </a:solidFill>
+                      <a:prstDash val="solid"/>
+                      <a:round/>
+                      <a:headEnd type="none" w="med" len="med"/>
+                      <a:tailEnd type="none" w="med" len="med"/>
+                    </a:lnR>
+                    <a:lnT w="12700" cap="flat" cmpd="sng" algn="ctr">
+                      <a:solidFill>
+                        <a:schemeClr val="tx1"/>
+                      </a:solidFill>
+                      <a:prstDash val="solid"/>
+                      <a:round/>
+                      <a:headEnd type="none" w="med" len="med"/>
+                      <a:tailEnd type="none" w="med" len="med"/>
+                    </a:lnT>
+                    <a:lnB w="12700" cap="flat" cmpd="sng" algn="ctr">
+                      <a:solidFill>
+                        <a:schemeClr val="tx1"/>
+                      </a:solidFill>
+                      <a:prstDash val="solid"/>
+                      <a:round/>
+                      <a:headEnd type="none" w="med" len="med"/>
+                      <a:tailEnd type="none" w="med" len="med"/>
+                    </a:lnB>
+                    <a:solidFill>
+                      <a:srgbClr val="FFFFFF"/>
+                    </a:solidFill>
+                  </a:tcPr>
+                </a:tc>
+                <a:tc>
+                  <a:txBody>
+                    <a:bodyPr/>
+                    <a:lstStyle/>
+                    <a:p>
+                      <a:pPr>
+                        <a:lnSpc>
+                          <a:spcPct val="115000"/>
+                        </a:lnSpc>
+                        <a:spcAft>
+                          <a:spcPts val="0"/>
+                        </a:spcAft>
+                      </a:pPr>
+                      <a:r>
+                        <a:rPr lang="ru-RU" sz="1400" dirty="0" smtClean="0">
+                          <a:latin typeface="Times New Roman"/>
+                          <a:ea typeface="Times New Roman"/>
+                        </a:rPr>
+                        <a:t> Параметр </a:t>
+                      </a:r>
+                      <a:r>
+                        <a:rPr lang="ru-RU" sz="1400" dirty="0">
+                          <a:latin typeface="Times New Roman"/>
+                          <a:ea typeface="Times New Roman"/>
+                        </a:rPr>
+                        <a:t>не может быть приведен к запрошенному типу</a:t>
+                      </a:r>
+                    </a:p>
+                  </a:txBody>
+                  <a:tcPr marL="9525" marR="9525" marT="9525" marB="9525" anchor="ctr">
+                    <a:lnL w="12700" cap="flat" cmpd="sng" algn="ctr">
+                      <a:solidFill>
+                        <a:schemeClr val="tx1"/>
+                      </a:solidFill>
+                      <a:prstDash val="solid"/>
+                      <a:round/>
+                      <a:headEnd type="none" w="med" len="med"/>
+                      <a:tailEnd type="none" w="med" len="med"/>
+                    </a:lnL>
+                    <a:lnR w="12700" cap="flat" cmpd="sng" algn="ctr">
+                      <a:solidFill>
+                        <a:schemeClr val="tx1"/>
+                      </a:solidFill>
+                      <a:prstDash val="solid"/>
+                      <a:round/>
+                      <a:headEnd type="none" w="med" len="med"/>
+                      <a:tailEnd type="none" w="med" len="med"/>
+                    </a:lnR>
+                    <a:lnT w="12700" cap="flat" cmpd="sng" algn="ctr">
+                      <a:solidFill>
+                        <a:schemeClr val="tx1"/>
+                      </a:solidFill>
+                      <a:prstDash val="solid"/>
+                      <a:round/>
+                      <a:headEnd type="none" w="med" len="med"/>
+                      <a:tailEnd type="none" w="med" len="med"/>
+                    </a:lnT>
+                    <a:lnB w="12700" cap="flat" cmpd="sng" algn="ctr">
+                      <a:solidFill>
+                        <a:schemeClr val="tx1"/>
+                      </a:solidFill>
+                      <a:prstDash val="solid"/>
+                      <a:round/>
+                      <a:headEnd type="none" w="med" len="med"/>
+                      <a:tailEnd type="none" w="med" len="med"/>
+                    </a:lnB>
+                    <a:solidFill>
+                      <a:srgbClr val="FFFFFF"/>
+                    </a:solidFill>
+                  </a:tcPr>
+                </a:tc>
+              </a:tr>
+              <a:tr h="306705">
+                <a:tc>
+                  <a:txBody>
+                    <a:bodyPr/>
+                    <a:lstStyle/>
+                    <a:p>
+                      <a:pPr>
+                        <a:lnSpc>
+                          <a:spcPct val="115000"/>
+                        </a:lnSpc>
+                        <a:spcAft>
+                          <a:spcPts val="0"/>
+                        </a:spcAft>
+                      </a:pPr>
+                      <a:r>
+                        <a:rPr lang="ru-RU" sz="1400">
+                          <a:latin typeface="Times New Roman"/>
+                          <a:ea typeface="Times New Roman"/>
+                        </a:rPr>
+                        <a:t>TENOTSET</a:t>
+                      </a:r>
+                    </a:p>
+                  </a:txBody>
+                  <a:tcPr marL="9525" marR="9525" marT="9525" marB="9525" anchor="ctr">
+                    <a:lnL w="12700" cap="flat" cmpd="sng" algn="ctr">
+                      <a:solidFill>
+                        <a:schemeClr val="tx1"/>
+                      </a:solidFill>
+                      <a:prstDash val="solid"/>
+                      <a:round/>
+                      <a:headEnd type="none" w="med" len="med"/>
+                      <a:tailEnd type="none" w="med" len="med"/>
+                    </a:lnL>
+                    <a:lnR w="12700" cap="flat" cmpd="sng" algn="ctr">
+                      <a:solidFill>
+                        <a:schemeClr val="tx1"/>
+                      </a:solidFill>
+                      <a:prstDash val="solid"/>
+                      <a:round/>
+                      <a:headEnd type="none" w="med" len="med"/>
+                      <a:tailEnd type="none" w="med" len="med"/>
+                    </a:lnR>
+                    <a:lnT w="12700" cap="flat" cmpd="sng" algn="ctr">
+                      <a:solidFill>
+                        <a:schemeClr val="tx1"/>
+                      </a:solidFill>
+                      <a:prstDash val="solid"/>
+                      <a:round/>
+                      <a:headEnd type="none" w="med" len="med"/>
+                      <a:tailEnd type="none" w="med" len="med"/>
+                    </a:lnT>
+                    <a:lnB w="12700" cap="flat" cmpd="sng" algn="ctr">
+                      <a:solidFill>
+                        <a:schemeClr val="tx1"/>
+                      </a:solidFill>
+                      <a:prstDash val="solid"/>
+                      <a:round/>
+                      <a:headEnd type="none" w="med" len="med"/>
+                      <a:tailEnd type="none" w="med" len="med"/>
+                    </a:lnB>
+                    <a:solidFill>
+                      <a:srgbClr val="FFFFFF"/>
+                    </a:solidFill>
+                  </a:tcPr>
+                </a:tc>
+                <a:tc>
+                  <a:txBody>
+                    <a:bodyPr/>
+                    <a:lstStyle/>
+                    <a:p>
+                      <a:pPr>
+                        <a:lnSpc>
+                          <a:spcPct val="115000"/>
+                        </a:lnSpc>
+                        <a:spcAft>
+                          <a:spcPts val="0"/>
+                        </a:spcAft>
+                      </a:pPr>
+                      <a:r>
+                        <a:rPr lang="ru-RU" sz="1400" dirty="0" smtClean="0">
+                          <a:latin typeface="Times New Roman"/>
+                          <a:ea typeface="Times New Roman"/>
+                        </a:rPr>
+                        <a:t> Параметр </a:t>
+                      </a:r>
+                      <a:r>
+                        <a:rPr lang="ru-RU" sz="1400" dirty="0">
+                          <a:latin typeface="Times New Roman"/>
+                          <a:ea typeface="Times New Roman"/>
+                        </a:rPr>
+                        <a:t>не передан при вызове приложения.</a:t>
+                      </a:r>
+                    </a:p>
+                  </a:txBody>
+                  <a:tcPr marL="9525" marR="9525" marT="9525" marB="9525" anchor="ctr">
+                    <a:lnL w="12700" cap="flat" cmpd="sng" algn="ctr">
+                      <a:solidFill>
+                        <a:schemeClr val="tx1"/>
+                      </a:solidFill>
+                      <a:prstDash val="solid"/>
+                      <a:round/>
+                      <a:headEnd type="none" w="med" len="med"/>
+                      <a:tailEnd type="none" w="med" len="med"/>
+                    </a:lnL>
+                    <a:lnR w="12700" cap="flat" cmpd="sng" algn="ctr">
+                      <a:solidFill>
+                        <a:schemeClr val="tx1"/>
+                      </a:solidFill>
+                      <a:prstDash val="solid"/>
+                      <a:round/>
+                      <a:headEnd type="none" w="med" len="med"/>
+                      <a:tailEnd type="none" w="med" len="med"/>
+                    </a:lnR>
+                    <a:lnT w="12700" cap="flat" cmpd="sng" algn="ctr">
+                      <a:solidFill>
+                        <a:schemeClr val="tx1"/>
+                      </a:solidFill>
+                      <a:prstDash val="solid"/>
+                      <a:round/>
+                      <a:headEnd type="none" w="med" len="med"/>
+                      <a:tailEnd type="none" w="med" len="med"/>
+                    </a:lnT>
+                    <a:lnB w="12700" cap="flat" cmpd="sng" algn="ctr">
+                      <a:solidFill>
+                        <a:schemeClr val="tx1"/>
+                      </a:solidFill>
+                      <a:prstDash val="solid"/>
+                      <a:round/>
+                      <a:headEnd type="none" w="med" len="med"/>
+                      <a:tailEnd type="none" w="med" len="med"/>
+                    </a:lnB>
+                    <a:solidFill>
+                      <a:srgbClr val="FFFFFF"/>
+                    </a:solidFill>
+                  </a:tcPr>
+                </a:tc>
+              </a:tr>
+              <a:tr h="306705">
+                <a:tc>
+                  <a:txBody>
+                    <a:bodyPr/>
+                    <a:lstStyle/>
+                    <a:p>
+                      <a:pPr>
+                        <a:lnSpc>
+                          <a:spcPct val="115000"/>
+                        </a:lnSpc>
+                        <a:spcAft>
+                          <a:spcPts val="0"/>
+                        </a:spcAft>
+                      </a:pPr>
+                      <a:r>
+                        <a:rPr lang="ru-RU" sz="1400">
+                          <a:latin typeface="Times New Roman"/>
+                          <a:ea typeface="Times New Roman"/>
+                        </a:rPr>
+                        <a:t>TENES    </a:t>
+                      </a:r>
+                    </a:p>
+                  </a:txBody>
+                  <a:tcPr marL="9525" marR="9525" marT="9525" marB="9525" anchor="ctr">
+                    <a:lnL w="12700" cap="flat" cmpd="sng" algn="ctr">
+                      <a:solidFill>
+                        <a:schemeClr val="tx1"/>
+                      </a:solidFill>
+                      <a:prstDash val="solid"/>
+                      <a:round/>
+                      <a:headEnd type="none" w="med" len="med"/>
+                      <a:tailEnd type="none" w="med" len="med"/>
+                    </a:lnL>
+                    <a:lnR w="12700" cap="flat" cmpd="sng" algn="ctr">
+                      <a:solidFill>
+                        <a:schemeClr val="tx1"/>
+                      </a:solidFill>
+                      <a:prstDash val="solid"/>
+                      <a:round/>
+                      <a:headEnd type="none" w="med" len="med"/>
+                      <a:tailEnd type="none" w="med" len="med"/>
+                    </a:lnR>
+                    <a:lnT w="12700" cap="flat" cmpd="sng" algn="ctr">
+                      <a:solidFill>
+                        <a:schemeClr val="tx1"/>
+                      </a:solidFill>
+                      <a:prstDash val="solid"/>
+                      <a:round/>
+                      <a:headEnd type="none" w="med" len="med"/>
+                      <a:tailEnd type="none" w="med" len="med"/>
+                    </a:lnT>
+                    <a:lnB w="12700" cap="flat" cmpd="sng" algn="ctr">
+                      <a:solidFill>
+                        <a:schemeClr val="tx1"/>
+                      </a:solidFill>
+                      <a:prstDash val="solid"/>
+                      <a:round/>
+                      <a:headEnd type="none" w="med" len="med"/>
+                      <a:tailEnd type="none" w="med" len="med"/>
+                    </a:lnB>
+                    <a:solidFill>
+                      <a:srgbClr val="FFFFFF"/>
+                    </a:solidFill>
+                  </a:tcPr>
+                </a:tc>
+                <a:tc>
+                  <a:txBody>
+                    <a:bodyPr/>
+                    <a:lstStyle/>
+                    <a:p>
+                      <a:pPr>
+                        <a:lnSpc>
+                          <a:spcPct val="115000"/>
+                        </a:lnSpc>
+                        <a:spcAft>
+                          <a:spcPts val="0"/>
+                        </a:spcAft>
+                      </a:pPr>
+                      <a:r>
+                        <a:rPr lang="ru-RU" sz="1400" dirty="0" smtClean="0">
+                          <a:latin typeface="Times New Roman"/>
+                          <a:ea typeface="Times New Roman"/>
+                        </a:rPr>
+                        <a:t> Размер </a:t>
+                      </a:r>
+                      <a:r>
+                        <a:rPr lang="ru-RU" sz="1400" dirty="0">
+                          <a:latin typeface="Times New Roman"/>
+                          <a:ea typeface="Times New Roman"/>
+                        </a:rPr>
+                        <a:t>буфера недостаточно велик для помещения параметра</a:t>
+                      </a:r>
+                    </a:p>
+                  </a:txBody>
+                  <a:tcPr marL="9525" marR="9525" marT="9525" marB="9525" anchor="ctr">
+                    <a:lnL w="12700" cap="flat" cmpd="sng" algn="ctr">
+                      <a:solidFill>
+                        <a:schemeClr val="tx1"/>
+                      </a:solidFill>
+                      <a:prstDash val="solid"/>
+                      <a:round/>
+                      <a:headEnd type="none" w="med" len="med"/>
+                      <a:tailEnd type="none" w="med" len="med"/>
+                    </a:lnL>
+                    <a:lnR w="12700" cap="flat" cmpd="sng" algn="ctr">
+                      <a:solidFill>
+                        <a:schemeClr val="tx1"/>
+                      </a:solidFill>
+                      <a:prstDash val="solid"/>
+                      <a:round/>
+                      <a:headEnd type="none" w="med" len="med"/>
+                      <a:tailEnd type="none" w="med" len="med"/>
+                    </a:lnR>
+                    <a:lnT w="12700" cap="flat" cmpd="sng" algn="ctr">
+                      <a:solidFill>
+                        <a:schemeClr val="tx1"/>
+                      </a:solidFill>
+                      <a:prstDash val="solid"/>
+                      <a:round/>
+                      <a:headEnd type="none" w="med" len="med"/>
+                      <a:tailEnd type="none" w="med" len="med"/>
+                    </a:lnT>
+                    <a:lnB w="12700" cap="flat" cmpd="sng" algn="ctr">
+                      <a:solidFill>
+                        <a:schemeClr val="tx1"/>
+                      </a:solidFill>
+                      <a:prstDash val="solid"/>
+                      <a:round/>
+                      <a:headEnd type="none" w="med" len="med"/>
+                      <a:tailEnd type="none" w="med" len="med"/>
+                    </a:lnB>
+                    <a:solidFill>
+                      <a:srgbClr val="FFFFFF"/>
+                    </a:solidFill>
+                  </a:tcPr>
+                </a:tc>
+              </a:tr>
+              <a:tr h="306705">
+                <a:tc>
+                  <a:txBody>
+                    <a:bodyPr/>
+                    <a:lstStyle/>
+                    <a:p>
+                      <a:pPr>
+                        <a:lnSpc>
+                          <a:spcPct val="115000"/>
+                        </a:lnSpc>
+                        <a:spcAft>
+                          <a:spcPts val="0"/>
+                        </a:spcAft>
+                      </a:pPr>
+                      <a:r>
+                        <a:rPr lang="ru-RU" sz="1400">
+                          <a:latin typeface="Times New Roman"/>
+                          <a:ea typeface="Times New Roman"/>
+                        </a:rPr>
+                        <a:t>TEFAILL</a:t>
+                      </a:r>
+                    </a:p>
+                  </a:txBody>
+                  <a:tcPr marL="9525" marR="9525" marT="9525" marB="9525" anchor="ctr">
+                    <a:lnL w="12700" cap="flat" cmpd="sng" algn="ctr">
+                      <a:solidFill>
+                        <a:schemeClr val="tx1"/>
+                      </a:solidFill>
+                      <a:prstDash val="solid"/>
+                      <a:round/>
+                      <a:headEnd type="none" w="med" len="med"/>
+                      <a:tailEnd type="none" w="med" len="med"/>
+                    </a:lnL>
+                    <a:lnR w="12700" cap="flat" cmpd="sng" algn="ctr">
+                      <a:solidFill>
+                        <a:schemeClr val="tx1"/>
+                      </a:solidFill>
+                      <a:prstDash val="solid"/>
+                      <a:round/>
+                      <a:headEnd type="none" w="med" len="med"/>
+                      <a:tailEnd type="none" w="med" len="med"/>
+                    </a:lnR>
+                    <a:lnT w="12700" cap="flat" cmpd="sng" algn="ctr">
+                      <a:solidFill>
+                        <a:schemeClr val="tx1"/>
+                      </a:solidFill>
+                      <a:prstDash val="solid"/>
+                      <a:round/>
+                      <a:headEnd type="none" w="med" len="med"/>
+                      <a:tailEnd type="none" w="med" len="med"/>
+                    </a:lnT>
+                    <a:lnB w="12700" cap="flat" cmpd="sng" algn="ctr">
+                      <a:solidFill>
+                        <a:schemeClr val="tx1"/>
+                      </a:solidFill>
+                      <a:prstDash val="solid"/>
+                      <a:round/>
+                      <a:headEnd type="none" w="med" len="med"/>
+                      <a:tailEnd type="none" w="med" len="med"/>
+                    </a:lnB>
+                    <a:solidFill>
+                      <a:srgbClr val="FFFFFF"/>
+                    </a:solidFill>
+                  </a:tcPr>
+                </a:tc>
+                <a:tc>
+                  <a:txBody>
+                    <a:bodyPr/>
+                    <a:lstStyle/>
+                    <a:p>
+                      <a:pPr>
+                        <a:lnSpc>
+                          <a:spcPct val="115000"/>
+                        </a:lnSpc>
+                        <a:spcAft>
+                          <a:spcPts val="0"/>
+                        </a:spcAft>
+                      </a:pPr>
+                      <a:r>
+                        <a:rPr lang="ru-RU" sz="1400" dirty="0" smtClean="0">
+                          <a:latin typeface="Times New Roman"/>
+                          <a:ea typeface="Times New Roman"/>
+                        </a:rPr>
+                        <a:t> Отказ </a:t>
+                      </a:r>
+                      <a:r>
+                        <a:rPr lang="ru-RU" sz="1400" dirty="0">
+                          <a:latin typeface="Times New Roman"/>
+                          <a:ea typeface="Times New Roman"/>
+                        </a:rPr>
+                        <a:t>по непонятным причинам</a:t>
+                      </a:r>
+                    </a:p>
+                  </a:txBody>
+                  <a:tcPr marL="9525" marR="9525" marT="9525" marB="9525" anchor="ctr">
+                    <a:lnL w="12700" cap="flat" cmpd="sng" algn="ctr">
+                      <a:solidFill>
+                        <a:schemeClr val="tx1"/>
+                      </a:solidFill>
+                      <a:prstDash val="solid"/>
+                      <a:round/>
+                      <a:headEnd type="none" w="med" len="med"/>
+                      <a:tailEnd type="none" w="med" len="med"/>
+                    </a:lnL>
+                    <a:lnR w="12700" cap="flat" cmpd="sng" algn="ctr">
+                      <a:solidFill>
+                        <a:schemeClr val="tx1"/>
+                      </a:solidFill>
+                      <a:prstDash val="solid"/>
+                      <a:round/>
+                      <a:headEnd type="none" w="med" len="med"/>
+                      <a:tailEnd type="none" w="med" len="med"/>
+                    </a:lnR>
+                    <a:lnT w="12700" cap="flat" cmpd="sng" algn="ctr">
+                      <a:solidFill>
+                        <a:schemeClr val="tx1"/>
+                      </a:solidFill>
+                      <a:prstDash val="solid"/>
+                      <a:round/>
+                      <a:headEnd type="none" w="med" len="med"/>
+                      <a:tailEnd type="none" w="med" len="med"/>
+                    </a:lnT>
+                    <a:lnB w="12700" cap="flat" cmpd="sng" algn="ctr">
+                      <a:solidFill>
+                        <a:schemeClr val="tx1"/>
+                      </a:solidFill>
+                      <a:prstDash val="solid"/>
+                      <a:round/>
+                      <a:headEnd type="none" w="med" len="med"/>
+                      <a:tailEnd type="none" w="med" len="med"/>
+                    </a:lnB>
+                    <a:solidFill>
+                      <a:srgbClr val="FFFFFF"/>
+                    </a:solidFill>
+                  </a:tcPr>
+                </a:tc>
+              </a:tr>
+            </a:tbl>
+          </a:graphicData>
+        </a:graphic>
+      </p:graphicFrame>
+      <p:sp>
+        <p:nvSpPr>
+          <p:cNvPr id="26" name="TextBox 25"/>
+          <p:cNvSpPr txBox="1"/>
+          <p:nvPr/>
+        </p:nvSpPr>
+        <p:spPr>
+          <a:xfrm>
+            <a:off x="5143504" y="4324367"/>
+            <a:ext cx="1293496" cy="307777"/>
+          </a:xfrm>
+          <a:prstGeom prst="rect">
+            <a:avLst/>
+          </a:prstGeom>
+          <a:noFill/>
+        </p:spPr>
+        <p:txBody>
+          <a:bodyPr wrap="none" rtlCol="0">
+            <a:spAutoFit/>
+          </a:bodyPr>
+          <a:lstStyle/>
+          <a:p>
+            <a:r>
+              <a:rPr lang="ru-RU" sz="1400" b="1" dirty="0" smtClean="0">
+                <a:latin typeface="Times New Roman" pitchFamily="18" charset="0"/>
+                <a:cs typeface="Times New Roman" pitchFamily="18" charset="0"/>
+              </a:rPr>
+              <a:t>Коды ошибок</a:t>
+            </a:r>
+          </a:p>
+        </p:txBody>
+      </p:sp>
     </p:spTree>
   </p:cSld>
   <p:clrMapOvr>
@@ -7965,40 +11272,9 @@
                 <a:latin typeface="Times New Roman" pitchFamily="18" charset="0"/>
                 <a:cs typeface="Times New Roman" pitchFamily="18" charset="0"/>
               </a:rPr>
-              <a:t>Функция инициализации библиотеки</a:t>
+              <a:t>Функции получения входных параметров</a:t>
             </a:r>
             <a:endParaRPr lang="ru-RU" sz="2600" dirty="0">
-              <a:latin typeface="Times New Roman" pitchFamily="18" charset="0"/>
-              <a:cs typeface="Times New Roman" pitchFamily="18" charset="0"/>
-            </a:endParaRPr>
-          </a:p>
-        </p:txBody>
-      </p:sp>
-      <p:sp>
-        <p:nvSpPr>
-          <p:cNvPr id="5" name="Содержимое 4"/>
-          <p:cNvSpPr>
-            <a:spLocks noGrp="1"/>
-          </p:cNvSpPr>
-          <p:nvPr>
-            <p:ph idx="1"/>
-          </p:nvPr>
-        </p:nvSpPr>
-        <p:spPr/>
-        <p:txBody>
-          <a:bodyPr>
-            <a:normAutofit/>
-          </a:bodyPr>
-          <a:lstStyle/>
-          <a:p>
-            <a:r>
-              <a:rPr lang="ru-RU" sz="1800" dirty="0" smtClean="0">
-                <a:latin typeface="Times New Roman" pitchFamily="18" charset="0"/>
-                <a:cs typeface="Times New Roman" pitchFamily="18" charset="0"/>
-              </a:rPr>
-              <a:t>Функция инициализирует работу библиотеки и производит разбор параметров переданных вместе с командной строкой.</a:t>
-            </a:r>
-            <a:endParaRPr lang="ru-RU" sz="1800" dirty="0">
               <a:latin typeface="Times New Roman" pitchFamily="18" charset="0"/>
               <a:cs typeface="Times New Roman" pitchFamily="18" charset="0"/>
             </a:endParaRPr>
@@ -8134,7 +11410,10 @@
             <a:avLst/>
           </a:prstGeom>
           <a:solidFill>
-            <a:schemeClr val="bg1"/>
+            <a:schemeClr val="accent3">
+              <a:lumMod val="60000"/>
+              <a:lumOff val="40000"/>
+            </a:schemeClr>
           </a:solidFill>
           <a:ln>
             <a:solidFill>
@@ -8181,17 +11460,7 @@
                 <a:latin typeface="Times New Roman" pitchFamily="18" charset="0"/>
                 <a:cs typeface="Times New Roman" pitchFamily="18" charset="0"/>
               </a:rPr>
-              <a:t>бор </a:t>
-            </a:r>
-            <a:r>
-              <a:rPr lang="ru-RU" sz="1200" dirty="0" smtClean="0">
-                <a:solidFill>
-                  <a:schemeClr val="tx1"/>
-                </a:solidFill>
-                <a:latin typeface="Times New Roman" pitchFamily="18" charset="0"/>
-                <a:cs typeface="Times New Roman" pitchFamily="18" charset="0"/>
-              </a:rPr>
-              <a:t>параметров</a:t>
+              <a:t>бор параметров</a:t>
             </a:r>
           </a:p>
         </p:txBody>
@@ -8211,10 +11480,7 @@
             <a:avLst/>
           </a:prstGeom>
           <a:solidFill>
-            <a:schemeClr val="accent3">
-              <a:lumMod val="60000"/>
-              <a:lumOff val="40000"/>
-            </a:schemeClr>
+            <a:schemeClr val="bg1"/>
           </a:solidFill>
           <a:ln>
             <a:solidFill>
@@ -8872,17 +12138,7 @@
                 <a:latin typeface="Times New Roman" pitchFamily="18" charset="0"/>
                 <a:cs typeface="Times New Roman" pitchFamily="18" charset="0"/>
               </a:rPr>
-              <a:t>бор </a:t>
-            </a:r>
-            <a:r>
-              <a:rPr lang="ru-RU" sz="1200" dirty="0" smtClean="0">
-                <a:solidFill>
-                  <a:schemeClr val="tx1"/>
-                </a:solidFill>
-                <a:latin typeface="Times New Roman" pitchFamily="18" charset="0"/>
-                <a:cs typeface="Times New Roman" pitchFamily="18" charset="0"/>
-              </a:rPr>
-              <a:t>параметров</a:t>
+              <a:t>бор параметров</a:t>
             </a:r>
           </a:p>
         </p:txBody>
@@ -8896,63 +12152,6 @@
         <p:spPr>
           <a:xfrm>
             <a:off x="4714876" y="500042"/>
-            <a:ext cx="1643074" cy="214314"/>
-          </a:xfrm>
-          <a:prstGeom prst="flowChartTerminator">
-            <a:avLst/>
-          </a:prstGeom>
-          <a:solidFill>
-            <a:schemeClr val="bg1"/>
-          </a:solidFill>
-          <a:ln>
-            <a:solidFill>
-              <a:schemeClr val="tx1"/>
-            </a:solidFill>
-          </a:ln>
-        </p:spPr>
-        <p:style>
-          <a:lnRef idx="2">
-            <a:schemeClr val="accent1">
-              <a:shade val="50000"/>
-            </a:schemeClr>
-          </a:lnRef>
-          <a:fillRef idx="1">
-            <a:schemeClr val="accent1"/>
-          </a:fillRef>
-          <a:effectRef idx="0">
-            <a:schemeClr val="accent1"/>
-          </a:effectRef>
-          <a:fontRef idx="minor">
-            <a:schemeClr val="lt1"/>
-          </a:fontRef>
-        </p:style>
-        <p:txBody>
-          <a:bodyPr rtlCol="0" anchor="ctr"/>
-          <a:lstStyle/>
-          <a:p>
-            <a:pPr algn="ctr"/>
-            <a:r>
-              <a:rPr lang="ru-RU" sz="1200" dirty="0" smtClean="0">
-                <a:solidFill>
-                  <a:schemeClr val="tx1"/>
-                </a:solidFill>
-                <a:latin typeface="Times New Roman" pitchFamily="18" charset="0"/>
-                <a:cs typeface="Times New Roman" pitchFamily="18" charset="0"/>
-              </a:rPr>
-              <a:t>Вывод</a:t>
-            </a:r>
-          </a:p>
-        </p:txBody>
-      </p:sp>
-      <p:sp>
-        <p:nvSpPr>
-          <p:cNvPr id="11" name="Блок-схема: знак завершения 10"/>
-          <p:cNvSpPr/>
-          <p:nvPr/>
-        </p:nvSpPr>
-        <p:spPr>
-          <a:xfrm>
-            <a:off x="6572264" y="500042"/>
             <a:ext cx="1643074" cy="214314"/>
           </a:xfrm>
           <a:prstGeom prst="flowChartTerminator">
@@ -8963,6 +12162,63 @@
               <a:lumMod val="60000"/>
               <a:lumOff val="40000"/>
             </a:schemeClr>
+          </a:solidFill>
+          <a:ln>
+            <a:solidFill>
+              <a:schemeClr val="tx1"/>
+            </a:solidFill>
+          </a:ln>
+        </p:spPr>
+        <p:style>
+          <a:lnRef idx="2">
+            <a:schemeClr val="accent1">
+              <a:shade val="50000"/>
+            </a:schemeClr>
+          </a:lnRef>
+          <a:fillRef idx="1">
+            <a:schemeClr val="accent1"/>
+          </a:fillRef>
+          <a:effectRef idx="0">
+            <a:schemeClr val="accent1"/>
+          </a:effectRef>
+          <a:fontRef idx="minor">
+            <a:schemeClr val="lt1"/>
+          </a:fontRef>
+        </p:style>
+        <p:txBody>
+          <a:bodyPr rtlCol="0" anchor="ctr"/>
+          <a:lstStyle/>
+          <a:p>
+            <a:pPr algn="ctr"/>
+            <a:r>
+              <a:rPr lang="ru-RU" sz="1200" dirty="0" smtClean="0">
+                <a:solidFill>
+                  <a:schemeClr val="tx1"/>
+                </a:solidFill>
+                <a:latin typeface="Times New Roman" pitchFamily="18" charset="0"/>
+                <a:cs typeface="Times New Roman" pitchFamily="18" charset="0"/>
+              </a:rPr>
+              <a:t>Вывод</a:t>
+            </a:r>
+          </a:p>
+        </p:txBody>
+      </p:sp>
+      <p:sp>
+        <p:nvSpPr>
+          <p:cNvPr id="11" name="Блок-схема: знак завершения 10"/>
+          <p:cNvSpPr/>
+          <p:nvPr/>
+        </p:nvSpPr>
+        <p:spPr>
+          <a:xfrm>
+            <a:off x="6572264" y="500042"/>
+            <a:ext cx="1643074" cy="214314"/>
+          </a:xfrm>
+          <a:prstGeom prst="flowChartTerminator">
+            <a:avLst/>
+          </a:prstGeom>
+          <a:solidFill>
+            <a:schemeClr val="bg1"/>
           </a:solidFill>
           <a:ln>
             <a:solidFill>
@@ -9322,20 +12578,89 @@
       </p:grpSpPr>
       <p:sp>
         <p:nvSpPr>
-          <p:cNvPr id="10" name="Прямоугольник 9"/>
+          <p:cNvPr id="2" name="Заголовок 1"/>
+          <p:cNvSpPr>
+            <a:spLocks noGrp="1"/>
+          </p:cNvSpPr>
+          <p:nvPr>
+            <p:ph type="title"/>
+          </p:nvPr>
+        </p:nvSpPr>
+        <p:spPr>
+          <a:xfrm>
+            <a:off x="0" y="857232"/>
+            <a:ext cx="9144000" cy="500058"/>
+          </a:xfrm>
+        </p:spPr>
+        <p:txBody>
+          <a:bodyPr>
+            <a:normAutofit/>
+          </a:bodyPr>
+          <a:lstStyle/>
+          <a:p>
+            <a:r>
+              <a:rPr lang="ru-RU" sz="2600" dirty="0" smtClean="0">
+                <a:latin typeface="Times New Roman" pitchFamily="18" charset="0"/>
+                <a:cs typeface="Times New Roman" pitchFamily="18" charset="0"/>
+              </a:rPr>
+              <a:t>Функция инициализации библиотеки</a:t>
+            </a:r>
+            <a:endParaRPr lang="ru-RU" sz="2600" dirty="0">
+              <a:latin typeface="Times New Roman" pitchFamily="18" charset="0"/>
+              <a:cs typeface="Times New Roman" pitchFamily="18" charset="0"/>
+            </a:endParaRPr>
+          </a:p>
+        </p:txBody>
+      </p:sp>
+      <p:sp>
+        <p:nvSpPr>
+          <p:cNvPr id="5" name="Содержимое 4"/>
+          <p:cNvSpPr>
+            <a:spLocks noGrp="1"/>
+          </p:cNvSpPr>
+          <p:nvPr>
+            <p:ph idx="1"/>
+          </p:nvPr>
+        </p:nvSpPr>
+        <p:spPr/>
+        <p:txBody>
+          <a:bodyPr>
+            <a:normAutofit/>
+          </a:bodyPr>
+          <a:lstStyle/>
+          <a:p>
+            <a:r>
+              <a:rPr lang="ru-RU" sz="1800" dirty="0" smtClean="0">
+                <a:latin typeface="Times New Roman" pitchFamily="18" charset="0"/>
+                <a:cs typeface="Times New Roman" pitchFamily="18" charset="0"/>
+              </a:rPr>
+              <a:t>Функция инициализирует работу библиотеки и производит разбор параметров переданных вместе с командной строкой.</a:t>
+            </a:r>
+            <a:endParaRPr lang="ru-RU" sz="1800" dirty="0">
+              <a:latin typeface="Times New Roman" pitchFamily="18" charset="0"/>
+              <a:cs typeface="Times New Roman" pitchFamily="18" charset="0"/>
+            </a:endParaRPr>
+          </a:p>
+        </p:txBody>
+      </p:sp>
+      <p:sp>
+        <p:nvSpPr>
+          <p:cNvPr id="7" name="Блок-схема: знак завершения 6"/>
           <p:cNvSpPr/>
           <p:nvPr/>
         </p:nvSpPr>
         <p:spPr>
           <a:xfrm>
-            <a:off x="142844" y="571480"/>
-            <a:ext cx="8858312" cy="4714908"/>
-          </a:xfrm>
-          <a:prstGeom prst="rect">
+            <a:off x="928662" y="500042"/>
+            <a:ext cx="1643074" cy="214314"/>
+          </a:xfrm>
+          <a:prstGeom prst="flowChartTerminator">
             <a:avLst/>
           </a:prstGeom>
-          <a:noFill/>
-          <a:ln cmpd="dbl">
+          <a:solidFill>
+            <a:schemeClr val="bg1"/>
+          </a:solidFill>
+          <a:ln>
             <a:solidFill>
               <a:schemeClr val="tx1"/>
             </a:solidFill>
@@ -9362,173 +12687,544 @@
           <a:lstStyle/>
           <a:p>
             <a:pPr algn="ctr"/>
-            <a:endParaRPr lang="ru-RU"/>
-          </a:p>
-        </p:txBody>
-      </p:sp>
-      <p:sp>
-        <p:nvSpPr>
-          <p:cNvPr id="2" name="Заголовок 1"/>
-          <p:cNvSpPr>
-            <a:spLocks noGrp="1"/>
-          </p:cNvSpPr>
-          <p:nvPr>
-            <p:ph type="title"/>
-          </p:nvPr>
-        </p:nvSpPr>
-        <p:spPr>
-          <a:xfrm>
-            <a:off x="0" y="0"/>
-            <a:ext cx="9144000" cy="571480"/>
-          </a:xfrm>
-        </p:spPr>
-        <p:txBody>
-          <a:bodyPr>
-            <a:normAutofit fontScale="90000"/>
-          </a:bodyPr>
-          <a:lstStyle/>
-          <a:p>
-            <a:r>
-              <a:rPr lang="ru-RU" sz="2900" dirty="0" smtClean="0">
-                <a:latin typeface="Times New Roman" pitchFamily="18" charset="0"/>
-                <a:cs typeface="Times New Roman" pitchFamily="18" charset="0"/>
-              </a:rPr>
-              <a:t>Демонстрация среды исполнения подпрограмм библиотеки</a:t>
-            </a:r>
-            <a:r>
-              <a:rPr lang="ru-RU" dirty="0" smtClean="0"/>
-              <a:t> </a:t>
-            </a:r>
-            <a:endParaRPr lang="ru-RU" dirty="0"/>
-          </a:p>
-        </p:txBody>
-      </p:sp>
-      <p:sp>
-        <p:nvSpPr>
-          <p:cNvPr id="4" name="Номер слайда 3"/>
-          <p:cNvSpPr>
-            <a:spLocks noGrp="1"/>
-          </p:cNvSpPr>
-          <p:nvPr>
-            <p:ph type="sldNum" sz="quarter" idx="12"/>
-          </p:nvPr>
-        </p:nvSpPr>
-        <p:spPr/>
-        <p:txBody>
-          <a:bodyPr/>
-          <a:lstStyle/>
-          <a:p>
-            <a:fld id="{F2BB55FB-146C-47F1-A3F4-E5E9F11C5D2A}" type="slidenum">
-              <a:rPr lang="ru-RU" smtClean="0"/>
-              <a:pPr/>
-              <a:t>8</a:t>
-            </a:fld>
-            <a:endParaRPr lang="ru-RU"/>
-          </a:p>
-        </p:txBody>
-      </p:sp>
-      <p:pic>
-        <p:nvPicPr>
-          <p:cNvPr id="1027" name="Picture 3" descr="C:\Users\nwcfang\diplom_report\chistovik\mTest3_mini.png"/>
-          <p:cNvPicPr>
-            <a:picLocks noChangeAspect="1" noChangeArrowheads="1"/>
-          </p:cNvPicPr>
+            <a:r>
+              <a:rPr lang="ru-RU" sz="1200" dirty="0" smtClean="0">
+                <a:solidFill>
+                  <a:schemeClr val="tx1"/>
+                </a:solidFill>
+                <a:latin typeface="Times New Roman" pitchFamily="18" charset="0"/>
+                <a:cs typeface="Times New Roman" pitchFamily="18" charset="0"/>
+              </a:rPr>
+              <a:t>Инициализация</a:t>
+            </a:r>
+          </a:p>
+        </p:txBody>
+      </p:sp>
+      <p:sp>
+        <p:nvSpPr>
+          <p:cNvPr id="8" name="Блок-схема: знак завершения 7"/>
+          <p:cNvSpPr/>
           <p:nvPr/>
-        </p:nvPicPr>
-        <p:blipFill>
-          <a:blip r:embed="rId2"/>
-          <a:srcRect/>
-          <a:stretch>
-            <a:fillRect/>
-          </a:stretch>
-        </p:blipFill>
-        <p:spPr bwMode="auto">
-          <a:xfrm>
-            <a:off x="214282" y="642918"/>
-            <a:ext cx="8215370" cy="3148980"/>
-          </a:xfrm>
-          <a:prstGeom prst="rect">
+        </p:nvSpPr>
+        <p:spPr>
+          <a:xfrm>
+            <a:off x="3714744" y="142852"/>
+            <a:ext cx="1643074" cy="214314"/>
+          </a:xfrm>
+          <a:prstGeom prst="flowChartTerminator">
             <a:avLst/>
           </a:prstGeom>
-          <a:noFill/>
-        </p:spPr>
-      </p:pic>
-      <p:pic>
-        <p:nvPicPr>
-          <p:cNvPr id="1026" name="Picture 2" descr="C:\Users\nwcfang\diplom_report\chistovik\mTest4.PNG"/>
-          <p:cNvPicPr>
-            <a:picLocks noChangeAspect="1" noChangeArrowheads="1"/>
-          </p:cNvPicPr>
+          <a:solidFill>
+            <a:schemeClr val="bg1"/>
+          </a:solidFill>
+          <a:ln>
+            <a:solidFill>
+              <a:schemeClr val="tx1"/>
+            </a:solidFill>
+          </a:ln>
+        </p:spPr>
+        <p:style>
+          <a:lnRef idx="2">
+            <a:schemeClr val="accent1">
+              <a:shade val="50000"/>
+            </a:schemeClr>
+          </a:lnRef>
+          <a:fillRef idx="1">
+            <a:schemeClr val="accent1"/>
+          </a:fillRef>
+          <a:effectRef idx="0">
+            <a:schemeClr val="accent1"/>
+          </a:effectRef>
+          <a:fontRef idx="minor">
+            <a:schemeClr val="lt1"/>
+          </a:fontRef>
+        </p:style>
+        <p:txBody>
+          <a:bodyPr rtlCol="0" anchor="ctr"/>
+          <a:lstStyle/>
+          <a:p>
+            <a:pPr algn="ctr"/>
+            <a:r>
+              <a:rPr lang="ru-RU" sz="1200" dirty="0" smtClean="0">
+                <a:solidFill>
+                  <a:schemeClr val="tx1"/>
+                </a:solidFill>
+                <a:latin typeface="Times New Roman" pitchFamily="18" charset="0"/>
+                <a:cs typeface="Times New Roman" pitchFamily="18" charset="0"/>
+              </a:rPr>
+              <a:t>Работа с ошибками</a:t>
+            </a:r>
+          </a:p>
+        </p:txBody>
+      </p:sp>
+      <p:sp>
+        <p:nvSpPr>
+          <p:cNvPr id="9" name="Блок-схема: знак завершения 8"/>
+          <p:cNvSpPr/>
           <p:nvPr/>
-        </p:nvPicPr>
-        <p:blipFill>
-          <a:blip r:embed="rId3"/>
-          <a:srcRect/>
-          <a:stretch>
-            <a:fillRect/>
-          </a:stretch>
-        </p:blipFill>
-        <p:spPr bwMode="auto">
-          <a:xfrm>
-            <a:off x="214282" y="2402235"/>
-            <a:ext cx="7072362" cy="2834730"/>
-          </a:xfrm>
-          <a:prstGeom prst="rect">
+        </p:nvSpPr>
+        <p:spPr>
+          <a:xfrm>
+            <a:off x="2786050" y="500042"/>
+            <a:ext cx="1643074" cy="214314"/>
+          </a:xfrm>
+          <a:prstGeom prst="flowChartTerminator">
             <a:avLst/>
           </a:prstGeom>
-          <a:noFill/>
-        </p:spPr>
-      </p:pic>
-      <p:sp>
-        <p:nvSpPr>
-          <p:cNvPr id="9" name="TextBox 8"/>
-          <p:cNvSpPr txBox="1"/>
+          <a:solidFill>
+            <a:schemeClr val="bg1"/>
+          </a:solidFill>
+          <a:ln>
+            <a:solidFill>
+              <a:schemeClr val="tx1"/>
+            </a:solidFill>
+          </a:ln>
+        </p:spPr>
+        <p:style>
+          <a:lnRef idx="2">
+            <a:schemeClr val="accent1">
+              <a:shade val="50000"/>
+            </a:schemeClr>
+          </a:lnRef>
+          <a:fillRef idx="1">
+            <a:schemeClr val="accent1"/>
+          </a:fillRef>
+          <a:effectRef idx="0">
+            <a:schemeClr val="accent1"/>
+          </a:effectRef>
+          <a:fontRef idx="minor">
+            <a:schemeClr val="lt1"/>
+          </a:fontRef>
+        </p:style>
+        <p:txBody>
+          <a:bodyPr rtlCol="0" anchor="ctr"/>
+          <a:lstStyle/>
+          <a:p>
+            <a:pPr algn="ctr"/>
+            <a:r>
+              <a:rPr lang="en-US" sz="1200" dirty="0" smtClean="0">
+                <a:solidFill>
+                  <a:schemeClr val="tx1"/>
+                </a:solidFill>
+                <a:latin typeface="Times New Roman" pitchFamily="18" charset="0"/>
+                <a:cs typeface="Times New Roman" pitchFamily="18" charset="0"/>
+              </a:rPr>
+              <a:t>C</a:t>
+            </a:r>
+            <a:r>
+              <a:rPr lang="ru-RU" sz="1200" dirty="0" smtClean="0">
+                <a:solidFill>
+                  <a:schemeClr val="tx1"/>
+                </a:solidFill>
+                <a:latin typeface="Times New Roman" pitchFamily="18" charset="0"/>
+                <a:cs typeface="Times New Roman" pitchFamily="18" charset="0"/>
+              </a:rPr>
+              <a:t>бор параметров</a:t>
+            </a:r>
+          </a:p>
+        </p:txBody>
+      </p:sp>
+      <p:sp>
+        <p:nvSpPr>
+          <p:cNvPr id="10" name="Блок-схема: знак завершения 9"/>
+          <p:cNvSpPr/>
           <p:nvPr/>
         </p:nvSpPr>
         <p:spPr>
           <a:xfrm>
-            <a:off x="4110856" y="5643578"/>
-            <a:ext cx="4791055" cy="646331"/>
-          </a:xfrm>
-          <a:prstGeom prst="rect">
+            <a:off x="4714876" y="500042"/>
+            <a:ext cx="1643074" cy="214314"/>
+          </a:xfrm>
+          <a:prstGeom prst="flowChartTerminator">
             <a:avLst/>
           </a:prstGeom>
-          <a:noFill/>
-        </p:spPr>
-        <p:txBody>
-          <a:bodyPr wrap="none" rtlCol="0">
-            <a:spAutoFit/>
-          </a:bodyPr>
-          <a:lstStyle/>
-          <a:p>
-            <a:pPr algn="r"/>
-            <a:r>
-              <a:rPr lang="ru-RU" dirty="0" smtClean="0">
-                <a:latin typeface="Times New Roman" pitchFamily="18" charset="0"/>
-                <a:ea typeface="+mj-ea"/>
-                <a:cs typeface="Times New Roman" pitchFamily="18" charset="0"/>
-              </a:rPr>
-              <a:t>Фрагмент вывода автоматического модульного</a:t>
-            </a:r>
-          </a:p>
-          <a:p>
-            <a:pPr algn="r"/>
-            <a:r>
-              <a:rPr lang="ru-RU" dirty="0" smtClean="0">
-                <a:latin typeface="Times New Roman" pitchFamily="18" charset="0"/>
-                <a:ea typeface="+mj-ea"/>
-                <a:cs typeface="Times New Roman" pitchFamily="18" charset="0"/>
-              </a:rPr>
-              <a:t> тестирования функций библиотеки</a:t>
-            </a:r>
-            <a:endParaRPr lang="ru-RU" dirty="0" smtClean="0">
+          <a:solidFill>
+            <a:schemeClr val="bg1"/>
+          </a:solidFill>
+          <a:ln>
+            <a:solidFill>
+              <a:schemeClr val="tx1"/>
+            </a:solidFill>
+          </a:ln>
+        </p:spPr>
+        <p:style>
+          <a:lnRef idx="2">
+            <a:schemeClr val="accent1">
+              <a:shade val="50000"/>
+            </a:schemeClr>
+          </a:lnRef>
+          <a:fillRef idx="1">
+            <a:schemeClr val="accent1"/>
+          </a:fillRef>
+          <a:effectRef idx="0">
+            <a:schemeClr val="accent1"/>
+          </a:effectRef>
+          <a:fontRef idx="minor">
+            <a:schemeClr val="lt1"/>
+          </a:fontRef>
+        </p:style>
+        <p:txBody>
+          <a:bodyPr rtlCol="0" anchor="ctr"/>
+          <a:lstStyle/>
+          <a:p>
+            <a:pPr algn="ctr"/>
+            <a:r>
+              <a:rPr lang="ru-RU" sz="1200" dirty="0" smtClean="0">
+                <a:solidFill>
+                  <a:schemeClr val="tx1"/>
+                </a:solidFill>
+                <a:latin typeface="Times New Roman" pitchFamily="18" charset="0"/>
+                <a:cs typeface="Times New Roman" pitchFamily="18" charset="0"/>
+              </a:rPr>
+              <a:t>Вывод</a:t>
+            </a:r>
+          </a:p>
+        </p:txBody>
+      </p:sp>
+      <p:sp>
+        <p:nvSpPr>
+          <p:cNvPr id="11" name="Блок-схема: знак завершения 10"/>
+          <p:cNvSpPr/>
+          <p:nvPr/>
+        </p:nvSpPr>
+        <p:spPr>
+          <a:xfrm>
+            <a:off x="6572264" y="500042"/>
+            <a:ext cx="1643074" cy="214314"/>
+          </a:xfrm>
+          <a:prstGeom prst="flowChartTerminator">
+            <a:avLst/>
+          </a:prstGeom>
+          <a:solidFill>
+            <a:schemeClr val="accent3">
+              <a:lumMod val="60000"/>
+              <a:lumOff val="40000"/>
+            </a:schemeClr>
+          </a:solidFill>
+          <a:ln>
+            <a:solidFill>
+              <a:schemeClr val="tx1"/>
+            </a:solidFill>
+          </a:ln>
+        </p:spPr>
+        <p:style>
+          <a:lnRef idx="2">
+            <a:schemeClr val="accent1">
+              <a:shade val="50000"/>
+            </a:schemeClr>
+          </a:lnRef>
+          <a:fillRef idx="1">
+            <a:schemeClr val="accent1"/>
+          </a:fillRef>
+          <a:effectRef idx="0">
+            <a:schemeClr val="accent1"/>
+          </a:effectRef>
+          <a:fontRef idx="minor">
+            <a:schemeClr val="lt1"/>
+          </a:fontRef>
+        </p:style>
+        <p:txBody>
+          <a:bodyPr rtlCol="0" anchor="ctr"/>
+          <a:lstStyle/>
+          <a:p>
+            <a:pPr algn="ctr"/>
+            <a:r>
+              <a:rPr lang="ru-RU" sz="1200" dirty="0" err="1" smtClean="0">
+                <a:solidFill>
+                  <a:schemeClr val="tx1"/>
+                </a:solidFill>
+                <a:latin typeface="Times New Roman" pitchFamily="18" charset="0"/>
+                <a:cs typeface="Times New Roman" pitchFamily="18" charset="0"/>
+              </a:rPr>
+              <a:t>Финализация</a:t>
+            </a:r>
+            <a:endParaRPr lang="ru-RU" sz="1200" dirty="0" smtClean="0">
+              <a:solidFill>
+                <a:schemeClr val="tx1"/>
+              </a:solidFill>
               <a:latin typeface="Times New Roman" pitchFamily="18" charset="0"/>
-              <a:ea typeface="+mj-ea"/>
               <a:cs typeface="Times New Roman" pitchFamily="18" charset="0"/>
             </a:endParaRPr>
           </a:p>
         </p:txBody>
       </p:sp>
+      <p:cxnSp>
+        <p:nvCxnSpPr>
+          <p:cNvPr id="13" name="Shape 12"/>
+          <p:cNvCxnSpPr>
+            <a:stCxn id="7" idx="0"/>
+            <a:endCxn id="8" idx="1"/>
+          </p:cNvCxnSpPr>
+          <p:nvPr/>
+        </p:nvCxnSpPr>
+        <p:spPr>
+          <a:xfrm rot="5400000" flipH="1" flipV="1">
+            <a:off x="2607455" y="-607246"/>
+            <a:ext cx="250033" cy="1964545"/>
+          </a:xfrm>
+          <a:prstGeom prst="curvedConnector2">
+            <a:avLst/>
+          </a:prstGeom>
+          <a:ln>
+            <a:solidFill>
+              <a:schemeClr val="tx1"/>
+            </a:solidFill>
+            <a:tailEnd type="arrow"/>
+          </a:ln>
+        </p:spPr>
+        <p:style>
+          <a:lnRef idx="1">
+            <a:schemeClr val="accent1"/>
+          </a:lnRef>
+          <a:fillRef idx="0">
+            <a:schemeClr val="accent1"/>
+          </a:fillRef>
+          <a:effectRef idx="0">
+            <a:schemeClr val="accent1"/>
+          </a:effectRef>
+          <a:fontRef idx="minor">
+            <a:schemeClr val="tx1"/>
+          </a:fontRef>
+        </p:style>
+      </p:cxnSp>
+      <p:cxnSp>
+        <p:nvCxnSpPr>
+          <p:cNvPr id="15" name="Скругленная соединительная линия 14"/>
+          <p:cNvCxnSpPr>
+            <a:stCxn id="7" idx="3"/>
+            <a:endCxn id="9" idx="1"/>
+          </p:cNvCxnSpPr>
+          <p:nvPr/>
+        </p:nvCxnSpPr>
+        <p:spPr>
+          <a:xfrm>
+            <a:off x="2571736" y="607199"/>
+            <a:ext cx="214314" cy="1588"/>
+          </a:xfrm>
+          <a:prstGeom prst="curvedConnector3">
+            <a:avLst>
+              <a:gd name="adj1" fmla="val 50000"/>
+            </a:avLst>
+          </a:prstGeom>
+          <a:ln>
+            <a:solidFill>
+              <a:schemeClr val="tx1"/>
+            </a:solidFill>
+            <a:tailEnd type="arrow"/>
+          </a:ln>
+        </p:spPr>
+        <p:style>
+          <a:lnRef idx="1">
+            <a:schemeClr val="accent1"/>
+          </a:lnRef>
+          <a:fillRef idx="0">
+            <a:schemeClr val="accent1"/>
+          </a:fillRef>
+          <a:effectRef idx="0">
+            <a:schemeClr val="accent1"/>
+          </a:effectRef>
+          <a:fontRef idx="minor">
+            <a:schemeClr val="tx1"/>
+          </a:fontRef>
+        </p:style>
+      </p:cxnSp>
+      <p:cxnSp>
+        <p:nvCxnSpPr>
+          <p:cNvPr id="17" name="Скругленная соединительная линия 16"/>
+          <p:cNvCxnSpPr>
+            <a:stCxn id="9" idx="3"/>
+            <a:endCxn id="10" idx="1"/>
+          </p:cNvCxnSpPr>
+          <p:nvPr/>
+        </p:nvCxnSpPr>
+        <p:spPr>
+          <a:xfrm>
+            <a:off x="4429124" y="607199"/>
+            <a:ext cx="285752" cy="1588"/>
+          </a:xfrm>
+          <a:prstGeom prst="curvedConnector3">
+            <a:avLst>
+              <a:gd name="adj1" fmla="val 50000"/>
+            </a:avLst>
+          </a:prstGeom>
+          <a:ln>
+            <a:solidFill>
+              <a:schemeClr val="tx1"/>
+            </a:solidFill>
+            <a:tailEnd type="arrow"/>
+          </a:ln>
+        </p:spPr>
+        <p:style>
+          <a:lnRef idx="1">
+            <a:schemeClr val="accent1"/>
+          </a:lnRef>
+          <a:fillRef idx="0">
+            <a:schemeClr val="accent1"/>
+          </a:fillRef>
+          <a:effectRef idx="0">
+            <a:schemeClr val="accent1"/>
+          </a:effectRef>
+          <a:fontRef idx="minor">
+            <a:schemeClr val="tx1"/>
+          </a:fontRef>
+        </p:style>
+      </p:cxnSp>
+      <p:cxnSp>
+        <p:nvCxnSpPr>
+          <p:cNvPr id="19" name="Скругленная соединительная линия 18"/>
+          <p:cNvCxnSpPr>
+            <a:stCxn id="10" idx="3"/>
+            <a:endCxn id="11" idx="1"/>
+          </p:cNvCxnSpPr>
+          <p:nvPr/>
+        </p:nvCxnSpPr>
+        <p:spPr>
+          <a:xfrm>
+            <a:off x="6357950" y="607199"/>
+            <a:ext cx="214314" cy="1588"/>
+          </a:xfrm>
+          <a:prstGeom prst="curvedConnector3">
+            <a:avLst>
+              <a:gd name="adj1" fmla="val 50000"/>
+            </a:avLst>
+          </a:prstGeom>
+          <a:ln>
+            <a:solidFill>
+              <a:schemeClr val="tx1"/>
+            </a:solidFill>
+            <a:tailEnd type="arrow"/>
+          </a:ln>
+        </p:spPr>
+        <p:style>
+          <a:lnRef idx="1">
+            <a:schemeClr val="accent1"/>
+          </a:lnRef>
+          <a:fillRef idx="0">
+            <a:schemeClr val="accent1"/>
+          </a:fillRef>
+          <a:effectRef idx="0">
+            <a:schemeClr val="accent1"/>
+          </a:effectRef>
+          <a:fontRef idx="minor">
+            <a:schemeClr val="tx1"/>
+          </a:fontRef>
+        </p:style>
+      </p:cxnSp>
+      <p:cxnSp>
+        <p:nvCxnSpPr>
+          <p:cNvPr id="21" name="Shape 20"/>
+          <p:cNvCxnSpPr>
+            <a:stCxn id="9" idx="0"/>
+          </p:cNvCxnSpPr>
+          <p:nvPr/>
+        </p:nvCxnSpPr>
+        <p:spPr>
+          <a:xfrm rot="5400000" flipH="1" flipV="1">
+            <a:off x="3625446" y="339307"/>
+            <a:ext cx="142876" cy="178595"/>
+          </a:xfrm>
+          <a:prstGeom prst="curvedConnector2">
+            <a:avLst/>
+          </a:prstGeom>
+          <a:ln>
+            <a:solidFill>
+              <a:schemeClr val="tx1"/>
+            </a:solidFill>
+            <a:tailEnd type="arrow"/>
+          </a:ln>
+        </p:spPr>
+        <p:style>
+          <a:lnRef idx="1">
+            <a:schemeClr val="accent1"/>
+          </a:lnRef>
+          <a:fillRef idx="0">
+            <a:schemeClr val="accent1"/>
+          </a:fillRef>
+          <a:effectRef idx="0">
+            <a:schemeClr val="accent1"/>
+          </a:effectRef>
+          <a:fontRef idx="minor">
+            <a:schemeClr val="tx1"/>
+          </a:fontRef>
+        </p:style>
+      </p:cxnSp>
+      <p:cxnSp>
+        <p:nvCxnSpPr>
+          <p:cNvPr id="23" name="Shape 22"/>
+          <p:cNvCxnSpPr>
+            <a:stCxn id="10" idx="0"/>
+          </p:cNvCxnSpPr>
+          <p:nvPr/>
+        </p:nvCxnSpPr>
+        <p:spPr>
+          <a:xfrm rot="16200000" flipV="1">
+            <a:off x="5339959" y="303587"/>
+            <a:ext cx="142876" cy="250033"/>
+          </a:xfrm>
+          <a:prstGeom prst="curvedConnector2">
+            <a:avLst/>
+          </a:prstGeom>
+          <a:ln>
+            <a:solidFill>
+              <a:schemeClr val="tx1"/>
+            </a:solidFill>
+            <a:tailEnd type="arrow"/>
+          </a:ln>
+        </p:spPr>
+        <p:style>
+          <a:lnRef idx="1">
+            <a:schemeClr val="accent1"/>
+          </a:lnRef>
+          <a:fillRef idx="0">
+            <a:schemeClr val="accent1"/>
+          </a:fillRef>
+          <a:effectRef idx="0">
+            <a:schemeClr val="accent1"/>
+          </a:effectRef>
+          <a:fontRef idx="minor">
+            <a:schemeClr val="tx1"/>
+          </a:fontRef>
+        </p:style>
+      </p:cxnSp>
+      <p:cxnSp>
+        <p:nvCxnSpPr>
+          <p:cNvPr id="25" name="Shape 24"/>
+          <p:cNvCxnSpPr>
+            <a:stCxn id="11" idx="0"/>
+            <a:endCxn id="8" idx="3"/>
+          </p:cNvCxnSpPr>
+          <p:nvPr/>
+        </p:nvCxnSpPr>
+        <p:spPr>
+          <a:xfrm rot="16200000" flipV="1">
+            <a:off x="6250794" y="-642966"/>
+            <a:ext cx="250033" cy="2035983"/>
+          </a:xfrm>
+          <a:prstGeom prst="curvedConnector2">
+            <a:avLst/>
+          </a:prstGeom>
+          <a:ln>
+            <a:solidFill>
+              <a:schemeClr val="tx1"/>
+            </a:solidFill>
+            <a:tailEnd type="arrow"/>
+          </a:ln>
+        </p:spPr>
+        <p:style>
+          <a:lnRef idx="1">
+            <a:schemeClr val="accent1"/>
+          </a:lnRef>
+          <a:fillRef idx="0">
+            <a:schemeClr val="accent1"/>
+          </a:fillRef>
+          <a:effectRef idx="0">
+            <a:schemeClr val="accent1"/>
+          </a:effectRef>
+          <a:fontRef idx="minor">
+            <a:schemeClr val="tx1"/>
+          </a:fontRef>
+        </p:style>
+      </p:cxnSp>
     </p:spTree>
   </p:cSld>
   <p:clrMapOvr>
@@ -9563,6 +13259,164 @@
       </p:grpSpPr>
       <p:sp>
         <p:nvSpPr>
+          <p:cNvPr id="2" name="Заголовок 1"/>
+          <p:cNvSpPr>
+            <a:spLocks noGrp="1"/>
+          </p:cNvSpPr>
+          <p:nvPr>
+            <p:ph type="title"/>
+          </p:nvPr>
+        </p:nvSpPr>
+        <p:spPr>
+          <a:xfrm>
+            <a:off x="0" y="0"/>
+            <a:ext cx="9144000" cy="571480"/>
+          </a:xfrm>
+        </p:spPr>
+        <p:txBody>
+          <a:bodyPr>
+            <a:normAutofit fontScale="90000"/>
+          </a:bodyPr>
+          <a:lstStyle/>
+          <a:p>
+            <a:r>
+              <a:rPr lang="ru-RU" sz="2900" dirty="0" smtClean="0">
+                <a:latin typeface="Times New Roman" pitchFamily="18" charset="0"/>
+                <a:cs typeface="Times New Roman" pitchFamily="18" charset="0"/>
+              </a:rPr>
+              <a:t>Демонстрация среды исполнения подпрограмм библиотеки</a:t>
+            </a:r>
+            <a:r>
+              <a:rPr lang="ru-RU" dirty="0" smtClean="0"/>
+              <a:t> </a:t>
+            </a:r>
+            <a:endParaRPr lang="ru-RU" dirty="0"/>
+          </a:p>
+        </p:txBody>
+      </p:sp>
+      <p:sp>
+        <p:nvSpPr>
+          <p:cNvPr id="4" name="Номер слайда 3"/>
+          <p:cNvSpPr>
+            <a:spLocks noGrp="1"/>
+          </p:cNvSpPr>
+          <p:nvPr>
+            <p:ph type="sldNum" sz="quarter" idx="12"/>
+          </p:nvPr>
+        </p:nvSpPr>
+        <p:spPr/>
+        <p:txBody>
+          <a:bodyPr/>
+          <a:lstStyle/>
+          <a:p>
+            <a:fld id="{F2BB55FB-146C-47F1-A3F4-E5E9F11C5D2A}" type="slidenum">
+              <a:rPr lang="ru-RU" smtClean="0"/>
+              <a:pPr/>
+              <a:t>9</a:t>
+            </a:fld>
+            <a:endParaRPr lang="ru-RU"/>
+          </a:p>
+        </p:txBody>
+      </p:sp>
+      <p:pic>
+        <p:nvPicPr>
+          <p:cNvPr id="1027" name="Picture 3" descr="C:\Users\nwcfang\diplom_report\chistovik\mTest3_mini.png"/>
+          <p:cNvPicPr>
+            <a:picLocks noChangeAspect="1" noChangeArrowheads="1"/>
+          </p:cNvPicPr>
+          <p:nvPr/>
+        </p:nvPicPr>
+        <p:blipFill>
+          <a:blip r:embed="rId2" cstate="print"/>
+          <a:srcRect/>
+          <a:stretch>
+            <a:fillRect/>
+          </a:stretch>
+        </p:blipFill>
+        <p:spPr bwMode="auto">
+          <a:xfrm>
+            <a:off x="214282" y="642918"/>
+            <a:ext cx="8215370" cy="3148980"/>
+          </a:xfrm>
+          <a:prstGeom prst="rect">
+            <a:avLst/>
+          </a:prstGeom>
+          <a:noFill/>
+        </p:spPr>
+      </p:pic>
+      <p:pic>
+        <p:nvPicPr>
+          <p:cNvPr id="1026" name="Picture 2" descr="C:\Users\nwcfang\diplom_report\chistovik\mTest4.PNG"/>
+          <p:cNvPicPr>
+            <a:picLocks noChangeAspect="1" noChangeArrowheads="1"/>
+          </p:cNvPicPr>
+          <p:nvPr/>
+        </p:nvPicPr>
+        <p:blipFill>
+          <a:blip r:embed="rId3" cstate="print"/>
+          <a:srcRect/>
+          <a:stretch>
+            <a:fillRect/>
+          </a:stretch>
+        </p:blipFill>
+        <p:spPr bwMode="auto">
+          <a:xfrm>
+            <a:off x="214282" y="2402235"/>
+            <a:ext cx="7072362" cy="2834730"/>
+          </a:xfrm>
+          <a:prstGeom prst="rect">
+            <a:avLst/>
+          </a:prstGeom>
+          <a:noFill/>
+        </p:spPr>
+      </p:pic>
+      <p:sp>
+        <p:nvSpPr>
+          <p:cNvPr id="9" name="TextBox 8"/>
+          <p:cNvSpPr txBox="1"/>
+          <p:nvPr/>
+        </p:nvSpPr>
+        <p:spPr>
+          <a:xfrm>
+            <a:off x="4110856" y="5643578"/>
+            <a:ext cx="4791055" cy="646331"/>
+          </a:xfrm>
+          <a:prstGeom prst="rect">
+            <a:avLst/>
+          </a:prstGeom>
+          <a:noFill/>
+        </p:spPr>
+        <p:txBody>
+          <a:bodyPr wrap="none" rtlCol="0">
+            <a:spAutoFit/>
+          </a:bodyPr>
+          <a:lstStyle/>
+          <a:p>
+            <a:pPr algn="r"/>
+            <a:r>
+              <a:rPr lang="ru-RU" dirty="0" smtClean="0">
+                <a:latin typeface="Times New Roman" pitchFamily="18" charset="0"/>
+                <a:ea typeface="+mj-ea"/>
+                <a:cs typeface="Times New Roman" pitchFamily="18" charset="0"/>
+              </a:rPr>
+              <a:t>Фрагмент вывода автоматического модульного</a:t>
+            </a:r>
+          </a:p>
+          <a:p>
+            <a:pPr algn="r"/>
+            <a:r>
+              <a:rPr lang="ru-RU" dirty="0" smtClean="0">
+                <a:latin typeface="Times New Roman" pitchFamily="18" charset="0"/>
+                <a:ea typeface="+mj-ea"/>
+                <a:cs typeface="Times New Roman" pitchFamily="18" charset="0"/>
+              </a:rPr>
+              <a:t> тестирования функций библиотеки</a:t>
+            </a:r>
+          </a:p>
+        </p:txBody>
+      </p:sp>
+      <p:sp>
+        <p:nvSpPr>
           <p:cNvPr id="10" name="Прямоугольник 9"/>
           <p:cNvSpPr/>
           <p:nvPr/>
@@ -9607,132 +13461,6 @@
           </a:p>
         </p:txBody>
       </p:sp>
-      <p:sp>
-        <p:nvSpPr>
-          <p:cNvPr id="2" name="Заголовок 1"/>
-          <p:cNvSpPr>
-            <a:spLocks noGrp="1"/>
-          </p:cNvSpPr>
-          <p:nvPr>
-            <p:ph type="title"/>
-          </p:nvPr>
-        </p:nvSpPr>
-        <p:spPr>
-          <a:xfrm>
-            <a:off x="0" y="0"/>
-            <a:ext cx="9144000" cy="571480"/>
-          </a:xfrm>
-        </p:spPr>
-        <p:txBody>
-          <a:bodyPr>
-            <a:normAutofit fontScale="90000"/>
-          </a:bodyPr>
-          <a:lstStyle/>
-          <a:p>
-            <a:r>
-              <a:rPr lang="ru-RU" sz="2900" dirty="0" smtClean="0">
-                <a:latin typeface="Times New Roman" pitchFamily="18" charset="0"/>
-                <a:cs typeface="Times New Roman" pitchFamily="18" charset="0"/>
-              </a:rPr>
-              <a:t>Демонстрация среды исполнения подпрограмм библиотеки</a:t>
-            </a:r>
-            <a:r>
-              <a:rPr lang="ru-RU" dirty="0" smtClean="0"/>
-              <a:t> </a:t>
-            </a:r>
-            <a:endParaRPr lang="ru-RU" dirty="0"/>
-          </a:p>
-        </p:txBody>
-      </p:sp>
-      <p:sp>
-        <p:nvSpPr>
-          <p:cNvPr id="4" name="Номер слайда 3"/>
-          <p:cNvSpPr>
-            <a:spLocks noGrp="1"/>
-          </p:cNvSpPr>
-          <p:nvPr>
-            <p:ph type="sldNum" sz="quarter" idx="12"/>
-          </p:nvPr>
-        </p:nvSpPr>
-        <p:spPr/>
-        <p:txBody>
-          <a:bodyPr/>
-          <a:lstStyle/>
-          <a:p>
-            <a:fld id="{F2BB55FB-146C-47F1-A3F4-E5E9F11C5D2A}" type="slidenum">
-              <a:rPr lang="ru-RU" smtClean="0"/>
-              <a:pPr/>
-              <a:t>9</a:t>
-            </a:fld>
-            <a:endParaRPr lang="ru-RU"/>
-          </a:p>
-        </p:txBody>
-      </p:sp>
-      <p:sp>
-        <p:nvSpPr>
-          <p:cNvPr id="9" name="TextBox 8"/>
-          <p:cNvSpPr txBox="1"/>
-          <p:nvPr/>
-        </p:nvSpPr>
-        <p:spPr>
-          <a:xfrm>
-            <a:off x="5588195" y="5643578"/>
-            <a:ext cx="3313728" cy="369332"/>
-          </a:xfrm>
-          <a:prstGeom prst="rect">
-            <a:avLst/>
-          </a:prstGeom>
-          <a:noFill/>
-        </p:spPr>
-        <p:txBody>
-          <a:bodyPr wrap="none" rtlCol="0">
-            <a:spAutoFit/>
-          </a:bodyPr>
-          <a:lstStyle/>
-          <a:p>
-            <a:pPr algn="r"/>
-            <a:r>
-              <a:rPr lang="ru-RU" dirty="0" smtClean="0">
-                <a:latin typeface="Times New Roman" pitchFamily="18" charset="0"/>
-                <a:ea typeface="+mj-ea"/>
-                <a:cs typeface="Times New Roman" pitchFamily="18" charset="0"/>
-              </a:rPr>
-              <a:t>Результат автономной проверки</a:t>
-            </a:r>
-            <a:endParaRPr lang="ru-RU" dirty="0" smtClean="0">
-              <a:latin typeface="Times New Roman" pitchFamily="18" charset="0"/>
-              <a:ea typeface="+mj-ea"/>
-              <a:cs typeface="Times New Roman" pitchFamily="18" charset="0"/>
-            </a:endParaRPr>
-          </a:p>
-        </p:txBody>
-      </p:sp>
-      <p:pic>
-        <p:nvPicPr>
-          <p:cNvPr id="2050" name="Picture 2" descr="C:\Users\nwcfang\diplom_report\chistovik\rs232test.png"/>
-          <p:cNvPicPr>
-            <a:picLocks noChangeAspect="1" noChangeArrowheads="1"/>
-          </p:cNvPicPr>
-          <p:nvPr/>
-        </p:nvPicPr>
-        <p:blipFill>
-          <a:blip r:embed="rId2"/>
-          <a:srcRect/>
-          <a:stretch>
-            <a:fillRect/>
-          </a:stretch>
-        </p:blipFill>
-        <p:spPr bwMode="auto">
-          <a:xfrm>
-            <a:off x="214282" y="642918"/>
-            <a:ext cx="6478587" cy="4057650"/>
-          </a:xfrm>
-          <a:prstGeom prst="rect">
-            <a:avLst/>
-          </a:prstGeom>
-          <a:noFill/>
-        </p:spPr>
-      </p:pic>
     </p:spTree>
   </p:cSld>
   <p:clrMapOvr>

--- a/presentation/presentation.pptx
+++ b/presentation/presentation.pptx
@@ -5,7 +5,7 @@
     <p:sldMasterId id="2147483648" r:id="rId1"/>
   </p:sldMasterIdLst>
   <p:notesMasterIdLst>
-    <p:notesMasterId r:id="rId17"/>
+    <p:notesMasterId r:id="rId19"/>
   </p:notesMasterIdLst>
   <p:sldIdLst>
     <p:sldId id="256" r:id="rId2"/>
@@ -14,15 +14,17 @@
     <p:sldId id="262" r:id="rId5"/>
     <p:sldId id="263" r:id="rId6"/>
     <p:sldId id="273" r:id="rId7"/>
-    <p:sldId id="264" r:id="rId8"/>
-    <p:sldId id="265" r:id="rId9"/>
-    <p:sldId id="266" r:id="rId10"/>
-    <p:sldId id="268" r:id="rId11"/>
-    <p:sldId id="269" r:id="rId12"/>
-    <p:sldId id="270" r:id="rId13"/>
-    <p:sldId id="271" r:id="rId14"/>
-    <p:sldId id="272" r:id="rId15"/>
-    <p:sldId id="267" r:id="rId16"/>
+    <p:sldId id="276" r:id="rId8"/>
+    <p:sldId id="264" r:id="rId9"/>
+    <p:sldId id="274" r:id="rId10"/>
+    <p:sldId id="275" r:id="rId11"/>
+    <p:sldId id="266" r:id="rId12"/>
+    <p:sldId id="268" r:id="rId13"/>
+    <p:sldId id="269" r:id="rId14"/>
+    <p:sldId id="270" r:id="rId15"/>
+    <p:sldId id="271" r:id="rId16"/>
+    <p:sldId id="272" r:id="rId17"/>
+    <p:sldId id="267" r:id="rId18"/>
   </p:sldIdLst>
   <p:sldSz cx="9144000" cy="6858000" type="screen4x3"/>
   <p:notesSz cx="6858000" cy="9144000"/>
@@ -3819,92 +3821,615 @@
         </p:nvSpPr>
         <p:spPr>
           <a:xfrm>
-            <a:off x="0" y="0"/>
-            <a:ext cx="9144000" cy="571480"/>
+            <a:off x="0" y="857232"/>
+            <a:ext cx="9144000" cy="500058"/>
           </a:xfrm>
         </p:spPr>
         <p:txBody>
           <a:bodyPr>
-            <a:normAutofit fontScale="90000"/>
+            <a:normAutofit/>
           </a:bodyPr>
           <a:lstStyle/>
           <a:p>
             <a:r>
-              <a:rPr lang="ru-RU" sz="2900" dirty="0" smtClean="0">
+              <a:rPr lang="ru-RU" sz="2600" dirty="0" smtClean="0">
                 <a:latin typeface="Times New Roman" pitchFamily="18" charset="0"/>
                 <a:cs typeface="Times New Roman" pitchFamily="18" charset="0"/>
               </a:rPr>
-              <a:t>Демонстрация среды исполнения подпрограмм библиотеки</a:t>
-            </a:r>
-            <a:r>
-              <a:rPr lang="ru-RU" dirty="0" smtClean="0"/>
-              <a:t> </a:t>
-            </a:r>
-            <a:endParaRPr lang="ru-RU" dirty="0"/>
+              <a:t>Функции строчного и табличного вывода</a:t>
+            </a:r>
+            <a:endParaRPr lang="ru-RU" sz="2600" dirty="0">
+              <a:latin typeface="Times New Roman" pitchFamily="18" charset="0"/>
+              <a:cs typeface="Times New Roman" pitchFamily="18" charset="0"/>
+            </a:endParaRPr>
           </a:p>
         </p:txBody>
       </p:sp>
       <p:sp>
         <p:nvSpPr>
-          <p:cNvPr id="4" name="Номер слайда 3"/>
-          <p:cNvSpPr>
-            <a:spLocks noGrp="1"/>
-          </p:cNvSpPr>
-          <p:nvPr>
-            <p:ph type="sldNum" sz="quarter" idx="12"/>
-          </p:nvPr>
+          <p:cNvPr id="7" name="Блок-схема: знак завершения 6"/>
+          <p:cNvSpPr/>
+          <p:nvPr/>
         </p:nvSpPr>
-        <p:spPr/>
+        <p:spPr>
+          <a:xfrm>
+            <a:off x="928662" y="500042"/>
+            <a:ext cx="1643074" cy="214314"/>
+          </a:xfrm>
+          <a:prstGeom prst="flowChartTerminator">
+            <a:avLst/>
+          </a:prstGeom>
+          <a:solidFill>
+            <a:schemeClr val="bg1"/>
+          </a:solidFill>
+          <a:ln>
+            <a:solidFill>
+              <a:schemeClr val="tx1"/>
+            </a:solidFill>
+          </a:ln>
+        </p:spPr>
+        <p:style>
+          <a:lnRef idx="2">
+            <a:schemeClr val="accent1">
+              <a:shade val="50000"/>
+            </a:schemeClr>
+          </a:lnRef>
+          <a:fillRef idx="1">
+            <a:schemeClr val="accent1"/>
+          </a:fillRef>
+          <a:effectRef idx="0">
+            <a:schemeClr val="accent1"/>
+          </a:effectRef>
+          <a:fontRef idx="minor">
+            <a:schemeClr val="lt1"/>
+          </a:fontRef>
+        </p:style>
         <p:txBody>
-          <a:bodyPr/>
+          <a:bodyPr rtlCol="0" anchor="ctr"/>
           <a:lstStyle/>
           <a:p>
-            <a:fld id="{F2BB55FB-146C-47F1-A3F4-E5E9F11C5D2A}" type="slidenum">
-              <a:rPr lang="ru-RU" smtClean="0"/>
-              <a:pPr/>
-              <a:t>10</a:t>
-            </a:fld>
-            <a:endParaRPr lang="ru-RU"/>
+            <a:pPr algn="ctr"/>
+            <a:r>
+              <a:rPr lang="ru-RU" sz="1200" dirty="0" smtClean="0">
+                <a:solidFill>
+                  <a:schemeClr val="tx1"/>
+                </a:solidFill>
+                <a:latin typeface="Times New Roman" pitchFamily="18" charset="0"/>
+                <a:cs typeface="Times New Roman" pitchFamily="18" charset="0"/>
+              </a:rPr>
+              <a:t>Инициализация</a:t>
+            </a:r>
           </a:p>
         </p:txBody>
       </p:sp>
       <p:sp>
         <p:nvSpPr>
-          <p:cNvPr id="9" name="TextBox 8"/>
-          <p:cNvSpPr txBox="1"/>
+          <p:cNvPr id="8" name="Блок-схема: знак завершения 7"/>
+          <p:cNvSpPr/>
           <p:nvPr/>
         </p:nvSpPr>
         <p:spPr>
           <a:xfrm>
-            <a:off x="5588195" y="5643578"/>
-            <a:ext cx="3313728" cy="369332"/>
-          </a:xfrm>
-          <a:prstGeom prst="rect">
+            <a:off x="3714744" y="142852"/>
+            <a:ext cx="1643074" cy="214314"/>
+          </a:xfrm>
+          <a:prstGeom prst="flowChartTerminator">
             <a:avLst/>
           </a:prstGeom>
-          <a:noFill/>
-        </p:spPr>
+          <a:solidFill>
+            <a:schemeClr val="bg1"/>
+          </a:solidFill>
+          <a:ln>
+            <a:solidFill>
+              <a:schemeClr val="tx1"/>
+            </a:solidFill>
+          </a:ln>
+        </p:spPr>
+        <p:style>
+          <a:lnRef idx="2">
+            <a:schemeClr val="accent1">
+              <a:shade val="50000"/>
+            </a:schemeClr>
+          </a:lnRef>
+          <a:fillRef idx="1">
+            <a:schemeClr val="accent1"/>
+          </a:fillRef>
+          <a:effectRef idx="0">
+            <a:schemeClr val="accent1"/>
+          </a:effectRef>
+          <a:fontRef idx="minor">
+            <a:schemeClr val="lt1"/>
+          </a:fontRef>
+        </p:style>
         <p:txBody>
-          <a:bodyPr wrap="none" rtlCol="0">
-            <a:spAutoFit/>
-          </a:bodyPr>
+          <a:bodyPr rtlCol="0" anchor="ctr"/>
           <a:lstStyle/>
           <a:p>
-            <a:pPr algn="r"/>
-            <a:r>
-              <a:rPr lang="ru-RU" dirty="0" smtClean="0">
+            <a:pPr algn="ctr"/>
+            <a:r>
+              <a:rPr lang="ru-RU" sz="1200" dirty="0" smtClean="0">
+                <a:solidFill>
+                  <a:schemeClr val="tx1"/>
+                </a:solidFill>
                 <a:latin typeface="Times New Roman" pitchFamily="18" charset="0"/>
-                <a:ea typeface="+mj-ea"/>
-                <a:cs typeface="Times New Roman" pitchFamily="18" charset="0"/>
-              </a:rPr>
-              <a:t>Результат автономной проверки</a:t>
+                <a:cs typeface="Times New Roman" pitchFamily="18" charset="0"/>
+              </a:rPr>
+              <a:t>Работа с ошибками</a:t>
             </a:r>
           </a:p>
         </p:txBody>
       </p:sp>
+      <p:sp>
+        <p:nvSpPr>
+          <p:cNvPr id="9" name="Блок-схема: знак завершения 8"/>
+          <p:cNvSpPr/>
+          <p:nvPr/>
+        </p:nvSpPr>
+        <p:spPr>
+          <a:xfrm>
+            <a:off x="2786050" y="500042"/>
+            <a:ext cx="1643074" cy="214314"/>
+          </a:xfrm>
+          <a:prstGeom prst="flowChartTerminator">
+            <a:avLst/>
+          </a:prstGeom>
+          <a:solidFill>
+            <a:schemeClr val="bg1"/>
+          </a:solidFill>
+          <a:ln>
+            <a:solidFill>
+              <a:schemeClr val="tx1"/>
+            </a:solidFill>
+          </a:ln>
+        </p:spPr>
+        <p:style>
+          <a:lnRef idx="2">
+            <a:schemeClr val="accent1">
+              <a:shade val="50000"/>
+            </a:schemeClr>
+          </a:lnRef>
+          <a:fillRef idx="1">
+            <a:schemeClr val="accent1"/>
+          </a:fillRef>
+          <a:effectRef idx="0">
+            <a:schemeClr val="accent1"/>
+          </a:effectRef>
+          <a:fontRef idx="minor">
+            <a:schemeClr val="lt1"/>
+          </a:fontRef>
+        </p:style>
+        <p:txBody>
+          <a:bodyPr rtlCol="0" anchor="ctr"/>
+          <a:lstStyle/>
+          <a:p>
+            <a:pPr algn="ctr"/>
+            <a:r>
+              <a:rPr lang="en-US" sz="1200" dirty="0" smtClean="0">
+                <a:solidFill>
+                  <a:schemeClr val="tx1"/>
+                </a:solidFill>
+                <a:latin typeface="Times New Roman" pitchFamily="18" charset="0"/>
+                <a:cs typeface="Times New Roman" pitchFamily="18" charset="0"/>
+              </a:rPr>
+              <a:t>C</a:t>
+            </a:r>
+            <a:r>
+              <a:rPr lang="ru-RU" sz="1200" dirty="0" smtClean="0">
+                <a:solidFill>
+                  <a:schemeClr val="tx1"/>
+                </a:solidFill>
+                <a:latin typeface="Times New Roman" pitchFamily="18" charset="0"/>
+                <a:cs typeface="Times New Roman" pitchFamily="18" charset="0"/>
+              </a:rPr>
+              <a:t>бор параметров</a:t>
+            </a:r>
+          </a:p>
+        </p:txBody>
+      </p:sp>
+      <p:sp>
+        <p:nvSpPr>
+          <p:cNvPr id="10" name="Блок-схема: знак завершения 9"/>
+          <p:cNvSpPr/>
+          <p:nvPr/>
+        </p:nvSpPr>
+        <p:spPr>
+          <a:xfrm>
+            <a:off x="4714876" y="500042"/>
+            <a:ext cx="1643074" cy="214314"/>
+          </a:xfrm>
+          <a:prstGeom prst="flowChartTerminator">
+            <a:avLst/>
+          </a:prstGeom>
+          <a:solidFill>
+            <a:schemeClr val="accent3">
+              <a:lumMod val="60000"/>
+              <a:lumOff val="40000"/>
+            </a:schemeClr>
+          </a:solidFill>
+          <a:ln>
+            <a:solidFill>
+              <a:schemeClr val="tx1"/>
+            </a:solidFill>
+          </a:ln>
+        </p:spPr>
+        <p:style>
+          <a:lnRef idx="2">
+            <a:schemeClr val="accent1">
+              <a:shade val="50000"/>
+            </a:schemeClr>
+          </a:lnRef>
+          <a:fillRef idx="1">
+            <a:schemeClr val="accent1"/>
+          </a:fillRef>
+          <a:effectRef idx="0">
+            <a:schemeClr val="accent1"/>
+          </a:effectRef>
+          <a:fontRef idx="minor">
+            <a:schemeClr val="lt1"/>
+          </a:fontRef>
+        </p:style>
+        <p:txBody>
+          <a:bodyPr rtlCol="0" anchor="ctr"/>
+          <a:lstStyle/>
+          <a:p>
+            <a:pPr algn="ctr"/>
+            <a:r>
+              <a:rPr lang="ru-RU" sz="1200" dirty="0" smtClean="0">
+                <a:solidFill>
+                  <a:schemeClr val="tx1"/>
+                </a:solidFill>
+                <a:latin typeface="Times New Roman" pitchFamily="18" charset="0"/>
+                <a:cs typeface="Times New Roman" pitchFamily="18" charset="0"/>
+              </a:rPr>
+              <a:t>Вывод</a:t>
+            </a:r>
+          </a:p>
+        </p:txBody>
+      </p:sp>
+      <p:sp>
+        <p:nvSpPr>
+          <p:cNvPr id="11" name="Блок-схема: знак завершения 10"/>
+          <p:cNvSpPr/>
+          <p:nvPr/>
+        </p:nvSpPr>
+        <p:spPr>
+          <a:xfrm>
+            <a:off x="6572264" y="500042"/>
+            <a:ext cx="1643074" cy="214314"/>
+          </a:xfrm>
+          <a:prstGeom prst="flowChartTerminator">
+            <a:avLst/>
+          </a:prstGeom>
+          <a:solidFill>
+            <a:schemeClr val="bg1"/>
+          </a:solidFill>
+          <a:ln>
+            <a:solidFill>
+              <a:schemeClr val="tx1"/>
+            </a:solidFill>
+          </a:ln>
+        </p:spPr>
+        <p:style>
+          <a:lnRef idx="2">
+            <a:schemeClr val="accent1">
+              <a:shade val="50000"/>
+            </a:schemeClr>
+          </a:lnRef>
+          <a:fillRef idx="1">
+            <a:schemeClr val="accent1"/>
+          </a:fillRef>
+          <a:effectRef idx="0">
+            <a:schemeClr val="accent1"/>
+          </a:effectRef>
+          <a:fontRef idx="minor">
+            <a:schemeClr val="lt1"/>
+          </a:fontRef>
+        </p:style>
+        <p:txBody>
+          <a:bodyPr rtlCol="0" anchor="ctr"/>
+          <a:lstStyle/>
+          <a:p>
+            <a:pPr algn="ctr"/>
+            <a:r>
+              <a:rPr lang="ru-RU" sz="1200" dirty="0" err="1" smtClean="0">
+                <a:solidFill>
+                  <a:schemeClr val="tx1"/>
+                </a:solidFill>
+                <a:latin typeface="Times New Roman" pitchFamily="18" charset="0"/>
+                <a:cs typeface="Times New Roman" pitchFamily="18" charset="0"/>
+              </a:rPr>
+              <a:t>Финализация</a:t>
+            </a:r>
+            <a:endParaRPr lang="ru-RU" sz="1200" dirty="0" smtClean="0">
+              <a:solidFill>
+                <a:schemeClr val="tx1"/>
+              </a:solidFill>
+              <a:latin typeface="Times New Roman" pitchFamily="18" charset="0"/>
+              <a:cs typeface="Times New Roman" pitchFamily="18" charset="0"/>
+            </a:endParaRPr>
+          </a:p>
+        </p:txBody>
+      </p:sp>
+      <p:cxnSp>
+        <p:nvCxnSpPr>
+          <p:cNvPr id="13" name="Shape 12"/>
+          <p:cNvCxnSpPr>
+            <a:stCxn id="7" idx="0"/>
+            <a:endCxn id="8" idx="1"/>
+          </p:cNvCxnSpPr>
+          <p:nvPr/>
+        </p:nvCxnSpPr>
+        <p:spPr>
+          <a:xfrm rot="5400000" flipH="1" flipV="1">
+            <a:off x="2607455" y="-607246"/>
+            <a:ext cx="250033" cy="1964545"/>
+          </a:xfrm>
+          <a:prstGeom prst="curvedConnector2">
+            <a:avLst/>
+          </a:prstGeom>
+          <a:ln>
+            <a:solidFill>
+              <a:schemeClr val="tx1"/>
+            </a:solidFill>
+            <a:tailEnd type="arrow"/>
+          </a:ln>
+        </p:spPr>
+        <p:style>
+          <a:lnRef idx="1">
+            <a:schemeClr val="accent1"/>
+          </a:lnRef>
+          <a:fillRef idx="0">
+            <a:schemeClr val="accent1"/>
+          </a:fillRef>
+          <a:effectRef idx="0">
+            <a:schemeClr val="accent1"/>
+          </a:effectRef>
+          <a:fontRef idx="minor">
+            <a:schemeClr val="tx1"/>
+          </a:fontRef>
+        </p:style>
+      </p:cxnSp>
+      <p:cxnSp>
+        <p:nvCxnSpPr>
+          <p:cNvPr id="15" name="Скругленная соединительная линия 14"/>
+          <p:cNvCxnSpPr>
+            <a:stCxn id="7" idx="3"/>
+            <a:endCxn id="9" idx="1"/>
+          </p:cNvCxnSpPr>
+          <p:nvPr/>
+        </p:nvCxnSpPr>
+        <p:spPr>
+          <a:xfrm>
+            <a:off x="2571736" y="607199"/>
+            <a:ext cx="214314" cy="1588"/>
+          </a:xfrm>
+          <a:prstGeom prst="curvedConnector3">
+            <a:avLst>
+              <a:gd name="adj1" fmla="val 50000"/>
+            </a:avLst>
+          </a:prstGeom>
+          <a:ln>
+            <a:solidFill>
+              <a:schemeClr val="tx1"/>
+            </a:solidFill>
+            <a:tailEnd type="arrow"/>
+          </a:ln>
+        </p:spPr>
+        <p:style>
+          <a:lnRef idx="1">
+            <a:schemeClr val="accent1"/>
+          </a:lnRef>
+          <a:fillRef idx="0">
+            <a:schemeClr val="accent1"/>
+          </a:fillRef>
+          <a:effectRef idx="0">
+            <a:schemeClr val="accent1"/>
+          </a:effectRef>
+          <a:fontRef idx="minor">
+            <a:schemeClr val="tx1"/>
+          </a:fontRef>
+        </p:style>
+      </p:cxnSp>
+      <p:cxnSp>
+        <p:nvCxnSpPr>
+          <p:cNvPr id="17" name="Скругленная соединительная линия 16"/>
+          <p:cNvCxnSpPr>
+            <a:stCxn id="9" idx="3"/>
+            <a:endCxn id="10" idx="1"/>
+          </p:cNvCxnSpPr>
+          <p:nvPr/>
+        </p:nvCxnSpPr>
+        <p:spPr>
+          <a:xfrm>
+            <a:off x="4429124" y="607199"/>
+            <a:ext cx="285752" cy="1588"/>
+          </a:xfrm>
+          <a:prstGeom prst="curvedConnector3">
+            <a:avLst>
+              <a:gd name="adj1" fmla="val 50000"/>
+            </a:avLst>
+          </a:prstGeom>
+          <a:ln>
+            <a:solidFill>
+              <a:schemeClr val="tx1"/>
+            </a:solidFill>
+            <a:tailEnd type="arrow"/>
+          </a:ln>
+        </p:spPr>
+        <p:style>
+          <a:lnRef idx="1">
+            <a:schemeClr val="accent1"/>
+          </a:lnRef>
+          <a:fillRef idx="0">
+            <a:schemeClr val="accent1"/>
+          </a:fillRef>
+          <a:effectRef idx="0">
+            <a:schemeClr val="accent1"/>
+          </a:effectRef>
+          <a:fontRef idx="minor">
+            <a:schemeClr val="tx1"/>
+          </a:fontRef>
+        </p:style>
+      </p:cxnSp>
+      <p:cxnSp>
+        <p:nvCxnSpPr>
+          <p:cNvPr id="19" name="Скругленная соединительная линия 18"/>
+          <p:cNvCxnSpPr>
+            <a:stCxn id="10" idx="3"/>
+            <a:endCxn id="11" idx="1"/>
+          </p:cNvCxnSpPr>
+          <p:nvPr/>
+        </p:nvCxnSpPr>
+        <p:spPr>
+          <a:xfrm>
+            <a:off x="6357950" y="607199"/>
+            <a:ext cx="214314" cy="1588"/>
+          </a:xfrm>
+          <a:prstGeom prst="curvedConnector3">
+            <a:avLst>
+              <a:gd name="adj1" fmla="val 50000"/>
+            </a:avLst>
+          </a:prstGeom>
+          <a:ln>
+            <a:solidFill>
+              <a:schemeClr val="tx1"/>
+            </a:solidFill>
+            <a:tailEnd type="arrow"/>
+          </a:ln>
+        </p:spPr>
+        <p:style>
+          <a:lnRef idx="1">
+            <a:schemeClr val="accent1"/>
+          </a:lnRef>
+          <a:fillRef idx="0">
+            <a:schemeClr val="accent1"/>
+          </a:fillRef>
+          <a:effectRef idx="0">
+            <a:schemeClr val="accent1"/>
+          </a:effectRef>
+          <a:fontRef idx="minor">
+            <a:schemeClr val="tx1"/>
+          </a:fontRef>
+        </p:style>
+      </p:cxnSp>
+      <p:cxnSp>
+        <p:nvCxnSpPr>
+          <p:cNvPr id="21" name="Shape 20"/>
+          <p:cNvCxnSpPr>
+            <a:stCxn id="9" idx="0"/>
+          </p:cNvCxnSpPr>
+          <p:nvPr/>
+        </p:nvCxnSpPr>
+        <p:spPr>
+          <a:xfrm rot="5400000" flipH="1" flipV="1">
+            <a:off x="3625446" y="339307"/>
+            <a:ext cx="142876" cy="178595"/>
+          </a:xfrm>
+          <a:prstGeom prst="curvedConnector2">
+            <a:avLst/>
+          </a:prstGeom>
+          <a:ln>
+            <a:solidFill>
+              <a:schemeClr val="tx1"/>
+            </a:solidFill>
+            <a:tailEnd type="arrow"/>
+          </a:ln>
+        </p:spPr>
+        <p:style>
+          <a:lnRef idx="1">
+            <a:schemeClr val="accent1"/>
+          </a:lnRef>
+          <a:fillRef idx="0">
+            <a:schemeClr val="accent1"/>
+          </a:fillRef>
+          <a:effectRef idx="0">
+            <a:schemeClr val="accent1"/>
+          </a:effectRef>
+          <a:fontRef idx="minor">
+            <a:schemeClr val="tx1"/>
+          </a:fontRef>
+        </p:style>
+      </p:cxnSp>
+      <p:cxnSp>
+        <p:nvCxnSpPr>
+          <p:cNvPr id="23" name="Shape 22"/>
+          <p:cNvCxnSpPr>
+            <a:stCxn id="10" idx="0"/>
+          </p:cNvCxnSpPr>
+          <p:nvPr/>
+        </p:nvCxnSpPr>
+        <p:spPr>
+          <a:xfrm rot="16200000" flipV="1">
+            <a:off x="5339959" y="303587"/>
+            <a:ext cx="142876" cy="250033"/>
+          </a:xfrm>
+          <a:prstGeom prst="curvedConnector2">
+            <a:avLst/>
+          </a:prstGeom>
+          <a:ln>
+            <a:solidFill>
+              <a:schemeClr val="tx1"/>
+            </a:solidFill>
+            <a:tailEnd type="arrow"/>
+          </a:ln>
+        </p:spPr>
+        <p:style>
+          <a:lnRef idx="1">
+            <a:schemeClr val="accent1"/>
+          </a:lnRef>
+          <a:fillRef idx="0">
+            <a:schemeClr val="accent1"/>
+          </a:fillRef>
+          <a:effectRef idx="0">
+            <a:schemeClr val="accent1"/>
+          </a:effectRef>
+          <a:fontRef idx="minor">
+            <a:schemeClr val="tx1"/>
+          </a:fontRef>
+        </p:style>
+      </p:cxnSp>
+      <p:cxnSp>
+        <p:nvCxnSpPr>
+          <p:cNvPr id="25" name="Shape 24"/>
+          <p:cNvCxnSpPr>
+            <a:stCxn id="11" idx="0"/>
+            <a:endCxn id="8" idx="3"/>
+          </p:cNvCxnSpPr>
+          <p:nvPr/>
+        </p:nvCxnSpPr>
+        <p:spPr>
+          <a:xfrm rot="16200000" flipV="1">
+            <a:off x="6250794" y="-642966"/>
+            <a:ext cx="250033" cy="2035983"/>
+          </a:xfrm>
+          <a:prstGeom prst="curvedConnector2">
+            <a:avLst/>
+          </a:prstGeom>
+          <a:ln>
+            <a:solidFill>
+              <a:schemeClr val="tx1"/>
+            </a:solidFill>
+            <a:tailEnd type="arrow"/>
+          </a:ln>
+        </p:spPr>
+        <p:style>
+          <a:lnRef idx="1">
+            <a:schemeClr val="accent1"/>
+          </a:lnRef>
+          <a:fillRef idx="0">
+            <a:schemeClr val="accent1"/>
+          </a:fillRef>
+          <a:effectRef idx="0">
+            <a:schemeClr val="accent1"/>
+          </a:effectRef>
+          <a:fontRef idx="minor">
+            <a:schemeClr val="tx1"/>
+          </a:fontRef>
+        </p:style>
+      </p:cxnSp>
       <p:pic>
         <p:nvPicPr>
-          <p:cNvPr id="2050" name="Picture 2" descr="C:\Users\nwcfang\diplom_report\chistovik\rs232test.png"/>
+          <p:cNvPr id="30722" name="Picture 2" descr="C:\Documents and Settings\User\diplom_report\algor\tableRecord.png"/>
           <p:cNvPicPr>
             <a:picLocks noChangeAspect="1" noChangeArrowheads="1"/>
           </p:cNvPicPr>
@@ -3919,8 +4444,8 @@
         </p:blipFill>
         <p:spPr bwMode="auto">
           <a:xfrm>
-            <a:off x="214282" y="642918"/>
-            <a:ext cx="6478587" cy="4057650"/>
+            <a:off x="1428728" y="1428736"/>
+            <a:ext cx="6552147" cy="5214974"/>
           </a:xfrm>
           <a:prstGeom prst="rect">
             <a:avLst/>
@@ -3930,47 +4455,31 @@
       </p:pic>
       <p:sp>
         <p:nvSpPr>
-          <p:cNvPr id="10" name="Прямоугольник 9"/>
-          <p:cNvSpPr/>
+          <p:cNvPr id="22" name="TextBox 21"/>
+          <p:cNvSpPr txBox="1"/>
           <p:nvPr/>
         </p:nvSpPr>
         <p:spPr>
           <a:xfrm>
-            <a:off x="142844" y="571480"/>
-            <a:ext cx="8858312" cy="4714908"/>
+            <a:off x="6000760" y="1857364"/>
+            <a:ext cx="1584216" cy="369332"/>
           </a:xfrm>
           <a:prstGeom prst="rect">
             <a:avLst/>
           </a:prstGeom>
           <a:noFill/>
-          <a:ln cmpd="dbl">
-            <a:solidFill>
-              <a:schemeClr val="tx1"/>
-            </a:solidFill>
-          </a:ln>
-        </p:spPr>
-        <p:style>
-          <a:lnRef idx="2">
-            <a:schemeClr val="accent1">
-              <a:shade val="50000"/>
-            </a:schemeClr>
-          </a:lnRef>
-          <a:fillRef idx="1">
-            <a:schemeClr val="accent1"/>
-          </a:fillRef>
-          <a:effectRef idx="0">
-            <a:schemeClr val="accent1"/>
-          </a:effectRef>
-          <a:fontRef idx="minor">
-            <a:schemeClr val="lt1"/>
-          </a:fontRef>
-        </p:style>
+        </p:spPr>
         <p:txBody>
-          <a:bodyPr rtlCol="0" anchor="ctr"/>
+          <a:bodyPr wrap="none" rtlCol="0">
+            <a:spAutoFit/>
+          </a:bodyPr>
           <a:lstStyle/>
           <a:p>
-            <a:pPr algn="ctr"/>
-            <a:endParaRPr lang="ru-RU"/>
+            <a:r>
+              <a:rPr lang="en-US" dirty="0" err="1" smtClean="0"/>
+              <a:t>tioTableRecord</a:t>
+            </a:r>
+            <a:endParaRPr lang="ru-RU" dirty="0"/>
           </a:p>
         </p:txBody>
       </p:sp>
@@ -4019,112 +4528,27 @@
         <p:spPr>
           <a:xfrm>
             <a:off x="0" y="0"/>
-            <a:ext cx="9144000" cy="714356"/>
+            <a:ext cx="9144000" cy="571480"/>
           </a:xfrm>
         </p:spPr>
         <p:txBody>
           <a:bodyPr>
-            <a:normAutofit/>
+            <a:normAutofit fontScale="90000"/>
           </a:bodyPr>
           <a:lstStyle/>
           <a:p>
             <a:r>
-              <a:rPr lang="ru-RU" sz="2600" dirty="0" smtClean="0">
+              <a:rPr lang="ru-RU" sz="2900" dirty="0" smtClean="0">
                 <a:latin typeface="Times New Roman" pitchFamily="18" charset="0"/>
                 <a:cs typeface="Times New Roman" pitchFamily="18" charset="0"/>
               </a:rPr>
-              <a:t>Технология разработки библиотеки</a:t>
-            </a:r>
-          </a:p>
-        </p:txBody>
-      </p:sp>
-      <p:sp>
-        <p:nvSpPr>
-          <p:cNvPr id="3" name="Содержимое 2"/>
-          <p:cNvSpPr>
-            <a:spLocks noGrp="1"/>
-          </p:cNvSpPr>
-          <p:nvPr>
-            <p:ph idx="1"/>
-          </p:nvPr>
-        </p:nvSpPr>
-        <p:spPr>
-          <a:xfrm>
-            <a:off x="500034" y="1857364"/>
-            <a:ext cx="3929090" cy="285752"/>
-          </a:xfrm>
-        </p:spPr>
-        <p:txBody>
-          <a:bodyPr>
-            <a:noAutofit/>
-          </a:bodyPr>
-          <a:lstStyle/>
-          <a:p>
-            <a:pPr marL="0" indent="0">
-              <a:buBlip>
-                <a:blip r:embed="rId2"/>
-              </a:buBlip>
-              <a:tabLst>
-                <a:tab pos="444500" algn="l"/>
-              </a:tabLst>
-            </a:pPr>
-            <a:r>
-              <a:rPr lang="en-US" sz="1400" dirty="0" smtClean="0">
-                <a:solidFill>
-                  <a:schemeClr val="accent5">
-                    <a:lumMod val="50000"/>
-                  </a:schemeClr>
-                </a:solidFill>
-                <a:latin typeface="Times New Roman" pitchFamily="18" charset="0"/>
-                <a:cs typeface="Times New Roman" pitchFamily="18" charset="0"/>
-              </a:rPr>
+              <a:t>Демонстрация среды исполнения подпрограмм библиотеки</a:t>
+            </a:r>
+            <a:r>
+              <a:rPr lang="ru-RU" dirty="0" smtClean="0"/>
               <a:t> </a:t>
             </a:r>
-            <a:r>
-              <a:rPr lang="en-US" sz="1400" b="1" dirty="0" err="1" smtClean="0">
-                <a:solidFill>
-                  <a:schemeClr val="accent5">
-                    <a:lumMod val="50000"/>
-                  </a:schemeClr>
-                </a:solidFill>
-                <a:latin typeface="Times New Roman" pitchFamily="18" charset="0"/>
-                <a:cs typeface="Times New Roman" pitchFamily="18" charset="0"/>
-              </a:rPr>
-              <a:t>Git</a:t>
-            </a:r>
-            <a:r>
-              <a:rPr lang="en-US" sz="1400" dirty="0" smtClean="0">
-                <a:solidFill>
-                  <a:schemeClr val="accent5">
-                    <a:lumMod val="50000"/>
-                  </a:schemeClr>
-                </a:solidFill>
-                <a:latin typeface="Times New Roman" pitchFamily="18" charset="0"/>
-                <a:cs typeface="Times New Roman" pitchFamily="18" charset="0"/>
-              </a:rPr>
-              <a:t> - </a:t>
-            </a:r>
-            <a:r>
-              <a:rPr lang="ru-RU" sz="1400" dirty="0" smtClean="0">
-                <a:solidFill>
-                  <a:schemeClr val="accent5">
-                    <a:lumMod val="50000"/>
-                  </a:schemeClr>
-                </a:solidFill>
-                <a:latin typeface="Times New Roman" pitchFamily="18" charset="0"/>
-                <a:cs typeface="Times New Roman" pitchFamily="18" charset="0"/>
-              </a:rPr>
-              <a:t>распределённая система контроля версий</a:t>
-            </a:r>
-            <a:endParaRPr lang="ru-RU" sz="1400" dirty="0">
-              <a:solidFill>
-                <a:schemeClr val="accent5">
-                  <a:lumMod val="50000"/>
-                </a:schemeClr>
-              </a:solidFill>
-              <a:latin typeface="Times New Roman" pitchFamily="18" charset="0"/>
-              <a:cs typeface="Times New Roman" pitchFamily="18" charset="0"/>
-            </a:endParaRPr>
+            <a:endParaRPr lang="ru-RU" dirty="0"/>
           </a:p>
         </p:txBody>
       </p:sp>
@@ -4154,26 +4578,54 @@
       </p:sp>
       <p:pic>
         <p:nvPicPr>
-          <p:cNvPr id="7" name="Рисунок 6" descr="git1.png"/>
+          <p:cNvPr id="1027" name="Picture 3" descr="C:\Users\nwcfang\diplom_report\chistovik\mTest3_mini.png"/>
           <p:cNvPicPr>
-            <a:picLocks noChangeAspect="1"/>
+            <a:picLocks noChangeAspect="1" noChangeArrowheads="1"/>
+          </p:cNvPicPr>
+          <p:nvPr/>
+        </p:nvPicPr>
+        <p:blipFill>
+          <a:blip r:embed="rId2" cstate="print"/>
+          <a:srcRect/>
+          <a:stretch>
+            <a:fillRect/>
+          </a:stretch>
+        </p:blipFill>
+        <p:spPr bwMode="auto">
+          <a:xfrm>
+            <a:off x="214282" y="642918"/>
+            <a:ext cx="8215370" cy="3148980"/>
+          </a:xfrm>
+          <a:prstGeom prst="rect">
+            <a:avLst/>
+          </a:prstGeom>
+          <a:noFill/>
+        </p:spPr>
+      </p:pic>
+      <p:pic>
+        <p:nvPicPr>
+          <p:cNvPr id="1026" name="Picture 2" descr="C:\Users\nwcfang\diplom_report\chistovik\mTest4.PNG"/>
+          <p:cNvPicPr>
+            <a:picLocks noChangeAspect="1" noChangeArrowheads="1"/>
           </p:cNvPicPr>
           <p:nvPr/>
         </p:nvPicPr>
         <p:blipFill>
           <a:blip r:embed="rId3" cstate="print"/>
+          <a:srcRect/>
           <a:stretch>
             <a:fillRect/>
           </a:stretch>
         </p:blipFill>
-        <p:spPr>
+        <p:spPr bwMode="auto">
           <a:xfrm>
-            <a:off x="785786" y="2357430"/>
-            <a:ext cx="3143272" cy="3084753"/>
+            <a:off x="214282" y="2402235"/>
+            <a:ext cx="7072362" cy="2834730"/>
           </a:xfrm>
           <a:prstGeom prst="rect">
             <a:avLst/>
           </a:prstGeom>
+          <a:noFill/>
         </p:spPr>
       </p:pic>
       <p:sp>
@@ -4184,8 +4636,8 @@
         </p:nvSpPr>
         <p:spPr>
           <a:xfrm>
-            <a:off x="3214678" y="642918"/>
-            <a:ext cx="2685351" cy="369332"/>
+            <a:off x="4110856" y="5643578"/>
+            <a:ext cx="4791055" cy="646331"/>
           </a:xfrm>
           <a:prstGeom prst="rect">
             <a:avLst/>
@@ -4198,234 +4650,75 @@
           </a:bodyPr>
           <a:lstStyle/>
           <a:p>
+            <a:pPr algn="r"/>
             <a:r>
               <a:rPr lang="ru-RU" dirty="0" smtClean="0">
                 <a:latin typeface="Times New Roman" pitchFamily="18" charset="0"/>
-                <a:cs typeface="Times New Roman" pitchFamily="18" charset="0"/>
-              </a:rPr>
-              <a:t>Инструменты разработки</a:t>
-            </a:r>
-            <a:endParaRPr lang="ru-RU" dirty="0">
-              <a:latin typeface="Times New Roman" pitchFamily="18" charset="0"/>
-              <a:cs typeface="Times New Roman" pitchFamily="18" charset="0"/>
-            </a:endParaRPr>
-          </a:p>
-        </p:txBody>
-      </p:sp>
-      <p:pic>
-        <p:nvPicPr>
-          <p:cNvPr id="10" name="Рисунок 9" descr="git2.png"/>
-          <p:cNvPicPr>
-            <a:picLocks noChangeAspect="1"/>
-          </p:cNvPicPr>
-          <p:nvPr/>
-        </p:nvPicPr>
-        <p:blipFill>
-          <a:blip r:embed="rId4" cstate="print"/>
-          <a:stretch>
-            <a:fillRect/>
-          </a:stretch>
-        </p:blipFill>
-        <p:spPr>
-          <a:xfrm>
-            <a:off x="5072066" y="1714488"/>
-            <a:ext cx="3571900" cy="1583820"/>
-          </a:xfrm>
-          <a:prstGeom prst="rect">
-            <a:avLst/>
-          </a:prstGeom>
-        </p:spPr>
-      </p:pic>
-      <p:sp>
-        <p:nvSpPr>
-          <p:cNvPr id="11" name="Содержимое 2"/>
-          <p:cNvSpPr txBox="1">
-            <a:spLocks/>
-          </p:cNvSpPr>
-          <p:nvPr/>
-        </p:nvSpPr>
-        <p:spPr>
-          <a:xfrm>
-            <a:off x="6572264" y="1285860"/>
-            <a:ext cx="2000296" cy="285752"/>
-          </a:xfrm>
-          <a:prstGeom prst="rect">
-            <a:avLst/>
-          </a:prstGeom>
-        </p:spPr>
-        <p:txBody>
-          <a:bodyPr vert="horz" lIns="91440" tIns="45720" rIns="91440" bIns="45720" rtlCol="0">
-            <a:normAutofit lnSpcReduction="10000"/>
-          </a:bodyPr>
-          <a:lstStyle/>
-          <a:p>
-            <a:pPr lvl="0">
-              <a:spcBef>
-                <a:spcPct val="20000"/>
-              </a:spcBef>
-              <a:buBlip>
-                <a:blip r:embed="rId2"/>
-              </a:buBlip>
-              <a:tabLst>
-                <a:tab pos="444500" algn="l"/>
-              </a:tabLst>
-            </a:pPr>
-            <a:r>
-              <a:rPr lang="ru-RU" sz="1400" dirty="0" smtClean="0">
-                <a:solidFill>
-                  <a:schemeClr val="accent5">
-                    <a:lumMod val="50000"/>
-                  </a:schemeClr>
-                </a:solidFill>
+                <a:ea typeface="+mj-ea"/>
+                <a:cs typeface="Times New Roman" pitchFamily="18" charset="0"/>
+              </a:rPr>
+              <a:t>Фрагмент вывода автоматического модульного</a:t>
+            </a:r>
+          </a:p>
+          <a:p>
+            <a:pPr algn="r"/>
+            <a:r>
+              <a:rPr lang="ru-RU" dirty="0" smtClean="0">
                 <a:latin typeface="Times New Roman" pitchFamily="18" charset="0"/>
-                <a:cs typeface="Times New Roman" pitchFamily="18" charset="0"/>
-              </a:rPr>
-              <a:t>Слепки вместо </a:t>
-            </a:r>
-            <a:r>
-              <a:rPr lang="ru-RU" sz="1400" dirty="0" err="1" smtClean="0">
-                <a:solidFill>
-                  <a:schemeClr val="accent5">
-                    <a:lumMod val="50000"/>
-                  </a:schemeClr>
-                </a:solidFill>
-                <a:latin typeface="Times New Roman" pitchFamily="18" charset="0"/>
-                <a:cs typeface="Times New Roman" pitchFamily="18" charset="0"/>
-              </a:rPr>
-              <a:t>патчей</a:t>
-            </a:r>
-            <a:endParaRPr kumimoji="0" lang="ru-RU" sz="1400" b="0" i="0" u="none" strike="noStrike" kern="1200" cap="none" spc="0" normalizeH="0" baseline="0" noProof="0" dirty="0">
-              <a:ln>
-                <a:noFill/>
-              </a:ln>
-              <a:solidFill>
-                <a:schemeClr val="accent5">
-                  <a:lumMod val="50000"/>
-                </a:schemeClr>
-              </a:solidFill>
-              <a:effectLst/>
-              <a:uLnTx/>
-              <a:uFillTx/>
-              <a:latin typeface="Times New Roman" pitchFamily="18" charset="0"/>
-              <a:ea typeface="+mn-ea"/>
-              <a:cs typeface="Times New Roman" pitchFamily="18" charset="0"/>
-            </a:endParaRPr>
+                <a:ea typeface="+mj-ea"/>
+                <a:cs typeface="Times New Roman" pitchFamily="18" charset="0"/>
+              </a:rPr>
+              <a:t> тестирования функций библиотеки</a:t>
+            </a:r>
           </a:p>
         </p:txBody>
       </p:sp>
       <p:sp>
         <p:nvSpPr>
-          <p:cNvPr id="12" name="Содержимое 2"/>
-          <p:cNvSpPr txBox="1">
-            <a:spLocks/>
-          </p:cNvSpPr>
+          <p:cNvPr id="10" name="Прямоугольник 9"/>
+          <p:cNvSpPr/>
           <p:nvPr/>
         </p:nvSpPr>
         <p:spPr>
           <a:xfrm>
-            <a:off x="6643702" y="3500438"/>
-            <a:ext cx="1928826" cy="285752"/>
+            <a:off x="142844" y="571480"/>
+            <a:ext cx="8858312" cy="4714908"/>
           </a:xfrm>
           <a:prstGeom prst="rect">
             <a:avLst/>
           </a:prstGeom>
-        </p:spPr>
+          <a:noFill/>
+          <a:ln cmpd="dbl">
+            <a:solidFill>
+              <a:schemeClr val="tx1"/>
+            </a:solidFill>
+          </a:ln>
+        </p:spPr>
+        <p:style>
+          <a:lnRef idx="2">
+            <a:schemeClr val="accent1">
+              <a:shade val="50000"/>
+            </a:schemeClr>
+          </a:lnRef>
+          <a:fillRef idx="1">
+            <a:schemeClr val="accent1"/>
+          </a:fillRef>
+          <a:effectRef idx="0">
+            <a:schemeClr val="accent1"/>
+          </a:effectRef>
+          <a:fontRef idx="minor">
+            <a:schemeClr val="lt1"/>
+          </a:fontRef>
+        </p:style>
         <p:txBody>
-          <a:bodyPr vert="horz" lIns="91440" tIns="45720" rIns="91440" bIns="45720" rtlCol="0">
-            <a:normAutofit lnSpcReduction="10000"/>
-          </a:bodyPr>
+          <a:bodyPr rtlCol="0" anchor="ctr"/>
           <a:lstStyle/>
           <a:p>
-            <a:pPr lvl="0">
-              <a:spcBef>
-                <a:spcPct val="20000"/>
-              </a:spcBef>
-              <a:buBlip>
-                <a:blip r:embed="rId2"/>
-              </a:buBlip>
-              <a:tabLst>
-                <a:tab pos="444500" algn="l"/>
-              </a:tabLst>
-            </a:pPr>
-            <a:r>
-              <a:rPr lang="ru-RU" sz="1400" dirty="0" smtClean="0">
-                <a:solidFill>
-                  <a:schemeClr val="accent5">
-                    <a:lumMod val="50000"/>
-                  </a:schemeClr>
-                </a:solidFill>
-                <a:latin typeface="Times New Roman" pitchFamily="18" charset="0"/>
-                <a:cs typeface="Times New Roman" pitchFamily="18" charset="0"/>
-              </a:rPr>
-              <a:t>Три состояния файла</a:t>
-            </a:r>
-            <a:endParaRPr kumimoji="0" lang="ru-RU" sz="1400" b="0" i="0" u="none" strike="noStrike" kern="1200" cap="none" spc="0" normalizeH="0" baseline="0" noProof="0" dirty="0">
-              <a:ln>
-                <a:noFill/>
-              </a:ln>
-              <a:solidFill>
-                <a:schemeClr val="accent5">
-                  <a:lumMod val="50000"/>
-                </a:schemeClr>
-              </a:solidFill>
-              <a:effectLst/>
-              <a:uLnTx/>
-              <a:uFillTx/>
-              <a:latin typeface="Times New Roman" pitchFamily="18" charset="0"/>
-              <a:ea typeface="+mn-ea"/>
-              <a:cs typeface="Times New Roman" pitchFamily="18" charset="0"/>
-            </a:endParaRPr>
+            <a:pPr algn="ctr"/>
+            <a:endParaRPr lang="ru-RU"/>
           </a:p>
         </p:txBody>
       </p:sp>
-      <p:pic>
-        <p:nvPicPr>
-          <p:cNvPr id="13" name="Рисунок 12" descr="git3.png"/>
-          <p:cNvPicPr>
-            <a:picLocks noChangeAspect="1"/>
-          </p:cNvPicPr>
-          <p:nvPr/>
-        </p:nvPicPr>
-        <p:blipFill>
-          <a:blip r:embed="rId5" cstate="print"/>
-          <a:stretch>
-            <a:fillRect/>
-          </a:stretch>
-        </p:blipFill>
-        <p:spPr>
-          <a:xfrm>
-            <a:off x="5143504" y="3714752"/>
-            <a:ext cx="3219899" cy="2900767"/>
-          </a:xfrm>
-          <a:prstGeom prst="rect">
-            <a:avLst/>
-          </a:prstGeom>
-        </p:spPr>
-      </p:pic>
-      <p:pic>
-        <p:nvPicPr>
-          <p:cNvPr id="39" name="Рисунок 38" descr="Git-Logo-2Color.png"/>
-          <p:cNvPicPr>
-            <a:picLocks noChangeAspect="1"/>
-          </p:cNvPicPr>
-          <p:nvPr/>
-        </p:nvPicPr>
-        <p:blipFill>
-          <a:blip r:embed="rId6" cstate="print"/>
-          <a:stretch>
-            <a:fillRect/>
-          </a:stretch>
-        </p:blipFill>
-        <p:spPr>
-          <a:xfrm>
-            <a:off x="3929058" y="1071546"/>
-            <a:ext cx="1357322" cy="566793"/>
-          </a:xfrm>
-          <a:prstGeom prst="rect">
-            <a:avLst/>
-          </a:prstGeom>
-        </p:spPr>
-      </p:pic>
     </p:spTree>
   </p:cSld>
   <p:clrMapOvr>
@@ -4471,22 +4764,27 @@
         <p:spPr>
           <a:xfrm>
             <a:off x="0" y="0"/>
-            <a:ext cx="9144000" cy="714356"/>
+            <a:ext cx="9144000" cy="571480"/>
           </a:xfrm>
         </p:spPr>
         <p:txBody>
           <a:bodyPr>
-            <a:normAutofit/>
+            <a:normAutofit fontScale="90000"/>
           </a:bodyPr>
           <a:lstStyle/>
           <a:p>
             <a:r>
-              <a:rPr lang="ru-RU" sz="2600" dirty="0" smtClean="0">
+              <a:rPr lang="ru-RU" sz="2900" dirty="0" smtClean="0">
                 <a:latin typeface="Times New Roman" pitchFamily="18" charset="0"/>
                 <a:cs typeface="Times New Roman" pitchFamily="18" charset="0"/>
               </a:rPr>
-              <a:t>Технология разработки библиотеки</a:t>
-            </a:r>
+              <a:t>Демонстрация среды исполнения подпрограмм библиотеки</a:t>
+            </a:r>
+            <a:r>
+              <a:rPr lang="ru-RU" dirty="0" smtClean="0"/>
+              <a:t> </a:t>
+            </a:r>
+            <a:endParaRPr lang="ru-RU" dirty="0"/>
           </a:p>
         </p:txBody>
       </p:sp>
@@ -4522,8 +4820,8 @@
         </p:nvSpPr>
         <p:spPr>
           <a:xfrm>
-            <a:off x="3214678" y="642918"/>
-            <a:ext cx="2685351" cy="369332"/>
+            <a:off x="5588195" y="5643578"/>
+            <a:ext cx="3313728" cy="369332"/>
           </a:xfrm>
           <a:prstGeom prst="rect">
             <a:avLst/>
@@ -4536,427 +4834,87 @@
           </a:bodyPr>
           <a:lstStyle/>
           <a:p>
+            <a:pPr algn="r"/>
             <a:r>
               <a:rPr lang="ru-RU" dirty="0" smtClean="0">
                 <a:latin typeface="Times New Roman" pitchFamily="18" charset="0"/>
-                <a:cs typeface="Times New Roman" pitchFamily="18" charset="0"/>
-              </a:rPr>
-              <a:t>Инструменты разработки</a:t>
-            </a:r>
-            <a:endParaRPr lang="ru-RU" dirty="0">
-              <a:latin typeface="Times New Roman" pitchFamily="18" charset="0"/>
-              <a:cs typeface="Times New Roman" pitchFamily="18" charset="0"/>
-            </a:endParaRPr>
+                <a:ea typeface="+mj-ea"/>
+                <a:cs typeface="Times New Roman" pitchFamily="18" charset="0"/>
+              </a:rPr>
+              <a:t>Результат автономной проверки</a:t>
+            </a:r>
           </a:p>
         </p:txBody>
       </p:sp>
       <p:pic>
         <p:nvPicPr>
-          <p:cNvPr id="16" name="Рисунок 15" descr="vim-editor_logo.png"/>
+          <p:cNvPr id="2050" name="Picture 2" descr="C:\Users\nwcfang\diplom_report\chistovik\rs232test.png"/>
           <p:cNvPicPr>
-            <a:picLocks noChangeAspect="1"/>
+            <a:picLocks noChangeAspect="1" noChangeArrowheads="1"/>
           </p:cNvPicPr>
           <p:nvPr/>
         </p:nvPicPr>
         <p:blipFill>
           <a:blip r:embed="rId2" cstate="print"/>
+          <a:srcRect/>
           <a:stretch>
             <a:fillRect/>
           </a:stretch>
         </p:blipFill>
-        <p:spPr>
+        <p:spPr bwMode="auto">
           <a:xfrm>
-            <a:off x="4143372" y="1071546"/>
-            <a:ext cx="785818" cy="785818"/>
-          </a:xfrm>
-          <a:prstGeom prst="rect">
-            <a:avLst/>
-          </a:prstGeom>
-        </p:spPr>
-      </p:pic>
-      <p:sp>
-        <p:nvSpPr>
-          <p:cNvPr id="17" name="Содержимое 2"/>
-          <p:cNvSpPr>
-            <a:spLocks noGrp="1"/>
-          </p:cNvSpPr>
-          <p:nvPr>
-            <p:ph idx="1"/>
-          </p:nvPr>
-        </p:nvSpPr>
-        <p:spPr>
-          <a:xfrm>
-            <a:off x="571472" y="1857364"/>
-            <a:ext cx="3929090" cy="1785950"/>
-          </a:xfrm>
-        </p:spPr>
-        <p:txBody>
-          <a:bodyPr>
-            <a:noAutofit/>
-          </a:bodyPr>
-          <a:lstStyle/>
-          <a:p>
-            <a:pPr marL="0" indent="0" algn="just">
-              <a:buNone/>
-              <a:tabLst>
-                <a:tab pos="444500" algn="l"/>
-              </a:tabLst>
-            </a:pPr>
-            <a:r>
-              <a:rPr lang="en-US" sz="1400" b="1" dirty="0" smtClean="0">
-                <a:solidFill>
-                  <a:schemeClr val="accent5">
-                    <a:lumMod val="50000"/>
-                  </a:schemeClr>
-                </a:solidFill>
-                <a:latin typeface="Times New Roman" pitchFamily="18" charset="0"/>
-                <a:cs typeface="Times New Roman" pitchFamily="18" charset="0"/>
-              </a:rPr>
-              <a:t>Vim</a:t>
-            </a:r>
-            <a:r>
-              <a:rPr lang="en-US" sz="1400" dirty="0" smtClean="0">
-                <a:solidFill>
-                  <a:schemeClr val="accent5">
-                    <a:lumMod val="50000"/>
-                  </a:schemeClr>
-                </a:solidFill>
-                <a:latin typeface="Times New Roman" pitchFamily="18" charset="0"/>
-                <a:cs typeface="Times New Roman" pitchFamily="18" charset="0"/>
-              </a:rPr>
-              <a:t> - </a:t>
-            </a:r>
-            <a:r>
-              <a:rPr lang="ru-RU" sz="1400" dirty="0" smtClean="0">
-                <a:solidFill>
-                  <a:schemeClr val="accent5">
-                    <a:lumMod val="50000"/>
-                  </a:schemeClr>
-                </a:solidFill>
-                <a:latin typeface="Times New Roman" pitchFamily="18" charset="0"/>
-                <a:cs typeface="Times New Roman" pitchFamily="18" charset="0"/>
-              </a:rPr>
-              <a:t>текстовый редактор с двумя режимами ввода:</a:t>
-            </a:r>
-          </a:p>
-          <a:p>
-            <a:pPr marL="0" indent="0" algn="just">
-              <a:buBlip>
-                <a:blip r:embed="rId3"/>
-              </a:buBlip>
-              <a:tabLst>
-                <a:tab pos="444500" algn="l"/>
-              </a:tabLst>
-            </a:pPr>
-            <a:r>
-              <a:rPr lang="ru-RU" sz="1400" dirty="0" smtClean="0">
-                <a:solidFill>
-                  <a:schemeClr val="accent5">
-                    <a:lumMod val="50000"/>
-                  </a:schemeClr>
-                </a:solidFill>
-                <a:latin typeface="Times New Roman" pitchFamily="18" charset="0"/>
-                <a:cs typeface="Times New Roman" pitchFamily="18" charset="0"/>
-              </a:rPr>
-              <a:t>Командный (позволяет использовать клавиши клавиатуры не для печати символов, а для различных команд) </a:t>
-            </a:r>
-          </a:p>
-          <a:p>
-            <a:pPr marL="0" indent="0" algn="just">
-              <a:buBlip>
-                <a:blip r:embed="rId3"/>
-              </a:buBlip>
-              <a:tabLst>
-                <a:tab pos="444500" algn="l"/>
-              </a:tabLst>
-            </a:pPr>
-            <a:r>
-              <a:rPr lang="ru-RU" sz="1400" dirty="0" smtClean="0">
-                <a:solidFill>
-                  <a:schemeClr val="accent5">
-                    <a:lumMod val="50000"/>
-                  </a:schemeClr>
-                </a:solidFill>
-                <a:latin typeface="Times New Roman" pitchFamily="18" charset="0"/>
-                <a:cs typeface="Times New Roman" pitchFamily="18" charset="0"/>
-              </a:rPr>
-              <a:t>Текстовый (режим непосредственного редактирования текста, аналогичный большинству «обычных» редакторов).</a:t>
-            </a:r>
-            <a:endParaRPr lang="ru-RU" sz="1400" dirty="0">
-              <a:solidFill>
-                <a:schemeClr val="accent5">
-                  <a:lumMod val="50000"/>
-                </a:schemeClr>
-              </a:solidFill>
-              <a:latin typeface="Times New Roman" pitchFamily="18" charset="0"/>
-              <a:cs typeface="Times New Roman" pitchFamily="18" charset="0"/>
-            </a:endParaRPr>
-          </a:p>
-        </p:txBody>
-      </p:sp>
-      <p:pic>
-        <p:nvPicPr>
-          <p:cNvPr id="18" name="Рисунок 17" descr="macvim.png"/>
-          <p:cNvPicPr>
-            <a:picLocks noChangeAspect="1"/>
-          </p:cNvPicPr>
-          <p:nvPr/>
-        </p:nvPicPr>
-        <p:blipFill>
-          <a:blip r:embed="rId4" cstate="print"/>
-          <a:stretch>
-            <a:fillRect/>
-          </a:stretch>
-        </p:blipFill>
-        <p:spPr>
-          <a:xfrm>
-            <a:off x="5286380" y="2928934"/>
-            <a:ext cx="3571880" cy="2190753"/>
-          </a:xfrm>
-          <a:prstGeom prst="rect">
-            <a:avLst/>
-          </a:prstGeom>
-        </p:spPr>
-      </p:pic>
-      <p:sp>
-        <p:nvSpPr>
-          <p:cNvPr id="20" name="TextBox 19"/>
-          <p:cNvSpPr txBox="1"/>
-          <p:nvPr/>
-        </p:nvSpPr>
-        <p:spPr>
-          <a:xfrm>
-            <a:off x="642910" y="4000504"/>
-            <a:ext cx="4500594" cy="2739211"/>
+            <a:off x="214282" y="642918"/>
+            <a:ext cx="6478587" cy="4057650"/>
           </a:xfrm>
           <a:prstGeom prst="rect">
             <a:avLst/>
           </a:prstGeom>
           <a:noFill/>
         </p:spPr>
+      </p:pic>
+      <p:sp>
+        <p:nvSpPr>
+          <p:cNvPr id="10" name="Прямоугольник 9"/>
+          <p:cNvSpPr/>
+          <p:nvPr/>
+        </p:nvSpPr>
+        <p:spPr>
+          <a:xfrm>
+            <a:off x="142844" y="571480"/>
+            <a:ext cx="8858312" cy="4714908"/>
+          </a:xfrm>
+          <a:prstGeom prst="rect">
+            <a:avLst/>
+          </a:prstGeom>
+          <a:noFill/>
+          <a:ln cmpd="dbl">
+            <a:solidFill>
+              <a:schemeClr val="tx1"/>
+            </a:solidFill>
+          </a:ln>
+        </p:spPr>
+        <p:style>
+          <a:lnRef idx="2">
+            <a:schemeClr val="accent1">
+              <a:shade val="50000"/>
+            </a:schemeClr>
+          </a:lnRef>
+          <a:fillRef idx="1">
+            <a:schemeClr val="accent1"/>
+          </a:fillRef>
+          <a:effectRef idx="0">
+            <a:schemeClr val="accent1"/>
+          </a:effectRef>
+          <a:fontRef idx="minor">
+            <a:schemeClr val="lt1"/>
+          </a:fontRef>
+        </p:style>
         <p:txBody>
-          <a:bodyPr wrap="square" rtlCol="0">
-            <a:spAutoFit/>
-          </a:bodyPr>
+          <a:bodyPr rtlCol="0" anchor="ctr"/>
           <a:lstStyle/>
           <a:p>
             <a:pPr algn="ctr"/>
-            <a:r>
-              <a:rPr lang="ru-RU" sz="1400" b="1" dirty="0" smtClean="0">
-                <a:solidFill>
-                  <a:schemeClr val="accent5">
-                    <a:lumMod val="50000"/>
-                  </a:schemeClr>
-                </a:solidFill>
-                <a:latin typeface="Times New Roman" pitchFamily="18" charset="0"/>
-                <a:cs typeface="Times New Roman" pitchFamily="18" charset="0"/>
-              </a:rPr>
-              <a:t>Функциональность</a:t>
-            </a:r>
-          </a:p>
-          <a:p>
-            <a:pPr algn="ctr"/>
-            <a:endParaRPr lang="ru-RU" sz="1400" dirty="0" smtClean="0">
-              <a:solidFill>
-                <a:schemeClr val="accent5">
-                  <a:lumMod val="50000"/>
-                </a:schemeClr>
-              </a:solidFill>
-              <a:latin typeface="Times New Roman" pitchFamily="18" charset="0"/>
-              <a:cs typeface="Times New Roman" pitchFamily="18" charset="0"/>
-            </a:endParaRPr>
-          </a:p>
-          <a:p>
-            <a:pPr>
-              <a:buBlip>
-                <a:blip r:embed="rId3"/>
-              </a:buBlip>
-            </a:pPr>
-            <a:r>
-              <a:rPr lang="ru-RU" sz="1400" dirty="0" smtClean="0">
-                <a:solidFill>
-                  <a:schemeClr val="accent5">
-                    <a:lumMod val="50000"/>
-                  </a:schemeClr>
-                </a:solidFill>
-                <a:latin typeface="Times New Roman" pitchFamily="18" charset="0"/>
-                <a:cs typeface="Times New Roman" pitchFamily="18" charset="0"/>
-              </a:rPr>
-              <a:t> Разбиение окон редактирования</a:t>
-            </a:r>
-          </a:p>
-          <a:p>
-            <a:pPr>
-              <a:buBlip>
-                <a:blip r:embed="rId3"/>
-              </a:buBlip>
-            </a:pPr>
-            <a:r>
-              <a:rPr lang="ru-RU" sz="1400" dirty="0" smtClean="0">
-                <a:solidFill>
-                  <a:schemeClr val="accent5">
-                    <a:lumMod val="50000"/>
-                  </a:schemeClr>
-                </a:solidFill>
-                <a:latin typeface="Times New Roman" pitchFamily="18" charset="0"/>
-                <a:cs typeface="Times New Roman" pitchFamily="18" charset="0"/>
-              </a:rPr>
-              <a:t>Неограниченная глубина отмены (</a:t>
-            </a:r>
-            <a:r>
-              <a:rPr lang="en-US" sz="1400" dirty="0" smtClean="0">
-                <a:solidFill>
-                  <a:schemeClr val="accent5">
-                    <a:lumMod val="50000"/>
-                  </a:schemeClr>
-                </a:solidFill>
-                <a:latin typeface="Times New Roman" pitchFamily="18" charset="0"/>
-                <a:cs typeface="Times New Roman" pitchFamily="18" charset="0"/>
-              </a:rPr>
-              <a:t>undo)</a:t>
-            </a:r>
-            <a:endParaRPr lang="ru-RU" sz="1400" dirty="0" smtClean="0">
-              <a:solidFill>
-                <a:schemeClr val="accent5">
-                  <a:lumMod val="50000"/>
-                </a:schemeClr>
-              </a:solidFill>
-              <a:latin typeface="Times New Roman" pitchFamily="18" charset="0"/>
-              <a:cs typeface="Times New Roman" pitchFamily="18" charset="0"/>
-            </a:endParaRPr>
-          </a:p>
-          <a:p>
-            <a:pPr>
-              <a:buBlip>
-                <a:blip r:embed="rId3"/>
-              </a:buBlip>
-            </a:pPr>
-            <a:r>
-              <a:rPr lang="ru-RU" sz="1400" dirty="0" smtClean="0">
-                <a:solidFill>
-                  <a:schemeClr val="accent5">
-                    <a:lumMod val="50000"/>
-                  </a:schemeClr>
-                </a:solidFill>
-                <a:latin typeface="Times New Roman" pitchFamily="18" charset="0"/>
-                <a:cs typeface="Times New Roman" pitchFamily="18" charset="0"/>
-              </a:rPr>
-              <a:t>Режим сравнения двух файлов</a:t>
-            </a:r>
-          </a:p>
-          <a:p>
-            <a:pPr>
-              <a:buBlip>
-                <a:blip r:embed="rId3"/>
-              </a:buBlip>
-            </a:pPr>
-            <a:r>
-              <a:rPr lang="ru-RU" sz="1400" dirty="0" smtClean="0">
-                <a:solidFill>
-                  <a:schemeClr val="accent5">
-                    <a:lumMod val="50000"/>
-                  </a:schemeClr>
-                </a:solidFill>
-                <a:latin typeface="Times New Roman" pitchFamily="18" charset="0"/>
-                <a:cs typeface="Times New Roman" pitchFamily="18" charset="0"/>
-              </a:rPr>
-              <a:t>Подсветка синтаксиса</a:t>
-            </a:r>
-          </a:p>
-          <a:p>
-            <a:pPr>
-              <a:buBlip>
-                <a:blip r:embed="rId3"/>
-              </a:buBlip>
-            </a:pPr>
-            <a:r>
-              <a:rPr lang="ru-RU" sz="1400" dirty="0" smtClean="0">
-                <a:solidFill>
-                  <a:schemeClr val="accent5">
-                    <a:lumMod val="50000"/>
-                  </a:schemeClr>
-                </a:solidFill>
-                <a:latin typeface="Times New Roman" pitchFamily="18" charset="0"/>
-                <a:cs typeface="Times New Roman" pitchFamily="18" charset="0"/>
-              </a:rPr>
-              <a:t>Автоматическое продолжение команд</a:t>
-            </a:r>
-          </a:p>
-          <a:p>
-            <a:pPr>
-              <a:buBlip>
-                <a:blip r:embed="rId3"/>
-              </a:buBlip>
-            </a:pPr>
-            <a:r>
-              <a:rPr lang="ru-RU" sz="1400" dirty="0" smtClean="0">
-                <a:solidFill>
-                  <a:schemeClr val="accent5">
-                    <a:lumMod val="50000"/>
-                  </a:schemeClr>
-                </a:solidFill>
-                <a:latin typeface="Times New Roman" pitchFamily="18" charset="0"/>
-                <a:cs typeface="Times New Roman" pitchFamily="18" charset="0"/>
-              </a:rPr>
-              <a:t>Сворачивание (</a:t>
-            </a:r>
-            <a:r>
-              <a:rPr lang="en-US" sz="1400" dirty="0" smtClean="0">
-                <a:solidFill>
-                  <a:schemeClr val="accent5">
-                    <a:lumMod val="50000"/>
-                  </a:schemeClr>
-                </a:solidFill>
-                <a:latin typeface="Times New Roman" pitchFamily="18" charset="0"/>
-                <a:cs typeface="Times New Roman" pitchFamily="18" charset="0"/>
-              </a:rPr>
-              <a:t>folding) </a:t>
-            </a:r>
-            <a:r>
-              <a:rPr lang="ru-RU" sz="1400" dirty="0" smtClean="0">
-                <a:solidFill>
-                  <a:schemeClr val="accent5">
-                    <a:lumMod val="50000"/>
-                  </a:schemeClr>
-                </a:solidFill>
-                <a:latin typeface="Times New Roman" pitchFamily="18" charset="0"/>
-                <a:cs typeface="Times New Roman" pitchFamily="18" charset="0"/>
-              </a:rPr>
-              <a:t>текста</a:t>
-            </a:r>
-          </a:p>
-          <a:p>
-            <a:pPr>
-              <a:buBlip>
-                <a:blip r:embed="rId3"/>
-              </a:buBlip>
-            </a:pPr>
-            <a:r>
-              <a:rPr lang="ru-RU" sz="1400" dirty="0" smtClean="0">
-                <a:solidFill>
-                  <a:schemeClr val="accent5">
-                    <a:lumMod val="50000"/>
-                  </a:schemeClr>
-                </a:solidFill>
-                <a:latin typeface="Times New Roman" pitchFamily="18" charset="0"/>
-                <a:cs typeface="Times New Roman" pitchFamily="18" charset="0"/>
-              </a:rPr>
-              <a:t>Поддержка цикла разработки «редактирование — компиляция — исправление» программ</a:t>
-            </a:r>
-          </a:p>
-          <a:p>
-            <a:endParaRPr lang="ru-RU" sz="1400" dirty="0" smtClean="0">
-              <a:solidFill>
-                <a:schemeClr val="accent5">
-                  <a:lumMod val="50000"/>
-                </a:schemeClr>
-              </a:solidFill>
-              <a:latin typeface="Times New Roman" pitchFamily="18" charset="0"/>
-              <a:cs typeface="Times New Roman" pitchFamily="18" charset="0"/>
-            </a:endParaRPr>
-          </a:p>
-          <a:p>
-            <a:endParaRPr lang="ru-RU" dirty="0"/>
+            <a:endParaRPr lang="ru-RU"/>
           </a:p>
         </p:txBody>
       </p:sp>
@@ -4976,6 +4934,1000 @@
 </file>
 
 <file path=ppt/slides/slide13.xml><?xml version="1.0" encoding="utf-8"?>
+<p:sld xmlns:a="http://schemas.openxmlformats.org/drawingml/2006/main" xmlns:r="http://schemas.openxmlformats.org/officeDocument/2006/relationships" xmlns:p="http://schemas.openxmlformats.org/presentationml/2006/main">
+  <p:cSld>
+    <p:spTree>
+      <p:nvGrpSpPr>
+        <p:cNvPr id="1" name=""/>
+        <p:cNvGrpSpPr/>
+        <p:nvPr/>
+      </p:nvGrpSpPr>
+      <p:grpSpPr>
+        <a:xfrm>
+          <a:off x="0" y="0"/>
+          <a:ext cx="0" cy="0"/>
+          <a:chOff x="0" y="0"/>
+          <a:chExt cx="0" cy="0"/>
+        </a:xfrm>
+      </p:grpSpPr>
+      <p:sp>
+        <p:nvSpPr>
+          <p:cNvPr id="2" name="Заголовок 1"/>
+          <p:cNvSpPr>
+            <a:spLocks noGrp="1"/>
+          </p:cNvSpPr>
+          <p:nvPr>
+            <p:ph type="title"/>
+          </p:nvPr>
+        </p:nvSpPr>
+        <p:spPr>
+          <a:xfrm>
+            <a:off x="0" y="0"/>
+            <a:ext cx="9144000" cy="714356"/>
+          </a:xfrm>
+        </p:spPr>
+        <p:txBody>
+          <a:bodyPr>
+            <a:normAutofit/>
+          </a:bodyPr>
+          <a:lstStyle/>
+          <a:p>
+            <a:r>
+              <a:rPr lang="ru-RU" sz="2600" dirty="0" smtClean="0">
+                <a:latin typeface="Times New Roman" pitchFamily="18" charset="0"/>
+                <a:cs typeface="Times New Roman" pitchFamily="18" charset="0"/>
+              </a:rPr>
+              <a:t>Технология разработки библиотеки</a:t>
+            </a:r>
+          </a:p>
+        </p:txBody>
+      </p:sp>
+      <p:sp>
+        <p:nvSpPr>
+          <p:cNvPr id="3" name="Содержимое 2"/>
+          <p:cNvSpPr>
+            <a:spLocks noGrp="1"/>
+          </p:cNvSpPr>
+          <p:nvPr>
+            <p:ph idx="1"/>
+          </p:nvPr>
+        </p:nvSpPr>
+        <p:spPr>
+          <a:xfrm>
+            <a:off x="500034" y="1857364"/>
+            <a:ext cx="3929090" cy="285752"/>
+          </a:xfrm>
+        </p:spPr>
+        <p:txBody>
+          <a:bodyPr>
+            <a:noAutofit/>
+          </a:bodyPr>
+          <a:lstStyle/>
+          <a:p>
+            <a:pPr marL="0" indent="0">
+              <a:buBlip>
+                <a:blip r:embed="rId2"/>
+              </a:buBlip>
+              <a:tabLst>
+                <a:tab pos="444500" algn="l"/>
+              </a:tabLst>
+            </a:pPr>
+            <a:r>
+              <a:rPr lang="en-US" sz="1400" dirty="0" smtClean="0">
+                <a:solidFill>
+                  <a:schemeClr val="accent5">
+                    <a:lumMod val="50000"/>
+                  </a:schemeClr>
+                </a:solidFill>
+                <a:latin typeface="Times New Roman" pitchFamily="18" charset="0"/>
+                <a:cs typeface="Times New Roman" pitchFamily="18" charset="0"/>
+              </a:rPr>
+              <a:t> </a:t>
+            </a:r>
+            <a:r>
+              <a:rPr lang="en-US" sz="1400" b="1" dirty="0" err="1" smtClean="0">
+                <a:solidFill>
+                  <a:schemeClr val="accent5">
+                    <a:lumMod val="50000"/>
+                  </a:schemeClr>
+                </a:solidFill>
+                <a:latin typeface="Times New Roman" pitchFamily="18" charset="0"/>
+                <a:cs typeface="Times New Roman" pitchFamily="18" charset="0"/>
+              </a:rPr>
+              <a:t>Git</a:t>
+            </a:r>
+            <a:r>
+              <a:rPr lang="en-US" sz="1400" dirty="0" smtClean="0">
+                <a:solidFill>
+                  <a:schemeClr val="accent5">
+                    <a:lumMod val="50000"/>
+                  </a:schemeClr>
+                </a:solidFill>
+                <a:latin typeface="Times New Roman" pitchFamily="18" charset="0"/>
+                <a:cs typeface="Times New Roman" pitchFamily="18" charset="0"/>
+              </a:rPr>
+              <a:t> - </a:t>
+            </a:r>
+            <a:r>
+              <a:rPr lang="ru-RU" sz="1400" dirty="0" smtClean="0">
+                <a:solidFill>
+                  <a:schemeClr val="accent5">
+                    <a:lumMod val="50000"/>
+                  </a:schemeClr>
+                </a:solidFill>
+                <a:latin typeface="Times New Roman" pitchFamily="18" charset="0"/>
+                <a:cs typeface="Times New Roman" pitchFamily="18" charset="0"/>
+              </a:rPr>
+              <a:t>распределённая система контроля версий</a:t>
+            </a:r>
+            <a:endParaRPr lang="ru-RU" sz="1400" dirty="0">
+              <a:solidFill>
+                <a:schemeClr val="accent5">
+                  <a:lumMod val="50000"/>
+                </a:schemeClr>
+              </a:solidFill>
+              <a:latin typeface="Times New Roman" pitchFamily="18" charset="0"/>
+              <a:cs typeface="Times New Roman" pitchFamily="18" charset="0"/>
+            </a:endParaRPr>
+          </a:p>
+        </p:txBody>
+      </p:sp>
+      <p:sp>
+        <p:nvSpPr>
+          <p:cNvPr id="4" name="Номер слайда 3"/>
+          <p:cNvSpPr>
+            <a:spLocks noGrp="1"/>
+          </p:cNvSpPr>
+          <p:nvPr>
+            <p:ph type="sldNum" sz="quarter" idx="12"/>
+          </p:nvPr>
+        </p:nvSpPr>
+        <p:spPr/>
+        <p:txBody>
+          <a:bodyPr/>
+          <a:lstStyle/>
+          <a:p>
+            <a:fld id="{F2BB55FB-146C-47F1-A3F4-E5E9F11C5D2A}" type="slidenum">
+              <a:rPr lang="ru-RU" smtClean="0"/>
+              <a:pPr/>
+              <a:t>13</a:t>
+            </a:fld>
+            <a:endParaRPr lang="ru-RU"/>
+          </a:p>
+        </p:txBody>
+      </p:sp>
+      <p:pic>
+        <p:nvPicPr>
+          <p:cNvPr id="7" name="Рисунок 6" descr="git1.png"/>
+          <p:cNvPicPr>
+            <a:picLocks noChangeAspect="1"/>
+          </p:cNvPicPr>
+          <p:nvPr/>
+        </p:nvPicPr>
+        <p:blipFill>
+          <a:blip r:embed="rId3" cstate="print"/>
+          <a:stretch>
+            <a:fillRect/>
+          </a:stretch>
+        </p:blipFill>
+        <p:spPr>
+          <a:xfrm>
+            <a:off x="785786" y="2357430"/>
+            <a:ext cx="3143272" cy="3084753"/>
+          </a:xfrm>
+          <a:prstGeom prst="rect">
+            <a:avLst/>
+          </a:prstGeom>
+        </p:spPr>
+      </p:pic>
+      <p:sp>
+        <p:nvSpPr>
+          <p:cNvPr id="9" name="TextBox 8"/>
+          <p:cNvSpPr txBox="1"/>
+          <p:nvPr/>
+        </p:nvSpPr>
+        <p:spPr>
+          <a:xfrm>
+            <a:off x="3214678" y="642918"/>
+            <a:ext cx="2685351" cy="369332"/>
+          </a:xfrm>
+          <a:prstGeom prst="rect">
+            <a:avLst/>
+          </a:prstGeom>
+          <a:noFill/>
+        </p:spPr>
+        <p:txBody>
+          <a:bodyPr wrap="none" rtlCol="0">
+            <a:spAutoFit/>
+          </a:bodyPr>
+          <a:lstStyle/>
+          <a:p>
+            <a:r>
+              <a:rPr lang="ru-RU" dirty="0" smtClean="0">
+                <a:latin typeface="Times New Roman" pitchFamily="18" charset="0"/>
+                <a:cs typeface="Times New Roman" pitchFamily="18" charset="0"/>
+              </a:rPr>
+              <a:t>Инструменты разработки</a:t>
+            </a:r>
+            <a:endParaRPr lang="ru-RU" dirty="0">
+              <a:latin typeface="Times New Roman" pitchFamily="18" charset="0"/>
+              <a:cs typeface="Times New Roman" pitchFamily="18" charset="0"/>
+            </a:endParaRPr>
+          </a:p>
+        </p:txBody>
+      </p:sp>
+      <p:pic>
+        <p:nvPicPr>
+          <p:cNvPr id="10" name="Рисунок 9" descr="git2.png"/>
+          <p:cNvPicPr>
+            <a:picLocks noChangeAspect="1"/>
+          </p:cNvPicPr>
+          <p:nvPr/>
+        </p:nvPicPr>
+        <p:blipFill>
+          <a:blip r:embed="rId4" cstate="print"/>
+          <a:stretch>
+            <a:fillRect/>
+          </a:stretch>
+        </p:blipFill>
+        <p:spPr>
+          <a:xfrm>
+            <a:off x="5072066" y="1714488"/>
+            <a:ext cx="3571900" cy="1583820"/>
+          </a:xfrm>
+          <a:prstGeom prst="rect">
+            <a:avLst/>
+          </a:prstGeom>
+        </p:spPr>
+      </p:pic>
+      <p:sp>
+        <p:nvSpPr>
+          <p:cNvPr id="11" name="Содержимое 2"/>
+          <p:cNvSpPr txBox="1">
+            <a:spLocks/>
+          </p:cNvSpPr>
+          <p:nvPr/>
+        </p:nvSpPr>
+        <p:spPr>
+          <a:xfrm>
+            <a:off x="6572264" y="1285860"/>
+            <a:ext cx="2000296" cy="285752"/>
+          </a:xfrm>
+          <a:prstGeom prst="rect">
+            <a:avLst/>
+          </a:prstGeom>
+        </p:spPr>
+        <p:txBody>
+          <a:bodyPr vert="horz" lIns="91440" tIns="45720" rIns="91440" bIns="45720" rtlCol="0">
+            <a:normAutofit lnSpcReduction="10000"/>
+          </a:bodyPr>
+          <a:lstStyle/>
+          <a:p>
+            <a:pPr lvl="0">
+              <a:spcBef>
+                <a:spcPct val="20000"/>
+              </a:spcBef>
+              <a:buBlip>
+                <a:blip r:embed="rId2"/>
+              </a:buBlip>
+              <a:tabLst>
+                <a:tab pos="444500" algn="l"/>
+              </a:tabLst>
+            </a:pPr>
+            <a:r>
+              <a:rPr lang="ru-RU" sz="1400" dirty="0" smtClean="0">
+                <a:solidFill>
+                  <a:schemeClr val="accent5">
+                    <a:lumMod val="50000"/>
+                  </a:schemeClr>
+                </a:solidFill>
+                <a:latin typeface="Times New Roman" pitchFamily="18" charset="0"/>
+                <a:cs typeface="Times New Roman" pitchFamily="18" charset="0"/>
+              </a:rPr>
+              <a:t>Слепки вместо </a:t>
+            </a:r>
+            <a:r>
+              <a:rPr lang="ru-RU" sz="1400" dirty="0" err="1" smtClean="0">
+                <a:solidFill>
+                  <a:schemeClr val="accent5">
+                    <a:lumMod val="50000"/>
+                  </a:schemeClr>
+                </a:solidFill>
+                <a:latin typeface="Times New Roman" pitchFamily="18" charset="0"/>
+                <a:cs typeface="Times New Roman" pitchFamily="18" charset="0"/>
+              </a:rPr>
+              <a:t>патчей</a:t>
+            </a:r>
+            <a:endParaRPr kumimoji="0" lang="ru-RU" sz="1400" b="0" i="0" u="none" strike="noStrike" kern="1200" cap="none" spc="0" normalizeH="0" baseline="0" noProof="0" dirty="0">
+              <a:ln>
+                <a:noFill/>
+              </a:ln>
+              <a:solidFill>
+                <a:schemeClr val="accent5">
+                  <a:lumMod val="50000"/>
+                </a:schemeClr>
+              </a:solidFill>
+              <a:effectLst/>
+              <a:uLnTx/>
+              <a:uFillTx/>
+              <a:latin typeface="Times New Roman" pitchFamily="18" charset="0"/>
+              <a:ea typeface="+mn-ea"/>
+              <a:cs typeface="Times New Roman" pitchFamily="18" charset="0"/>
+            </a:endParaRPr>
+          </a:p>
+        </p:txBody>
+      </p:sp>
+      <p:sp>
+        <p:nvSpPr>
+          <p:cNvPr id="12" name="Содержимое 2"/>
+          <p:cNvSpPr txBox="1">
+            <a:spLocks/>
+          </p:cNvSpPr>
+          <p:nvPr/>
+        </p:nvSpPr>
+        <p:spPr>
+          <a:xfrm>
+            <a:off x="6643702" y="3500438"/>
+            <a:ext cx="1928826" cy="285752"/>
+          </a:xfrm>
+          <a:prstGeom prst="rect">
+            <a:avLst/>
+          </a:prstGeom>
+        </p:spPr>
+        <p:txBody>
+          <a:bodyPr vert="horz" lIns="91440" tIns="45720" rIns="91440" bIns="45720" rtlCol="0">
+            <a:normAutofit lnSpcReduction="10000"/>
+          </a:bodyPr>
+          <a:lstStyle/>
+          <a:p>
+            <a:pPr lvl="0">
+              <a:spcBef>
+                <a:spcPct val="20000"/>
+              </a:spcBef>
+              <a:buBlip>
+                <a:blip r:embed="rId2"/>
+              </a:buBlip>
+              <a:tabLst>
+                <a:tab pos="444500" algn="l"/>
+              </a:tabLst>
+            </a:pPr>
+            <a:r>
+              <a:rPr lang="ru-RU" sz="1400" dirty="0" smtClean="0">
+                <a:solidFill>
+                  <a:schemeClr val="accent5">
+                    <a:lumMod val="50000"/>
+                  </a:schemeClr>
+                </a:solidFill>
+                <a:latin typeface="Times New Roman" pitchFamily="18" charset="0"/>
+                <a:cs typeface="Times New Roman" pitchFamily="18" charset="0"/>
+              </a:rPr>
+              <a:t>Три состояния файла</a:t>
+            </a:r>
+            <a:endParaRPr kumimoji="0" lang="ru-RU" sz="1400" b="0" i="0" u="none" strike="noStrike" kern="1200" cap="none" spc="0" normalizeH="0" baseline="0" noProof="0" dirty="0">
+              <a:ln>
+                <a:noFill/>
+              </a:ln>
+              <a:solidFill>
+                <a:schemeClr val="accent5">
+                  <a:lumMod val="50000"/>
+                </a:schemeClr>
+              </a:solidFill>
+              <a:effectLst/>
+              <a:uLnTx/>
+              <a:uFillTx/>
+              <a:latin typeface="Times New Roman" pitchFamily="18" charset="0"/>
+              <a:ea typeface="+mn-ea"/>
+              <a:cs typeface="Times New Roman" pitchFamily="18" charset="0"/>
+            </a:endParaRPr>
+          </a:p>
+        </p:txBody>
+      </p:sp>
+      <p:pic>
+        <p:nvPicPr>
+          <p:cNvPr id="13" name="Рисунок 12" descr="git3.png"/>
+          <p:cNvPicPr>
+            <a:picLocks noChangeAspect="1"/>
+          </p:cNvPicPr>
+          <p:nvPr/>
+        </p:nvPicPr>
+        <p:blipFill>
+          <a:blip r:embed="rId5" cstate="print"/>
+          <a:stretch>
+            <a:fillRect/>
+          </a:stretch>
+        </p:blipFill>
+        <p:spPr>
+          <a:xfrm>
+            <a:off x="5143504" y="3714752"/>
+            <a:ext cx="3219899" cy="2900767"/>
+          </a:xfrm>
+          <a:prstGeom prst="rect">
+            <a:avLst/>
+          </a:prstGeom>
+        </p:spPr>
+      </p:pic>
+      <p:pic>
+        <p:nvPicPr>
+          <p:cNvPr id="39" name="Рисунок 38" descr="Git-Logo-2Color.png"/>
+          <p:cNvPicPr>
+            <a:picLocks noChangeAspect="1"/>
+          </p:cNvPicPr>
+          <p:nvPr/>
+        </p:nvPicPr>
+        <p:blipFill>
+          <a:blip r:embed="rId6" cstate="print"/>
+          <a:stretch>
+            <a:fillRect/>
+          </a:stretch>
+        </p:blipFill>
+        <p:spPr>
+          <a:xfrm>
+            <a:off x="3929058" y="1071546"/>
+            <a:ext cx="1357322" cy="566793"/>
+          </a:xfrm>
+          <a:prstGeom prst="rect">
+            <a:avLst/>
+          </a:prstGeom>
+        </p:spPr>
+      </p:pic>
+    </p:spTree>
+  </p:cSld>
+  <p:clrMapOvr>
+    <a:masterClrMapping/>
+  </p:clrMapOvr>
+  <p:timing>
+    <p:tnLst>
+      <p:par>
+        <p:cTn id="1" dur="indefinite" restart="never" nodeType="tmRoot"/>
+      </p:par>
+    </p:tnLst>
+  </p:timing>
+</p:sld>
+</file>
+
+<file path=ppt/slides/slide14.xml><?xml version="1.0" encoding="utf-8"?>
+<p:sld xmlns:a="http://schemas.openxmlformats.org/drawingml/2006/main" xmlns:r="http://schemas.openxmlformats.org/officeDocument/2006/relationships" xmlns:p="http://schemas.openxmlformats.org/presentationml/2006/main">
+  <p:cSld>
+    <p:spTree>
+      <p:nvGrpSpPr>
+        <p:cNvPr id="1" name=""/>
+        <p:cNvGrpSpPr/>
+        <p:nvPr/>
+      </p:nvGrpSpPr>
+      <p:grpSpPr>
+        <a:xfrm>
+          <a:off x="0" y="0"/>
+          <a:ext cx="0" cy="0"/>
+          <a:chOff x="0" y="0"/>
+          <a:chExt cx="0" cy="0"/>
+        </a:xfrm>
+      </p:grpSpPr>
+      <p:sp>
+        <p:nvSpPr>
+          <p:cNvPr id="2" name="Заголовок 1"/>
+          <p:cNvSpPr>
+            <a:spLocks noGrp="1"/>
+          </p:cNvSpPr>
+          <p:nvPr>
+            <p:ph type="title"/>
+          </p:nvPr>
+        </p:nvSpPr>
+        <p:spPr>
+          <a:xfrm>
+            <a:off x="0" y="0"/>
+            <a:ext cx="9144000" cy="714356"/>
+          </a:xfrm>
+        </p:spPr>
+        <p:txBody>
+          <a:bodyPr>
+            <a:normAutofit/>
+          </a:bodyPr>
+          <a:lstStyle/>
+          <a:p>
+            <a:r>
+              <a:rPr lang="ru-RU" sz="2600" dirty="0" smtClean="0">
+                <a:latin typeface="Times New Roman" pitchFamily="18" charset="0"/>
+                <a:cs typeface="Times New Roman" pitchFamily="18" charset="0"/>
+              </a:rPr>
+              <a:t>Технология разработки библиотеки</a:t>
+            </a:r>
+          </a:p>
+        </p:txBody>
+      </p:sp>
+      <p:sp>
+        <p:nvSpPr>
+          <p:cNvPr id="4" name="Номер слайда 3"/>
+          <p:cNvSpPr>
+            <a:spLocks noGrp="1"/>
+          </p:cNvSpPr>
+          <p:nvPr>
+            <p:ph type="sldNum" sz="quarter" idx="12"/>
+          </p:nvPr>
+        </p:nvSpPr>
+        <p:spPr/>
+        <p:txBody>
+          <a:bodyPr/>
+          <a:lstStyle/>
+          <a:p>
+            <a:fld id="{F2BB55FB-146C-47F1-A3F4-E5E9F11C5D2A}" type="slidenum">
+              <a:rPr lang="ru-RU" smtClean="0"/>
+              <a:pPr/>
+              <a:t>14</a:t>
+            </a:fld>
+            <a:endParaRPr lang="ru-RU"/>
+          </a:p>
+        </p:txBody>
+      </p:sp>
+      <p:sp>
+        <p:nvSpPr>
+          <p:cNvPr id="9" name="TextBox 8"/>
+          <p:cNvSpPr txBox="1"/>
+          <p:nvPr/>
+        </p:nvSpPr>
+        <p:spPr>
+          <a:xfrm>
+            <a:off x="3214678" y="642918"/>
+            <a:ext cx="2685351" cy="369332"/>
+          </a:xfrm>
+          <a:prstGeom prst="rect">
+            <a:avLst/>
+          </a:prstGeom>
+          <a:noFill/>
+        </p:spPr>
+        <p:txBody>
+          <a:bodyPr wrap="none" rtlCol="0">
+            <a:spAutoFit/>
+          </a:bodyPr>
+          <a:lstStyle/>
+          <a:p>
+            <a:r>
+              <a:rPr lang="ru-RU" dirty="0" smtClean="0">
+                <a:latin typeface="Times New Roman" pitchFamily="18" charset="0"/>
+                <a:cs typeface="Times New Roman" pitchFamily="18" charset="0"/>
+              </a:rPr>
+              <a:t>Инструменты разработки</a:t>
+            </a:r>
+            <a:endParaRPr lang="ru-RU" dirty="0">
+              <a:latin typeface="Times New Roman" pitchFamily="18" charset="0"/>
+              <a:cs typeface="Times New Roman" pitchFamily="18" charset="0"/>
+            </a:endParaRPr>
+          </a:p>
+        </p:txBody>
+      </p:sp>
+      <p:pic>
+        <p:nvPicPr>
+          <p:cNvPr id="16" name="Рисунок 15" descr="vim-editor_logo.png"/>
+          <p:cNvPicPr>
+            <a:picLocks noChangeAspect="1"/>
+          </p:cNvPicPr>
+          <p:nvPr/>
+        </p:nvPicPr>
+        <p:blipFill>
+          <a:blip r:embed="rId2" cstate="print"/>
+          <a:stretch>
+            <a:fillRect/>
+          </a:stretch>
+        </p:blipFill>
+        <p:spPr>
+          <a:xfrm>
+            <a:off x="4143372" y="1071546"/>
+            <a:ext cx="785818" cy="785818"/>
+          </a:xfrm>
+          <a:prstGeom prst="rect">
+            <a:avLst/>
+          </a:prstGeom>
+        </p:spPr>
+      </p:pic>
+      <p:sp>
+        <p:nvSpPr>
+          <p:cNvPr id="17" name="Содержимое 2"/>
+          <p:cNvSpPr>
+            <a:spLocks noGrp="1"/>
+          </p:cNvSpPr>
+          <p:nvPr>
+            <p:ph idx="1"/>
+          </p:nvPr>
+        </p:nvSpPr>
+        <p:spPr>
+          <a:xfrm>
+            <a:off x="571472" y="1857364"/>
+            <a:ext cx="3929090" cy="1785950"/>
+          </a:xfrm>
+        </p:spPr>
+        <p:txBody>
+          <a:bodyPr>
+            <a:noAutofit/>
+          </a:bodyPr>
+          <a:lstStyle/>
+          <a:p>
+            <a:pPr marL="0" indent="0" algn="just">
+              <a:buNone/>
+              <a:tabLst>
+                <a:tab pos="444500" algn="l"/>
+              </a:tabLst>
+            </a:pPr>
+            <a:r>
+              <a:rPr lang="en-US" sz="1400" b="1" dirty="0" smtClean="0">
+                <a:solidFill>
+                  <a:schemeClr val="accent5">
+                    <a:lumMod val="50000"/>
+                  </a:schemeClr>
+                </a:solidFill>
+                <a:latin typeface="Times New Roman" pitchFamily="18" charset="0"/>
+                <a:cs typeface="Times New Roman" pitchFamily="18" charset="0"/>
+              </a:rPr>
+              <a:t>Vim</a:t>
+            </a:r>
+            <a:r>
+              <a:rPr lang="en-US" sz="1400" dirty="0" smtClean="0">
+                <a:solidFill>
+                  <a:schemeClr val="accent5">
+                    <a:lumMod val="50000"/>
+                  </a:schemeClr>
+                </a:solidFill>
+                <a:latin typeface="Times New Roman" pitchFamily="18" charset="0"/>
+                <a:cs typeface="Times New Roman" pitchFamily="18" charset="0"/>
+              </a:rPr>
+              <a:t> - </a:t>
+            </a:r>
+            <a:r>
+              <a:rPr lang="ru-RU" sz="1400" dirty="0" smtClean="0">
+                <a:solidFill>
+                  <a:schemeClr val="accent5">
+                    <a:lumMod val="50000"/>
+                  </a:schemeClr>
+                </a:solidFill>
+                <a:latin typeface="Times New Roman" pitchFamily="18" charset="0"/>
+                <a:cs typeface="Times New Roman" pitchFamily="18" charset="0"/>
+              </a:rPr>
+              <a:t>текстовый редактор с двумя режимами ввода:</a:t>
+            </a:r>
+          </a:p>
+          <a:p>
+            <a:pPr marL="0" indent="0" algn="just">
+              <a:buBlip>
+                <a:blip r:embed="rId3"/>
+              </a:buBlip>
+              <a:tabLst>
+                <a:tab pos="444500" algn="l"/>
+              </a:tabLst>
+            </a:pPr>
+            <a:r>
+              <a:rPr lang="ru-RU" sz="1400" dirty="0" smtClean="0">
+                <a:solidFill>
+                  <a:schemeClr val="accent5">
+                    <a:lumMod val="50000"/>
+                  </a:schemeClr>
+                </a:solidFill>
+                <a:latin typeface="Times New Roman" pitchFamily="18" charset="0"/>
+                <a:cs typeface="Times New Roman" pitchFamily="18" charset="0"/>
+              </a:rPr>
+              <a:t>Командный (позволяет использовать клавиши клавиатуры не для печати символов, а для различных команд) </a:t>
+            </a:r>
+          </a:p>
+          <a:p>
+            <a:pPr marL="0" indent="0" algn="just">
+              <a:buBlip>
+                <a:blip r:embed="rId3"/>
+              </a:buBlip>
+              <a:tabLst>
+                <a:tab pos="444500" algn="l"/>
+              </a:tabLst>
+            </a:pPr>
+            <a:r>
+              <a:rPr lang="ru-RU" sz="1400" dirty="0" smtClean="0">
+                <a:solidFill>
+                  <a:schemeClr val="accent5">
+                    <a:lumMod val="50000"/>
+                  </a:schemeClr>
+                </a:solidFill>
+                <a:latin typeface="Times New Roman" pitchFamily="18" charset="0"/>
+                <a:cs typeface="Times New Roman" pitchFamily="18" charset="0"/>
+              </a:rPr>
+              <a:t>Текстовый (режим непосредственного редактирования текста, аналогичный большинству «обычных» редакторов).</a:t>
+            </a:r>
+            <a:endParaRPr lang="ru-RU" sz="1400" dirty="0">
+              <a:solidFill>
+                <a:schemeClr val="accent5">
+                  <a:lumMod val="50000"/>
+                </a:schemeClr>
+              </a:solidFill>
+              <a:latin typeface="Times New Roman" pitchFamily="18" charset="0"/>
+              <a:cs typeface="Times New Roman" pitchFamily="18" charset="0"/>
+            </a:endParaRPr>
+          </a:p>
+        </p:txBody>
+      </p:sp>
+      <p:pic>
+        <p:nvPicPr>
+          <p:cNvPr id="18" name="Рисунок 17" descr="macvim.png"/>
+          <p:cNvPicPr>
+            <a:picLocks noChangeAspect="1"/>
+          </p:cNvPicPr>
+          <p:nvPr/>
+        </p:nvPicPr>
+        <p:blipFill>
+          <a:blip r:embed="rId4" cstate="print"/>
+          <a:stretch>
+            <a:fillRect/>
+          </a:stretch>
+        </p:blipFill>
+        <p:spPr>
+          <a:xfrm>
+            <a:off x="5286380" y="2928934"/>
+            <a:ext cx="3571880" cy="2190753"/>
+          </a:xfrm>
+          <a:prstGeom prst="rect">
+            <a:avLst/>
+          </a:prstGeom>
+        </p:spPr>
+      </p:pic>
+      <p:sp>
+        <p:nvSpPr>
+          <p:cNvPr id="20" name="TextBox 19"/>
+          <p:cNvSpPr txBox="1"/>
+          <p:nvPr/>
+        </p:nvSpPr>
+        <p:spPr>
+          <a:xfrm>
+            <a:off x="642910" y="4000504"/>
+            <a:ext cx="7215238" cy="2523768"/>
+          </a:xfrm>
+          <a:prstGeom prst="rect">
+            <a:avLst/>
+          </a:prstGeom>
+          <a:noFill/>
+        </p:spPr>
+        <p:txBody>
+          <a:bodyPr wrap="square" rtlCol="0">
+            <a:spAutoFit/>
+          </a:bodyPr>
+          <a:lstStyle/>
+          <a:p>
+            <a:r>
+              <a:rPr lang="ru-RU" sz="1400" b="1" dirty="0" smtClean="0">
+                <a:solidFill>
+                  <a:schemeClr val="accent5">
+                    <a:lumMod val="50000"/>
+                  </a:schemeClr>
+                </a:solidFill>
+                <a:latin typeface="Times New Roman" pitchFamily="18" charset="0"/>
+                <a:cs typeface="Times New Roman" pitchFamily="18" charset="0"/>
+              </a:rPr>
+              <a:t>                Функциональность</a:t>
+            </a:r>
+            <a:endParaRPr lang="ru-RU" sz="1400" b="1" dirty="0" smtClean="0">
+              <a:solidFill>
+                <a:schemeClr val="accent5">
+                  <a:lumMod val="50000"/>
+                </a:schemeClr>
+              </a:solidFill>
+              <a:latin typeface="Times New Roman" pitchFamily="18" charset="0"/>
+              <a:cs typeface="Times New Roman" pitchFamily="18" charset="0"/>
+            </a:endParaRPr>
+          </a:p>
+          <a:p>
+            <a:pPr algn="ctr"/>
+            <a:endParaRPr lang="ru-RU" sz="1400" dirty="0" smtClean="0">
+              <a:solidFill>
+                <a:schemeClr val="accent5">
+                  <a:lumMod val="50000"/>
+                </a:schemeClr>
+              </a:solidFill>
+              <a:latin typeface="Times New Roman" pitchFamily="18" charset="0"/>
+              <a:cs typeface="Times New Roman" pitchFamily="18" charset="0"/>
+            </a:endParaRPr>
+          </a:p>
+          <a:p>
+            <a:pPr>
+              <a:buBlip>
+                <a:blip r:embed="rId3"/>
+              </a:buBlip>
+            </a:pPr>
+            <a:r>
+              <a:rPr lang="ru-RU" sz="1400" dirty="0" smtClean="0">
+                <a:solidFill>
+                  <a:schemeClr val="accent5">
+                    <a:lumMod val="50000"/>
+                  </a:schemeClr>
+                </a:solidFill>
+                <a:latin typeface="Times New Roman" pitchFamily="18" charset="0"/>
+                <a:cs typeface="Times New Roman" pitchFamily="18" charset="0"/>
+              </a:rPr>
+              <a:t> Разбиение окон редактирования</a:t>
+            </a:r>
+          </a:p>
+          <a:p>
+            <a:pPr>
+              <a:buBlip>
+                <a:blip r:embed="rId3"/>
+              </a:buBlip>
+            </a:pPr>
+            <a:r>
+              <a:rPr lang="ru-RU" sz="1400" dirty="0" smtClean="0">
+                <a:solidFill>
+                  <a:schemeClr val="accent5">
+                    <a:lumMod val="50000"/>
+                  </a:schemeClr>
+                </a:solidFill>
+                <a:latin typeface="Times New Roman" pitchFamily="18" charset="0"/>
+                <a:cs typeface="Times New Roman" pitchFamily="18" charset="0"/>
+              </a:rPr>
+              <a:t>Неограниченная глубина отмены (</a:t>
+            </a:r>
+            <a:r>
+              <a:rPr lang="en-US" sz="1400" dirty="0" smtClean="0">
+                <a:solidFill>
+                  <a:schemeClr val="accent5">
+                    <a:lumMod val="50000"/>
+                  </a:schemeClr>
+                </a:solidFill>
+                <a:latin typeface="Times New Roman" pitchFamily="18" charset="0"/>
+                <a:cs typeface="Times New Roman" pitchFamily="18" charset="0"/>
+              </a:rPr>
+              <a:t>undo)</a:t>
+            </a:r>
+            <a:endParaRPr lang="ru-RU" sz="1400" dirty="0" smtClean="0">
+              <a:solidFill>
+                <a:schemeClr val="accent5">
+                  <a:lumMod val="50000"/>
+                </a:schemeClr>
+              </a:solidFill>
+              <a:latin typeface="Times New Roman" pitchFamily="18" charset="0"/>
+              <a:cs typeface="Times New Roman" pitchFamily="18" charset="0"/>
+            </a:endParaRPr>
+          </a:p>
+          <a:p>
+            <a:pPr>
+              <a:buBlip>
+                <a:blip r:embed="rId3"/>
+              </a:buBlip>
+            </a:pPr>
+            <a:r>
+              <a:rPr lang="ru-RU" sz="1400" dirty="0" smtClean="0">
+                <a:solidFill>
+                  <a:schemeClr val="accent5">
+                    <a:lumMod val="50000"/>
+                  </a:schemeClr>
+                </a:solidFill>
+                <a:latin typeface="Times New Roman" pitchFamily="18" charset="0"/>
+                <a:cs typeface="Times New Roman" pitchFamily="18" charset="0"/>
+              </a:rPr>
+              <a:t>Режим сравнения двух файлов</a:t>
+            </a:r>
+          </a:p>
+          <a:p>
+            <a:pPr>
+              <a:buBlip>
+                <a:blip r:embed="rId3"/>
+              </a:buBlip>
+            </a:pPr>
+            <a:r>
+              <a:rPr lang="ru-RU" sz="1400" dirty="0" smtClean="0">
+                <a:solidFill>
+                  <a:schemeClr val="accent5">
+                    <a:lumMod val="50000"/>
+                  </a:schemeClr>
+                </a:solidFill>
+                <a:latin typeface="Times New Roman" pitchFamily="18" charset="0"/>
+                <a:cs typeface="Times New Roman" pitchFamily="18" charset="0"/>
+              </a:rPr>
+              <a:t>Подсветка синтаксиса</a:t>
+            </a:r>
+          </a:p>
+          <a:p>
+            <a:pPr>
+              <a:buBlip>
+                <a:blip r:embed="rId3"/>
+              </a:buBlip>
+            </a:pPr>
+            <a:r>
+              <a:rPr lang="ru-RU" sz="1400" dirty="0" smtClean="0">
+                <a:solidFill>
+                  <a:schemeClr val="accent5">
+                    <a:lumMod val="50000"/>
+                  </a:schemeClr>
+                </a:solidFill>
+                <a:latin typeface="Times New Roman" pitchFamily="18" charset="0"/>
+                <a:cs typeface="Times New Roman" pitchFamily="18" charset="0"/>
+              </a:rPr>
+              <a:t>Автоматическое продолжение команд</a:t>
+            </a:r>
+          </a:p>
+          <a:p>
+            <a:pPr>
+              <a:buBlip>
+                <a:blip r:embed="rId3"/>
+              </a:buBlip>
+            </a:pPr>
+            <a:r>
+              <a:rPr lang="ru-RU" sz="1400" dirty="0" smtClean="0">
+                <a:solidFill>
+                  <a:schemeClr val="accent5">
+                    <a:lumMod val="50000"/>
+                  </a:schemeClr>
+                </a:solidFill>
+                <a:latin typeface="Times New Roman" pitchFamily="18" charset="0"/>
+                <a:cs typeface="Times New Roman" pitchFamily="18" charset="0"/>
+              </a:rPr>
+              <a:t>Сворачивание (</a:t>
+            </a:r>
+            <a:r>
+              <a:rPr lang="en-US" sz="1400" dirty="0" smtClean="0">
+                <a:solidFill>
+                  <a:schemeClr val="accent5">
+                    <a:lumMod val="50000"/>
+                  </a:schemeClr>
+                </a:solidFill>
+                <a:latin typeface="Times New Roman" pitchFamily="18" charset="0"/>
+                <a:cs typeface="Times New Roman" pitchFamily="18" charset="0"/>
+              </a:rPr>
+              <a:t>folding) </a:t>
+            </a:r>
+            <a:r>
+              <a:rPr lang="ru-RU" sz="1400" dirty="0" smtClean="0">
+                <a:solidFill>
+                  <a:schemeClr val="accent5">
+                    <a:lumMod val="50000"/>
+                  </a:schemeClr>
+                </a:solidFill>
+                <a:latin typeface="Times New Roman" pitchFamily="18" charset="0"/>
+                <a:cs typeface="Times New Roman" pitchFamily="18" charset="0"/>
+              </a:rPr>
+              <a:t>текста</a:t>
+            </a:r>
+          </a:p>
+          <a:p>
+            <a:pPr>
+              <a:buBlip>
+                <a:blip r:embed="rId3"/>
+              </a:buBlip>
+            </a:pPr>
+            <a:r>
+              <a:rPr lang="ru-RU" sz="1400" dirty="0" smtClean="0">
+                <a:solidFill>
+                  <a:schemeClr val="accent5">
+                    <a:lumMod val="50000"/>
+                  </a:schemeClr>
+                </a:solidFill>
+                <a:latin typeface="Times New Roman" pitchFamily="18" charset="0"/>
+                <a:cs typeface="Times New Roman" pitchFamily="18" charset="0"/>
+              </a:rPr>
+              <a:t>Поддержка цикла разработки «редактирование — компиляция — исправление» программ</a:t>
+            </a:r>
+          </a:p>
+          <a:p>
+            <a:endParaRPr lang="ru-RU" sz="1400" dirty="0" smtClean="0">
+              <a:solidFill>
+                <a:schemeClr val="accent5">
+                  <a:lumMod val="50000"/>
+                </a:schemeClr>
+              </a:solidFill>
+              <a:latin typeface="Times New Roman" pitchFamily="18" charset="0"/>
+              <a:cs typeface="Times New Roman" pitchFamily="18" charset="0"/>
+            </a:endParaRPr>
+          </a:p>
+          <a:p>
+            <a:endParaRPr lang="ru-RU" dirty="0"/>
+          </a:p>
+        </p:txBody>
+      </p:sp>
+    </p:spTree>
+  </p:cSld>
+  <p:clrMapOvr>
+    <a:masterClrMapping/>
+  </p:clrMapOvr>
+  <p:timing>
+    <p:tnLst>
+      <p:par>
+        <p:cTn id="1" dur="indefinite" restart="never" nodeType="tmRoot"/>
+      </p:par>
+    </p:tnLst>
+  </p:timing>
+</p:sld>
+</file>
+
+<file path=ppt/slides/slide15.xml><?xml version="1.0" encoding="utf-8"?>
 <p:sld xmlns:a="http://schemas.openxmlformats.org/drawingml/2006/main" xmlns:r="http://schemas.openxmlformats.org/officeDocument/2006/relationships" xmlns:p="http://schemas.openxmlformats.org/presentationml/2006/main">
   <p:cSld>
     <p:spTree>
@@ -5121,7 +6073,7 @@
             <a:fld id="{F2BB55FB-146C-47F1-A3F4-E5E9F11C5D2A}" type="slidenum">
               <a:rPr lang="ru-RU" smtClean="0"/>
               <a:pPr/>
-              <a:t>13</a:t>
+              <a:t>15</a:t>
             </a:fld>
             <a:endParaRPr lang="ru-RU" dirty="0"/>
           </a:p>
@@ -5764,7 +6716,7 @@
 </p:sld>
 </file>
 
-<file path=ppt/slides/slide14.xml><?xml version="1.0" encoding="utf-8"?>
+<file path=ppt/slides/slide16.xml><?xml version="1.0" encoding="utf-8"?>
 <p:sld xmlns:a="http://schemas.openxmlformats.org/drawingml/2006/main" xmlns:r="http://schemas.openxmlformats.org/officeDocument/2006/relationships" xmlns:p="http://schemas.openxmlformats.org/presentationml/2006/main">
   <p:cSld>
     <p:spTree>
@@ -5857,7 +6809,7 @@
             <a:fld id="{F2BB55FB-146C-47F1-A3F4-E5E9F11C5D2A}" type="slidenum">
               <a:rPr lang="ru-RU" smtClean="0"/>
               <a:pPr/>
-              <a:t>14</a:t>
+              <a:t>16</a:t>
             </a:fld>
             <a:endParaRPr lang="ru-RU" dirty="0"/>
           </a:p>
@@ -7141,7 +8093,7 @@
 </p:sld>
 </file>
 
-<file path=ppt/slides/slide15.xml><?xml version="1.0" encoding="utf-8"?>
+<file path=ppt/slides/slide17.xml><?xml version="1.0" encoding="utf-8"?>
 <p:sld xmlns:a="http://schemas.openxmlformats.org/drawingml/2006/main" xmlns:r="http://schemas.openxmlformats.org/officeDocument/2006/relationships" xmlns:p="http://schemas.openxmlformats.org/presentationml/2006/main">
   <p:cSld>
     <p:spTree>
@@ -7212,7 +8164,7 @@
             <a:fld id="{F2BB55FB-146C-47F1-A3F4-E5E9F11C5D2A}" type="slidenum">
               <a:rPr lang="ru-RU" smtClean="0"/>
               <a:pPr/>
-              <a:t>15</a:t>
+              <a:t>17</a:t>
             </a:fld>
             <a:endParaRPr lang="ru-RU"/>
           </a:p>
@@ -8645,37 +9597,6 @@
       </p:sp>
       <p:sp>
         <p:nvSpPr>
-          <p:cNvPr id="5" name="Содержимое 4"/>
-          <p:cNvSpPr>
-            <a:spLocks noGrp="1"/>
-          </p:cNvSpPr>
-          <p:nvPr>
-            <p:ph idx="1"/>
-          </p:nvPr>
-        </p:nvSpPr>
-        <p:spPr/>
-        <p:txBody>
-          <a:bodyPr>
-            <a:normAutofit/>
-          </a:bodyPr>
-          <a:lstStyle/>
-          <a:p>
-            <a:r>
-              <a:rPr lang="ru-RU" sz="1800" dirty="0" smtClean="0">
-                <a:latin typeface="Times New Roman" pitchFamily="18" charset="0"/>
-                <a:cs typeface="Times New Roman" pitchFamily="18" charset="0"/>
-              </a:rPr>
-              <a:t>Функция инициализирует работу библиотеки и производит разбор параметров переданных вместе с командной строкой.</a:t>
-            </a:r>
-            <a:endParaRPr lang="ru-RU" sz="1800" dirty="0">
-              <a:latin typeface="Times New Roman" pitchFamily="18" charset="0"/>
-              <a:cs typeface="Times New Roman" pitchFamily="18" charset="0"/>
-            </a:endParaRPr>
-          </a:p>
-        </p:txBody>
-      </p:sp>
-      <p:sp>
-        <p:nvSpPr>
           <p:cNvPr id="7" name="Блок-схема: знак завершения 6"/>
           <p:cNvSpPr/>
           <p:nvPr/>
@@ -10412,8 +11333,19 @@
                 <a:latin typeface="Times New Roman" pitchFamily="18" charset="0"/>
                 <a:cs typeface="Times New Roman" pitchFamily="18" charset="0"/>
               </a:rPr>
-              <a:t>тип возвращаемого значения </a:t>
-            </a:r>
+              <a:t>тип возвращаемого </a:t>
+            </a:r>
+            <a:r>
+              <a:rPr lang="ru-RU" sz="1400" dirty="0" smtClean="0">
+                <a:latin typeface="Times New Roman" pitchFamily="18" charset="0"/>
+                <a:cs typeface="Times New Roman" pitchFamily="18" charset="0"/>
+              </a:rPr>
+              <a:t>значения.</a:t>
+            </a:r>
+            <a:endParaRPr lang="ru-RU" sz="1400" dirty="0" smtClean="0">
+              <a:latin typeface="Times New Roman" pitchFamily="18" charset="0"/>
+              <a:cs typeface="Times New Roman" pitchFamily="18" charset="0"/>
+            </a:endParaRPr>
           </a:p>
         </p:txBody>
       </p:sp>
@@ -10467,8 +11399,19 @@
                 <a:latin typeface="Times New Roman" pitchFamily="18" charset="0"/>
                 <a:cs typeface="Times New Roman" pitchFamily="18" charset="0"/>
               </a:rPr>
-              <a:t>не будет получен, возвращается значение по умолчанию</a:t>
-            </a:r>
+              <a:t>не будет получен, возвращается значение по </a:t>
+            </a:r>
+            <a:r>
+              <a:rPr lang="ru-RU" sz="1400" dirty="0" smtClean="0">
+                <a:latin typeface="Times New Roman" pitchFamily="18" charset="0"/>
+                <a:cs typeface="Times New Roman" pitchFamily="18" charset="0"/>
+              </a:rPr>
+              <a:t>умолчанию.</a:t>
+            </a:r>
+            <a:endParaRPr lang="ru-RU" sz="1400" dirty="0" smtClean="0">
+              <a:latin typeface="Times New Roman" pitchFamily="18" charset="0"/>
+              <a:cs typeface="Times New Roman" pitchFamily="18" charset="0"/>
+            </a:endParaRPr>
           </a:p>
         </p:txBody>
       </p:sp>
@@ -10516,7 +11459,7 @@
                     </a:p>
                   </a:txBody>
                   <a:tcPr marL="9525" marR="9525" marT="9525" marB="9525" anchor="ctr">
-                    <a:lnL w="12700" cap="flat" cmpd="sng" algn="ctr">
+                    <a:lnL w="3175" cap="flat" cmpd="sng" algn="ctr">
                       <a:solidFill>
                         <a:schemeClr val="tx1"/>
                       </a:solidFill>
@@ -10525,7 +11468,7 @@
                       <a:headEnd type="none" w="med" len="med"/>
                       <a:tailEnd type="none" w="med" len="med"/>
                     </a:lnL>
-                    <a:lnR w="12700" cap="flat" cmpd="sng" algn="ctr">
+                    <a:lnR w="3175" cap="flat" cmpd="sng" algn="ctr">
                       <a:solidFill>
                         <a:schemeClr val="tx1"/>
                       </a:solidFill>
@@ -10534,7 +11477,7 @@
                       <a:headEnd type="none" w="med" len="med"/>
                       <a:tailEnd type="none" w="med" len="med"/>
                     </a:lnR>
-                    <a:lnT w="12700" cap="flat" cmpd="sng" algn="ctr">
+                    <a:lnT w="3175" cap="flat" cmpd="sng" algn="ctr">
                       <a:solidFill>
                         <a:schemeClr val="tx1"/>
                       </a:solidFill>
@@ -10543,7 +11486,7 @@
                       <a:headEnd type="none" w="med" len="med"/>
                       <a:tailEnd type="none" w="med" len="med"/>
                     </a:lnT>
-                    <a:lnB w="12700" cap="flat" cmpd="sng" algn="ctr">
+                    <a:lnB w="3175" cap="flat" cmpd="sng" algn="ctr">
                       <a:solidFill>
                         <a:schemeClr val="tx1"/>
                       </a:solidFill>
@@ -10587,7 +11530,7 @@
                     </a:p>
                   </a:txBody>
                   <a:tcPr marL="9525" marR="9525" marT="9525" marB="9525" anchor="ctr">
-                    <a:lnL w="12700" cap="flat" cmpd="sng" algn="ctr">
+                    <a:lnL w="3175" cap="flat" cmpd="sng" algn="ctr">
                       <a:solidFill>
                         <a:schemeClr val="tx1"/>
                       </a:solidFill>
@@ -10596,7 +11539,7 @@
                       <a:headEnd type="none" w="med" len="med"/>
                       <a:tailEnd type="none" w="med" len="med"/>
                     </a:lnL>
-                    <a:lnR w="12700" cap="flat" cmpd="sng" algn="ctr">
+                    <a:lnR w="3175" cap="flat" cmpd="sng" algn="ctr">
                       <a:solidFill>
                         <a:schemeClr val="tx1"/>
                       </a:solidFill>
@@ -10605,7 +11548,7 @@
                       <a:headEnd type="none" w="med" len="med"/>
                       <a:tailEnd type="none" w="med" len="med"/>
                     </a:lnR>
-                    <a:lnT w="12700" cap="flat" cmpd="sng" algn="ctr">
+                    <a:lnT w="3175" cap="flat" cmpd="sng" algn="ctr">
                       <a:solidFill>
                         <a:schemeClr val="tx1"/>
                       </a:solidFill>
@@ -10614,7 +11557,7 @@
                       <a:headEnd type="none" w="med" len="med"/>
                       <a:tailEnd type="none" w="med" len="med"/>
                     </a:lnT>
-                    <a:lnB w="12700" cap="flat" cmpd="sng" algn="ctr">
+                    <a:lnB w="3175" cap="flat" cmpd="sng" algn="ctr">
                       <a:solidFill>
                         <a:schemeClr val="tx1"/>
                       </a:solidFill>
@@ -10653,7 +11596,7 @@
                     </a:p>
                   </a:txBody>
                   <a:tcPr marL="9525" marR="9525" marT="9525" marB="9525" anchor="ctr">
-                    <a:lnL w="12700" cap="flat" cmpd="sng" algn="ctr">
+                    <a:lnL w="3175" cap="flat" cmpd="sng" algn="ctr">
                       <a:solidFill>
                         <a:schemeClr val="tx1"/>
                       </a:solidFill>
@@ -10662,7 +11605,7 @@
                       <a:headEnd type="none" w="med" len="med"/>
                       <a:tailEnd type="none" w="med" len="med"/>
                     </a:lnL>
-                    <a:lnR w="12700" cap="flat" cmpd="sng" algn="ctr">
+                    <a:lnR w="3175" cap="flat" cmpd="sng" algn="ctr">
                       <a:solidFill>
                         <a:schemeClr val="tx1"/>
                       </a:solidFill>
@@ -10671,7 +11614,7 @@
                       <a:headEnd type="none" w="med" len="med"/>
                       <a:tailEnd type="none" w="med" len="med"/>
                     </a:lnR>
-                    <a:lnT w="12700" cap="flat" cmpd="sng" algn="ctr">
+                    <a:lnT w="3175" cap="flat" cmpd="sng" algn="ctr">
                       <a:solidFill>
                         <a:schemeClr val="tx1"/>
                       </a:solidFill>
@@ -10680,7 +11623,7 @@
                       <a:headEnd type="none" w="med" len="med"/>
                       <a:tailEnd type="none" w="med" len="med"/>
                     </a:lnT>
-                    <a:lnB w="12700" cap="flat" cmpd="sng" algn="ctr">
+                    <a:lnB w="3175" cap="flat" cmpd="sng" algn="ctr">
                       <a:solidFill>
                         <a:schemeClr val="tx1"/>
                       </a:solidFill>
@@ -10724,7 +11667,7 @@
                     </a:p>
                   </a:txBody>
                   <a:tcPr marL="9525" marR="9525" marT="9525" marB="9525" anchor="ctr">
-                    <a:lnL w="12700" cap="flat" cmpd="sng" algn="ctr">
+                    <a:lnL w="3175" cap="flat" cmpd="sng" algn="ctr">
                       <a:solidFill>
                         <a:schemeClr val="tx1"/>
                       </a:solidFill>
@@ -10733,7 +11676,7 @@
                       <a:headEnd type="none" w="med" len="med"/>
                       <a:tailEnd type="none" w="med" len="med"/>
                     </a:lnL>
-                    <a:lnR w="12700" cap="flat" cmpd="sng" algn="ctr">
+                    <a:lnR w="3175" cap="flat" cmpd="sng" algn="ctr">
                       <a:solidFill>
                         <a:schemeClr val="tx1"/>
                       </a:solidFill>
@@ -10742,7 +11685,7 @@
                       <a:headEnd type="none" w="med" len="med"/>
                       <a:tailEnd type="none" w="med" len="med"/>
                     </a:lnR>
-                    <a:lnT w="12700" cap="flat" cmpd="sng" algn="ctr">
+                    <a:lnT w="3175" cap="flat" cmpd="sng" algn="ctr">
                       <a:solidFill>
                         <a:schemeClr val="tx1"/>
                       </a:solidFill>
@@ -10751,7 +11694,7 @@
                       <a:headEnd type="none" w="med" len="med"/>
                       <a:tailEnd type="none" w="med" len="med"/>
                     </a:lnT>
-                    <a:lnB w="12700" cap="flat" cmpd="sng" algn="ctr">
+                    <a:lnB w="3175" cap="flat" cmpd="sng" algn="ctr">
                       <a:solidFill>
                         <a:schemeClr val="tx1"/>
                       </a:solidFill>
@@ -10790,7 +11733,7 @@
                     </a:p>
                   </a:txBody>
                   <a:tcPr marL="9525" marR="9525" marT="9525" marB="9525" anchor="ctr">
-                    <a:lnL w="12700" cap="flat" cmpd="sng" algn="ctr">
+                    <a:lnL w="3175" cap="flat" cmpd="sng" algn="ctr">
                       <a:solidFill>
                         <a:schemeClr val="tx1"/>
                       </a:solidFill>
@@ -10799,7 +11742,7 @@
                       <a:headEnd type="none" w="med" len="med"/>
                       <a:tailEnd type="none" w="med" len="med"/>
                     </a:lnL>
-                    <a:lnR w="12700" cap="flat" cmpd="sng" algn="ctr">
+                    <a:lnR w="3175" cap="flat" cmpd="sng" algn="ctr">
                       <a:solidFill>
                         <a:schemeClr val="tx1"/>
                       </a:solidFill>
@@ -10808,7 +11751,7 @@
                       <a:headEnd type="none" w="med" len="med"/>
                       <a:tailEnd type="none" w="med" len="med"/>
                     </a:lnR>
-                    <a:lnT w="12700" cap="flat" cmpd="sng" algn="ctr">
+                    <a:lnT w="3175" cap="flat" cmpd="sng" algn="ctr">
                       <a:solidFill>
                         <a:schemeClr val="tx1"/>
                       </a:solidFill>
@@ -10817,7 +11760,7 @@
                       <a:headEnd type="none" w="med" len="med"/>
                       <a:tailEnd type="none" w="med" len="med"/>
                     </a:lnT>
-                    <a:lnB w="12700" cap="flat" cmpd="sng" algn="ctr">
+                    <a:lnB w="3175" cap="flat" cmpd="sng" algn="ctr">
                       <a:solidFill>
                         <a:schemeClr val="tx1"/>
                       </a:solidFill>
@@ -10861,7 +11804,7 @@
                     </a:p>
                   </a:txBody>
                   <a:tcPr marL="9525" marR="9525" marT="9525" marB="9525" anchor="ctr">
-                    <a:lnL w="12700" cap="flat" cmpd="sng" algn="ctr">
+                    <a:lnL w="3175" cap="flat" cmpd="sng" algn="ctr">
                       <a:solidFill>
                         <a:schemeClr val="tx1"/>
                       </a:solidFill>
@@ -10870,7 +11813,7 @@
                       <a:headEnd type="none" w="med" len="med"/>
                       <a:tailEnd type="none" w="med" len="med"/>
                     </a:lnL>
-                    <a:lnR w="12700" cap="flat" cmpd="sng" algn="ctr">
+                    <a:lnR w="3175" cap="flat" cmpd="sng" algn="ctr">
                       <a:solidFill>
                         <a:schemeClr val="tx1"/>
                       </a:solidFill>
@@ -10879,7 +11822,7 @@
                       <a:headEnd type="none" w="med" len="med"/>
                       <a:tailEnd type="none" w="med" len="med"/>
                     </a:lnR>
-                    <a:lnT w="12700" cap="flat" cmpd="sng" algn="ctr">
+                    <a:lnT w="3175" cap="flat" cmpd="sng" algn="ctr">
                       <a:solidFill>
                         <a:schemeClr val="tx1"/>
                       </a:solidFill>
@@ -10888,7 +11831,7 @@
                       <a:headEnd type="none" w="med" len="med"/>
                       <a:tailEnd type="none" w="med" len="med"/>
                     </a:lnT>
-                    <a:lnB w="12700" cap="flat" cmpd="sng" algn="ctr">
+                    <a:lnB w="3175" cap="flat" cmpd="sng" algn="ctr">
                       <a:solidFill>
                         <a:schemeClr val="tx1"/>
                       </a:solidFill>
@@ -10927,7 +11870,7 @@
                     </a:p>
                   </a:txBody>
                   <a:tcPr marL="9525" marR="9525" marT="9525" marB="9525" anchor="ctr">
-                    <a:lnL w="12700" cap="flat" cmpd="sng" algn="ctr">
+                    <a:lnL w="3175" cap="flat" cmpd="sng" algn="ctr">
                       <a:solidFill>
                         <a:schemeClr val="tx1"/>
                       </a:solidFill>
@@ -10936,7 +11879,7 @@
                       <a:headEnd type="none" w="med" len="med"/>
                       <a:tailEnd type="none" w="med" len="med"/>
                     </a:lnL>
-                    <a:lnR w="12700" cap="flat" cmpd="sng" algn="ctr">
+                    <a:lnR w="3175" cap="flat" cmpd="sng" algn="ctr">
                       <a:solidFill>
                         <a:schemeClr val="tx1"/>
                       </a:solidFill>
@@ -10945,7 +11888,7 @@
                       <a:headEnd type="none" w="med" len="med"/>
                       <a:tailEnd type="none" w="med" len="med"/>
                     </a:lnR>
-                    <a:lnT w="12700" cap="flat" cmpd="sng" algn="ctr">
+                    <a:lnT w="3175" cap="flat" cmpd="sng" algn="ctr">
                       <a:solidFill>
                         <a:schemeClr val="tx1"/>
                       </a:solidFill>
@@ -10954,7 +11897,7 @@
                       <a:headEnd type="none" w="med" len="med"/>
                       <a:tailEnd type="none" w="med" len="med"/>
                     </a:lnT>
-                    <a:lnB w="12700" cap="flat" cmpd="sng" algn="ctr">
+                    <a:lnB w="3175" cap="flat" cmpd="sng" algn="ctr">
                       <a:solidFill>
                         <a:schemeClr val="tx1"/>
                       </a:solidFill>
@@ -10998,7 +11941,7 @@
                     </a:p>
                   </a:txBody>
                   <a:tcPr marL="9525" marR="9525" marT="9525" marB="9525" anchor="ctr">
-                    <a:lnL w="12700" cap="flat" cmpd="sng" algn="ctr">
+                    <a:lnL w="3175" cap="flat" cmpd="sng" algn="ctr">
                       <a:solidFill>
                         <a:schemeClr val="tx1"/>
                       </a:solidFill>
@@ -11007,7 +11950,7 @@
                       <a:headEnd type="none" w="med" len="med"/>
                       <a:tailEnd type="none" w="med" len="med"/>
                     </a:lnL>
-                    <a:lnR w="12700" cap="flat" cmpd="sng" algn="ctr">
+                    <a:lnR w="3175" cap="flat" cmpd="sng" algn="ctr">
                       <a:solidFill>
                         <a:schemeClr val="tx1"/>
                       </a:solidFill>
@@ -11016,7 +11959,7 @@
                       <a:headEnd type="none" w="med" len="med"/>
                       <a:tailEnd type="none" w="med" len="med"/>
                     </a:lnR>
-                    <a:lnT w="12700" cap="flat" cmpd="sng" algn="ctr">
+                    <a:lnT w="3175" cap="flat" cmpd="sng" algn="ctr">
                       <a:solidFill>
                         <a:schemeClr val="tx1"/>
                       </a:solidFill>
@@ -11025,7 +11968,7 @@
                       <a:headEnd type="none" w="med" len="med"/>
                       <a:tailEnd type="none" w="med" len="med"/>
                     </a:lnT>
-                    <a:lnB w="12700" cap="flat" cmpd="sng" algn="ctr">
+                    <a:lnB w="3175" cap="flat" cmpd="sng" algn="ctr">
                       <a:solidFill>
                         <a:schemeClr val="tx1"/>
                       </a:solidFill>
@@ -11064,7 +12007,7 @@
                     </a:p>
                   </a:txBody>
                   <a:tcPr marL="9525" marR="9525" marT="9525" marB="9525" anchor="ctr">
-                    <a:lnL w="12700" cap="flat" cmpd="sng" algn="ctr">
+                    <a:lnL w="3175" cap="flat" cmpd="sng" algn="ctr">
                       <a:solidFill>
                         <a:schemeClr val="tx1"/>
                       </a:solidFill>
@@ -11073,7 +12016,7 @@
                       <a:headEnd type="none" w="med" len="med"/>
                       <a:tailEnd type="none" w="med" len="med"/>
                     </a:lnL>
-                    <a:lnR w="12700" cap="flat" cmpd="sng" algn="ctr">
+                    <a:lnR w="3175" cap="flat" cmpd="sng" algn="ctr">
                       <a:solidFill>
                         <a:schemeClr val="tx1"/>
                       </a:solidFill>
@@ -11082,7 +12025,7 @@
                       <a:headEnd type="none" w="med" len="med"/>
                       <a:tailEnd type="none" w="med" len="med"/>
                     </a:lnR>
-                    <a:lnT w="12700" cap="flat" cmpd="sng" algn="ctr">
+                    <a:lnT w="3175" cap="flat" cmpd="sng" algn="ctr">
                       <a:solidFill>
                         <a:schemeClr val="tx1"/>
                       </a:solidFill>
@@ -11091,7 +12034,7 @@
                       <a:headEnd type="none" w="med" len="med"/>
                       <a:tailEnd type="none" w="med" len="med"/>
                     </a:lnT>
-                    <a:lnB w="12700" cap="flat" cmpd="sng" algn="ctr">
+                    <a:lnB w="3175" cap="flat" cmpd="sng" algn="ctr">
                       <a:solidFill>
                         <a:schemeClr val="tx1"/>
                       </a:solidFill>
@@ -11135,7 +12078,7 @@
                     </a:p>
                   </a:txBody>
                   <a:tcPr marL="9525" marR="9525" marT="9525" marB="9525" anchor="ctr">
-                    <a:lnL w="12700" cap="flat" cmpd="sng" algn="ctr">
+                    <a:lnL w="3175" cap="flat" cmpd="sng" algn="ctr">
                       <a:solidFill>
                         <a:schemeClr val="tx1"/>
                       </a:solidFill>
@@ -11144,7 +12087,7 @@
                       <a:headEnd type="none" w="med" len="med"/>
                       <a:tailEnd type="none" w="med" len="med"/>
                     </a:lnL>
-                    <a:lnR w="12700" cap="flat" cmpd="sng" algn="ctr">
+                    <a:lnR w="3175" cap="flat" cmpd="sng" algn="ctr">
                       <a:solidFill>
                         <a:schemeClr val="tx1"/>
                       </a:solidFill>
@@ -11153,7 +12096,7 @@
                       <a:headEnd type="none" w="med" len="med"/>
                       <a:tailEnd type="none" w="med" len="med"/>
                     </a:lnR>
-                    <a:lnT w="12700" cap="flat" cmpd="sng" algn="ctr">
+                    <a:lnT w="3175" cap="flat" cmpd="sng" algn="ctr">
                       <a:solidFill>
                         <a:schemeClr val="tx1"/>
                       </a:solidFill>
@@ -11162,7 +12105,7 @@
                       <a:headEnd type="none" w="med" len="med"/>
                       <a:tailEnd type="none" w="med" len="med"/>
                     </a:lnT>
-                    <a:lnB w="12700" cap="flat" cmpd="sng" algn="ctr">
+                    <a:lnB w="3175" cap="flat" cmpd="sng" algn="ctr">
                       <a:solidFill>
                         <a:schemeClr val="tx1"/>
                       </a:solidFill>
@@ -11863,6 +12806,75 @@
           </a:fontRef>
         </p:style>
       </p:cxnSp>
+      <p:pic>
+        <p:nvPicPr>
+          <p:cNvPr id="1026" name="Picture 2" descr="C:\Documents and Settings\User\diplom_report\algor\tioGetS.png"/>
+          <p:cNvPicPr>
+            <a:picLocks noChangeAspect="1" noChangeArrowheads="1"/>
+          </p:cNvPicPr>
+          <p:nvPr/>
+        </p:nvPicPr>
+        <p:blipFill>
+          <a:blip r:embed="rId2" cstate="print"/>
+          <a:srcRect/>
+          <a:stretch>
+            <a:fillRect/>
+          </a:stretch>
+        </p:blipFill>
+        <p:spPr bwMode="auto">
+          <a:xfrm>
+            <a:off x="2606229" y="1316466"/>
+            <a:ext cx="4214842" cy="5486140"/>
+          </a:xfrm>
+          <a:prstGeom prst="rect">
+            <a:avLst/>
+          </a:prstGeom>
+          <a:noFill/>
+        </p:spPr>
+      </p:pic>
+      <p:sp>
+        <p:nvSpPr>
+          <p:cNvPr id="16" name="TextBox 15"/>
+          <p:cNvSpPr txBox="1"/>
+          <p:nvPr/>
+        </p:nvSpPr>
+        <p:spPr>
+          <a:xfrm>
+            <a:off x="571472" y="3786190"/>
+            <a:ext cx="2951962" cy="369332"/>
+          </a:xfrm>
+          <a:prstGeom prst="rect">
+            <a:avLst/>
+          </a:prstGeom>
+          <a:noFill/>
+        </p:spPr>
+        <p:txBody>
+          <a:bodyPr wrap="none" rtlCol="0">
+            <a:spAutoFit/>
+          </a:bodyPr>
+          <a:lstStyle/>
+          <a:p>
+            <a:r>
+              <a:rPr lang="ru-RU" dirty="0" smtClean="0">
+                <a:latin typeface="+mj-lt"/>
+                <a:cs typeface="Times New Roman" pitchFamily="18" charset="0"/>
+              </a:rPr>
+              <a:t>Блок-схема функции </a:t>
+            </a:r>
+            <a:r>
+              <a:rPr lang="en-US" dirty="0" err="1" smtClean="0">
+                <a:latin typeface="+mj-lt"/>
+                <a:cs typeface="Times New Roman" pitchFamily="18" charset="0"/>
+              </a:rPr>
+              <a:t>tioGetS</a:t>
+            </a:r>
+            <a:endParaRPr lang="ru-RU" dirty="0">
+              <a:latin typeface="+mj-lt"/>
+              <a:cs typeface="Times New Roman" pitchFamily="18" charset="0"/>
+            </a:endParaRPr>
+          </a:p>
+        </p:txBody>
+      </p:sp>
     </p:spTree>
   </p:cSld>
   <p:clrMapOvr>
@@ -11922,40 +12934,16 @@
                 <a:latin typeface="Times New Roman" pitchFamily="18" charset="0"/>
                 <a:cs typeface="Times New Roman" pitchFamily="18" charset="0"/>
               </a:rPr>
-              <a:t>Функция инициализации библиотеки</a:t>
+              <a:t>Функции </a:t>
+            </a:r>
+            <a:r>
+              <a:rPr lang="ru-RU" sz="2600" dirty="0" smtClean="0">
+                <a:latin typeface="Times New Roman" pitchFamily="18" charset="0"/>
+                <a:cs typeface="Times New Roman" pitchFamily="18" charset="0"/>
+              </a:rPr>
+              <a:t>работы с ошибками </a:t>
             </a:r>
             <a:endParaRPr lang="ru-RU" sz="2600" dirty="0">
-              <a:latin typeface="Times New Roman" pitchFamily="18" charset="0"/>
-              <a:cs typeface="Times New Roman" pitchFamily="18" charset="0"/>
-            </a:endParaRPr>
-          </a:p>
-        </p:txBody>
-      </p:sp>
-      <p:sp>
-        <p:nvSpPr>
-          <p:cNvPr id="5" name="Содержимое 4"/>
-          <p:cNvSpPr>
-            <a:spLocks noGrp="1"/>
-          </p:cNvSpPr>
-          <p:nvPr>
-            <p:ph idx="1"/>
-          </p:nvPr>
-        </p:nvSpPr>
-        <p:spPr/>
-        <p:txBody>
-          <a:bodyPr>
-            <a:normAutofit/>
-          </a:bodyPr>
-          <a:lstStyle/>
-          <a:p>
-            <a:r>
-              <a:rPr lang="ru-RU" sz="1800" dirty="0" smtClean="0">
-                <a:latin typeface="Times New Roman" pitchFamily="18" charset="0"/>
-                <a:cs typeface="Times New Roman" pitchFamily="18" charset="0"/>
-              </a:rPr>
-              <a:t>Функция инициализирует работу библиотеки и производит разбор параметров переданных вместе с командной строкой.</a:t>
-            </a:r>
-            <a:endParaRPr lang="ru-RU" sz="1800" dirty="0">
               <a:latin typeface="Times New Roman" pitchFamily="18" charset="0"/>
               <a:cs typeface="Times New Roman" pitchFamily="18" charset="0"/>
             </a:endParaRPr>
@@ -12034,7 +13022,10 @@
             <a:avLst/>
           </a:prstGeom>
           <a:solidFill>
-            <a:schemeClr val="bg1"/>
+            <a:schemeClr val="accent3">
+              <a:lumMod val="60000"/>
+              <a:lumOff val="40000"/>
+            </a:schemeClr>
           </a:solidFill>
           <a:ln>
             <a:solidFill>
@@ -12090,9 +13081,7 @@
           <a:prstGeom prst="flowChartTerminator">
             <a:avLst/>
           </a:prstGeom>
-          <a:solidFill>
-            <a:schemeClr val="bg1"/>
-          </a:solidFill>
+          <a:noFill/>
           <a:ln>
             <a:solidFill>
               <a:schemeClr val="tx1"/>
@@ -12158,10 +13147,7 @@
             <a:avLst/>
           </a:prstGeom>
           <a:solidFill>
-            <a:schemeClr val="accent3">
-              <a:lumMod val="60000"/>
-              <a:lumOff val="40000"/>
-            </a:schemeClr>
+            <a:schemeClr val="bg1"/>
           </a:solidFill>
           <a:ln>
             <a:solidFill>
@@ -12544,6 +13530,1825 @@
           </a:fontRef>
         </p:style>
       </p:cxnSp>
+      <p:sp>
+        <p:nvSpPr>
+          <p:cNvPr id="20" name="TextBox 19"/>
+          <p:cNvSpPr txBox="1"/>
+          <p:nvPr/>
+        </p:nvSpPr>
+        <p:spPr>
+          <a:xfrm>
+            <a:off x="785786" y="2773916"/>
+            <a:ext cx="2071701" cy="369332"/>
+          </a:xfrm>
+          <a:prstGeom prst="rect">
+            <a:avLst/>
+          </a:prstGeom>
+          <a:noFill/>
+        </p:spPr>
+        <p:txBody>
+          <a:bodyPr wrap="square" rtlCol="0">
+            <a:spAutoFit/>
+          </a:bodyPr>
+          <a:lstStyle/>
+          <a:p>
+            <a:r>
+              <a:rPr lang="en-US" dirty="0" err="1" smtClean="0"/>
+              <a:t>int</a:t>
+            </a:r>
+            <a:r>
+              <a:rPr lang="en-US" dirty="0" smtClean="0"/>
+              <a:t> </a:t>
+            </a:r>
+            <a:r>
+              <a:rPr lang="en-US" dirty="0" err="1" smtClean="0"/>
+              <a:t>tioGetError</a:t>
+            </a:r>
+            <a:r>
+              <a:rPr lang="en-US" dirty="0" smtClean="0"/>
+              <a:t>(void)</a:t>
+            </a:r>
+            <a:endParaRPr lang="en-US" dirty="0" smtClean="0">
+              <a:latin typeface="Times New Roman" pitchFamily="18" charset="0"/>
+              <a:cs typeface="Times New Roman" pitchFamily="18" charset="0"/>
+            </a:endParaRPr>
+          </a:p>
+        </p:txBody>
+      </p:sp>
+      <p:sp>
+        <p:nvSpPr>
+          <p:cNvPr id="26" name="TextBox 25"/>
+          <p:cNvSpPr txBox="1"/>
+          <p:nvPr/>
+        </p:nvSpPr>
+        <p:spPr>
+          <a:xfrm>
+            <a:off x="214282" y="1415465"/>
+            <a:ext cx="4000528" cy="369332"/>
+          </a:xfrm>
+          <a:prstGeom prst="rect">
+            <a:avLst/>
+          </a:prstGeom>
+          <a:noFill/>
+        </p:spPr>
+        <p:txBody>
+          <a:bodyPr wrap="square" rtlCol="0">
+            <a:spAutoFit/>
+          </a:bodyPr>
+          <a:lstStyle/>
+          <a:p>
+            <a:r>
+              <a:rPr lang="en-US" dirty="0" err="1" smtClean="0"/>
+              <a:t>int</a:t>
+            </a:r>
+            <a:r>
+              <a:rPr lang="en-US" dirty="0" smtClean="0"/>
+              <a:t> </a:t>
+            </a:r>
+            <a:r>
+              <a:rPr lang="en-US" dirty="0" err="1" smtClean="0"/>
+              <a:t>tioDie</a:t>
+            </a:r>
+            <a:r>
+              <a:rPr lang="en-US" dirty="0" smtClean="0"/>
+              <a:t>	</a:t>
+            </a:r>
+            <a:r>
+              <a:rPr lang="en-US" dirty="0" smtClean="0"/>
+              <a:t>( </a:t>
+            </a:r>
+            <a:r>
+              <a:rPr lang="en-US" dirty="0" err="1" smtClean="0"/>
+              <a:t>int</a:t>
+            </a:r>
+            <a:r>
+              <a:rPr lang="en-US" dirty="0" smtClean="0"/>
+              <a:t>  status, const </a:t>
+            </a:r>
+            <a:r>
+              <a:rPr lang="en-US" dirty="0" smtClean="0"/>
+              <a:t>char * </a:t>
+            </a:r>
+            <a:r>
+              <a:rPr lang="en-US" dirty="0" err="1" smtClean="0"/>
+              <a:t>msg</a:t>
+            </a:r>
+            <a:r>
+              <a:rPr lang="en-US" dirty="0" smtClean="0"/>
+              <a:t>)</a:t>
+            </a:r>
+            <a:endParaRPr lang="en-US" dirty="0" smtClean="0"/>
+          </a:p>
+        </p:txBody>
+      </p:sp>
+      <p:sp>
+        <p:nvSpPr>
+          <p:cNvPr id="27" name="TextBox 26"/>
+          <p:cNvSpPr txBox="1"/>
+          <p:nvPr/>
+        </p:nvSpPr>
+        <p:spPr>
+          <a:xfrm>
+            <a:off x="5214942" y="1803432"/>
+            <a:ext cx="2382383" cy="553998"/>
+          </a:xfrm>
+          <a:prstGeom prst="rect">
+            <a:avLst/>
+          </a:prstGeom>
+          <a:solidFill>
+            <a:schemeClr val="accent3">
+              <a:lumMod val="60000"/>
+              <a:lumOff val="40000"/>
+            </a:schemeClr>
+          </a:solidFill>
+          <a:ln w="12700">
+            <a:solidFill>
+              <a:schemeClr val="accent3">
+                <a:lumMod val="50000"/>
+              </a:schemeClr>
+            </a:solidFill>
+          </a:ln>
+        </p:spPr>
+        <p:txBody>
+          <a:bodyPr wrap="none" rtlCol="0">
+            <a:spAutoFit/>
+          </a:bodyPr>
+          <a:lstStyle/>
+          <a:p>
+            <a:r>
+              <a:rPr lang="ru-RU" sz="1000" dirty="0" smtClean="0">
+                <a:latin typeface="Times New Roman" pitchFamily="18" charset="0"/>
+                <a:cs typeface="Times New Roman" pitchFamily="18" charset="0"/>
+              </a:rPr>
+              <a:t>1 - тест </a:t>
+            </a:r>
+            <a:r>
+              <a:rPr lang="ru-RU" sz="1000" dirty="0" smtClean="0">
+                <a:latin typeface="Times New Roman" pitchFamily="18" charset="0"/>
+                <a:cs typeface="Times New Roman" pitchFamily="18" charset="0"/>
+              </a:rPr>
+              <a:t>провален</a:t>
+            </a:r>
+            <a:endParaRPr lang="en-US" sz="1000" dirty="0" smtClean="0">
+              <a:latin typeface="Times New Roman" pitchFamily="18" charset="0"/>
+              <a:cs typeface="Times New Roman" pitchFamily="18" charset="0"/>
+            </a:endParaRPr>
+          </a:p>
+          <a:p>
+            <a:r>
+              <a:rPr lang="ru-RU" sz="1000" dirty="0" smtClean="0">
+                <a:latin typeface="Times New Roman" pitchFamily="18" charset="0"/>
+                <a:cs typeface="Times New Roman" pitchFamily="18" charset="0"/>
+              </a:rPr>
+              <a:t>2 - не </a:t>
+            </a:r>
+            <a:r>
+              <a:rPr lang="ru-RU" sz="1000" dirty="0" smtClean="0">
+                <a:latin typeface="Times New Roman" pitchFamily="18" charset="0"/>
+                <a:cs typeface="Times New Roman" pitchFamily="18" charset="0"/>
+              </a:rPr>
+              <a:t>выполнены условия запуска теста</a:t>
+            </a:r>
+            <a:endParaRPr lang="en-US" sz="1000" dirty="0" smtClean="0">
+              <a:latin typeface="Times New Roman" pitchFamily="18" charset="0"/>
+              <a:cs typeface="Times New Roman" pitchFamily="18" charset="0"/>
+            </a:endParaRPr>
+          </a:p>
+          <a:p>
+            <a:r>
+              <a:rPr lang="ru-RU" sz="1000" dirty="0" smtClean="0">
+                <a:latin typeface="Times New Roman" pitchFamily="18" charset="0"/>
+                <a:cs typeface="Times New Roman" pitchFamily="18" charset="0"/>
+              </a:rPr>
+              <a:t>3 - внутренняя </a:t>
+            </a:r>
+            <a:r>
+              <a:rPr lang="ru-RU" sz="1000" dirty="0" smtClean="0">
+                <a:latin typeface="Times New Roman" pitchFamily="18" charset="0"/>
+                <a:cs typeface="Times New Roman" pitchFamily="18" charset="0"/>
+              </a:rPr>
+              <a:t>ошибка библиотеки</a:t>
+            </a:r>
+          </a:p>
+        </p:txBody>
+      </p:sp>
+      <p:sp>
+        <p:nvSpPr>
+          <p:cNvPr id="30" name="TextBox 29"/>
+          <p:cNvSpPr txBox="1"/>
+          <p:nvPr/>
+        </p:nvSpPr>
+        <p:spPr>
+          <a:xfrm>
+            <a:off x="2733085" y="2795620"/>
+            <a:ext cx="5753242" cy="307777"/>
+          </a:xfrm>
+          <a:prstGeom prst="rect">
+            <a:avLst/>
+          </a:prstGeom>
+          <a:noFill/>
+        </p:spPr>
+        <p:txBody>
+          <a:bodyPr wrap="none" rtlCol="0">
+            <a:spAutoFit/>
+          </a:bodyPr>
+          <a:lstStyle/>
+          <a:p>
+            <a:r>
+              <a:rPr lang="ru-RU" sz="1400" dirty="0" smtClean="0">
+                <a:latin typeface="Times New Roman" pitchFamily="18" charset="0"/>
+                <a:cs typeface="Times New Roman" pitchFamily="18" charset="0"/>
+              </a:rPr>
+              <a:t>Возвращает </a:t>
+            </a:r>
+            <a:r>
+              <a:rPr lang="ru-RU" sz="1400" dirty="0" smtClean="0">
+                <a:latin typeface="Times New Roman" pitchFamily="18" charset="0"/>
+                <a:cs typeface="Times New Roman" pitchFamily="18" charset="0"/>
+              </a:rPr>
+              <a:t>код ошибки для последней вызванной функции </a:t>
+            </a:r>
+            <a:r>
+              <a:rPr lang="ru-RU" sz="1400" dirty="0" smtClean="0">
+                <a:latin typeface="Times New Roman" pitchFamily="18" charset="0"/>
+                <a:cs typeface="Times New Roman" pitchFamily="18" charset="0"/>
+              </a:rPr>
+              <a:t>библиотеки.</a:t>
+            </a:r>
+            <a:r>
+              <a:rPr lang="en-US" sz="1400" dirty="0" smtClean="0">
+                <a:latin typeface="Times New Roman" pitchFamily="18" charset="0"/>
+                <a:cs typeface="Times New Roman" pitchFamily="18" charset="0"/>
+              </a:rPr>
+              <a:t> </a:t>
+            </a:r>
+            <a:endParaRPr lang="en-US" sz="1400" dirty="0" smtClean="0">
+              <a:latin typeface="Times New Roman" pitchFamily="18" charset="0"/>
+              <a:cs typeface="Times New Roman" pitchFamily="18" charset="0"/>
+            </a:endParaRPr>
+          </a:p>
+        </p:txBody>
+      </p:sp>
+      <p:sp>
+        <p:nvSpPr>
+          <p:cNvPr id="38" name="TextBox 37"/>
+          <p:cNvSpPr txBox="1"/>
+          <p:nvPr/>
+        </p:nvSpPr>
+        <p:spPr>
+          <a:xfrm>
+            <a:off x="214314" y="1689075"/>
+            <a:ext cx="3857652" cy="954107"/>
+          </a:xfrm>
+          <a:prstGeom prst="rect">
+            <a:avLst/>
+          </a:prstGeom>
+          <a:noFill/>
+        </p:spPr>
+        <p:txBody>
+          <a:bodyPr wrap="square" rtlCol="0">
+            <a:spAutoFit/>
+          </a:bodyPr>
+          <a:lstStyle/>
+          <a:p>
+            <a:pPr algn="just"/>
+            <a:r>
+              <a:rPr lang="ru-RU" sz="1400" dirty="0" smtClean="0">
+                <a:latin typeface="Times New Roman" pitchFamily="18" charset="0"/>
+                <a:cs typeface="Times New Roman" pitchFamily="18" charset="0"/>
+              </a:rPr>
+              <a:t>Аварийное завершает работу приложения, выводит в поток ошибок сообщение </a:t>
+            </a:r>
+            <a:r>
+              <a:rPr lang="en-US" sz="1400" b="1" dirty="0" err="1" smtClean="0">
+                <a:latin typeface="Times New Roman" pitchFamily="18" charset="0"/>
+                <a:cs typeface="Times New Roman" pitchFamily="18" charset="0"/>
+              </a:rPr>
+              <a:t>msg</a:t>
+            </a:r>
+            <a:r>
+              <a:rPr lang="ru-RU" sz="1400" dirty="0" smtClean="0">
+                <a:latin typeface="Times New Roman" pitchFamily="18" charset="0"/>
+                <a:cs typeface="Times New Roman" pitchFamily="18" charset="0"/>
+              </a:rPr>
+              <a:t>. Параметр </a:t>
+            </a:r>
+            <a:r>
+              <a:rPr lang="en-US" sz="1400" b="1" dirty="0" smtClean="0">
+                <a:latin typeface="Times New Roman" pitchFamily="18" charset="0"/>
+                <a:cs typeface="Times New Roman" pitchFamily="18" charset="0"/>
+              </a:rPr>
+              <a:t>status </a:t>
+            </a:r>
+            <a:r>
+              <a:rPr lang="ru-RU" sz="1400" dirty="0" smtClean="0">
+                <a:latin typeface="Times New Roman" pitchFamily="18" charset="0"/>
+                <a:cs typeface="Times New Roman" pitchFamily="18" charset="0"/>
+              </a:rPr>
+              <a:t>не может принимать значение 0.</a:t>
+            </a:r>
+            <a:r>
+              <a:rPr lang="en-US" sz="1400" dirty="0" smtClean="0">
+                <a:latin typeface="Times New Roman" pitchFamily="18" charset="0"/>
+                <a:cs typeface="Times New Roman" pitchFamily="18" charset="0"/>
+              </a:rPr>
+              <a:t> </a:t>
+            </a:r>
+            <a:endParaRPr lang="ru-RU" sz="1400" dirty="0">
+              <a:latin typeface="Times New Roman" pitchFamily="18" charset="0"/>
+              <a:cs typeface="Times New Roman" pitchFamily="18" charset="0"/>
+            </a:endParaRPr>
+          </a:p>
+        </p:txBody>
+      </p:sp>
+      <p:graphicFrame>
+        <p:nvGraphicFramePr>
+          <p:cNvPr id="42" name="Таблица 41"/>
+          <p:cNvGraphicFramePr>
+            <a:graphicFrameLocks noGrp="1"/>
+          </p:cNvGraphicFramePr>
+          <p:nvPr/>
+        </p:nvGraphicFramePr>
+        <p:xfrm>
+          <a:off x="500034" y="3554736"/>
+          <a:ext cx="3000396" cy="731520"/>
+        </p:xfrm>
+        <a:graphic>
+          <a:graphicData uri="http://schemas.openxmlformats.org/drawingml/2006/table">
+            <a:tbl>
+              <a:tblPr firstRow="1" bandRow="1">
+                <a:tableStyleId>{5C22544A-7EE6-4342-B048-85BDC9FD1C3A}</a:tableStyleId>
+              </a:tblPr>
+              <a:tblGrid>
+                <a:gridCol w="737801"/>
+                <a:gridCol w="2262595"/>
+              </a:tblGrid>
+              <a:tr h="125017">
+                <a:tc>
+                  <a:txBody>
+                    <a:bodyPr/>
+                    <a:lstStyle/>
+                    <a:p>
+                      <a:r>
+                        <a:rPr lang="ru-RU" sz="1000" b="0" dirty="0" smtClean="0">
+                          <a:solidFill>
+                            <a:schemeClr val="tx1"/>
+                          </a:solidFill>
+                        </a:rPr>
+                        <a:t>TESUC </a:t>
+                      </a:r>
+                      <a:endParaRPr lang="ru-RU" sz="1000" b="0" dirty="0">
+                        <a:solidFill>
+                          <a:schemeClr val="tx1"/>
+                        </a:solidFill>
+                      </a:endParaRPr>
+                    </a:p>
+                  </a:txBody>
+                  <a:tcPr>
+                    <a:lnL w="3175" cap="flat" cmpd="sng" algn="ctr">
+                      <a:solidFill>
+                        <a:schemeClr val="tx1"/>
+                      </a:solidFill>
+                      <a:prstDash val="solid"/>
+                      <a:round/>
+                      <a:headEnd type="none" w="med" len="med"/>
+                      <a:tailEnd type="none" w="med" len="med"/>
+                    </a:lnL>
+                    <a:lnR w="3175" cap="flat" cmpd="sng" algn="ctr">
+                      <a:solidFill>
+                        <a:schemeClr val="tx1"/>
+                      </a:solidFill>
+                      <a:prstDash val="solid"/>
+                      <a:round/>
+                      <a:headEnd type="none" w="med" len="med"/>
+                      <a:tailEnd type="none" w="med" len="med"/>
+                    </a:lnR>
+                    <a:lnT w="3175" cap="flat" cmpd="sng" algn="ctr">
+                      <a:solidFill>
+                        <a:schemeClr val="tx1"/>
+                      </a:solidFill>
+                      <a:prstDash val="solid"/>
+                      <a:round/>
+                      <a:headEnd type="none" w="med" len="med"/>
+                      <a:tailEnd type="none" w="med" len="med"/>
+                    </a:lnT>
+                    <a:lnB w="3175" cap="flat" cmpd="sng" algn="ctr">
+                      <a:solidFill>
+                        <a:schemeClr val="tx1"/>
+                      </a:solidFill>
+                      <a:prstDash val="solid"/>
+                      <a:round/>
+                      <a:headEnd type="none" w="med" len="med"/>
+                      <a:tailEnd type="none" w="med" len="med"/>
+                    </a:lnB>
+                    <a:noFill/>
+                  </a:tcPr>
+                </a:tc>
+                <a:tc>
+                  <a:txBody>
+                    <a:bodyPr/>
+                    <a:lstStyle/>
+                    <a:p>
+                      <a:pPr marL="0" marR="0" indent="0" algn="l" defTabSz="914400" rtl="0" eaLnBrk="1" fontAlgn="auto" latinLnBrk="0" hangingPunct="1">
+                        <a:lnSpc>
+                          <a:spcPct val="100000"/>
+                        </a:lnSpc>
+                        <a:spcBef>
+                          <a:spcPts val="0"/>
+                        </a:spcBef>
+                        <a:spcAft>
+                          <a:spcPts val="0"/>
+                        </a:spcAft>
+                        <a:buClrTx/>
+                        <a:buSzTx/>
+                        <a:buFontTx/>
+                        <a:buNone/>
+                        <a:tabLst/>
+                        <a:defRPr/>
+                      </a:pPr>
+                      <a:r>
+                        <a:rPr lang="ru-RU" sz="1000" b="0" dirty="0" smtClean="0">
+                          <a:solidFill>
+                            <a:schemeClr val="tx1"/>
+                          </a:solidFill>
+                          <a:latin typeface="Times New Roman" pitchFamily="18" charset="0"/>
+                          <a:cs typeface="Times New Roman" pitchFamily="18" charset="0"/>
+                        </a:rPr>
+                        <a:t>успешное выполнение </a:t>
+                      </a:r>
+                    </a:p>
+                  </a:txBody>
+                  <a:tcPr>
+                    <a:lnL w="3175" cap="flat" cmpd="sng" algn="ctr">
+                      <a:solidFill>
+                        <a:schemeClr val="tx1"/>
+                      </a:solidFill>
+                      <a:prstDash val="solid"/>
+                      <a:round/>
+                      <a:headEnd type="none" w="med" len="med"/>
+                      <a:tailEnd type="none" w="med" len="med"/>
+                    </a:lnL>
+                    <a:lnR w="3175" cap="flat" cmpd="sng" algn="ctr">
+                      <a:solidFill>
+                        <a:schemeClr val="tx1"/>
+                      </a:solidFill>
+                      <a:prstDash val="solid"/>
+                      <a:round/>
+                      <a:headEnd type="none" w="med" len="med"/>
+                      <a:tailEnd type="none" w="med" len="med"/>
+                    </a:lnR>
+                    <a:lnT w="3175" cap="flat" cmpd="sng" algn="ctr">
+                      <a:solidFill>
+                        <a:schemeClr val="tx1"/>
+                      </a:solidFill>
+                      <a:prstDash val="solid"/>
+                      <a:round/>
+                      <a:headEnd type="none" w="med" len="med"/>
+                      <a:tailEnd type="none" w="med" len="med"/>
+                    </a:lnT>
+                    <a:lnB w="3175" cap="flat" cmpd="sng" algn="ctr">
+                      <a:solidFill>
+                        <a:schemeClr val="tx1"/>
+                      </a:solidFill>
+                      <a:prstDash val="solid"/>
+                      <a:round/>
+                      <a:headEnd type="none" w="med" len="med"/>
+                      <a:tailEnd type="none" w="med" len="med"/>
+                    </a:lnB>
+                    <a:noFill/>
+                  </a:tcPr>
+                </a:tc>
+              </a:tr>
+              <a:tr h="125017">
+                <a:tc>
+                  <a:txBody>
+                    <a:bodyPr/>
+                    <a:lstStyle/>
+                    <a:p>
+                      <a:r>
+                        <a:rPr lang="ru-RU" sz="1000" b="0" dirty="0" smtClean="0">
+                          <a:solidFill>
+                            <a:schemeClr val="tx1"/>
+                          </a:solidFill>
+                        </a:rPr>
+                        <a:t>TEKLEN </a:t>
+                      </a:r>
+                      <a:endParaRPr lang="ru-RU" sz="1000" b="0" dirty="0">
+                        <a:solidFill>
+                          <a:schemeClr val="tx1"/>
+                        </a:solidFill>
+                      </a:endParaRPr>
+                    </a:p>
+                  </a:txBody>
+                  <a:tcPr>
+                    <a:lnL w="3175" cap="flat" cmpd="sng" algn="ctr">
+                      <a:solidFill>
+                        <a:schemeClr val="tx1"/>
+                      </a:solidFill>
+                      <a:prstDash val="solid"/>
+                      <a:round/>
+                      <a:headEnd type="none" w="med" len="med"/>
+                      <a:tailEnd type="none" w="med" len="med"/>
+                    </a:lnL>
+                    <a:lnR w="3175" cap="flat" cmpd="sng" algn="ctr">
+                      <a:solidFill>
+                        <a:schemeClr val="tx1"/>
+                      </a:solidFill>
+                      <a:prstDash val="solid"/>
+                      <a:round/>
+                      <a:headEnd type="none" w="med" len="med"/>
+                      <a:tailEnd type="none" w="med" len="med"/>
+                    </a:lnR>
+                    <a:lnT w="3175" cap="flat" cmpd="sng" algn="ctr">
+                      <a:solidFill>
+                        <a:schemeClr val="tx1"/>
+                      </a:solidFill>
+                      <a:prstDash val="solid"/>
+                      <a:round/>
+                      <a:headEnd type="none" w="med" len="med"/>
+                      <a:tailEnd type="none" w="med" len="med"/>
+                    </a:lnT>
+                    <a:lnB w="3175" cap="flat" cmpd="sng" algn="ctr">
+                      <a:solidFill>
+                        <a:schemeClr val="tx1"/>
+                      </a:solidFill>
+                      <a:prstDash val="solid"/>
+                      <a:round/>
+                      <a:headEnd type="none" w="med" len="med"/>
+                      <a:tailEnd type="none" w="med" len="med"/>
+                    </a:lnB>
+                    <a:noFill/>
+                  </a:tcPr>
+                </a:tc>
+                <a:tc>
+                  <a:txBody>
+                    <a:bodyPr/>
+                    <a:lstStyle/>
+                    <a:p>
+                      <a:r>
+                        <a:rPr lang="ru-RU" sz="1000" b="0" dirty="0" smtClean="0">
+                          <a:solidFill>
+                            <a:schemeClr val="tx1"/>
+                          </a:solidFill>
+                          <a:latin typeface="Times New Roman" pitchFamily="18" charset="0"/>
+                          <a:cs typeface="Times New Roman" pitchFamily="18" charset="0"/>
+                        </a:rPr>
+                        <a:t>длинный ключ </a:t>
+                      </a:r>
+                      <a:endParaRPr lang="ru-RU" sz="1000" b="0" dirty="0">
+                        <a:solidFill>
+                          <a:schemeClr val="tx1"/>
+                        </a:solidFill>
+                        <a:latin typeface="Times New Roman" pitchFamily="18" charset="0"/>
+                        <a:cs typeface="Times New Roman" pitchFamily="18" charset="0"/>
+                      </a:endParaRPr>
+                    </a:p>
+                  </a:txBody>
+                  <a:tcPr>
+                    <a:lnL w="3175" cap="flat" cmpd="sng" algn="ctr">
+                      <a:solidFill>
+                        <a:schemeClr val="tx1"/>
+                      </a:solidFill>
+                      <a:prstDash val="solid"/>
+                      <a:round/>
+                      <a:headEnd type="none" w="med" len="med"/>
+                      <a:tailEnd type="none" w="med" len="med"/>
+                    </a:lnL>
+                    <a:lnR w="3175" cap="flat" cmpd="sng" algn="ctr">
+                      <a:solidFill>
+                        <a:schemeClr val="tx1"/>
+                      </a:solidFill>
+                      <a:prstDash val="solid"/>
+                      <a:round/>
+                      <a:headEnd type="none" w="med" len="med"/>
+                      <a:tailEnd type="none" w="med" len="med"/>
+                    </a:lnR>
+                    <a:lnT w="3175" cap="flat" cmpd="sng" algn="ctr">
+                      <a:solidFill>
+                        <a:schemeClr val="tx1"/>
+                      </a:solidFill>
+                      <a:prstDash val="solid"/>
+                      <a:round/>
+                      <a:headEnd type="none" w="med" len="med"/>
+                      <a:tailEnd type="none" w="med" len="med"/>
+                    </a:lnT>
+                    <a:lnB w="3175" cap="flat" cmpd="sng" algn="ctr">
+                      <a:solidFill>
+                        <a:schemeClr val="tx1"/>
+                      </a:solidFill>
+                      <a:prstDash val="solid"/>
+                      <a:round/>
+                      <a:headEnd type="none" w="med" len="med"/>
+                      <a:tailEnd type="none" w="med" len="med"/>
+                    </a:lnB>
+                    <a:noFill/>
+                  </a:tcPr>
+                </a:tc>
+              </a:tr>
+              <a:tr h="125017">
+                <a:tc>
+                  <a:txBody>
+                    <a:bodyPr/>
+                    <a:lstStyle/>
+                    <a:p>
+                      <a:r>
+                        <a:rPr lang="ru-RU" sz="1000" b="0" dirty="0" smtClean="0">
+                          <a:solidFill>
+                            <a:schemeClr val="tx1"/>
+                          </a:solidFill>
+                        </a:rPr>
+                        <a:t>TEFAIL </a:t>
+                      </a:r>
+                      <a:endParaRPr lang="ru-RU" sz="1000" b="0" dirty="0">
+                        <a:solidFill>
+                          <a:schemeClr val="tx1"/>
+                        </a:solidFill>
+                      </a:endParaRPr>
+                    </a:p>
+                  </a:txBody>
+                  <a:tcPr>
+                    <a:lnL w="3175" cap="flat" cmpd="sng" algn="ctr">
+                      <a:solidFill>
+                        <a:schemeClr val="tx1"/>
+                      </a:solidFill>
+                      <a:prstDash val="solid"/>
+                      <a:round/>
+                      <a:headEnd type="none" w="med" len="med"/>
+                      <a:tailEnd type="none" w="med" len="med"/>
+                    </a:lnL>
+                    <a:lnR w="3175" cap="flat" cmpd="sng" algn="ctr">
+                      <a:solidFill>
+                        <a:schemeClr val="tx1"/>
+                      </a:solidFill>
+                      <a:prstDash val="solid"/>
+                      <a:round/>
+                      <a:headEnd type="none" w="med" len="med"/>
+                      <a:tailEnd type="none" w="med" len="med"/>
+                    </a:lnR>
+                    <a:lnT w="3175" cap="flat" cmpd="sng" algn="ctr">
+                      <a:solidFill>
+                        <a:schemeClr val="tx1"/>
+                      </a:solidFill>
+                      <a:prstDash val="solid"/>
+                      <a:round/>
+                      <a:headEnd type="none" w="med" len="med"/>
+                      <a:tailEnd type="none" w="med" len="med"/>
+                    </a:lnT>
+                    <a:lnB w="3175" cap="flat" cmpd="sng" algn="ctr">
+                      <a:solidFill>
+                        <a:schemeClr val="tx1"/>
+                      </a:solidFill>
+                      <a:prstDash val="solid"/>
+                      <a:round/>
+                      <a:headEnd type="none" w="med" len="med"/>
+                      <a:tailEnd type="none" w="med" len="med"/>
+                    </a:lnB>
+                    <a:noFill/>
+                  </a:tcPr>
+                </a:tc>
+                <a:tc>
+                  <a:txBody>
+                    <a:bodyPr/>
+                    <a:lstStyle/>
+                    <a:p>
+                      <a:r>
+                        <a:rPr lang="ru-RU" sz="1000" b="0" dirty="0" smtClean="0">
+                          <a:solidFill>
+                            <a:schemeClr val="tx1"/>
+                          </a:solidFill>
+                          <a:latin typeface="Times New Roman" pitchFamily="18" charset="0"/>
+                          <a:cs typeface="Times New Roman" pitchFamily="18" charset="0"/>
+                        </a:rPr>
+                        <a:t>отказ приложения в системной части </a:t>
+                      </a:r>
+                      <a:endParaRPr lang="ru-RU" sz="1000" b="0" dirty="0">
+                        <a:solidFill>
+                          <a:schemeClr val="tx1"/>
+                        </a:solidFill>
+                        <a:latin typeface="Times New Roman" pitchFamily="18" charset="0"/>
+                        <a:cs typeface="Times New Roman" pitchFamily="18" charset="0"/>
+                      </a:endParaRPr>
+                    </a:p>
+                  </a:txBody>
+                  <a:tcPr>
+                    <a:lnL w="3175" cap="flat" cmpd="sng" algn="ctr">
+                      <a:solidFill>
+                        <a:schemeClr val="tx1"/>
+                      </a:solidFill>
+                      <a:prstDash val="solid"/>
+                      <a:round/>
+                      <a:headEnd type="none" w="med" len="med"/>
+                      <a:tailEnd type="none" w="med" len="med"/>
+                    </a:lnL>
+                    <a:lnR w="3175" cap="flat" cmpd="sng" algn="ctr">
+                      <a:solidFill>
+                        <a:schemeClr val="tx1"/>
+                      </a:solidFill>
+                      <a:prstDash val="solid"/>
+                      <a:round/>
+                      <a:headEnd type="none" w="med" len="med"/>
+                      <a:tailEnd type="none" w="med" len="med"/>
+                    </a:lnR>
+                    <a:lnT w="3175" cap="flat" cmpd="sng" algn="ctr">
+                      <a:solidFill>
+                        <a:schemeClr val="tx1"/>
+                      </a:solidFill>
+                      <a:prstDash val="solid"/>
+                      <a:round/>
+                      <a:headEnd type="none" w="med" len="med"/>
+                      <a:tailEnd type="none" w="med" len="med"/>
+                    </a:lnT>
+                    <a:lnB w="3175" cap="flat" cmpd="sng" algn="ctr">
+                      <a:solidFill>
+                        <a:schemeClr val="tx1"/>
+                      </a:solidFill>
+                      <a:prstDash val="solid"/>
+                      <a:round/>
+                      <a:headEnd type="none" w="med" len="med"/>
+                      <a:tailEnd type="none" w="med" len="med"/>
+                    </a:lnB>
+                    <a:noFill/>
+                  </a:tcPr>
+                </a:tc>
+              </a:tr>
+            </a:tbl>
+          </a:graphicData>
+        </a:graphic>
+      </p:graphicFrame>
+      <p:sp>
+        <p:nvSpPr>
+          <p:cNvPr id="43" name="TextBox 42"/>
+          <p:cNvSpPr txBox="1"/>
+          <p:nvPr/>
+        </p:nvSpPr>
+        <p:spPr>
+          <a:xfrm>
+            <a:off x="736507" y="3192661"/>
+            <a:ext cx="2549609" cy="307777"/>
+          </a:xfrm>
+          <a:prstGeom prst="rect">
+            <a:avLst/>
+          </a:prstGeom>
+          <a:noFill/>
+        </p:spPr>
+        <p:txBody>
+          <a:bodyPr wrap="none" rtlCol="0">
+            <a:spAutoFit/>
+          </a:bodyPr>
+          <a:lstStyle/>
+          <a:p>
+            <a:r>
+              <a:rPr lang="ru-RU" sz="1400" dirty="0" smtClean="0">
+                <a:latin typeface="Times New Roman" pitchFamily="18" charset="0"/>
+                <a:cs typeface="Times New Roman" pitchFamily="18" charset="0"/>
+              </a:rPr>
+              <a:t>Общие сообщения об ошибках</a:t>
+            </a:r>
+          </a:p>
+        </p:txBody>
+      </p:sp>
+      <p:graphicFrame>
+        <p:nvGraphicFramePr>
+          <p:cNvPr id="44" name="Таблица 43"/>
+          <p:cNvGraphicFramePr>
+            <a:graphicFrameLocks noGrp="1"/>
+          </p:cNvGraphicFramePr>
+          <p:nvPr/>
+        </p:nvGraphicFramePr>
+        <p:xfrm>
+          <a:off x="4714876" y="4214818"/>
+          <a:ext cx="4071966" cy="1457196"/>
+        </p:xfrm>
+        <a:graphic>
+          <a:graphicData uri="http://schemas.openxmlformats.org/drawingml/2006/table">
+            <a:tbl>
+              <a:tblPr firstRow="1" bandRow="1">
+                <a:tableStyleId>{5C22544A-7EE6-4342-B048-85BDC9FD1C3A}</a:tableStyleId>
+              </a:tblPr>
+              <a:tblGrid>
+                <a:gridCol w="1001303"/>
+                <a:gridCol w="3070663"/>
+              </a:tblGrid>
+              <a:tr h="342662">
+                <a:tc>
+                  <a:txBody>
+                    <a:bodyPr/>
+                    <a:lstStyle/>
+                    <a:p>
+                      <a:r>
+                        <a:rPr lang="ru-RU" sz="1000" b="0" dirty="0" smtClean="0">
+                          <a:solidFill>
+                            <a:schemeClr val="tx1"/>
+                          </a:solidFill>
+                        </a:rPr>
+                        <a:t>TENOPAR </a:t>
+                      </a:r>
+                      <a:endParaRPr lang="ru-RU" sz="1000" b="0" dirty="0">
+                        <a:solidFill>
+                          <a:schemeClr val="tx1"/>
+                        </a:solidFill>
+                      </a:endParaRPr>
+                    </a:p>
+                  </a:txBody>
+                  <a:tcPr>
+                    <a:lnL w="3175" cap="flat" cmpd="sng" algn="ctr">
+                      <a:solidFill>
+                        <a:schemeClr val="tx1"/>
+                      </a:solidFill>
+                      <a:prstDash val="solid"/>
+                      <a:round/>
+                      <a:headEnd type="none" w="med" len="med"/>
+                      <a:tailEnd type="none" w="med" len="med"/>
+                    </a:lnL>
+                    <a:lnR w="3175" cap="flat" cmpd="sng" algn="ctr">
+                      <a:solidFill>
+                        <a:schemeClr val="tx1"/>
+                      </a:solidFill>
+                      <a:prstDash val="solid"/>
+                      <a:round/>
+                      <a:headEnd type="none" w="med" len="med"/>
+                      <a:tailEnd type="none" w="med" len="med"/>
+                    </a:lnR>
+                    <a:lnT w="3175" cap="flat" cmpd="sng" algn="ctr">
+                      <a:solidFill>
+                        <a:schemeClr val="tx1"/>
+                      </a:solidFill>
+                      <a:prstDash val="solid"/>
+                      <a:round/>
+                      <a:headEnd type="none" w="med" len="med"/>
+                      <a:tailEnd type="none" w="med" len="med"/>
+                    </a:lnT>
+                    <a:lnB w="3175" cap="flat" cmpd="sng" algn="ctr">
+                      <a:solidFill>
+                        <a:schemeClr val="tx1"/>
+                      </a:solidFill>
+                      <a:prstDash val="solid"/>
+                      <a:round/>
+                      <a:headEnd type="none" w="med" len="med"/>
+                      <a:tailEnd type="none" w="med" len="med"/>
+                    </a:lnB>
+                    <a:noFill/>
+                  </a:tcPr>
+                </a:tc>
+                <a:tc>
+                  <a:txBody>
+                    <a:bodyPr/>
+                    <a:lstStyle/>
+                    <a:p>
+                      <a:pPr marL="0" marR="0" indent="0" algn="l" defTabSz="914400" rtl="0" eaLnBrk="1" fontAlgn="auto" latinLnBrk="0" hangingPunct="1">
+                        <a:lnSpc>
+                          <a:spcPct val="100000"/>
+                        </a:lnSpc>
+                        <a:spcBef>
+                          <a:spcPts val="0"/>
+                        </a:spcBef>
+                        <a:spcAft>
+                          <a:spcPts val="0"/>
+                        </a:spcAft>
+                        <a:buClrTx/>
+                        <a:buSzTx/>
+                        <a:buFontTx/>
+                        <a:buNone/>
+                        <a:tabLst/>
+                        <a:defRPr/>
+                      </a:pPr>
+                      <a:r>
+                        <a:rPr lang="ru-RU" sz="1000" b="0" dirty="0" smtClean="0">
+                          <a:solidFill>
+                            <a:schemeClr val="tx1"/>
+                          </a:solidFill>
+                          <a:latin typeface="Times New Roman" pitchFamily="18" charset="0"/>
+                          <a:cs typeface="Times New Roman" pitchFamily="18" charset="0"/>
+                        </a:rPr>
+                        <a:t>параметр не передан в приложение при инициализации </a:t>
+                      </a:r>
+                    </a:p>
+                  </a:txBody>
+                  <a:tcPr>
+                    <a:lnL w="3175" cap="flat" cmpd="sng" algn="ctr">
+                      <a:solidFill>
+                        <a:schemeClr val="tx1"/>
+                      </a:solidFill>
+                      <a:prstDash val="solid"/>
+                      <a:round/>
+                      <a:headEnd type="none" w="med" len="med"/>
+                      <a:tailEnd type="none" w="med" len="med"/>
+                    </a:lnL>
+                    <a:lnR w="3175" cap="flat" cmpd="sng" algn="ctr">
+                      <a:solidFill>
+                        <a:schemeClr val="tx1"/>
+                      </a:solidFill>
+                      <a:prstDash val="solid"/>
+                      <a:round/>
+                      <a:headEnd type="none" w="med" len="med"/>
+                      <a:tailEnd type="none" w="med" len="med"/>
+                    </a:lnR>
+                    <a:lnT w="3175" cap="flat" cmpd="sng" algn="ctr">
+                      <a:solidFill>
+                        <a:schemeClr val="tx1"/>
+                      </a:solidFill>
+                      <a:prstDash val="solid"/>
+                      <a:round/>
+                      <a:headEnd type="none" w="med" len="med"/>
+                      <a:tailEnd type="none" w="med" len="med"/>
+                    </a:lnT>
+                    <a:lnB w="3175" cap="flat" cmpd="sng" algn="ctr">
+                      <a:solidFill>
+                        <a:schemeClr val="tx1"/>
+                      </a:solidFill>
+                      <a:prstDash val="solid"/>
+                      <a:round/>
+                      <a:headEnd type="none" w="med" len="med"/>
+                      <a:tailEnd type="none" w="med" len="med"/>
+                    </a:lnB>
+                    <a:noFill/>
+                  </a:tcPr>
+                </a:tc>
+              </a:tr>
+              <a:tr h="474454">
+                <a:tc>
+                  <a:txBody>
+                    <a:bodyPr/>
+                    <a:lstStyle/>
+                    <a:p>
+                      <a:r>
+                        <a:rPr lang="ru-RU" sz="1000" dirty="0" smtClean="0"/>
+                        <a:t>TEINCTYPE </a:t>
+                      </a:r>
+                      <a:endParaRPr lang="ru-RU" sz="1000" b="0" dirty="0">
+                        <a:solidFill>
+                          <a:schemeClr val="tx1"/>
+                        </a:solidFill>
+                      </a:endParaRPr>
+                    </a:p>
+                  </a:txBody>
+                  <a:tcPr>
+                    <a:lnL w="3175" cap="flat" cmpd="sng" algn="ctr">
+                      <a:solidFill>
+                        <a:schemeClr val="tx1"/>
+                      </a:solidFill>
+                      <a:prstDash val="solid"/>
+                      <a:round/>
+                      <a:headEnd type="none" w="med" len="med"/>
+                      <a:tailEnd type="none" w="med" len="med"/>
+                    </a:lnL>
+                    <a:lnR w="3175" cap="flat" cmpd="sng" algn="ctr">
+                      <a:solidFill>
+                        <a:schemeClr val="tx1"/>
+                      </a:solidFill>
+                      <a:prstDash val="solid"/>
+                      <a:round/>
+                      <a:headEnd type="none" w="med" len="med"/>
+                      <a:tailEnd type="none" w="med" len="med"/>
+                    </a:lnR>
+                    <a:lnT w="3175" cap="flat" cmpd="sng" algn="ctr">
+                      <a:solidFill>
+                        <a:schemeClr val="tx1"/>
+                      </a:solidFill>
+                      <a:prstDash val="solid"/>
+                      <a:round/>
+                      <a:headEnd type="none" w="med" len="med"/>
+                      <a:tailEnd type="none" w="med" len="med"/>
+                    </a:lnT>
+                    <a:lnB w="3175" cap="flat" cmpd="sng" algn="ctr">
+                      <a:solidFill>
+                        <a:schemeClr val="tx1"/>
+                      </a:solidFill>
+                      <a:prstDash val="solid"/>
+                      <a:round/>
+                      <a:headEnd type="none" w="med" len="med"/>
+                      <a:tailEnd type="none" w="med" len="med"/>
+                    </a:lnB>
+                    <a:noFill/>
+                  </a:tcPr>
+                </a:tc>
+                <a:tc>
+                  <a:txBody>
+                    <a:bodyPr/>
+                    <a:lstStyle/>
+                    <a:p>
+                      <a:r>
+                        <a:rPr lang="ru-RU" sz="1000" dirty="0" smtClean="0">
+                          <a:latin typeface="Times New Roman" pitchFamily="18" charset="0"/>
+                          <a:cs typeface="Times New Roman" pitchFamily="18" charset="0"/>
+                        </a:rPr>
+                        <a:t>невозможно привести запрошенный параметр к тому типу данных в котором его запросили </a:t>
+                      </a:r>
+                      <a:endParaRPr lang="ru-RU" sz="1000" b="0" dirty="0">
+                        <a:solidFill>
+                          <a:schemeClr val="tx1"/>
+                        </a:solidFill>
+                        <a:latin typeface="Times New Roman" pitchFamily="18" charset="0"/>
+                        <a:cs typeface="Times New Roman" pitchFamily="18" charset="0"/>
+                      </a:endParaRPr>
+                    </a:p>
+                  </a:txBody>
+                  <a:tcPr>
+                    <a:lnL w="3175" cap="flat" cmpd="sng" algn="ctr">
+                      <a:solidFill>
+                        <a:schemeClr val="tx1"/>
+                      </a:solidFill>
+                      <a:prstDash val="solid"/>
+                      <a:round/>
+                      <a:headEnd type="none" w="med" len="med"/>
+                      <a:tailEnd type="none" w="med" len="med"/>
+                    </a:lnL>
+                    <a:lnR w="3175" cap="flat" cmpd="sng" algn="ctr">
+                      <a:solidFill>
+                        <a:schemeClr val="tx1"/>
+                      </a:solidFill>
+                      <a:prstDash val="solid"/>
+                      <a:round/>
+                      <a:headEnd type="none" w="med" len="med"/>
+                      <a:tailEnd type="none" w="med" len="med"/>
+                    </a:lnR>
+                    <a:lnT w="3175" cap="flat" cmpd="sng" algn="ctr">
+                      <a:solidFill>
+                        <a:schemeClr val="tx1"/>
+                      </a:solidFill>
+                      <a:prstDash val="solid"/>
+                      <a:round/>
+                      <a:headEnd type="none" w="med" len="med"/>
+                      <a:tailEnd type="none" w="med" len="med"/>
+                    </a:lnT>
+                    <a:lnB w="3175" cap="flat" cmpd="sng" algn="ctr">
+                      <a:solidFill>
+                        <a:schemeClr val="tx1"/>
+                      </a:solidFill>
+                      <a:prstDash val="solid"/>
+                      <a:round/>
+                      <a:headEnd type="none" w="med" len="med"/>
+                      <a:tailEnd type="none" w="med" len="med"/>
+                    </a:lnB>
+                    <a:noFill/>
+                  </a:tcPr>
+                </a:tc>
+              </a:tr>
+              <a:tr h="210869">
+                <a:tc>
+                  <a:txBody>
+                    <a:bodyPr/>
+                    <a:lstStyle/>
+                    <a:p>
+                      <a:r>
+                        <a:rPr lang="ru-RU" sz="1000" dirty="0" smtClean="0"/>
+                        <a:t>TENOTSET </a:t>
+                      </a:r>
+                      <a:endParaRPr lang="ru-RU" sz="1000" b="0" dirty="0">
+                        <a:solidFill>
+                          <a:schemeClr val="tx1"/>
+                        </a:solidFill>
+                      </a:endParaRPr>
+                    </a:p>
+                  </a:txBody>
+                  <a:tcPr>
+                    <a:lnL w="3175" cap="flat" cmpd="sng" algn="ctr">
+                      <a:solidFill>
+                        <a:schemeClr val="tx1"/>
+                      </a:solidFill>
+                      <a:prstDash val="solid"/>
+                      <a:round/>
+                      <a:headEnd type="none" w="med" len="med"/>
+                      <a:tailEnd type="none" w="med" len="med"/>
+                    </a:lnL>
+                    <a:lnR w="3175" cap="flat" cmpd="sng" algn="ctr">
+                      <a:solidFill>
+                        <a:schemeClr val="tx1"/>
+                      </a:solidFill>
+                      <a:prstDash val="solid"/>
+                      <a:round/>
+                      <a:headEnd type="none" w="med" len="med"/>
+                      <a:tailEnd type="none" w="med" len="med"/>
+                    </a:lnR>
+                    <a:lnT w="3175" cap="flat" cmpd="sng" algn="ctr">
+                      <a:solidFill>
+                        <a:schemeClr val="tx1"/>
+                      </a:solidFill>
+                      <a:prstDash val="solid"/>
+                      <a:round/>
+                      <a:headEnd type="none" w="med" len="med"/>
+                      <a:tailEnd type="none" w="med" len="med"/>
+                    </a:lnT>
+                    <a:lnB w="3175" cap="flat" cmpd="sng" algn="ctr">
+                      <a:solidFill>
+                        <a:schemeClr val="tx1"/>
+                      </a:solidFill>
+                      <a:prstDash val="solid"/>
+                      <a:round/>
+                      <a:headEnd type="none" w="med" len="med"/>
+                      <a:tailEnd type="none" w="med" len="med"/>
+                    </a:lnB>
+                    <a:noFill/>
+                  </a:tcPr>
+                </a:tc>
+                <a:tc>
+                  <a:txBody>
+                    <a:bodyPr/>
+                    <a:lstStyle/>
+                    <a:p>
+                      <a:r>
+                        <a:rPr lang="ru-RU" sz="1000" dirty="0" smtClean="0">
+                          <a:latin typeface="Times New Roman" pitchFamily="18" charset="0"/>
+                          <a:cs typeface="Times New Roman" pitchFamily="18" charset="0"/>
+                        </a:rPr>
+                        <a:t>запрошенный параметр не установлен </a:t>
+                      </a:r>
+                      <a:endParaRPr lang="ru-RU" sz="1000" b="0" dirty="0">
+                        <a:solidFill>
+                          <a:schemeClr val="tx1"/>
+                        </a:solidFill>
+                        <a:latin typeface="Times New Roman" pitchFamily="18" charset="0"/>
+                        <a:cs typeface="Times New Roman" pitchFamily="18" charset="0"/>
+                      </a:endParaRPr>
+                    </a:p>
+                  </a:txBody>
+                  <a:tcPr>
+                    <a:lnL w="3175" cap="flat" cmpd="sng" algn="ctr">
+                      <a:solidFill>
+                        <a:schemeClr val="tx1"/>
+                      </a:solidFill>
+                      <a:prstDash val="solid"/>
+                      <a:round/>
+                      <a:headEnd type="none" w="med" len="med"/>
+                      <a:tailEnd type="none" w="med" len="med"/>
+                    </a:lnL>
+                    <a:lnR w="3175" cap="flat" cmpd="sng" algn="ctr">
+                      <a:solidFill>
+                        <a:schemeClr val="tx1"/>
+                      </a:solidFill>
+                      <a:prstDash val="solid"/>
+                      <a:round/>
+                      <a:headEnd type="none" w="med" len="med"/>
+                      <a:tailEnd type="none" w="med" len="med"/>
+                    </a:lnR>
+                    <a:lnT w="3175" cap="flat" cmpd="sng" algn="ctr">
+                      <a:solidFill>
+                        <a:schemeClr val="tx1"/>
+                      </a:solidFill>
+                      <a:prstDash val="solid"/>
+                      <a:round/>
+                      <a:headEnd type="none" w="med" len="med"/>
+                      <a:tailEnd type="none" w="med" len="med"/>
+                    </a:lnT>
+                    <a:lnB w="3175" cap="flat" cmpd="sng" algn="ctr">
+                      <a:solidFill>
+                        <a:schemeClr val="tx1"/>
+                      </a:solidFill>
+                      <a:prstDash val="solid"/>
+                      <a:round/>
+                      <a:headEnd type="none" w="med" len="med"/>
+                      <a:tailEnd type="none" w="med" len="med"/>
+                    </a:lnB>
+                    <a:noFill/>
+                  </a:tcPr>
+                </a:tc>
+              </a:tr>
+              <a:tr h="342662">
+                <a:tc>
+                  <a:txBody>
+                    <a:bodyPr/>
+                    <a:lstStyle/>
+                    <a:p>
+                      <a:r>
+                        <a:rPr lang="ru-RU" sz="1000" dirty="0" smtClean="0"/>
+                        <a:t>TENES </a:t>
+                      </a:r>
+                      <a:endParaRPr lang="ru-RU" sz="1000" b="0" dirty="0">
+                        <a:solidFill>
+                          <a:schemeClr val="tx1"/>
+                        </a:solidFill>
+                      </a:endParaRPr>
+                    </a:p>
+                  </a:txBody>
+                  <a:tcPr>
+                    <a:lnL w="3175" cap="flat" cmpd="sng" algn="ctr">
+                      <a:solidFill>
+                        <a:schemeClr val="tx1"/>
+                      </a:solidFill>
+                      <a:prstDash val="solid"/>
+                      <a:round/>
+                      <a:headEnd type="none" w="med" len="med"/>
+                      <a:tailEnd type="none" w="med" len="med"/>
+                    </a:lnL>
+                    <a:lnR w="3175" cap="flat" cmpd="sng" algn="ctr">
+                      <a:solidFill>
+                        <a:schemeClr val="tx1"/>
+                      </a:solidFill>
+                      <a:prstDash val="solid"/>
+                      <a:round/>
+                      <a:headEnd type="none" w="med" len="med"/>
+                      <a:tailEnd type="none" w="med" len="med"/>
+                    </a:lnR>
+                    <a:lnT w="3175" cap="flat" cmpd="sng" algn="ctr">
+                      <a:solidFill>
+                        <a:schemeClr val="tx1"/>
+                      </a:solidFill>
+                      <a:prstDash val="solid"/>
+                      <a:round/>
+                      <a:headEnd type="none" w="med" len="med"/>
+                      <a:tailEnd type="none" w="med" len="med"/>
+                    </a:lnT>
+                    <a:lnB w="3175" cap="flat" cmpd="sng" algn="ctr">
+                      <a:solidFill>
+                        <a:schemeClr val="tx1"/>
+                      </a:solidFill>
+                      <a:prstDash val="solid"/>
+                      <a:round/>
+                      <a:headEnd type="none" w="med" len="med"/>
+                      <a:tailEnd type="none" w="med" len="med"/>
+                    </a:lnB>
+                    <a:noFill/>
+                  </a:tcPr>
+                </a:tc>
+                <a:tc>
+                  <a:txBody>
+                    <a:bodyPr/>
+                    <a:lstStyle/>
+                    <a:p>
+                      <a:r>
+                        <a:rPr lang="ru-RU" sz="1000" dirty="0" smtClean="0">
+                          <a:latin typeface="Times New Roman" pitchFamily="18" charset="0"/>
+                          <a:cs typeface="Times New Roman" pitchFamily="18" charset="0"/>
+                        </a:rPr>
+                        <a:t>переданный буфер не достаточного размера </a:t>
+                      </a:r>
+                      <a:endParaRPr lang="ru-RU" sz="1000" b="0" dirty="0">
+                        <a:solidFill>
+                          <a:schemeClr val="tx1"/>
+                        </a:solidFill>
+                        <a:latin typeface="Times New Roman" pitchFamily="18" charset="0"/>
+                        <a:cs typeface="Times New Roman" pitchFamily="18" charset="0"/>
+                      </a:endParaRPr>
+                    </a:p>
+                  </a:txBody>
+                  <a:tcPr>
+                    <a:lnL w="3175" cap="flat" cmpd="sng" algn="ctr">
+                      <a:solidFill>
+                        <a:schemeClr val="tx1"/>
+                      </a:solidFill>
+                      <a:prstDash val="solid"/>
+                      <a:round/>
+                      <a:headEnd type="none" w="med" len="med"/>
+                      <a:tailEnd type="none" w="med" len="med"/>
+                    </a:lnL>
+                    <a:lnR w="3175" cap="flat" cmpd="sng" algn="ctr">
+                      <a:solidFill>
+                        <a:schemeClr val="tx1"/>
+                      </a:solidFill>
+                      <a:prstDash val="solid"/>
+                      <a:round/>
+                      <a:headEnd type="none" w="med" len="med"/>
+                      <a:tailEnd type="none" w="med" len="med"/>
+                    </a:lnR>
+                    <a:lnT w="3175" cap="flat" cmpd="sng" algn="ctr">
+                      <a:solidFill>
+                        <a:schemeClr val="tx1"/>
+                      </a:solidFill>
+                      <a:prstDash val="solid"/>
+                      <a:round/>
+                      <a:headEnd type="none" w="med" len="med"/>
+                      <a:tailEnd type="none" w="med" len="med"/>
+                    </a:lnT>
+                    <a:lnB w="3175" cap="flat" cmpd="sng" algn="ctr">
+                      <a:solidFill>
+                        <a:schemeClr val="tx1"/>
+                      </a:solidFill>
+                      <a:prstDash val="solid"/>
+                      <a:round/>
+                      <a:headEnd type="none" w="med" len="med"/>
+                      <a:tailEnd type="none" w="med" len="med"/>
+                    </a:lnB>
+                    <a:noFill/>
+                  </a:tcPr>
+                </a:tc>
+              </a:tr>
+            </a:tbl>
+          </a:graphicData>
+        </a:graphic>
+      </p:graphicFrame>
+      <p:sp>
+        <p:nvSpPr>
+          <p:cNvPr id="45" name="TextBox 44"/>
+          <p:cNvSpPr txBox="1"/>
+          <p:nvPr/>
+        </p:nvSpPr>
+        <p:spPr>
+          <a:xfrm>
+            <a:off x="701860" y="4621421"/>
+            <a:ext cx="2941446" cy="307777"/>
+          </a:xfrm>
+          <a:prstGeom prst="rect">
+            <a:avLst/>
+          </a:prstGeom>
+          <a:noFill/>
+        </p:spPr>
+        <p:txBody>
+          <a:bodyPr wrap="none" rtlCol="0">
+            <a:spAutoFit/>
+          </a:bodyPr>
+          <a:lstStyle/>
+          <a:p>
+            <a:r>
+              <a:rPr lang="ru-RU" sz="1400" dirty="0" smtClean="0">
+                <a:latin typeface="Times New Roman" pitchFamily="18" charset="0"/>
+                <a:cs typeface="Times New Roman" pitchFamily="18" charset="0"/>
+              </a:rPr>
+              <a:t>Сообщения об ошибках при выводе</a:t>
+            </a:r>
+          </a:p>
+        </p:txBody>
+      </p:sp>
+      <p:sp>
+        <p:nvSpPr>
+          <p:cNvPr id="46" name="TextBox 45"/>
+          <p:cNvSpPr txBox="1"/>
+          <p:nvPr/>
+        </p:nvSpPr>
+        <p:spPr>
+          <a:xfrm>
+            <a:off x="4714876" y="3857628"/>
+            <a:ext cx="4178067" cy="307777"/>
+          </a:xfrm>
+          <a:prstGeom prst="rect">
+            <a:avLst/>
+          </a:prstGeom>
+        </p:spPr>
+        <p:txBody>
+          <a:bodyPr wrap="none" rtlCol="0">
+            <a:spAutoFit/>
+          </a:bodyPr>
+          <a:lstStyle/>
+          <a:p>
+            <a:r>
+              <a:rPr lang="ru-RU" sz="1400" dirty="0" smtClean="0">
+                <a:latin typeface="Times New Roman" pitchFamily="18" charset="0"/>
+                <a:cs typeface="Times New Roman" pitchFamily="18" charset="0"/>
+              </a:rPr>
+              <a:t>Сообщения </a:t>
+            </a:r>
+            <a:r>
+              <a:rPr lang="ru-RU" sz="1400" dirty="0" smtClean="0">
+                <a:latin typeface="Times New Roman" pitchFamily="18" charset="0"/>
+                <a:cs typeface="Times New Roman" pitchFamily="18" charset="0"/>
+              </a:rPr>
+              <a:t>об ошибках при получении параметров </a:t>
+            </a:r>
+          </a:p>
+        </p:txBody>
+      </p:sp>
+      <p:graphicFrame>
+        <p:nvGraphicFramePr>
+          <p:cNvPr id="47" name="Таблица 46"/>
+          <p:cNvGraphicFramePr>
+            <a:graphicFrameLocks noGrp="1"/>
+          </p:cNvGraphicFramePr>
+          <p:nvPr/>
+        </p:nvGraphicFramePr>
+        <p:xfrm>
+          <a:off x="500034" y="5035886"/>
+          <a:ext cx="3357586" cy="1036320"/>
+        </p:xfrm>
+        <a:graphic>
+          <a:graphicData uri="http://schemas.openxmlformats.org/drawingml/2006/table">
+            <a:tbl>
+              <a:tblPr firstRow="1" bandRow="1">
+                <a:tableStyleId>{5C22544A-7EE6-4342-B048-85BDC9FD1C3A}</a:tableStyleId>
+              </a:tblPr>
+              <a:tblGrid>
+                <a:gridCol w="857256"/>
+                <a:gridCol w="2500330"/>
+              </a:tblGrid>
+              <a:tr h="125017">
+                <a:tc>
+                  <a:txBody>
+                    <a:bodyPr/>
+                    <a:lstStyle/>
+                    <a:p>
+                      <a:r>
+                        <a:rPr lang="ru-RU" sz="1000" b="0" kern="1200" dirty="0" smtClean="0">
+                          <a:solidFill>
+                            <a:schemeClr val="tx1"/>
+                          </a:solidFill>
+                          <a:latin typeface="+mn-lt"/>
+                          <a:ea typeface="+mn-ea"/>
+                          <a:cs typeface="+mn-cs"/>
+                        </a:rPr>
+                        <a:t>TENOFREEID </a:t>
+                      </a:r>
+                    </a:p>
+                  </a:txBody>
+                  <a:tcPr>
+                    <a:lnL w="3175" cap="flat" cmpd="sng" algn="ctr">
+                      <a:solidFill>
+                        <a:schemeClr val="tx1"/>
+                      </a:solidFill>
+                      <a:prstDash val="solid"/>
+                      <a:round/>
+                      <a:headEnd type="none" w="med" len="med"/>
+                      <a:tailEnd type="none" w="med" len="med"/>
+                    </a:lnL>
+                    <a:lnR w="3175" cap="flat" cmpd="sng" algn="ctr">
+                      <a:solidFill>
+                        <a:schemeClr val="tx1"/>
+                      </a:solidFill>
+                      <a:prstDash val="solid"/>
+                      <a:round/>
+                      <a:headEnd type="none" w="med" len="med"/>
+                      <a:tailEnd type="none" w="med" len="med"/>
+                    </a:lnR>
+                    <a:lnT w="3175" cap="flat" cmpd="sng" algn="ctr">
+                      <a:solidFill>
+                        <a:schemeClr val="tx1"/>
+                      </a:solidFill>
+                      <a:prstDash val="solid"/>
+                      <a:round/>
+                      <a:headEnd type="none" w="med" len="med"/>
+                      <a:tailEnd type="none" w="med" len="med"/>
+                    </a:lnT>
+                    <a:lnB w="3175" cap="flat" cmpd="sng" algn="ctr">
+                      <a:solidFill>
+                        <a:schemeClr val="tx1"/>
+                      </a:solidFill>
+                      <a:prstDash val="solid"/>
+                      <a:round/>
+                      <a:headEnd type="none" w="med" len="med"/>
+                      <a:tailEnd type="none" w="med" len="med"/>
+                    </a:lnB>
+                    <a:noFill/>
+                  </a:tcPr>
+                </a:tc>
+                <a:tc>
+                  <a:txBody>
+                    <a:bodyPr/>
+                    <a:lstStyle/>
+                    <a:p>
+                      <a:pPr marL="0" marR="0" indent="0" algn="l" defTabSz="914400" rtl="0" eaLnBrk="1" fontAlgn="auto" latinLnBrk="0" hangingPunct="1">
+                        <a:lnSpc>
+                          <a:spcPct val="100000"/>
+                        </a:lnSpc>
+                        <a:spcBef>
+                          <a:spcPts val="0"/>
+                        </a:spcBef>
+                        <a:spcAft>
+                          <a:spcPts val="0"/>
+                        </a:spcAft>
+                        <a:buClrTx/>
+                        <a:buSzTx/>
+                        <a:buFontTx/>
+                        <a:buNone/>
+                        <a:tabLst/>
+                        <a:defRPr/>
+                      </a:pPr>
+                      <a:r>
+                        <a:rPr lang="ru-RU" sz="1000" b="0" kern="1200" dirty="0" smtClean="0">
+                          <a:solidFill>
+                            <a:schemeClr val="tx1"/>
+                          </a:solidFill>
+                          <a:latin typeface="+mn-lt"/>
+                          <a:ea typeface="+mn-ea"/>
+                          <a:cs typeface="+mn-cs"/>
+                        </a:rPr>
+                        <a:t>нет свободного идентификатора для  структуры</a:t>
+                      </a:r>
+                    </a:p>
+                  </a:txBody>
+                  <a:tcPr>
+                    <a:lnL w="3175" cap="flat" cmpd="sng" algn="ctr">
+                      <a:solidFill>
+                        <a:schemeClr val="tx1"/>
+                      </a:solidFill>
+                      <a:prstDash val="solid"/>
+                      <a:round/>
+                      <a:headEnd type="none" w="med" len="med"/>
+                      <a:tailEnd type="none" w="med" len="med"/>
+                    </a:lnL>
+                    <a:lnR w="3175" cap="flat" cmpd="sng" algn="ctr">
+                      <a:solidFill>
+                        <a:schemeClr val="tx1"/>
+                      </a:solidFill>
+                      <a:prstDash val="solid"/>
+                      <a:round/>
+                      <a:headEnd type="none" w="med" len="med"/>
+                      <a:tailEnd type="none" w="med" len="med"/>
+                    </a:lnR>
+                    <a:lnT w="3175" cap="flat" cmpd="sng" algn="ctr">
+                      <a:solidFill>
+                        <a:schemeClr val="tx1"/>
+                      </a:solidFill>
+                      <a:prstDash val="solid"/>
+                      <a:round/>
+                      <a:headEnd type="none" w="med" len="med"/>
+                      <a:tailEnd type="none" w="med" len="med"/>
+                    </a:lnT>
+                    <a:lnB w="3175" cap="flat" cmpd="sng" algn="ctr">
+                      <a:solidFill>
+                        <a:schemeClr val="tx1"/>
+                      </a:solidFill>
+                      <a:prstDash val="solid"/>
+                      <a:round/>
+                      <a:headEnd type="none" w="med" len="med"/>
+                      <a:tailEnd type="none" w="med" len="med"/>
+                    </a:lnB>
+                    <a:noFill/>
+                  </a:tcPr>
+                </a:tc>
+              </a:tr>
+              <a:tr h="125017">
+                <a:tc>
+                  <a:txBody>
+                    <a:bodyPr/>
+                    <a:lstStyle/>
+                    <a:p>
+                      <a:r>
+                        <a:rPr lang="ru-RU" sz="1000" dirty="0" smtClean="0"/>
+                        <a:t>TEINVAL </a:t>
+                      </a:r>
+                      <a:endParaRPr lang="ru-RU" sz="1000" b="0" dirty="0">
+                        <a:solidFill>
+                          <a:schemeClr val="tx1"/>
+                        </a:solidFill>
+                      </a:endParaRPr>
+                    </a:p>
+                  </a:txBody>
+                  <a:tcPr>
+                    <a:lnL w="3175" cap="flat" cmpd="sng" algn="ctr">
+                      <a:solidFill>
+                        <a:schemeClr val="tx1"/>
+                      </a:solidFill>
+                      <a:prstDash val="solid"/>
+                      <a:round/>
+                      <a:headEnd type="none" w="med" len="med"/>
+                      <a:tailEnd type="none" w="med" len="med"/>
+                    </a:lnL>
+                    <a:lnR w="3175" cap="flat" cmpd="sng" algn="ctr">
+                      <a:solidFill>
+                        <a:schemeClr val="tx1"/>
+                      </a:solidFill>
+                      <a:prstDash val="solid"/>
+                      <a:round/>
+                      <a:headEnd type="none" w="med" len="med"/>
+                      <a:tailEnd type="none" w="med" len="med"/>
+                    </a:lnR>
+                    <a:lnT w="3175" cap="flat" cmpd="sng" algn="ctr">
+                      <a:solidFill>
+                        <a:schemeClr val="tx1"/>
+                      </a:solidFill>
+                      <a:prstDash val="solid"/>
+                      <a:round/>
+                      <a:headEnd type="none" w="med" len="med"/>
+                      <a:tailEnd type="none" w="med" len="med"/>
+                    </a:lnT>
+                    <a:lnB w="3175" cap="flat" cmpd="sng" algn="ctr">
+                      <a:solidFill>
+                        <a:schemeClr val="tx1"/>
+                      </a:solidFill>
+                      <a:prstDash val="solid"/>
+                      <a:round/>
+                      <a:headEnd type="none" w="med" len="med"/>
+                      <a:tailEnd type="none" w="med" len="med"/>
+                    </a:lnB>
+                    <a:noFill/>
+                  </a:tcPr>
+                </a:tc>
+                <a:tc>
+                  <a:txBody>
+                    <a:bodyPr/>
+                    <a:lstStyle/>
+                    <a:p>
+                      <a:r>
+                        <a:rPr lang="ru-RU" sz="1000" dirty="0" smtClean="0"/>
+                        <a:t>неправильные параметры функции</a:t>
+                      </a:r>
+                      <a:endParaRPr lang="ru-RU" sz="1000" b="0" dirty="0">
+                        <a:solidFill>
+                          <a:schemeClr val="tx1"/>
+                        </a:solidFill>
+                      </a:endParaRPr>
+                    </a:p>
+                  </a:txBody>
+                  <a:tcPr>
+                    <a:lnL w="3175" cap="flat" cmpd="sng" algn="ctr">
+                      <a:solidFill>
+                        <a:schemeClr val="tx1"/>
+                      </a:solidFill>
+                      <a:prstDash val="solid"/>
+                      <a:round/>
+                      <a:headEnd type="none" w="med" len="med"/>
+                      <a:tailEnd type="none" w="med" len="med"/>
+                    </a:lnL>
+                    <a:lnR w="3175" cap="flat" cmpd="sng" algn="ctr">
+                      <a:solidFill>
+                        <a:schemeClr val="tx1"/>
+                      </a:solidFill>
+                      <a:prstDash val="solid"/>
+                      <a:round/>
+                      <a:headEnd type="none" w="med" len="med"/>
+                      <a:tailEnd type="none" w="med" len="med"/>
+                    </a:lnR>
+                    <a:lnT w="3175" cap="flat" cmpd="sng" algn="ctr">
+                      <a:solidFill>
+                        <a:schemeClr val="tx1"/>
+                      </a:solidFill>
+                      <a:prstDash val="solid"/>
+                      <a:round/>
+                      <a:headEnd type="none" w="med" len="med"/>
+                      <a:tailEnd type="none" w="med" len="med"/>
+                    </a:lnT>
+                    <a:lnB w="3175" cap="flat" cmpd="sng" algn="ctr">
+                      <a:solidFill>
+                        <a:schemeClr val="tx1"/>
+                      </a:solidFill>
+                      <a:prstDash val="solid"/>
+                      <a:round/>
+                      <a:headEnd type="none" w="med" len="med"/>
+                      <a:tailEnd type="none" w="med" len="med"/>
+                    </a:lnB>
+                    <a:noFill/>
+                  </a:tcPr>
+                </a:tc>
+              </a:tr>
+              <a:tr h="125017">
+                <a:tc>
+                  <a:txBody>
+                    <a:bodyPr/>
+                    <a:lstStyle/>
+                    <a:p>
+                      <a:r>
+                        <a:rPr lang="ru-RU" sz="1000" dirty="0" smtClean="0"/>
+                        <a:t>TEINTMC </a:t>
+                      </a:r>
+                      <a:endParaRPr lang="ru-RU" sz="1000" b="0" dirty="0">
+                        <a:solidFill>
+                          <a:schemeClr val="tx1"/>
+                        </a:solidFill>
+                      </a:endParaRPr>
+                    </a:p>
+                  </a:txBody>
+                  <a:tcPr>
+                    <a:lnL w="3175" cap="flat" cmpd="sng" algn="ctr">
+                      <a:solidFill>
+                        <a:schemeClr val="tx1"/>
+                      </a:solidFill>
+                      <a:prstDash val="solid"/>
+                      <a:round/>
+                      <a:headEnd type="none" w="med" len="med"/>
+                      <a:tailEnd type="none" w="med" len="med"/>
+                    </a:lnL>
+                    <a:lnR w="3175" cap="flat" cmpd="sng" algn="ctr">
+                      <a:solidFill>
+                        <a:schemeClr val="tx1"/>
+                      </a:solidFill>
+                      <a:prstDash val="solid"/>
+                      <a:round/>
+                      <a:headEnd type="none" w="med" len="med"/>
+                      <a:tailEnd type="none" w="med" len="med"/>
+                    </a:lnR>
+                    <a:lnT w="3175" cap="flat" cmpd="sng" algn="ctr">
+                      <a:solidFill>
+                        <a:schemeClr val="tx1"/>
+                      </a:solidFill>
+                      <a:prstDash val="solid"/>
+                      <a:round/>
+                      <a:headEnd type="none" w="med" len="med"/>
+                      <a:tailEnd type="none" w="med" len="med"/>
+                    </a:lnT>
+                    <a:lnB w="3175" cap="flat" cmpd="sng" algn="ctr">
+                      <a:solidFill>
+                        <a:schemeClr val="tx1"/>
+                      </a:solidFill>
+                      <a:prstDash val="solid"/>
+                      <a:round/>
+                      <a:headEnd type="none" w="med" len="med"/>
+                      <a:tailEnd type="none" w="med" len="med"/>
+                    </a:lnB>
+                    <a:noFill/>
+                  </a:tcPr>
+                </a:tc>
+                <a:tc>
+                  <a:txBody>
+                    <a:bodyPr/>
+                    <a:lstStyle/>
+                    <a:p>
+                      <a:r>
+                        <a:rPr lang="ru-RU" sz="1000" dirty="0" smtClean="0"/>
+                        <a:t>непредвиденное состояние  внутренних переменных библиотеки</a:t>
+                      </a:r>
+                      <a:endParaRPr lang="ru-RU" sz="1000" b="0" dirty="0">
+                        <a:solidFill>
+                          <a:schemeClr val="tx1"/>
+                        </a:solidFill>
+                      </a:endParaRPr>
+                    </a:p>
+                  </a:txBody>
+                  <a:tcPr>
+                    <a:lnL w="3175" cap="flat" cmpd="sng" algn="ctr">
+                      <a:solidFill>
+                        <a:schemeClr val="tx1"/>
+                      </a:solidFill>
+                      <a:prstDash val="solid"/>
+                      <a:round/>
+                      <a:headEnd type="none" w="med" len="med"/>
+                      <a:tailEnd type="none" w="med" len="med"/>
+                    </a:lnL>
+                    <a:lnR w="3175" cap="flat" cmpd="sng" algn="ctr">
+                      <a:solidFill>
+                        <a:schemeClr val="tx1"/>
+                      </a:solidFill>
+                      <a:prstDash val="solid"/>
+                      <a:round/>
+                      <a:headEnd type="none" w="med" len="med"/>
+                      <a:tailEnd type="none" w="med" len="med"/>
+                    </a:lnR>
+                    <a:lnT w="3175" cap="flat" cmpd="sng" algn="ctr">
+                      <a:solidFill>
+                        <a:schemeClr val="tx1"/>
+                      </a:solidFill>
+                      <a:prstDash val="solid"/>
+                      <a:round/>
+                      <a:headEnd type="none" w="med" len="med"/>
+                      <a:tailEnd type="none" w="med" len="med"/>
+                    </a:lnT>
+                    <a:lnB w="3175" cap="flat" cmpd="sng" algn="ctr">
+                      <a:solidFill>
+                        <a:schemeClr val="tx1"/>
+                      </a:solidFill>
+                      <a:prstDash val="solid"/>
+                      <a:round/>
+                      <a:headEnd type="none" w="med" len="med"/>
+                      <a:tailEnd type="none" w="med" len="med"/>
+                    </a:lnB>
+                    <a:noFill/>
+                  </a:tcPr>
+                </a:tc>
+              </a:tr>
+            </a:tbl>
+          </a:graphicData>
+        </a:graphic>
+      </p:graphicFrame>
+      <p:sp>
+        <p:nvSpPr>
+          <p:cNvPr id="48" name="TextBox 47"/>
+          <p:cNvSpPr txBox="1"/>
+          <p:nvPr/>
+        </p:nvSpPr>
+        <p:spPr>
+          <a:xfrm>
+            <a:off x="5485253" y="1478149"/>
+            <a:ext cx="1921039" cy="307777"/>
+          </a:xfrm>
+          <a:prstGeom prst="rect">
+            <a:avLst/>
+          </a:prstGeom>
+          <a:noFill/>
+        </p:spPr>
+        <p:txBody>
+          <a:bodyPr wrap="none" rtlCol="0">
+            <a:spAutoFit/>
+          </a:bodyPr>
+          <a:lstStyle/>
+          <a:p>
+            <a:r>
+              <a:rPr lang="ru-RU" sz="1400" dirty="0" smtClean="0">
+                <a:latin typeface="Times New Roman" pitchFamily="18" charset="0"/>
+                <a:cs typeface="Times New Roman" pitchFamily="18" charset="0"/>
+              </a:rPr>
+              <a:t>Код</a:t>
+            </a:r>
+            <a:r>
+              <a:rPr lang="ru-RU" sz="1400" dirty="0" smtClean="0">
+                <a:latin typeface="Times New Roman" pitchFamily="18" charset="0"/>
+                <a:cs typeface="Times New Roman" pitchFamily="18" charset="0"/>
+              </a:rPr>
+              <a:t>ы</a:t>
+            </a:r>
+            <a:r>
+              <a:rPr lang="ru-RU" sz="1400" dirty="0" smtClean="0">
+                <a:latin typeface="Times New Roman" pitchFamily="18" charset="0"/>
+                <a:cs typeface="Times New Roman" pitchFamily="18" charset="0"/>
+              </a:rPr>
+              <a:t> </a:t>
+            </a:r>
+            <a:r>
+              <a:rPr lang="ru-RU" sz="1400" dirty="0" smtClean="0">
+                <a:latin typeface="Times New Roman" pitchFamily="18" charset="0"/>
+                <a:cs typeface="Times New Roman" pitchFamily="18" charset="0"/>
+              </a:rPr>
+              <a:t>параметра </a:t>
+            </a:r>
+            <a:r>
+              <a:rPr lang="en-US" sz="1400" b="1" dirty="0" smtClean="0">
+                <a:latin typeface="+mj-lt"/>
+                <a:cs typeface="Times New Roman" pitchFamily="18" charset="0"/>
+              </a:rPr>
+              <a:t>status</a:t>
+            </a:r>
+            <a:endParaRPr lang="ru-RU" sz="1400" b="1" dirty="0" smtClean="0">
+              <a:latin typeface="+mj-lt"/>
+              <a:cs typeface="Times New Roman" pitchFamily="18" charset="0"/>
+            </a:endParaRPr>
+          </a:p>
+        </p:txBody>
+      </p:sp>
     </p:spTree>
   </p:cSld>
   <p:clrMapOvr>
@@ -12603,40 +15408,9 @@
                 <a:latin typeface="Times New Roman" pitchFamily="18" charset="0"/>
                 <a:cs typeface="Times New Roman" pitchFamily="18" charset="0"/>
               </a:rPr>
-              <a:t>Функция инициализации библиотеки</a:t>
+              <a:t>Функции строчного и табличного вывода</a:t>
             </a:r>
             <a:endParaRPr lang="ru-RU" sz="2600" dirty="0">
-              <a:latin typeface="Times New Roman" pitchFamily="18" charset="0"/>
-              <a:cs typeface="Times New Roman" pitchFamily="18" charset="0"/>
-            </a:endParaRPr>
-          </a:p>
-        </p:txBody>
-      </p:sp>
-      <p:sp>
-        <p:nvSpPr>
-          <p:cNvPr id="5" name="Содержимое 4"/>
-          <p:cNvSpPr>
-            <a:spLocks noGrp="1"/>
-          </p:cNvSpPr>
-          <p:nvPr>
-            <p:ph idx="1"/>
-          </p:nvPr>
-        </p:nvSpPr>
-        <p:spPr/>
-        <p:txBody>
-          <a:bodyPr>
-            <a:normAutofit/>
-          </a:bodyPr>
-          <a:lstStyle/>
-          <a:p>
-            <a:r>
-              <a:rPr lang="ru-RU" sz="1800" dirty="0" smtClean="0">
-                <a:latin typeface="Times New Roman" pitchFamily="18" charset="0"/>
-                <a:cs typeface="Times New Roman" pitchFamily="18" charset="0"/>
-              </a:rPr>
-              <a:t>Функция инициализирует работу библиотеки и производит разбор параметров переданных вместе с командной строкой.</a:t>
-            </a:r>
-            <a:endParaRPr lang="ru-RU" sz="1800" dirty="0">
               <a:latin typeface="Times New Roman" pitchFamily="18" charset="0"/>
               <a:cs typeface="Times New Roman" pitchFamily="18" charset="0"/>
             </a:endParaRPr>
@@ -12839,7 +15613,10 @@
             <a:avLst/>
           </a:prstGeom>
           <a:solidFill>
-            <a:schemeClr val="bg1"/>
+            <a:schemeClr val="accent3">
+              <a:lumMod val="60000"/>
+              <a:lumOff val="40000"/>
+            </a:schemeClr>
           </a:solidFill>
           <a:ln>
             <a:solidFill>
@@ -12896,10 +15673,7 @@
             <a:avLst/>
           </a:prstGeom>
           <a:solidFill>
-            <a:schemeClr val="accent3">
-              <a:lumMod val="60000"/>
-              <a:lumOff val="40000"/>
-            </a:schemeClr>
+            <a:schemeClr val="bg1"/>
           </a:solidFill>
           <a:ln>
             <a:solidFill>
@@ -13225,6 +15999,2658 @@
           </a:fontRef>
         </p:style>
       </p:cxnSp>
+      <p:sp>
+        <p:nvSpPr>
+          <p:cNvPr id="18" name="TextBox 17"/>
+          <p:cNvSpPr txBox="1"/>
+          <p:nvPr/>
+        </p:nvSpPr>
+        <p:spPr>
+          <a:xfrm>
+            <a:off x="571472" y="2047394"/>
+            <a:ext cx="1824538" cy="369332"/>
+          </a:xfrm>
+          <a:prstGeom prst="rect">
+            <a:avLst/>
+          </a:prstGeom>
+          <a:noFill/>
+        </p:spPr>
+        <p:txBody>
+          <a:bodyPr wrap="none" rtlCol="0">
+            <a:spAutoFit/>
+          </a:bodyPr>
+          <a:lstStyle/>
+          <a:p>
+            <a:r>
+              <a:rPr lang="ru-RU" dirty="0" smtClean="0">
+                <a:latin typeface="Times New Roman" pitchFamily="18" charset="0"/>
+                <a:cs typeface="Times New Roman" pitchFamily="18" charset="0"/>
+              </a:rPr>
+              <a:t>Строчный вывод</a:t>
+            </a:r>
+            <a:endParaRPr lang="ru-RU" dirty="0">
+              <a:latin typeface="Times New Roman" pitchFamily="18" charset="0"/>
+              <a:cs typeface="Times New Roman" pitchFamily="18" charset="0"/>
+            </a:endParaRPr>
+          </a:p>
+        </p:txBody>
+      </p:sp>
+      <p:sp>
+        <p:nvSpPr>
+          <p:cNvPr id="20" name="TextBox 19"/>
+          <p:cNvSpPr txBox="1"/>
+          <p:nvPr/>
+        </p:nvSpPr>
+        <p:spPr>
+          <a:xfrm>
+            <a:off x="571472" y="4547724"/>
+            <a:ext cx="1935145" cy="369332"/>
+          </a:xfrm>
+          <a:prstGeom prst="rect">
+            <a:avLst/>
+          </a:prstGeom>
+          <a:noFill/>
+        </p:spPr>
+        <p:txBody>
+          <a:bodyPr wrap="none" rtlCol="0">
+            <a:spAutoFit/>
+          </a:bodyPr>
+          <a:lstStyle/>
+          <a:p>
+            <a:r>
+              <a:rPr lang="ru-RU" dirty="0" smtClean="0">
+                <a:latin typeface="Times New Roman" pitchFamily="18" charset="0"/>
+                <a:cs typeface="Times New Roman" pitchFamily="18" charset="0"/>
+              </a:rPr>
+              <a:t>Табличный вывод</a:t>
+            </a:r>
+          </a:p>
+        </p:txBody>
+      </p:sp>
+      <p:sp>
+        <p:nvSpPr>
+          <p:cNvPr id="22" name="TextBox 21"/>
+          <p:cNvSpPr txBox="1"/>
+          <p:nvPr/>
+        </p:nvSpPr>
+        <p:spPr>
+          <a:xfrm>
+            <a:off x="571472" y="2404584"/>
+            <a:ext cx="4458272" cy="2246769"/>
+          </a:xfrm>
+          <a:prstGeom prst="rect">
+            <a:avLst/>
+          </a:prstGeom>
+          <a:noFill/>
+        </p:spPr>
+        <p:txBody>
+          <a:bodyPr wrap="none" rtlCol="0">
+            <a:spAutoFit/>
+          </a:bodyPr>
+          <a:lstStyle/>
+          <a:p>
+            <a:r>
+              <a:rPr lang="ru-RU" sz="1400" dirty="0" err="1" smtClean="0">
+                <a:latin typeface="Consolas" pitchFamily="49" charset="0"/>
+              </a:rPr>
+              <a:t>int</a:t>
+            </a:r>
+            <a:r>
+              <a:rPr lang="ru-RU" sz="1400" dirty="0" smtClean="0">
+                <a:latin typeface="Consolas" pitchFamily="49" charset="0"/>
+              </a:rPr>
+              <a:t> </a:t>
+            </a:r>
+            <a:r>
+              <a:rPr lang="ru-RU" sz="1400" dirty="0" err="1" smtClean="0">
+                <a:latin typeface="Consolas" pitchFamily="49" charset="0"/>
+              </a:rPr>
+              <a:t>tioPrint</a:t>
+            </a:r>
+            <a:r>
+              <a:rPr lang="ru-RU" sz="1400" dirty="0" smtClean="0">
+                <a:latin typeface="Consolas" pitchFamily="49" charset="0"/>
+              </a:rPr>
+              <a:t>(</a:t>
+            </a:r>
+            <a:r>
+              <a:rPr lang="ru-RU" sz="1400" dirty="0" err="1" smtClean="0">
+                <a:latin typeface="Consolas" pitchFamily="49" charset="0"/>
+              </a:rPr>
+              <a:t>const</a:t>
+            </a:r>
+            <a:r>
+              <a:rPr lang="ru-RU" sz="1400" dirty="0" smtClean="0">
+                <a:latin typeface="Consolas" pitchFamily="49" charset="0"/>
+              </a:rPr>
+              <a:t> </a:t>
+            </a:r>
+            <a:r>
+              <a:rPr lang="ru-RU" sz="1400" dirty="0" err="1" smtClean="0">
+                <a:latin typeface="Consolas" pitchFamily="49" charset="0"/>
+              </a:rPr>
+              <a:t>char</a:t>
+            </a:r>
+            <a:r>
+              <a:rPr lang="ru-RU" sz="1400" dirty="0" smtClean="0">
+                <a:latin typeface="Consolas" pitchFamily="49" charset="0"/>
+              </a:rPr>
+              <a:t> * </a:t>
+            </a:r>
+            <a:r>
+              <a:rPr lang="ru-RU" sz="1400" dirty="0" err="1" smtClean="0">
+                <a:latin typeface="Consolas" pitchFamily="49" charset="0"/>
+              </a:rPr>
+              <a:t>message</a:t>
+            </a:r>
+            <a:r>
+              <a:rPr lang="ru-RU" sz="1400" dirty="0" smtClean="0">
+                <a:latin typeface="Consolas" pitchFamily="49" charset="0"/>
+              </a:rPr>
+              <a:t>)  </a:t>
+            </a:r>
+          </a:p>
+          <a:p>
+            <a:r>
+              <a:rPr lang="ru-RU" sz="1400" dirty="0" err="1" smtClean="0">
+                <a:latin typeface="Consolas" pitchFamily="49" charset="0"/>
+              </a:rPr>
+              <a:t>int</a:t>
+            </a:r>
+            <a:r>
+              <a:rPr lang="ru-RU" sz="1400" dirty="0" smtClean="0">
+                <a:latin typeface="Consolas" pitchFamily="49" charset="0"/>
+              </a:rPr>
+              <a:t> </a:t>
+            </a:r>
+            <a:r>
+              <a:rPr lang="ru-RU" sz="1400" dirty="0" err="1" smtClean="0">
+                <a:latin typeface="Consolas" pitchFamily="49" charset="0"/>
+              </a:rPr>
+              <a:t>tioPrintF</a:t>
+            </a:r>
+            <a:r>
+              <a:rPr lang="ru-RU" sz="1400" dirty="0" smtClean="0">
+                <a:latin typeface="Consolas" pitchFamily="49" charset="0"/>
+              </a:rPr>
+              <a:t>(</a:t>
+            </a:r>
+            <a:r>
+              <a:rPr lang="ru-RU" sz="1400" dirty="0" err="1" smtClean="0">
+                <a:latin typeface="Consolas" pitchFamily="49" charset="0"/>
+              </a:rPr>
+              <a:t>const</a:t>
+            </a:r>
+            <a:r>
+              <a:rPr lang="ru-RU" sz="1400" dirty="0" smtClean="0">
+                <a:latin typeface="Consolas" pitchFamily="49" charset="0"/>
+              </a:rPr>
+              <a:t> </a:t>
+            </a:r>
+            <a:r>
+              <a:rPr lang="ru-RU" sz="1400" dirty="0" err="1" smtClean="0">
+                <a:latin typeface="Consolas" pitchFamily="49" charset="0"/>
+              </a:rPr>
+              <a:t>char</a:t>
+            </a:r>
+            <a:r>
+              <a:rPr lang="ru-RU" sz="1400" dirty="0" smtClean="0">
+                <a:latin typeface="Consolas" pitchFamily="49" charset="0"/>
+              </a:rPr>
+              <a:t>* </a:t>
+            </a:r>
+            <a:r>
+              <a:rPr lang="ru-RU" sz="1400" dirty="0" err="1" smtClean="0">
+                <a:latin typeface="Consolas" pitchFamily="49" charset="0"/>
+              </a:rPr>
+              <a:t>template</a:t>
+            </a:r>
+            <a:r>
+              <a:rPr lang="ru-RU" sz="1400" dirty="0" smtClean="0">
+                <a:latin typeface="Consolas" pitchFamily="49" charset="0"/>
+              </a:rPr>
+              <a:t>, ... ) </a:t>
+            </a:r>
+          </a:p>
+          <a:p>
+            <a:r>
+              <a:rPr lang="ru-RU" sz="1400" dirty="0" err="1" smtClean="0">
+                <a:latin typeface="Consolas" pitchFamily="49" charset="0"/>
+              </a:rPr>
+              <a:t>int</a:t>
+            </a:r>
+            <a:r>
+              <a:rPr lang="ru-RU" sz="1400" dirty="0" smtClean="0">
+                <a:latin typeface="Consolas" pitchFamily="49" charset="0"/>
+              </a:rPr>
+              <a:t> </a:t>
+            </a:r>
+            <a:r>
+              <a:rPr lang="ru-RU" sz="1400" dirty="0" err="1" smtClean="0">
+                <a:latin typeface="Consolas" pitchFamily="49" charset="0"/>
+              </a:rPr>
+              <a:t>tioWarning</a:t>
+            </a:r>
+            <a:r>
+              <a:rPr lang="ru-RU" sz="1400" dirty="0" smtClean="0">
+                <a:latin typeface="Consolas" pitchFamily="49" charset="0"/>
+              </a:rPr>
+              <a:t>( </a:t>
+            </a:r>
+            <a:r>
+              <a:rPr lang="ru-RU" sz="1400" dirty="0" err="1" smtClean="0">
+                <a:latin typeface="Consolas" pitchFamily="49" charset="0"/>
+              </a:rPr>
+              <a:t>const</a:t>
+            </a:r>
+            <a:r>
+              <a:rPr lang="ru-RU" sz="1400" dirty="0" smtClean="0">
+                <a:latin typeface="Consolas" pitchFamily="49" charset="0"/>
+              </a:rPr>
+              <a:t> </a:t>
+            </a:r>
+            <a:r>
+              <a:rPr lang="ru-RU" sz="1400" dirty="0" err="1" smtClean="0">
+                <a:latin typeface="Consolas" pitchFamily="49" charset="0"/>
+              </a:rPr>
+              <a:t>char</a:t>
+            </a:r>
+            <a:r>
+              <a:rPr lang="ru-RU" sz="1400" dirty="0" smtClean="0">
+                <a:latin typeface="Consolas" pitchFamily="49" charset="0"/>
+              </a:rPr>
+              <a:t> * </a:t>
+            </a:r>
+            <a:r>
+              <a:rPr lang="ru-RU" sz="1400" dirty="0" err="1" smtClean="0">
+                <a:latin typeface="Consolas" pitchFamily="49" charset="0"/>
+              </a:rPr>
+              <a:t>message</a:t>
+            </a:r>
+            <a:r>
+              <a:rPr lang="ru-RU" sz="1400" dirty="0" smtClean="0">
+                <a:latin typeface="Consolas" pitchFamily="49" charset="0"/>
+              </a:rPr>
+              <a:t>)  </a:t>
+            </a:r>
+          </a:p>
+          <a:p>
+            <a:r>
+              <a:rPr lang="ru-RU" sz="1400" dirty="0" err="1" smtClean="0">
+                <a:latin typeface="Consolas" pitchFamily="49" charset="0"/>
+              </a:rPr>
+              <a:t>int</a:t>
+            </a:r>
+            <a:r>
+              <a:rPr lang="ru-RU" sz="1400" dirty="0" smtClean="0">
+                <a:latin typeface="Consolas" pitchFamily="49" charset="0"/>
+              </a:rPr>
+              <a:t> </a:t>
+            </a:r>
+            <a:r>
+              <a:rPr lang="ru-RU" sz="1400" dirty="0" err="1" smtClean="0">
+                <a:latin typeface="Consolas" pitchFamily="49" charset="0"/>
+              </a:rPr>
+              <a:t>tioWarningF</a:t>
+            </a:r>
+            <a:r>
+              <a:rPr lang="ru-RU" sz="1400" dirty="0" smtClean="0">
+                <a:latin typeface="Consolas" pitchFamily="49" charset="0"/>
+              </a:rPr>
+              <a:t>(</a:t>
+            </a:r>
+            <a:r>
+              <a:rPr lang="ru-RU" sz="1400" dirty="0" err="1" smtClean="0">
+                <a:latin typeface="Consolas" pitchFamily="49" charset="0"/>
+              </a:rPr>
+              <a:t>const</a:t>
+            </a:r>
+            <a:r>
+              <a:rPr lang="ru-RU" sz="1400" dirty="0" smtClean="0">
+                <a:latin typeface="Consolas" pitchFamily="49" charset="0"/>
+              </a:rPr>
+              <a:t> </a:t>
+            </a:r>
+            <a:r>
+              <a:rPr lang="ru-RU" sz="1400" dirty="0" err="1" smtClean="0">
+                <a:latin typeface="Consolas" pitchFamily="49" charset="0"/>
+              </a:rPr>
+              <a:t>char</a:t>
+            </a:r>
+            <a:r>
+              <a:rPr lang="ru-RU" sz="1400" dirty="0" smtClean="0">
+                <a:latin typeface="Consolas" pitchFamily="49" charset="0"/>
+              </a:rPr>
+              <a:t>* </a:t>
+            </a:r>
+            <a:r>
+              <a:rPr lang="ru-RU" sz="1400" dirty="0" err="1" smtClean="0">
+                <a:latin typeface="Consolas" pitchFamily="49" charset="0"/>
+              </a:rPr>
+              <a:t>template</a:t>
+            </a:r>
+            <a:r>
+              <a:rPr lang="ru-RU" sz="1400" dirty="0" smtClean="0">
+                <a:latin typeface="Consolas" pitchFamily="49" charset="0"/>
+              </a:rPr>
+              <a:t>, ... )</a:t>
+            </a:r>
+          </a:p>
+          <a:p>
+            <a:r>
+              <a:rPr lang="ru-RU" sz="1400" dirty="0" err="1" smtClean="0">
+                <a:latin typeface="Consolas" pitchFamily="49" charset="0"/>
+              </a:rPr>
+              <a:t>int</a:t>
+            </a:r>
+            <a:r>
+              <a:rPr lang="ru-RU" sz="1400" dirty="0" smtClean="0">
+                <a:latin typeface="Consolas" pitchFamily="49" charset="0"/>
+              </a:rPr>
+              <a:t> </a:t>
+            </a:r>
+            <a:r>
+              <a:rPr lang="ru-RU" sz="1400" dirty="0" err="1" smtClean="0">
+                <a:latin typeface="Consolas" pitchFamily="49" charset="0"/>
+              </a:rPr>
+              <a:t>tioError</a:t>
+            </a:r>
+            <a:r>
+              <a:rPr lang="ru-RU" sz="1400" dirty="0" smtClean="0">
+                <a:latin typeface="Consolas" pitchFamily="49" charset="0"/>
+              </a:rPr>
+              <a:t>( </a:t>
+            </a:r>
+            <a:r>
+              <a:rPr lang="ru-RU" sz="1400" dirty="0" err="1" smtClean="0">
+                <a:latin typeface="Consolas" pitchFamily="49" charset="0"/>
+              </a:rPr>
+              <a:t>const</a:t>
+            </a:r>
+            <a:r>
+              <a:rPr lang="ru-RU" sz="1400" dirty="0" smtClean="0">
+                <a:latin typeface="Consolas" pitchFamily="49" charset="0"/>
+              </a:rPr>
+              <a:t> </a:t>
+            </a:r>
+            <a:r>
+              <a:rPr lang="ru-RU" sz="1400" dirty="0" err="1" smtClean="0">
+                <a:latin typeface="Consolas" pitchFamily="49" charset="0"/>
+              </a:rPr>
+              <a:t>char</a:t>
+            </a:r>
+            <a:r>
+              <a:rPr lang="ru-RU" sz="1400" dirty="0" smtClean="0">
+                <a:latin typeface="Consolas" pitchFamily="49" charset="0"/>
+              </a:rPr>
+              <a:t> * </a:t>
+            </a:r>
+            <a:r>
+              <a:rPr lang="ru-RU" sz="1400" dirty="0" err="1" smtClean="0">
+                <a:latin typeface="Consolas" pitchFamily="49" charset="0"/>
+              </a:rPr>
+              <a:t>message</a:t>
+            </a:r>
+            <a:r>
+              <a:rPr lang="ru-RU" sz="1400" dirty="0" smtClean="0">
+                <a:latin typeface="Consolas" pitchFamily="49" charset="0"/>
+              </a:rPr>
+              <a:t>) </a:t>
+            </a:r>
+          </a:p>
+          <a:p>
+            <a:r>
+              <a:rPr lang="ru-RU" sz="1400" dirty="0" err="1" smtClean="0">
+                <a:latin typeface="Consolas" pitchFamily="49" charset="0"/>
+              </a:rPr>
+              <a:t>int</a:t>
+            </a:r>
+            <a:r>
+              <a:rPr lang="ru-RU" sz="1400" dirty="0" smtClean="0">
+                <a:latin typeface="Consolas" pitchFamily="49" charset="0"/>
+              </a:rPr>
+              <a:t> </a:t>
+            </a:r>
+            <a:r>
+              <a:rPr lang="ru-RU" sz="1400" dirty="0" err="1" smtClean="0">
+                <a:latin typeface="Consolas" pitchFamily="49" charset="0"/>
+              </a:rPr>
+              <a:t>tioErrorF</a:t>
+            </a:r>
+            <a:r>
+              <a:rPr lang="ru-RU" sz="1400" dirty="0" smtClean="0">
+                <a:latin typeface="Consolas" pitchFamily="49" charset="0"/>
+              </a:rPr>
+              <a:t>(</a:t>
+            </a:r>
+            <a:r>
+              <a:rPr lang="ru-RU" sz="1400" dirty="0" err="1" smtClean="0">
+                <a:latin typeface="Consolas" pitchFamily="49" charset="0"/>
+              </a:rPr>
+              <a:t>const</a:t>
+            </a:r>
+            <a:r>
+              <a:rPr lang="ru-RU" sz="1400" dirty="0" smtClean="0">
+                <a:latin typeface="Consolas" pitchFamily="49" charset="0"/>
+              </a:rPr>
+              <a:t> </a:t>
+            </a:r>
+            <a:r>
+              <a:rPr lang="ru-RU" sz="1400" dirty="0" err="1" smtClean="0">
+                <a:latin typeface="Consolas" pitchFamily="49" charset="0"/>
+              </a:rPr>
+              <a:t>char</a:t>
+            </a:r>
+            <a:r>
+              <a:rPr lang="ru-RU" sz="1400" dirty="0" smtClean="0">
+                <a:latin typeface="Consolas" pitchFamily="49" charset="0"/>
+              </a:rPr>
+              <a:t>* </a:t>
+            </a:r>
+            <a:r>
+              <a:rPr lang="ru-RU" sz="1400" dirty="0" err="1" smtClean="0">
+                <a:latin typeface="Consolas" pitchFamily="49" charset="0"/>
+              </a:rPr>
+              <a:t>template</a:t>
+            </a:r>
+            <a:r>
+              <a:rPr lang="ru-RU" sz="1400" dirty="0" smtClean="0">
+                <a:latin typeface="Consolas" pitchFamily="49" charset="0"/>
+              </a:rPr>
+              <a:t>, ... )</a:t>
+            </a:r>
+          </a:p>
+          <a:p>
+            <a:endParaRPr lang="ru-RU" sz="1400" dirty="0" smtClean="0">
+              <a:latin typeface="Consolas" pitchFamily="49" charset="0"/>
+            </a:endParaRPr>
+          </a:p>
+          <a:p>
+            <a:r>
+              <a:rPr lang="ru-RU" sz="1400" dirty="0" err="1" smtClean="0">
+                <a:latin typeface="Consolas" pitchFamily="49" charset="0"/>
+              </a:rPr>
+              <a:t>int</a:t>
+            </a:r>
+            <a:r>
+              <a:rPr lang="ru-RU" sz="1400" dirty="0" smtClean="0">
+                <a:latin typeface="Consolas" pitchFamily="49" charset="0"/>
+              </a:rPr>
+              <a:t> </a:t>
+            </a:r>
+            <a:r>
+              <a:rPr lang="ru-RU" sz="1400" dirty="0" err="1" smtClean="0">
+                <a:latin typeface="Consolas" pitchFamily="49" charset="0"/>
+              </a:rPr>
+              <a:t>tioDebug</a:t>
+            </a:r>
+            <a:r>
+              <a:rPr lang="ru-RU" sz="1400" dirty="0" smtClean="0">
+                <a:latin typeface="Consolas" pitchFamily="49" charset="0"/>
+              </a:rPr>
+              <a:t>( </a:t>
+            </a:r>
+            <a:r>
+              <a:rPr lang="ru-RU" sz="1400" dirty="0" err="1" smtClean="0">
+                <a:latin typeface="Consolas" pitchFamily="49" charset="0"/>
+              </a:rPr>
+              <a:t>const</a:t>
+            </a:r>
+            <a:r>
+              <a:rPr lang="ru-RU" sz="1400" dirty="0" smtClean="0">
+                <a:latin typeface="Consolas" pitchFamily="49" charset="0"/>
+              </a:rPr>
+              <a:t> </a:t>
+            </a:r>
+            <a:r>
+              <a:rPr lang="ru-RU" sz="1400" dirty="0" err="1" smtClean="0">
+                <a:latin typeface="Consolas" pitchFamily="49" charset="0"/>
+              </a:rPr>
+              <a:t>char</a:t>
+            </a:r>
+            <a:r>
+              <a:rPr lang="ru-RU" sz="1400" dirty="0" smtClean="0">
+                <a:latin typeface="Consolas" pitchFamily="49" charset="0"/>
+              </a:rPr>
+              <a:t> * </a:t>
+            </a:r>
+            <a:r>
+              <a:rPr lang="ru-RU" sz="1400" dirty="0" err="1" smtClean="0">
+                <a:latin typeface="Consolas" pitchFamily="49" charset="0"/>
+              </a:rPr>
+              <a:t>message</a:t>
+            </a:r>
+            <a:r>
+              <a:rPr lang="ru-RU" sz="1400" dirty="0" smtClean="0">
+                <a:latin typeface="Consolas" pitchFamily="49" charset="0"/>
+              </a:rPr>
+              <a:t>) </a:t>
+            </a:r>
+          </a:p>
+          <a:p>
+            <a:r>
+              <a:rPr lang="ru-RU" sz="1400" dirty="0" err="1" smtClean="0">
+                <a:latin typeface="Consolas" pitchFamily="49" charset="0"/>
+              </a:rPr>
+              <a:t>int</a:t>
+            </a:r>
+            <a:r>
+              <a:rPr lang="ru-RU" sz="1400" dirty="0" smtClean="0">
+                <a:latin typeface="Consolas" pitchFamily="49" charset="0"/>
+              </a:rPr>
+              <a:t> </a:t>
+            </a:r>
+            <a:r>
+              <a:rPr lang="ru-RU" sz="1400" dirty="0" err="1" smtClean="0">
+                <a:latin typeface="Consolas" pitchFamily="49" charset="0"/>
+              </a:rPr>
+              <a:t>tioDebugF</a:t>
+            </a:r>
+            <a:r>
+              <a:rPr lang="ru-RU" sz="1400" dirty="0" smtClean="0">
+                <a:latin typeface="Consolas" pitchFamily="49" charset="0"/>
+              </a:rPr>
+              <a:t>(</a:t>
+            </a:r>
+            <a:r>
+              <a:rPr lang="ru-RU" sz="1400" dirty="0" err="1" smtClean="0">
+                <a:latin typeface="Consolas" pitchFamily="49" charset="0"/>
+              </a:rPr>
+              <a:t>const</a:t>
+            </a:r>
+            <a:r>
+              <a:rPr lang="ru-RU" sz="1400" dirty="0" smtClean="0">
+                <a:latin typeface="Consolas" pitchFamily="49" charset="0"/>
+              </a:rPr>
+              <a:t> </a:t>
+            </a:r>
+            <a:r>
+              <a:rPr lang="ru-RU" sz="1400" dirty="0" err="1" smtClean="0">
+                <a:latin typeface="Consolas" pitchFamily="49" charset="0"/>
+              </a:rPr>
+              <a:t>char</a:t>
+            </a:r>
+            <a:r>
+              <a:rPr lang="ru-RU" sz="1400" dirty="0" smtClean="0">
+                <a:latin typeface="Consolas" pitchFamily="49" charset="0"/>
+              </a:rPr>
+              <a:t>* </a:t>
+            </a:r>
+            <a:r>
+              <a:rPr lang="ru-RU" sz="1400" dirty="0" err="1" smtClean="0">
+                <a:latin typeface="Consolas" pitchFamily="49" charset="0"/>
+              </a:rPr>
+              <a:t>template</a:t>
+            </a:r>
+            <a:r>
+              <a:rPr lang="ru-RU" sz="1400" dirty="0" smtClean="0">
+                <a:latin typeface="Consolas" pitchFamily="49" charset="0"/>
+              </a:rPr>
+              <a:t>, ... )</a:t>
+            </a:r>
+          </a:p>
+          <a:p>
+            <a:endParaRPr lang="ru-RU" sz="1400" dirty="0">
+              <a:latin typeface="Consolas" pitchFamily="49" charset="0"/>
+            </a:endParaRPr>
+          </a:p>
+        </p:txBody>
+      </p:sp>
+      <p:sp>
+        <p:nvSpPr>
+          <p:cNvPr id="24" name="TextBox 23"/>
+          <p:cNvSpPr txBox="1"/>
+          <p:nvPr/>
+        </p:nvSpPr>
+        <p:spPr>
+          <a:xfrm>
+            <a:off x="571472" y="4976352"/>
+            <a:ext cx="4756430" cy="738664"/>
+          </a:xfrm>
+          <a:prstGeom prst="rect">
+            <a:avLst/>
+          </a:prstGeom>
+          <a:noFill/>
+        </p:spPr>
+        <p:txBody>
+          <a:bodyPr wrap="none" rtlCol="0">
+            <a:spAutoFit/>
+          </a:bodyPr>
+          <a:lstStyle/>
+          <a:p>
+            <a:r>
+              <a:rPr lang="en-US" sz="1400" dirty="0" smtClean="0">
+                <a:latin typeface="Consolas" pitchFamily="49" charset="0"/>
+              </a:rPr>
+              <a:t>void* </a:t>
+            </a:r>
+            <a:r>
+              <a:rPr lang="en-US" sz="1400" dirty="0" err="1" smtClean="0">
+                <a:latin typeface="Consolas" pitchFamily="49" charset="0"/>
+              </a:rPr>
+              <a:t>tioTableBegin</a:t>
+            </a:r>
+            <a:r>
+              <a:rPr lang="en-US" sz="1400" dirty="0" smtClean="0">
+                <a:latin typeface="Consolas" pitchFamily="49" charset="0"/>
+              </a:rPr>
+              <a:t> ( const char* format, … </a:t>
+            </a:r>
+            <a:r>
+              <a:rPr lang="en-US" sz="1400" dirty="0" smtClean="0">
+                <a:latin typeface="Consolas" pitchFamily="49" charset="0"/>
+              </a:rPr>
+              <a:t>)</a:t>
+            </a:r>
+            <a:endParaRPr lang="en-US" sz="1400" dirty="0" smtClean="0">
+              <a:latin typeface="Consolas" pitchFamily="49" charset="0"/>
+            </a:endParaRPr>
+          </a:p>
+          <a:p>
+            <a:r>
+              <a:rPr lang="en-US" sz="1400" dirty="0" smtClean="0">
+                <a:latin typeface="Consolas" pitchFamily="49" charset="0"/>
+              </a:rPr>
+              <a:t>void* </a:t>
+            </a:r>
+            <a:r>
+              <a:rPr lang="en-US" sz="1400" dirty="0" err="1" smtClean="0">
+                <a:latin typeface="Consolas" pitchFamily="49" charset="0"/>
+              </a:rPr>
+              <a:t>tioTableRecord</a:t>
+            </a:r>
+            <a:r>
+              <a:rPr lang="en-US" sz="1400" dirty="0" smtClean="0">
+                <a:latin typeface="Consolas" pitchFamily="49" charset="0"/>
+              </a:rPr>
+              <a:t> ( void *td, … </a:t>
+            </a:r>
+            <a:r>
+              <a:rPr lang="en-US" sz="1400" dirty="0" smtClean="0">
+                <a:latin typeface="Consolas" pitchFamily="49" charset="0"/>
+              </a:rPr>
+              <a:t>)</a:t>
+            </a:r>
+            <a:endParaRPr lang="en-US" sz="1400" dirty="0" smtClean="0">
+              <a:latin typeface="Consolas" pitchFamily="49" charset="0"/>
+            </a:endParaRPr>
+          </a:p>
+          <a:p>
+            <a:r>
+              <a:rPr lang="en-US" sz="1400" dirty="0" err="1" smtClean="0">
+                <a:latin typeface="Consolas" pitchFamily="49" charset="0"/>
+              </a:rPr>
+              <a:t>int</a:t>
+            </a:r>
+            <a:r>
+              <a:rPr lang="en-US" sz="1400" dirty="0" smtClean="0">
+                <a:latin typeface="Consolas" pitchFamily="49" charset="0"/>
+              </a:rPr>
+              <a:t> </a:t>
+            </a:r>
+            <a:r>
+              <a:rPr lang="en-US" sz="1400" dirty="0" err="1" smtClean="0">
+                <a:latin typeface="Consolas" pitchFamily="49" charset="0"/>
+              </a:rPr>
+              <a:t>tioTableEnd</a:t>
+            </a:r>
+            <a:r>
+              <a:rPr lang="en-US" sz="1400" dirty="0" smtClean="0">
+                <a:latin typeface="Consolas" pitchFamily="49" charset="0"/>
+              </a:rPr>
+              <a:t>( void *td </a:t>
+            </a:r>
+            <a:r>
+              <a:rPr lang="en-US" sz="1400" dirty="0" smtClean="0">
+                <a:latin typeface="Consolas" pitchFamily="49" charset="0"/>
+              </a:rPr>
+              <a:t>)</a:t>
+            </a:r>
+            <a:endParaRPr lang="en-US" sz="1400" dirty="0" smtClean="0">
+              <a:latin typeface="Consolas" pitchFamily="49" charset="0"/>
+            </a:endParaRPr>
+          </a:p>
+        </p:txBody>
+      </p:sp>
+      <p:graphicFrame>
+        <p:nvGraphicFramePr>
+          <p:cNvPr id="26" name="Таблица 25"/>
+          <p:cNvGraphicFramePr>
+            <a:graphicFrameLocks noGrp="1"/>
+          </p:cNvGraphicFramePr>
+          <p:nvPr/>
+        </p:nvGraphicFramePr>
+        <p:xfrm>
+          <a:off x="5214942" y="2547460"/>
+          <a:ext cx="3662045" cy="3144841"/>
+        </p:xfrm>
+        <a:graphic>
+          <a:graphicData uri="http://schemas.openxmlformats.org/drawingml/2006/table">
+            <a:tbl>
+              <a:tblPr/>
+              <a:tblGrid>
+                <a:gridCol w="655320"/>
+                <a:gridCol w="3006725"/>
+              </a:tblGrid>
+              <a:tr h="0">
+                <a:tc>
+                  <a:txBody>
+                    <a:bodyPr/>
+                    <a:lstStyle/>
+                    <a:p>
+                      <a:pPr algn="ctr">
+                        <a:lnSpc>
+                          <a:spcPct val="115000"/>
+                        </a:lnSpc>
+                        <a:spcAft>
+                          <a:spcPts val="0"/>
+                        </a:spcAft>
+                      </a:pPr>
+                      <a:endParaRPr lang="ru-RU" sz="1200" kern="50" dirty="0">
+                        <a:latin typeface="Liberation Serif"/>
+                        <a:ea typeface="WenQuanYi Micro Hei"/>
+                        <a:cs typeface="Lohit Hindi"/>
+                      </a:endParaRPr>
+                    </a:p>
+                  </a:txBody>
+                  <a:tcPr marL="17780" marR="17780" marT="17780" marB="17780">
+                    <a:lnL w="3175" cap="flat" cmpd="sng" algn="ctr">
+                      <a:solidFill>
+                        <a:schemeClr val="tx1"/>
+                      </a:solidFill>
+                      <a:prstDash val="solid"/>
+                      <a:round/>
+                      <a:headEnd type="none" w="med" len="med"/>
+                      <a:tailEnd type="none" w="med" len="med"/>
+                    </a:lnL>
+                    <a:lnR w="3175" cap="flat" cmpd="sng" algn="ctr">
+                      <a:solidFill>
+                        <a:schemeClr val="tx1"/>
+                      </a:solidFill>
+                      <a:prstDash val="solid"/>
+                      <a:round/>
+                      <a:headEnd type="none" w="med" len="med"/>
+                      <a:tailEnd type="none" w="med" len="med"/>
+                    </a:lnR>
+                    <a:lnT w="3175" cap="flat" cmpd="sng" algn="ctr">
+                      <a:solidFill>
+                        <a:schemeClr val="tx1"/>
+                      </a:solidFill>
+                      <a:prstDash val="solid"/>
+                      <a:round/>
+                      <a:headEnd type="none" w="med" len="med"/>
+                      <a:tailEnd type="none" w="med" len="med"/>
+                    </a:lnT>
+                    <a:lnB w="3175" cap="flat" cmpd="sng" algn="ctr">
+                      <a:solidFill>
+                        <a:schemeClr val="tx1"/>
+                      </a:solidFill>
+                      <a:prstDash val="solid"/>
+                      <a:round/>
+                      <a:headEnd type="none" w="med" len="med"/>
+                      <a:tailEnd type="none" w="med" len="med"/>
+                    </a:lnB>
+                    <a:lnTlToBr w="12700" cmpd="sng">
+                      <a:noFill/>
+                      <a:prstDash val="solid"/>
+                    </a:lnTlToBr>
+                    <a:lnBlToTr w="12700" cmpd="sng">
+                      <a:noFill/>
+                      <a:prstDash val="solid"/>
+                    </a:lnBlToTr>
+                  </a:tcPr>
+                </a:tc>
+                <a:tc>
+                  <a:txBody>
+                    <a:bodyPr/>
+                    <a:lstStyle/>
+                    <a:p>
+                      <a:pPr>
+                        <a:lnSpc>
+                          <a:spcPct val="115000"/>
+                        </a:lnSpc>
+                        <a:spcAft>
+                          <a:spcPts val="0"/>
+                        </a:spcAft>
+                      </a:pPr>
+                      <a:r>
+                        <a:rPr lang="ru-RU" sz="1200" kern="50">
+                          <a:latin typeface="Times New Roman"/>
+                          <a:ea typeface="WenQuanYi Micro Hei"/>
+                          <a:cs typeface="Lohit Hindi"/>
+                        </a:rPr>
+                        <a:t>Описание типа</a:t>
+                      </a:r>
+                      <a:endParaRPr lang="ru-RU" sz="1200" kern="50">
+                        <a:latin typeface="Liberation Serif"/>
+                        <a:ea typeface="WenQuanYi Micro Hei"/>
+                        <a:cs typeface="Lohit Hindi"/>
+                      </a:endParaRPr>
+                    </a:p>
+                  </a:txBody>
+                  <a:tcPr marL="17780" marR="17780" marT="17780" marB="17780">
+                    <a:lnL w="3175" cap="flat" cmpd="sng" algn="ctr">
+                      <a:solidFill>
+                        <a:schemeClr val="tx1"/>
+                      </a:solidFill>
+                      <a:prstDash val="solid"/>
+                      <a:round/>
+                      <a:headEnd type="none" w="med" len="med"/>
+                      <a:tailEnd type="none" w="med" len="med"/>
+                    </a:lnL>
+                    <a:lnR w="3175" cap="flat" cmpd="sng" algn="ctr">
+                      <a:solidFill>
+                        <a:schemeClr val="tx1"/>
+                      </a:solidFill>
+                      <a:prstDash val="solid"/>
+                      <a:round/>
+                      <a:headEnd type="none" w="med" len="med"/>
+                      <a:tailEnd type="none" w="med" len="med"/>
+                    </a:lnR>
+                    <a:lnT w="3175" cap="flat" cmpd="sng" algn="ctr">
+                      <a:solidFill>
+                        <a:schemeClr val="tx1"/>
+                      </a:solidFill>
+                      <a:prstDash val="solid"/>
+                      <a:round/>
+                      <a:headEnd type="none" w="med" len="med"/>
+                      <a:tailEnd type="none" w="med" len="med"/>
+                    </a:lnT>
+                    <a:lnB w="3175" cap="flat" cmpd="sng" algn="ctr">
+                      <a:solidFill>
+                        <a:schemeClr val="tx1"/>
+                      </a:solidFill>
+                      <a:prstDash val="solid"/>
+                      <a:round/>
+                      <a:headEnd type="none" w="med" len="med"/>
+                      <a:tailEnd type="none" w="med" len="med"/>
+                    </a:lnB>
+                    <a:lnTlToBr w="12700" cmpd="sng">
+                      <a:noFill/>
+                      <a:prstDash val="solid"/>
+                    </a:lnTlToBr>
+                    <a:lnBlToTr w="12700" cmpd="sng">
+                      <a:noFill/>
+                      <a:prstDash val="solid"/>
+                    </a:lnBlToTr>
+                  </a:tcPr>
+                </a:tc>
+              </a:tr>
+              <a:tr h="0">
+                <a:tc>
+                  <a:txBody>
+                    <a:bodyPr/>
+                    <a:lstStyle/>
+                    <a:p>
+                      <a:pPr>
+                        <a:lnSpc>
+                          <a:spcPct val="115000"/>
+                        </a:lnSpc>
+                        <a:spcAft>
+                          <a:spcPts val="0"/>
+                        </a:spcAft>
+                      </a:pPr>
+                      <a:r>
+                        <a:rPr lang="en-US" sz="1200" kern="50" dirty="0" smtClean="0">
+                          <a:latin typeface="Times New Roman"/>
+                          <a:ea typeface="WenQuanYi Micro Hei"/>
+                          <a:cs typeface="Lohit Hindi"/>
+                        </a:rPr>
+                        <a:t>%</a:t>
+                      </a:r>
+                      <a:r>
+                        <a:rPr lang="ru-RU" sz="1200" kern="50" dirty="0" err="1" smtClean="0">
+                          <a:latin typeface="Times New Roman"/>
+                          <a:ea typeface="WenQuanYi Micro Hei"/>
+                          <a:cs typeface="Lohit Hindi"/>
+                        </a:rPr>
+                        <a:t>c</a:t>
+                      </a:r>
+                      <a:r>
+                        <a:rPr lang="ru-RU" sz="1200" kern="50" dirty="0" smtClean="0">
+                          <a:latin typeface="Times New Roman"/>
+                          <a:ea typeface="WenQuanYi Micro Hei"/>
+                          <a:cs typeface="Lohit Hindi"/>
+                        </a:rPr>
+                        <a:t>       </a:t>
+                      </a:r>
+                      <a:endParaRPr lang="ru-RU" sz="1200" kern="50" dirty="0">
+                        <a:latin typeface="Liberation Serif"/>
+                        <a:ea typeface="WenQuanYi Micro Hei"/>
+                        <a:cs typeface="Lohit Hindi"/>
+                      </a:endParaRPr>
+                    </a:p>
+                  </a:txBody>
+                  <a:tcPr marL="17780" marR="17780" marT="17780" marB="17780">
+                    <a:lnL w="3175" cap="flat" cmpd="sng" algn="ctr">
+                      <a:solidFill>
+                        <a:schemeClr val="tx1"/>
+                      </a:solidFill>
+                      <a:prstDash val="solid"/>
+                      <a:round/>
+                      <a:headEnd type="none" w="med" len="med"/>
+                      <a:tailEnd type="none" w="med" len="med"/>
+                    </a:lnL>
+                    <a:lnR w="3175" cap="flat" cmpd="sng" algn="ctr">
+                      <a:solidFill>
+                        <a:schemeClr val="tx1"/>
+                      </a:solidFill>
+                      <a:prstDash val="solid"/>
+                      <a:round/>
+                      <a:headEnd type="none" w="med" len="med"/>
+                      <a:tailEnd type="none" w="med" len="med"/>
+                    </a:lnR>
+                    <a:lnT w="3175" cap="flat" cmpd="sng" algn="ctr">
+                      <a:solidFill>
+                        <a:schemeClr val="tx1"/>
+                      </a:solidFill>
+                      <a:prstDash val="solid"/>
+                      <a:round/>
+                      <a:headEnd type="none" w="med" len="med"/>
+                      <a:tailEnd type="none" w="med" len="med"/>
+                    </a:lnT>
+                    <a:lnB w="3175" cap="flat" cmpd="sng" algn="ctr">
+                      <a:solidFill>
+                        <a:schemeClr val="tx1"/>
+                      </a:solidFill>
+                      <a:prstDash val="solid"/>
+                      <a:round/>
+                      <a:headEnd type="none" w="med" len="med"/>
+                      <a:tailEnd type="none" w="med" len="med"/>
+                    </a:lnB>
+                    <a:lnTlToBr w="12700" cmpd="sng">
+                      <a:noFill/>
+                      <a:prstDash val="solid"/>
+                    </a:lnTlToBr>
+                    <a:lnBlToTr w="12700" cmpd="sng">
+                      <a:noFill/>
+                      <a:prstDash val="solid"/>
+                    </a:lnBlToTr>
+                  </a:tcPr>
+                </a:tc>
+                <a:tc>
+                  <a:txBody>
+                    <a:bodyPr/>
+                    <a:lstStyle/>
+                    <a:p>
+                      <a:pPr>
+                        <a:lnSpc>
+                          <a:spcPct val="115000"/>
+                        </a:lnSpc>
+                        <a:spcAft>
+                          <a:spcPts val="0"/>
+                        </a:spcAft>
+                      </a:pPr>
+                      <a:r>
+                        <a:rPr lang="ru-RU" sz="1200" kern="50">
+                          <a:latin typeface="Times New Roman"/>
+                          <a:ea typeface="WenQuanYi Micro Hei"/>
+                          <a:cs typeface="Lohit Hindi"/>
+                        </a:rPr>
+                        <a:t>Символ ( char )                         </a:t>
+                      </a:r>
+                      <a:endParaRPr lang="ru-RU" sz="1200" kern="50">
+                        <a:latin typeface="Liberation Serif"/>
+                        <a:ea typeface="WenQuanYi Micro Hei"/>
+                        <a:cs typeface="Lohit Hindi"/>
+                      </a:endParaRPr>
+                    </a:p>
+                  </a:txBody>
+                  <a:tcPr marL="17780" marR="17780" marT="17780" marB="17780">
+                    <a:lnL w="3175" cap="flat" cmpd="sng" algn="ctr">
+                      <a:solidFill>
+                        <a:schemeClr val="tx1"/>
+                      </a:solidFill>
+                      <a:prstDash val="solid"/>
+                      <a:round/>
+                      <a:headEnd type="none" w="med" len="med"/>
+                      <a:tailEnd type="none" w="med" len="med"/>
+                    </a:lnL>
+                    <a:lnR w="3175" cap="flat" cmpd="sng" algn="ctr">
+                      <a:solidFill>
+                        <a:schemeClr val="tx1"/>
+                      </a:solidFill>
+                      <a:prstDash val="solid"/>
+                      <a:round/>
+                      <a:headEnd type="none" w="med" len="med"/>
+                      <a:tailEnd type="none" w="med" len="med"/>
+                    </a:lnR>
+                    <a:lnT w="3175" cap="flat" cmpd="sng" algn="ctr">
+                      <a:solidFill>
+                        <a:schemeClr val="tx1"/>
+                      </a:solidFill>
+                      <a:prstDash val="solid"/>
+                      <a:round/>
+                      <a:headEnd type="none" w="med" len="med"/>
+                      <a:tailEnd type="none" w="med" len="med"/>
+                    </a:lnT>
+                    <a:lnB w="3175" cap="flat" cmpd="sng" algn="ctr">
+                      <a:solidFill>
+                        <a:schemeClr val="tx1"/>
+                      </a:solidFill>
+                      <a:prstDash val="solid"/>
+                      <a:round/>
+                      <a:headEnd type="none" w="med" len="med"/>
+                      <a:tailEnd type="none" w="med" len="med"/>
+                    </a:lnB>
+                    <a:lnTlToBr w="12700" cmpd="sng">
+                      <a:noFill/>
+                      <a:prstDash val="solid"/>
+                    </a:lnTlToBr>
+                    <a:lnBlToTr w="12700" cmpd="sng">
+                      <a:noFill/>
+                      <a:prstDash val="solid"/>
+                    </a:lnBlToTr>
+                  </a:tcPr>
+                </a:tc>
+              </a:tr>
+              <a:tr h="0">
+                <a:tc>
+                  <a:txBody>
+                    <a:bodyPr/>
+                    <a:lstStyle/>
+                    <a:p>
+                      <a:pPr>
+                        <a:lnSpc>
+                          <a:spcPct val="115000"/>
+                        </a:lnSpc>
+                        <a:spcAft>
+                          <a:spcPts val="0"/>
+                        </a:spcAft>
+                      </a:pPr>
+                      <a:r>
+                        <a:rPr lang="en-US" sz="1200" kern="50" dirty="0" smtClean="0">
+                          <a:latin typeface="Times New Roman"/>
+                          <a:ea typeface="WenQuanYi Micro Hei"/>
+                          <a:cs typeface="Lohit Hindi"/>
+                        </a:rPr>
+                        <a:t>%</a:t>
+                      </a:r>
+                      <a:r>
+                        <a:rPr lang="ru-RU" sz="1200" kern="50" dirty="0" err="1" smtClean="0">
+                          <a:latin typeface="Times New Roman"/>
+                          <a:ea typeface="WenQuanYi Micro Hei"/>
+                          <a:cs typeface="Lohit Hindi"/>
+                        </a:rPr>
+                        <a:t>d</a:t>
+                      </a:r>
+                      <a:r>
+                        <a:rPr lang="ru-RU" sz="1200" kern="50" dirty="0" smtClean="0">
+                          <a:latin typeface="Times New Roman"/>
+                          <a:ea typeface="WenQuanYi Micro Hei"/>
+                          <a:cs typeface="Lohit Hindi"/>
+                        </a:rPr>
+                        <a:t> </a:t>
+                      </a:r>
+                      <a:r>
+                        <a:rPr lang="ru-RU" sz="1200" kern="50" dirty="0">
+                          <a:latin typeface="Times New Roman"/>
+                          <a:ea typeface="WenQuanYi Micro Hei"/>
+                          <a:cs typeface="Lohit Hindi"/>
+                        </a:rPr>
+                        <a:t>| </a:t>
+                      </a:r>
+                      <a:r>
+                        <a:rPr lang="ru-RU" sz="1200" kern="50" dirty="0" err="1">
+                          <a:latin typeface="Times New Roman"/>
+                          <a:ea typeface="WenQuanYi Micro Hei"/>
+                          <a:cs typeface="Lohit Hindi"/>
+                        </a:rPr>
+                        <a:t>i</a:t>
+                      </a:r>
+                      <a:r>
+                        <a:rPr lang="ru-RU" sz="1200" kern="50" dirty="0">
+                          <a:latin typeface="Times New Roman"/>
+                          <a:ea typeface="WenQuanYi Micro Hei"/>
+                          <a:cs typeface="Lohit Hindi"/>
+                        </a:rPr>
+                        <a:t>   </a:t>
+                      </a:r>
+                      <a:endParaRPr lang="ru-RU" sz="1200" kern="50" dirty="0">
+                        <a:latin typeface="Liberation Serif"/>
+                        <a:ea typeface="WenQuanYi Micro Hei"/>
+                        <a:cs typeface="Lohit Hindi"/>
+                      </a:endParaRPr>
+                    </a:p>
+                  </a:txBody>
+                  <a:tcPr marL="17780" marR="17780" marT="17780" marB="17780">
+                    <a:lnL w="3175" cap="flat" cmpd="sng" algn="ctr">
+                      <a:solidFill>
+                        <a:schemeClr val="tx1"/>
+                      </a:solidFill>
+                      <a:prstDash val="solid"/>
+                      <a:round/>
+                      <a:headEnd type="none" w="med" len="med"/>
+                      <a:tailEnd type="none" w="med" len="med"/>
+                    </a:lnL>
+                    <a:lnR w="3175" cap="flat" cmpd="sng" algn="ctr">
+                      <a:solidFill>
+                        <a:schemeClr val="tx1"/>
+                      </a:solidFill>
+                      <a:prstDash val="solid"/>
+                      <a:round/>
+                      <a:headEnd type="none" w="med" len="med"/>
+                      <a:tailEnd type="none" w="med" len="med"/>
+                    </a:lnR>
+                    <a:lnT w="3175" cap="flat" cmpd="sng" algn="ctr">
+                      <a:solidFill>
+                        <a:schemeClr val="tx1"/>
+                      </a:solidFill>
+                      <a:prstDash val="solid"/>
+                      <a:round/>
+                      <a:headEnd type="none" w="med" len="med"/>
+                      <a:tailEnd type="none" w="med" len="med"/>
+                    </a:lnT>
+                    <a:lnB w="3175" cap="flat" cmpd="sng" algn="ctr">
+                      <a:solidFill>
+                        <a:schemeClr val="tx1"/>
+                      </a:solidFill>
+                      <a:prstDash val="solid"/>
+                      <a:round/>
+                      <a:headEnd type="none" w="med" len="med"/>
+                      <a:tailEnd type="none" w="med" len="med"/>
+                    </a:lnB>
+                    <a:lnTlToBr w="12700" cmpd="sng">
+                      <a:noFill/>
+                      <a:prstDash val="solid"/>
+                    </a:lnTlToBr>
+                    <a:lnBlToTr w="12700" cmpd="sng">
+                      <a:noFill/>
+                      <a:prstDash val="solid"/>
+                    </a:lnBlToTr>
+                  </a:tcPr>
+                </a:tc>
+                <a:tc>
+                  <a:txBody>
+                    <a:bodyPr/>
+                    <a:lstStyle/>
+                    <a:p>
+                      <a:pPr>
+                        <a:lnSpc>
+                          <a:spcPct val="115000"/>
+                        </a:lnSpc>
+                        <a:spcAft>
+                          <a:spcPts val="0"/>
+                        </a:spcAft>
+                      </a:pPr>
+                      <a:r>
+                        <a:rPr lang="ru-RU" sz="1200" kern="50" dirty="0">
+                          <a:latin typeface="Times New Roman"/>
+                          <a:ea typeface="WenQuanYi Micro Hei"/>
+                          <a:cs typeface="Lohit Hindi"/>
+                        </a:rPr>
+                        <a:t>Целое число в десятичной </a:t>
+                      </a:r>
+                      <a:r>
+                        <a:rPr lang="ru-RU" sz="1200" kern="50" dirty="0" smtClean="0">
+                          <a:latin typeface="Times New Roman"/>
+                          <a:ea typeface="WenQuanYi Micro Hei"/>
+                          <a:cs typeface="Lohit Hindi"/>
+                        </a:rPr>
+                        <a:t>форм</a:t>
+                      </a:r>
+                      <a:r>
+                        <a:rPr lang="en-US" sz="1200" kern="50" dirty="0" smtClean="0">
+                          <a:latin typeface="Times New Roman"/>
+                          <a:ea typeface="WenQuanYi Micro Hei"/>
+                          <a:cs typeface="Lohit Hindi"/>
+                        </a:rPr>
+                        <a:t>e</a:t>
+                      </a:r>
+                      <a:r>
+                        <a:rPr lang="ru-RU" sz="1200" kern="50" dirty="0" smtClean="0">
+                          <a:latin typeface="Times New Roman"/>
+                          <a:ea typeface="WenQuanYi Micro Hei"/>
+                          <a:cs typeface="Lohit Hindi"/>
+                        </a:rPr>
+                        <a:t> </a:t>
+                      </a:r>
+                      <a:r>
+                        <a:rPr lang="ru-RU" sz="1200" kern="50" dirty="0">
+                          <a:latin typeface="Times New Roman"/>
+                          <a:ea typeface="WenQuanYi Micro Hei"/>
+                          <a:cs typeface="Lohit Hindi"/>
+                        </a:rPr>
+                        <a:t>( </a:t>
+                      </a:r>
+                      <a:r>
+                        <a:rPr lang="ru-RU" sz="1200" kern="50" dirty="0" err="1">
+                          <a:latin typeface="Times New Roman"/>
+                          <a:ea typeface="WenQuanYi Micro Hei"/>
+                          <a:cs typeface="Lohit Hindi"/>
+                        </a:rPr>
+                        <a:t>long</a:t>
+                      </a:r>
+                      <a:r>
+                        <a:rPr lang="ru-RU" sz="1200" kern="50" dirty="0">
+                          <a:latin typeface="Times New Roman"/>
+                          <a:ea typeface="WenQuanYi Micro Hei"/>
+                          <a:cs typeface="Lohit Hindi"/>
+                        </a:rPr>
+                        <a:t> ) </a:t>
+                      </a:r>
+                      <a:endParaRPr lang="ru-RU" sz="1200" kern="50" dirty="0">
+                        <a:latin typeface="Liberation Serif"/>
+                        <a:ea typeface="WenQuanYi Micro Hei"/>
+                        <a:cs typeface="Lohit Hindi"/>
+                      </a:endParaRPr>
+                    </a:p>
+                  </a:txBody>
+                  <a:tcPr marL="17780" marR="17780" marT="17780" marB="17780">
+                    <a:lnL w="3175" cap="flat" cmpd="sng" algn="ctr">
+                      <a:solidFill>
+                        <a:schemeClr val="tx1"/>
+                      </a:solidFill>
+                      <a:prstDash val="solid"/>
+                      <a:round/>
+                      <a:headEnd type="none" w="med" len="med"/>
+                      <a:tailEnd type="none" w="med" len="med"/>
+                    </a:lnL>
+                    <a:lnR w="3175" cap="flat" cmpd="sng" algn="ctr">
+                      <a:solidFill>
+                        <a:schemeClr val="tx1"/>
+                      </a:solidFill>
+                      <a:prstDash val="solid"/>
+                      <a:round/>
+                      <a:headEnd type="none" w="med" len="med"/>
+                      <a:tailEnd type="none" w="med" len="med"/>
+                    </a:lnR>
+                    <a:lnT w="3175" cap="flat" cmpd="sng" algn="ctr">
+                      <a:solidFill>
+                        <a:schemeClr val="tx1"/>
+                      </a:solidFill>
+                      <a:prstDash val="solid"/>
+                      <a:round/>
+                      <a:headEnd type="none" w="med" len="med"/>
+                      <a:tailEnd type="none" w="med" len="med"/>
+                    </a:lnT>
+                    <a:lnB w="3175" cap="flat" cmpd="sng" algn="ctr">
+                      <a:solidFill>
+                        <a:schemeClr val="tx1"/>
+                      </a:solidFill>
+                      <a:prstDash val="solid"/>
+                      <a:round/>
+                      <a:headEnd type="none" w="med" len="med"/>
+                      <a:tailEnd type="none" w="med" len="med"/>
+                    </a:lnB>
+                    <a:lnTlToBr w="12700" cmpd="sng">
+                      <a:noFill/>
+                      <a:prstDash val="solid"/>
+                    </a:lnTlToBr>
+                    <a:lnBlToTr w="12700" cmpd="sng">
+                      <a:noFill/>
+                      <a:prstDash val="solid"/>
+                    </a:lnBlToTr>
+                  </a:tcPr>
+                </a:tc>
+              </a:tr>
+              <a:tr h="0">
+                <a:tc>
+                  <a:txBody>
+                    <a:bodyPr/>
+                    <a:lstStyle/>
+                    <a:p>
+                      <a:pPr>
+                        <a:lnSpc>
+                          <a:spcPct val="115000"/>
+                        </a:lnSpc>
+                        <a:spcAft>
+                          <a:spcPts val="0"/>
+                        </a:spcAft>
+                      </a:pPr>
+                      <a:r>
+                        <a:rPr lang="en-US" sz="1200" kern="50" dirty="0" smtClean="0">
+                          <a:latin typeface="Times New Roman"/>
+                          <a:ea typeface="WenQuanYi Micro Hei"/>
+                          <a:cs typeface="Lohit Hindi"/>
+                        </a:rPr>
+                        <a:t>%</a:t>
+                      </a:r>
+                      <a:r>
+                        <a:rPr lang="ru-RU" sz="1200" kern="50" dirty="0" err="1" smtClean="0">
+                          <a:latin typeface="Times New Roman"/>
+                          <a:ea typeface="WenQuanYi Micro Hei"/>
+                          <a:cs typeface="Lohit Hindi"/>
+                        </a:rPr>
+                        <a:t>e</a:t>
+                      </a:r>
+                      <a:r>
+                        <a:rPr lang="ru-RU" sz="1200" kern="50" dirty="0" smtClean="0">
+                          <a:latin typeface="Times New Roman"/>
+                          <a:ea typeface="WenQuanYi Micro Hei"/>
+                          <a:cs typeface="Lohit Hindi"/>
+                        </a:rPr>
+                        <a:t>       </a:t>
+                      </a:r>
+                      <a:r>
+                        <a:rPr lang="ru-RU" sz="1200" kern="50" dirty="0">
+                          <a:latin typeface="Times New Roman"/>
+                          <a:ea typeface="WenQuanYi Micro Hei"/>
+                          <a:cs typeface="Lohit Hindi"/>
+                        </a:rPr>
+                        <a:t/>
+                      </a:r>
+                      <a:br>
+                        <a:rPr lang="ru-RU" sz="1200" kern="50" dirty="0">
+                          <a:latin typeface="Times New Roman"/>
+                          <a:ea typeface="WenQuanYi Micro Hei"/>
+                          <a:cs typeface="Lohit Hindi"/>
+                        </a:rPr>
+                      </a:br>
+                      <a:r>
+                        <a:rPr lang="ru-RU" sz="1200" kern="50" dirty="0">
+                          <a:latin typeface="Times New Roman"/>
+                          <a:ea typeface="WenQuanYi Micro Hei"/>
+                          <a:cs typeface="Lohit Hindi"/>
+                        </a:rPr>
+                        <a:t>        </a:t>
+                      </a:r>
+                      <a:endParaRPr lang="ru-RU" sz="1200" kern="50" dirty="0">
+                        <a:latin typeface="Liberation Serif"/>
+                        <a:ea typeface="WenQuanYi Micro Hei"/>
+                        <a:cs typeface="Lohit Hindi"/>
+                      </a:endParaRPr>
+                    </a:p>
+                  </a:txBody>
+                  <a:tcPr marL="17780" marR="17780" marT="17780" marB="17780">
+                    <a:lnL w="3175" cap="flat" cmpd="sng" algn="ctr">
+                      <a:solidFill>
+                        <a:schemeClr val="tx1"/>
+                      </a:solidFill>
+                      <a:prstDash val="solid"/>
+                      <a:round/>
+                      <a:headEnd type="none" w="med" len="med"/>
+                      <a:tailEnd type="none" w="med" len="med"/>
+                    </a:lnL>
+                    <a:lnR w="3175" cap="flat" cmpd="sng" algn="ctr">
+                      <a:solidFill>
+                        <a:schemeClr val="tx1"/>
+                      </a:solidFill>
+                      <a:prstDash val="solid"/>
+                      <a:round/>
+                      <a:headEnd type="none" w="med" len="med"/>
+                      <a:tailEnd type="none" w="med" len="med"/>
+                    </a:lnR>
+                    <a:lnT w="3175" cap="flat" cmpd="sng" algn="ctr">
+                      <a:solidFill>
+                        <a:schemeClr val="tx1"/>
+                      </a:solidFill>
+                      <a:prstDash val="solid"/>
+                      <a:round/>
+                      <a:headEnd type="none" w="med" len="med"/>
+                      <a:tailEnd type="none" w="med" len="med"/>
+                    </a:lnT>
+                    <a:lnB w="3175" cap="flat" cmpd="sng" algn="ctr">
+                      <a:solidFill>
+                        <a:schemeClr val="tx1"/>
+                      </a:solidFill>
+                      <a:prstDash val="solid"/>
+                      <a:round/>
+                      <a:headEnd type="none" w="med" len="med"/>
+                      <a:tailEnd type="none" w="med" len="med"/>
+                    </a:lnB>
+                    <a:lnTlToBr w="12700" cmpd="sng">
+                      <a:noFill/>
+                      <a:prstDash val="solid"/>
+                    </a:lnTlToBr>
+                    <a:lnBlToTr w="12700" cmpd="sng">
+                      <a:noFill/>
+                      <a:prstDash val="solid"/>
+                    </a:lnBlToTr>
+                  </a:tcPr>
+                </a:tc>
+                <a:tc>
+                  <a:txBody>
+                    <a:bodyPr/>
+                    <a:lstStyle/>
+                    <a:p>
+                      <a:pPr>
+                        <a:lnSpc>
+                          <a:spcPct val="115000"/>
+                        </a:lnSpc>
+                        <a:spcAft>
+                          <a:spcPts val="0"/>
+                        </a:spcAft>
+                      </a:pPr>
+                      <a:r>
+                        <a:rPr lang="ru-RU" sz="1200" kern="50" dirty="0">
+                          <a:latin typeface="Times New Roman"/>
+                          <a:ea typeface="WenQuanYi Micro Hei"/>
+                          <a:cs typeface="Lohit Hindi"/>
+                        </a:rPr>
+                        <a:t>Число с мантиссой для чисел с плавающей </a:t>
+                      </a:r>
+                      <a:br>
+                        <a:rPr lang="ru-RU" sz="1200" kern="50" dirty="0">
+                          <a:latin typeface="Times New Roman"/>
+                          <a:ea typeface="WenQuanYi Micro Hei"/>
+                          <a:cs typeface="Lohit Hindi"/>
+                        </a:rPr>
+                      </a:br>
+                      <a:r>
+                        <a:rPr lang="ru-RU" sz="1200" kern="50" dirty="0">
+                          <a:latin typeface="Times New Roman"/>
+                          <a:ea typeface="WenQuanYi Micro Hei"/>
+                          <a:cs typeface="Lohit Hindi"/>
+                        </a:rPr>
+                        <a:t>запятой ( </a:t>
+                      </a:r>
+                      <a:r>
+                        <a:rPr lang="ru-RU" sz="1200" kern="50" dirty="0" err="1">
+                          <a:latin typeface="Times New Roman"/>
+                          <a:ea typeface="WenQuanYi Micro Hei"/>
+                          <a:cs typeface="Lohit Hindi"/>
+                        </a:rPr>
+                        <a:t>double</a:t>
+                      </a:r>
+                      <a:r>
+                        <a:rPr lang="ru-RU" sz="1200" kern="50" dirty="0">
+                          <a:latin typeface="Times New Roman"/>
+                          <a:ea typeface="WenQuanYi Micro Hei"/>
+                          <a:cs typeface="Lohit Hindi"/>
+                        </a:rPr>
+                        <a:t> )                      </a:t>
+                      </a:r>
+                      <a:endParaRPr lang="ru-RU" sz="1200" kern="50" dirty="0">
+                        <a:latin typeface="Liberation Serif"/>
+                        <a:ea typeface="WenQuanYi Micro Hei"/>
+                        <a:cs typeface="Lohit Hindi"/>
+                      </a:endParaRPr>
+                    </a:p>
+                  </a:txBody>
+                  <a:tcPr marL="17780" marR="17780" marT="17780" marB="17780">
+                    <a:lnL w="3175" cap="flat" cmpd="sng" algn="ctr">
+                      <a:solidFill>
+                        <a:schemeClr val="tx1"/>
+                      </a:solidFill>
+                      <a:prstDash val="solid"/>
+                      <a:round/>
+                      <a:headEnd type="none" w="med" len="med"/>
+                      <a:tailEnd type="none" w="med" len="med"/>
+                    </a:lnL>
+                    <a:lnR w="3175" cap="flat" cmpd="sng" algn="ctr">
+                      <a:solidFill>
+                        <a:schemeClr val="tx1"/>
+                      </a:solidFill>
+                      <a:prstDash val="solid"/>
+                      <a:round/>
+                      <a:headEnd type="none" w="med" len="med"/>
+                      <a:tailEnd type="none" w="med" len="med"/>
+                    </a:lnR>
+                    <a:lnT w="3175" cap="flat" cmpd="sng" algn="ctr">
+                      <a:solidFill>
+                        <a:schemeClr val="tx1"/>
+                      </a:solidFill>
+                      <a:prstDash val="solid"/>
+                      <a:round/>
+                      <a:headEnd type="none" w="med" len="med"/>
+                      <a:tailEnd type="none" w="med" len="med"/>
+                    </a:lnT>
+                    <a:lnB w="3175" cap="flat" cmpd="sng" algn="ctr">
+                      <a:solidFill>
+                        <a:schemeClr val="tx1"/>
+                      </a:solidFill>
+                      <a:prstDash val="solid"/>
+                      <a:round/>
+                      <a:headEnd type="none" w="med" len="med"/>
+                      <a:tailEnd type="none" w="med" len="med"/>
+                    </a:lnB>
+                    <a:lnTlToBr w="12700" cmpd="sng">
+                      <a:noFill/>
+                      <a:prstDash val="solid"/>
+                    </a:lnTlToBr>
+                    <a:lnBlToTr w="12700" cmpd="sng">
+                      <a:noFill/>
+                      <a:prstDash val="solid"/>
+                    </a:lnBlToTr>
+                  </a:tcPr>
+                </a:tc>
+              </a:tr>
+              <a:tr h="0">
+                <a:tc>
+                  <a:txBody>
+                    <a:bodyPr/>
+                    <a:lstStyle/>
+                    <a:p>
+                      <a:pPr>
+                        <a:lnSpc>
+                          <a:spcPct val="115000"/>
+                        </a:lnSpc>
+                        <a:spcAft>
+                          <a:spcPts val="0"/>
+                        </a:spcAft>
+                      </a:pPr>
+                      <a:r>
+                        <a:rPr lang="en-US" sz="1200" kern="50" dirty="0" smtClean="0">
+                          <a:latin typeface="Times New Roman"/>
+                          <a:ea typeface="WenQuanYi Micro Hei"/>
+                          <a:cs typeface="Lohit Hindi"/>
+                        </a:rPr>
+                        <a:t>%</a:t>
+                      </a:r>
+                      <a:r>
+                        <a:rPr lang="ru-RU" sz="1200" kern="50" dirty="0" err="1" smtClean="0">
+                          <a:latin typeface="Times New Roman"/>
+                          <a:ea typeface="WenQuanYi Micro Hei"/>
+                          <a:cs typeface="Lohit Hindi"/>
+                        </a:rPr>
+                        <a:t>f</a:t>
+                      </a:r>
+                      <a:r>
+                        <a:rPr lang="ru-RU" sz="1200" kern="50" dirty="0" smtClean="0">
+                          <a:latin typeface="Times New Roman"/>
+                          <a:ea typeface="WenQuanYi Micro Hei"/>
+                          <a:cs typeface="Lohit Hindi"/>
+                        </a:rPr>
+                        <a:t>       </a:t>
+                      </a:r>
+                      <a:endParaRPr lang="ru-RU" sz="1200" kern="50" dirty="0">
+                        <a:latin typeface="Liberation Serif"/>
+                        <a:ea typeface="WenQuanYi Micro Hei"/>
+                        <a:cs typeface="Lohit Hindi"/>
+                      </a:endParaRPr>
+                    </a:p>
+                  </a:txBody>
+                  <a:tcPr marL="17780" marR="17780" marT="17780" marB="17780">
+                    <a:lnL w="3175" cap="flat" cmpd="sng" algn="ctr">
+                      <a:solidFill>
+                        <a:schemeClr val="tx1"/>
+                      </a:solidFill>
+                      <a:prstDash val="solid"/>
+                      <a:round/>
+                      <a:headEnd type="none" w="med" len="med"/>
+                      <a:tailEnd type="none" w="med" len="med"/>
+                    </a:lnL>
+                    <a:lnR w="3175" cap="flat" cmpd="sng" algn="ctr">
+                      <a:solidFill>
+                        <a:schemeClr val="tx1"/>
+                      </a:solidFill>
+                      <a:prstDash val="solid"/>
+                      <a:round/>
+                      <a:headEnd type="none" w="med" len="med"/>
+                      <a:tailEnd type="none" w="med" len="med"/>
+                    </a:lnR>
+                    <a:lnT w="3175" cap="flat" cmpd="sng" algn="ctr">
+                      <a:solidFill>
+                        <a:schemeClr val="tx1"/>
+                      </a:solidFill>
+                      <a:prstDash val="solid"/>
+                      <a:round/>
+                      <a:headEnd type="none" w="med" len="med"/>
+                      <a:tailEnd type="none" w="med" len="med"/>
+                    </a:lnT>
+                    <a:lnB w="3175" cap="flat" cmpd="sng" algn="ctr">
+                      <a:solidFill>
+                        <a:schemeClr val="tx1"/>
+                      </a:solidFill>
+                      <a:prstDash val="solid"/>
+                      <a:round/>
+                      <a:headEnd type="none" w="med" len="med"/>
+                      <a:tailEnd type="none" w="med" len="med"/>
+                    </a:lnB>
+                    <a:lnTlToBr w="12700" cmpd="sng">
+                      <a:noFill/>
+                      <a:prstDash val="solid"/>
+                    </a:lnTlToBr>
+                    <a:lnBlToTr w="12700" cmpd="sng">
+                      <a:noFill/>
+                      <a:prstDash val="solid"/>
+                    </a:lnBlToTr>
+                  </a:tcPr>
+                </a:tc>
+                <a:tc>
+                  <a:txBody>
+                    <a:bodyPr/>
+                    <a:lstStyle/>
+                    <a:p>
+                      <a:pPr>
+                        <a:lnSpc>
+                          <a:spcPct val="115000"/>
+                        </a:lnSpc>
+                        <a:spcAft>
+                          <a:spcPts val="0"/>
+                        </a:spcAft>
+                      </a:pPr>
+                      <a:r>
+                        <a:rPr lang="ru-RU" sz="1200" kern="50" dirty="0">
+                          <a:latin typeface="Times New Roman"/>
+                          <a:ea typeface="WenQuanYi Micro Hei"/>
+                          <a:cs typeface="Lohit Hindi"/>
+                        </a:rPr>
+                        <a:t>Число с плавающей точкой ( </a:t>
+                      </a:r>
+                      <a:r>
+                        <a:rPr lang="ru-RU" sz="1200" kern="50" dirty="0" err="1">
+                          <a:latin typeface="Times New Roman"/>
+                          <a:ea typeface="WenQuanYi Micro Hei"/>
+                          <a:cs typeface="Lohit Hindi"/>
+                        </a:rPr>
+                        <a:t>double</a:t>
+                      </a:r>
+                      <a:r>
+                        <a:rPr lang="ru-RU" sz="1200" kern="50" dirty="0">
+                          <a:latin typeface="Times New Roman"/>
+                          <a:ea typeface="WenQuanYi Micro Hei"/>
+                          <a:cs typeface="Lohit Hindi"/>
+                        </a:rPr>
+                        <a:t> )     </a:t>
+                      </a:r>
+                      <a:endParaRPr lang="ru-RU" sz="1200" kern="50" dirty="0">
+                        <a:latin typeface="Liberation Serif"/>
+                        <a:ea typeface="WenQuanYi Micro Hei"/>
+                        <a:cs typeface="Lohit Hindi"/>
+                      </a:endParaRPr>
+                    </a:p>
+                  </a:txBody>
+                  <a:tcPr marL="17780" marR="17780" marT="17780" marB="17780">
+                    <a:lnL w="3175" cap="flat" cmpd="sng" algn="ctr">
+                      <a:solidFill>
+                        <a:schemeClr val="tx1"/>
+                      </a:solidFill>
+                      <a:prstDash val="solid"/>
+                      <a:round/>
+                      <a:headEnd type="none" w="med" len="med"/>
+                      <a:tailEnd type="none" w="med" len="med"/>
+                    </a:lnL>
+                    <a:lnR w="3175" cap="flat" cmpd="sng" algn="ctr">
+                      <a:solidFill>
+                        <a:schemeClr val="tx1"/>
+                      </a:solidFill>
+                      <a:prstDash val="solid"/>
+                      <a:round/>
+                      <a:headEnd type="none" w="med" len="med"/>
+                      <a:tailEnd type="none" w="med" len="med"/>
+                    </a:lnR>
+                    <a:lnT w="3175" cap="flat" cmpd="sng" algn="ctr">
+                      <a:solidFill>
+                        <a:schemeClr val="tx1"/>
+                      </a:solidFill>
+                      <a:prstDash val="solid"/>
+                      <a:round/>
+                      <a:headEnd type="none" w="med" len="med"/>
+                      <a:tailEnd type="none" w="med" len="med"/>
+                    </a:lnT>
+                    <a:lnB w="3175" cap="flat" cmpd="sng" algn="ctr">
+                      <a:solidFill>
+                        <a:schemeClr val="tx1"/>
+                      </a:solidFill>
+                      <a:prstDash val="solid"/>
+                      <a:round/>
+                      <a:headEnd type="none" w="med" len="med"/>
+                      <a:tailEnd type="none" w="med" len="med"/>
+                    </a:lnB>
+                    <a:lnTlToBr w="12700" cmpd="sng">
+                      <a:noFill/>
+                      <a:prstDash val="solid"/>
+                    </a:lnTlToBr>
+                    <a:lnBlToTr w="12700" cmpd="sng">
+                      <a:noFill/>
+                      <a:prstDash val="solid"/>
+                    </a:lnBlToTr>
+                  </a:tcPr>
+                </a:tc>
+              </a:tr>
+              <a:tr h="0">
+                <a:tc>
+                  <a:txBody>
+                    <a:bodyPr/>
+                    <a:lstStyle/>
+                    <a:p>
+                      <a:pPr>
+                        <a:lnSpc>
+                          <a:spcPct val="115000"/>
+                        </a:lnSpc>
+                        <a:spcAft>
+                          <a:spcPts val="0"/>
+                        </a:spcAft>
+                      </a:pPr>
+                      <a:r>
+                        <a:rPr lang="en-US" sz="1200" kern="50" dirty="0" smtClean="0">
+                          <a:latin typeface="Times New Roman"/>
+                          <a:ea typeface="WenQuanYi Micro Hei"/>
+                          <a:cs typeface="Lohit Hindi"/>
+                        </a:rPr>
+                        <a:t>%</a:t>
+                      </a:r>
+                      <a:r>
+                        <a:rPr lang="ru-RU" sz="1200" kern="50" dirty="0" err="1" smtClean="0">
+                          <a:latin typeface="Times New Roman"/>
+                          <a:ea typeface="WenQuanYi Micro Hei"/>
+                          <a:cs typeface="Lohit Hindi"/>
+                        </a:rPr>
+                        <a:t>o</a:t>
+                      </a:r>
+                      <a:r>
+                        <a:rPr lang="ru-RU" sz="1200" kern="50" dirty="0" smtClean="0">
+                          <a:latin typeface="Times New Roman"/>
+                          <a:ea typeface="WenQuanYi Micro Hei"/>
+                          <a:cs typeface="Lohit Hindi"/>
+                        </a:rPr>
+                        <a:t>       </a:t>
+                      </a:r>
+                      <a:r>
+                        <a:rPr lang="ru-RU" sz="1200" kern="50" dirty="0">
+                          <a:latin typeface="Times New Roman"/>
+                          <a:ea typeface="WenQuanYi Micro Hei"/>
+                          <a:cs typeface="Lohit Hindi"/>
+                        </a:rPr>
+                        <a:t/>
+                      </a:r>
+                      <a:br>
+                        <a:rPr lang="ru-RU" sz="1200" kern="50" dirty="0">
+                          <a:latin typeface="Times New Roman"/>
+                          <a:ea typeface="WenQuanYi Micro Hei"/>
+                          <a:cs typeface="Lohit Hindi"/>
+                        </a:rPr>
+                      </a:br>
+                      <a:r>
+                        <a:rPr lang="ru-RU" sz="1200" kern="50" dirty="0">
+                          <a:latin typeface="Times New Roman"/>
+                          <a:ea typeface="WenQuanYi Micro Hei"/>
+                          <a:cs typeface="Lohit Hindi"/>
+                        </a:rPr>
+                        <a:t>        </a:t>
+                      </a:r>
+                      <a:endParaRPr lang="ru-RU" sz="1200" kern="50" dirty="0">
+                        <a:latin typeface="Liberation Serif"/>
+                        <a:ea typeface="WenQuanYi Micro Hei"/>
+                        <a:cs typeface="Lohit Hindi"/>
+                      </a:endParaRPr>
+                    </a:p>
+                  </a:txBody>
+                  <a:tcPr marL="17780" marR="17780" marT="17780" marB="17780">
+                    <a:lnL w="3175" cap="flat" cmpd="sng" algn="ctr">
+                      <a:solidFill>
+                        <a:schemeClr val="tx1"/>
+                      </a:solidFill>
+                      <a:prstDash val="solid"/>
+                      <a:round/>
+                      <a:headEnd type="none" w="med" len="med"/>
+                      <a:tailEnd type="none" w="med" len="med"/>
+                    </a:lnL>
+                    <a:lnR w="3175" cap="flat" cmpd="sng" algn="ctr">
+                      <a:solidFill>
+                        <a:schemeClr val="tx1"/>
+                      </a:solidFill>
+                      <a:prstDash val="solid"/>
+                      <a:round/>
+                      <a:headEnd type="none" w="med" len="med"/>
+                      <a:tailEnd type="none" w="med" len="med"/>
+                    </a:lnR>
+                    <a:lnT w="3175" cap="flat" cmpd="sng" algn="ctr">
+                      <a:solidFill>
+                        <a:schemeClr val="tx1"/>
+                      </a:solidFill>
+                      <a:prstDash val="solid"/>
+                      <a:round/>
+                      <a:headEnd type="none" w="med" len="med"/>
+                      <a:tailEnd type="none" w="med" len="med"/>
+                    </a:lnT>
+                    <a:lnB w="3175" cap="flat" cmpd="sng" algn="ctr">
+                      <a:solidFill>
+                        <a:schemeClr val="tx1"/>
+                      </a:solidFill>
+                      <a:prstDash val="solid"/>
+                      <a:round/>
+                      <a:headEnd type="none" w="med" len="med"/>
+                      <a:tailEnd type="none" w="med" len="med"/>
+                    </a:lnB>
+                    <a:lnTlToBr w="12700" cmpd="sng">
+                      <a:noFill/>
+                      <a:prstDash val="solid"/>
+                    </a:lnTlToBr>
+                    <a:lnBlToTr w="12700" cmpd="sng">
+                      <a:noFill/>
+                      <a:prstDash val="solid"/>
+                    </a:lnBlToTr>
+                  </a:tcPr>
+                </a:tc>
+                <a:tc>
+                  <a:txBody>
+                    <a:bodyPr/>
+                    <a:lstStyle/>
+                    <a:p>
+                      <a:pPr>
+                        <a:lnSpc>
+                          <a:spcPct val="115000"/>
+                        </a:lnSpc>
+                        <a:spcAft>
+                          <a:spcPts val="0"/>
+                        </a:spcAft>
+                      </a:pPr>
+                      <a:r>
+                        <a:rPr lang="ru-RU" sz="1200" kern="50" dirty="0">
+                          <a:latin typeface="Times New Roman"/>
+                          <a:ea typeface="WenQuanYi Micro Hei"/>
+                          <a:cs typeface="Lohit Hindi"/>
+                        </a:rPr>
+                        <a:t>Целое число в восьмеричном представлении</a:t>
+                      </a:r>
+                      <a:br>
+                        <a:rPr lang="ru-RU" sz="1200" kern="50" dirty="0">
+                          <a:latin typeface="Times New Roman"/>
+                          <a:ea typeface="WenQuanYi Micro Hei"/>
+                          <a:cs typeface="Lohit Hindi"/>
+                        </a:rPr>
+                      </a:br>
+                      <a:r>
+                        <a:rPr lang="ru-RU" sz="1200" kern="50" dirty="0">
+                          <a:latin typeface="Times New Roman"/>
+                          <a:ea typeface="WenQuanYi Micro Hei"/>
+                          <a:cs typeface="Lohit Hindi"/>
+                        </a:rPr>
+                        <a:t>( </a:t>
+                      </a:r>
+                      <a:r>
+                        <a:rPr lang="ru-RU" sz="1200" kern="50" dirty="0" err="1">
+                          <a:latin typeface="Times New Roman"/>
+                          <a:ea typeface="WenQuanYi Micro Hei"/>
+                          <a:cs typeface="Lohit Hindi"/>
+                        </a:rPr>
+                        <a:t>long</a:t>
+                      </a:r>
+                      <a:r>
+                        <a:rPr lang="ru-RU" sz="1200" kern="50" dirty="0">
+                          <a:latin typeface="Times New Roman"/>
+                          <a:ea typeface="WenQuanYi Micro Hei"/>
+                          <a:cs typeface="Lohit Hindi"/>
+                        </a:rPr>
+                        <a:t> )                                </a:t>
+                      </a:r>
+                      <a:endParaRPr lang="ru-RU" sz="1200" kern="50" dirty="0">
+                        <a:latin typeface="Liberation Serif"/>
+                        <a:ea typeface="WenQuanYi Micro Hei"/>
+                        <a:cs typeface="Lohit Hindi"/>
+                      </a:endParaRPr>
+                    </a:p>
+                  </a:txBody>
+                  <a:tcPr marL="17780" marR="17780" marT="17780" marB="17780">
+                    <a:lnL w="3175" cap="flat" cmpd="sng" algn="ctr">
+                      <a:solidFill>
+                        <a:schemeClr val="tx1"/>
+                      </a:solidFill>
+                      <a:prstDash val="solid"/>
+                      <a:round/>
+                      <a:headEnd type="none" w="med" len="med"/>
+                      <a:tailEnd type="none" w="med" len="med"/>
+                    </a:lnL>
+                    <a:lnR w="3175" cap="flat" cmpd="sng" algn="ctr">
+                      <a:solidFill>
+                        <a:schemeClr val="tx1"/>
+                      </a:solidFill>
+                      <a:prstDash val="solid"/>
+                      <a:round/>
+                      <a:headEnd type="none" w="med" len="med"/>
+                      <a:tailEnd type="none" w="med" len="med"/>
+                    </a:lnR>
+                    <a:lnT w="3175" cap="flat" cmpd="sng" algn="ctr">
+                      <a:solidFill>
+                        <a:schemeClr val="tx1"/>
+                      </a:solidFill>
+                      <a:prstDash val="solid"/>
+                      <a:round/>
+                      <a:headEnd type="none" w="med" len="med"/>
+                      <a:tailEnd type="none" w="med" len="med"/>
+                    </a:lnT>
+                    <a:lnB w="3175" cap="flat" cmpd="sng" algn="ctr">
+                      <a:solidFill>
+                        <a:schemeClr val="tx1"/>
+                      </a:solidFill>
+                      <a:prstDash val="solid"/>
+                      <a:round/>
+                      <a:headEnd type="none" w="med" len="med"/>
+                      <a:tailEnd type="none" w="med" len="med"/>
+                    </a:lnB>
+                    <a:lnTlToBr w="12700" cmpd="sng">
+                      <a:noFill/>
+                      <a:prstDash val="solid"/>
+                    </a:lnTlToBr>
+                    <a:lnBlToTr w="12700" cmpd="sng">
+                      <a:noFill/>
+                      <a:prstDash val="solid"/>
+                    </a:lnBlToTr>
+                  </a:tcPr>
+                </a:tc>
+              </a:tr>
+              <a:tr h="0">
+                <a:tc>
+                  <a:txBody>
+                    <a:bodyPr/>
+                    <a:lstStyle/>
+                    <a:p>
+                      <a:pPr>
+                        <a:lnSpc>
+                          <a:spcPct val="115000"/>
+                        </a:lnSpc>
+                        <a:spcAft>
+                          <a:spcPts val="0"/>
+                        </a:spcAft>
+                      </a:pPr>
+                      <a:r>
+                        <a:rPr lang="en-US" sz="1200" kern="50" dirty="0" smtClean="0">
+                          <a:latin typeface="Times New Roman"/>
+                          <a:ea typeface="WenQuanYi Micro Hei"/>
+                          <a:cs typeface="Lohit Hindi"/>
+                        </a:rPr>
+                        <a:t>%</a:t>
+                      </a:r>
+                      <a:r>
+                        <a:rPr lang="ru-RU" sz="1200" kern="50" dirty="0" err="1" smtClean="0">
+                          <a:latin typeface="Times New Roman"/>
+                          <a:ea typeface="WenQuanYi Micro Hei"/>
+                          <a:cs typeface="Lohit Hindi"/>
+                        </a:rPr>
+                        <a:t>s</a:t>
+                      </a:r>
+                      <a:r>
+                        <a:rPr lang="ru-RU" sz="1200" kern="50" dirty="0" smtClean="0">
+                          <a:latin typeface="Times New Roman"/>
+                          <a:ea typeface="WenQuanYi Micro Hei"/>
+                          <a:cs typeface="Lohit Hindi"/>
+                        </a:rPr>
+                        <a:t>       </a:t>
+                      </a:r>
+                      <a:endParaRPr lang="ru-RU" sz="1200" kern="50" dirty="0">
+                        <a:latin typeface="Liberation Serif"/>
+                        <a:ea typeface="WenQuanYi Micro Hei"/>
+                        <a:cs typeface="Lohit Hindi"/>
+                      </a:endParaRPr>
+                    </a:p>
+                  </a:txBody>
+                  <a:tcPr marL="17780" marR="17780" marT="17780" marB="17780">
+                    <a:lnL w="3175" cap="flat" cmpd="sng" algn="ctr">
+                      <a:solidFill>
+                        <a:schemeClr val="tx1"/>
+                      </a:solidFill>
+                      <a:prstDash val="solid"/>
+                      <a:round/>
+                      <a:headEnd type="none" w="med" len="med"/>
+                      <a:tailEnd type="none" w="med" len="med"/>
+                    </a:lnL>
+                    <a:lnR w="3175" cap="flat" cmpd="sng" algn="ctr">
+                      <a:solidFill>
+                        <a:schemeClr val="tx1"/>
+                      </a:solidFill>
+                      <a:prstDash val="solid"/>
+                      <a:round/>
+                      <a:headEnd type="none" w="med" len="med"/>
+                      <a:tailEnd type="none" w="med" len="med"/>
+                    </a:lnR>
+                    <a:lnT w="3175" cap="flat" cmpd="sng" algn="ctr">
+                      <a:solidFill>
+                        <a:schemeClr val="tx1"/>
+                      </a:solidFill>
+                      <a:prstDash val="solid"/>
+                      <a:round/>
+                      <a:headEnd type="none" w="med" len="med"/>
+                      <a:tailEnd type="none" w="med" len="med"/>
+                    </a:lnT>
+                    <a:lnB w="3175" cap="flat" cmpd="sng" algn="ctr">
+                      <a:solidFill>
+                        <a:schemeClr val="tx1"/>
+                      </a:solidFill>
+                      <a:prstDash val="solid"/>
+                      <a:round/>
+                      <a:headEnd type="none" w="med" len="med"/>
+                      <a:tailEnd type="none" w="med" len="med"/>
+                    </a:lnB>
+                    <a:lnTlToBr w="12700" cmpd="sng">
+                      <a:noFill/>
+                      <a:prstDash val="solid"/>
+                    </a:lnTlToBr>
+                    <a:lnBlToTr w="12700" cmpd="sng">
+                      <a:noFill/>
+                      <a:prstDash val="solid"/>
+                    </a:lnBlToTr>
+                  </a:tcPr>
+                </a:tc>
+                <a:tc>
+                  <a:txBody>
+                    <a:bodyPr/>
+                    <a:lstStyle/>
+                    <a:p>
+                      <a:pPr>
+                        <a:lnSpc>
+                          <a:spcPct val="115000"/>
+                        </a:lnSpc>
+                        <a:spcAft>
+                          <a:spcPts val="0"/>
+                        </a:spcAft>
+                      </a:pPr>
+                      <a:r>
+                        <a:rPr lang="ru-RU" sz="1200" kern="50" dirty="0">
+                          <a:latin typeface="Times New Roman"/>
+                          <a:ea typeface="WenQuanYi Micro Hei"/>
+                          <a:cs typeface="Lohit Hindi"/>
+                        </a:rPr>
+                        <a:t>Строка завещающаяся нулем ( </a:t>
+                      </a:r>
+                      <a:r>
+                        <a:rPr lang="ru-RU" sz="1200" kern="50" dirty="0" err="1">
+                          <a:latin typeface="Times New Roman"/>
+                          <a:ea typeface="WenQuanYi Micro Hei"/>
+                          <a:cs typeface="Lohit Hindi"/>
+                        </a:rPr>
+                        <a:t>char</a:t>
+                      </a:r>
+                      <a:r>
+                        <a:rPr lang="ru-RU" sz="1200" kern="50" dirty="0">
+                          <a:latin typeface="Times New Roman"/>
+                          <a:ea typeface="WenQuanYi Micro Hei"/>
+                          <a:cs typeface="Lohit Hindi"/>
+                        </a:rPr>
+                        <a:t>* )    </a:t>
+                      </a:r>
+                      <a:endParaRPr lang="ru-RU" sz="1200" kern="50" dirty="0">
+                        <a:latin typeface="Liberation Serif"/>
+                        <a:ea typeface="WenQuanYi Micro Hei"/>
+                        <a:cs typeface="Lohit Hindi"/>
+                      </a:endParaRPr>
+                    </a:p>
+                  </a:txBody>
+                  <a:tcPr marL="17780" marR="17780" marT="17780" marB="17780">
+                    <a:lnL w="3175" cap="flat" cmpd="sng" algn="ctr">
+                      <a:solidFill>
+                        <a:schemeClr val="tx1"/>
+                      </a:solidFill>
+                      <a:prstDash val="solid"/>
+                      <a:round/>
+                      <a:headEnd type="none" w="med" len="med"/>
+                      <a:tailEnd type="none" w="med" len="med"/>
+                    </a:lnL>
+                    <a:lnR w="3175" cap="flat" cmpd="sng" algn="ctr">
+                      <a:solidFill>
+                        <a:schemeClr val="tx1"/>
+                      </a:solidFill>
+                      <a:prstDash val="solid"/>
+                      <a:round/>
+                      <a:headEnd type="none" w="med" len="med"/>
+                      <a:tailEnd type="none" w="med" len="med"/>
+                    </a:lnR>
+                    <a:lnT w="3175" cap="flat" cmpd="sng" algn="ctr">
+                      <a:solidFill>
+                        <a:schemeClr val="tx1"/>
+                      </a:solidFill>
+                      <a:prstDash val="solid"/>
+                      <a:round/>
+                      <a:headEnd type="none" w="med" len="med"/>
+                      <a:tailEnd type="none" w="med" len="med"/>
+                    </a:lnT>
+                    <a:lnB w="3175" cap="flat" cmpd="sng" algn="ctr">
+                      <a:solidFill>
+                        <a:schemeClr val="tx1"/>
+                      </a:solidFill>
+                      <a:prstDash val="solid"/>
+                      <a:round/>
+                      <a:headEnd type="none" w="med" len="med"/>
+                      <a:tailEnd type="none" w="med" len="med"/>
+                    </a:lnB>
+                    <a:lnTlToBr w="12700" cmpd="sng">
+                      <a:noFill/>
+                      <a:prstDash val="solid"/>
+                    </a:lnTlToBr>
+                    <a:lnBlToTr w="12700" cmpd="sng">
+                      <a:noFill/>
+                      <a:prstDash val="solid"/>
+                    </a:lnBlToTr>
+                  </a:tcPr>
+                </a:tc>
+              </a:tr>
+              <a:tr h="0">
+                <a:tc>
+                  <a:txBody>
+                    <a:bodyPr/>
+                    <a:lstStyle/>
+                    <a:p>
+                      <a:pPr>
+                        <a:lnSpc>
+                          <a:spcPct val="115000"/>
+                        </a:lnSpc>
+                        <a:spcAft>
+                          <a:spcPts val="0"/>
+                        </a:spcAft>
+                      </a:pPr>
+                      <a:r>
+                        <a:rPr lang="ru-RU" sz="1200" kern="50" dirty="0" smtClean="0">
+                          <a:latin typeface="Times New Roman"/>
+                          <a:ea typeface="WenQuanYi Micro Hei"/>
+                          <a:cs typeface="Lohit Hindi"/>
+                        </a:rPr>
+                        <a:t>% </a:t>
+                      </a:r>
+                      <a:r>
+                        <a:rPr lang="en-US" sz="1200" kern="50" dirty="0" smtClean="0">
+                          <a:latin typeface="Times New Roman"/>
+                          <a:ea typeface="WenQuanYi Micro Hei"/>
+                          <a:cs typeface="Lohit Hindi"/>
+                        </a:rPr>
+                        <a:t>x</a:t>
+                      </a:r>
+                      <a:r>
+                        <a:rPr lang="ru-RU" sz="1200" kern="50" dirty="0" smtClean="0">
+                          <a:latin typeface="Times New Roman"/>
+                          <a:ea typeface="WenQuanYi Micro Hei"/>
+                          <a:cs typeface="Lohit Hindi"/>
+                        </a:rPr>
+                        <a:t>      </a:t>
+                      </a:r>
+                      <a:r>
+                        <a:rPr lang="ru-RU" sz="1200" kern="50" dirty="0">
+                          <a:latin typeface="Times New Roman"/>
+                          <a:ea typeface="WenQuanYi Micro Hei"/>
+                          <a:cs typeface="Lohit Hindi"/>
+                        </a:rPr>
+                        <a:t/>
+                      </a:r>
+                      <a:br>
+                        <a:rPr lang="ru-RU" sz="1200" kern="50" dirty="0">
+                          <a:latin typeface="Times New Roman"/>
+                          <a:ea typeface="WenQuanYi Micro Hei"/>
+                          <a:cs typeface="Lohit Hindi"/>
+                        </a:rPr>
+                      </a:br>
+                      <a:r>
+                        <a:rPr lang="ru-RU" sz="1200" kern="50" dirty="0">
+                          <a:latin typeface="Times New Roman"/>
+                          <a:ea typeface="WenQuanYi Micro Hei"/>
+                          <a:cs typeface="Lohit Hindi"/>
+                        </a:rPr>
+                        <a:t>        </a:t>
+                      </a:r>
+                      <a:endParaRPr lang="ru-RU" sz="1200" kern="50" dirty="0">
+                        <a:latin typeface="Liberation Serif"/>
+                        <a:ea typeface="WenQuanYi Micro Hei"/>
+                        <a:cs typeface="Lohit Hindi"/>
+                      </a:endParaRPr>
+                    </a:p>
+                  </a:txBody>
+                  <a:tcPr marL="17780" marR="17780" marT="17780" marB="17780">
+                    <a:lnL w="3175" cap="flat" cmpd="sng" algn="ctr">
+                      <a:solidFill>
+                        <a:schemeClr val="tx1"/>
+                      </a:solidFill>
+                      <a:prstDash val="solid"/>
+                      <a:round/>
+                      <a:headEnd type="none" w="med" len="med"/>
+                      <a:tailEnd type="none" w="med" len="med"/>
+                    </a:lnL>
+                    <a:lnR w="3175" cap="flat" cmpd="sng" algn="ctr">
+                      <a:solidFill>
+                        <a:schemeClr val="tx1"/>
+                      </a:solidFill>
+                      <a:prstDash val="solid"/>
+                      <a:round/>
+                      <a:headEnd type="none" w="med" len="med"/>
+                      <a:tailEnd type="none" w="med" len="med"/>
+                    </a:lnR>
+                    <a:lnT w="3175" cap="flat" cmpd="sng" algn="ctr">
+                      <a:solidFill>
+                        <a:schemeClr val="tx1"/>
+                      </a:solidFill>
+                      <a:prstDash val="solid"/>
+                      <a:round/>
+                      <a:headEnd type="none" w="med" len="med"/>
+                      <a:tailEnd type="none" w="med" len="med"/>
+                    </a:lnT>
+                    <a:lnB w="3175" cap="flat" cmpd="sng" algn="ctr">
+                      <a:solidFill>
+                        <a:schemeClr val="tx1"/>
+                      </a:solidFill>
+                      <a:prstDash val="solid"/>
+                      <a:round/>
+                      <a:headEnd type="none" w="med" len="med"/>
+                      <a:tailEnd type="none" w="med" len="med"/>
+                    </a:lnB>
+                    <a:lnTlToBr w="12700" cmpd="sng">
+                      <a:noFill/>
+                      <a:prstDash val="solid"/>
+                    </a:lnTlToBr>
+                    <a:lnBlToTr w="12700" cmpd="sng">
+                      <a:noFill/>
+                      <a:prstDash val="solid"/>
+                    </a:lnBlToTr>
+                  </a:tcPr>
+                </a:tc>
+                <a:tc>
+                  <a:txBody>
+                    <a:bodyPr/>
+                    <a:lstStyle/>
+                    <a:p>
+                      <a:pPr>
+                        <a:lnSpc>
+                          <a:spcPct val="115000"/>
+                        </a:lnSpc>
+                        <a:spcAft>
+                          <a:spcPts val="0"/>
+                        </a:spcAft>
+                      </a:pPr>
+                      <a:r>
+                        <a:rPr lang="ru-RU" sz="1200" kern="50" dirty="0" err="1">
+                          <a:latin typeface="Times New Roman"/>
+                          <a:ea typeface="WenQuanYi Micro Hei"/>
+                          <a:cs typeface="Lohit Hindi"/>
+                        </a:rPr>
+                        <a:t>Беззнаковое</a:t>
+                      </a:r>
+                      <a:r>
+                        <a:rPr lang="ru-RU" sz="1200" kern="50" dirty="0">
+                          <a:latin typeface="Times New Roman"/>
+                          <a:ea typeface="WenQuanYi Micro Hei"/>
+                          <a:cs typeface="Lohit Hindi"/>
+                        </a:rPr>
+                        <a:t> </a:t>
+                      </a:r>
+                      <a:r>
+                        <a:rPr lang="ru-RU" sz="1200" kern="50" dirty="0" err="1">
+                          <a:latin typeface="Times New Roman"/>
+                          <a:ea typeface="WenQuanYi Micro Hei"/>
+                          <a:cs typeface="Lohit Hindi"/>
+                        </a:rPr>
+                        <a:t>шеснадцатиричное</a:t>
+                      </a:r>
+                      <a:r>
+                        <a:rPr lang="ru-RU" sz="1200" kern="50" dirty="0">
+                          <a:latin typeface="Times New Roman"/>
+                          <a:ea typeface="WenQuanYi Micro Hei"/>
+                          <a:cs typeface="Lohit Hindi"/>
+                        </a:rPr>
+                        <a:t>            </a:t>
+                      </a:r>
+                      <a:br>
+                        <a:rPr lang="ru-RU" sz="1200" kern="50" dirty="0">
+                          <a:latin typeface="Times New Roman"/>
+                          <a:ea typeface="WenQuanYi Micro Hei"/>
+                          <a:cs typeface="Lohit Hindi"/>
+                        </a:rPr>
+                      </a:br>
+                      <a:r>
+                        <a:rPr lang="ru-RU" sz="1200" kern="50" dirty="0">
+                          <a:latin typeface="Times New Roman"/>
+                          <a:ea typeface="WenQuanYi Micro Hei"/>
+                          <a:cs typeface="Lohit Hindi"/>
+                        </a:rPr>
+                        <a:t>представления ( </a:t>
+                      </a:r>
+                      <a:r>
+                        <a:rPr lang="ru-RU" sz="1200" kern="50" dirty="0" err="1">
+                          <a:latin typeface="Times New Roman"/>
+                          <a:ea typeface="WenQuanYi Micro Hei"/>
+                          <a:cs typeface="Lohit Hindi"/>
+                        </a:rPr>
+                        <a:t>long</a:t>
+                      </a:r>
+                      <a:r>
+                        <a:rPr lang="ru-RU" sz="1200" kern="50" dirty="0">
+                          <a:latin typeface="Times New Roman"/>
+                          <a:ea typeface="WenQuanYi Micro Hei"/>
+                          <a:cs typeface="Lohit Hindi"/>
+                        </a:rPr>
+                        <a:t> )                  </a:t>
+                      </a:r>
+                      <a:endParaRPr lang="ru-RU" sz="1200" kern="50" dirty="0">
+                        <a:latin typeface="Liberation Serif"/>
+                        <a:ea typeface="WenQuanYi Micro Hei"/>
+                        <a:cs typeface="Lohit Hindi"/>
+                      </a:endParaRPr>
+                    </a:p>
+                  </a:txBody>
+                  <a:tcPr marL="17780" marR="17780" marT="17780" marB="17780">
+                    <a:lnL w="3175" cap="flat" cmpd="sng" algn="ctr">
+                      <a:solidFill>
+                        <a:schemeClr val="tx1"/>
+                      </a:solidFill>
+                      <a:prstDash val="solid"/>
+                      <a:round/>
+                      <a:headEnd type="none" w="med" len="med"/>
+                      <a:tailEnd type="none" w="med" len="med"/>
+                    </a:lnL>
+                    <a:lnR w="3175" cap="flat" cmpd="sng" algn="ctr">
+                      <a:solidFill>
+                        <a:schemeClr val="tx1"/>
+                      </a:solidFill>
+                      <a:prstDash val="solid"/>
+                      <a:round/>
+                      <a:headEnd type="none" w="med" len="med"/>
+                      <a:tailEnd type="none" w="med" len="med"/>
+                    </a:lnR>
+                    <a:lnT w="3175" cap="flat" cmpd="sng" algn="ctr">
+                      <a:solidFill>
+                        <a:schemeClr val="tx1"/>
+                      </a:solidFill>
+                      <a:prstDash val="solid"/>
+                      <a:round/>
+                      <a:headEnd type="none" w="med" len="med"/>
+                      <a:tailEnd type="none" w="med" len="med"/>
+                    </a:lnT>
+                    <a:lnB w="3175" cap="flat" cmpd="sng" algn="ctr">
+                      <a:solidFill>
+                        <a:schemeClr val="tx1"/>
+                      </a:solidFill>
+                      <a:prstDash val="solid"/>
+                      <a:round/>
+                      <a:headEnd type="none" w="med" len="med"/>
+                      <a:tailEnd type="none" w="med" len="med"/>
+                    </a:lnB>
+                    <a:lnTlToBr w="12700" cmpd="sng">
+                      <a:noFill/>
+                      <a:prstDash val="solid"/>
+                    </a:lnTlToBr>
+                    <a:lnBlToTr w="12700" cmpd="sng">
+                      <a:noFill/>
+                      <a:prstDash val="solid"/>
+                    </a:lnBlToTr>
+                  </a:tcPr>
+                </a:tc>
+              </a:tr>
+              <a:tr h="0">
+                <a:tc>
+                  <a:txBody>
+                    <a:bodyPr/>
+                    <a:lstStyle/>
+                    <a:p>
+                      <a:pPr>
+                        <a:lnSpc>
+                          <a:spcPct val="115000"/>
+                        </a:lnSpc>
+                        <a:spcAft>
+                          <a:spcPts val="0"/>
+                        </a:spcAft>
+                      </a:pPr>
+                      <a:r>
+                        <a:rPr lang="ru-RU" sz="1200" kern="50" dirty="0" smtClean="0">
+                          <a:latin typeface="Times New Roman"/>
+                          <a:ea typeface="WenQuanYi Micro Hei"/>
+                          <a:cs typeface="Lohit Hindi"/>
+                        </a:rPr>
+                        <a:t>%X       </a:t>
+                      </a:r>
+                      <a:r>
+                        <a:rPr lang="ru-RU" sz="1200" kern="50" dirty="0">
+                          <a:latin typeface="Times New Roman"/>
+                          <a:ea typeface="WenQuanYi Micro Hei"/>
+                          <a:cs typeface="Lohit Hindi"/>
+                        </a:rPr>
+                        <a:t/>
+                      </a:r>
+                      <a:br>
+                        <a:rPr lang="ru-RU" sz="1200" kern="50" dirty="0">
+                          <a:latin typeface="Times New Roman"/>
+                          <a:ea typeface="WenQuanYi Micro Hei"/>
+                          <a:cs typeface="Lohit Hindi"/>
+                        </a:rPr>
+                      </a:br>
+                      <a:r>
+                        <a:rPr lang="ru-RU" sz="1200" kern="50" dirty="0">
+                          <a:latin typeface="Times New Roman"/>
+                          <a:ea typeface="WenQuanYi Micro Hei"/>
+                          <a:cs typeface="Lohit Hindi"/>
+                        </a:rPr>
+                        <a:t>        </a:t>
+                      </a:r>
+                      <a:br>
+                        <a:rPr lang="ru-RU" sz="1200" kern="50" dirty="0">
+                          <a:latin typeface="Times New Roman"/>
+                          <a:ea typeface="WenQuanYi Micro Hei"/>
+                          <a:cs typeface="Lohit Hindi"/>
+                        </a:rPr>
+                      </a:br>
+                      <a:r>
+                        <a:rPr lang="ru-RU" sz="1200" kern="50" dirty="0">
+                          <a:latin typeface="Times New Roman"/>
+                          <a:ea typeface="WenQuanYi Micro Hei"/>
+                          <a:cs typeface="Lohit Hindi"/>
+                        </a:rPr>
+                        <a:t>        </a:t>
+                      </a:r>
+                      <a:endParaRPr lang="ru-RU" sz="1200" kern="50" dirty="0">
+                        <a:latin typeface="Liberation Serif"/>
+                        <a:ea typeface="WenQuanYi Micro Hei"/>
+                        <a:cs typeface="Lohit Hindi"/>
+                      </a:endParaRPr>
+                    </a:p>
+                  </a:txBody>
+                  <a:tcPr marL="17780" marR="17780" marT="17780" marB="17780">
+                    <a:lnL w="3175" cap="flat" cmpd="sng" algn="ctr">
+                      <a:solidFill>
+                        <a:schemeClr val="tx1"/>
+                      </a:solidFill>
+                      <a:prstDash val="solid"/>
+                      <a:round/>
+                      <a:headEnd type="none" w="med" len="med"/>
+                      <a:tailEnd type="none" w="med" len="med"/>
+                    </a:lnL>
+                    <a:lnR w="3175" cap="flat" cmpd="sng" algn="ctr">
+                      <a:solidFill>
+                        <a:schemeClr val="tx1"/>
+                      </a:solidFill>
+                      <a:prstDash val="solid"/>
+                      <a:round/>
+                      <a:headEnd type="none" w="med" len="med"/>
+                      <a:tailEnd type="none" w="med" len="med"/>
+                    </a:lnR>
+                    <a:lnT w="3175" cap="flat" cmpd="sng" algn="ctr">
+                      <a:solidFill>
+                        <a:schemeClr val="tx1"/>
+                      </a:solidFill>
+                      <a:prstDash val="solid"/>
+                      <a:round/>
+                      <a:headEnd type="none" w="med" len="med"/>
+                      <a:tailEnd type="none" w="med" len="med"/>
+                    </a:lnT>
+                    <a:lnB w="3175" cap="flat" cmpd="sng" algn="ctr">
+                      <a:solidFill>
+                        <a:schemeClr val="tx1"/>
+                      </a:solidFill>
+                      <a:prstDash val="solid"/>
+                      <a:round/>
+                      <a:headEnd type="none" w="med" len="med"/>
+                      <a:tailEnd type="none" w="med" len="med"/>
+                    </a:lnB>
+                    <a:lnTlToBr w="12700" cmpd="sng">
+                      <a:noFill/>
+                      <a:prstDash val="solid"/>
+                    </a:lnTlToBr>
+                    <a:lnBlToTr w="12700" cmpd="sng">
+                      <a:noFill/>
+                      <a:prstDash val="solid"/>
+                    </a:lnBlToTr>
+                  </a:tcPr>
+                </a:tc>
+                <a:tc>
+                  <a:txBody>
+                    <a:bodyPr/>
+                    <a:lstStyle/>
+                    <a:p>
+                      <a:pPr>
+                        <a:lnSpc>
+                          <a:spcPct val="115000"/>
+                        </a:lnSpc>
+                        <a:spcAft>
+                          <a:spcPts val="0"/>
+                        </a:spcAft>
+                      </a:pPr>
+                      <a:r>
+                        <a:rPr lang="ru-RU" sz="1200" kern="50" dirty="0" err="1">
+                          <a:latin typeface="Times New Roman"/>
+                          <a:ea typeface="WenQuanYi Micro Hei"/>
+                          <a:cs typeface="Lohit Hindi"/>
+                        </a:rPr>
+                        <a:t>Беззнаковое</a:t>
+                      </a:r>
+                      <a:r>
+                        <a:rPr lang="ru-RU" sz="1200" kern="50" dirty="0">
+                          <a:latin typeface="Times New Roman"/>
+                          <a:ea typeface="WenQuanYi Micro Hei"/>
+                          <a:cs typeface="Lohit Hindi"/>
+                        </a:rPr>
+                        <a:t> шестнадцатеричное            </a:t>
+                      </a:r>
+                      <a:br>
+                        <a:rPr lang="ru-RU" sz="1200" kern="50" dirty="0">
+                          <a:latin typeface="Times New Roman"/>
+                          <a:ea typeface="WenQuanYi Micro Hei"/>
+                          <a:cs typeface="Lohit Hindi"/>
+                        </a:rPr>
+                      </a:br>
+                      <a:r>
+                        <a:rPr lang="ru-RU" sz="1200" kern="50" dirty="0">
+                          <a:latin typeface="Times New Roman"/>
+                          <a:ea typeface="WenQuanYi Micro Hei"/>
+                          <a:cs typeface="Lohit Hindi"/>
+                        </a:rPr>
+                        <a:t>представления с буквами в верхнем       </a:t>
+                      </a:r>
+                      <a:br>
+                        <a:rPr lang="ru-RU" sz="1200" kern="50" dirty="0">
+                          <a:latin typeface="Times New Roman"/>
+                          <a:ea typeface="WenQuanYi Micro Hei"/>
+                          <a:cs typeface="Lohit Hindi"/>
+                        </a:rPr>
+                      </a:br>
+                      <a:r>
+                        <a:rPr lang="ru-RU" sz="1200" kern="50" dirty="0">
+                          <a:latin typeface="Times New Roman"/>
+                          <a:ea typeface="WenQuanYi Micro Hei"/>
+                          <a:cs typeface="Lohit Hindi"/>
+                        </a:rPr>
+                        <a:t>регистре ( </a:t>
+                      </a:r>
+                      <a:r>
+                        <a:rPr lang="ru-RU" sz="1200" kern="50" dirty="0" err="1">
+                          <a:latin typeface="Times New Roman"/>
+                          <a:ea typeface="WenQuanYi Micro Hei"/>
+                          <a:cs typeface="Lohit Hindi"/>
+                        </a:rPr>
+                        <a:t>long</a:t>
+                      </a:r>
+                      <a:r>
+                        <a:rPr lang="ru-RU" sz="1200" kern="50" dirty="0">
+                          <a:latin typeface="Times New Roman"/>
+                          <a:ea typeface="WenQuanYi Micro Hei"/>
+                          <a:cs typeface="Lohit Hindi"/>
+                        </a:rPr>
+                        <a:t> )                       </a:t>
+                      </a:r>
+                      <a:endParaRPr lang="ru-RU" sz="1200" kern="50" dirty="0">
+                        <a:latin typeface="Liberation Serif"/>
+                        <a:ea typeface="WenQuanYi Micro Hei"/>
+                        <a:cs typeface="Lohit Hindi"/>
+                      </a:endParaRPr>
+                    </a:p>
+                  </a:txBody>
+                  <a:tcPr marL="17780" marR="17780" marT="17780" marB="17780">
+                    <a:lnL w="3175" cap="flat" cmpd="sng" algn="ctr">
+                      <a:solidFill>
+                        <a:schemeClr val="tx1"/>
+                      </a:solidFill>
+                      <a:prstDash val="solid"/>
+                      <a:round/>
+                      <a:headEnd type="none" w="med" len="med"/>
+                      <a:tailEnd type="none" w="med" len="med"/>
+                    </a:lnL>
+                    <a:lnR w="3175" cap="flat" cmpd="sng" algn="ctr">
+                      <a:solidFill>
+                        <a:schemeClr val="tx1"/>
+                      </a:solidFill>
+                      <a:prstDash val="solid"/>
+                      <a:round/>
+                      <a:headEnd type="none" w="med" len="med"/>
+                      <a:tailEnd type="none" w="med" len="med"/>
+                    </a:lnR>
+                    <a:lnT w="3175" cap="flat" cmpd="sng" algn="ctr">
+                      <a:solidFill>
+                        <a:schemeClr val="tx1"/>
+                      </a:solidFill>
+                      <a:prstDash val="solid"/>
+                      <a:round/>
+                      <a:headEnd type="none" w="med" len="med"/>
+                      <a:tailEnd type="none" w="med" len="med"/>
+                    </a:lnT>
+                    <a:lnB w="3175" cap="flat" cmpd="sng" algn="ctr">
+                      <a:solidFill>
+                        <a:schemeClr val="tx1"/>
+                      </a:solidFill>
+                      <a:prstDash val="solid"/>
+                      <a:round/>
+                      <a:headEnd type="none" w="med" len="med"/>
+                      <a:tailEnd type="none" w="med" len="med"/>
+                    </a:lnB>
+                    <a:lnTlToBr w="12700" cmpd="sng">
+                      <a:noFill/>
+                      <a:prstDash val="solid"/>
+                    </a:lnTlToBr>
+                    <a:lnBlToTr w="12700" cmpd="sng">
+                      <a:noFill/>
+                      <a:prstDash val="solid"/>
+                    </a:lnBlToTr>
+                  </a:tcPr>
+                </a:tc>
+              </a:tr>
+            </a:tbl>
+          </a:graphicData>
+        </a:graphic>
+      </p:graphicFrame>
+      <p:sp>
+        <p:nvSpPr>
+          <p:cNvPr id="27" name="TextBox 26"/>
+          <p:cNvSpPr txBox="1"/>
+          <p:nvPr/>
+        </p:nvSpPr>
+        <p:spPr>
+          <a:xfrm>
+            <a:off x="5500694" y="1857364"/>
+            <a:ext cx="3193246" cy="646331"/>
+          </a:xfrm>
+          <a:prstGeom prst="rect">
+            <a:avLst/>
+          </a:prstGeom>
+          <a:noFill/>
+        </p:spPr>
+        <p:txBody>
+          <a:bodyPr wrap="none" rtlCol="0">
+            <a:spAutoFit/>
+          </a:bodyPr>
+          <a:lstStyle/>
+          <a:p>
+            <a:pPr algn="ctr"/>
+            <a:r>
+              <a:rPr lang="ru-RU" dirty="0" smtClean="0">
+                <a:latin typeface="Times New Roman" pitchFamily="18" charset="0"/>
+                <a:cs typeface="Times New Roman" pitchFamily="18" charset="0"/>
+              </a:rPr>
+              <a:t>Последовательность</a:t>
+            </a:r>
+            <a:r>
+              <a:rPr lang="en-US" dirty="0" smtClean="0">
+                <a:latin typeface="Times New Roman" pitchFamily="18" charset="0"/>
+                <a:cs typeface="Times New Roman" pitchFamily="18" charset="0"/>
+              </a:rPr>
+              <a:t> </a:t>
+            </a:r>
+            <a:r>
+              <a:rPr lang="ru-RU" dirty="0" smtClean="0">
+                <a:latin typeface="Times New Roman" pitchFamily="18" charset="0"/>
+                <a:cs typeface="Times New Roman" pitchFamily="18" charset="0"/>
+              </a:rPr>
+              <a:t>символов</a:t>
+            </a:r>
+          </a:p>
+          <a:p>
+            <a:pPr algn="ctr"/>
+            <a:r>
+              <a:rPr lang="ru-RU" dirty="0" smtClean="0">
+                <a:latin typeface="Times New Roman" pitchFamily="18" charset="0"/>
+                <a:cs typeface="Times New Roman" pitchFamily="18" charset="0"/>
+              </a:rPr>
+              <a:t>для форматирования строки </a:t>
+            </a:r>
+            <a:endParaRPr lang="ru-RU" dirty="0">
+              <a:latin typeface="Times New Roman" pitchFamily="18" charset="0"/>
+              <a:cs typeface="Times New Roman" pitchFamily="18" charset="0"/>
+            </a:endParaRPr>
+          </a:p>
+        </p:txBody>
+      </p:sp>
     </p:spTree>
   </p:cSld>
   <p:clrMapOvr>
@@ -13269,58 +18695,615 @@
         </p:nvSpPr>
         <p:spPr>
           <a:xfrm>
-            <a:off x="0" y="0"/>
-            <a:ext cx="9144000" cy="571480"/>
+            <a:off x="0" y="857232"/>
+            <a:ext cx="9144000" cy="500058"/>
           </a:xfrm>
         </p:spPr>
         <p:txBody>
           <a:bodyPr>
-            <a:normAutofit fontScale="90000"/>
+            <a:normAutofit/>
           </a:bodyPr>
           <a:lstStyle/>
           <a:p>
             <a:r>
-              <a:rPr lang="ru-RU" sz="2900" dirty="0" smtClean="0">
+              <a:rPr lang="ru-RU" sz="2600" dirty="0" smtClean="0">
                 <a:latin typeface="Times New Roman" pitchFamily="18" charset="0"/>
                 <a:cs typeface="Times New Roman" pitchFamily="18" charset="0"/>
               </a:rPr>
-              <a:t>Демонстрация среды исполнения подпрограмм библиотеки</a:t>
-            </a:r>
-            <a:r>
-              <a:rPr lang="ru-RU" dirty="0" smtClean="0"/>
-              <a:t> </a:t>
-            </a:r>
-            <a:endParaRPr lang="ru-RU" dirty="0"/>
+              <a:t>Функции строчного и табличного вывода</a:t>
+            </a:r>
+            <a:endParaRPr lang="ru-RU" sz="2600" dirty="0">
+              <a:latin typeface="Times New Roman" pitchFamily="18" charset="0"/>
+              <a:cs typeface="Times New Roman" pitchFamily="18" charset="0"/>
+            </a:endParaRPr>
           </a:p>
         </p:txBody>
       </p:sp>
       <p:sp>
         <p:nvSpPr>
-          <p:cNvPr id="4" name="Номер слайда 3"/>
-          <p:cNvSpPr>
-            <a:spLocks noGrp="1"/>
-          </p:cNvSpPr>
-          <p:nvPr>
-            <p:ph type="sldNum" sz="quarter" idx="12"/>
-          </p:nvPr>
+          <p:cNvPr id="7" name="Блок-схема: знак завершения 6"/>
+          <p:cNvSpPr/>
+          <p:nvPr/>
         </p:nvSpPr>
-        <p:spPr/>
+        <p:spPr>
+          <a:xfrm>
+            <a:off x="928662" y="500042"/>
+            <a:ext cx="1643074" cy="214314"/>
+          </a:xfrm>
+          <a:prstGeom prst="flowChartTerminator">
+            <a:avLst/>
+          </a:prstGeom>
+          <a:solidFill>
+            <a:schemeClr val="bg1"/>
+          </a:solidFill>
+          <a:ln>
+            <a:solidFill>
+              <a:schemeClr val="tx1"/>
+            </a:solidFill>
+          </a:ln>
+        </p:spPr>
+        <p:style>
+          <a:lnRef idx="2">
+            <a:schemeClr val="accent1">
+              <a:shade val="50000"/>
+            </a:schemeClr>
+          </a:lnRef>
+          <a:fillRef idx="1">
+            <a:schemeClr val="accent1"/>
+          </a:fillRef>
+          <a:effectRef idx="0">
+            <a:schemeClr val="accent1"/>
+          </a:effectRef>
+          <a:fontRef idx="minor">
+            <a:schemeClr val="lt1"/>
+          </a:fontRef>
+        </p:style>
         <p:txBody>
-          <a:bodyPr/>
+          <a:bodyPr rtlCol="0" anchor="ctr"/>
           <a:lstStyle/>
           <a:p>
-            <a:fld id="{F2BB55FB-146C-47F1-A3F4-E5E9F11C5D2A}" type="slidenum">
-              <a:rPr lang="ru-RU" smtClean="0"/>
-              <a:pPr/>
-              <a:t>9</a:t>
-            </a:fld>
-            <a:endParaRPr lang="ru-RU"/>
+            <a:pPr algn="ctr"/>
+            <a:r>
+              <a:rPr lang="ru-RU" sz="1200" dirty="0" smtClean="0">
+                <a:solidFill>
+                  <a:schemeClr val="tx1"/>
+                </a:solidFill>
+                <a:latin typeface="Times New Roman" pitchFamily="18" charset="0"/>
+                <a:cs typeface="Times New Roman" pitchFamily="18" charset="0"/>
+              </a:rPr>
+              <a:t>Инициализация</a:t>
+            </a:r>
           </a:p>
         </p:txBody>
       </p:sp>
+      <p:sp>
+        <p:nvSpPr>
+          <p:cNvPr id="8" name="Блок-схема: знак завершения 7"/>
+          <p:cNvSpPr/>
+          <p:nvPr/>
+        </p:nvSpPr>
+        <p:spPr>
+          <a:xfrm>
+            <a:off x="3714744" y="142852"/>
+            <a:ext cx="1643074" cy="214314"/>
+          </a:xfrm>
+          <a:prstGeom prst="flowChartTerminator">
+            <a:avLst/>
+          </a:prstGeom>
+          <a:solidFill>
+            <a:schemeClr val="bg1"/>
+          </a:solidFill>
+          <a:ln>
+            <a:solidFill>
+              <a:schemeClr val="tx1"/>
+            </a:solidFill>
+          </a:ln>
+        </p:spPr>
+        <p:style>
+          <a:lnRef idx="2">
+            <a:schemeClr val="accent1">
+              <a:shade val="50000"/>
+            </a:schemeClr>
+          </a:lnRef>
+          <a:fillRef idx="1">
+            <a:schemeClr val="accent1"/>
+          </a:fillRef>
+          <a:effectRef idx="0">
+            <a:schemeClr val="accent1"/>
+          </a:effectRef>
+          <a:fontRef idx="minor">
+            <a:schemeClr val="lt1"/>
+          </a:fontRef>
+        </p:style>
+        <p:txBody>
+          <a:bodyPr rtlCol="0" anchor="ctr"/>
+          <a:lstStyle/>
+          <a:p>
+            <a:pPr algn="ctr"/>
+            <a:r>
+              <a:rPr lang="ru-RU" sz="1200" dirty="0" smtClean="0">
+                <a:solidFill>
+                  <a:schemeClr val="tx1"/>
+                </a:solidFill>
+                <a:latin typeface="Times New Roman" pitchFamily="18" charset="0"/>
+                <a:cs typeface="Times New Roman" pitchFamily="18" charset="0"/>
+              </a:rPr>
+              <a:t>Работа с ошибками</a:t>
+            </a:r>
+          </a:p>
+        </p:txBody>
+      </p:sp>
+      <p:sp>
+        <p:nvSpPr>
+          <p:cNvPr id="9" name="Блок-схема: знак завершения 8"/>
+          <p:cNvSpPr/>
+          <p:nvPr/>
+        </p:nvSpPr>
+        <p:spPr>
+          <a:xfrm>
+            <a:off x="2786050" y="500042"/>
+            <a:ext cx="1643074" cy="214314"/>
+          </a:xfrm>
+          <a:prstGeom prst="flowChartTerminator">
+            <a:avLst/>
+          </a:prstGeom>
+          <a:solidFill>
+            <a:schemeClr val="bg1"/>
+          </a:solidFill>
+          <a:ln>
+            <a:solidFill>
+              <a:schemeClr val="tx1"/>
+            </a:solidFill>
+          </a:ln>
+        </p:spPr>
+        <p:style>
+          <a:lnRef idx="2">
+            <a:schemeClr val="accent1">
+              <a:shade val="50000"/>
+            </a:schemeClr>
+          </a:lnRef>
+          <a:fillRef idx="1">
+            <a:schemeClr val="accent1"/>
+          </a:fillRef>
+          <a:effectRef idx="0">
+            <a:schemeClr val="accent1"/>
+          </a:effectRef>
+          <a:fontRef idx="minor">
+            <a:schemeClr val="lt1"/>
+          </a:fontRef>
+        </p:style>
+        <p:txBody>
+          <a:bodyPr rtlCol="0" anchor="ctr"/>
+          <a:lstStyle/>
+          <a:p>
+            <a:pPr algn="ctr"/>
+            <a:r>
+              <a:rPr lang="en-US" sz="1200" dirty="0" smtClean="0">
+                <a:solidFill>
+                  <a:schemeClr val="tx1"/>
+                </a:solidFill>
+                <a:latin typeface="Times New Roman" pitchFamily="18" charset="0"/>
+                <a:cs typeface="Times New Roman" pitchFamily="18" charset="0"/>
+              </a:rPr>
+              <a:t>C</a:t>
+            </a:r>
+            <a:r>
+              <a:rPr lang="ru-RU" sz="1200" dirty="0" smtClean="0">
+                <a:solidFill>
+                  <a:schemeClr val="tx1"/>
+                </a:solidFill>
+                <a:latin typeface="Times New Roman" pitchFamily="18" charset="0"/>
+                <a:cs typeface="Times New Roman" pitchFamily="18" charset="0"/>
+              </a:rPr>
+              <a:t>бор параметров</a:t>
+            </a:r>
+          </a:p>
+        </p:txBody>
+      </p:sp>
+      <p:sp>
+        <p:nvSpPr>
+          <p:cNvPr id="10" name="Блок-схема: знак завершения 9"/>
+          <p:cNvSpPr/>
+          <p:nvPr/>
+        </p:nvSpPr>
+        <p:spPr>
+          <a:xfrm>
+            <a:off x="4714876" y="500042"/>
+            <a:ext cx="1643074" cy="214314"/>
+          </a:xfrm>
+          <a:prstGeom prst="flowChartTerminator">
+            <a:avLst/>
+          </a:prstGeom>
+          <a:solidFill>
+            <a:schemeClr val="accent3">
+              <a:lumMod val="60000"/>
+              <a:lumOff val="40000"/>
+            </a:schemeClr>
+          </a:solidFill>
+          <a:ln>
+            <a:solidFill>
+              <a:schemeClr val="tx1"/>
+            </a:solidFill>
+          </a:ln>
+        </p:spPr>
+        <p:style>
+          <a:lnRef idx="2">
+            <a:schemeClr val="accent1">
+              <a:shade val="50000"/>
+            </a:schemeClr>
+          </a:lnRef>
+          <a:fillRef idx="1">
+            <a:schemeClr val="accent1"/>
+          </a:fillRef>
+          <a:effectRef idx="0">
+            <a:schemeClr val="accent1"/>
+          </a:effectRef>
+          <a:fontRef idx="minor">
+            <a:schemeClr val="lt1"/>
+          </a:fontRef>
+        </p:style>
+        <p:txBody>
+          <a:bodyPr rtlCol="0" anchor="ctr"/>
+          <a:lstStyle/>
+          <a:p>
+            <a:pPr algn="ctr"/>
+            <a:r>
+              <a:rPr lang="ru-RU" sz="1200" dirty="0" smtClean="0">
+                <a:solidFill>
+                  <a:schemeClr val="tx1"/>
+                </a:solidFill>
+                <a:latin typeface="Times New Roman" pitchFamily="18" charset="0"/>
+                <a:cs typeface="Times New Roman" pitchFamily="18" charset="0"/>
+              </a:rPr>
+              <a:t>Вывод</a:t>
+            </a:r>
+          </a:p>
+        </p:txBody>
+      </p:sp>
+      <p:sp>
+        <p:nvSpPr>
+          <p:cNvPr id="11" name="Блок-схема: знак завершения 10"/>
+          <p:cNvSpPr/>
+          <p:nvPr/>
+        </p:nvSpPr>
+        <p:spPr>
+          <a:xfrm>
+            <a:off x="6572264" y="500042"/>
+            <a:ext cx="1643074" cy="214314"/>
+          </a:xfrm>
+          <a:prstGeom prst="flowChartTerminator">
+            <a:avLst/>
+          </a:prstGeom>
+          <a:solidFill>
+            <a:schemeClr val="bg1"/>
+          </a:solidFill>
+          <a:ln>
+            <a:solidFill>
+              <a:schemeClr val="tx1"/>
+            </a:solidFill>
+          </a:ln>
+        </p:spPr>
+        <p:style>
+          <a:lnRef idx="2">
+            <a:schemeClr val="accent1">
+              <a:shade val="50000"/>
+            </a:schemeClr>
+          </a:lnRef>
+          <a:fillRef idx="1">
+            <a:schemeClr val="accent1"/>
+          </a:fillRef>
+          <a:effectRef idx="0">
+            <a:schemeClr val="accent1"/>
+          </a:effectRef>
+          <a:fontRef idx="minor">
+            <a:schemeClr val="lt1"/>
+          </a:fontRef>
+        </p:style>
+        <p:txBody>
+          <a:bodyPr rtlCol="0" anchor="ctr"/>
+          <a:lstStyle/>
+          <a:p>
+            <a:pPr algn="ctr"/>
+            <a:r>
+              <a:rPr lang="ru-RU" sz="1200" dirty="0" err="1" smtClean="0">
+                <a:solidFill>
+                  <a:schemeClr val="tx1"/>
+                </a:solidFill>
+                <a:latin typeface="Times New Roman" pitchFamily="18" charset="0"/>
+                <a:cs typeface="Times New Roman" pitchFamily="18" charset="0"/>
+              </a:rPr>
+              <a:t>Финализация</a:t>
+            </a:r>
+            <a:endParaRPr lang="ru-RU" sz="1200" dirty="0" smtClean="0">
+              <a:solidFill>
+                <a:schemeClr val="tx1"/>
+              </a:solidFill>
+              <a:latin typeface="Times New Roman" pitchFamily="18" charset="0"/>
+              <a:cs typeface="Times New Roman" pitchFamily="18" charset="0"/>
+            </a:endParaRPr>
+          </a:p>
+        </p:txBody>
+      </p:sp>
+      <p:cxnSp>
+        <p:nvCxnSpPr>
+          <p:cNvPr id="13" name="Shape 12"/>
+          <p:cNvCxnSpPr>
+            <a:stCxn id="7" idx="0"/>
+            <a:endCxn id="8" idx="1"/>
+          </p:cNvCxnSpPr>
+          <p:nvPr/>
+        </p:nvCxnSpPr>
+        <p:spPr>
+          <a:xfrm rot="5400000" flipH="1" flipV="1">
+            <a:off x="2607455" y="-607246"/>
+            <a:ext cx="250033" cy="1964545"/>
+          </a:xfrm>
+          <a:prstGeom prst="curvedConnector2">
+            <a:avLst/>
+          </a:prstGeom>
+          <a:ln>
+            <a:solidFill>
+              <a:schemeClr val="tx1"/>
+            </a:solidFill>
+            <a:tailEnd type="arrow"/>
+          </a:ln>
+        </p:spPr>
+        <p:style>
+          <a:lnRef idx="1">
+            <a:schemeClr val="accent1"/>
+          </a:lnRef>
+          <a:fillRef idx="0">
+            <a:schemeClr val="accent1"/>
+          </a:fillRef>
+          <a:effectRef idx="0">
+            <a:schemeClr val="accent1"/>
+          </a:effectRef>
+          <a:fontRef idx="minor">
+            <a:schemeClr val="tx1"/>
+          </a:fontRef>
+        </p:style>
+      </p:cxnSp>
+      <p:cxnSp>
+        <p:nvCxnSpPr>
+          <p:cNvPr id="15" name="Скругленная соединительная линия 14"/>
+          <p:cNvCxnSpPr>
+            <a:stCxn id="7" idx="3"/>
+            <a:endCxn id="9" idx="1"/>
+          </p:cNvCxnSpPr>
+          <p:nvPr/>
+        </p:nvCxnSpPr>
+        <p:spPr>
+          <a:xfrm>
+            <a:off x="2571736" y="607199"/>
+            <a:ext cx="214314" cy="1588"/>
+          </a:xfrm>
+          <a:prstGeom prst="curvedConnector3">
+            <a:avLst>
+              <a:gd name="adj1" fmla="val 50000"/>
+            </a:avLst>
+          </a:prstGeom>
+          <a:ln>
+            <a:solidFill>
+              <a:schemeClr val="tx1"/>
+            </a:solidFill>
+            <a:tailEnd type="arrow"/>
+          </a:ln>
+        </p:spPr>
+        <p:style>
+          <a:lnRef idx="1">
+            <a:schemeClr val="accent1"/>
+          </a:lnRef>
+          <a:fillRef idx="0">
+            <a:schemeClr val="accent1"/>
+          </a:fillRef>
+          <a:effectRef idx="0">
+            <a:schemeClr val="accent1"/>
+          </a:effectRef>
+          <a:fontRef idx="minor">
+            <a:schemeClr val="tx1"/>
+          </a:fontRef>
+        </p:style>
+      </p:cxnSp>
+      <p:cxnSp>
+        <p:nvCxnSpPr>
+          <p:cNvPr id="17" name="Скругленная соединительная линия 16"/>
+          <p:cNvCxnSpPr>
+            <a:stCxn id="9" idx="3"/>
+            <a:endCxn id="10" idx="1"/>
+          </p:cNvCxnSpPr>
+          <p:nvPr/>
+        </p:nvCxnSpPr>
+        <p:spPr>
+          <a:xfrm>
+            <a:off x="4429124" y="607199"/>
+            <a:ext cx="285752" cy="1588"/>
+          </a:xfrm>
+          <a:prstGeom prst="curvedConnector3">
+            <a:avLst>
+              <a:gd name="adj1" fmla="val 50000"/>
+            </a:avLst>
+          </a:prstGeom>
+          <a:ln>
+            <a:solidFill>
+              <a:schemeClr val="tx1"/>
+            </a:solidFill>
+            <a:tailEnd type="arrow"/>
+          </a:ln>
+        </p:spPr>
+        <p:style>
+          <a:lnRef idx="1">
+            <a:schemeClr val="accent1"/>
+          </a:lnRef>
+          <a:fillRef idx="0">
+            <a:schemeClr val="accent1"/>
+          </a:fillRef>
+          <a:effectRef idx="0">
+            <a:schemeClr val="accent1"/>
+          </a:effectRef>
+          <a:fontRef idx="minor">
+            <a:schemeClr val="tx1"/>
+          </a:fontRef>
+        </p:style>
+      </p:cxnSp>
+      <p:cxnSp>
+        <p:nvCxnSpPr>
+          <p:cNvPr id="19" name="Скругленная соединительная линия 18"/>
+          <p:cNvCxnSpPr>
+            <a:stCxn id="10" idx="3"/>
+            <a:endCxn id="11" idx="1"/>
+          </p:cNvCxnSpPr>
+          <p:nvPr/>
+        </p:nvCxnSpPr>
+        <p:spPr>
+          <a:xfrm>
+            <a:off x="6357950" y="607199"/>
+            <a:ext cx="214314" cy="1588"/>
+          </a:xfrm>
+          <a:prstGeom prst="curvedConnector3">
+            <a:avLst>
+              <a:gd name="adj1" fmla="val 50000"/>
+            </a:avLst>
+          </a:prstGeom>
+          <a:ln>
+            <a:solidFill>
+              <a:schemeClr val="tx1"/>
+            </a:solidFill>
+            <a:tailEnd type="arrow"/>
+          </a:ln>
+        </p:spPr>
+        <p:style>
+          <a:lnRef idx="1">
+            <a:schemeClr val="accent1"/>
+          </a:lnRef>
+          <a:fillRef idx="0">
+            <a:schemeClr val="accent1"/>
+          </a:fillRef>
+          <a:effectRef idx="0">
+            <a:schemeClr val="accent1"/>
+          </a:effectRef>
+          <a:fontRef idx="minor">
+            <a:schemeClr val="tx1"/>
+          </a:fontRef>
+        </p:style>
+      </p:cxnSp>
+      <p:cxnSp>
+        <p:nvCxnSpPr>
+          <p:cNvPr id="21" name="Shape 20"/>
+          <p:cNvCxnSpPr>
+            <a:stCxn id="9" idx="0"/>
+          </p:cNvCxnSpPr>
+          <p:nvPr/>
+        </p:nvCxnSpPr>
+        <p:spPr>
+          <a:xfrm rot="5400000" flipH="1" flipV="1">
+            <a:off x="3625446" y="339307"/>
+            <a:ext cx="142876" cy="178595"/>
+          </a:xfrm>
+          <a:prstGeom prst="curvedConnector2">
+            <a:avLst/>
+          </a:prstGeom>
+          <a:ln>
+            <a:solidFill>
+              <a:schemeClr val="tx1"/>
+            </a:solidFill>
+            <a:tailEnd type="arrow"/>
+          </a:ln>
+        </p:spPr>
+        <p:style>
+          <a:lnRef idx="1">
+            <a:schemeClr val="accent1"/>
+          </a:lnRef>
+          <a:fillRef idx="0">
+            <a:schemeClr val="accent1"/>
+          </a:fillRef>
+          <a:effectRef idx="0">
+            <a:schemeClr val="accent1"/>
+          </a:effectRef>
+          <a:fontRef idx="minor">
+            <a:schemeClr val="tx1"/>
+          </a:fontRef>
+        </p:style>
+      </p:cxnSp>
+      <p:cxnSp>
+        <p:nvCxnSpPr>
+          <p:cNvPr id="23" name="Shape 22"/>
+          <p:cNvCxnSpPr>
+            <a:stCxn id="10" idx="0"/>
+          </p:cNvCxnSpPr>
+          <p:nvPr/>
+        </p:nvCxnSpPr>
+        <p:spPr>
+          <a:xfrm rot="16200000" flipV="1">
+            <a:off x="5339959" y="303587"/>
+            <a:ext cx="142876" cy="250033"/>
+          </a:xfrm>
+          <a:prstGeom prst="curvedConnector2">
+            <a:avLst/>
+          </a:prstGeom>
+          <a:ln>
+            <a:solidFill>
+              <a:schemeClr val="tx1"/>
+            </a:solidFill>
+            <a:tailEnd type="arrow"/>
+          </a:ln>
+        </p:spPr>
+        <p:style>
+          <a:lnRef idx="1">
+            <a:schemeClr val="accent1"/>
+          </a:lnRef>
+          <a:fillRef idx="0">
+            <a:schemeClr val="accent1"/>
+          </a:fillRef>
+          <a:effectRef idx="0">
+            <a:schemeClr val="accent1"/>
+          </a:effectRef>
+          <a:fontRef idx="minor">
+            <a:schemeClr val="tx1"/>
+          </a:fontRef>
+        </p:style>
+      </p:cxnSp>
+      <p:cxnSp>
+        <p:nvCxnSpPr>
+          <p:cNvPr id="25" name="Shape 24"/>
+          <p:cNvCxnSpPr>
+            <a:stCxn id="11" idx="0"/>
+            <a:endCxn id="8" idx="3"/>
+          </p:cNvCxnSpPr>
+          <p:nvPr/>
+        </p:nvCxnSpPr>
+        <p:spPr>
+          <a:xfrm rot="16200000" flipV="1">
+            <a:off x="6250794" y="-642966"/>
+            <a:ext cx="250033" cy="2035983"/>
+          </a:xfrm>
+          <a:prstGeom prst="curvedConnector2">
+            <a:avLst/>
+          </a:prstGeom>
+          <a:ln>
+            <a:solidFill>
+              <a:schemeClr val="tx1"/>
+            </a:solidFill>
+            <a:tailEnd type="arrow"/>
+          </a:ln>
+        </p:spPr>
+        <p:style>
+          <a:lnRef idx="1">
+            <a:schemeClr val="accent1"/>
+          </a:lnRef>
+          <a:fillRef idx="0">
+            <a:schemeClr val="accent1"/>
+          </a:fillRef>
+          <a:effectRef idx="0">
+            <a:schemeClr val="accent1"/>
+          </a:effectRef>
+          <a:fontRef idx="minor">
+            <a:schemeClr val="tx1"/>
+          </a:fontRef>
+        </p:style>
+      </p:cxnSp>
       <p:pic>
         <p:nvPicPr>
-          <p:cNvPr id="1027" name="Picture 3" descr="C:\Users\nwcfang\diplom_report\chistovik\mTest3_mini.png"/>
+          <p:cNvPr id="29698" name="Picture 2" descr="C:\Documents and Settings\User\diplom_report\algor\tableBegin.png"/>
           <p:cNvPicPr>
             <a:picLocks noChangeAspect="1" noChangeArrowheads="1"/>
           </p:cNvPicPr>
@@ -13335,8 +19318,8 @@
         </p:blipFill>
         <p:spPr bwMode="auto">
           <a:xfrm>
-            <a:off x="214282" y="642918"/>
-            <a:ext cx="8215370" cy="3148980"/>
+            <a:off x="928662" y="2357430"/>
+            <a:ext cx="2305050" cy="3067050"/>
           </a:xfrm>
           <a:prstGeom prst="rect">
             <a:avLst/>
@@ -13346,7 +19329,7 @@
       </p:pic>
       <p:pic>
         <p:nvPicPr>
-          <p:cNvPr id="1026" name="Picture 2" descr="C:\Users\nwcfang\diplom_report\chistovik\mTest4.PNG"/>
+          <p:cNvPr id="29699" name="Picture 3" descr="C:\Documents and Settings\User\diplom_report\algor\TableEnd.png"/>
           <p:cNvPicPr>
             <a:picLocks noChangeAspect="1" noChangeArrowheads="1"/>
           </p:cNvPicPr>
@@ -13361,8 +19344,8 @@
         </p:blipFill>
         <p:spPr bwMode="auto">
           <a:xfrm>
-            <a:off x="214282" y="2402235"/>
-            <a:ext cx="7072362" cy="2834730"/>
+            <a:off x="6064053" y="1357297"/>
+            <a:ext cx="1805329" cy="5390379"/>
           </a:xfrm>
           <a:prstGeom prst="rect">
             <a:avLst/>
@@ -13372,14 +19355,14 @@
       </p:pic>
       <p:sp>
         <p:nvSpPr>
-          <p:cNvPr id="9" name="TextBox 8"/>
+          <p:cNvPr id="28" name="TextBox 27"/>
           <p:cNvSpPr txBox="1"/>
           <p:nvPr/>
         </p:nvSpPr>
         <p:spPr>
           <a:xfrm>
-            <a:off x="4110856" y="5643578"/>
-            <a:ext cx="4791055" cy="646331"/>
+            <a:off x="3857620" y="3000372"/>
+            <a:ext cx="1455463" cy="369332"/>
           </a:xfrm>
           <a:prstGeom prst="rect">
             <a:avLst/>
@@ -13392,49 +19375,98 @@
           </a:bodyPr>
           <a:lstStyle/>
           <a:p>
-            <a:pPr algn="r"/>
-            <a:r>
-              <a:rPr lang="ru-RU" dirty="0" smtClean="0">
-                <a:latin typeface="Times New Roman" pitchFamily="18" charset="0"/>
-                <a:ea typeface="+mj-ea"/>
-                <a:cs typeface="Times New Roman" pitchFamily="18" charset="0"/>
-              </a:rPr>
-              <a:t>Фрагмент вывода автоматического модульного</a:t>
-            </a:r>
-          </a:p>
-          <a:p>
-            <a:pPr algn="r"/>
-            <a:r>
-              <a:rPr lang="ru-RU" dirty="0" smtClean="0">
-                <a:latin typeface="Times New Roman" pitchFamily="18" charset="0"/>
-                <a:ea typeface="+mj-ea"/>
-                <a:cs typeface="Times New Roman" pitchFamily="18" charset="0"/>
-              </a:rPr>
-              <a:t> тестирования функций библиотеки</a:t>
-            </a:r>
+            <a:r>
+              <a:rPr lang="en-US" dirty="0" err="1" smtClean="0"/>
+              <a:t>tioTableBegin</a:t>
+            </a:r>
+            <a:endParaRPr lang="ru-RU" dirty="0"/>
           </a:p>
         </p:txBody>
       </p:sp>
       <p:sp>
         <p:nvSpPr>
-          <p:cNvPr id="10" name="Прямоугольник 9"/>
-          <p:cNvSpPr/>
+          <p:cNvPr id="29" name="TextBox 28"/>
+          <p:cNvSpPr txBox="1"/>
           <p:nvPr/>
         </p:nvSpPr>
         <p:spPr>
           <a:xfrm>
-            <a:off x="142844" y="571480"/>
-            <a:ext cx="8858312" cy="4714908"/>
+            <a:off x="3929058" y="3500438"/>
+            <a:ext cx="1287147" cy="369332"/>
           </a:xfrm>
           <a:prstGeom prst="rect">
             <a:avLst/>
           </a:prstGeom>
           <a:noFill/>
-          <a:ln cmpd="dbl">
-            <a:solidFill>
-              <a:schemeClr val="tx1"/>
-            </a:solidFill>
-          </a:ln>
+        </p:spPr>
+        <p:txBody>
+          <a:bodyPr wrap="none" rtlCol="0">
+            <a:spAutoFit/>
+          </a:bodyPr>
+          <a:lstStyle/>
+          <a:p>
+            <a:r>
+              <a:rPr lang="en-US" dirty="0" err="1" smtClean="0"/>
+              <a:t>tioTableEnd</a:t>
+            </a:r>
+            <a:endParaRPr lang="ru-RU" dirty="0"/>
+          </a:p>
+        </p:txBody>
+      </p:sp>
+      <p:sp>
+        <p:nvSpPr>
+          <p:cNvPr id="30" name="Стрелка вправо 29"/>
+          <p:cNvSpPr/>
+          <p:nvPr/>
+        </p:nvSpPr>
+        <p:spPr>
+          <a:xfrm rot="10800000">
+            <a:off x="3369395" y="2997488"/>
+            <a:ext cx="357190" cy="331471"/>
+          </a:xfrm>
+          <a:prstGeom prst="rightArrow">
+            <a:avLst/>
+          </a:prstGeom>
+        </p:spPr>
+        <p:style>
+          <a:lnRef idx="2">
+            <a:schemeClr val="accent1">
+              <a:shade val="50000"/>
+            </a:schemeClr>
+          </a:lnRef>
+          <a:fillRef idx="1">
+            <a:schemeClr val="accent1"/>
+          </a:fillRef>
+          <a:effectRef idx="0">
+            <a:schemeClr val="accent1"/>
+          </a:effectRef>
+          <a:fontRef idx="minor">
+            <a:schemeClr val="lt1"/>
+          </a:fontRef>
+        </p:style>
+        <p:txBody>
+          <a:bodyPr rtlCol="0" anchor="ctr"/>
+          <a:lstStyle/>
+          <a:p>
+            <a:pPr algn="ctr"/>
+            <a:endParaRPr lang="ru-RU"/>
+          </a:p>
+        </p:txBody>
+      </p:sp>
+      <p:sp>
+        <p:nvSpPr>
+          <p:cNvPr id="31" name="Стрелка вправо 30"/>
+          <p:cNvSpPr/>
+          <p:nvPr/>
+        </p:nvSpPr>
+        <p:spPr>
+          <a:xfrm>
+            <a:off x="5357515" y="3531462"/>
+            <a:ext cx="357190" cy="331471"/>
+          </a:xfrm>
+          <a:prstGeom prst="rightArrow">
+            <a:avLst/>
+          </a:prstGeom>
         </p:spPr>
         <p:style>
           <a:lnRef idx="2">

--- a/presentation/presentation.pptx
+++ b/presentation/presentation.pptx
@@ -27,7 +27,7 @@
     <p:sldId id="277" r:id="rId18"/>
     <p:sldId id="267" r:id="rId19"/>
   </p:sldIdLst>
-  <p:sldSz cx="9144000" cy="6858000" type="screen4x3"/>
+  <p:sldSz cx="9906000" cy="6858000" type="A4"/>
   <p:notesSz cx="6858000" cy="9144000"/>
   <p:defaultTextStyle>
     <a:defPPr>
@@ -256,8 +256,8 @@
         </p:nvSpPr>
         <p:spPr>
           <a:xfrm>
-            <a:off x="1143000" y="685800"/>
-            <a:ext cx="4572000" cy="3429000"/>
+            <a:off x="952500" y="685800"/>
+            <a:ext cx="4953000" cy="3429000"/>
           </a:xfrm>
           <a:prstGeom prst="rect">
             <a:avLst/>
@@ -533,8 +533,8 @@
         </p:nvSpPr>
         <p:spPr>
           <a:xfrm>
-            <a:off x="685800" y="2130425"/>
-            <a:ext cx="7772400" cy="1470025"/>
+            <a:off x="742950" y="2130426"/>
+            <a:ext cx="8420100" cy="1470025"/>
           </a:xfrm>
         </p:spPr>
         <p:txBody>
@@ -561,8 +561,8 @@
         </p:nvSpPr>
         <p:spPr>
           <a:xfrm>
-            <a:off x="1371600" y="3886200"/>
-            <a:ext cx="6400800" cy="1752600"/>
+            <a:off x="1485900" y="3886200"/>
+            <a:ext cx="6934200" cy="1752600"/>
           </a:xfrm>
         </p:spPr>
         <p:txBody>
@@ -939,8 +939,8 @@
         </p:nvSpPr>
         <p:spPr>
           <a:xfrm>
-            <a:off x="6629400" y="274638"/>
-            <a:ext cx="2057400" cy="5851525"/>
+            <a:off x="7181850" y="274639"/>
+            <a:ext cx="2228850" cy="5851525"/>
           </a:xfrm>
         </p:spPr>
         <p:txBody>
@@ -967,8 +967,8 @@
         </p:nvSpPr>
         <p:spPr>
           <a:xfrm>
-            <a:off x="457200" y="274638"/>
-            <a:ext cx="6019800" cy="5851525"/>
+            <a:off x="495300" y="274639"/>
+            <a:ext cx="6521450" cy="5851525"/>
           </a:xfrm>
         </p:spPr>
         <p:txBody>
@@ -1283,8 +1283,8 @@
         </p:nvSpPr>
         <p:spPr>
           <a:xfrm>
-            <a:off x="722313" y="4406900"/>
-            <a:ext cx="7772400" cy="1362075"/>
+            <a:off x="782506" y="4406901"/>
+            <a:ext cx="8420100" cy="1362075"/>
           </a:xfrm>
         </p:spPr>
         <p:txBody>
@@ -1315,8 +1315,8 @@
         </p:nvSpPr>
         <p:spPr>
           <a:xfrm>
-            <a:off x="722313" y="2906713"/>
-            <a:ext cx="7772400" cy="1500187"/>
+            <a:off x="782506" y="2906713"/>
+            <a:ext cx="8420100" cy="1500187"/>
           </a:xfrm>
         </p:spPr>
         <p:txBody>
@@ -1549,8 +1549,8 @@
         </p:nvSpPr>
         <p:spPr>
           <a:xfrm>
-            <a:off x="457200" y="1600200"/>
-            <a:ext cx="4038600" cy="4525963"/>
+            <a:off x="495300" y="1600201"/>
+            <a:ext cx="4375150" cy="4525963"/>
           </a:xfrm>
         </p:spPr>
         <p:txBody>
@@ -1634,8 +1634,8 @@
         </p:nvSpPr>
         <p:spPr>
           <a:xfrm>
-            <a:off x="4648200" y="1600200"/>
-            <a:ext cx="4038600" cy="4525963"/>
+            <a:off x="5035550" y="1600201"/>
+            <a:ext cx="4375150" cy="4525963"/>
           </a:xfrm>
         </p:spPr>
         <p:txBody>
@@ -1838,8 +1838,8 @@
         </p:nvSpPr>
         <p:spPr>
           <a:xfrm>
-            <a:off x="457200" y="1535113"/>
-            <a:ext cx="4040188" cy="639762"/>
+            <a:off x="495300" y="1535113"/>
+            <a:ext cx="4376870" cy="639762"/>
           </a:xfrm>
         </p:spPr>
         <p:txBody>
@@ -1903,8 +1903,8 @@
         </p:nvSpPr>
         <p:spPr>
           <a:xfrm>
-            <a:off x="457200" y="2174875"/>
-            <a:ext cx="4040188" cy="3951288"/>
+            <a:off x="495300" y="2174875"/>
+            <a:ext cx="4376870" cy="3951288"/>
           </a:xfrm>
         </p:spPr>
         <p:txBody>
@@ -1988,8 +1988,8 @@
         </p:nvSpPr>
         <p:spPr>
           <a:xfrm>
-            <a:off x="4645025" y="1535113"/>
-            <a:ext cx="4041775" cy="639762"/>
+            <a:off x="5032111" y="1535113"/>
+            <a:ext cx="4378590" cy="639762"/>
           </a:xfrm>
         </p:spPr>
         <p:txBody>
@@ -2053,8 +2053,8 @@
         </p:nvSpPr>
         <p:spPr>
           <a:xfrm>
-            <a:off x="4645025" y="2174875"/>
-            <a:ext cx="4041775" cy="3951288"/>
+            <a:off x="5032111" y="2174875"/>
+            <a:ext cx="4378590" cy="3951288"/>
           </a:xfrm>
         </p:spPr>
         <p:txBody>
@@ -2437,8 +2437,8 @@
         </p:nvSpPr>
         <p:spPr>
           <a:xfrm>
-            <a:off x="457200" y="273050"/>
-            <a:ext cx="3008313" cy="1162050"/>
+            <a:off x="495300" y="273050"/>
+            <a:ext cx="3259006" cy="1162050"/>
           </a:xfrm>
         </p:spPr>
         <p:txBody>
@@ -2469,8 +2469,8 @@
         </p:nvSpPr>
         <p:spPr>
           <a:xfrm>
-            <a:off x="3575050" y="273050"/>
-            <a:ext cx="5111750" cy="5853113"/>
+            <a:off x="3872971" y="273051"/>
+            <a:ext cx="5537729" cy="5853113"/>
           </a:xfrm>
         </p:spPr>
         <p:txBody>
@@ -2554,8 +2554,8 @@
         </p:nvSpPr>
         <p:spPr>
           <a:xfrm>
-            <a:off x="457200" y="1435100"/>
-            <a:ext cx="3008313" cy="4691063"/>
+            <a:off x="495300" y="1435101"/>
+            <a:ext cx="3259006" cy="4691063"/>
           </a:xfrm>
         </p:spPr>
         <p:txBody>
@@ -2711,8 +2711,8 @@
         </p:nvSpPr>
         <p:spPr>
           <a:xfrm>
-            <a:off x="1792288" y="4800600"/>
-            <a:ext cx="5486400" cy="566738"/>
+            <a:off x="1941645" y="4800600"/>
+            <a:ext cx="5943600" cy="566738"/>
           </a:xfrm>
         </p:spPr>
         <p:txBody>
@@ -2743,8 +2743,8 @@
         </p:nvSpPr>
         <p:spPr>
           <a:xfrm>
-            <a:off x="1792288" y="612775"/>
-            <a:ext cx="5486400" cy="4114800"/>
+            <a:off x="1941645" y="612775"/>
+            <a:ext cx="5943600" cy="4114800"/>
           </a:xfrm>
         </p:spPr>
         <p:txBody>
@@ -2804,8 +2804,8 @@
         </p:nvSpPr>
         <p:spPr>
           <a:xfrm>
-            <a:off x="1792288" y="5367338"/>
-            <a:ext cx="5486400" cy="804862"/>
+            <a:off x="1941645" y="5367338"/>
+            <a:ext cx="5943600" cy="804862"/>
           </a:xfrm>
         </p:spPr>
         <p:txBody>
@@ -2966,8 +2966,8 @@
         </p:nvSpPr>
         <p:spPr>
           <a:xfrm>
-            <a:off x="457200" y="274638"/>
-            <a:ext cx="8229600" cy="1143000"/>
+            <a:off x="495300" y="274638"/>
+            <a:ext cx="8915400" cy="1143000"/>
           </a:xfrm>
           <a:prstGeom prst="rect">
             <a:avLst/>
@@ -2999,8 +2999,8 @@
         </p:nvSpPr>
         <p:spPr>
           <a:xfrm>
-            <a:off x="457200" y="1600200"/>
-            <a:ext cx="8229600" cy="4525963"/>
+            <a:off x="495300" y="1600201"/>
+            <a:ext cx="8915400" cy="4525963"/>
           </a:xfrm>
           <a:prstGeom prst="rect">
             <a:avLst/>
@@ -3061,8 +3061,8 @@
         </p:nvSpPr>
         <p:spPr>
           <a:xfrm>
-            <a:off x="457200" y="6356350"/>
-            <a:ext cx="2133600" cy="365125"/>
+            <a:off x="495300" y="6356351"/>
+            <a:ext cx="2311400" cy="365125"/>
           </a:xfrm>
           <a:prstGeom prst="rect">
             <a:avLst/>
@@ -3103,8 +3103,8 @@
         </p:nvSpPr>
         <p:spPr>
           <a:xfrm>
-            <a:off x="3124200" y="6356350"/>
-            <a:ext cx="2895600" cy="365125"/>
+            <a:off x="3384550" y="6356351"/>
+            <a:ext cx="3136900" cy="365125"/>
           </a:xfrm>
           <a:prstGeom prst="rect">
             <a:avLst/>
@@ -3140,8 +3140,8 @@
         </p:nvSpPr>
         <p:spPr>
           <a:xfrm>
-            <a:off x="6553200" y="6356350"/>
-            <a:ext cx="2133600" cy="365125"/>
+            <a:off x="7099300" y="6356351"/>
+            <a:ext cx="2311400" cy="365125"/>
           </a:xfrm>
           <a:prstGeom prst="rect">
             <a:avLst/>
@@ -3469,8 +3469,8 @@
         </p:nvSpPr>
         <p:spPr>
           <a:xfrm>
-            <a:off x="714348" y="1000108"/>
-            <a:ext cx="7772400" cy="1928825"/>
+            <a:off x="773877" y="1428736"/>
+            <a:ext cx="8420100" cy="1928825"/>
           </a:xfrm>
         </p:spPr>
         <p:txBody>
@@ -3567,7 +3567,7 @@
         </p:nvSpPr>
         <p:spPr>
           <a:xfrm>
-            <a:off x="214282" y="3000372"/>
+            <a:off x="599224" y="3000373"/>
             <a:ext cx="8810040" cy="1200329"/>
           </a:xfrm>
           <a:prstGeom prst="rect">
@@ -3638,8 +3638,8 @@
         </p:nvSpPr>
         <p:spPr>
           <a:xfrm>
-            <a:off x="4500562" y="5143512"/>
-            <a:ext cx="4429156" cy="646331"/>
+            <a:off x="4333870" y="5143513"/>
+            <a:ext cx="5339991" cy="646331"/>
           </a:xfrm>
           <a:prstGeom prst="rect">
             <a:avLst/>
@@ -3680,7 +3680,21 @@
                 <a:latin typeface="Times New Roman" pitchFamily="18" charset="0"/>
                 <a:cs typeface="Times New Roman" pitchFamily="18" charset="0"/>
               </a:rPr>
-              <a:t>Руководитель: доцент, к. т. н. Новиков П.В.</a:t>
+              <a:t>Руководитель: </a:t>
+            </a:r>
+            <a:r>
+              <a:rPr lang="ru-RU" dirty="0" smtClean="0">
+                <a:latin typeface="Times New Roman" pitchFamily="18" charset="0"/>
+                <a:cs typeface="Times New Roman" pitchFamily="18" charset="0"/>
+              </a:rPr>
+              <a:t>доц.каф.304, </a:t>
+            </a:r>
+            <a:r>
+              <a:rPr lang="ru-RU" dirty="0" smtClean="0">
+                <a:latin typeface="Times New Roman" pitchFamily="18" charset="0"/>
+                <a:cs typeface="Times New Roman" pitchFamily="18" charset="0"/>
+              </a:rPr>
+              <a:t>к. т. н. Новиков П.В.</a:t>
             </a:r>
             <a:r>
               <a:rPr lang="ru-RU" dirty="0" smtClean="0"/>
@@ -3707,8 +3721,8 @@
         </p:blipFill>
         <p:spPr bwMode="auto">
           <a:xfrm>
-            <a:off x="579438" y="404813"/>
-            <a:ext cx="1492232" cy="1255962"/>
+            <a:off x="666720" y="1071546"/>
+            <a:ext cx="1616585" cy="1255962"/>
           </a:xfrm>
           <a:prstGeom prst="rect">
             <a:avLst/>
@@ -3733,8 +3747,8 @@
         </p:blipFill>
         <p:spPr bwMode="auto">
           <a:xfrm>
-            <a:off x="7143768" y="428604"/>
-            <a:ext cx="1220549" cy="1214446"/>
+            <a:off x="7774143" y="1071546"/>
+            <a:ext cx="1322261" cy="1214446"/>
           </a:xfrm>
           <a:prstGeom prst="rect">
             <a:avLst/>
@@ -3750,8 +3764,8 @@
         </p:nvSpPr>
         <p:spPr>
           <a:xfrm>
-            <a:off x="3786182" y="6357958"/>
-            <a:ext cx="1631344" cy="369332"/>
+            <a:off x="4101698" y="6357958"/>
+            <a:ext cx="1448025" cy="369332"/>
           </a:xfrm>
           <a:prstGeom prst="rect">
             <a:avLst/>
@@ -3769,12 +3783,85 @@
                 <a:latin typeface="Times New Roman" pitchFamily="18" charset="0"/>
                 <a:cs typeface="Times New Roman" pitchFamily="18" charset="0"/>
               </a:rPr>
-              <a:t>Москва 2012 г.</a:t>
+              <a:t>Москва </a:t>
+            </a:r>
+            <a:r>
+              <a:rPr lang="ru-RU" dirty="0" smtClean="0">
+                <a:latin typeface="Times New Roman" pitchFamily="18" charset="0"/>
+                <a:cs typeface="Times New Roman" pitchFamily="18" charset="0"/>
+              </a:rPr>
+              <a:t>2012</a:t>
             </a:r>
             <a:endParaRPr lang="ru-RU" dirty="0">
               <a:latin typeface="Times New Roman" pitchFamily="18" charset="0"/>
               <a:cs typeface="Times New Roman" pitchFamily="18" charset="0"/>
             </a:endParaRPr>
+          </a:p>
+        </p:txBody>
+      </p:sp>
+      <p:sp>
+        <p:nvSpPr>
+          <p:cNvPr id="8" name="TextBox 7"/>
+          <p:cNvSpPr txBox="1"/>
+          <p:nvPr/>
+        </p:nvSpPr>
+        <p:spPr>
+          <a:xfrm>
+            <a:off x="1474771" y="53624"/>
+            <a:ext cx="6886629" cy="1446550"/>
+          </a:xfrm>
+          <a:prstGeom prst="rect">
+            <a:avLst/>
+          </a:prstGeom>
+          <a:noFill/>
+        </p:spPr>
+        <p:txBody>
+          <a:bodyPr wrap="none" rtlCol="0">
+            <a:spAutoFit/>
+          </a:bodyPr>
+          <a:lstStyle/>
+          <a:p>
+            <a:pPr algn="ctr"/>
+            <a:r>
+              <a:rPr lang="ru-RU" sz="1400" dirty="0" smtClean="0"/>
+              <a:t>МИНИСТЕРСТВО ОБРАЗОВАНИЯ И НАУКИ РОССИЙСКОЙ ФЕДЕРАЦИИ</a:t>
+            </a:r>
+          </a:p>
+          <a:p>
+            <a:pPr algn="ctr"/>
+            <a:r>
+              <a:rPr lang="ru-RU" sz="1400" dirty="0" smtClean="0"/>
+              <a:t>ФЕДЕРАЛЬНОЕ ГОСУДАРСТВЕННОЕ БЮДЖЕТНОЕ ОБРАЗОВАТЕЛЬНОЕ УЧРЕЖДЕНИЕ</a:t>
+            </a:r>
+          </a:p>
+          <a:p>
+            <a:pPr algn="ctr"/>
+            <a:r>
+              <a:rPr lang="ru-RU" sz="1400" dirty="0" smtClean="0"/>
+              <a:t>ВЫСШЕГО ПРОФЕССИОНАЛЬНОГО ОБРАЗОВАНИЯ</a:t>
+            </a:r>
+          </a:p>
+          <a:p>
+            <a:pPr algn="ctr"/>
+            <a:r>
+              <a:rPr lang="ru-RU" sz="1400" dirty="0" smtClean="0"/>
+              <a:t>«МОСКОВСКИЙ АВИАЦИОННЫЙ ИНСТИТУТ</a:t>
+            </a:r>
+          </a:p>
+          <a:p>
+            <a:pPr algn="ctr"/>
+            <a:r>
+              <a:rPr lang="ru-RU" sz="1400" dirty="0" smtClean="0"/>
+              <a:t>(национальный исследовательский университет)» </a:t>
+            </a:r>
+            <a:r>
+              <a:rPr lang="ru-RU" sz="1400" dirty="0" smtClean="0"/>
+              <a:t>МАИ </a:t>
+            </a:r>
+            <a:endParaRPr lang="ru-RU" sz="1400" dirty="0" smtClean="0"/>
+          </a:p>
+          <a:p>
+            <a:endParaRPr lang="ru-RU" dirty="0"/>
           </a:p>
         </p:txBody>
       </p:sp>
@@ -3823,7 +3910,7 @@
         <p:spPr>
           <a:xfrm>
             <a:off x="0" y="857232"/>
-            <a:ext cx="9144000" cy="500058"/>
+            <a:ext cx="9906000" cy="500058"/>
           </a:xfrm>
         </p:spPr>
         <p:txBody>
@@ -3863,8 +3950,8 @@
         </p:blipFill>
         <p:spPr bwMode="auto">
           <a:xfrm>
-            <a:off x="1428728" y="1428736"/>
-            <a:ext cx="6552147" cy="5214974"/>
+            <a:off x="1547789" y="1428736"/>
+            <a:ext cx="7098159" cy="5214974"/>
           </a:xfrm>
           <a:prstGeom prst="rect">
             <a:avLst/>
@@ -3880,7 +3967,7 @@
         </p:nvSpPr>
         <p:spPr>
           <a:xfrm>
-            <a:off x="6000760" y="1857364"/>
+            <a:off x="6500823" y="1857364"/>
             <a:ext cx="1584216" cy="369332"/>
           </a:xfrm>
           <a:prstGeom prst="rect">
@@ -3910,8 +3997,8 @@
         </p:nvSpPr>
         <p:spPr>
           <a:xfrm>
-            <a:off x="1714480" y="500042"/>
-            <a:ext cx="1643074" cy="214314"/>
+            <a:off x="958425" y="500042"/>
+            <a:ext cx="1779997" cy="214314"/>
           </a:xfrm>
           <a:prstGeom prst="flowChartTerminator">
             <a:avLst/>
@@ -3965,8 +4052,8 @@
         </p:nvSpPr>
         <p:spPr>
           <a:xfrm>
-            <a:off x="3714744" y="142852"/>
-            <a:ext cx="1643074" cy="214314"/>
+            <a:off x="4077571" y="187240"/>
+            <a:ext cx="1779997" cy="214314"/>
           </a:xfrm>
           <a:prstGeom prst="flowChartTerminator">
             <a:avLst/>
@@ -4022,8 +4109,8 @@
         </p:nvSpPr>
         <p:spPr>
           <a:xfrm>
-            <a:off x="3714744" y="500042"/>
-            <a:ext cx="1643074" cy="214314"/>
+            <a:off x="3030127" y="500042"/>
+            <a:ext cx="1779997" cy="214314"/>
           </a:xfrm>
           <a:prstGeom prst="flowChartTerminator">
             <a:avLst/>
@@ -4089,8 +4176,8 @@
         </p:nvSpPr>
         <p:spPr>
           <a:xfrm>
-            <a:off x="5715008" y="500042"/>
-            <a:ext cx="1643074" cy="214314"/>
+            <a:off x="5095876" y="500042"/>
+            <a:ext cx="1779997" cy="214314"/>
           </a:xfrm>
           <a:prstGeom prst="flowChartTerminator">
             <a:avLst/>
@@ -4152,8 +4239,8 @@
         </p:nvCxnSpPr>
         <p:spPr>
           <a:xfrm rot="5400000" flipH="1" flipV="1">
-            <a:off x="3000364" y="-214337"/>
-            <a:ext cx="250033" cy="1178727"/>
+            <a:off x="2860175" y="-717353"/>
+            <a:ext cx="205645" cy="2229147"/>
           </a:xfrm>
           <a:prstGeom prst="curvedConnector2">
             <a:avLst/>
@@ -4162,7 +4249,8 @@
             <a:solidFill>
               <a:schemeClr val="tx1"/>
             </a:solidFill>
-            <a:tailEnd type="arrow"/>
+            <a:headEnd type="stealth"/>
+            <a:tailEnd type="stealth"/>
           </a:ln>
         </p:spPr>
         <p:style>
@@ -4191,8 +4279,8 @@
         </p:nvCxnSpPr>
         <p:spPr>
           <a:xfrm>
-            <a:off x="3357554" y="607199"/>
-            <a:ext cx="357190" cy="1588"/>
+            <a:off x="2738422" y="607199"/>
+            <a:ext cx="291705" cy="1588"/>
           </a:xfrm>
           <a:prstGeom prst="curvedConnector3">
             <a:avLst>
@@ -4203,7 +4291,7 @@
             <a:solidFill>
               <a:schemeClr val="tx1"/>
             </a:solidFill>
-            <a:tailEnd type="arrow"/>
+            <a:tailEnd type="stealth"/>
           </a:ln>
         </p:spPr>
         <p:style>
@@ -4232,8 +4320,8 @@
         </p:nvCxnSpPr>
         <p:spPr>
           <a:xfrm>
-            <a:off x="5357818" y="607199"/>
-            <a:ext cx="357190" cy="1588"/>
+            <a:off x="4810124" y="607199"/>
+            <a:ext cx="285752" cy="1588"/>
           </a:xfrm>
           <a:prstGeom prst="curvedConnector3">
             <a:avLst>
@@ -4244,7 +4332,7 @@
             <a:solidFill>
               <a:schemeClr val="tx1"/>
             </a:solidFill>
-            <a:tailEnd type="arrow"/>
+            <a:tailEnd type="stealth"/>
           </a:ln>
         </p:spPr>
         <p:style>
@@ -4267,25 +4355,23 @@
           <p:cNvPr id="30" name="Shape 20"/>
           <p:cNvCxnSpPr>
             <a:stCxn id="24" idx="0"/>
-            <a:endCxn id="20" idx="2"/>
           </p:cNvCxnSpPr>
           <p:nvPr/>
         </p:nvCxnSpPr>
         <p:spPr>
           <a:xfrm rot="5400000" flipH="1" flipV="1">
-            <a:off x="4464843" y="428604"/>
-            <a:ext cx="142876" cy="1588"/>
-          </a:xfrm>
-          <a:prstGeom prst="curvedConnector3">
-            <a:avLst>
-              <a:gd name="adj1" fmla="val 50000"/>
-            </a:avLst>
+            <a:off x="3936498" y="340794"/>
+            <a:ext cx="142876" cy="175620"/>
+          </a:xfrm>
+          <a:prstGeom prst="curvedConnector2">
+            <a:avLst/>
           </a:prstGeom>
           <a:ln>
             <a:solidFill>
               <a:schemeClr val="tx1"/>
             </a:solidFill>
-            <a:tailEnd type="arrow"/>
+            <a:headEnd type="stealth"/>
+            <a:tailEnd type="stealth"/>
           </a:ln>
         </p:spPr>
         <p:style>
@@ -4308,14 +4394,13 @@
           <p:cNvPr id="31" name="Shape 30"/>
           <p:cNvCxnSpPr>
             <a:stCxn id="26" idx="0"/>
-            <a:endCxn id="20" idx="3"/>
           </p:cNvCxnSpPr>
           <p:nvPr/>
         </p:nvCxnSpPr>
         <p:spPr>
           <a:xfrm rot="16200000" flipV="1">
-            <a:off x="5822166" y="-214338"/>
-            <a:ext cx="250033" cy="1178727"/>
+            <a:off x="5826628" y="340794"/>
+            <a:ext cx="142876" cy="175619"/>
           </a:xfrm>
           <a:prstGeom prst="curvedConnector2">
             <a:avLst/>
@@ -4324,7 +4409,8 @@
             <a:solidFill>
               <a:schemeClr val="tx1"/>
             </a:solidFill>
-            <a:tailEnd type="arrow"/>
+            <a:headEnd type="stealth"/>
+            <a:tailEnd type="stealth"/>
           </a:ln>
         </p:spPr>
         <p:style>
@@ -4366,6 +4452,147 @@
           </a:p>
         </p:txBody>
       </p:sp>
+      <p:sp>
+        <p:nvSpPr>
+          <p:cNvPr id="15" name="Блок-схема: знак завершения 14"/>
+          <p:cNvSpPr/>
+          <p:nvPr/>
+        </p:nvSpPr>
+        <p:spPr>
+          <a:xfrm>
+            <a:off x="7167578" y="500042"/>
+            <a:ext cx="1779997" cy="214314"/>
+          </a:xfrm>
+          <a:prstGeom prst="flowChartTerminator">
+            <a:avLst/>
+          </a:prstGeom>
+          <a:solidFill>
+            <a:schemeClr val="bg1"/>
+          </a:solidFill>
+          <a:ln>
+            <a:solidFill>
+              <a:schemeClr val="tx1"/>
+            </a:solidFill>
+          </a:ln>
+        </p:spPr>
+        <p:style>
+          <a:lnRef idx="2">
+            <a:schemeClr val="accent1">
+              <a:shade val="50000"/>
+            </a:schemeClr>
+          </a:lnRef>
+          <a:fillRef idx="1">
+            <a:schemeClr val="accent1"/>
+          </a:fillRef>
+          <a:effectRef idx="0">
+            <a:schemeClr val="accent1"/>
+          </a:effectRef>
+          <a:fontRef idx="minor">
+            <a:schemeClr val="lt1"/>
+          </a:fontRef>
+        </p:style>
+        <p:txBody>
+          <a:bodyPr rtlCol="0" anchor="ctr"/>
+          <a:lstStyle/>
+          <a:p>
+            <a:pPr algn="ctr"/>
+            <a:r>
+              <a:rPr lang="ru-RU" sz="1200" dirty="0" smtClean="0">
+                <a:solidFill>
+                  <a:schemeClr val="tx1"/>
+                </a:solidFill>
+                <a:latin typeface="Times New Roman" pitchFamily="18" charset="0"/>
+                <a:cs typeface="Times New Roman" pitchFamily="18" charset="0"/>
+              </a:rPr>
+              <a:t>Финализация</a:t>
+            </a:r>
+            <a:endParaRPr lang="ru-RU" sz="1200" dirty="0" smtClean="0">
+              <a:solidFill>
+                <a:schemeClr val="tx1"/>
+              </a:solidFill>
+              <a:latin typeface="Times New Roman" pitchFamily="18" charset="0"/>
+              <a:cs typeface="Times New Roman" pitchFamily="18" charset="0"/>
+            </a:endParaRPr>
+          </a:p>
+        </p:txBody>
+      </p:sp>
+      <p:cxnSp>
+        <p:nvCxnSpPr>
+          <p:cNvPr id="21" name="Скругленная соединительная линия 20"/>
+          <p:cNvCxnSpPr/>
+          <p:nvPr/>
+        </p:nvCxnSpPr>
+        <p:spPr>
+          <a:xfrm>
+            <a:off x="6871547" y="612997"/>
+            <a:ext cx="285752" cy="1588"/>
+          </a:xfrm>
+          <a:prstGeom prst="curvedConnector3">
+            <a:avLst>
+              <a:gd name="adj1" fmla="val 50000"/>
+            </a:avLst>
+          </a:prstGeom>
+          <a:ln>
+            <a:solidFill>
+              <a:schemeClr val="tx1"/>
+            </a:solidFill>
+            <a:tailEnd type="stealth"/>
+          </a:ln>
+        </p:spPr>
+        <p:style>
+          <a:lnRef idx="1">
+            <a:schemeClr val="accent1"/>
+          </a:lnRef>
+          <a:fillRef idx="0">
+            <a:schemeClr val="accent1"/>
+          </a:fillRef>
+          <a:effectRef idx="0">
+            <a:schemeClr val="accent1"/>
+          </a:effectRef>
+          <a:fontRef idx="minor">
+            <a:schemeClr val="tx1"/>
+          </a:fontRef>
+        </p:style>
+      </p:cxnSp>
+      <p:cxnSp>
+        <p:nvCxnSpPr>
+          <p:cNvPr id="32" name="Shape 31"/>
+          <p:cNvCxnSpPr>
+            <a:stCxn id="20" idx="3"/>
+            <a:endCxn id="15" idx="0"/>
+          </p:cNvCxnSpPr>
+          <p:nvPr/>
+        </p:nvCxnSpPr>
+        <p:spPr>
+          <a:xfrm>
+            <a:off x="5857568" y="294397"/>
+            <a:ext cx="2200009" cy="205645"/>
+          </a:xfrm>
+          <a:prstGeom prst="curvedConnector2">
+            <a:avLst/>
+          </a:prstGeom>
+          <a:ln>
+            <a:solidFill>
+              <a:schemeClr val="tx1"/>
+            </a:solidFill>
+            <a:tailEnd type="stealth"/>
+          </a:ln>
+        </p:spPr>
+        <p:style>
+          <a:lnRef idx="1">
+            <a:schemeClr val="accent1"/>
+          </a:lnRef>
+          <a:fillRef idx="0">
+            <a:schemeClr val="accent1"/>
+          </a:fillRef>
+          <a:effectRef idx="0">
+            <a:schemeClr val="accent1"/>
+          </a:effectRef>
+          <a:fontRef idx="minor">
+            <a:schemeClr val="tx1"/>
+          </a:fontRef>
+        </p:style>
+      </p:cxnSp>
     </p:spTree>
   </p:cSld>
   <p:clrMapOvr>
@@ -4411,7 +4638,7 @@
         <p:spPr>
           <a:xfrm>
             <a:off x="0" y="0"/>
-            <a:ext cx="9144000" cy="571480"/>
+            <a:ext cx="9906000" cy="571480"/>
           </a:xfrm>
         </p:spPr>
         <p:txBody>
@@ -4476,8 +4703,8 @@
         </p:blipFill>
         <p:spPr bwMode="auto">
           <a:xfrm>
-            <a:off x="214282" y="642918"/>
-            <a:ext cx="8215370" cy="3148980"/>
+            <a:off x="232139" y="642918"/>
+            <a:ext cx="8899984" cy="3148980"/>
           </a:xfrm>
           <a:prstGeom prst="rect">
             <a:avLst/>
@@ -4502,8 +4729,8 @@
         </p:blipFill>
         <p:spPr bwMode="auto">
           <a:xfrm>
-            <a:off x="214282" y="2402235"/>
-            <a:ext cx="7072362" cy="2834730"/>
+            <a:off x="232139" y="2402235"/>
+            <a:ext cx="7661726" cy="2834730"/>
           </a:xfrm>
           <a:prstGeom prst="rect">
             <a:avLst/>
@@ -4519,7 +4746,7 @@
         </p:nvSpPr>
         <p:spPr>
           <a:xfrm>
-            <a:off x="4110856" y="5643578"/>
+            <a:off x="4852683" y="5643579"/>
             <a:ext cx="4791055" cy="646331"/>
           </a:xfrm>
           <a:prstGeom prst="rect">
@@ -4564,8 +4791,8 @@
         </p:nvSpPr>
         <p:spPr>
           <a:xfrm>
-            <a:off x="142844" y="571480"/>
-            <a:ext cx="8858312" cy="4714908"/>
+            <a:off x="154748" y="571480"/>
+            <a:ext cx="9596505" cy="4714908"/>
           </a:xfrm>
           <a:prstGeom prst="rect">
             <a:avLst/>
@@ -4647,7 +4874,7 @@
         <p:spPr>
           <a:xfrm>
             <a:off x="0" y="0"/>
-            <a:ext cx="9144000" cy="571480"/>
+            <a:ext cx="9906000" cy="571480"/>
           </a:xfrm>
         </p:spPr>
         <p:txBody>
@@ -4703,7 +4930,7 @@
         </p:nvSpPr>
         <p:spPr>
           <a:xfrm>
-            <a:off x="5588195" y="5643578"/>
+            <a:off x="6330022" y="5643578"/>
             <a:ext cx="3313728" cy="369332"/>
           </a:xfrm>
           <a:prstGeom prst="rect">
@@ -4746,8 +4973,8 @@
         </p:blipFill>
         <p:spPr bwMode="auto">
           <a:xfrm>
-            <a:off x="214282" y="642918"/>
-            <a:ext cx="6478587" cy="4057650"/>
+            <a:off x="232140" y="642918"/>
+            <a:ext cx="7018469" cy="4057650"/>
           </a:xfrm>
           <a:prstGeom prst="rect">
             <a:avLst/>
@@ -4763,8 +4990,8 @@
         </p:nvSpPr>
         <p:spPr>
           <a:xfrm>
-            <a:off x="142844" y="571480"/>
-            <a:ext cx="8858312" cy="4714908"/>
+            <a:off x="154748" y="571480"/>
+            <a:ext cx="9596505" cy="4714908"/>
           </a:xfrm>
           <a:prstGeom prst="rect">
             <a:avLst/>
@@ -4846,7 +5073,7 @@
         <p:spPr>
           <a:xfrm>
             <a:off x="0" y="0"/>
-            <a:ext cx="9144000" cy="714356"/>
+            <a:ext cx="9906000" cy="714356"/>
           </a:xfrm>
         </p:spPr>
         <p:txBody>
@@ -4877,8 +5104,8 @@
         </p:nvSpPr>
         <p:spPr>
           <a:xfrm>
-            <a:off x="500034" y="1857364"/>
-            <a:ext cx="3929090" cy="285752"/>
+            <a:off x="541704" y="1857364"/>
+            <a:ext cx="4256514" cy="285752"/>
           </a:xfrm>
         </p:spPr>
         <p:txBody>
@@ -4995,8 +5222,8 @@
         </p:blipFill>
         <p:spPr>
           <a:xfrm>
-            <a:off x="785786" y="2357430"/>
-            <a:ext cx="3143272" cy="3084753"/>
+            <a:off x="851268" y="2357431"/>
+            <a:ext cx="3405211" cy="3084753"/>
           </a:xfrm>
           <a:prstGeom prst="rect">
             <a:avLst/>
@@ -5011,8 +5238,8 @@
         </p:nvSpPr>
         <p:spPr>
           <a:xfrm>
-            <a:off x="3214678" y="642918"/>
-            <a:ext cx="2685351" cy="369332"/>
+            <a:off x="3482569" y="642918"/>
+            <a:ext cx="2685543" cy="369332"/>
           </a:xfrm>
           <a:prstGeom prst="rect">
             <a:avLst/>
@@ -5055,8 +5282,8 @@
         </p:blipFill>
         <p:spPr>
           <a:xfrm>
-            <a:off x="5072066" y="1714488"/>
-            <a:ext cx="3571900" cy="1583820"/>
+            <a:off x="5494738" y="1714488"/>
+            <a:ext cx="3869558" cy="1583820"/>
           </a:xfrm>
           <a:prstGeom prst="rect">
             <a:avLst/>
@@ -5073,8 +5300,8 @@
         </p:nvSpPr>
         <p:spPr>
           <a:xfrm>
-            <a:off x="6572264" y="1285860"/>
-            <a:ext cx="2000296" cy="285752"/>
+            <a:off x="7119953" y="1285860"/>
+            <a:ext cx="2166987" cy="285752"/>
           </a:xfrm>
           <a:prstGeom prst="rect">
             <a:avLst/>
@@ -5150,8 +5377,8 @@
         </p:nvSpPr>
         <p:spPr>
           <a:xfrm>
-            <a:off x="6643702" y="3500438"/>
-            <a:ext cx="1928826" cy="285752"/>
+            <a:off x="7197344" y="3500438"/>
+            <a:ext cx="2089562" cy="285752"/>
           </a:xfrm>
           <a:prstGeom prst="rect">
             <a:avLst/>
@@ -5221,8 +5448,8 @@
         </p:blipFill>
         <p:spPr>
           <a:xfrm>
-            <a:off x="5143504" y="3714752"/>
-            <a:ext cx="3219899" cy="2900767"/>
+            <a:off x="5572130" y="3714753"/>
+            <a:ext cx="3488224" cy="2900767"/>
           </a:xfrm>
           <a:prstGeom prst="rect">
             <a:avLst/>
@@ -5245,8 +5472,8 @@
         </p:blipFill>
         <p:spPr>
           <a:xfrm>
-            <a:off x="3857620" y="1071546"/>
-            <a:ext cx="1357322" cy="566793"/>
+            <a:off x="4179088" y="1071547"/>
+            <a:ext cx="1470432" cy="566793"/>
           </a:xfrm>
           <a:prstGeom prst="rect">
             <a:avLst/>
@@ -5298,7 +5525,7 @@
         <p:spPr>
           <a:xfrm>
             <a:off x="0" y="0"/>
-            <a:ext cx="9144000" cy="714356"/>
+            <a:ext cx="9906000" cy="714356"/>
           </a:xfrm>
         </p:spPr>
         <p:txBody>
@@ -5349,8 +5576,8 @@
         </p:nvSpPr>
         <p:spPr>
           <a:xfrm>
-            <a:off x="3214678" y="642918"/>
-            <a:ext cx="2685351" cy="369332"/>
+            <a:off x="3482569" y="642918"/>
+            <a:ext cx="2685543" cy="369332"/>
           </a:xfrm>
           <a:prstGeom prst="rect">
             <a:avLst/>
@@ -5393,8 +5620,8 @@
         </p:blipFill>
         <p:spPr>
           <a:xfrm>
-            <a:off x="4143372" y="1071546"/>
-            <a:ext cx="785818" cy="785818"/>
+            <a:off x="4488653" y="1071546"/>
+            <a:ext cx="851303" cy="785818"/>
           </a:xfrm>
           <a:prstGeom prst="rect">
             <a:avLst/>
@@ -5413,8 +5640,8 @@
         </p:nvSpPr>
         <p:spPr>
           <a:xfrm>
-            <a:off x="571472" y="1857364"/>
-            <a:ext cx="3929090" cy="1785950"/>
+            <a:off x="619095" y="1857364"/>
+            <a:ext cx="4256514" cy="1785950"/>
           </a:xfrm>
         </p:spPr>
         <p:txBody>
@@ -5537,8 +5764,8 @@
         </p:blipFill>
         <p:spPr>
           <a:xfrm>
-            <a:off x="5286380" y="2928934"/>
-            <a:ext cx="3571880" cy="2190753"/>
+            <a:off x="5726912" y="2928935"/>
+            <a:ext cx="3869537" cy="2190753"/>
           </a:xfrm>
           <a:prstGeom prst="rect">
             <a:avLst/>
@@ -5553,8 +5780,8 @@
         </p:nvSpPr>
         <p:spPr>
           <a:xfrm>
-            <a:off x="642910" y="4000504"/>
-            <a:ext cx="7215238" cy="2523768"/>
+            <a:off x="696486" y="4000504"/>
+            <a:ext cx="7816508" cy="2523768"/>
           </a:xfrm>
           <a:prstGeom prst="rect">
             <a:avLst/>
@@ -5835,8 +6062,8 @@
         </p:blipFill>
         <p:spPr bwMode="auto">
           <a:xfrm>
-            <a:off x="214282" y="1000108"/>
-            <a:ext cx="4000528" cy="5619694"/>
+            <a:off x="232139" y="1000108"/>
+            <a:ext cx="4333905" cy="5619694"/>
           </a:xfrm>
           <a:prstGeom prst="rect">
             <a:avLst/>
@@ -5852,8 +6079,8 @@
         </p:nvSpPr>
         <p:spPr>
           <a:xfrm>
-            <a:off x="4857752" y="1285860"/>
-            <a:ext cx="4071966" cy="2000264"/>
+            <a:off x="5262564" y="1285860"/>
+            <a:ext cx="4411297" cy="2000264"/>
           </a:xfrm>
           <a:prstGeom prst="rect">
             <a:avLst/>
@@ -5910,7 +6137,7 @@
         <p:spPr>
           <a:xfrm>
             <a:off x="0" y="0"/>
-            <a:ext cx="9144000" cy="714356"/>
+            <a:ext cx="9906000" cy="714356"/>
           </a:xfrm>
         </p:spPr>
         <p:txBody>
@@ -5962,7 +6189,7 @@
         <p:spPr>
           <a:xfrm>
             <a:off x="0" y="642918"/>
-            <a:ext cx="9144000" cy="369332"/>
+            <a:ext cx="9906000" cy="369332"/>
           </a:xfrm>
           <a:prstGeom prst="rect">
             <a:avLst/>
@@ -5998,8 +6225,8 @@
         </p:nvSpPr>
         <p:spPr>
           <a:xfrm>
-            <a:off x="5522568" y="1214422"/>
-            <a:ext cx="3378169" cy="646331"/>
+            <a:off x="6264298" y="1214423"/>
+            <a:ext cx="3378168" cy="646331"/>
           </a:xfrm>
           <a:prstGeom prst="rect">
             <a:avLst/>
@@ -6081,8 +6308,8 @@
         </p:nvSpPr>
         <p:spPr>
           <a:xfrm>
-            <a:off x="6572264" y="1785926"/>
-            <a:ext cx="2357454" cy="646331"/>
+            <a:off x="7119952" y="1785927"/>
+            <a:ext cx="2553909" cy="646331"/>
           </a:xfrm>
           <a:prstGeom prst="rect">
             <a:avLst/>
@@ -6143,8 +6370,8 @@
         </p:nvSpPr>
         <p:spPr>
           <a:xfrm>
-            <a:off x="4572000" y="2357430"/>
-            <a:ext cx="4304344" cy="923330"/>
+            <a:off x="4953000" y="2357430"/>
+            <a:ext cx="4663039" cy="923330"/>
           </a:xfrm>
           <a:prstGeom prst="rect">
             <a:avLst/>
@@ -6232,8 +6459,8 @@
         </p:nvSpPr>
         <p:spPr>
           <a:xfrm>
-            <a:off x="5489088" y="3733388"/>
-            <a:ext cx="2809295" cy="369332"/>
+            <a:off x="6073025" y="3733388"/>
+            <a:ext cx="2790379" cy="369332"/>
           </a:xfrm>
           <a:prstGeom prst="rect">
             <a:avLst/>
@@ -6296,8 +6523,8 @@
         </p:nvSpPr>
         <p:spPr>
           <a:xfrm>
-            <a:off x="5233730" y="4549984"/>
-            <a:ext cx="3320011" cy="646331"/>
+            <a:off x="5812472" y="4549985"/>
+            <a:ext cx="3311484" cy="646331"/>
           </a:xfrm>
           <a:prstGeom prst="rect">
             <a:avLst/>
@@ -6375,8 +6602,8 @@
         </p:nvSpPr>
         <p:spPr>
           <a:xfrm>
-            <a:off x="5345523" y="5643578"/>
-            <a:ext cx="3096425" cy="369332"/>
+            <a:off x="5913044" y="5643578"/>
+            <a:ext cx="3110339" cy="369332"/>
           </a:xfrm>
           <a:prstGeom prst="rect">
             <a:avLst/>
@@ -6441,8 +6668,8 @@
         </p:nvCxnSpPr>
         <p:spPr>
           <a:xfrm rot="10800000">
-            <a:off x="4071934" y="3357562"/>
-            <a:ext cx="1417154" cy="541856"/>
+            <a:off x="4411263" y="3357562"/>
+            <a:ext cx="1661763" cy="560492"/>
           </a:xfrm>
           <a:prstGeom prst="bentConnector3">
             <a:avLst>
@@ -6489,8 +6716,8 @@
         </p:nvCxnSpPr>
         <p:spPr>
           <a:xfrm rot="10800000">
-            <a:off x="4006392" y="4232638"/>
-            <a:ext cx="1227338" cy="631195"/>
+            <a:off x="4340258" y="4232641"/>
+            <a:ext cx="1472214" cy="640511"/>
           </a:xfrm>
           <a:prstGeom prst="bentConnector3">
             <a:avLst>
@@ -6537,8 +6764,8 @@
         </p:nvCxnSpPr>
         <p:spPr>
           <a:xfrm rot="10800000">
-            <a:off x="3786183" y="5286388"/>
-            <a:ext cx="1559341" cy="541856"/>
+            <a:off x="4101700" y="5286388"/>
+            <a:ext cx="1811345" cy="541856"/>
           </a:xfrm>
           <a:prstGeom prst="bentConnector3">
             <a:avLst>
@@ -6624,8 +6851,8 @@
         </p:blipFill>
         <p:spPr bwMode="auto">
           <a:xfrm>
-            <a:off x="71406" y="1500174"/>
-            <a:ext cx="3071834" cy="4315122"/>
+            <a:off x="77357" y="1500174"/>
+            <a:ext cx="3327820" cy="4315122"/>
           </a:xfrm>
           <a:prstGeom prst="rect">
             <a:avLst/>
@@ -6646,7 +6873,7 @@
         <p:spPr>
           <a:xfrm>
             <a:off x="0" y="0"/>
-            <a:ext cx="9144000" cy="714356"/>
+            <a:ext cx="9906000" cy="714356"/>
           </a:xfrm>
         </p:spPr>
         <p:txBody>
@@ -6698,7 +6925,7 @@
         <p:spPr>
           <a:xfrm>
             <a:off x="0" y="642918"/>
-            <a:ext cx="9144000" cy="369332"/>
+            <a:ext cx="9906000" cy="369332"/>
           </a:xfrm>
           <a:prstGeom prst="rect">
             <a:avLst/>
@@ -6740,8 +6967,8 @@
         </p:blipFill>
         <p:spPr>
           <a:xfrm>
-            <a:off x="5570286" y="1512873"/>
-            <a:ext cx="3546037" cy="4472291"/>
+            <a:off x="6034477" y="1512874"/>
+            <a:ext cx="3841540" cy="4472291"/>
           </a:xfrm>
           <a:prstGeom prst="rect">
             <a:avLst/>
@@ -6756,7 +6983,7 @@
         </p:nvSpPr>
         <p:spPr>
           <a:xfrm>
-            <a:off x="1571604" y="1000108"/>
+            <a:off x="1702571" y="1000108"/>
             <a:ext cx="458780" cy="369332"/>
           </a:xfrm>
           <a:prstGeom prst="rect">
@@ -6793,7 +7020,7 @@
         </p:nvSpPr>
         <p:spPr>
           <a:xfrm>
-            <a:off x="6000760" y="1071546"/>
+            <a:off x="6500824" y="1071546"/>
             <a:ext cx="814647" cy="369332"/>
           </a:xfrm>
           <a:prstGeom prst="rect">
@@ -6830,7 +7057,7 @@
         </p:nvSpPr>
         <p:spPr>
           <a:xfrm>
-            <a:off x="3071802" y="2005321"/>
+            <a:off x="3327786" y="2005321"/>
             <a:ext cx="3102131" cy="2923877"/>
           </a:xfrm>
           <a:prstGeom prst="rect">
@@ -7751,8 +7978,8 @@
         </p:nvSpPr>
         <p:spPr>
           <a:xfrm>
-            <a:off x="3143240" y="1559470"/>
-            <a:ext cx="2643206" cy="369332"/>
+            <a:off x="3405177" y="1559470"/>
+            <a:ext cx="2863473" cy="369332"/>
           </a:xfrm>
           <a:prstGeom prst="rect">
             <a:avLst/>
@@ -7788,8 +8015,8 @@
         </p:nvSpPr>
         <p:spPr>
           <a:xfrm>
-            <a:off x="2643174" y="1928802"/>
-            <a:ext cx="285752" cy="331471"/>
+            <a:off x="2863438" y="1928803"/>
+            <a:ext cx="309565" cy="331471"/>
           </a:xfrm>
           <a:prstGeom prst="rightArrow">
             <a:avLst/>
@@ -7828,8 +8055,8 @@
         </p:nvSpPr>
         <p:spPr>
           <a:xfrm>
-            <a:off x="5214942" y="4311975"/>
-            <a:ext cx="285752" cy="331471"/>
+            <a:off x="5649520" y="4311976"/>
+            <a:ext cx="309565" cy="331471"/>
           </a:xfrm>
           <a:prstGeom prst="rightArrow">
             <a:avLst/>
@@ -7868,8 +8095,8 @@
         </p:nvSpPr>
         <p:spPr>
           <a:xfrm>
-            <a:off x="1928794" y="3786190"/>
-            <a:ext cx="537315" cy="287046"/>
+            <a:off x="2089528" y="3786190"/>
+            <a:ext cx="582091" cy="287046"/>
           </a:xfrm>
           <a:prstGeom prst="ellipse">
             <a:avLst/>
@@ -7914,8 +8141,8 @@
         </p:nvSpPr>
         <p:spPr>
           <a:xfrm>
-            <a:off x="8570331" y="3602469"/>
-            <a:ext cx="537315" cy="287046"/>
+            <a:off x="9284526" y="3602469"/>
+            <a:ext cx="582091" cy="287046"/>
           </a:xfrm>
           <a:prstGeom prst="ellipse">
             <a:avLst/>
@@ -7996,8 +8223,8 @@
         </p:nvSpPr>
         <p:spPr>
           <a:xfrm>
-            <a:off x="1571604" y="214290"/>
-            <a:ext cx="5972188" cy="368280"/>
+            <a:off x="1702571" y="214290"/>
+            <a:ext cx="6469870" cy="368280"/>
           </a:xfrm>
         </p:spPr>
         <p:txBody>
@@ -8046,7 +8273,7 @@
         </p:nvSpPr>
         <p:spPr>
           <a:xfrm>
-            <a:off x="3000364" y="3436623"/>
+            <a:off x="3250395" y="3436624"/>
             <a:ext cx="3204723" cy="492443"/>
           </a:xfrm>
           <a:prstGeom prst="rect">
@@ -8076,8 +8303,8 @@
         </p:nvSpPr>
         <p:spPr>
           <a:xfrm>
-            <a:off x="1357290" y="1934166"/>
-            <a:ext cx="6429420" cy="923330"/>
+            <a:off x="1470398" y="1934166"/>
+            <a:ext cx="6965205" cy="923330"/>
           </a:xfrm>
           <a:prstGeom prst="rect">
             <a:avLst/>
@@ -8108,22 +8335,12 @@
                 <a:latin typeface="Times New Roman" pitchFamily="18" charset="0"/>
                 <a:cs typeface="Times New Roman" pitchFamily="18" charset="0"/>
               </a:rPr>
-              <a:t>О</a:t>
-            </a:r>
-            <a:r>
-              <a:rPr lang="en-US" dirty="0" err="1" smtClean="0">
-                <a:latin typeface="Times New Roman" pitchFamily="18" charset="0"/>
-                <a:cs typeface="Times New Roman" pitchFamily="18" charset="0"/>
-              </a:rPr>
-              <a:t>свещени</a:t>
-            </a:r>
-            <a:r>
-              <a:rPr lang="ru-RU" dirty="0" smtClean="0">
-                <a:latin typeface="Times New Roman" pitchFamily="18" charset="0"/>
-                <a:cs typeface="Times New Roman" pitchFamily="18" charset="0"/>
-              </a:rPr>
-              <a:t>е</a:t>
-            </a:r>
+              <a:t>Освещение</a:t>
+            </a:r>
+            <a:endParaRPr lang="ru-RU" dirty="0" smtClean="0">
+              <a:latin typeface="Times New Roman" pitchFamily="18" charset="0"/>
+              <a:cs typeface="Times New Roman" pitchFamily="18" charset="0"/>
+            </a:endParaRPr>
           </a:p>
           <a:p>
             <a:pPr marL="3175" lvl="1">
@@ -8135,14 +8352,14 @@
                 <a:latin typeface="Times New Roman" pitchFamily="18" charset="0"/>
                 <a:cs typeface="Times New Roman" pitchFamily="18" charset="0"/>
               </a:rPr>
-              <a:t> М</a:t>
-            </a:r>
-            <a:r>
-              <a:rPr lang="en-US" dirty="0" err="1" smtClean="0">
+              <a:t> </a:t>
+            </a:r>
+            <a:r>
+              <a:rPr lang="ru-RU" dirty="0" smtClean="0">
                 <a:latin typeface="Times New Roman" pitchFamily="18" charset="0"/>
                 <a:cs typeface="Times New Roman" pitchFamily="18" charset="0"/>
               </a:rPr>
-              <a:t>икроклимат</a:t>
+              <a:t>Микроклимат</a:t>
             </a:r>
             <a:endParaRPr lang="ru-RU" dirty="0" smtClean="0">
               <a:latin typeface="Times New Roman" pitchFamily="18" charset="0"/>
@@ -8159,77 +8376,14 @@
                 <a:latin typeface="Times New Roman" pitchFamily="18" charset="0"/>
                 <a:cs typeface="Times New Roman" pitchFamily="18" charset="0"/>
               </a:rPr>
-              <a:t> В</a:t>
-            </a:r>
-            <a:r>
-              <a:rPr lang="en-US" dirty="0" err="1" smtClean="0">
-                <a:latin typeface="Times New Roman" pitchFamily="18" charset="0"/>
-                <a:cs typeface="Times New Roman" pitchFamily="18" charset="0"/>
-              </a:rPr>
-              <a:t>изуальных</a:t>
-            </a:r>
-            <a:r>
-              <a:rPr lang="en-US" dirty="0" smtClean="0">
-                <a:latin typeface="Times New Roman" pitchFamily="18" charset="0"/>
-                <a:cs typeface="Times New Roman" pitchFamily="18" charset="0"/>
-              </a:rPr>
               <a:t> </a:t>
-            </a:r>
-            <a:r>
-              <a:rPr lang="en-US" dirty="0" err="1" smtClean="0">
-                <a:latin typeface="Times New Roman" pitchFamily="18" charset="0"/>
-                <a:cs typeface="Times New Roman" pitchFamily="18" charset="0"/>
-              </a:rPr>
-              <a:t>параметр</a:t>
-            </a:r>
-            <a:r>
-              <a:rPr lang="ru-RU" dirty="0" err="1" smtClean="0">
-                <a:latin typeface="Times New Roman" pitchFamily="18" charset="0"/>
-                <a:cs typeface="Times New Roman" pitchFamily="18" charset="0"/>
-              </a:rPr>
-              <a:t>ы</a:t>
             </a:r>
             <a:r>
               <a:rPr lang="ru-RU" dirty="0" smtClean="0">
                 <a:latin typeface="Times New Roman" pitchFamily="18" charset="0"/>
                 <a:cs typeface="Times New Roman" pitchFamily="18" charset="0"/>
               </a:rPr>
-              <a:t> </a:t>
-            </a:r>
-            <a:r>
-              <a:rPr lang="en-US" dirty="0" err="1" smtClean="0">
-                <a:latin typeface="Times New Roman" pitchFamily="18" charset="0"/>
-                <a:cs typeface="Times New Roman" pitchFamily="18" charset="0"/>
-              </a:rPr>
-              <a:t>устройства</a:t>
-            </a:r>
-            <a:r>
-              <a:rPr lang="ru-RU" dirty="0" smtClean="0">
-                <a:latin typeface="Times New Roman" pitchFamily="18" charset="0"/>
-                <a:cs typeface="Times New Roman" pitchFamily="18" charset="0"/>
-              </a:rPr>
-              <a:t> </a:t>
-            </a:r>
-            <a:r>
-              <a:rPr lang="en-US" dirty="0" err="1" smtClean="0">
-                <a:latin typeface="Times New Roman" pitchFamily="18" charset="0"/>
-                <a:cs typeface="Times New Roman" pitchFamily="18" charset="0"/>
-              </a:rPr>
-              <a:t>отображения</a:t>
-            </a:r>
-            <a:r>
-              <a:rPr lang="ru-RU" dirty="0" smtClean="0">
-                <a:latin typeface="Times New Roman" pitchFamily="18" charset="0"/>
-                <a:cs typeface="Times New Roman" pitchFamily="18" charset="0"/>
-              </a:rPr>
-              <a:t> </a:t>
-            </a:r>
-            <a:r>
-              <a:rPr lang="en-US" dirty="0" err="1" smtClean="0">
-                <a:latin typeface="Times New Roman" pitchFamily="18" charset="0"/>
-                <a:cs typeface="Times New Roman" pitchFamily="18" charset="0"/>
-              </a:rPr>
-              <a:t>информации</a:t>
+              <a:t>Визуальных параметры устройства отображения информации</a:t>
             </a:r>
             <a:endParaRPr lang="ru-RU" dirty="0" smtClean="0">
               <a:latin typeface="Times New Roman" pitchFamily="18" charset="0"/>
@@ -8246,7 +8400,7 @@
         </p:nvSpPr>
         <p:spPr>
           <a:xfrm>
-            <a:off x="142844" y="857232"/>
+            <a:off x="522621" y="857233"/>
             <a:ext cx="8828955" cy="646331"/>
           </a:xfrm>
           <a:prstGeom prst="rect">
@@ -8280,45 +8434,17 @@
                 <a:latin typeface="Times New Roman" pitchFamily="18" charset="0"/>
                 <a:cs typeface="Times New Roman" pitchFamily="18" charset="0"/>
               </a:rPr>
-              <a:t>разработка </a:t>
-            </a:r>
+              <a:t>разработка мероприятий по уменьшению</a:t>
+            </a:r>
+          </a:p>
+          <a:p>
+            <a:pPr algn="just"/>
             <a:r>
               <a:rPr lang="ru-RU" dirty="0" smtClean="0">
                 <a:latin typeface="Times New Roman" pitchFamily="18" charset="0"/>
                 <a:cs typeface="Times New Roman" pitchFamily="18" charset="0"/>
               </a:rPr>
-              <a:t>мероприятий по </a:t>
-            </a:r>
-            <a:r>
-              <a:rPr lang="ru-RU" dirty="0" smtClean="0">
-                <a:latin typeface="Times New Roman" pitchFamily="18" charset="0"/>
-                <a:cs typeface="Times New Roman" pitchFamily="18" charset="0"/>
-              </a:rPr>
-              <a:t>уменьшению</a:t>
-            </a:r>
-          </a:p>
-          <a:p>
-            <a:pPr algn="just"/>
-            <a:r>
-              <a:rPr lang="ru-RU" dirty="0" smtClean="0">
-                <a:latin typeface="Times New Roman" pitchFamily="18" charset="0"/>
-                <a:cs typeface="Times New Roman" pitchFamily="18" charset="0"/>
-              </a:rPr>
-              <a:t>отрицательного </a:t>
-            </a:r>
-            <a:r>
-              <a:rPr lang="ru-RU" dirty="0" smtClean="0">
-                <a:latin typeface="Times New Roman" pitchFamily="18" charset="0"/>
-                <a:cs typeface="Times New Roman" pitchFamily="18" charset="0"/>
-              </a:rPr>
-              <a:t>воздействия производственных факторов </a:t>
-            </a:r>
-            <a:r>
-              <a:rPr lang="ru-RU" dirty="0" smtClean="0">
-                <a:latin typeface="Times New Roman" pitchFamily="18" charset="0"/>
-                <a:cs typeface="Times New Roman" pitchFamily="18" charset="0"/>
-              </a:rPr>
-              <a:t>по трем направлениям</a:t>
+              <a:t>отрицательного воздействия производственных факторов по трем направлениям</a:t>
             </a:r>
             <a:endParaRPr lang="ru-RU" dirty="0">
               <a:latin typeface="Times New Roman" pitchFamily="18" charset="0"/>
@@ -8335,8 +8461,8 @@
         </p:nvSpPr>
         <p:spPr>
           <a:xfrm>
-            <a:off x="1428728" y="4274114"/>
-            <a:ext cx="6231899" cy="369332"/>
+            <a:off x="1547789" y="4274114"/>
+            <a:ext cx="6195607" cy="369332"/>
           </a:xfrm>
           <a:prstGeom prst="rect">
             <a:avLst/>
@@ -8354,14 +8480,7 @@
                 <a:latin typeface="Times New Roman" pitchFamily="18" charset="0"/>
                 <a:cs typeface="Times New Roman" pitchFamily="18" charset="0"/>
               </a:rPr>
-              <a:t>Показатель годового экономического эффекта - 5,2 млн. </a:t>
-            </a:r>
-            <a:r>
-              <a:rPr lang="ru-RU" dirty="0" smtClean="0">
-                <a:latin typeface="Times New Roman" pitchFamily="18" charset="0"/>
-                <a:cs typeface="Times New Roman" pitchFamily="18" charset="0"/>
-              </a:rPr>
-              <a:t>руб. </a:t>
+              <a:t>Показатель годового экономического эффекта - 5,2 млн. руб. </a:t>
             </a:r>
             <a:endParaRPr lang="ru-RU" dirty="0">
               <a:latin typeface="Times New Roman" pitchFamily="18" charset="0"/>
@@ -8378,8 +8497,8 @@
         </p:nvSpPr>
         <p:spPr>
           <a:xfrm>
-            <a:off x="1928794" y="4929198"/>
-            <a:ext cx="5301836" cy="369332"/>
+            <a:off x="2089527" y="4929198"/>
+            <a:ext cx="5330370" cy="369332"/>
           </a:xfrm>
           <a:prstGeom prst="rect">
             <a:avLst/>
@@ -8397,28 +8516,7 @@
                 <a:latin typeface="Times New Roman" pitchFamily="18" charset="0"/>
                 <a:cs typeface="Times New Roman" pitchFamily="18" charset="0"/>
               </a:rPr>
-              <a:t>Срок окупаемости проекта </a:t>
-            </a:r>
-            <a:r>
-              <a:rPr lang="ru-RU" dirty="0" smtClean="0">
-                <a:latin typeface="Times New Roman" pitchFamily="18" charset="0"/>
-                <a:cs typeface="Times New Roman" pitchFamily="18" charset="0"/>
-              </a:rPr>
-              <a:t> - 0,66 </a:t>
-            </a:r>
-            <a:r>
-              <a:rPr lang="ru-RU" dirty="0" smtClean="0">
-                <a:latin typeface="Times New Roman" pitchFamily="18" charset="0"/>
-                <a:cs typeface="Times New Roman" pitchFamily="18" charset="0"/>
-              </a:rPr>
-              <a:t>года (≈ 8 месяцев</a:t>
-            </a:r>
-            <a:r>
-              <a:rPr lang="ru-RU" dirty="0" smtClean="0">
-                <a:latin typeface="Times New Roman" pitchFamily="18" charset="0"/>
-                <a:cs typeface="Times New Roman" pitchFamily="18" charset="0"/>
-              </a:rPr>
-              <a:t>)</a:t>
+              <a:t>Срок окупаемости проекта  - 0,66 года (≈ 8 месяцев)</a:t>
             </a:r>
           </a:p>
         </p:txBody>
@@ -8461,7 +8559,7 @@
         <p:spPr>
           <a:xfrm>
             <a:off x="0" y="2714620"/>
-            <a:ext cx="9144000" cy="1143000"/>
+            <a:ext cx="9906000" cy="1143000"/>
           </a:xfrm>
         </p:spPr>
         <p:txBody>
@@ -8552,8 +8650,8 @@
         </p:nvSpPr>
         <p:spPr>
           <a:xfrm>
-            <a:off x="457200" y="274638"/>
-            <a:ext cx="8229600" cy="511156"/>
+            <a:off x="495300" y="274638"/>
+            <a:ext cx="8915400" cy="511156"/>
           </a:xfrm>
         </p:spPr>
         <p:txBody>
@@ -8587,8 +8685,8 @@
           </p:nvPr>
         </p:nvGraphicFramePr>
         <p:xfrm>
-          <a:off x="500034" y="3357562"/>
-          <a:ext cx="8143900" cy="3000396"/>
+          <a:off x="541704" y="3357562"/>
+          <a:ext cx="8822558" cy="3000396"/>
         </p:xfrm>
         <a:graphic>
           <a:graphicData uri="http://schemas.openxmlformats.org/drawingml/2006/table">
@@ -8597,8 +8695,8 @@
                 <a:tableStyleId>{616DA210-FB5B-4158-B5E0-FEB733F419BA}</a:tableStyleId>
               </a:tblPr>
               <a:tblGrid>
-                <a:gridCol w="4071950"/>
-                <a:gridCol w="4071950"/>
+                <a:gridCol w="4411279"/>
+                <a:gridCol w="4411279"/>
               </a:tblGrid>
               <a:tr h="361991">
                 <a:tc>
@@ -8620,7 +8718,7 @@
                       </a:endParaRPr>
                     </a:p>
                   </a:txBody>
-                  <a:tcPr anchor="ctr">
+                  <a:tcPr marL="99060" marR="99060" anchor="ctr">
                     <a:lnL w="28575" cap="flat" cmpd="sng" algn="ctr">
                       <a:solidFill>
                         <a:schemeClr val="tx1"/>
@@ -8675,7 +8773,7 @@
                       </a:endParaRPr>
                     </a:p>
                   </a:txBody>
-                  <a:tcPr anchor="ctr">
+                  <a:tcPr marL="99060" marR="99060" anchor="ctr">
                     <a:lnL w="28575" cap="flat" cmpd="sng" algn="ctr">
                       <a:solidFill>
                         <a:schemeClr val="tx1"/>
@@ -8793,7 +8891,7 @@
                       </a:endParaRPr>
                     </a:p>
                   </a:txBody>
-                  <a:tcPr>
+                  <a:tcPr marL="99060" marR="99060">
                     <a:lnL w="28575" cap="flat" cmpd="sng" algn="ctr">
                       <a:solidFill>
                         <a:schemeClr val="tx1"/>
@@ -8930,7 +9028,7 @@
                       </a:endParaRPr>
                     </a:p>
                   </a:txBody>
-                  <a:tcPr>
+                  <a:tcPr marL="99060" marR="99060">
                     <a:lnL w="28575" cap="flat" cmpd="sng" algn="ctr">
                       <a:solidFill>
                         <a:schemeClr val="tx1"/>
@@ -8979,8 +9077,8 @@
         </p:nvSpPr>
         <p:spPr>
           <a:xfrm>
-            <a:off x="2786050" y="2571744"/>
-            <a:ext cx="3714776" cy="461665"/>
+            <a:off x="3018221" y="2571745"/>
+            <a:ext cx="4024341" cy="461665"/>
           </a:xfrm>
           <a:prstGeom prst="rect">
             <a:avLst/>
@@ -9016,8 +9114,8 @@
         </p:nvSpPr>
         <p:spPr>
           <a:xfrm>
-            <a:off x="642910" y="1362662"/>
-            <a:ext cx="7858180" cy="923330"/>
+            <a:off x="696486" y="1362662"/>
+            <a:ext cx="8513028" cy="923330"/>
           </a:xfrm>
           <a:prstGeom prst="rect">
             <a:avLst/>
@@ -9109,8 +9207,8 @@
         </p:nvSpPr>
         <p:spPr>
           <a:xfrm>
-            <a:off x="6000760" y="1561446"/>
-            <a:ext cx="2786082" cy="2214578"/>
+            <a:off x="6500823" y="1561446"/>
+            <a:ext cx="3018256" cy="2214578"/>
           </a:xfrm>
           <a:prstGeom prst="rect">
             <a:avLst/>
@@ -9143,7 +9241,7 @@
           <a:lstStyle/>
           <a:p>
             <a:pPr algn="ctr"/>
-            <a:endParaRPr lang="ru-RU"/>
+            <a:endParaRPr lang="ru-RU" dirty="0"/>
           </a:p>
         </p:txBody>
       </p:sp>
@@ -9155,8 +9253,8 @@
         </p:nvSpPr>
         <p:spPr>
           <a:xfrm>
-            <a:off x="2786050" y="3643314"/>
-            <a:ext cx="2428892" cy="500066"/>
+            <a:off x="3018221" y="3643314"/>
+            <a:ext cx="2631300" cy="500066"/>
           </a:xfrm>
           <a:prstGeom prst="rect">
             <a:avLst/>
@@ -9197,8 +9295,8 @@
         </p:nvSpPr>
         <p:spPr>
           <a:xfrm>
-            <a:off x="2285984" y="3214686"/>
-            <a:ext cx="2428892" cy="500066"/>
+            <a:off x="2476483" y="3214686"/>
+            <a:ext cx="2631300" cy="500066"/>
           </a:xfrm>
           <a:prstGeom prst="rect">
             <a:avLst/>
@@ -9239,8 +9337,8 @@
         </p:nvSpPr>
         <p:spPr>
           <a:xfrm>
-            <a:off x="1785918" y="2786058"/>
-            <a:ext cx="2428892" cy="500066"/>
+            <a:off x="1934744" y="2786058"/>
+            <a:ext cx="2631300" cy="500066"/>
           </a:xfrm>
           <a:prstGeom prst="rect">
             <a:avLst/>
@@ -9281,8 +9379,8 @@
         </p:nvSpPr>
         <p:spPr>
           <a:xfrm>
-            <a:off x="1285852" y="2357430"/>
-            <a:ext cx="2428892" cy="500066"/>
+            <a:off x="1393006" y="2357430"/>
+            <a:ext cx="2631300" cy="500066"/>
           </a:xfrm>
           <a:prstGeom prst="rect">
             <a:avLst/>
@@ -9327,8 +9425,8 @@
         </p:nvSpPr>
         <p:spPr>
           <a:xfrm>
-            <a:off x="500034" y="0"/>
-            <a:ext cx="8229600" cy="725470"/>
+            <a:off x="541704" y="0"/>
+            <a:ext cx="8915400" cy="725470"/>
           </a:xfrm>
         </p:spPr>
         <p:txBody>
@@ -9364,8 +9462,8 @@
         </p:nvSpPr>
         <p:spPr>
           <a:xfrm>
-            <a:off x="500034" y="5214950"/>
-            <a:ext cx="7186634" cy="857256"/>
+            <a:off x="541704" y="5214950"/>
+            <a:ext cx="7785520" cy="857256"/>
           </a:xfrm>
         </p:spPr>
         <p:txBody>
@@ -9414,8 +9512,8 @@
         </p:nvSpPr>
         <p:spPr>
           <a:xfrm>
-            <a:off x="785786" y="1928802"/>
-            <a:ext cx="2428892" cy="500066"/>
+            <a:off x="851268" y="1928802"/>
+            <a:ext cx="2631300" cy="500066"/>
           </a:xfrm>
           <a:prstGeom prst="rect">
             <a:avLst/>
@@ -9456,8 +9554,8 @@
         </p:nvSpPr>
         <p:spPr>
           <a:xfrm>
-            <a:off x="285720" y="1500174"/>
-            <a:ext cx="2428892" cy="500066"/>
+            <a:off x="309530" y="1500174"/>
+            <a:ext cx="2631300" cy="500066"/>
           </a:xfrm>
           <a:prstGeom prst="rect">
             <a:avLst/>
@@ -9498,8 +9596,8 @@
         </p:nvCxnSpPr>
         <p:spPr>
           <a:xfrm rot="16200000" flipH="1">
-            <a:off x="571472" y="2000240"/>
-            <a:ext cx="214314" cy="214314"/>
+            <a:off x="628024" y="1991310"/>
+            <a:ext cx="214314" cy="232174"/>
           </a:xfrm>
           <a:prstGeom prst="bentConnector3">
             <a:avLst>
@@ -9533,8 +9631,8 @@
         </p:nvCxnSpPr>
         <p:spPr>
           <a:xfrm rot="16200000" flipH="1">
-            <a:off x="1071538" y="2428868"/>
-            <a:ext cx="214314" cy="214314"/>
+            <a:off x="1169763" y="2419938"/>
+            <a:ext cx="214314" cy="232174"/>
           </a:xfrm>
           <a:prstGeom prst="bentConnector3">
             <a:avLst>
@@ -9568,8 +9666,8 @@
         </p:nvCxnSpPr>
         <p:spPr>
           <a:xfrm rot="16200000" flipH="1">
-            <a:off x="1571604" y="2857496"/>
-            <a:ext cx="214314" cy="214314"/>
+            <a:off x="1711501" y="2848566"/>
+            <a:ext cx="214314" cy="232174"/>
           </a:xfrm>
           <a:prstGeom prst="bentConnector3">
             <a:avLst>
@@ -9603,8 +9701,8 @@
         </p:nvCxnSpPr>
         <p:spPr>
           <a:xfrm rot="16200000" flipH="1">
-            <a:off x="2071670" y="3286124"/>
-            <a:ext cx="214314" cy="214314"/>
+            <a:off x="2253239" y="3277194"/>
+            <a:ext cx="214314" cy="232174"/>
           </a:xfrm>
           <a:prstGeom prst="bentConnector3">
             <a:avLst>
@@ -9638,8 +9736,8 @@
         </p:nvCxnSpPr>
         <p:spPr>
           <a:xfrm rot="16200000" flipH="1">
-            <a:off x="2571736" y="3714752"/>
-            <a:ext cx="214314" cy="214314"/>
+            <a:off x="2794977" y="3705822"/>
+            <a:ext cx="214314" cy="232174"/>
           </a:xfrm>
           <a:prstGeom prst="bentConnector3">
             <a:avLst>
@@ -9673,8 +9771,8 @@
         </p:nvSpPr>
         <p:spPr>
           <a:xfrm>
-            <a:off x="500034" y="4857760"/>
-            <a:ext cx="6819303" cy="400110"/>
+            <a:off x="541704" y="4857760"/>
+            <a:ext cx="6883423" cy="400110"/>
           </a:xfrm>
           <a:prstGeom prst="rect">
             <a:avLst/>
@@ -9695,7 +9793,17 @@
                 <a:latin typeface="Times New Roman" pitchFamily="18" charset="0"/>
                 <a:cs typeface="Times New Roman" pitchFamily="18" charset="0"/>
               </a:rPr>
-              <a:t>Причины по которым была выбрана именно эта модель</a:t>
+              <a:t>Причины, </a:t>
+            </a:r>
+            <a:r>
+              <a:rPr lang="ru-RU" sz="2000" b="1" dirty="0" smtClean="0">
+                <a:solidFill>
+                  <a:schemeClr val="tx2"/>
+                </a:solidFill>
+                <a:latin typeface="Times New Roman" pitchFamily="18" charset="0"/>
+                <a:cs typeface="Times New Roman" pitchFamily="18" charset="0"/>
+              </a:rPr>
+              <a:t>по которым была выбрана именно эта модель</a:t>
             </a:r>
             <a:r>
               <a:rPr lang="en-US" sz="2000" b="1" dirty="0" smtClean="0">
@@ -9725,8 +9833,8 @@
         </p:nvSpPr>
         <p:spPr>
           <a:xfrm>
-            <a:off x="6000760" y="1847198"/>
-            <a:ext cx="2915222" cy="1883657"/>
+            <a:off x="6500823" y="1847199"/>
+            <a:ext cx="2915222" cy="1938992"/>
           </a:xfrm>
           <a:prstGeom prst="rect">
             <a:avLst/>
@@ -9827,7 +9935,7 @@
         </p:nvSpPr>
         <p:spPr>
           <a:xfrm>
-            <a:off x="6000760" y="1561446"/>
+            <a:off x="6500823" y="1561446"/>
             <a:ext cx="2414700" cy="400110"/>
           </a:xfrm>
           <a:prstGeom prst="rect">
@@ -9885,7 +9993,7 @@
               <a:pPr/>
               <a:t>3</a:t>
             </a:fld>
-            <a:endParaRPr lang="ru-RU"/>
+            <a:endParaRPr lang="ru-RU" dirty="0"/>
           </a:p>
         </p:txBody>
       </p:sp>
@@ -9934,7 +10042,7 @@
         <p:spPr>
           <a:xfrm>
             <a:off x="0" y="857232"/>
-            <a:ext cx="9144000" cy="500058"/>
+            <a:ext cx="9906000" cy="500058"/>
           </a:xfrm>
         </p:spPr>
         <p:txBody>
@@ -9957,448 +10065,6 @@
           </a:p>
         </p:txBody>
       </p:sp>
-      <p:sp>
-        <p:nvSpPr>
-          <p:cNvPr id="7" name="Блок-схема: знак завершения 6"/>
-          <p:cNvSpPr/>
-          <p:nvPr/>
-        </p:nvSpPr>
-        <p:spPr>
-          <a:xfrm>
-            <a:off x="1714480" y="500042"/>
-            <a:ext cx="1643074" cy="214314"/>
-          </a:xfrm>
-          <a:prstGeom prst="flowChartTerminator">
-            <a:avLst/>
-          </a:prstGeom>
-          <a:solidFill>
-            <a:schemeClr val="accent3">
-              <a:lumMod val="60000"/>
-              <a:lumOff val="40000"/>
-            </a:schemeClr>
-          </a:solidFill>
-          <a:ln>
-            <a:solidFill>
-              <a:schemeClr val="tx1"/>
-            </a:solidFill>
-          </a:ln>
-        </p:spPr>
-        <p:style>
-          <a:lnRef idx="2">
-            <a:schemeClr val="accent1">
-              <a:shade val="50000"/>
-            </a:schemeClr>
-          </a:lnRef>
-          <a:fillRef idx="1">
-            <a:schemeClr val="accent1"/>
-          </a:fillRef>
-          <a:effectRef idx="0">
-            <a:schemeClr val="accent1"/>
-          </a:effectRef>
-          <a:fontRef idx="minor">
-            <a:schemeClr val="lt1"/>
-          </a:fontRef>
-        </p:style>
-        <p:txBody>
-          <a:bodyPr rtlCol="0" anchor="ctr"/>
-          <a:lstStyle/>
-          <a:p>
-            <a:pPr algn="ctr"/>
-            <a:r>
-              <a:rPr lang="ru-RU" sz="1200" dirty="0" smtClean="0">
-                <a:solidFill>
-                  <a:schemeClr val="tx1"/>
-                </a:solidFill>
-                <a:latin typeface="Times New Roman" pitchFamily="18" charset="0"/>
-                <a:cs typeface="Times New Roman" pitchFamily="18" charset="0"/>
-              </a:rPr>
-              <a:t>Инициализация</a:t>
-            </a:r>
-          </a:p>
-        </p:txBody>
-      </p:sp>
-      <p:sp>
-        <p:nvSpPr>
-          <p:cNvPr id="8" name="Блок-схема: знак завершения 7"/>
-          <p:cNvSpPr/>
-          <p:nvPr/>
-        </p:nvSpPr>
-        <p:spPr>
-          <a:xfrm>
-            <a:off x="3714744" y="142852"/>
-            <a:ext cx="1643074" cy="214314"/>
-          </a:xfrm>
-          <a:prstGeom prst="flowChartTerminator">
-            <a:avLst/>
-          </a:prstGeom>
-          <a:solidFill>
-            <a:schemeClr val="bg1"/>
-          </a:solidFill>
-          <a:ln>
-            <a:solidFill>
-              <a:schemeClr val="tx1"/>
-            </a:solidFill>
-          </a:ln>
-        </p:spPr>
-        <p:style>
-          <a:lnRef idx="2">
-            <a:schemeClr val="accent1">
-              <a:shade val="50000"/>
-            </a:schemeClr>
-          </a:lnRef>
-          <a:fillRef idx="1">
-            <a:schemeClr val="accent1"/>
-          </a:fillRef>
-          <a:effectRef idx="0">
-            <a:schemeClr val="accent1"/>
-          </a:effectRef>
-          <a:fontRef idx="minor">
-            <a:schemeClr val="lt1"/>
-          </a:fontRef>
-        </p:style>
-        <p:txBody>
-          <a:bodyPr rtlCol="0" anchor="ctr"/>
-          <a:lstStyle/>
-          <a:p>
-            <a:pPr algn="ctr"/>
-            <a:r>
-              <a:rPr lang="ru-RU" sz="1200" dirty="0" smtClean="0">
-                <a:solidFill>
-                  <a:schemeClr val="tx1"/>
-                </a:solidFill>
-                <a:latin typeface="Times New Roman" pitchFamily="18" charset="0"/>
-                <a:cs typeface="Times New Roman" pitchFamily="18" charset="0"/>
-              </a:rPr>
-              <a:t>Работа с ошибками</a:t>
-            </a:r>
-          </a:p>
-        </p:txBody>
-      </p:sp>
-      <p:sp>
-        <p:nvSpPr>
-          <p:cNvPr id="9" name="Блок-схема: знак завершения 8"/>
-          <p:cNvSpPr/>
-          <p:nvPr/>
-        </p:nvSpPr>
-        <p:spPr>
-          <a:xfrm>
-            <a:off x="3714744" y="500042"/>
-            <a:ext cx="1643074" cy="214314"/>
-          </a:xfrm>
-          <a:prstGeom prst="flowChartTerminator">
-            <a:avLst/>
-          </a:prstGeom>
-          <a:solidFill>
-            <a:schemeClr val="bg1"/>
-          </a:solidFill>
-          <a:ln>
-            <a:solidFill>
-              <a:schemeClr val="tx1"/>
-            </a:solidFill>
-          </a:ln>
-        </p:spPr>
-        <p:style>
-          <a:lnRef idx="2">
-            <a:schemeClr val="accent1">
-              <a:shade val="50000"/>
-            </a:schemeClr>
-          </a:lnRef>
-          <a:fillRef idx="1">
-            <a:schemeClr val="accent1"/>
-          </a:fillRef>
-          <a:effectRef idx="0">
-            <a:schemeClr val="accent1"/>
-          </a:effectRef>
-          <a:fontRef idx="minor">
-            <a:schemeClr val="lt1"/>
-          </a:fontRef>
-        </p:style>
-        <p:txBody>
-          <a:bodyPr rtlCol="0" anchor="ctr"/>
-          <a:lstStyle/>
-          <a:p>
-            <a:pPr algn="ctr"/>
-            <a:r>
-              <a:rPr lang="en-US" sz="1200" dirty="0" smtClean="0">
-                <a:solidFill>
-                  <a:schemeClr val="tx1"/>
-                </a:solidFill>
-                <a:latin typeface="Times New Roman" pitchFamily="18" charset="0"/>
-                <a:cs typeface="Times New Roman" pitchFamily="18" charset="0"/>
-              </a:rPr>
-              <a:t>C</a:t>
-            </a:r>
-            <a:r>
-              <a:rPr lang="ru-RU" sz="1200" dirty="0" smtClean="0">
-                <a:solidFill>
-                  <a:schemeClr val="tx1"/>
-                </a:solidFill>
-                <a:latin typeface="Times New Roman" pitchFamily="18" charset="0"/>
-                <a:cs typeface="Times New Roman" pitchFamily="18" charset="0"/>
-              </a:rPr>
-              <a:t>бор параметров</a:t>
-            </a:r>
-          </a:p>
-        </p:txBody>
-      </p:sp>
-      <p:sp>
-        <p:nvSpPr>
-          <p:cNvPr id="10" name="Блок-схема: знак завершения 9"/>
-          <p:cNvSpPr/>
-          <p:nvPr/>
-        </p:nvSpPr>
-        <p:spPr>
-          <a:xfrm>
-            <a:off x="5715008" y="500042"/>
-            <a:ext cx="1643074" cy="214314"/>
-          </a:xfrm>
-          <a:prstGeom prst="flowChartTerminator">
-            <a:avLst/>
-          </a:prstGeom>
-          <a:solidFill>
-            <a:schemeClr val="bg1"/>
-          </a:solidFill>
-          <a:ln>
-            <a:solidFill>
-              <a:schemeClr val="tx1"/>
-            </a:solidFill>
-          </a:ln>
-        </p:spPr>
-        <p:style>
-          <a:lnRef idx="2">
-            <a:schemeClr val="accent1">
-              <a:shade val="50000"/>
-            </a:schemeClr>
-          </a:lnRef>
-          <a:fillRef idx="1">
-            <a:schemeClr val="accent1"/>
-          </a:fillRef>
-          <a:effectRef idx="0">
-            <a:schemeClr val="accent1"/>
-          </a:effectRef>
-          <a:fontRef idx="minor">
-            <a:schemeClr val="lt1"/>
-          </a:fontRef>
-        </p:style>
-        <p:txBody>
-          <a:bodyPr rtlCol="0" anchor="ctr"/>
-          <a:lstStyle/>
-          <a:p>
-            <a:pPr algn="ctr"/>
-            <a:r>
-              <a:rPr lang="ru-RU" sz="1200" dirty="0" smtClean="0">
-                <a:solidFill>
-                  <a:schemeClr val="tx1"/>
-                </a:solidFill>
-                <a:latin typeface="Times New Roman" pitchFamily="18" charset="0"/>
-                <a:cs typeface="Times New Roman" pitchFamily="18" charset="0"/>
-              </a:rPr>
-              <a:t>Вывод</a:t>
-            </a:r>
-          </a:p>
-        </p:txBody>
-      </p:sp>
-      <p:cxnSp>
-        <p:nvCxnSpPr>
-          <p:cNvPr id="13" name="Shape 12"/>
-          <p:cNvCxnSpPr>
-            <a:stCxn id="7" idx="0"/>
-            <a:endCxn id="8" idx="1"/>
-          </p:cNvCxnSpPr>
-          <p:nvPr/>
-        </p:nvCxnSpPr>
-        <p:spPr>
-          <a:xfrm rot="5400000" flipH="1" flipV="1">
-            <a:off x="3000364" y="-214337"/>
-            <a:ext cx="250033" cy="1178727"/>
-          </a:xfrm>
-          <a:prstGeom prst="curvedConnector2">
-            <a:avLst/>
-          </a:prstGeom>
-          <a:ln>
-            <a:solidFill>
-              <a:schemeClr val="tx1"/>
-            </a:solidFill>
-            <a:tailEnd type="arrow"/>
-          </a:ln>
-        </p:spPr>
-        <p:style>
-          <a:lnRef idx="1">
-            <a:schemeClr val="accent1"/>
-          </a:lnRef>
-          <a:fillRef idx="0">
-            <a:schemeClr val="accent1"/>
-          </a:fillRef>
-          <a:effectRef idx="0">
-            <a:schemeClr val="accent1"/>
-          </a:effectRef>
-          <a:fontRef idx="minor">
-            <a:schemeClr val="tx1"/>
-          </a:fontRef>
-        </p:style>
-      </p:cxnSp>
-      <p:cxnSp>
-        <p:nvCxnSpPr>
-          <p:cNvPr id="15" name="Скругленная соединительная линия 14"/>
-          <p:cNvCxnSpPr>
-            <a:stCxn id="7" idx="3"/>
-            <a:endCxn id="9" idx="1"/>
-          </p:cNvCxnSpPr>
-          <p:nvPr/>
-        </p:nvCxnSpPr>
-        <p:spPr>
-          <a:xfrm>
-            <a:off x="3357554" y="607199"/>
-            <a:ext cx="357190" cy="1588"/>
-          </a:xfrm>
-          <a:prstGeom prst="curvedConnector3">
-            <a:avLst>
-              <a:gd name="adj1" fmla="val 50000"/>
-            </a:avLst>
-          </a:prstGeom>
-          <a:ln>
-            <a:solidFill>
-              <a:schemeClr val="tx1"/>
-            </a:solidFill>
-            <a:tailEnd type="arrow"/>
-          </a:ln>
-        </p:spPr>
-        <p:style>
-          <a:lnRef idx="1">
-            <a:schemeClr val="accent1"/>
-          </a:lnRef>
-          <a:fillRef idx="0">
-            <a:schemeClr val="accent1"/>
-          </a:fillRef>
-          <a:effectRef idx="0">
-            <a:schemeClr val="accent1"/>
-          </a:effectRef>
-          <a:fontRef idx="minor">
-            <a:schemeClr val="tx1"/>
-          </a:fontRef>
-        </p:style>
-      </p:cxnSp>
-      <p:cxnSp>
-        <p:nvCxnSpPr>
-          <p:cNvPr id="17" name="Скругленная соединительная линия 16"/>
-          <p:cNvCxnSpPr>
-            <a:stCxn id="9" idx="3"/>
-            <a:endCxn id="10" idx="1"/>
-          </p:cNvCxnSpPr>
-          <p:nvPr/>
-        </p:nvCxnSpPr>
-        <p:spPr>
-          <a:xfrm>
-            <a:off x="5357818" y="607199"/>
-            <a:ext cx="357190" cy="1588"/>
-          </a:xfrm>
-          <a:prstGeom prst="curvedConnector3">
-            <a:avLst>
-              <a:gd name="adj1" fmla="val 50000"/>
-            </a:avLst>
-          </a:prstGeom>
-          <a:ln>
-            <a:solidFill>
-              <a:schemeClr val="tx1"/>
-            </a:solidFill>
-            <a:tailEnd type="arrow"/>
-          </a:ln>
-        </p:spPr>
-        <p:style>
-          <a:lnRef idx="1">
-            <a:schemeClr val="accent1"/>
-          </a:lnRef>
-          <a:fillRef idx="0">
-            <a:schemeClr val="accent1"/>
-          </a:fillRef>
-          <a:effectRef idx="0">
-            <a:schemeClr val="accent1"/>
-          </a:effectRef>
-          <a:fontRef idx="minor">
-            <a:schemeClr val="tx1"/>
-          </a:fontRef>
-        </p:style>
-      </p:cxnSp>
-      <p:cxnSp>
-        <p:nvCxnSpPr>
-          <p:cNvPr id="21" name="Shape 20"/>
-          <p:cNvCxnSpPr>
-            <a:stCxn id="9" idx="0"/>
-            <a:endCxn id="8" idx="2"/>
-          </p:cNvCxnSpPr>
-          <p:nvPr/>
-        </p:nvCxnSpPr>
-        <p:spPr>
-          <a:xfrm rot="5400000" flipH="1" flipV="1">
-            <a:off x="4464843" y="428604"/>
-            <a:ext cx="142876" cy="1588"/>
-          </a:xfrm>
-          <a:prstGeom prst="curvedConnector3">
-            <a:avLst>
-              <a:gd name="adj1" fmla="val 50000"/>
-            </a:avLst>
-          </a:prstGeom>
-          <a:ln>
-            <a:solidFill>
-              <a:schemeClr val="tx1"/>
-            </a:solidFill>
-            <a:tailEnd type="arrow"/>
-          </a:ln>
-        </p:spPr>
-        <p:style>
-          <a:lnRef idx="1">
-            <a:schemeClr val="accent1"/>
-          </a:lnRef>
-          <a:fillRef idx="0">
-            <a:schemeClr val="accent1"/>
-          </a:fillRef>
-          <a:effectRef idx="0">
-            <a:schemeClr val="accent1"/>
-          </a:effectRef>
-          <a:fontRef idx="minor">
-            <a:schemeClr val="tx1"/>
-          </a:fontRef>
-        </p:style>
-      </p:cxnSp>
-      <p:cxnSp>
-        <p:nvCxnSpPr>
-          <p:cNvPr id="23" name="Shape 22"/>
-          <p:cNvCxnSpPr>
-            <a:stCxn id="10" idx="0"/>
-            <a:endCxn id="8" idx="3"/>
-          </p:cNvCxnSpPr>
-          <p:nvPr/>
-        </p:nvCxnSpPr>
-        <p:spPr>
-          <a:xfrm rot="16200000" flipV="1">
-            <a:off x="5822166" y="-214338"/>
-            <a:ext cx="250033" cy="1178727"/>
-          </a:xfrm>
-          <a:prstGeom prst="curvedConnector2">
-            <a:avLst/>
-          </a:prstGeom>
-          <a:ln>
-            <a:solidFill>
-              <a:schemeClr val="tx1"/>
-            </a:solidFill>
-            <a:tailEnd type="arrow"/>
-          </a:ln>
-        </p:spPr>
-        <p:style>
-          <a:lnRef idx="1">
-            <a:schemeClr val="accent1"/>
-          </a:lnRef>
-          <a:fillRef idx="0">
-            <a:schemeClr val="accent1"/>
-          </a:fillRef>
-          <a:effectRef idx="0">
-            <a:schemeClr val="accent1"/>
-          </a:effectRef>
-          <a:fontRef idx="minor">
-            <a:schemeClr val="tx1"/>
-          </a:fontRef>
-        </p:style>
-      </p:cxnSp>
       <p:graphicFrame>
         <p:nvGraphicFramePr>
           <p:cNvPr id="18" name="Таблица 17"/>
@@ -10408,8 +10074,8 @@
           <p:nvPr/>
         </p:nvGraphicFramePr>
         <p:xfrm>
-          <a:off x="428596" y="3500438"/>
-          <a:ext cx="2643206" cy="1285884"/>
+          <a:off x="464312" y="3500438"/>
+          <a:ext cx="2863473" cy="1285884"/>
         </p:xfrm>
         <a:graphic>
           <a:graphicData uri="http://schemas.openxmlformats.org/drawingml/2006/table">
@@ -10418,7 +10084,7 @@
                 <a:tableStyleId>{5C22544A-7EE6-4342-B048-85BDC9FD1C3A}</a:tableStyleId>
               </a:tblPr>
               <a:tblGrid>
-                <a:gridCol w="2643206"/>
+                <a:gridCol w="2863473"/>
               </a:tblGrid>
               <a:tr h="1285884">
                 <a:tc>
@@ -10427,16 +10093,6 @@
                     <a:lstStyle/>
                     <a:p>
                       <a:r>
-                        <a:rPr lang="en-US" sz="1300" b="0" dirty="0" err="1" smtClean="0">
-                          <a:solidFill>
-                            <a:schemeClr val="tx1"/>
-                          </a:solidFill>
-                          <a:latin typeface="Consolas" pitchFamily="49" charset="0"/>
-                          <a:cs typeface="Consolas" pitchFamily="49" charset="0"/>
-                        </a:rPr>
-                        <a:t>typedef</a:t>
-                      </a:r>
-                      <a:r>
                         <a:rPr lang="en-US" sz="1300" b="0" dirty="0" smtClean="0">
                           <a:solidFill>
                             <a:schemeClr val="tx1"/>
@@ -10444,7 +10100,7 @@
                           <a:latin typeface="Consolas" pitchFamily="49" charset="0"/>
                           <a:cs typeface="Consolas" pitchFamily="49" charset="0"/>
                         </a:rPr>
-                        <a:t> </a:t>
+                        <a:t>typedef </a:t>
                       </a:r>
                       <a:r>
                         <a:rPr lang="en-US" sz="1300" b="0" dirty="0" err="1" smtClean="0">
@@ -10565,7 +10221,7 @@
                       </a:r>
                     </a:p>
                   </a:txBody>
-                  <a:tcPr>
+                  <a:tcPr marL="99060" marR="99060">
                     <a:lnL w="12700" cap="flat" cmpd="sng" algn="ctr">
                       <a:solidFill>
                         <a:schemeClr val="tx1"/>
@@ -10624,7 +10280,7 @@
           <p:nvPr/>
         </p:nvPicPr>
         <p:blipFill>
-          <a:blip r:embed="rId2"/>
+          <a:blip r:embed="rId2" cstate="print"/>
           <a:srcRect/>
           <a:stretch>
             <a:fillRect/>
@@ -10632,8 +10288,8 @@
         </p:blipFill>
         <p:spPr bwMode="auto">
           <a:xfrm>
-            <a:off x="3929058" y="1357298"/>
-            <a:ext cx="4643470" cy="5381788"/>
+            <a:off x="4256479" y="1357298"/>
+            <a:ext cx="5030426" cy="5381788"/>
           </a:xfrm>
           <a:prstGeom prst="rect">
             <a:avLst/>
@@ -10650,17 +10306,17 @@
           <p:nvPr/>
         </p:nvGraphicFramePr>
         <p:xfrm>
-          <a:off x="428596" y="1844990"/>
-          <a:ext cx="4000528" cy="1226820"/>
+          <a:off x="464313" y="1844990"/>
+          <a:ext cx="4333905" cy="1226820"/>
         </p:xfrm>
         <a:graphic>
           <a:graphicData uri="http://schemas.openxmlformats.org/drawingml/2006/table">
             <a:tbl>
               <a:tblPr/>
               <a:tblGrid>
-                <a:gridCol w="1143008"/>
-                <a:gridCol w="214314"/>
-                <a:gridCol w="2643206"/>
+                <a:gridCol w="1238259"/>
+                <a:gridCol w="232173"/>
+                <a:gridCol w="2863473"/>
               </a:tblGrid>
               <a:tr h="204470">
                 <a:tc>
@@ -10704,7 +10360,7 @@
                       </a:endParaRPr>
                     </a:p>
                   </a:txBody>
-                  <a:tcPr marL="68580" marR="68580" marT="0" marB="0">
+                  <a:tcPr marL="74295" marR="74295" marT="0" marB="0">
                     <a:lnL w="12700" cap="flat" cmpd="sng" algn="ctr">
                       <a:solidFill>
                         <a:schemeClr val="tx1"/>
@@ -10770,7 +10426,7 @@
                       </a:endParaRPr>
                     </a:p>
                   </a:txBody>
-                  <a:tcPr marL="68580" marR="68580" marT="0" marB="0">
+                  <a:tcPr marL="74295" marR="74295" marT="0" marB="0">
                     <a:lnL w="12700" cap="flat" cmpd="sng" algn="ctr">
                       <a:noFill/>
                       <a:prstDash val="solid"/>
@@ -10834,7 +10490,7 @@
                       </a:endParaRPr>
                     </a:p>
                   </a:txBody>
-                  <a:tcPr marL="68580" marR="68580" marT="0" marB="0">
+                  <a:tcPr marL="74295" marR="74295" marT="0" marB="0">
                     <a:lnL w="12700" cap="flat" cmpd="sng" algn="ctr">
                       <a:noFill/>
                       <a:prstDash val="solid"/>
@@ -10894,7 +10550,7 @@
                       </a:endParaRPr>
                     </a:p>
                   </a:txBody>
-                  <a:tcPr marL="68580" marR="68580" marT="0" marB="0">
+                  <a:tcPr marL="74295" marR="74295" marT="0" marB="0">
                     <a:lnL w="12700" cap="flat" cmpd="sng" algn="ctr">
                       <a:solidFill>
                         <a:schemeClr val="tx1"/>
@@ -10950,7 +10606,7 @@
                       </a:endParaRPr>
                     </a:p>
                   </a:txBody>
-                  <a:tcPr marL="68580" marR="68580" marT="0" marB="0">
+                  <a:tcPr marL="74295" marR="74295" marT="0" marB="0">
                     <a:lnL w="12700" cap="flat" cmpd="sng" algn="ctr">
                       <a:noFill/>
                       <a:prstDash val="solid"/>
@@ -11012,7 +10668,7 @@
                       </a:endParaRPr>
                     </a:p>
                   </a:txBody>
-                  <a:tcPr marL="68580" marR="68580" marT="0" marB="0">
+                  <a:tcPr marL="74295" marR="74295" marT="0" marB="0">
                     <a:lnL w="12700" cap="flat" cmpd="sng" algn="ctr">
                       <a:noFill/>
                       <a:prstDash val="solid"/>
@@ -11070,7 +10726,7 @@
                       </a:endParaRPr>
                     </a:p>
                   </a:txBody>
-                  <a:tcPr marL="68580" marR="68580" marT="0" marB="0">
+                  <a:tcPr marL="74295" marR="74295" marT="0" marB="0">
                     <a:lnL w="12700" cap="flat" cmpd="sng" algn="ctr">
                       <a:solidFill>
                         <a:schemeClr val="tx1"/>
@@ -11126,7 +10782,7 @@
                       </a:endParaRPr>
                     </a:p>
                   </a:txBody>
-                  <a:tcPr marL="68580" marR="68580" marT="0" marB="0">
+                  <a:tcPr marL="74295" marR="74295" marT="0" marB="0">
                     <a:lnL w="12700" cap="flat" cmpd="sng" algn="ctr">
                       <a:noFill/>
                       <a:prstDash val="solid"/>
@@ -11228,7 +10884,7 @@
                       </a:endParaRPr>
                     </a:p>
                   </a:txBody>
-                  <a:tcPr marL="68580" marR="68580" marT="0" marB="0">
+                  <a:tcPr marL="74295" marR="74295" marT="0" marB="0">
                     <a:lnL w="12700" cap="flat" cmpd="sng" algn="ctr">
                       <a:noFill/>
                       <a:prstDash val="solid"/>
@@ -11286,7 +10942,7 @@
                       </a:endParaRPr>
                     </a:p>
                   </a:txBody>
-                  <a:tcPr marL="68580" marR="68580" marT="0" marB="0">
+                  <a:tcPr marL="74295" marR="74295" marT="0" marB="0">
                     <a:lnL w="12700" cap="flat" cmpd="sng" algn="ctr">
                       <a:solidFill>
                         <a:schemeClr val="tx1"/>
@@ -11342,7 +10998,7 @@
                       </a:endParaRPr>
                     </a:p>
                   </a:txBody>
-                  <a:tcPr marL="68580" marR="68580" marT="0" marB="0">
+                  <a:tcPr marL="74295" marR="74295" marT="0" marB="0">
                     <a:lnL w="12700" cap="flat" cmpd="sng" algn="ctr">
                       <a:noFill/>
                       <a:prstDash val="solid"/>
@@ -11428,7 +11084,7 @@
                       </a:endParaRPr>
                     </a:p>
                   </a:txBody>
-                  <a:tcPr marL="68580" marR="68580" marT="0" marB="0">
+                  <a:tcPr marL="74295" marR="74295" marT="0" marB="0">
                     <a:lnL w="12700" cap="flat" cmpd="sng" algn="ctr">
                       <a:noFill/>
                       <a:prstDash val="solid"/>
@@ -11486,7 +11142,7 @@
                       </a:endParaRPr>
                     </a:p>
                   </a:txBody>
-                  <a:tcPr marL="68580" marR="68580" marT="0" marB="0">
+                  <a:tcPr marL="74295" marR="74295" marT="0" marB="0">
                     <a:lnL w="12700" cap="flat" cmpd="sng" algn="ctr">
                       <a:solidFill>
                         <a:schemeClr val="tx1"/>
@@ -11542,7 +11198,7 @@
                       </a:endParaRPr>
                     </a:p>
                   </a:txBody>
-                  <a:tcPr marL="68580" marR="68580" marT="0" marB="0">
+                  <a:tcPr marL="74295" marR="74295" marT="0" marB="0">
                     <a:lnL w="12700" cap="flat" cmpd="sng" algn="ctr">
                       <a:noFill/>
                       <a:prstDash val="solid"/>
@@ -11604,7 +11260,7 @@
                       </a:endParaRPr>
                     </a:p>
                   </a:txBody>
-                  <a:tcPr marL="68580" marR="68580" marT="0" marB="0">
+                  <a:tcPr marL="74295" marR="74295" marT="0" marB="0">
                     <a:lnL w="12700" cap="flat" cmpd="sng" algn="ctr">
                       <a:noFill/>
                       <a:prstDash val="solid"/>
@@ -11662,7 +11318,7 @@
                       </a:endParaRPr>
                     </a:p>
                   </a:txBody>
-                  <a:tcPr marL="68580" marR="68580" marT="0" marB="0">
+                  <a:tcPr marL="74295" marR="74295" marT="0" marB="0">
                     <a:lnL w="12700" cap="flat" cmpd="sng" algn="ctr">
                       <a:solidFill>
                         <a:schemeClr val="tx1"/>
@@ -11728,7 +11384,7 @@
                       </a:endParaRPr>
                     </a:p>
                   </a:txBody>
-                  <a:tcPr marL="68580" marR="68580" marT="0" marB="0">
+                  <a:tcPr marL="74295" marR="74295" marT="0" marB="0">
                     <a:lnL w="12700" cap="flat" cmpd="sng" algn="ctr">
                       <a:noFill/>
                       <a:prstDash val="solid"/>
@@ -11784,7 +11440,7 @@
                       </a:endParaRPr>
                     </a:p>
                   </a:txBody>
-                  <a:tcPr marL="68580" marR="68580" marT="0" marB="0">
+                  <a:tcPr marL="74295" marR="74295" marT="0" marB="0">
                     <a:lnL w="12700" cap="flat" cmpd="sng" algn="ctr">
                       <a:noFill/>
                       <a:prstDash val="solid"/>
@@ -11854,6 +11510,588 @@
           </a:p>
         </p:txBody>
       </p:sp>
+      <p:sp>
+        <p:nvSpPr>
+          <p:cNvPr id="19" name="Блок-схема: знак завершения 18"/>
+          <p:cNvSpPr/>
+          <p:nvPr/>
+        </p:nvSpPr>
+        <p:spPr>
+          <a:xfrm>
+            <a:off x="958425" y="500042"/>
+            <a:ext cx="1779997" cy="214314"/>
+          </a:xfrm>
+          <a:prstGeom prst="flowChartTerminator">
+            <a:avLst/>
+          </a:prstGeom>
+          <a:solidFill>
+            <a:schemeClr val="accent3">
+              <a:lumMod val="60000"/>
+              <a:lumOff val="40000"/>
+            </a:schemeClr>
+          </a:solidFill>
+          <a:ln>
+            <a:solidFill>
+              <a:schemeClr val="tx1"/>
+            </a:solidFill>
+          </a:ln>
+        </p:spPr>
+        <p:style>
+          <a:lnRef idx="2">
+            <a:schemeClr val="accent1">
+              <a:shade val="50000"/>
+            </a:schemeClr>
+          </a:lnRef>
+          <a:fillRef idx="1">
+            <a:schemeClr val="accent1"/>
+          </a:fillRef>
+          <a:effectRef idx="0">
+            <a:schemeClr val="accent1"/>
+          </a:effectRef>
+          <a:fontRef idx="minor">
+            <a:schemeClr val="lt1"/>
+          </a:fontRef>
+        </p:style>
+        <p:txBody>
+          <a:bodyPr rtlCol="0" anchor="ctr"/>
+          <a:lstStyle/>
+          <a:p>
+            <a:pPr algn="ctr"/>
+            <a:r>
+              <a:rPr lang="ru-RU" sz="1200" dirty="0" smtClean="0">
+                <a:solidFill>
+                  <a:schemeClr val="tx1"/>
+                </a:solidFill>
+                <a:latin typeface="Times New Roman" pitchFamily="18" charset="0"/>
+                <a:cs typeface="Times New Roman" pitchFamily="18" charset="0"/>
+              </a:rPr>
+              <a:t>Инициализация</a:t>
+            </a:r>
+          </a:p>
+        </p:txBody>
+      </p:sp>
+      <p:sp>
+        <p:nvSpPr>
+          <p:cNvPr id="20" name="Блок-схема: знак завершения 19"/>
+          <p:cNvSpPr/>
+          <p:nvPr/>
+        </p:nvSpPr>
+        <p:spPr>
+          <a:xfrm>
+            <a:off x="4077571" y="187240"/>
+            <a:ext cx="1779997" cy="214314"/>
+          </a:xfrm>
+          <a:prstGeom prst="flowChartTerminator">
+            <a:avLst/>
+          </a:prstGeom>
+          <a:solidFill>
+            <a:schemeClr val="bg1"/>
+          </a:solidFill>
+          <a:ln>
+            <a:solidFill>
+              <a:schemeClr val="tx1"/>
+            </a:solidFill>
+          </a:ln>
+        </p:spPr>
+        <p:style>
+          <a:lnRef idx="2">
+            <a:schemeClr val="accent1">
+              <a:shade val="50000"/>
+            </a:schemeClr>
+          </a:lnRef>
+          <a:fillRef idx="1">
+            <a:schemeClr val="accent1"/>
+          </a:fillRef>
+          <a:effectRef idx="0">
+            <a:schemeClr val="accent1"/>
+          </a:effectRef>
+          <a:fontRef idx="minor">
+            <a:schemeClr val="lt1"/>
+          </a:fontRef>
+        </p:style>
+        <p:txBody>
+          <a:bodyPr rtlCol="0" anchor="ctr"/>
+          <a:lstStyle/>
+          <a:p>
+            <a:pPr algn="ctr"/>
+            <a:r>
+              <a:rPr lang="ru-RU" sz="1200" dirty="0" smtClean="0">
+                <a:solidFill>
+                  <a:schemeClr val="tx1"/>
+                </a:solidFill>
+                <a:latin typeface="Times New Roman" pitchFamily="18" charset="0"/>
+                <a:cs typeface="Times New Roman" pitchFamily="18" charset="0"/>
+              </a:rPr>
+              <a:t>Работа с ошибками</a:t>
+            </a:r>
+          </a:p>
+        </p:txBody>
+      </p:sp>
+      <p:sp>
+        <p:nvSpPr>
+          <p:cNvPr id="22" name="Блок-схема: знак завершения 21"/>
+          <p:cNvSpPr/>
+          <p:nvPr/>
+        </p:nvSpPr>
+        <p:spPr>
+          <a:xfrm>
+            <a:off x="3030127" y="500042"/>
+            <a:ext cx="1779997" cy="214314"/>
+          </a:xfrm>
+          <a:prstGeom prst="flowChartTerminator">
+            <a:avLst/>
+          </a:prstGeom>
+          <a:solidFill>
+            <a:schemeClr val="bg1"/>
+          </a:solidFill>
+          <a:ln>
+            <a:solidFill>
+              <a:schemeClr val="tx1"/>
+            </a:solidFill>
+          </a:ln>
+        </p:spPr>
+        <p:style>
+          <a:lnRef idx="2">
+            <a:schemeClr val="accent1">
+              <a:shade val="50000"/>
+            </a:schemeClr>
+          </a:lnRef>
+          <a:fillRef idx="1">
+            <a:schemeClr val="accent1"/>
+          </a:fillRef>
+          <a:effectRef idx="0">
+            <a:schemeClr val="accent1"/>
+          </a:effectRef>
+          <a:fontRef idx="minor">
+            <a:schemeClr val="lt1"/>
+          </a:fontRef>
+        </p:style>
+        <p:txBody>
+          <a:bodyPr rtlCol="0" anchor="ctr"/>
+          <a:lstStyle/>
+          <a:p>
+            <a:pPr algn="ctr"/>
+            <a:r>
+              <a:rPr lang="en-US" sz="1200" dirty="0" smtClean="0">
+                <a:solidFill>
+                  <a:schemeClr val="tx1"/>
+                </a:solidFill>
+                <a:latin typeface="Times New Roman" pitchFamily="18" charset="0"/>
+                <a:cs typeface="Times New Roman" pitchFamily="18" charset="0"/>
+              </a:rPr>
+              <a:t>C</a:t>
+            </a:r>
+            <a:r>
+              <a:rPr lang="ru-RU" sz="1200" dirty="0" smtClean="0">
+                <a:solidFill>
+                  <a:schemeClr val="tx1"/>
+                </a:solidFill>
+                <a:latin typeface="Times New Roman" pitchFamily="18" charset="0"/>
+                <a:cs typeface="Times New Roman" pitchFamily="18" charset="0"/>
+              </a:rPr>
+              <a:t>бор параметров</a:t>
+            </a:r>
+          </a:p>
+        </p:txBody>
+      </p:sp>
+      <p:sp>
+        <p:nvSpPr>
+          <p:cNvPr id="24" name="Блок-схема: знак завершения 23"/>
+          <p:cNvSpPr/>
+          <p:nvPr/>
+        </p:nvSpPr>
+        <p:spPr>
+          <a:xfrm>
+            <a:off x="5095876" y="500042"/>
+            <a:ext cx="1779997" cy="214314"/>
+          </a:xfrm>
+          <a:prstGeom prst="flowChartTerminator">
+            <a:avLst/>
+          </a:prstGeom>
+          <a:solidFill>
+            <a:schemeClr val="bg1"/>
+          </a:solidFill>
+          <a:ln>
+            <a:solidFill>
+              <a:schemeClr val="tx1"/>
+            </a:solidFill>
+          </a:ln>
+        </p:spPr>
+        <p:style>
+          <a:lnRef idx="2">
+            <a:schemeClr val="accent1">
+              <a:shade val="50000"/>
+            </a:schemeClr>
+          </a:lnRef>
+          <a:fillRef idx="1">
+            <a:schemeClr val="accent1"/>
+          </a:fillRef>
+          <a:effectRef idx="0">
+            <a:schemeClr val="accent1"/>
+          </a:effectRef>
+          <a:fontRef idx="minor">
+            <a:schemeClr val="lt1"/>
+          </a:fontRef>
+        </p:style>
+        <p:txBody>
+          <a:bodyPr rtlCol="0" anchor="ctr"/>
+          <a:lstStyle/>
+          <a:p>
+            <a:pPr algn="ctr"/>
+            <a:r>
+              <a:rPr lang="ru-RU" sz="1200" dirty="0" smtClean="0">
+                <a:solidFill>
+                  <a:schemeClr val="tx1"/>
+                </a:solidFill>
+                <a:latin typeface="Times New Roman" pitchFamily="18" charset="0"/>
+                <a:cs typeface="Times New Roman" pitchFamily="18" charset="0"/>
+              </a:rPr>
+              <a:t>Вывод</a:t>
+            </a:r>
+          </a:p>
+        </p:txBody>
+      </p:sp>
+      <p:cxnSp>
+        <p:nvCxnSpPr>
+          <p:cNvPr id="25" name="Shape 24"/>
+          <p:cNvCxnSpPr>
+            <a:stCxn id="19" idx="0"/>
+            <a:endCxn id="20" idx="1"/>
+          </p:cNvCxnSpPr>
+          <p:nvPr/>
+        </p:nvCxnSpPr>
+        <p:spPr>
+          <a:xfrm rot="5400000" flipH="1" flipV="1">
+            <a:off x="2860175" y="-717353"/>
+            <a:ext cx="205645" cy="2229147"/>
+          </a:xfrm>
+          <a:prstGeom prst="curvedConnector2">
+            <a:avLst/>
+          </a:prstGeom>
+          <a:ln>
+            <a:solidFill>
+              <a:schemeClr val="tx1"/>
+            </a:solidFill>
+            <a:headEnd type="stealth"/>
+            <a:tailEnd type="stealth"/>
+          </a:ln>
+        </p:spPr>
+        <p:style>
+          <a:lnRef idx="1">
+            <a:schemeClr val="accent1"/>
+          </a:lnRef>
+          <a:fillRef idx="0">
+            <a:schemeClr val="accent1"/>
+          </a:fillRef>
+          <a:effectRef idx="0">
+            <a:schemeClr val="accent1"/>
+          </a:effectRef>
+          <a:fontRef idx="minor">
+            <a:schemeClr val="tx1"/>
+          </a:fontRef>
+        </p:style>
+      </p:cxnSp>
+      <p:cxnSp>
+        <p:nvCxnSpPr>
+          <p:cNvPr id="26" name="Скругленная соединительная линия 25"/>
+          <p:cNvCxnSpPr>
+            <a:stCxn id="19" idx="3"/>
+            <a:endCxn id="22" idx="1"/>
+          </p:cNvCxnSpPr>
+          <p:nvPr/>
+        </p:nvCxnSpPr>
+        <p:spPr>
+          <a:xfrm>
+            <a:off x="2738422" y="607199"/>
+            <a:ext cx="291705" cy="1588"/>
+          </a:xfrm>
+          <a:prstGeom prst="curvedConnector3">
+            <a:avLst>
+              <a:gd name="adj1" fmla="val 50000"/>
+            </a:avLst>
+          </a:prstGeom>
+          <a:ln>
+            <a:solidFill>
+              <a:schemeClr val="tx1"/>
+            </a:solidFill>
+            <a:tailEnd type="stealth"/>
+          </a:ln>
+        </p:spPr>
+        <p:style>
+          <a:lnRef idx="1">
+            <a:schemeClr val="accent1"/>
+          </a:lnRef>
+          <a:fillRef idx="0">
+            <a:schemeClr val="accent1"/>
+          </a:fillRef>
+          <a:effectRef idx="0">
+            <a:schemeClr val="accent1"/>
+          </a:effectRef>
+          <a:fontRef idx="minor">
+            <a:schemeClr val="tx1"/>
+          </a:fontRef>
+        </p:style>
+      </p:cxnSp>
+      <p:cxnSp>
+        <p:nvCxnSpPr>
+          <p:cNvPr id="27" name="Скругленная соединительная линия 26"/>
+          <p:cNvCxnSpPr>
+            <a:stCxn id="22" idx="3"/>
+            <a:endCxn id="24" idx="1"/>
+          </p:cNvCxnSpPr>
+          <p:nvPr/>
+        </p:nvCxnSpPr>
+        <p:spPr>
+          <a:xfrm>
+            <a:off x="4810124" y="607199"/>
+            <a:ext cx="285752" cy="1588"/>
+          </a:xfrm>
+          <a:prstGeom prst="curvedConnector3">
+            <a:avLst>
+              <a:gd name="adj1" fmla="val 50000"/>
+            </a:avLst>
+          </a:prstGeom>
+          <a:ln>
+            <a:solidFill>
+              <a:schemeClr val="tx1"/>
+            </a:solidFill>
+            <a:tailEnd type="stealth"/>
+          </a:ln>
+        </p:spPr>
+        <p:style>
+          <a:lnRef idx="1">
+            <a:schemeClr val="accent1"/>
+          </a:lnRef>
+          <a:fillRef idx="0">
+            <a:schemeClr val="accent1"/>
+          </a:fillRef>
+          <a:effectRef idx="0">
+            <a:schemeClr val="accent1"/>
+          </a:effectRef>
+          <a:fontRef idx="minor">
+            <a:schemeClr val="tx1"/>
+          </a:fontRef>
+        </p:style>
+      </p:cxnSp>
+      <p:cxnSp>
+        <p:nvCxnSpPr>
+          <p:cNvPr id="28" name="Shape 20"/>
+          <p:cNvCxnSpPr>
+            <a:stCxn id="22" idx="0"/>
+          </p:cNvCxnSpPr>
+          <p:nvPr/>
+        </p:nvCxnSpPr>
+        <p:spPr>
+          <a:xfrm rot="5400000" flipH="1" flipV="1">
+            <a:off x="3936498" y="340794"/>
+            <a:ext cx="142876" cy="175620"/>
+          </a:xfrm>
+          <a:prstGeom prst="curvedConnector2">
+            <a:avLst/>
+          </a:prstGeom>
+          <a:ln>
+            <a:solidFill>
+              <a:schemeClr val="tx1"/>
+            </a:solidFill>
+            <a:headEnd type="stealth"/>
+            <a:tailEnd type="stealth"/>
+          </a:ln>
+        </p:spPr>
+        <p:style>
+          <a:lnRef idx="1">
+            <a:schemeClr val="accent1"/>
+          </a:lnRef>
+          <a:fillRef idx="0">
+            <a:schemeClr val="accent1"/>
+          </a:fillRef>
+          <a:effectRef idx="0">
+            <a:schemeClr val="accent1"/>
+          </a:effectRef>
+          <a:fontRef idx="minor">
+            <a:schemeClr val="tx1"/>
+          </a:fontRef>
+        </p:style>
+      </p:cxnSp>
+      <p:cxnSp>
+        <p:nvCxnSpPr>
+          <p:cNvPr id="29" name="Shape 28"/>
+          <p:cNvCxnSpPr>
+            <a:stCxn id="24" idx="0"/>
+          </p:cNvCxnSpPr>
+          <p:nvPr/>
+        </p:nvCxnSpPr>
+        <p:spPr>
+          <a:xfrm rot="16200000" flipV="1">
+            <a:off x="5826628" y="340794"/>
+            <a:ext cx="142876" cy="175619"/>
+          </a:xfrm>
+          <a:prstGeom prst="curvedConnector2">
+            <a:avLst/>
+          </a:prstGeom>
+          <a:ln>
+            <a:solidFill>
+              <a:schemeClr val="tx1"/>
+            </a:solidFill>
+            <a:headEnd type="stealth"/>
+            <a:tailEnd type="stealth"/>
+          </a:ln>
+        </p:spPr>
+        <p:style>
+          <a:lnRef idx="1">
+            <a:schemeClr val="accent1"/>
+          </a:lnRef>
+          <a:fillRef idx="0">
+            <a:schemeClr val="accent1"/>
+          </a:fillRef>
+          <a:effectRef idx="0">
+            <a:schemeClr val="accent1"/>
+          </a:effectRef>
+          <a:fontRef idx="minor">
+            <a:schemeClr val="tx1"/>
+          </a:fontRef>
+        </p:style>
+      </p:cxnSp>
+      <p:sp>
+        <p:nvSpPr>
+          <p:cNvPr id="30" name="Блок-схема: знак завершения 29"/>
+          <p:cNvSpPr/>
+          <p:nvPr/>
+        </p:nvSpPr>
+        <p:spPr>
+          <a:xfrm>
+            <a:off x="7167578" y="500042"/>
+            <a:ext cx="1779997" cy="214314"/>
+          </a:xfrm>
+          <a:prstGeom prst="flowChartTerminator">
+            <a:avLst/>
+          </a:prstGeom>
+          <a:solidFill>
+            <a:schemeClr val="bg1"/>
+          </a:solidFill>
+          <a:ln>
+            <a:solidFill>
+              <a:schemeClr val="tx1"/>
+            </a:solidFill>
+          </a:ln>
+        </p:spPr>
+        <p:style>
+          <a:lnRef idx="2">
+            <a:schemeClr val="accent1">
+              <a:shade val="50000"/>
+            </a:schemeClr>
+          </a:lnRef>
+          <a:fillRef idx="1">
+            <a:schemeClr val="accent1"/>
+          </a:fillRef>
+          <a:effectRef idx="0">
+            <a:schemeClr val="accent1"/>
+          </a:effectRef>
+          <a:fontRef idx="minor">
+            <a:schemeClr val="lt1"/>
+          </a:fontRef>
+        </p:style>
+        <p:txBody>
+          <a:bodyPr rtlCol="0" anchor="ctr"/>
+          <a:lstStyle/>
+          <a:p>
+            <a:pPr algn="ctr"/>
+            <a:r>
+              <a:rPr lang="ru-RU" sz="1200" dirty="0" smtClean="0">
+                <a:solidFill>
+                  <a:schemeClr val="tx1"/>
+                </a:solidFill>
+                <a:latin typeface="Times New Roman" pitchFamily="18" charset="0"/>
+                <a:cs typeface="Times New Roman" pitchFamily="18" charset="0"/>
+              </a:rPr>
+              <a:t>Финализация</a:t>
+            </a:r>
+            <a:endParaRPr lang="ru-RU" sz="1200" dirty="0" smtClean="0">
+              <a:solidFill>
+                <a:schemeClr val="tx1"/>
+              </a:solidFill>
+              <a:latin typeface="Times New Roman" pitchFamily="18" charset="0"/>
+              <a:cs typeface="Times New Roman" pitchFamily="18" charset="0"/>
+            </a:endParaRPr>
+          </a:p>
+        </p:txBody>
+      </p:sp>
+      <p:cxnSp>
+        <p:nvCxnSpPr>
+          <p:cNvPr id="31" name="Скругленная соединительная линия 30"/>
+          <p:cNvCxnSpPr/>
+          <p:nvPr/>
+        </p:nvCxnSpPr>
+        <p:spPr>
+          <a:xfrm>
+            <a:off x="6871547" y="612997"/>
+            <a:ext cx="285752" cy="1588"/>
+          </a:xfrm>
+          <a:prstGeom prst="curvedConnector3">
+            <a:avLst>
+              <a:gd name="adj1" fmla="val 50000"/>
+            </a:avLst>
+          </a:prstGeom>
+          <a:ln>
+            <a:solidFill>
+              <a:schemeClr val="tx1"/>
+            </a:solidFill>
+            <a:tailEnd type="stealth"/>
+          </a:ln>
+        </p:spPr>
+        <p:style>
+          <a:lnRef idx="1">
+            <a:schemeClr val="accent1"/>
+          </a:lnRef>
+          <a:fillRef idx="0">
+            <a:schemeClr val="accent1"/>
+          </a:fillRef>
+          <a:effectRef idx="0">
+            <a:schemeClr val="accent1"/>
+          </a:effectRef>
+          <a:fontRef idx="minor">
+            <a:schemeClr val="tx1"/>
+          </a:fontRef>
+        </p:style>
+      </p:cxnSp>
+      <p:cxnSp>
+        <p:nvCxnSpPr>
+          <p:cNvPr id="32" name="Shape 31"/>
+          <p:cNvCxnSpPr>
+            <a:stCxn id="20" idx="3"/>
+            <a:endCxn id="30" idx="0"/>
+          </p:cNvCxnSpPr>
+          <p:nvPr/>
+        </p:nvCxnSpPr>
+        <p:spPr>
+          <a:xfrm>
+            <a:off x="5857568" y="294397"/>
+            <a:ext cx="2200009" cy="205645"/>
+          </a:xfrm>
+          <a:prstGeom prst="curvedConnector2">
+            <a:avLst/>
+          </a:prstGeom>
+          <a:ln>
+            <a:solidFill>
+              <a:schemeClr val="tx1"/>
+            </a:solidFill>
+            <a:tailEnd type="stealth"/>
+          </a:ln>
+        </p:spPr>
+        <p:style>
+          <a:lnRef idx="1">
+            <a:schemeClr val="accent1"/>
+          </a:lnRef>
+          <a:fillRef idx="0">
+            <a:schemeClr val="accent1"/>
+          </a:fillRef>
+          <a:effectRef idx="0">
+            <a:schemeClr val="accent1"/>
+          </a:effectRef>
+          <a:fontRef idx="minor">
+            <a:schemeClr val="tx1"/>
+          </a:fontRef>
+        </p:style>
+      </p:cxnSp>
     </p:spTree>
   </p:cSld>
   <p:clrMapOvr>
@@ -11899,7 +12137,7 @@
         <p:spPr>
           <a:xfrm>
             <a:off x="0" y="857232"/>
-            <a:ext cx="9144000" cy="500058"/>
+            <a:ext cx="9906000" cy="500058"/>
           </a:xfrm>
         </p:spPr>
         <p:txBody>
@@ -11934,8 +12172,8 @@
         </p:nvSpPr>
         <p:spPr>
           <a:xfrm>
-            <a:off x="214282" y="1600201"/>
-            <a:ext cx="8929718" cy="2114551"/>
+            <a:off x="232139" y="1600202"/>
+            <a:ext cx="9673861" cy="2114551"/>
           </a:xfrm>
         </p:spPr>
         <p:txBody>
@@ -12247,7 +12485,7 @@
         </p:nvSpPr>
         <p:spPr>
           <a:xfrm>
-            <a:off x="285720" y="4364188"/>
+            <a:off x="309531" y="4364188"/>
             <a:ext cx="1638077" cy="1231106"/>
           </a:xfrm>
           <a:prstGeom prst="rect">
@@ -12400,7 +12638,7 @@
         </p:nvSpPr>
         <p:spPr>
           <a:xfrm>
-            <a:off x="214282" y="3714752"/>
+            <a:off x="232139" y="3714752"/>
             <a:ext cx="3548344" cy="523220"/>
           </a:xfrm>
           <a:prstGeom prst="rect">
@@ -12441,7 +12679,7 @@
         </p:nvSpPr>
         <p:spPr>
           <a:xfrm>
-            <a:off x="214282" y="3143248"/>
+            <a:off x="232139" y="3143248"/>
             <a:ext cx="4547014" cy="523220"/>
           </a:xfrm>
           <a:prstGeom prst="rect">
@@ -12474,7 +12712,21 @@
                 <a:latin typeface="Times New Roman" pitchFamily="18" charset="0"/>
                 <a:cs typeface="Times New Roman" pitchFamily="18" charset="0"/>
               </a:rPr>
-              <a:t>говорит о том, что случае если параметр</a:t>
+              <a:t>говорит о том, </a:t>
+            </a:r>
+            <a:r>
+              <a:rPr lang="ru-RU" sz="1400" dirty="0" smtClean="0">
+                <a:latin typeface="Times New Roman" pitchFamily="18" charset="0"/>
+                <a:cs typeface="Times New Roman" pitchFamily="18" charset="0"/>
+              </a:rPr>
+              <a:t>что в случае, </a:t>
+            </a:r>
+            <a:r>
+              <a:rPr lang="ru-RU" sz="1400" dirty="0" smtClean="0">
+                <a:latin typeface="Times New Roman" pitchFamily="18" charset="0"/>
+                <a:cs typeface="Times New Roman" pitchFamily="18" charset="0"/>
+              </a:rPr>
+              <a:t>если параметр</a:t>
             </a:r>
           </a:p>
           <a:p>
@@ -12497,16 +12749,16 @@
           <p:nvPr/>
         </p:nvGraphicFramePr>
         <p:xfrm>
-          <a:off x="2786050" y="4752995"/>
-          <a:ext cx="6096000" cy="1533525"/>
+          <a:off x="3018221" y="4752996"/>
+          <a:ext cx="6604000" cy="1533525"/>
         </p:xfrm>
         <a:graphic>
           <a:graphicData uri="http://schemas.openxmlformats.org/drawingml/2006/table">
             <a:tbl>
               <a:tblPr/>
               <a:tblGrid>
-                <a:gridCol w="1029131"/>
-                <a:gridCol w="5066869"/>
+                <a:gridCol w="1114892"/>
+                <a:gridCol w="5489108"/>
               </a:tblGrid>
               <a:tr h="306705">
                 <a:tc>
@@ -12531,7 +12783,7 @@
                       </a:r>
                     </a:p>
                   </a:txBody>
-                  <a:tcPr marL="9525" marR="9525" marT="9525" marB="9525" anchor="ctr">
+                  <a:tcPr marL="10319" marR="10319" marT="9525" marB="9525" anchor="ctr">
                     <a:lnL w="3175" cap="flat" cmpd="sng" algn="ctr">
                       <a:solidFill>
                         <a:schemeClr val="tx1"/>
@@ -12605,7 +12857,7 @@
                       </a:r>
                     </a:p>
                   </a:txBody>
-                  <a:tcPr marL="9525" marR="9525" marT="9525" marB="9525" anchor="ctr">
+                  <a:tcPr marL="10319" marR="10319" marT="9525" marB="9525" anchor="ctr">
                     <a:lnL w="3175" cap="flat" cmpd="sng" algn="ctr">
                       <a:solidFill>
                         <a:schemeClr val="tx1"/>
@@ -12674,7 +12926,7 @@
                       </a:r>
                     </a:p>
                   </a:txBody>
-                  <a:tcPr marL="9525" marR="9525" marT="9525" marB="9525" anchor="ctr">
+                  <a:tcPr marL="10319" marR="10319" marT="9525" marB="9525" anchor="ctr">
                     <a:lnL w="3175" cap="flat" cmpd="sng" algn="ctr">
                       <a:solidFill>
                         <a:schemeClr val="tx1"/>
@@ -12748,7 +13000,7 @@
                       </a:r>
                     </a:p>
                   </a:txBody>
-                  <a:tcPr marL="9525" marR="9525" marT="9525" marB="9525" anchor="ctr">
+                  <a:tcPr marL="10319" marR="10319" marT="9525" marB="9525" anchor="ctr">
                     <a:lnL w="3175" cap="flat" cmpd="sng" algn="ctr">
                       <a:solidFill>
                         <a:schemeClr val="tx1"/>
@@ -12817,7 +13069,7 @@
                       </a:r>
                     </a:p>
                   </a:txBody>
-                  <a:tcPr marL="9525" marR="9525" marT="9525" marB="9525" anchor="ctr">
+                  <a:tcPr marL="10319" marR="10319" marT="9525" marB="9525" anchor="ctr">
                     <a:lnL w="3175" cap="flat" cmpd="sng" algn="ctr">
                       <a:solidFill>
                         <a:schemeClr val="tx1"/>
@@ -12891,7 +13143,7 @@
                       </a:r>
                     </a:p>
                   </a:txBody>
-                  <a:tcPr marL="9525" marR="9525" marT="9525" marB="9525" anchor="ctr">
+                  <a:tcPr marL="10319" marR="10319" marT="9525" marB="9525" anchor="ctr">
                     <a:lnL w="3175" cap="flat" cmpd="sng" algn="ctr">
                       <a:solidFill>
                         <a:schemeClr val="tx1"/>
@@ -12960,7 +13212,7 @@
                       </a:r>
                     </a:p>
                   </a:txBody>
-                  <a:tcPr marL="9525" marR="9525" marT="9525" marB="9525" anchor="ctr">
+                  <a:tcPr marL="10319" marR="10319" marT="9525" marB="9525" anchor="ctr">
                     <a:lnL w="3175" cap="flat" cmpd="sng" algn="ctr">
                       <a:solidFill>
                         <a:schemeClr val="tx1"/>
@@ -13034,7 +13286,7 @@
                       </a:r>
                     </a:p>
                   </a:txBody>
-                  <a:tcPr marL="9525" marR="9525" marT="9525" marB="9525" anchor="ctr">
+                  <a:tcPr marL="10319" marR="10319" marT="9525" marB="9525" anchor="ctr">
                     <a:lnL w="3175" cap="flat" cmpd="sng" algn="ctr">
                       <a:solidFill>
                         <a:schemeClr val="tx1"/>
@@ -13103,7 +13355,7 @@
                       </a:r>
                     </a:p>
                   </a:txBody>
-                  <a:tcPr marL="9525" marR="9525" marT="9525" marB="9525" anchor="ctr">
+                  <a:tcPr marL="10319" marR="10319" marT="9525" marB="9525" anchor="ctr">
                     <a:lnL w="3175" cap="flat" cmpd="sng" algn="ctr">
                       <a:solidFill>
                         <a:schemeClr val="tx1"/>
@@ -13177,7 +13429,7 @@
                       </a:r>
                     </a:p>
                   </a:txBody>
-                  <a:tcPr marL="9525" marR="9525" marT="9525" marB="9525" anchor="ctr">
+                  <a:tcPr marL="10319" marR="10319" marT="9525" marB="9525" anchor="ctr">
                     <a:lnL w="3175" cap="flat" cmpd="sng" algn="ctr">
                       <a:solidFill>
                         <a:schemeClr val="tx1"/>
@@ -13235,7 +13487,7 @@
         </p:nvSpPr>
         <p:spPr>
           <a:xfrm>
-            <a:off x="5143504" y="4324367"/>
+            <a:off x="5572130" y="4324368"/>
             <a:ext cx="1293496" cy="307777"/>
           </a:xfrm>
           <a:prstGeom prst="rect">
@@ -13261,14 +13513,38 @@
       </p:sp>
       <p:sp>
         <p:nvSpPr>
-          <p:cNvPr id="42" name="Блок-схема: знак завершения 41"/>
+          <p:cNvPr id="18" name="Номер слайда 17"/>
+          <p:cNvSpPr>
+            <a:spLocks noGrp="1"/>
+          </p:cNvSpPr>
+          <p:nvPr>
+            <p:ph type="sldNum" sz="quarter" idx="12"/>
+          </p:nvPr>
+        </p:nvSpPr>
+        <p:spPr/>
+        <p:txBody>
+          <a:bodyPr/>
+          <a:lstStyle/>
+          <a:p>
+            <a:fld id="{F2BB55FB-146C-47F1-A3F4-E5E9F11C5D2A}" type="slidenum">
+              <a:rPr lang="ru-RU" smtClean="0"/>
+              <a:pPr/>
+              <a:t>5</a:t>
+            </a:fld>
+            <a:endParaRPr lang="ru-RU"/>
+          </a:p>
+        </p:txBody>
+      </p:sp>
+      <p:sp>
+        <p:nvSpPr>
+          <p:cNvPr id="19" name="Блок-схема: знак завершения 18"/>
           <p:cNvSpPr/>
           <p:nvPr/>
         </p:nvSpPr>
         <p:spPr>
           <a:xfrm>
-            <a:off x="1714480" y="500042"/>
-            <a:ext cx="1643074" cy="214314"/>
+            <a:off x="958425" y="500042"/>
+            <a:ext cx="1779997" cy="214314"/>
           </a:xfrm>
           <a:prstGeom prst="flowChartTerminator">
             <a:avLst/>
@@ -13316,14 +13592,14 @@
       </p:sp>
       <p:sp>
         <p:nvSpPr>
-          <p:cNvPr id="43" name="Блок-схема: знак завершения 42"/>
+          <p:cNvPr id="21" name="Блок-схема: знак завершения 20"/>
           <p:cNvSpPr/>
           <p:nvPr/>
         </p:nvSpPr>
         <p:spPr>
           <a:xfrm>
-            <a:off x="3714744" y="142852"/>
-            <a:ext cx="1643074" cy="214314"/>
+            <a:off x="4077571" y="187240"/>
+            <a:ext cx="1779997" cy="214314"/>
           </a:xfrm>
           <a:prstGeom prst="flowChartTerminator">
             <a:avLst/>
@@ -13373,14 +13649,14 @@
       </p:sp>
       <p:sp>
         <p:nvSpPr>
-          <p:cNvPr id="44" name="Блок-схема: знак завершения 43"/>
+          <p:cNvPr id="23" name="Блок-схема: знак завершения 22"/>
           <p:cNvSpPr/>
           <p:nvPr/>
         </p:nvSpPr>
         <p:spPr>
           <a:xfrm>
-            <a:off x="3714744" y="500042"/>
-            <a:ext cx="1643074" cy="214314"/>
+            <a:off x="3030127" y="500042"/>
+            <a:ext cx="1779997" cy="214314"/>
           </a:xfrm>
           <a:prstGeom prst="flowChartTerminator">
             <a:avLst/>
@@ -13443,14 +13719,14 @@
       </p:sp>
       <p:sp>
         <p:nvSpPr>
-          <p:cNvPr id="45" name="Блок-схема: знак завершения 44"/>
+          <p:cNvPr id="25" name="Блок-схема: знак завершения 24"/>
           <p:cNvSpPr/>
           <p:nvPr/>
         </p:nvSpPr>
         <p:spPr>
           <a:xfrm>
-            <a:off x="5715008" y="500042"/>
-            <a:ext cx="1643074" cy="214314"/>
+            <a:off x="5095876" y="500042"/>
+            <a:ext cx="1779997" cy="214314"/>
           </a:xfrm>
           <a:prstGeom prst="flowChartTerminator">
             <a:avLst/>
@@ -13500,17 +13776,17 @@
       </p:sp>
       <p:cxnSp>
         <p:nvCxnSpPr>
-          <p:cNvPr id="46" name="Shape 45"/>
+          <p:cNvPr id="27" name="Shape 26"/>
           <p:cNvCxnSpPr>
-            <a:stCxn id="42" idx="0"/>
-            <a:endCxn id="43" idx="1"/>
+            <a:stCxn id="19" idx="0"/>
+            <a:endCxn id="21" idx="1"/>
           </p:cNvCxnSpPr>
           <p:nvPr/>
         </p:nvCxnSpPr>
         <p:spPr>
           <a:xfrm rot="5400000" flipH="1" flipV="1">
-            <a:off x="3000364" y="-214337"/>
-            <a:ext cx="250033" cy="1178727"/>
+            <a:off x="2860175" y="-717353"/>
+            <a:ext cx="205645" cy="2229147"/>
           </a:xfrm>
           <a:prstGeom prst="curvedConnector2">
             <a:avLst/>
@@ -13519,7 +13795,8 @@
             <a:solidFill>
               <a:schemeClr val="tx1"/>
             </a:solidFill>
-            <a:tailEnd type="arrow"/>
+            <a:headEnd type="stealth"/>
+            <a:tailEnd type="stealth"/>
           </a:ln>
         </p:spPr>
         <p:style>
@@ -13539,17 +13816,17 @@
       </p:cxnSp>
       <p:cxnSp>
         <p:nvCxnSpPr>
-          <p:cNvPr id="47" name="Скругленная соединительная линия 46"/>
+          <p:cNvPr id="28" name="Скругленная соединительная линия 27"/>
           <p:cNvCxnSpPr>
-            <a:stCxn id="42" idx="3"/>
-            <a:endCxn id="44" idx="1"/>
+            <a:stCxn id="19" idx="3"/>
+            <a:endCxn id="23" idx="1"/>
           </p:cNvCxnSpPr>
           <p:nvPr/>
         </p:nvCxnSpPr>
         <p:spPr>
           <a:xfrm>
-            <a:off x="3357554" y="607199"/>
-            <a:ext cx="357190" cy="1588"/>
+            <a:off x="2738422" y="607199"/>
+            <a:ext cx="291705" cy="1588"/>
           </a:xfrm>
           <a:prstGeom prst="curvedConnector3">
             <a:avLst>
@@ -13560,7 +13837,7 @@
             <a:solidFill>
               <a:schemeClr val="tx1"/>
             </a:solidFill>
-            <a:tailEnd type="arrow"/>
+            <a:tailEnd type="stealth"/>
           </a:ln>
         </p:spPr>
         <p:style>
@@ -13580,17 +13857,17 @@
       </p:cxnSp>
       <p:cxnSp>
         <p:nvCxnSpPr>
-          <p:cNvPr id="48" name="Скругленная соединительная линия 47"/>
+          <p:cNvPr id="29" name="Скругленная соединительная линия 28"/>
           <p:cNvCxnSpPr>
-            <a:stCxn id="44" idx="3"/>
-            <a:endCxn id="45" idx="1"/>
+            <a:stCxn id="23" idx="3"/>
+            <a:endCxn id="25" idx="1"/>
           </p:cNvCxnSpPr>
           <p:nvPr/>
         </p:nvCxnSpPr>
         <p:spPr>
           <a:xfrm>
-            <a:off x="5357818" y="607199"/>
-            <a:ext cx="357190" cy="1588"/>
+            <a:off x="4810124" y="607199"/>
+            <a:ext cx="285752" cy="1588"/>
           </a:xfrm>
           <a:prstGeom prst="curvedConnector3">
             <a:avLst>
@@ -13601,7 +13878,7 @@
             <a:solidFill>
               <a:schemeClr val="tx1"/>
             </a:solidFill>
-            <a:tailEnd type="arrow"/>
+            <a:tailEnd type="stealth"/>
           </a:ln>
         </p:spPr>
         <p:style>
@@ -13621,17 +13898,156 @@
       </p:cxnSp>
       <p:cxnSp>
         <p:nvCxnSpPr>
-          <p:cNvPr id="49" name="Shape 20"/>
+          <p:cNvPr id="30" name="Shape 20"/>
           <p:cNvCxnSpPr>
-            <a:stCxn id="44" idx="0"/>
-            <a:endCxn id="43" idx="2"/>
+            <a:stCxn id="23" idx="0"/>
           </p:cNvCxnSpPr>
           <p:nvPr/>
         </p:nvCxnSpPr>
         <p:spPr>
           <a:xfrm rot="5400000" flipH="1" flipV="1">
-            <a:off x="4464843" y="428604"/>
-            <a:ext cx="142876" cy="1588"/>
+            <a:off x="3936498" y="340794"/>
+            <a:ext cx="142876" cy="175620"/>
+          </a:xfrm>
+          <a:prstGeom prst="curvedConnector2">
+            <a:avLst/>
+          </a:prstGeom>
+          <a:ln>
+            <a:solidFill>
+              <a:schemeClr val="tx1"/>
+            </a:solidFill>
+            <a:headEnd type="stealth"/>
+            <a:tailEnd type="stealth"/>
+          </a:ln>
+        </p:spPr>
+        <p:style>
+          <a:lnRef idx="1">
+            <a:schemeClr val="accent1"/>
+          </a:lnRef>
+          <a:fillRef idx="0">
+            <a:schemeClr val="accent1"/>
+          </a:fillRef>
+          <a:effectRef idx="0">
+            <a:schemeClr val="accent1"/>
+          </a:effectRef>
+          <a:fontRef idx="minor">
+            <a:schemeClr val="tx1"/>
+          </a:fontRef>
+        </p:style>
+      </p:cxnSp>
+      <p:cxnSp>
+        <p:nvCxnSpPr>
+          <p:cNvPr id="31" name="Shape 30"/>
+          <p:cNvCxnSpPr>
+            <a:stCxn id="25" idx="0"/>
+          </p:cNvCxnSpPr>
+          <p:nvPr/>
+        </p:nvCxnSpPr>
+        <p:spPr>
+          <a:xfrm rot="16200000" flipV="1">
+            <a:off x="5826628" y="340794"/>
+            <a:ext cx="142876" cy="175619"/>
+          </a:xfrm>
+          <a:prstGeom prst="curvedConnector2">
+            <a:avLst/>
+          </a:prstGeom>
+          <a:ln>
+            <a:solidFill>
+              <a:schemeClr val="tx1"/>
+            </a:solidFill>
+            <a:headEnd type="stealth"/>
+            <a:tailEnd type="stealth"/>
+          </a:ln>
+        </p:spPr>
+        <p:style>
+          <a:lnRef idx="1">
+            <a:schemeClr val="accent1"/>
+          </a:lnRef>
+          <a:fillRef idx="0">
+            <a:schemeClr val="accent1"/>
+          </a:fillRef>
+          <a:effectRef idx="0">
+            <a:schemeClr val="accent1"/>
+          </a:effectRef>
+          <a:fontRef idx="minor">
+            <a:schemeClr val="tx1"/>
+          </a:fontRef>
+        </p:style>
+      </p:cxnSp>
+      <p:sp>
+        <p:nvSpPr>
+          <p:cNvPr id="32" name="Блок-схема: знак завершения 31"/>
+          <p:cNvSpPr/>
+          <p:nvPr/>
+        </p:nvSpPr>
+        <p:spPr>
+          <a:xfrm>
+            <a:off x="7167578" y="500042"/>
+            <a:ext cx="1779997" cy="214314"/>
+          </a:xfrm>
+          <a:prstGeom prst="flowChartTerminator">
+            <a:avLst/>
+          </a:prstGeom>
+          <a:solidFill>
+            <a:schemeClr val="bg1"/>
+          </a:solidFill>
+          <a:ln>
+            <a:solidFill>
+              <a:schemeClr val="tx1"/>
+            </a:solidFill>
+          </a:ln>
+        </p:spPr>
+        <p:style>
+          <a:lnRef idx="2">
+            <a:schemeClr val="accent1">
+              <a:shade val="50000"/>
+            </a:schemeClr>
+          </a:lnRef>
+          <a:fillRef idx="1">
+            <a:schemeClr val="accent1"/>
+          </a:fillRef>
+          <a:effectRef idx="0">
+            <a:schemeClr val="accent1"/>
+          </a:effectRef>
+          <a:fontRef idx="minor">
+            <a:schemeClr val="lt1"/>
+          </a:fontRef>
+        </p:style>
+        <p:txBody>
+          <a:bodyPr rtlCol="0" anchor="ctr"/>
+          <a:lstStyle/>
+          <a:p>
+            <a:pPr algn="ctr"/>
+            <a:r>
+              <a:rPr lang="ru-RU" sz="1200" dirty="0" smtClean="0">
+                <a:solidFill>
+                  <a:schemeClr val="tx1"/>
+                </a:solidFill>
+                <a:latin typeface="Times New Roman" pitchFamily="18" charset="0"/>
+                <a:cs typeface="Times New Roman" pitchFamily="18" charset="0"/>
+              </a:rPr>
+              <a:t>Финализация</a:t>
+            </a:r>
+            <a:endParaRPr lang="ru-RU" sz="1200" dirty="0" smtClean="0">
+              <a:solidFill>
+                <a:schemeClr val="tx1"/>
+              </a:solidFill>
+              <a:latin typeface="Times New Roman" pitchFamily="18" charset="0"/>
+              <a:cs typeface="Times New Roman" pitchFamily="18" charset="0"/>
+            </a:endParaRPr>
+          </a:p>
+        </p:txBody>
+      </p:sp>
+      <p:cxnSp>
+        <p:nvCxnSpPr>
+          <p:cNvPr id="33" name="Скругленная соединительная линия 32"/>
+          <p:cNvCxnSpPr/>
+          <p:nvPr/>
+        </p:nvCxnSpPr>
+        <p:spPr>
+          <a:xfrm>
+            <a:off x="6871547" y="612997"/>
+            <a:ext cx="285752" cy="1588"/>
           </a:xfrm>
           <a:prstGeom prst="curvedConnector3">
             <a:avLst>
@@ -13642,7 +14058,7 @@
             <a:solidFill>
               <a:schemeClr val="tx1"/>
             </a:solidFill>
-            <a:tailEnd type="arrow"/>
+            <a:tailEnd type="stealth"/>
           </a:ln>
         </p:spPr>
         <p:style>
@@ -13662,17 +14078,17 @@
       </p:cxnSp>
       <p:cxnSp>
         <p:nvCxnSpPr>
-          <p:cNvPr id="50" name="Shape 49"/>
+          <p:cNvPr id="34" name="Shape 33"/>
           <p:cNvCxnSpPr>
-            <a:stCxn id="45" idx="0"/>
-            <a:endCxn id="43" idx="3"/>
+            <a:stCxn id="21" idx="3"/>
+            <a:endCxn id="32" idx="0"/>
           </p:cNvCxnSpPr>
           <p:nvPr/>
         </p:nvCxnSpPr>
         <p:spPr>
-          <a:xfrm rot="16200000" flipV="1">
-            <a:off x="5822166" y="-214338"/>
-            <a:ext cx="250033" cy="1178727"/>
+          <a:xfrm>
+            <a:off x="5857568" y="294397"/>
+            <a:ext cx="2200009" cy="205645"/>
           </a:xfrm>
           <a:prstGeom prst="curvedConnector2">
             <a:avLst/>
@@ -13681,7 +14097,7 @@
             <a:solidFill>
               <a:schemeClr val="tx1"/>
             </a:solidFill>
-            <a:tailEnd type="arrow"/>
+            <a:tailEnd type="stealth"/>
           </a:ln>
         </p:spPr>
         <p:style>
@@ -13699,30 +14115,6 @@
           </a:fontRef>
         </p:style>
       </p:cxnSp>
-      <p:sp>
-        <p:nvSpPr>
-          <p:cNvPr id="18" name="Номер слайда 17"/>
-          <p:cNvSpPr>
-            <a:spLocks noGrp="1"/>
-          </p:cNvSpPr>
-          <p:nvPr>
-            <p:ph type="sldNum" sz="quarter" idx="12"/>
-          </p:nvPr>
-        </p:nvSpPr>
-        <p:spPr/>
-        <p:txBody>
-          <a:bodyPr/>
-          <a:lstStyle/>
-          <a:p>
-            <a:fld id="{F2BB55FB-146C-47F1-A3F4-E5E9F11C5D2A}" type="slidenum">
-              <a:rPr lang="ru-RU" smtClean="0"/>
-              <a:pPr/>
-              <a:t>5</a:t>
-            </a:fld>
-            <a:endParaRPr lang="ru-RU"/>
-          </a:p>
-        </p:txBody>
-      </p:sp>
     </p:spTree>
   </p:cSld>
   <p:clrMapOvr>
@@ -13768,7 +14160,7 @@
         <p:spPr>
           <a:xfrm>
             <a:off x="0" y="857232"/>
-            <a:ext cx="9144000" cy="500058"/>
+            <a:ext cx="9906000" cy="500058"/>
           </a:xfrm>
         </p:spPr>
         <p:txBody>
@@ -13808,8 +14200,8 @@
         </p:blipFill>
         <p:spPr bwMode="auto">
           <a:xfrm>
-            <a:off x="2606229" y="1316466"/>
-            <a:ext cx="4214842" cy="5486140"/>
+            <a:off x="2823415" y="1316466"/>
+            <a:ext cx="4566079" cy="5486140"/>
           </a:xfrm>
           <a:prstGeom prst="rect">
             <a:avLst/>
@@ -13825,7 +14217,7 @@
         </p:nvSpPr>
         <p:spPr>
           <a:xfrm>
-            <a:off x="571472" y="3786190"/>
+            <a:off x="619095" y="3786190"/>
             <a:ext cx="2951962" cy="369332"/>
           </a:xfrm>
           <a:prstGeom prst="rect">
@@ -13862,14 +14254,38 @@
       </p:sp>
       <p:sp>
         <p:nvSpPr>
-          <p:cNvPr id="18" name="Блок-схема: знак завершения 17"/>
+          <p:cNvPr id="14" name="Номер слайда 13"/>
+          <p:cNvSpPr>
+            <a:spLocks noGrp="1"/>
+          </p:cNvSpPr>
+          <p:nvPr>
+            <p:ph type="sldNum" sz="quarter" idx="12"/>
+          </p:nvPr>
+        </p:nvSpPr>
+        <p:spPr/>
+        <p:txBody>
+          <a:bodyPr/>
+          <a:lstStyle/>
+          <a:p>
+            <a:fld id="{F2BB55FB-146C-47F1-A3F4-E5E9F11C5D2A}" type="slidenum">
+              <a:rPr lang="ru-RU" smtClean="0"/>
+              <a:pPr/>
+              <a:t>6</a:t>
+            </a:fld>
+            <a:endParaRPr lang="ru-RU"/>
+          </a:p>
+        </p:txBody>
+      </p:sp>
+      <p:sp>
+        <p:nvSpPr>
+          <p:cNvPr id="15" name="Блок-схема: знак завершения 14"/>
           <p:cNvSpPr/>
           <p:nvPr/>
         </p:nvSpPr>
         <p:spPr>
           <a:xfrm>
-            <a:off x="1714480" y="500042"/>
-            <a:ext cx="1643074" cy="214314"/>
+            <a:off x="958425" y="500042"/>
+            <a:ext cx="1779997" cy="214314"/>
           </a:xfrm>
           <a:prstGeom prst="flowChartTerminator">
             <a:avLst/>
@@ -13917,14 +14333,14 @@
       </p:sp>
       <p:sp>
         <p:nvSpPr>
-          <p:cNvPr id="20" name="Блок-схема: знак завершения 19"/>
+          <p:cNvPr id="17" name="Блок-схема: знак завершения 16"/>
           <p:cNvSpPr/>
           <p:nvPr/>
         </p:nvSpPr>
         <p:spPr>
           <a:xfrm>
-            <a:off x="3714744" y="142852"/>
-            <a:ext cx="1643074" cy="214314"/>
+            <a:off x="4077571" y="187240"/>
+            <a:ext cx="1779997" cy="214314"/>
           </a:xfrm>
           <a:prstGeom prst="flowChartTerminator">
             <a:avLst/>
@@ -13974,14 +14390,14 @@
       </p:sp>
       <p:sp>
         <p:nvSpPr>
-          <p:cNvPr id="22" name="Блок-схема: знак завершения 21"/>
+          <p:cNvPr id="19" name="Блок-схема: знак завершения 18"/>
           <p:cNvSpPr/>
           <p:nvPr/>
         </p:nvSpPr>
         <p:spPr>
           <a:xfrm>
-            <a:off x="3714744" y="500042"/>
-            <a:ext cx="1643074" cy="214314"/>
+            <a:off x="3030127" y="500042"/>
+            <a:ext cx="1779997" cy="214314"/>
           </a:xfrm>
           <a:prstGeom prst="flowChartTerminator">
             <a:avLst/>
@@ -14044,14 +14460,269 @@
       </p:sp>
       <p:sp>
         <p:nvSpPr>
-          <p:cNvPr id="24" name="Блок-схема: знак завершения 23"/>
+          <p:cNvPr id="21" name="Блок-схема: знак завершения 20"/>
           <p:cNvSpPr/>
           <p:nvPr/>
         </p:nvSpPr>
         <p:spPr>
           <a:xfrm>
-            <a:off x="5715008" y="500042"/>
-            <a:ext cx="1643074" cy="214314"/>
+            <a:off x="5095876" y="500042"/>
+            <a:ext cx="1779997" cy="214314"/>
+          </a:xfrm>
+          <a:prstGeom prst="flowChartTerminator">
+            <a:avLst/>
+          </a:prstGeom>
+          <a:noFill/>
+          <a:ln>
+            <a:solidFill>
+              <a:schemeClr val="tx1"/>
+            </a:solidFill>
+          </a:ln>
+        </p:spPr>
+        <p:style>
+          <a:lnRef idx="2">
+            <a:schemeClr val="accent1">
+              <a:shade val="50000"/>
+            </a:schemeClr>
+          </a:lnRef>
+          <a:fillRef idx="1">
+            <a:schemeClr val="accent1"/>
+          </a:fillRef>
+          <a:effectRef idx="0">
+            <a:schemeClr val="accent1"/>
+          </a:effectRef>
+          <a:fontRef idx="minor">
+            <a:schemeClr val="lt1"/>
+          </a:fontRef>
+        </p:style>
+        <p:txBody>
+          <a:bodyPr rtlCol="0" anchor="ctr"/>
+          <a:lstStyle/>
+          <a:p>
+            <a:pPr algn="ctr"/>
+            <a:r>
+              <a:rPr lang="ru-RU" sz="1200" dirty="0" smtClean="0">
+                <a:solidFill>
+                  <a:schemeClr val="tx1"/>
+                </a:solidFill>
+                <a:latin typeface="Times New Roman" pitchFamily="18" charset="0"/>
+                <a:cs typeface="Times New Roman" pitchFamily="18" charset="0"/>
+              </a:rPr>
+              <a:t>Вывод</a:t>
+            </a:r>
+          </a:p>
+        </p:txBody>
+      </p:sp>
+      <p:cxnSp>
+        <p:nvCxnSpPr>
+          <p:cNvPr id="23" name="Shape 22"/>
+          <p:cNvCxnSpPr>
+            <a:stCxn id="15" idx="0"/>
+            <a:endCxn id="17" idx="1"/>
+          </p:cNvCxnSpPr>
+          <p:nvPr/>
+        </p:nvCxnSpPr>
+        <p:spPr>
+          <a:xfrm rot="5400000" flipH="1" flipV="1">
+            <a:off x="2860175" y="-717353"/>
+            <a:ext cx="205645" cy="2229147"/>
+          </a:xfrm>
+          <a:prstGeom prst="curvedConnector2">
+            <a:avLst/>
+          </a:prstGeom>
+          <a:ln>
+            <a:solidFill>
+              <a:schemeClr val="tx1"/>
+            </a:solidFill>
+            <a:headEnd type="stealth"/>
+            <a:tailEnd type="stealth"/>
+          </a:ln>
+        </p:spPr>
+        <p:style>
+          <a:lnRef idx="1">
+            <a:schemeClr val="accent1"/>
+          </a:lnRef>
+          <a:fillRef idx="0">
+            <a:schemeClr val="accent1"/>
+          </a:fillRef>
+          <a:effectRef idx="0">
+            <a:schemeClr val="accent1"/>
+          </a:effectRef>
+          <a:fontRef idx="minor">
+            <a:schemeClr val="tx1"/>
+          </a:fontRef>
+        </p:style>
+      </p:cxnSp>
+      <p:cxnSp>
+        <p:nvCxnSpPr>
+          <p:cNvPr id="25" name="Скругленная соединительная линия 24"/>
+          <p:cNvCxnSpPr>
+            <a:stCxn id="15" idx="3"/>
+            <a:endCxn id="19" idx="1"/>
+          </p:cNvCxnSpPr>
+          <p:nvPr/>
+        </p:nvCxnSpPr>
+        <p:spPr>
+          <a:xfrm>
+            <a:off x="2738422" y="607199"/>
+            <a:ext cx="291705" cy="1588"/>
+          </a:xfrm>
+          <a:prstGeom prst="curvedConnector3">
+            <a:avLst>
+              <a:gd name="adj1" fmla="val 50000"/>
+            </a:avLst>
+          </a:prstGeom>
+          <a:ln>
+            <a:solidFill>
+              <a:schemeClr val="tx1"/>
+            </a:solidFill>
+            <a:tailEnd type="stealth"/>
+          </a:ln>
+        </p:spPr>
+        <p:style>
+          <a:lnRef idx="1">
+            <a:schemeClr val="accent1"/>
+          </a:lnRef>
+          <a:fillRef idx="0">
+            <a:schemeClr val="accent1"/>
+          </a:fillRef>
+          <a:effectRef idx="0">
+            <a:schemeClr val="accent1"/>
+          </a:effectRef>
+          <a:fontRef idx="minor">
+            <a:schemeClr val="tx1"/>
+          </a:fontRef>
+        </p:style>
+      </p:cxnSp>
+      <p:cxnSp>
+        <p:nvCxnSpPr>
+          <p:cNvPr id="31" name="Скругленная соединительная линия 30"/>
+          <p:cNvCxnSpPr>
+            <a:stCxn id="19" idx="3"/>
+            <a:endCxn id="21" idx="1"/>
+          </p:cNvCxnSpPr>
+          <p:nvPr/>
+        </p:nvCxnSpPr>
+        <p:spPr>
+          <a:xfrm>
+            <a:off x="4810124" y="607199"/>
+            <a:ext cx="285752" cy="1588"/>
+          </a:xfrm>
+          <a:prstGeom prst="curvedConnector3">
+            <a:avLst>
+              <a:gd name="adj1" fmla="val 50000"/>
+            </a:avLst>
+          </a:prstGeom>
+          <a:ln>
+            <a:solidFill>
+              <a:schemeClr val="tx1"/>
+            </a:solidFill>
+            <a:tailEnd type="stealth"/>
+          </a:ln>
+        </p:spPr>
+        <p:style>
+          <a:lnRef idx="1">
+            <a:schemeClr val="accent1"/>
+          </a:lnRef>
+          <a:fillRef idx="0">
+            <a:schemeClr val="accent1"/>
+          </a:fillRef>
+          <a:effectRef idx="0">
+            <a:schemeClr val="accent1"/>
+          </a:effectRef>
+          <a:fontRef idx="minor">
+            <a:schemeClr val="tx1"/>
+          </a:fontRef>
+        </p:style>
+      </p:cxnSp>
+      <p:cxnSp>
+        <p:nvCxnSpPr>
+          <p:cNvPr id="32" name="Shape 20"/>
+          <p:cNvCxnSpPr>
+            <a:stCxn id="19" idx="0"/>
+          </p:cNvCxnSpPr>
+          <p:nvPr/>
+        </p:nvCxnSpPr>
+        <p:spPr>
+          <a:xfrm rot="5400000" flipH="1" flipV="1">
+            <a:off x="3936498" y="340794"/>
+            <a:ext cx="142876" cy="175620"/>
+          </a:xfrm>
+          <a:prstGeom prst="curvedConnector2">
+            <a:avLst/>
+          </a:prstGeom>
+          <a:ln>
+            <a:solidFill>
+              <a:schemeClr val="tx1"/>
+            </a:solidFill>
+            <a:headEnd type="stealth"/>
+            <a:tailEnd type="stealth"/>
+          </a:ln>
+        </p:spPr>
+        <p:style>
+          <a:lnRef idx="1">
+            <a:schemeClr val="accent1"/>
+          </a:lnRef>
+          <a:fillRef idx="0">
+            <a:schemeClr val="accent1"/>
+          </a:fillRef>
+          <a:effectRef idx="0">
+            <a:schemeClr val="accent1"/>
+          </a:effectRef>
+          <a:fontRef idx="minor">
+            <a:schemeClr val="tx1"/>
+          </a:fontRef>
+        </p:style>
+      </p:cxnSp>
+      <p:cxnSp>
+        <p:nvCxnSpPr>
+          <p:cNvPr id="33" name="Shape 32"/>
+          <p:cNvCxnSpPr>
+            <a:stCxn id="21" idx="0"/>
+          </p:cNvCxnSpPr>
+          <p:nvPr/>
+        </p:nvCxnSpPr>
+        <p:spPr>
+          <a:xfrm rot="16200000" flipV="1">
+            <a:off x="5826628" y="340794"/>
+            <a:ext cx="142876" cy="175619"/>
+          </a:xfrm>
+          <a:prstGeom prst="curvedConnector2">
+            <a:avLst/>
+          </a:prstGeom>
+          <a:ln>
+            <a:solidFill>
+              <a:schemeClr val="tx1"/>
+            </a:solidFill>
+            <a:headEnd type="stealth"/>
+            <a:tailEnd type="stealth"/>
+          </a:ln>
+        </p:spPr>
+        <p:style>
+          <a:lnRef idx="1">
+            <a:schemeClr val="accent1"/>
+          </a:lnRef>
+          <a:fillRef idx="0">
+            <a:schemeClr val="accent1"/>
+          </a:fillRef>
+          <a:effectRef idx="0">
+            <a:schemeClr val="accent1"/>
+          </a:effectRef>
+          <a:fontRef idx="minor">
+            <a:schemeClr val="tx1"/>
+          </a:fontRef>
+        </p:style>
+      </p:cxnSp>
+      <p:sp>
+        <p:nvSpPr>
+          <p:cNvPr id="34" name="Блок-схема: знак завершения 33"/>
+          <p:cNvSpPr/>
+          <p:nvPr/>
+        </p:nvSpPr>
+        <p:spPr>
+          <a:xfrm>
+            <a:off x="7167578" y="500042"/>
+            <a:ext cx="1779997" cy="214314"/>
           </a:xfrm>
           <a:prstGeom prst="flowChartTerminator">
             <a:avLst/>
@@ -14094,63 +14765,28 @@
                 <a:latin typeface="Times New Roman" pitchFamily="18" charset="0"/>
                 <a:cs typeface="Times New Roman" pitchFamily="18" charset="0"/>
               </a:rPr>
-              <a:t>Вывод</a:t>
-            </a:r>
+              <a:t>Финализация</a:t>
+            </a:r>
+            <a:endParaRPr lang="ru-RU" sz="1200" dirty="0" smtClean="0">
+              <a:solidFill>
+                <a:schemeClr val="tx1"/>
+              </a:solidFill>
+              <a:latin typeface="Times New Roman" pitchFamily="18" charset="0"/>
+              <a:cs typeface="Times New Roman" pitchFamily="18" charset="0"/>
+            </a:endParaRPr>
           </a:p>
         </p:txBody>
       </p:sp>
       <p:cxnSp>
         <p:nvCxnSpPr>
-          <p:cNvPr id="26" name="Shape 25"/>
-          <p:cNvCxnSpPr>
-            <a:stCxn id="18" idx="0"/>
-            <a:endCxn id="20" idx="1"/>
-          </p:cNvCxnSpPr>
-          <p:nvPr/>
-        </p:nvCxnSpPr>
-        <p:spPr>
-          <a:xfrm rot="5400000" flipH="1" flipV="1">
-            <a:off x="3000364" y="-214337"/>
-            <a:ext cx="250033" cy="1178727"/>
-          </a:xfrm>
-          <a:prstGeom prst="curvedConnector2">
-            <a:avLst/>
-          </a:prstGeom>
-          <a:ln>
-            <a:solidFill>
-              <a:schemeClr val="tx1"/>
-            </a:solidFill>
-            <a:tailEnd type="arrow"/>
-          </a:ln>
-        </p:spPr>
-        <p:style>
-          <a:lnRef idx="1">
-            <a:schemeClr val="accent1"/>
-          </a:lnRef>
-          <a:fillRef idx="0">
-            <a:schemeClr val="accent1"/>
-          </a:fillRef>
-          <a:effectRef idx="0">
-            <a:schemeClr val="accent1"/>
-          </a:effectRef>
-          <a:fontRef idx="minor">
-            <a:schemeClr val="tx1"/>
-          </a:fontRef>
-        </p:style>
-      </p:cxnSp>
-      <p:cxnSp>
-        <p:nvCxnSpPr>
-          <p:cNvPr id="27" name="Скругленная соединительная линия 26"/>
-          <p:cNvCxnSpPr>
-            <a:stCxn id="18" idx="3"/>
-            <a:endCxn id="22" idx="1"/>
-          </p:cNvCxnSpPr>
+          <p:cNvPr id="35" name="Скругленная соединительная линия 34"/>
+          <p:cNvCxnSpPr/>
           <p:nvPr/>
         </p:nvCxnSpPr>
         <p:spPr>
           <a:xfrm>
-            <a:off x="3357554" y="607199"/>
-            <a:ext cx="357190" cy="1588"/>
+            <a:off x="6871547" y="612997"/>
+            <a:ext cx="285752" cy="1588"/>
           </a:xfrm>
           <a:prstGeom prst="curvedConnector3">
             <a:avLst>
@@ -14161,7 +14797,7 @@
             <a:solidFill>
               <a:schemeClr val="tx1"/>
             </a:solidFill>
-            <a:tailEnd type="arrow"/>
+            <a:tailEnd type="stealth"/>
           </a:ln>
         </p:spPr>
         <p:style>
@@ -14181,99 +14817,17 @@
       </p:cxnSp>
       <p:cxnSp>
         <p:nvCxnSpPr>
-          <p:cNvPr id="28" name="Скругленная соединительная линия 27"/>
+          <p:cNvPr id="36" name="Shape 35"/>
           <p:cNvCxnSpPr>
-            <a:stCxn id="22" idx="3"/>
-            <a:endCxn id="24" idx="1"/>
+            <a:stCxn id="17" idx="3"/>
+            <a:endCxn id="34" idx="0"/>
           </p:cNvCxnSpPr>
           <p:nvPr/>
         </p:nvCxnSpPr>
         <p:spPr>
           <a:xfrm>
-            <a:off x="5357818" y="607199"/>
-            <a:ext cx="357190" cy="1588"/>
-          </a:xfrm>
-          <a:prstGeom prst="curvedConnector3">
-            <a:avLst>
-              <a:gd name="adj1" fmla="val 50000"/>
-            </a:avLst>
-          </a:prstGeom>
-          <a:ln>
-            <a:solidFill>
-              <a:schemeClr val="tx1"/>
-            </a:solidFill>
-            <a:tailEnd type="arrow"/>
-          </a:ln>
-        </p:spPr>
-        <p:style>
-          <a:lnRef idx="1">
-            <a:schemeClr val="accent1"/>
-          </a:lnRef>
-          <a:fillRef idx="0">
-            <a:schemeClr val="accent1"/>
-          </a:fillRef>
-          <a:effectRef idx="0">
-            <a:schemeClr val="accent1"/>
-          </a:effectRef>
-          <a:fontRef idx="minor">
-            <a:schemeClr val="tx1"/>
-          </a:fontRef>
-        </p:style>
-      </p:cxnSp>
-      <p:cxnSp>
-        <p:nvCxnSpPr>
-          <p:cNvPr id="29" name="Shape 20"/>
-          <p:cNvCxnSpPr>
-            <a:stCxn id="22" idx="0"/>
-            <a:endCxn id="20" idx="2"/>
-          </p:cNvCxnSpPr>
-          <p:nvPr/>
-        </p:nvCxnSpPr>
-        <p:spPr>
-          <a:xfrm rot="5400000" flipH="1" flipV="1">
-            <a:off x="4464843" y="428604"/>
-            <a:ext cx="142876" cy="1588"/>
-          </a:xfrm>
-          <a:prstGeom prst="curvedConnector3">
-            <a:avLst>
-              <a:gd name="adj1" fmla="val 50000"/>
-            </a:avLst>
-          </a:prstGeom>
-          <a:ln>
-            <a:solidFill>
-              <a:schemeClr val="tx1"/>
-            </a:solidFill>
-            <a:tailEnd type="arrow"/>
-          </a:ln>
-        </p:spPr>
-        <p:style>
-          <a:lnRef idx="1">
-            <a:schemeClr val="accent1"/>
-          </a:lnRef>
-          <a:fillRef idx="0">
-            <a:schemeClr val="accent1"/>
-          </a:fillRef>
-          <a:effectRef idx="0">
-            <a:schemeClr val="accent1"/>
-          </a:effectRef>
-          <a:fontRef idx="minor">
-            <a:schemeClr val="tx1"/>
-          </a:fontRef>
-        </p:style>
-      </p:cxnSp>
-      <p:cxnSp>
-        <p:nvCxnSpPr>
-          <p:cNvPr id="30" name="Shape 29"/>
-          <p:cNvCxnSpPr>
-            <a:stCxn id="24" idx="0"/>
-            <a:endCxn id="20" idx="3"/>
-          </p:cNvCxnSpPr>
-          <p:nvPr/>
-        </p:nvCxnSpPr>
-        <p:spPr>
-          <a:xfrm rot="16200000" flipV="1">
-            <a:off x="5822166" y="-214338"/>
-            <a:ext cx="250033" cy="1178727"/>
+            <a:off x="5857568" y="294397"/>
+            <a:ext cx="2200009" cy="205645"/>
           </a:xfrm>
           <a:prstGeom prst="curvedConnector2">
             <a:avLst/>
@@ -14282,7 +14836,7 @@
             <a:solidFill>
               <a:schemeClr val="tx1"/>
             </a:solidFill>
-            <a:tailEnd type="arrow"/>
+            <a:tailEnd type="stealth"/>
           </a:ln>
         </p:spPr>
         <p:style>
@@ -14300,30 +14854,6 @@
           </a:fontRef>
         </p:style>
       </p:cxnSp>
-      <p:sp>
-        <p:nvSpPr>
-          <p:cNvPr id="14" name="Номер слайда 13"/>
-          <p:cNvSpPr>
-            <a:spLocks noGrp="1"/>
-          </p:cNvSpPr>
-          <p:nvPr>
-            <p:ph type="sldNum" sz="quarter" idx="12"/>
-          </p:nvPr>
-        </p:nvSpPr>
-        <p:spPr/>
-        <p:txBody>
-          <a:bodyPr/>
-          <a:lstStyle/>
-          <a:p>
-            <a:fld id="{F2BB55FB-146C-47F1-A3F4-E5E9F11C5D2A}" type="slidenum">
-              <a:rPr lang="ru-RU" smtClean="0"/>
-              <a:pPr/>
-              <a:t>6</a:t>
-            </a:fld>
-            <a:endParaRPr lang="ru-RU"/>
-          </a:p>
-        </p:txBody>
-      </p:sp>
     </p:spTree>
   </p:cSld>
   <p:clrMapOvr>
@@ -14369,7 +14899,7 @@
         <p:spPr>
           <a:xfrm>
             <a:off x="0" y="857232"/>
-            <a:ext cx="9144000" cy="500058"/>
+            <a:ext cx="9906000" cy="500058"/>
           </a:xfrm>
         </p:spPr>
         <p:txBody>
@@ -14400,8 +14930,8 @@
         </p:nvSpPr>
         <p:spPr>
           <a:xfrm>
-            <a:off x="785786" y="2773916"/>
-            <a:ext cx="2071701" cy="369332"/>
+            <a:off x="851269" y="2773916"/>
+            <a:ext cx="2244343" cy="369332"/>
           </a:xfrm>
           <a:prstGeom prst="rect">
             <a:avLst/>
@@ -14445,8 +14975,8 @@
         </p:nvSpPr>
         <p:spPr>
           <a:xfrm>
-            <a:off x="214282" y="1415465"/>
-            <a:ext cx="4000528" cy="369332"/>
+            <a:off x="232139" y="1415465"/>
+            <a:ext cx="4333905" cy="369332"/>
           </a:xfrm>
           <a:prstGeom prst="rect">
             <a:avLst/>
@@ -14502,7 +15032,7 @@
         </p:nvSpPr>
         <p:spPr>
           <a:xfrm>
-            <a:off x="5214942" y="1803432"/>
+            <a:off x="5649521" y="1803432"/>
             <a:ext cx="2382383" cy="553998"/>
           </a:xfrm>
           <a:prstGeom prst="rect">
@@ -14572,8 +15102,8 @@
         </p:nvSpPr>
         <p:spPr>
           <a:xfrm>
-            <a:off x="2733085" y="2795620"/>
-            <a:ext cx="5753242" cy="307777"/>
+            <a:off x="2960842" y="2795621"/>
+            <a:ext cx="5798126" cy="307777"/>
           </a:xfrm>
           <a:prstGeom prst="rect">
             <a:avLst/>
@@ -14611,8 +15141,8 @@
         </p:nvSpPr>
         <p:spPr>
           <a:xfrm>
-            <a:off x="214314" y="1689075"/>
-            <a:ext cx="3857652" cy="954107"/>
+            <a:off x="232174" y="1689076"/>
+            <a:ext cx="4179123" cy="954107"/>
           </a:xfrm>
           <a:prstGeom prst="rect">
             <a:avLst/>
@@ -14631,7 +15161,28 @@
                 <a:latin typeface="Times New Roman" pitchFamily="18" charset="0"/>
                 <a:cs typeface="Times New Roman" pitchFamily="18" charset="0"/>
               </a:rPr>
-              <a:t>Аварийное завершает работу приложения, выводит в поток ошибок сообщение </a:t>
+              <a:t>Функция производит </a:t>
+            </a:r>
+            <a:r>
+              <a:rPr lang="ru-RU" sz="1400" dirty="0" smtClean="0">
+                <a:latin typeface="Times New Roman" pitchFamily="18" charset="0"/>
+                <a:cs typeface="Times New Roman" pitchFamily="18" charset="0"/>
+              </a:rPr>
+              <a:t>а</a:t>
+            </a:r>
+            <a:r>
+              <a:rPr lang="ru-RU" sz="1400" dirty="0" smtClean="0">
+                <a:latin typeface="Times New Roman" pitchFamily="18" charset="0"/>
+                <a:cs typeface="Times New Roman" pitchFamily="18" charset="0"/>
+              </a:rPr>
+              <a:t>варийное завершение работы приложения и </a:t>
+            </a:r>
+            <a:r>
+              <a:rPr lang="ru-RU" sz="1400" dirty="0" smtClean="0">
+                <a:latin typeface="Times New Roman" pitchFamily="18" charset="0"/>
+                <a:cs typeface="Times New Roman" pitchFamily="18" charset="0"/>
+              </a:rPr>
+              <a:t>выводит в поток ошибок сообщение </a:t>
             </a:r>
             <a:r>
               <a:rPr lang="en-US" sz="1400" b="1" dirty="0" err="1" smtClean="0">
@@ -14684,8 +15235,8 @@
           <p:nvPr/>
         </p:nvGraphicFramePr>
         <p:xfrm>
-          <a:off x="500034" y="3554736"/>
-          <a:ext cx="3000396" cy="731520"/>
+          <a:off x="541704" y="3554736"/>
+          <a:ext cx="3250429" cy="731520"/>
         </p:xfrm>
         <a:graphic>
           <a:graphicData uri="http://schemas.openxmlformats.org/drawingml/2006/table">
@@ -14694,8 +15245,8 @@
                 <a:tableStyleId>{5C22544A-7EE6-4342-B048-85BDC9FD1C3A}</a:tableStyleId>
               </a:tblPr>
               <a:tblGrid>
-                <a:gridCol w="785818"/>
-                <a:gridCol w="2214578"/>
+                <a:gridCol w="851303"/>
+                <a:gridCol w="2399126"/>
               </a:tblGrid>
               <a:tr h="125017">
                 <a:tc>
@@ -14719,7 +15270,7 @@
                       </a:endParaRPr>
                     </a:p>
                   </a:txBody>
-                  <a:tcPr anchor="ctr">
+                  <a:tcPr marL="99060" marR="99060" anchor="ctr">
                     <a:lnL w="3175" cap="flat" cmpd="sng" algn="ctr">
                       <a:solidFill>
                         <a:schemeClr val="tx1"/>
@@ -14798,7 +15349,7 @@
                       </a:r>
                     </a:p>
                   </a:txBody>
-                  <a:tcPr anchor="ctr">
+                  <a:tcPr marL="99060" marR="99060" anchor="ctr">
                     <a:lnL w="3175" cap="flat" cmpd="sng" algn="ctr">
                       <a:solidFill>
                         <a:schemeClr val="tx1"/>
@@ -14866,7 +15417,7 @@
                       </a:endParaRPr>
                     </a:p>
                   </a:txBody>
-                  <a:tcPr anchor="ctr">
+                  <a:tcPr marL="99060" marR="99060" anchor="ctr">
                     <a:lnL w="3175" cap="flat" cmpd="sng" algn="ctr">
                       <a:solidFill>
                         <a:schemeClr val="tx1"/>
@@ -14935,7 +15486,7 @@
                       </a:endParaRPr>
                     </a:p>
                   </a:txBody>
-                  <a:tcPr anchor="ctr">
+                  <a:tcPr marL="99060" marR="99060" anchor="ctr">
                     <a:lnL w="3175" cap="flat" cmpd="sng" algn="ctr">
                       <a:solidFill>
                         <a:schemeClr val="tx1"/>
@@ -15003,7 +15554,7 @@
                       </a:endParaRPr>
                     </a:p>
                   </a:txBody>
-                  <a:tcPr anchor="ctr">
+                  <a:tcPr marL="99060" marR="99060" anchor="ctr">
                     <a:lnL w="3175" cap="flat" cmpd="sng" algn="ctr">
                       <a:solidFill>
                         <a:schemeClr val="tx1"/>
@@ -15072,7 +15623,7 @@
                       </a:endParaRPr>
                     </a:p>
                   </a:txBody>
-                  <a:tcPr anchor="ctr">
+                  <a:tcPr marL="99060" marR="99060" anchor="ctr">
                     <a:lnL w="3175" cap="flat" cmpd="sng" algn="ctr">
                       <a:solidFill>
                         <a:schemeClr val="tx1"/>
@@ -15130,7 +15681,7 @@
         </p:nvSpPr>
         <p:spPr>
           <a:xfrm>
-            <a:off x="714348" y="3214686"/>
+            <a:off x="773878" y="3214687"/>
             <a:ext cx="2549609" cy="307777"/>
           </a:xfrm>
           <a:prstGeom prst="rect">
@@ -15163,8 +15714,8 @@
           <p:nvPr/>
         </p:nvGraphicFramePr>
         <p:xfrm>
-          <a:off x="4714876" y="4214818"/>
-          <a:ext cx="4071966" cy="1457196"/>
+          <a:off x="5107782" y="4214818"/>
+          <a:ext cx="4411297" cy="1403618"/>
         </p:xfrm>
         <a:graphic>
           <a:graphicData uri="http://schemas.openxmlformats.org/drawingml/2006/table">
@@ -15173,8 +15724,8 @@
                 <a:tableStyleId>{5C22544A-7EE6-4342-B048-85BDC9FD1C3A}</a:tableStyleId>
               </a:tblPr>
               <a:tblGrid>
-                <a:gridCol w="1001303"/>
-                <a:gridCol w="3070663"/>
+                <a:gridCol w="1084745"/>
+                <a:gridCol w="3326552"/>
               </a:tblGrid>
               <a:tr h="342662">
                 <a:tc>
@@ -15198,7 +15749,7 @@
                       </a:endParaRPr>
                     </a:p>
                   </a:txBody>
-                  <a:tcPr anchor="ctr">
+                  <a:tcPr marL="99060" marR="99060" anchor="ctr">
                     <a:lnL w="3175" cap="flat" cmpd="sng" algn="ctr">
                       <a:solidFill>
                         <a:schemeClr val="tx1"/>
@@ -15277,7 +15828,7 @@
                       </a:r>
                     </a:p>
                   </a:txBody>
-                  <a:tcPr anchor="ctr">
+                  <a:tcPr marL="99060" marR="99060" anchor="ctr">
                     <a:lnL w="3175" cap="flat" cmpd="sng" algn="ctr">
                       <a:solidFill>
                         <a:schemeClr val="tx1"/>
@@ -15341,7 +15892,7 @@
                       </a:endParaRPr>
                     </a:p>
                   </a:txBody>
-                  <a:tcPr anchor="ctr">
+                  <a:tcPr marL="99060" marR="99060" anchor="ctr">
                     <a:lnL w="3175" cap="flat" cmpd="sng" algn="ctr">
                       <a:solidFill>
                         <a:schemeClr val="tx1"/>
@@ -15396,7 +15947,21 @@
                           <a:latin typeface="Times New Roman" pitchFamily="18" charset="0"/>
                           <a:cs typeface="Times New Roman" pitchFamily="18" charset="0"/>
                         </a:rPr>
-                        <a:t>невозможно привести запрошенный параметр к тому типу данных в котором его запросили </a:t>
+                        <a:t>невозможно привести запрошенный параметр к тому типу </a:t>
+                      </a:r>
+                      <a:r>
+                        <a:rPr lang="ru-RU" sz="1000" dirty="0" smtClean="0">
+                          <a:latin typeface="Times New Roman" pitchFamily="18" charset="0"/>
+                          <a:cs typeface="Times New Roman" pitchFamily="18" charset="0"/>
+                        </a:rPr>
+                        <a:t>данных, </a:t>
+                      </a:r>
+                      <a:r>
+                        <a:rPr lang="ru-RU" sz="1000" dirty="0" smtClean="0">
+                          <a:latin typeface="Times New Roman" pitchFamily="18" charset="0"/>
+                          <a:cs typeface="Times New Roman" pitchFamily="18" charset="0"/>
+                        </a:rPr>
+                        <a:t>в котором его запросили </a:t>
                       </a:r>
                       <a:endParaRPr lang="ru-RU" sz="1000" b="0" dirty="0">
                         <a:solidFill>
@@ -15407,7 +15972,7 @@
                       </a:endParaRPr>
                     </a:p>
                   </a:txBody>
-                  <a:tcPr anchor="ctr">
+                  <a:tcPr marL="99060" marR="99060" anchor="ctr">
                     <a:lnL w="3175" cap="flat" cmpd="sng" algn="ctr">
                       <a:solidFill>
                         <a:schemeClr val="tx1"/>
@@ -15471,7 +16036,7 @@
                       </a:endParaRPr>
                     </a:p>
                   </a:txBody>
-                  <a:tcPr anchor="ctr">
+                  <a:tcPr marL="99060" marR="99060" anchor="ctr">
                     <a:lnL w="3175" cap="flat" cmpd="sng" algn="ctr">
                       <a:solidFill>
                         <a:schemeClr val="tx1"/>
@@ -15537,7 +16102,7 @@
                       </a:endParaRPr>
                     </a:p>
                   </a:txBody>
-                  <a:tcPr anchor="ctr">
+                  <a:tcPr marL="99060" marR="99060" anchor="ctr">
                     <a:lnL w="3175" cap="flat" cmpd="sng" algn="ctr">
                       <a:solidFill>
                         <a:schemeClr val="tx1"/>
@@ -15601,7 +16166,7 @@
                       </a:endParaRPr>
                     </a:p>
                   </a:txBody>
-                  <a:tcPr anchor="ctr">
+                  <a:tcPr marL="99060" marR="99060" anchor="ctr">
                     <a:lnL w="3175" cap="flat" cmpd="sng" algn="ctr">
                       <a:solidFill>
                         <a:schemeClr val="tx1"/>
@@ -15667,7 +16232,7 @@
                       </a:endParaRPr>
                     </a:p>
                   </a:txBody>
-                  <a:tcPr anchor="ctr">
+                  <a:tcPr marL="99060" marR="99060" anchor="ctr">
                     <a:lnL w="3175" cap="flat" cmpd="sng" algn="ctr">
                       <a:solidFill>
                         <a:schemeClr val="tx1"/>
@@ -15725,8 +16290,8 @@
         </p:nvSpPr>
         <p:spPr>
           <a:xfrm>
-            <a:off x="714348" y="4714884"/>
-            <a:ext cx="2941446" cy="307777"/>
+            <a:off x="773877" y="4714885"/>
+            <a:ext cx="2926314" cy="307777"/>
           </a:xfrm>
           <a:prstGeom prst="rect">
             <a:avLst/>
@@ -15757,7 +16322,7 @@
         </p:nvSpPr>
         <p:spPr>
           <a:xfrm>
-            <a:off x="4643438" y="3857628"/>
+            <a:off x="5030392" y="3857628"/>
             <a:ext cx="4178067" cy="307777"/>
           </a:xfrm>
           <a:prstGeom prst="rect">
@@ -15789,8 +16354,8 @@
           <p:nvPr/>
         </p:nvGraphicFramePr>
         <p:xfrm>
-          <a:off x="500034" y="5035886"/>
-          <a:ext cx="3357586" cy="1036320"/>
+          <a:off x="541703" y="5035886"/>
+          <a:ext cx="3637385" cy="1036320"/>
         </p:xfrm>
         <a:graphic>
           <a:graphicData uri="http://schemas.openxmlformats.org/drawingml/2006/table">
@@ -15799,8 +16364,8 @@
                 <a:tableStyleId>{5C22544A-7EE6-4342-B048-85BDC9FD1C3A}</a:tableStyleId>
               </a:tblPr>
               <a:tblGrid>
-                <a:gridCol w="857256"/>
-                <a:gridCol w="2500330"/>
+                <a:gridCol w="928694"/>
+                <a:gridCol w="2708691"/>
               </a:tblGrid>
               <a:tr h="125017">
                 <a:tc>
@@ -15821,7 +16386,7 @@
                       </a:r>
                     </a:p>
                   </a:txBody>
-                  <a:tcPr anchor="ctr">
+                  <a:tcPr marL="99060" marR="99060" anchor="ctr">
                     <a:lnL w="3175" cap="flat" cmpd="sng" algn="ctr">
                       <a:solidFill>
                         <a:schemeClr val="tx1"/>
@@ -15901,7 +16466,7 @@
                       </a:r>
                     </a:p>
                   </a:txBody>
-                  <a:tcPr anchor="ctr">
+                  <a:tcPr marL="99060" marR="99060" anchor="ctr">
                     <a:lnL w="3175" cap="flat" cmpd="sng" algn="ctr">
                       <a:solidFill>
                         <a:schemeClr val="tx1"/>
@@ -15964,7 +16529,7 @@
                       </a:endParaRPr>
                     </a:p>
                   </a:txBody>
-                  <a:tcPr anchor="ctr">
+                  <a:tcPr marL="99060" marR="99060" anchor="ctr">
                     <a:lnL w="3175" cap="flat" cmpd="sng" algn="ctr">
                       <a:solidFill>
                         <a:schemeClr val="tx1"/>
@@ -16030,7 +16595,7 @@
                       </a:endParaRPr>
                     </a:p>
                   </a:txBody>
-                  <a:tcPr anchor="ctr">
+                  <a:tcPr marL="99060" marR="99060" anchor="ctr">
                     <a:lnL w="3175" cap="flat" cmpd="sng" algn="ctr">
                       <a:solidFill>
                         <a:schemeClr val="tx1"/>
@@ -16093,7 +16658,7 @@
                       </a:endParaRPr>
                     </a:p>
                   </a:txBody>
-                  <a:tcPr anchor="ctr">
+                  <a:tcPr marL="99060" marR="99060" anchor="ctr">
                     <a:lnL w="3175" cap="flat" cmpd="sng" algn="ctr">
                       <a:solidFill>
                         <a:schemeClr val="tx1"/>
@@ -16159,7 +16724,7 @@
                       </a:endParaRPr>
                     </a:p>
                   </a:txBody>
-                  <a:tcPr anchor="ctr">
+                  <a:tcPr marL="99060" marR="99060" anchor="ctr">
                     <a:lnL w="3175" cap="flat" cmpd="sng" algn="ctr">
                       <a:solidFill>
                         <a:schemeClr val="tx1"/>
@@ -16217,7 +16782,7 @@
         </p:nvSpPr>
         <p:spPr>
           <a:xfrm>
-            <a:off x="5485253" y="1478149"/>
+            <a:off x="5942358" y="1478150"/>
             <a:ext cx="1921039" cy="307777"/>
           </a:xfrm>
           <a:prstGeom prst="rect">
@@ -16254,14 +16819,38 @@
       </p:sp>
       <p:sp>
         <p:nvSpPr>
-          <p:cNvPr id="28" name="Блок-схема: знак завершения 27"/>
+          <p:cNvPr id="24" name="Номер слайда 23"/>
+          <p:cNvSpPr>
+            <a:spLocks noGrp="1"/>
+          </p:cNvSpPr>
+          <p:nvPr>
+            <p:ph type="sldNum" sz="quarter" idx="12"/>
+          </p:nvPr>
+        </p:nvSpPr>
+        <p:spPr/>
+        <p:txBody>
+          <a:bodyPr/>
+          <a:lstStyle/>
+          <a:p>
+            <a:fld id="{F2BB55FB-146C-47F1-A3F4-E5E9F11C5D2A}" type="slidenum">
+              <a:rPr lang="ru-RU" smtClean="0"/>
+              <a:pPr/>
+              <a:t>7</a:t>
+            </a:fld>
+            <a:endParaRPr lang="ru-RU"/>
+          </a:p>
+        </p:txBody>
+      </p:sp>
+      <p:sp>
+        <p:nvSpPr>
+          <p:cNvPr id="25" name="Блок-схема: знак завершения 24"/>
           <p:cNvSpPr/>
           <p:nvPr/>
         </p:nvSpPr>
         <p:spPr>
           <a:xfrm>
-            <a:off x="1714480" y="500042"/>
-            <a:ext cx="1643074" cy="214314"/>
+            <a:off x="958425" y="500042"/>
+            <a:ext cx="1779997" cy="214314"/>
           </a:xfrm>
           <a:prstGeom prst="flowChartTerminator">
             <a:avLst/>
@@ -16309,14 +16898,14 @@
       </p:sp>
       <p:sp>
         <p:nvSpPr>
-          <p:cNvPr id="29" name="Блок-схема: знак завершения 28"/>
+          <p:cNvPr id="39" name="Блок-схема: знак завершения 38"/>
           <p:cNvSpPr/>
           <p:nvPr/>
         </p:nvSpPr>
         <p:spPr>
           <a:xfrm>
-            <a:off x="3714744" y="142852"/>
-            <a:ext cx="1643074" cy="214314"/>
+            <a:off x="4077571" y="187240"/>
+            <a:ext cx="1779997" cy="214314"/>
           </a:xfrm>
           <a:prstGeom prst="flowChartTerminator">
             <a:avLst/>
@@ -16369,14 +16958,14 @@
       </p:sp>
       <p:sp>
         <p:nvSpPr>
-          <p:cNvPr id="31" name="Блок-схема: знак завершения 30"/>
+          <p:cNvPr id="40" name="Блок-схема: знак завершения 39"/>
           <p:cNvSpPr/>
           <p:nvPr/>
         </p:nvSpPr>
         <p:spPr>
           <a:xfrm>
-            <a:off x="3714744" y="500042"/>
-            <a:ext cx="1643074" cy="214314"/>
+            <a:off x="3030127" y="500042"/>
+            <a:ext cx="1779997" cy="214314"/>
           </a:xfrm>
           <a:prstGeom prst="flowChartTerminator">
             <a:avLst/>
@@ -16436,14 +17025,269 @@
       </p:sp>
       <p:sp>
         <p:nvSpPr>
-          <p:cNvPr id="32" name="Блок-схема: знак завершения 31"/>
+          <p:cNvPr id="41" name="Блок-схема: знак завершения 40"/>
           <p:cNvSpPr/>
           <p:nvPr/>
         </p:nvSpPr>
         <p:spPr>
           <a:xfrm>
-            <a:off x="5715008" y="500042"/>
-            <a:ext cx="1643074" cy="214314"/>
+            <a:off x="5095876" y="500042"/>
+            <a:ext cx="1779997" cy="214314"/>
+          </a:xfrm>
+          <a:prstGeom prst="flowChartTerminator">
+            <a:avLst/>
+          </a:prstGeom>
+          <a:noFill/>
+          <a:ln>
+            <a:solidFill>
+              <a:schemeClr val="tx1"/>
+            </a:solidFill>
+          </a:ln>
+        </p:spPr>
+        <p:style>
+          <a:lnRef idx="2">
+            <a:schemeClr val="accent1">
+              <a:shade val="50000"/>
+            </a:schemeClr>
+          </a:lnRef>
+          <a:fillRef idx="1">
+            <a:schemeClr val="accent1"/>
+          </a:fillRef>
+          <a:effectRef idx="0">
+            <a:schemeClr val="accent1"/>
+          </a:effectRef>
+          <a:fontRef idx="minor">
+            <a:schemeClr val="lt1"/>
+          </a:fontRef>
+        </p:style>
+        <p:txBody>
+          <a:bodyPr rtlCol="0" anchor="ctr"/>
+          <a:lstStyle/>
+          <a:p>
+            <a:pPr algn="ctr"/>
+            <a:r>
+              <a:rPr lang="ru-RU" sz="1200" dirty="0" smtClean="0">
+                <a:solidFill>
+                  <a:schemeClr val="tx1"/>
+                </a:solidFill>
+                <a:latin typeface="Times New Roman" pitchFamily="18" charset="0"/>
+                <a:cs typeface="Times New Roman" pitchFamily="18" charset="0"/>
+              </a:rPr>
+              <a:t>Вывод</a:t>
+            </a:r>
+          </a:p>
+        </p:txBody>
+      </p:sp>
+      <p:cxnSp>
+        <p:nvCxnSpPr>
+          <p:cNvPr id="49" name="Shape 48"/>
+          <p:cNvCxnSpPr>
+            <a:stCxn id="25" idx="0"/>
+            <a:endCxn id="39" idx="1"/>
+          </p:cNvCxnSpPr>
+          <p:nvPr/>
+        </p:nvCxnSpPr>
+        <p:spPr>
+          <a:xfrm rot="5400000" flipH="1" flipV="1">
+            <a:off x="2860175" y="-717353"/>
+            <a:ext cx="205645" cy="2229147"/>
+          </a:xfrm>
+          <a:prstGeom prst="curvedConnector2">
+            <a:avLst/>
+          </a:prstGeom>
+          <a:ln>
+            <a:solidFill>
+              <a:schemeClr val="tx1"/>
+            </a:solidFill>
+            <a:headEnd type="stealth"/>
+            <a:tailEnd type="stealth"/>
+          </a:ln>
+        </p:spPr>
+        <p:style>
+          <a:lnRef idx="1">
+            <a:schemeClr val="accent1"/>
+          </a:lnRef>
+          <a:fillRef idx="0">
+            <a:schemeClr val="accent1"/>
+          </a:fillRef>
+          <a:effectRef idx="0">
+            <a:schemeClr val="accent1"/>
+          </a:effectRef>
+          <a:fontRef idx="minor">
+            <a:schemeClr val="tx1"/>
+          </a:fontRef>
+        </p:style>
+      </p:cxnSp>
+      <p:cxnSp>
+        <p:nvCxnSpPr>
+          <p:cNvPr id="50" name="Скругленная соединительная линия 49"/>
+          <p:cNvCxnSpPr>
+            <a:stCxn id="25" idx="3"/>
+            <a:endCxn id="40" idx="1"/>
+          </p:cNvCxnSpPr>
+          <p:nvPr/>
+        </p:nvCxnSpPr>
+        <p:spPr>
+          <a:xfrm>
+            <a:off x="2738422" y="607199"/>
+            <a:ext cx="291705" cy="1588"/>
+          </a:xfrm>
+          <a:prstGeom prst="curvedConnector3">
+            <a:avLst>
+              <a:gd name="adj1" fmla="val 50000"/>
+            </a:avLst>
+          </a:prstGeom>
+          <a:ln>
+            <a:solidFill>
+              <a:schemeClr val="tx1"/>
+            </a:solidFill>
+            <a:tailEnd type="stealth"/>
+          </a:ln>
+        </p:spPr>
+        <p:style>
+          <a:lnRef idx="1">
+            <a:schemeClr val="accent1"/>
+          </a:lnRef>
+          <a:fillRef idx="0">
+            <a:schemeClr val="accent1"/>
+          </a:fillRef>
+          <a:effectRef idx="0">
+            <a:schemeClr val="accent1"/>
+          </a:effectRef>
+          <a:fontRef idx="minor">
+            <a:schemeClr val="tx1"/>
+          </a:fontRef>
+        </p:style>
+      </p:cxnSp>
+      <p:cxnSp>
+        <p:nvCxnSpPr>
+          <p:cNvPr id="51" name="Скругленная соединительная линия 50"/>
+          <p:cNvCxnSpPr>
+            <a:stCxn id="40" idx="3"/>
+            <a:endCxn id="41" idx="1"/>
+          </p:cNvCxnSpPr>
+          <p:nvPr/>
+        </p:nvCxnSpPr>
+        <p:spPr>
+          <a:xfrm>
+            <a:off x="4810124" y="607199"/>
+            <a:ext cx="285752" cy="1588"/>
+          </a:xfrm>
+          <a:prstGeom prst="curvedConnector3">
+            <a:avLst>
+              <a:gd name="adj1" fmla="val 50000"/>
+            </a:avLst>
+          </a:prstGeom>
+          <a:ln>
+            <a:solidFill>
+              <a:schemeClr val="tx1"/>
+            </a:solidFill>
+            <a:tailEnd type="stealth"/>
+          </a:ln>
+        </p:spPr>
+        <p:style>
+          <a:lnRef idx="1">
+            <a:schemeClr val="accent1"/>
+          </a:lnRef>
+          <a:fillRef idx="0">
+            <a:schemeClr val="accent1"/>
+          </a:fillRef>
+          <a:effectRef idx="0">
+            <a:schemeClr val="accent1"/>
+          </a:effectRef>
+          <a:fontRef idx="minor">
+            <a:schemeClr val="tx1"/>
+          </a:fontRef>
+        </p:style>
+      </p:cxnSp>
+      <p:cxnSp>
+        <p:nvCxnSpPr>
+          <p:cNvPr id="52" name="Shape 20"/>
+          <p:cNvCxnSpPr>
+            <a:stCxn id="40" idx="0"/>
+          </p:cNvCxnSpPr>
+          <p:nvPr/>
+        </p:nvCxnSpPr>
+        <p:spPr>
+          <a:xfrm rot="5400000" flipH="1" flipV="1">
+            <a:off x="3936498" y="340794"/>
+            <a:ext cx="142876" cy="175620"/>
+          </a:xfrm>
+          <a:prstGeom prst="curvedConnector2">
+            <a:avLst/>
+          </a:prstGeom>
+          <a:ln>
+            <a:solidFill>
+              <a:schemeClr val="tx1"/>
+            </a:solidFill>
+            <a:headEnd type="stealth"/>
+            <a:tailEnd type="stealth"/>
+          </a:ln>
+        </p:spPr>
+        <p:style>
+          <a:lnRef idx="1">
+            <a:schemeClr val="accent1"/>
+          </a:lnRef>
+          <a:fillRef idx="0">
+            <a:schemeClr val="accent1"/>
+          </a:fillRef>
+          <a:effectRef idx="0">
+            <a:schemeClr val="accent1"/>
+          </a:effectRef>
+          <a:fontRef idx="minor">
+            <a:schemeClr val="tx1"/>
+          </a:fontRef>
+        </p:style>
+      </p:cxnSp>
+      <p:cxnSp>
+        <p:nvCxnSpPr>
+          <p:cNvPr id="53" name="Shape 52"/>
+          <p:cNvCxnSpPr>
+            <a:stCxn id="41" idx="0"/>
+          </p:cNvCxnSpPr>
+          <p:nvPr/>
+        </p:nvCxnSpPr>
+        <p:spPr>
+          <a:xfrm rot="16200000" flipV="1">
+            <a:off x="5826628" y="340794"/>
+            <a:ext cx="142876" cy="175619"/>
+          </a:xfrm>
+          <a:prstGeom prst="curvedConnector2">
+            <a:avLst/>
+          </a:prstGeom>
+          <a:ln>
+            <a:solidFill>
+              <a:schemeClr val="tx1"/>
+            </a:solidFill>
+            <a:headEnd type="stealth"/>
+            <a:tailEnd type="stealth"/>
+          </a:ln>
+        </p:spPr>
+        <p:style>
+          <a:lnRef idx="1">
+            <a:schemeClr val="accent1"/>
+          </a:lnRef>
+          <a:fillRef idx="0">
+            <a:schemeClr val="accent1"/>
+          </a:fillRef>
+          <a:effectRef idx="0">
+            <a:schemeClr val="accent1"/>
+          </a:effectRef>
+          <a:fontRef idx="minor">
+            <a:schemeClr val="tx1"/>
+          </a:fontRef>
+        </p:style>
+      </p:cxnSp>
+      <p:sp>
+        <p:nvSpPr>
+          <p:cNvPr id="54" name="Блок-схема: знак завершения 53"/>
+          <p:cNvSpPr/>
+          <p:nvPr/>
+        </p:nvSpPr>
+        <p:spPr>
+          <a:xfrm>
+            <a:off x="7167578" y="500042"/>
+            <a:ext cx="1779997" cy="214314"/>
           </a:xfrm>
           <a:prstGeom prst="flowChartTerminator">
             <a:avLst/>
@@ -16486,63 +17330,28 @@
                 <a:latin typeface="Times New Roman" pitchFamily="18" charset="0"/>
                 <a:cs typeface="Times New Roman" pitchFamily="18" charset="0"/>
               </a:rPr>
-              <a:t>Вывод</a:t>
-            </a:r>
+              <a:t>Финализация</a:t>
+            </a:r>
+            <a:endParaRPr lang="ru-RU" sz="1200" dirty="0" smtClean="0">
+              <a:solidFill>
+                <a:schemeClr val="tx1"/>
+              </a:solidFill>
+              <a:latin typeface="Times New Roman" pitchFamily="18" charset="0"/>
+              <a:cs typeface="Times New Roman" pitchFamily="18" charset="0"/>
+            </a:endParaRPr>
           </a:p>
         </p:txBody>
       </p:sp>
       <p:cxnSp>
         <p:nvCxnSpPr>
-          <p:cNvPr id="33" name="Shape 32"/>
-          <p:cNvCxnSpPr>
-            <a:stCxn id="28" idx="0"/>
-            <a:endCxn id="29" idx="1"/>
-          </p:cNvCxnSpPr>
-          <p:nvPr/>
-        </p:nvCxnSpPr>
-        <p:spPr>
-          <a:xfrm rot="5400000" flipH="1" flipV="1">
-            <a:off x="3000364" y="-214337"/>
-            <a:ext cx="250033" cy="1178727"/>
-          </a:xfrm>
-          <a:prstGeom prst="curvedConnector2">
-            <a:avLst/>
-          </a:prstGeom>
-          <a:ln>
-            <a:solidFill>
-              <a:schemeClr val="tx1"/>
-            </a:solidFill>
-            <a:tailEnd type="arrow"/>
-          </a:ln>
-        </p:spPr>
-        <p:style>
-          <a:lnRef idx="1">
-            <a:schemeClr val="accent1"/>
-          </a:lnRef>
-          <a:fillRef idx="0">
-            <a:schemeClr val="accent1"/>
-          </a:fillRef>
-          <a:effectRef idx="0">
-            <a:schemeClr val="accent1"/>
-          </a:effectRef>
-          <a:fontRef idx="minor">
-            <a:schemeClr val="tx1"/>
-          </a:fontRef>
-        </p:style>
-      </p:cxnSp>
-      <p:cxnSp>
-        <p:nvCxnSpPr>
-          <p:cNvPr id="34" name="Скругленная соединительная линия 33"/>
-          <p:cNvCxnSpPr>
-            <a:stCxn id="28" idx="3"/>
-            <a:endCxn id="31" idx="1"/>
-          </p:cNvCxnSpPr>
+          <p:cNvPr id="55" name="Скругленная соединительная линия 54"/>
+          <p:cNvCxnSpPr/>
           <p:nvPr/>
         </p:nvCxnSpPr>
         <p:spPr>
           <a:xfrm>
-            <a:off x="3357554" y="607199"/>
-            <a:ext cx="357190" cy="1588"/>
+            <a:off x="6871547" y="612997"/>
+            <a:ext cx="285752" cy="1588"/>
           </a:xfrm>
           <a:prstGeom prst="curvedConnector3">
             <a:avLst>
@@ -16553,7 +17362,7 @@
             <a:solidFill>
               <a:schemeClr val="tx1"/>
             </a:solidFill>
-            <a:tailEnd type="arrow"/>
+            <a:tailEnd type="stealth"/>
           </a:ln>
         </p:spPr>
         <p:style>
@@ -16573,99 +17382,17 @@
       </p:cxnSp>
       <p:cxnSp>
         <p:nvCxnSpPr>
-          <p:cNvPr id="35" name="Скругленная соединительная линия 34"/>
+          <p:cNvPr id="56" name="Shape 55"/>
           <p:cNvCxnSpPr>
-            <a:stCxn id="31" idx="3"/>
-            <a:endCxn id="32" idx="1"/>
+            <a:stCxn id="39" idx="3"/>
+            <a:endCxn id="54" idx="0"/>
           </p:cNvCxnSpPr>
           <p:nvPr/>
         </p:nvCxnSpPr>
         <p:spPr>
           <a:xfrm>
-            <a:off x="5357818" y="607199"/>
-            <a:ext cx="357190" cy="1588"/>
-          </a:xfrm>
-          <a:prstGeom prst="curvedConnector3">
-            <a:avLst>
-              <a:gd name="adj1" fmla="val 50000"/>
-            </a:avLst>
-          </a:prstGeom>
-          <a:ln>
-            <a:solidFill>
-              <a:schemeClr val="tx1"/>
-            </a:solidFill>
-            <a:tailEnd type="arrow"/>
-          </a:ln>
-        </p:spPr>
-        <p:style>
-          <a:lnRef idx="1">
-            <a:schemeClr val="accent1"/>
-          </a:lnRef>
-          <a:fillRef idx="0">
-            <a:schemeClr val="accent1"/>
-          </a:fillRef>
-          <a:effectRef idx="0">
-            <a:schemeClr val="accent1"/>
-          </a:effectRef>
-          <a:fontRef idx="minor">
-            <a:schemeClr val="tx1"/>
-          </a:fontRef>
-        </p:style>
-      </p:cxnSp>
-      <p:cxnSp>
-        <p:nvCxnSpPr>
-          <p:cNvPr id="36" name="Shape 20"/>
-          <p:cNvCxnSpPr>
-            <a:stCxn id="31" idx="0"/>
-            <a:endCxn id="29" idx="2"/>
-          </p:cNvCxnSpPr>
-          <p:nvPr/>
-        </p:nvCxnSpPr>
-        <p:spPr>
-          <a:xfrm rot="5400000" flipH="1" flipV="1">
-            <a:off x="4464843" y="428604"/>
-            <a:ext cx="142876" cy="1588"/>
-          </a:xfrm>
-          <a:prstGeom prst="curvedConnector3">
-            <a:avLst>
-              <a:gd name="adj1" fmla="val 50000"/>
-            </a:avLst>
-          </a:prstGeom>
-          <a:ln>
-            <a:solidFill>
-              <a:schemeClr val="tx1"/>
-            </a:solidFill>
-            <a:tailEnd type="arrow"/>
-          </a:ln>
-        </p:spPr>
-        <p:style>
-          <a:lnRef idx="1">
-            <a:schemeClr val="accent1"/>
-          </a:lnRef>
-          <a:fillRef idx="0">
-            <a:schemeClr val="accent1"/>
-          </a:fillRef>
-          <a:effectRef idx="0">
-            <a:schemeClr val="accent1"/>
-          </a:effectRef>
-          <a:fontRef idx="minor">
-            <a:schemeClr val="tx1"/>
-          </a:fontRef>
-        </p:style>
-      </p:cxnSp>
-      <p:cxnSp>
-        <p:nvCxnSpPr>
-          <p:cNvPr id="37" name="Shape 36"/>
-          <p:cNvCxnSpPr>
-            <a:stCxn id="32" idx="0"/>
-            <a:endCxn id="29" idx="3"/>
-          </p:cNvCxnSpPr>
-          <p:nvPr/>
-        </p:nvCxnSpPr>
-        <p:spPr>
-          <a:xfrm rot="16200000" flipV="1">
-            <a:off x="5822166" y="-214338"/>
-            <a:ext cx="250033" cy="1178727"/>
+            <a:off x="5857568" y="294397"/>
+            <a:ext cx="2200009" cy="205645"/>
           </a:xfrm>
           <a:prstGeom prst="curvedConnector2">
             <a:avLst/>
@@ -16674,7 +17401,7 @@
             <a:solidFill>
               <a:schemeClr val="tx1"/>
             </a:solidFill>
-            <a:tailEnd type="arrow"/>
+            <a:tailEnd type="stealth"/>
           </a:ln>
         </p:spPr>
         <p:style>
@@ -16692,30 +17419,6 @@
           </a:fontRef>
         </p:style>
       </p:cxnSp>
-      <p:sp>
-        <p:nvSpPr>
-          <p:cNvPr id="24" name="Номер слайда 23"/>
-          <p:cNvSpPr>
-            <a:spLocks noGrp="1"/>
-          </p:cNvSpPr>
-          <p:nvPr>
-            <p:ph type="sldNum" sz="quarter" idx="12"/>
-          </p:nvPr>
-        </p:nvSpPr>
-        <p:spPr/>
-        <p:txBody>
-          <a:bodyPr/>
-          <a:lstStyle/>
-          <a:p>
-            <a:fld id="{F2BB55FB-146C-47F1-A3F4-E5E9F11C5D2A}" type="slidenum">
-              <a:rPr lang="ru-RU" smtClean="0"/>
-              <a:pPr/>
-              <a:t>7</a:t>
-            </a:fld>
-            <a:endParaRPr lang="ru-RU"/>
-          </a:p>
-        </p:txBody>
-      </p:sp>
     </p:spTree>
   </p:cSld>
   <p:clrMapOvr>
@@ -16761,7 +17464,7 @@
         <p:spPr>
           <a:xfrm>
             <a:off x="0" y="857232"/>
-            <a:ext cx="9144000" cy="500058"/>
+            <a:ext cx="9906000" cy="500058"/>
           </a:xfrm>
         </p:spPr>
         <p:txBody>
@@ -16792,8 +17495,8 @@
         </p:nvSpPr>
         <p:spPr>
           <a:xfrm>
-            <a:off x="571472" y="2047394"/>
-            <a:ext cx="1824538" cy="369332"/>
+            <a:off x="619095" y="2047394"/>
+            <a:ext cx="1837362" cy="369332"/>
           </a:xfrm>
           <a:prstGeom prst="rect">
             <a:avLst/>
@@ -16828,8 +17531,8 @@
         </p:nvSpPr>
         <p:spPr>
           <a:xfrm>
-            <a:off x="571472" y="4547724"/>
-            <a:ext cx="1935145" cy="369332"/>
+            <a:off x="619095" y="4547724"/>
+            <a:ext cx="1945789" cy="369332"/>
           </a:xfrm>
           <a:prstGeom prst="rect">
             <a:avLst/>
@@ -16860,7 +17563,7 @@
         </p:nvSpPr>
         <p:spPr>
           <a:xfrm>
-            <a:off x="571472" y="2404584"/>
+            <a:off x="619095" y="2404584"/>
             <a:ext cx="4458272" cy="2246769"/>
           </a:xfrm>
           <a:prstGeom prst="rect">
@@ -17389,8 +18092,8 @@
         </p:nvSpPr>
         <p:spPr>
           <a:xfrm>
-            <a:off x="571472" y="4976352"/>
-            <a:ext cx="4756430" cy="738664"/>
+            <a:off x="619095" y="4976352"/>
+            <a:ext cx="4657044" cy="738664"/>
           </a:xfrm>
           <a:prstGeom prst="rect">
             <a:avLst/>
@@ -17479,16 +18182,16 @@
           <p:nvPr/>
         </p:nvGraphicFramePr>
         <p:xfrm>
-          <a:off x="5214942" y="2547460"/>
-          <a:ext cx="3662045" cy="3018536"/>
+          <a:off x="5649521" y="2547460"/>
+          <a:ext cx="3967215" cy="3018536"/>
         </p:xfrm>
         <a:graphic>
           <a:graphicData uri="http://schemas.openxmlformats.org/drawingml/2006/table">
             <a:tbl>
               <a:tblPr/>
               <a:tblGrid>
-                <a:gridCol w="655320"/>
-                <a:gridCol w="3006725"/>
+                <a:gridCol w="709930"/>
+                <a:gridCol w="3257285"/>
               </a:tblGrid>
               <a:tr h="0">
                 <a:tc>
@@ -17535,7 +18238,7 @@
                       </a:endParaRPr>
                     </a:p>
                   </a:txBody>
-                  <a:tcPr marL="17780" marR="17780" marT="17780" marB="17780">
+                  <a:tcPr marL="19262" marR="19262" marT="17780" marB="17780">
                     <a:lnL w="3175" cap="flat" cmpd="sng" algn="ctr">
                       <a:solidFill>
                         <a:schemeClr val="tx1"/>
@@ -17616,7 +18319,7 @@
                       </a:endParaRPr>
                     </a:p>
                   </a:txBody>
-                  <a:tcPr marL="17780" marR="17780" marT="17780" marB="17780">
+                  <a:tcPr marL="19262" marR="19262" marT="17780" marB="17780">
                     <a:lnL w="3175" cap="flat" cmpd="sng" algn="ctr">
                       <a:solidFill>
                         <a:schemeClr val="tx1"/>
@@ -17739,7 +18442,7 @@
                       </a:endParaRPr>
                     </a:p>
                   </a:txBody>
-                  <a:tcPr marL="17780" marR="17780" marT="17780" marB="17780">
+                  <a:tcPr marL="19262" marR="19262" marT="17780" marB="17780">
                     <a:lnL w="3175" cap="flat" cmpd="sng" algn="ctr">
                       <a:solidFill>
                         <a:schemeClr val="tx1"/>
@@ -17868,7 +18571,7 @@
                       </a:endParaRPr>
                     </a:p>
                   </a:txBody>
-                  <a:tcPr marL="17780" marR="17780" marT="17780" marB="17780">
+                  <a:tcPr marL="19262" marR="19262" marT="17780" marB="17780">
                     <a:lnL w="3175" cap="flat" cmpd="sng" algn="ctr">
                       <a:solidFill>
                         <a:schemeClr val="tx1"/>
@@ -17990,7 +18693,7 @@
                       </a:endParaRPr>
                     </a:p>
                   </a:txBody>
-                  <a:tcPr marL="17780" marR="17780" marT="17780" marB="17780">
+                  <a:tcPr marL="19262" marR="19262" marT="17780" marB="17780">
                     <a:lnL w="3175" cap="flat" cmpd="sng" algn="ctr">
                       <a:solidFill>
                         <a:schemeClr val="tx1"/>
@@ -18102,7 +18805,7 @@
                       </a:endParaRPr>
                     </a:p>
                   </a:txBody>
-                  <a:tcPr marL="17780" marR="17780" marT="17780" marB="17780">
+                  <a:tcPr marL="19262" marR="19262" marT="17780" marB="17780">
                     <a:lnL w="3175" cap="flat" cmpd="sng" algn="ctr">
                       <a:solidFill>
                         <a:schemeClr val="tx1"/>
@@ -18201,7 +18904,7 @@
                       </a:endParaRPr>
                     </a:p>
                   </a:txBody>
-                  <a:tcPr marL="17780" marR="17780" marT="17780" marB="17780">
+                  <a:tcPr marL="19262" marR="19262" marT="17780" marB="17780">
                     <a:lnL w="3175" cap="flat" cmpd="sng" algn="ctr">
                       <a:solidFill>
                         <a:schemeClr val="tx1"/>
@@ -18298,7 +19001,7 @@
                       </a:endParaRPr>
                     </a:p>
                   </a:txBody>
-                  <a:tcPr marL="17780" marR="17780" marT="17780" marB="17780">
+                  <a:tcPr marL="19262" marR="19262" marT="17780" marB="17780">
                     <a:lnL w="3175" cap="flat" cmpd="sng" algn="ctr">
                       <a:solidFill>
                         <a:schemeClr val="tx1"/>
@@ -18420,7 +19123,7 @@
                       </a:endParaRPr>
                     </a:p>
                   </a:txBody>
-                  <a:tcPr marL="17780" marR="17780" marT="17780" marB="17780">
+                  <a:tcPr marL="19262" marR="19262" marT="17780" marB="17780">
                     <a:lnL w="3175" cap="flat" cmpd="sng" algn="ctr">
                       <a:solidFill>
                         <a:schemeClr val="tx1"/>
@@ -18532,7 +19235,7 @@
                       </a:endParaRPr>
                     </a:p>
                   </a:txBody>
-                  <a:tcPr marL="17780" marR="17780" marT="17780" marB="17780">
+                  <a:tcPr marL="19262" marR="19262" marT="17780" marB="17780">
                     <a:lnL w="3175" cap="flat" cmpd="sng" algn="ctr">
                       <a:solidFill>
                         <a:schemeClr val="tx1"/>
@@ -18631,7 +19334,7 @@
                       </a:endParaRPr>
                     </a:p>
                   </a:txBody>
-                  <a:tcPr marL="17780" marR="17780" marT="17780" marB="17780">
+                  <a:tcPr marL="19262" marR="19262" marT="17780" marB="17780">
                     <a:lnL w="3175" cap="flat" cmpd="sng" algn="ctr">
                       <a:solidFill>
                         <a:schemeClr val="tx1"/>
@@ -18728,7 +19431,7 @@
                       </a:endParaRPr>
                     </a:p>
                   </a:txBody>
-                  <a:tcPr marL="17780" marR="17780" marT="17780" marB="17780">
+                  <a:tcPr marL="19262" marR="19262" marT="17780" marB="17780">
                     <a:lnL w="3175" cap="flat" cmpd="sng" algn="ctr">
                       <a:solidFill>
                         <a:schemeClr val="tx1"/>
@@ -18850,7 +19553,7 @@
                       </a:endParaRPr>
                     </a:p>
                   </a:txBody>
-                  <a:tcPr marL="17780" marR="17780" marT="17780" marB="17780">
+                  <a:tcPr marL="19262" marR="19262" marT="17780" marB="17780">
                     <a:lnL w="3175" cap="flat" cmpd="sng" algn="ctr">
                       <a:solidFill>
                         <a:schemeClr val="tx1"/>
@@ -18986,7 +19689,7 @@
                       </a:endParaRPr>
                     </a:p>
                   </a:txBody>
-                  <a:tcPr marL="17780" marR="17780" marT="17780" marB="17780">
+                  <a:tcPr marL="19262" marR="19262" marT="17780" marB="17780">
                     <a:lnL w="3175" cap="flat" cmpd="sng" algn="ctr">
                       <a:solidFill>
                         <a:schemeClr val="tx1"/>
@@ -19107,7 +19810,7 @@
                       </a:endParaRPr>
                     </a:p>
                   </a:txBody>
-                  <a:tcPr marL="17780" marR="17780" marT="17780" marB="17780">
+                  <a:tcPr marL="19262" marR="19262" marT="17780" marB="17780">
                     <a:lnL w="3175" cap="flat" cmpd="sng" algn="ctr">
                       <a:solidFill>
                         <a:schemeClr val="tx1"/>
@@ -19242,7 +19945,7 @@
                       </a:endParaRPr>
                     </a:p>
                   </a:txBody>
-                  <a:tcPr marL="17780" marR="17780" marT="17780" marB="17780">
+                  <a:tcPr marL="19262" marR="19262" marT="17780" marB="17780">
                     <a:lnL w="3175" cap="flat" cmpd="sng" algn="ctr">
                       <a:solidFill>
                         <a:schemeClr val="tx1"/>
@@ -19308,8 +20011,8 @@
         </p:nvSpPr>
         <p:spPr>
           <a:xfrm>
-            <a:off x="5500694" y="1857364"/>
-            <a:ext cx="3193246" cy="646331"/>
+            <a:off x="6092137" y="1857365"/>
+            <a:ext cx="3193245" cy="646331"/>
           </a:xfrm>
           <a:prstGeom prst="rect">
             <a:avLst/>
@@ -19363,14 +20066,38 @@
       </p:sp>
       <p:sp>
         <p:nvSpPr>
-          <p:cNvPr id="28" name="Блок-схема: знак завершения 27"/>
+          <p:cNvPr id="19" name="Номер слайда 18"/>
+          <p:cNvSpPr>
+            <a:spLocks noGrp="1"/>
+          </p:cNvSpPr>
+          <p:nvPr>
+            <p:ph type="sldNum" sz="quarter" idx="12"/>
+          </p:nvPr>
+        </p:nvSpPr>
+        <p:spPr/>
+        <p:txBody>
+          <a:bodyPr/>
+          <a:lstStyle/>
+          <a:p>
+            <a:fld id="{F2BB55FB-146C-47F1-A3F4-E5E9F11C5D2A}" type="slidenum">
+              <a:rPr lang="ru-RU" smtClean="0"/>
+              <a:pPr/>
+              <a:t>8</a:t>
+            </a:fld>
+            <a:endParaRPr lang="ru-RU"/>
+          </a:p>
+        </p:txBody>
+      </p:sp>
+      <p:sp>
+        <p:nvSpPr>
+          <p:cNvPr id="46" name="Блок-схема: знак завершения 45"/>
           <p:cNvSpPr/>
           <p:nvPr/>
         </p:nvSpPr>
         <p:spPr>
           <a:xfrm>
-            <a:off x="1714480" y="500042"/>
-            <a:ext cx="1643074" cy="214314"/>
+            <a:off x="958425" y="500042"/>
+            <a:ext cx="1779997" cy="214314"/>
           </a:xfrm>
           <a:prstGeom prst="flowChartTerminator">
             <a:avLst/>
@@ -19418,14 +20145,14 @@
       </p:sp>
       <p:sp>
         <p:nvSpPr>
-          <p:cNvPr id="29" name="Блок-схема: знак завершения 28"/>
+          <p:cNvPr id="47" name="Блок-схема: знак завершения 46"/>
           <p:cNvSpPr/>
           <p:nvPr/>
         </p:nvSpPr>
         <p:spPr>
           <a:xfrm>
-            <a:off x="3714744" y="142852"/>
-            <a:ext cx="1643074" cy="214314"/>
+            <a:off x="4077571" y="187240"/>
+            <a:ext cx="1779997" cy="214314"/>
           </a:xfrm>
           <a:prstGeom prst="flowChartTerminator">
             <a:avLst/>
@@ -19475,14 +20202,14 @@
       </p:sp>
       <p:sp>
         <p:nvSpPr>
-          <p:cNvPr id="30" name="Блок-схема: знак завершения 29"/>
+          <p:cNvPr id="48" name="Блок-схема: знак завершения 47"/>
           <p:cNvSpPr/>
           <p:nvPr/>
         </p:nvSpPr>
         <p:spPr>
           <a:xfrm>
-            <a:off x="3714744" y="500042"/>
-            <a:ext cx="1643074" cy="214314"/>
+            <a:off x="3030127" y="500042"/>
+            <a:ext cx="1779997" cy="214314"/>
           </a:xfrm>
           <a:prstGeom prst="flowChartTerminator">
             <a:avLst/>
@@ -19542,14 +20269,14 @@
       </p:sp>
       <p:sp>
         <p:nvSpPr>
-          <p:cNvPr id="31" name="Блок-схема: знак завершения 30"/>
+          <p:cNvPr id="49" name="Блок-схема: знак завершения 48"/>
           <p:cNvSpPr/>
           <p:nvPr/>
         </p:nvSpPr>
         <p:spPr>
           <a:xfrm>
-            <a:off x="5715008" y="500042"/>
-            <a:ext cx="1643074" cy="214314"/>
+            <a:off x="5095876" y="500042"/>
+            <a:ext cx="1779997" cy="214314"/>
           </a:xfrm>
           <a:prstGeom prst="flowChartTerminator">
             <a:avLst/>
@@ -19602,17 +20329,14 @@
       </p:sp>
       <p:cxnSp>
         <p:nvCxnSpPr>
-          <p:cNvPr id="32" name="Shape 31"/>
-          <p:cNvCxnSpPr>
-            <a:stCxn id="28" idx="0"/>
-            <a:endCxn id="29" idx="1"/>
-          </p:cNvCxnSpPr>
+          <p:cNvPr id="50" name="Shape 49"/>
+          <p:cNvCxnSpPr/>
           <p:nvPr/>
         </p:nvCxnSpPr>
         <p:spPr>
           <a:xfrm rot="5400000" flipH="1" flipV="1">
-            <a:off x="3000364" y="-214337"/>
-            <a:ext cx="250033" cy="1178727"/>
+            <a:off x="2860175" y="-726023"/>
+            <a:ext cx="205645" cy="2229147"/>
           </a:xfrm>
           <a:prstGeom prst="curvedConnector2">
             <a:avLst/>
@@ -19621,7 +20345,8 @@
             <a:solidFill>
               <a:schemeClr val="tx1"/>
             </a:solidFill>
-            <a:tailEnd type="arrow"/>
+            <a:headEnd type="stealth"/>
+            <a:tailEnd type="stealth"/>
           </a:ln>
         </p:spPr>
         <p:style>
@@ -19641,17 +20366,17 @@
       </p:cxnSp>
       <p:cxnSp>
         <p:nvCxnSpPr>
-          <p:cNvPr id="33" name="Скругленная соединительная линия 32"/>
+          <p:cNvPr id="51" name="Скругленная соединительная линия 50"/>
           <p:cNvCxnSpPr>
-            <a:stCxn id="28" idx="3"/>
-            <a:endCxn id="30" idx="1"/>
+            <a:stCxn id="46" idx="3"/>
+            <a:endCxn id="48" idx="1"/>
           </p:cNvCxnSpPr>
           <p:nvPr/>
         </p:nvCxnSpPr>
         <p:spPr>
           <a:xfrm>
-            <a:off x="3357554" y="607199"/>
-            <a:ext cx="357190" cy="1588"/>
+            <a:off x="2738422" y="607199"/>
+            <a:ext cx="291705" cy="1588"/>
           </a:xfrm>
           <a:prstGeom prst="curvedConnector3">
             <a:avLst>
@@ -19662,7 +20387,7 @@
             <a:solidFill>
               <a:schemeClr val="tx1"/>
             </a:solidFill>
-            <a:tailEnd type="arrow"/>
+            <a:tailEnd type="stealth"/>
           </a:ln>
         </p:spPr>
         <p:style>
@@ -19682,17 +20407,17 @@
       </p:cxnSp>
       <p:cxnSp>
         <p:nvCxnSpPr>
-          <p:cNvPr id="34" name="Скругленная соединительная линия 33"/>
+          <p:cNvPr id="52" name="Скругленная соединительная линия 51"/>
           <p:cNvCxnSpPr>
-            <a:stCxn id="30" idx="3"/>
-            <a:endCxn id="31" idx="1"/>
+            <a:stCxn id="48" idx="3"/>
+            <a:endCxn id="49" idx="1"/>
           </p:cNvCxnSpPr>
           <p:nvPr/>
         </p:nvCxnSpPr>
         <p:spPr>
           <a:xfrm>
-            <a:off x="5357818" y="607199"/>
-            <a:ext cx="357190" cy="1588"/>
+            <a:off x="4810124" y="607199"/>
+            <a:ext cx="285752" cy="1588"/>
           </a:xfrm>
           <a:prstGeom prst="curvedConnector3">
             <a:avLst>
@@ -19703,7 +20428,7 @@
             <a:solidFill>
               <a:schemeClr val="tx1"/>
             </a:solidFill>
-            <a:tailEnd type="arrow"/>
+            <a:tailEnd type="stealth"/>
           </a:ln>
         </p:spPr>
         <p:style>
@@ -19723,17 +20448,152 @@
       </p:cxnSp>
       <p:cxnSp>
         <p:nvCxnSpPr>
-          <p:cNvPr id="35" name="Shape 20"/>
-          <p:cNvCxnSpPr>
-            <a:stCxn id="30" idx="0"/>
-            <a:endCxn id="29" idx="2"/>
-          </p:cNvCxnSpPr>
+          <p:cNvPr id="53" name="Shape 20"/>
+          <p:cNvCxnSpPr/>
           <p:nvPr/>
         </p:nvCxnSpPr>
         <p:spPr>
           <a:xfrm rot="5400000" flipH="1" flipV="1">
-            <a:off x="4464843" y="428604"/>
-            <a:ext cx="142876" cy="1588"/>
+            <a:off x="3936498" y="332124"/>
+            <a:ext cx="142876" cy="175620"/>
+          </a:xfrm>
+          <a:prstGeom prst="curvedConnector2">
+            <a:avLst/>
+          </a:prstGeom>
+          <a:ln>
+            <a:solidFill>
+              <a:schemeClr val="tx1"/>
+            </a:solidFill>
+            <a:headEnd type="stealth"/>
+            <a:tailEnd type="stealth"/>
+          </a:ln>
+        </p:spPr>
+        <p:style>
+          <a:lnRef idx="1">
+            <a:schemeClr val="accent1"/>
+          </a:lnRef>
+          <a:fillRef idx="0">
+            <a:schemeClr val="accent1"/>
+          </a:fillRef>
+          <a:effectRef idx="0">
+            <a:schemeClr val="accent1"/>
+          </a:effectRef>
+          <a:fontRef idx="minor">
+            <a:schemeClr val="tx1"/>
+          </a:fontRef>
+        </p:style>
+      </p:cxnSp>
+      <p:cxnSp>
+        <p:nvCxnSpPr>
+          <p:cNvPr id="54" name="Shape 53"/>
+          <p:cNvCxnSpPr/>
+          <p:nvPr/>
+        </p:nvCxnSpPr>
+        <p:spPr>
+          <a:xfrm rot="16200000" flipV="1">
+            <a:off x="5826628" y="332124"/>
+            <a:ext cx="142876" cy="175619"/>
+          </a:xfrm>
+          <a:prstGeom prst="curvedConnector2">
+            <a:avLst/>
+          </a:prstGeom>
+          <a:ln>
+            <a:solidFill>
+              <a:schemeClr val="tx1"/>
+            </a:solidFill>
+            <a:headEnd type="stealth"/>
+            <a:tailEnd type="stealth"/>
+          </a:ln>
+        </p:spPr>
+        <p:style>
+          <a:lnRef idx="1">
+            <a:schemeClr val="accent1"/>
+          </a:lnRef>
+          <a:fillRef idx="0">
+            <a:schemeClr val="accent1"/>
+          </a:fillRef>
+          <a:effectRef idx="0">
+            <a:schemeClr val="accent1"/>
+          </a:effectRef>
+          <a:fontRef idx="minor">
+            <a:schemeClr val="tx1"/>
+          </a:fontRef>
+        </p:style>
+      </p:cxnSp>
+      <p:sp>
+        <p:nvSpPr>
+          <p:cNvPr id="55" name="Блок-схема: знак завершения 54"/>
+          <p:cNvSpPr/>
+          <p:nvPr/>
+        </p:nvSpPr>
+        <p:spPr>
+          <a:xfrm>
+            <a:off x="7167578" y="500042"/>
+            <a:ext cx="1779997" cy="214314"/>
+          </a:xfrm>
+          <a:prstGeom prst="flowChartTerminator">
+            <a:avLst/>
+          </a:prstGeom>
+          <a:solidFill>
+            <a:schemeClr val="bg1"/>
+          </a:solidFill>
+          <a:ln>
+            <a:solidFill>
+              <a:schemeClr val="tx1"/>
+            </a:solidFill>
+          </a:ln>
+        </p:spPr>
+        <p:style>
+          <a:lnRef idx="2">
+            <a:schemeClr val="accent1">
+              <a:shade val="50000"/>
+            </a:schemeClr>
+          </a:lnRef>
+          <a:fillRef idx="1">
+            <a:schemeClr val="accent1"/>
+          </a:fillRef>
+          <a:effectRef idx="0">
+            <a:schemeClr val="accent1"/>
+          </a:effectRef>
+          <a:fontRef idx="minor">
+            <a:schemeClr val="lt1"/>
+          </a:fontRef>
+        </p:style>
+        <p:txBody>
+          <a:bodyPr rtlCol="0" anchor="ctr"/>
+          <a:lstStyle/>
+          <a:p>
+            <a:pPr algn="ctr"/>
+            <a:r>
+              <a:rPr lang="ru-RU" sz="1200" dirty="0" smtClean="0">
+                <a:solidFill>
+                  <a:schemeClr val="tx1"/>
+                </a:solidFill>
+                <a:latin typeface="Times New Roman" pitchFamily="18" charset="0"/>
+                <a:cs typeface="Times New Roman" pitchFamily="18" charset="0"/>
+              </a:rPr>
+              <a:t>Финализация</a:t>
+            </a:r>
+            <a:endParaRPr lang="ru-RU" sz="1200" dirty="0" smtClean="0">
+              <a:solidFill>
+                <a:schemeClr val="tx1"/>
+              </a:solidFill>
+              <a:latin typeface="Times New Roman" pitchFamily="18" charset="0"/>
+              <a:cs typeface="Times New Roman" pitchFamily="18" charset="0"/>
+            </a:endParaRPr>
+          </a:p>
+        </p:txBody>
+      </p:sp>
+      <p:cxnSp>
+        <p:nvCxnSpPr>
+          <p:cNvPr id="56" name="Скругленная соединительная линия 55"/>
+          <p:cNvCxnSpPr/>
+          <p:nvPr/>
+        </p:nvCxnSpPr>
+        <p:spPr>
+          <a:xfrm>
+            <a:off x="6871547" y="612997"/>
+            <a:ext cx="285752" cy="1588"/>
           </a:xfrm>
           <a:prstGeom prst="curvedConnector3">
             <a:avLst>
@@ -19744,7 +20604,7 @@
             <a:solidFill>
               <a:schemeClr val="tx1"/>
             </a:solidFill>
-            <a:tailEnd type="arrow"/>
+            <a:tailEnd type="stealth"/>
           </a:ln>
         </p:spPr>
         <p:style>
@@ -19764,17 +20624,17 @@
       </p:cxnSp>
       <p:cxnSp>
         <p:nvCxnSpPr>
-          <p:cNvPr id="36" name="Shape 35"/>
+          <p:cNvPr id="57" name="Shape 56"/>
           <p:cNvCxnSpPr>
-            <a:stCxn id="31" idx="0"/>
-            <a:endCxn id="29" idx="3"/>
+            <a:stCxn id="47" idx="3"/>
+            <a:endCxn id="55" idx="0"/>
           </p:cNvCxnSpPr>
           <p:nvPr/>
         </p:nvCxnSpPr>
         <p:spPr>
-          <a:xfrm rot="16200000" flipV="1">
-            <a:off x="5822166" y="-214338"/>
-            <a:ext cx="250033" cy="1178727"/>
+          <a:xfrm>
+            <a:off x="5857568" y="294397"/>
+            <a:ext cx="2200009" cy="205645"/>
           </a:xfrm>
           <a:prstGeom prst="curvedConnector2">
             <a:avLst/>
@@ -19783,7 +20643,7 @@
             <a:solidFill>
               <a:schemeClr val="tx1"/>
             </a:solidFill>
-            <a:tailEnd type="arrow"/>
+            <a:tailEnd type="stealth"/>
           </a:ln>
         </p:spPr>
         <p:style>
@@ -19801,30 +20661,6 @@
           </a:fontRef>
         </p:style>
       </p:cxnSp>
-      <p:sp>
-        <p:nvSpPr>
-          <p:cNvPr id="19" name="Номер слайда 18"/>
-          <p:cNvSpPr>
-            <a:spLocks noGrp="1"/>
-          </p:cNvSpPr>
-          <p:nvPr>
-            <p:ph type="sldNum" sz="quarter" idx="12"/>
-          </p:nvPr>
-        </p:nvSpPr>
-        <p:spPr/>
-        <p:txBody>
-          <a:bodyPr/>
-          <a:lstStyle/>
-          <a:p>
-            <a:fld id="{F2BB55FB-146C-47F1-A3F4-E5E9F11C5D2A}" type="slidenum">
-              <a:rPr lang="ru-RU" smtClean="0"/>
-              <a:pPr/>
-              <a:t>8</a:t>
-            </a:fld>
-            <a:endParaRPr lang="ru-RU"/>
-          </a:p>
-        </p:txBody>
-      </p:sp>
     </p:spTree>
   </p:cSld>
   <p:clrMapOvr>
@@ -19870,7 +20706,7 @@
         <p:spPr>
           <a:xfrm>
             <a:off x="0" y="857232"/>
-            <a:ext cx="9144000" cy="500058"/>
+            <a:ext cx="9906000" cy="500058"/>
           </a:xfrm>
         </p:spPr>
         <p:txBody>
@@ -19910,8 +20746,8 @@
         </p:blipFill>
         <p:spPr bwMode="auto">
           <a:xfrm>
-            <a:off x="928662" y="2357430"/>
-            <a:ext cx="2305050" cy="3067050"/>
+            <a:off x="1006050" y="2357430"/>
+            <a:ext cx="2497138" cy="3067050"/>
           </a:xfrm>
           <a:prstGeom prst="rect">
             <a:avLst/>
@@ -19936,8 +20772,8 @@
         </p:blipFill>
         <p:spPr bwMode="auto">
           <a:xfrm>
-            <a:off x="6064053" y="1357297"/>
-            <a:ext cx="1805329" cy="5390379"/>
+            <a:off x="6569391" y="1357298"/>
+            <a:ext cx="1955773" cy="5390379"/>
           </a:xfrm>
           <a:prstGeom prst="rect">
             <a:avLst/>
@@ -19953,7 +20789,7 @@
         </p:nvSpPr>
         <p:spPr>
           <a:xfrm>
-            <a:off x="3857620" y="3000372"/>
+            <a:off x="4179089" y="3000372"/>
             <a:ext cx="1455463" cy="369332"/>
           </a:xfrm>
           <a:prstGeom prst="rect">
@@ -19983,7 +20819,7 @@
         </p:nvSpPr>
         <p:spPr>
           <a:xfrm>
-            <a:off x="3929058" y="3500438"/>
+            <a:off x="4256480" y="3500438"/>
             <a:ext cx="1287147" cy="369332"/>
           </a:xfrm>
           <a:prstGeom prst="rect">
@@ -20013,8 +20849,8 @@
         </p:nvSpPr>
         <p:spPr>
           <a:xfrm rot="10800000">
-            <a:off x="3369395" y="2997488"/>
-            <a:ext cx="357190" cy="331471"/>
+            <a:off x="3650178" y="2997489"/>
+            <a:ext cx="386956" cy="331471"/>
           </a:xfrm>
           <a:prstGeom prst="rightArrow">
             <a:avLst/>
@@ -20053,8 +20889,8 @@
         </p:nvSpPr>
         <p:spPr>
           <a:xfrm>
-            <a:off x="5357515" y="3531462"/>
-            <a:ext cx="357190" cy="331471"/>
+            <a:off x="5803975" y="3531462"/>
+            <a:ext cx="386956" cy="331471"/>
           </a:xfrm>
           <a:prstGeom prst="rightArrow">
             <a:avLst/>
@@ -20087,14 +20923,38 @@
       </p:sp>
       <p:sp>
         <p:nvSpPr>
-          <p:cNvPr id="22" name="Блок-схема: знак завершения 21"/>
+          <p:cNvPr id="18" name="Номер слайда 17"/>
+          <p:cNvSpPr>
+            <a:spLocks noGrp="1"/>
+          </p:cNvSpPr>
+          <p:nvPr>
+            <p:ph type="sldNum" sz="quarter" idx="12"/>
+          </p:nvPr>
+        </p:nvSpPr>
+        <p:spPr/>
+        <p:txBody>
+          <a:bodyPr/>
+          <a:lstStyle/>
+          <a:p>
+            <a:fld id="{F2BB55FB-146C-47F1-A3F4-E5E9F11C5D2A}" type="slidenum">
+              <a:rPr lang="ru-RU" smtClean="0"/>
+              <a:pPr/>
+              <a:t>9</a:t>
+            </a:fld>
+            <a:endParaRPr lang="ru-RU"/>
+          </a:p>
+        </p:txBody>
+      </p:sp>
+      <p:sp>
+        <p:nvSpPr>
+          <p:cNvPr id="19" name="Блок-схема: знак завершения 18"/>
           <p:cNvSpPr/>
           <p:nvPr/>
         </p:nvSpPr>
         <p:spPr>
           <a:xfrm>
-            <a:off x="1714480" y="500042"/>
-            <a:ext cx="1643074" cy="214314"/>
+            <a:off x="958425" y="500042"/>
+            <a:ext cx="1779997" cy="214314"/>
           </a:xfrm>
           <a:prstGeom prst="flowChartTerminator">
             <a:avLst/>
@@ -20142,14 +21002,14 @@
       </p:sp>
       <p:sp>
         <p:nvSpPr>
-          <p:cNvPr id="24" name="Блок-схема: знак завершения 23"/>
+          <p:cNvPr id="20" name="Блок-схема: знак завершения 19"/>
           <p:cNvSpPr/>
           <p:nvPr/>
         </p:nvSpPr>
         <p:spPr>
           <a:xfrm>
-            <a:off x="3714744" y="142852"/>
-            <a:ext cx="1643074" cy="214314"/>
+            <a:off x="4077571" y="187240"/>
+            <a:ext cx="1779997" cy="214314"/>
           </a:xfrm>
           <a:prstGeom prst="flowChartTerminator">
             <a:avLst/>
@@ -20199,14 +21059,14 @@
       </p:sp>
       <p:sp>
         <p:nvSpPr>
-          <p:cNvPr id="26" name="Блок-схема: знак завершения 25"/>
+          <p:cNvPr id="21" name="Блок-схема: знак завершения 20"/>
           <p:cNvSpPr/>
           <p:nvPr/>
         </p:nvSpPr>
         <p:spPr>
           <a:xfrm>
-            <a:off x="3714744" y="500042"/>
-            <a:ext cx="1643074" cy="214314"/>
+            <a:off x="3030127" y="500042"/>
+            <a:ext cx="1779997" cy="214314"/>
           </a:xfrm>
           <a:prstGeom prst="flowChartTerminator">
             <a:avLst/>
@@ -20266,14 +21126,14 @@
       </p:sp>
       <p:sp>
         <p:nvSpPr>
-          <p:cNvPr id="27" name="Блок-схема: знак завершения 26"/>
+          <p:cNvPr id="23" name="Блок-схема: знак завершения 22"/>
           <p:cNvSpPr/>
           <p:nvPr/>
         </p:nvSpPr>
         <p:spPr>
           <a:xfrm>
-            <a:off x="5715008" y="500042"/>
-            <a:ext cx="1643074" cy="214314"/>
+            <a:off x="5095876" y="500042"/>
+            <a:ext cx="1779997" cy="214314"/>
           </a:xfrm>
           <a:prstGeom prst="flowChartTerminator">
             <a:avLst/>
@@ -20326,17 +21186,17 @@
       </p:sp>
       <p:cxnSp>
         <p:nvCxnSpPr>
-          <p:cNvPr id="32" name="Shape 31"/>
+          <p:cNvPr id="25" name="Shape 24"/>
           <p:cNvCxnSpPr>
-            <a:stCxn id="22" idx="0"/>
-            <a:endCxn id="24" idx="1"/>
+            <a:stCxn id="19" idx="0"/>
+            <a:endCxn id="20" idx="1"/>
           </p:cNvCxnSpPr>
           <p:nvPr/>
         </p:nvCxnSpPr>
         <p:spPr>
           <a:xfrm rot="5400000" flipH="1" flipV="1">
-            <a:off x="3000364" y="-214337"/>
-            <a:ext cx="250033" cy="1178727"/>
+            <a:off x="2860175" y="-717353"/>
+            <a:ext cx="205645" cy="2229147"/>
           </a:xfrm>
           <a:prstGeom prst="curvedConnector2">
             <a:avLst/>
@@ -20345,7 +21205,8 @@
             <a:solidFill>
               <a:schemeClr val="tx1"/>
             </a:solidFill>
-            <a:tailEnd type="arrow"/>
+            <a:headEnd type="stealth"/>
+            <a:tailEnd type="stealth"/>
           </a:ln>
         </p:spPr>
         <p:style>
@@ -20365,17 +21226,17 @@
       </p:cxnSp>
       <p:cxnSp>
         <p:nvCxnSpPr>
-          <p:cNvPr id="33" name="Скругленная соединительная линия 32"/>
+          <p:cNvPr id="37" name="Скругленная соединительная линия 36"/>
           <p:cNvCxnSpPr>
-            <a:stCxn id="22" idx="3"/>
-            <a:endCxn id="26" idx="1"/>
+            <a:stCxn id="19" idx="3"/>
+            <a:endCxn id="21" idx="1"/>
           </p:cNvCxnSpPr>
           <p:nvPr/>
         </p:nvCxnSpPr>
         <p:spPr>
           <a:xfrm>
-            <a:off x="3357554" y="607199"/>
-            <a:ext cx="357190" cy="1588"/>
+            <a:off x="2738422" y="607199"/>
+            <a:ext cx="291705" cy="1588"/>
           </a:xfrm>
           <a:prstGeom prst="curvedConnector3">
             <a:avLst>
@@ -20386,7 +21247,7 @@
             <a:solidFill>
               <a:schemeClr val="tx1"/>
             </a:solidFill>
-            <a:tailEnd type="arrow"/>
+            <a:tailEnd type="stealth"/>
           </a:ln>
         </p:spPr>
         <p:style>
@@ -20406,17 +21267,17 @@
       </p:cxnSp>
       <p:cxnSp>
         <p:nvCxnSpPr>
-          <p:cNvPr id="34" name="Скругленная соединительная линия 33"/>
+          <p:cNvPr id="38" name="Скругленная соединительная линия 37"/>
           <p:cNvCxnSpPr>
-            <a:stCxn id="26" idx="3"/>
-            <a:endCxn id="27" idx="1"/>
+            <a:stCxn id="21" idx="3"/>
+            <a:endCxn id="23" idx="1"/>
           </p:cNvCxnSpPr>
           <p:nvPr/>
         </p:nvCxnSpPr>
         <p:spPr>
           <a:xfrm>
-            <a:off x="5357818" y="607199"/>
-            <a:ext cx="357190" cy="1588"/>
+            <a:off x="4810124" y="607199"/>
+            <a:ext cx="285752" cy="1588"/>
           </a:xfrm>
           <a:prstGeom prst="curvedConnector3">
             <a:avLst>
@@ -20427,7 +21288,7 @@
             <a:solidFill>
               <a:schemeClr val="tx1"/>
             </a:solidFill>
-            <a:tailEnd type="arrow"/>
+            <a:tailEnd type="stealth"/>
           </a:ln>
         </p:spPr>
         <p:style>
@@ -20447,17 +21308,156 @@
       </p:cxnSp>
       <p:cxnSp>
         <p:nvCxnSpPr>
-          <p:cNvPr id="35" name="Shape 20"/>
+          <p:cNvPr id="39" name="Shape 20"/>
           <p:cNvCxnSpPr>
-            <a:stCxn id="26" idx="0"/>
-            <a:endCxn id="24" idx="2"/>
+            <a:stCxn id="21" idx="0"/>
           </p:cNvCxnSpPr>
           <p:nvPr/>
         </p:nvCxnSpPr>
         <p:spPr>
           <a:xfrm rot="5400000" flipH="1" flipV="1">
-            <a:off x="4464843" y="428604"/>
-            <a:ext cx="142876" cy="1588"/>
+            <a:off x="3936498" y="340794"/>
+            <a:ext cx="142876" cy="175620"/>
+          </a:xfrm>
+          <a:prstGeom prst="curvedConnector2">
+            <a:avLst/>
+          </a:prstGeom>
+          <a:ln>
+            <a:solidFill>
+              <a:schemeClr val="tx1"/>
+            </a:solidFill>
+            <a:headEnd type="stealth"/>
+            <a:tailEnd type="stealth"/>
+          </a:ln>
+        </p:spPr>
+        <p:style>
+          <a:lnRef idx="1">
+            <a:schemeClr val="accent1"/>
+          </a:lnRef>
+          <a:fillRef idx="0">
+            <a:schemeClr val="accent1"/>
+          </a:fillRef>
+          <a:effectRef idx="0">
+            <a:schemeClr val="accent1"/>
+          </a:effectRef>
+          <a:fontRef idx="minor">
+            <a:schemeClr val="tx1"/>
+          </a:fontRef>
+        </p:style>
+      </p:cxnSp>
+      <p:cxnSp>
+        <p:nvCxnSpPr>
+          <p:cNvPr id="40" name="Shape 39"/>
+          <p:cNvCxnSpPr>
+            <a:stCxn id="23" idx="0"/>
+          </p:cNvCxnSpPr>
+          <p:nvPr/>
+        </p:nvCxnSpPr>
+        <p:spPr>
+          <a:xfrm rot="16200000" flipV="1">
+            <a:off x="5826628" y="340794"/>
+            <a:ext cx="142876" cy="175619"/>
+          </a:xfrm>
+          <a:prstGeom prst="curvedConnector2">
+            <a:avLst/>
+          </a:prstGeom>
+          <a:ln>
+            <a:solidFill>
+              <a:schemeClr val="tx1"/>
+            </a:solidFill>
+            <a:headEnd type="stealth"/>
+            <a:tailEnd type="stealth"/>
+          </a:ln>
+        </p:spPr>
+        <p:style>
+          <a:lnRef idx="1">
+            <a:schemeClr val="accent1"/>
+          </a:lnRef>
+          <a:fillRef idx="0">
+            <a:schemeClr val="accent1"/>
+          </a:fillRef>
+          <a:effectRef idx="0">
+            <a:schemeClr val="accent1"/>
+          </a:effectRef>
+          <a:fontRef idx="minor">
+            <a:schemeClr val="tx1"/>
+          </a:fontRef>
+        </p:style>
+      </p:cxnSp>
+      <p:sp>
+        <p:nvSpPr>
+          <p:cNvPr id="41" name="Блок-схема: знак завершения 40"/>
+          <p:cNvSpPr/>
+          <p:nvPr/>
+        </p:nvSpPr>
+        <p:spPr>
+          <a:xfrm>
+            <a:off x="7167578" y="500042"/>
+            <a:ext cx="1779997" cy="214314"/>
+          </a:xfrm>
+          <a:prstGeom prst="flowChartTerminator">
+            <a:avLst/>
+          </a:prstGeom>
+          <a:solidFill>
+            <a:schemeClr val="bg1"/>
+          </a:solidFill>
+          <a:ln>
+            <a:solidFill>
+              <a:schemeClr val="tx1"/>
+            </a:solidFill>
+          </a:ln>
+        </p:spPr>
+        <p:style>
+          <a:lnRef idx="2">
+            <a:schemeClr val="accent1">
+              <a:shade val="50000"/>
+            </a:schemeClr>
+          </a:lnRef>
+          <a:fillRef idx="1">
+            <a:schemeClr val="accent1"/>
+          </a:fillRef>
+          <a:effectRef idx="0">
+            <a:schemeClr val="accent1"/>
+          </a:effectRef>
+          <a:fontRef idx="minor">
+            <a:schemeClr val="lt1"/>
+          </a:fontRef>
+        </p:style>
+        <p:txBody>
+          <a:bodyPr rtlCol="0" anchor="ctr"/>
+          <a:lstStyle/>
+          <a:p>
+            <a:pPr algn="ctr"/>
+            <a:r>
+              <a:rPr lang="ru-RU" sz="1200" dirty="0" smtClean="0">
+                <a:solidFill>
+                  <a:schemeClr val="tx1"/>
+                </a:solidFill>
+                <a:latin typeface="Times New Roman" pitchFamily="18" charset="0"/>
+                <a:cs typeface="Times New Roman" pitchFamily="18" charset="0"/>
+              </a:rPr>
+              <a:t>Финализация</a:t>
+            </a:r>
+            <a:endParaRPr lang="ru-RU" sz="1200" dirty="0" smtClean="0">
+              <a:solidFill>
+                <a:schemeClr val="tx1"/>
+              </a:solidFill>
+              <a:latin typeface="Times New Roman" pitchFamily="18" charset="0"/>
+              <a:cs typeface="Times New Roman" pitchFamily="18" charset="0"/>
+            </a:endParaRPr>
+          </a:p>
+        </p:txBody>
+      </p:sp>
+      <p:cxnSp>
+        <p:nvCxnSpPr>
+          <p:cNvPr id="42" name="Скругленная соединительная линия 41"/>
+          <p:cNvCxnSpPr/>
+          <p:nvPr/>
+        </p:nvCxnSpPr>
+        <p:spPr>
+          <a:xfrm>
+            <a:off x="6871547" y="612997"/>
+            <a:ext cx="285752" cy="1588"/>
           </a:xfrm>
           <a:prstGeom prst="curvedConnector3">
             <a:avLst>
@@ -20468,7 +21468,7 @@
             <a:solidFill>
               <a:schemeClr val="tx1"/>
             </a:solidFill>
-            <a:tailEnd type="arrow"/>
+            <a:tailEnd type="stealth"/>
           </a:ln>
         </p:spPr>
         <p:style>
@@ -20488,17 +21488,17 @@
       </p:cxnSp>
       <p:cxnSp>
         <p:nvCxnSpPr>
-          <p:cNvPr id="36" name="Shape 35"/>
+          <p:cNvPr id="43" name="Shape 42"/>
           <p:cNvCxnSpPr>
-            <a:stCxn id="27" idx="0"/>
-            <a:endCxn id="24" idx="3"/>
+            <a:stCxn id="20" idx="3"/>
+            <a:endCxn id="41" idx="0"/>
           </p:cNvCxnSpPr>
           <p:nvPr/>
         </p:nvCxnSpPr>
         <p:spPr>
-          <a:xfrm rot="16200000" flipV="1">
-            <a:off x="5822166" y="-214338"/>
-            <a:ext cx="250033" cy="1178727"/>
+          <a:xfrm>
+            <a:off x="5857568" y="294397"/>
+            <a:ext cx="2200009" cy="205645"/>
           </a:xfrm>
           <a:prstGeom prst="curvedConnector2">
             <a:avLst/>
@@ -20507,7 +21507,7 @@
             <a:solidFill>
               <a:schemeClr val="tx1"/>
             </a:solidFill>
-            <a:tailEnd type="arrow"/>
+            <a:tailEnd type="stealth"/>
           </a:ln>
         </p:spPr>
         <p:style>
@@ -20525,30 +21525,6 @@
           </a:fontRef>
         </p:style>
       </p:cxnSp>
-      <p:sp>
-        <p:nvSpPr>
-          <p:cNvPr id="18" name="Номер слайда 17"/>
-          <p:cNvSpPr>
-            <a:spLocks noGrp="1"/>
-          </p:cNvSpPr>
-          <p:nvPr>
-            <p:ph type="sldNum" sz="quarter" idx="12"/>
-          </p:nvPr>
-        </p:nvSpPr>
-        <p:spPr/>
-        <p:txBody>
-          <a:bodyPr/>
-          <a:lstStyle/>
-          <a:p>
-            <a:fld id="{F2BB55FB-146C-47F1-A3F4-E5E9F11C5D2A}" type="slidenum">
-              <a:rPr lang="ru-RU" smtClean="0"/>
-              <a:pPr/>
-              <a:t>9</a:t>
-            </a:fld>
-            <a:endParaRPr lang="ru-RU"/>
-          </a:p>
-        </p:txBody>
-      </p:sp>
     </p:spTree>
   </p:cSld>
   <p:clrMapOvr>

--- a/presentation/presentation.pptx
+++ b/presentation/presentation.pptx
@@ -238,7 +238,7 @@
             <a:fld id="{17F83A53-07E1-410B-A130-824697CEF0E2}" type="datetimeFigureOut">
               <a:rPr lang="ru-RU" smtClean="0"/>
               <a:pPr/>
-              <a:t>16.12.2012</a:t>
+              <a:t>17.12.2012</a:t>
             </a:fld>
             <a:endParaRPr lang="ru-RU"/>
           </a:p>
@@ -686,7 +686,7 @@
             <a:fld id="{7B34AB1C-0CB6-4F71-89BD-6E94B1330EE5}" type="datetime1">
               <a:rPr lang="ru-RU" smtClean="0"/>
               <a:pPr/>
-              <a:t>16.12.2012</a:t>
+              <a:t>17.12.2012</a:t>
             </a:fld>
             <a:endParaRPr lang="ru-RU"/>
           </a:p>
@@ -853,7 +853,7 @@
             <a:fld id="{E180FF08-8716-4607-97CD-3F379815EC5D}" type="datetime1">
               <a:rPr lang="ru-RU" smtClean="0"/>
               <a:pPr/>
-              <a:t>16.12.2012</a:t>
+              <a:t>17.12.2012</a:t>
             </a:fld>
             <a:endParaRPr lang="ru-RU"/>
           </a:p>
@@ -1030,7 +1030,7 @@
             <a:fld id="{4E53B7B3-3B5A-4AE9-A29D-32904DCA5D7E}" type="datetime1">
               <a:rPr lang="ru-RU" smtClean="0"/>
               <a:pPr/>
-              <a:t>16.12.2012</a:t>
+              <a:t>17.12.2012</a:t>
             </a:fld>
             <a:endParaRPr lang="ru-RU"/>
           </a:p>
@@ -1197,7 +1197,7 @@
             <a:fld id="{082BD208-2EA8-4FF3-9DCE-3F8EE9FD2A6D}" type="datetime1">
               <a:rPr lang="ru-RU" smtClean="0"/>
               <a:pPr/>
-              <a:t>16.12.2012</a:t>
+              <a:t>17.12.2012</a:t>
             </a:fld>
             <a:endParaRPr lang="ru-RU"/>
           </a:p>
@@ -1440,7 +1440,7 @@
             <a:fld id="{545DEBF3-06C8-460D-B60F-2B1532DC06CD}" type="datetime1">
               <a:rPr lang="ru-RU" smtClean="0"/>
               <a:pPr/>
-              <a:t>16.12.2012</a:t>
+              <a:t>17.12.2012</a:t>
             </a:fld>
             <a:endParaRPr lang="ru-RU"/>
           </a:p>
@@ -1725,7 +1725,7 @@
             <a:fld id="{C319E8EA-56DA-4DEA-8F24-03BC71CAAAB6}" type="datetime1">
               <a:rPr lang="ru-RU" smtClean="0"/>
               <a:pPr/>
-              <a:t>16.12.2012</a:t>
+              <a:t>17.12.2012</a:t>
             </a:fld>
             <a:endParaRPr lang="ru-RU"/>
           </a:p>
@@ -2144,7 +2144,7 @@
             <a:fld id="{B8CE4146-832C-4DC0-BF86-DF30A89552EB}" type="datetime1">
               <a:rPr lang="ru-RU" smtClean="0"/>
               <a:pPr/>
-              <a:t>16.12.2012</a:t>
+              <a:t>17.12.2012</a:t>
             </a:fld>
             <a:endParaRPr lang="ru-RU"/>
           </a:p>
@@ -2259,7 +2259,7 @@
             <a:fld id="{E77D6130-6907-4A1F-ABAB-B9BC1E3F861A}" type="datetime1">
               <a:rPr lang="ru-RU" smtClean="0"/>
               <a:pPr/>
-              <a:t>16.12.2012</a:t>
+              <a:t>17.12.2012</a:t>
             </a:fld>
             <a:endParaRPr lang="ru-RU"/>
           </a:p>
@@ -2351,7 +2351,7 @@
             <a:fld id="{F8803C6C-2672-4D10-A299-743E6C5D95E7}" type="datetime1">
               <a:rPr lang="ru-RU" smtClean="0"/>
               <a:pPr/>
-              <a:t>16.12.2012</a:t>
+              <a:t>17.12.2012</a:t>
             </a:fld>
             <a:endParaRPr lang="ru-RU"/>
           </a:p>
@@ -2625,7 +2625,7 @@
             <a:fld id="{0289A89F-8577-4155-9745-548F20E0BDEF}" type="datetime1">
               <a:rPr lang="ru-RU" smtClean="0"/>
               <a:pPr/>
-              <a:t>16.12.2012</a:t>
+              <a:t>17.12.2012</a:t>
             </a:fld>
             <a:endParaRPr lang="ru-RU"/>
           </a:p>
@@ -2875,7 +2875,7 @@
             <a:fld id="{17978719-3950-4A1C-B2C1-C5BA02C20FE2}" type="datetime1">
               <a:rPr lang="ru-RU" smtClean="0"/>
               <a:pPr/>
-              <a:t>16.12.2012</a:t>
+              <a:t>17.12.2012</a:t>
             </a:fld>
             <a:endParaRPr lang="ru-RU"/>
           </a:p>
@@ -3085,7 +3085,7 @@
             <a:fld id="{98C5D19F-A4BA-4AB1-94EA-22128BDD664D}" type="datetime1">
               <a:rPr lang="ru-RU" smtClean="0"/>
               <a:pPr/>
-              <a:t>16.12.2012</a:t>
+              <a:t>17.12.2012</a:t>
             </a:fld>
             <a:endParaRPr lang="ru-RU"/>
           </a:p>
@@ -3680,21 +3680,7 @@
                 <a:latin typeface="Times New Roman" pitchFamily="18" charset="0"/>
                 <a:cs typeface="Times New Roman" pitchFamily="18" charset="0"/>
               </a:rPr>
-              <a:t>Руководитель: </a:t>
-            </a:r>
-            <a:r>
-              <a:rPr lang="ru-RU" dirty="0" smtClean="0">
-                <a:latin typeface="Times New Roman" pitchFamily="18" charset="0"/>
-                <a:cs typeface="Times New Roman" pitchFamily="18" charset="0"/>
-              </a:rPr>
-              <a:t>доц.каф.304, </a:t>
-            </a:r>
-            <a:r>
-              <a:rPr lang="ru-RU" dirty="0" smtClean="0">
-                <a:latin typeface="Times New Roman" pitchFamily="18" charset="0"/>
-                <a:cs typeface="Times New Roman" pitchFamily="18" charset="0"/>
-              </a:rPr>
-              <a:t>к. т. н. Новиков П.В.</a:t>
+              <a:t>Руководитель: доц.каф.304, к. т. н. Новиков П.В.</a:t>
             </a:r>
             <a:r>
               <a:rPr lang="ru-RU" dirty="0" smtClean="0"/>
@@ -3764,7 +3750,7 @@
         </p:nvSpPr>
         <p:spPr>
           <a:xfrm>
-            <a:off x="4101698" y="6357958"/>
+            <a:off x="4238620" y="6357958"/>
             <a:ext cx="1448025" cy="369332"/>
           </a:xfrm>
           <a:prstGeom prst="rect">
@@ -3783,14 +3769,7 @@
                 <a:latin typeface="Times New Roman" pitchFamily="18" charset="0"/>
                 <a:cs typeface="Times New Roman" pitchFamily="18" charset="0"/>
               </a:rPr>
-              <a:t>Москва </a:t>
-            </a:r>
-            <a:r>
-              <a:rPr lang="ru-RU" dirty="0" smtClean="0">
-                <a:latin typeface="Times New Roman" pitchFamily="18" charset="0"/>
-                <a:cs typeface="Times New Roman" pitchFamily="18" charset="0"/>
-              </a:rPr>
-              <a:t>2012</a:t>
+              <a:t>Москва 2012</a:t>
             </a:r>
             <a:endParaRPr lang="ru-RU" dirty="0">
               <a:latin typeface="Times New Roman" pitchFamily="18" charset="0"/>
@@ -3852,13 +3831,8 @@
             <a:pPr algn="ctr"/>
             <a:r>
               <a:rPr lang="ru-RU" sz="1400" dirty="0" smtClean="0"/>
-              <a:t>(национальный исследовательский университет)» </a:t>
-            </a:r>
-            <a:r>
-              <a:rPr lang="ru-RU" sz="1400" dirty="0" smtClean="0"/>
-              <a:t>МАИ </a:t>
-            </a:r>
-            <a:endParaRPr lang="ru-RU" sz="1400" dirty="0" smtClean="0"/>
+              <a:t>(национальный исследовательский университет)» МАИ </a:t>
+            </a:r>
           </a:p>
           <a:p>
             <a:endParaRPr lang="ru-RU" dirty="0"/>
@@ -3933,32 +3907,6 @@
           </a:p>
         </p:txBody>
       </p:sp>
-      <p:pic>
-        <p:nvPicPr>
-          <p:cNvPr id="30722" name="Picture 2" descr="C:\Documents and Settings\User\diplom_report\algor\tableRecord.png"/>
-          <p:cNvPicPr>
-            <a:picLocks noChangeAspect="1" noChangeArrowheads="1"/>
-          </p:cNvPicPr>
-          <p:nvPr/>
-        </p:nvPicPr>
-        <p:blipFill>
-          <a:blip r:embed="rId2" cstate="print"/>
-          <a:srcRect/>
-          <a:stretch>
-            <a:fillRect/>
-          </a:stretch>
-        </p:blipFill>
-        <p:spPr bwMode="auto">
-          <a:xfrm>
-            <a:off x="1547789" y="1428736"/>
-            <a:ext cx="7098159" cy="5214974"/>
-          </a:xfrm>
-          <a:prstGeom prst="rect">
-            <a:avLst/>
-          </a:prstGeom>
-          <a:noFill/>
-        </p:spPr>
-      </p:pic>
       <p:sp>
         <p:nvSpPr>
           <p:cNvPr id="22" name="TextBox 21"/>
@@ -3967,7 +3915,7 @@
         </p:nvSpPr>
         <p:spPr>
           <a:xfrm>
-            <a:off x="6500823" y="1857364"/>
+            <a:off x="6453198" y="3786190"/>
             <a:ext cx="1584216" cy="369332"/>
           </a:xfrm>
           <a:prstGeom prst="rect">
@@ -4506,13 +4454,6 @@
               </a:rPr>
               <a:t>Финализация</a:t>
             </a:r>
-            <a:endParaRPr lang="ru-RU" sz="1200" dirty="0" smtClean="0">
-              <a:solidFill>
-                <a:schemeClr val="tx1"/>
-              </a:solidFill>
-              <a:latin typeface="Times New Roman" pitchFamily="18" charset="0"/>
-              <a:cs typeface="Times New Roman" pitchFamily="18" charset="0"/>
-            </a:endParaRPr>
           </a:p>
         </p:txBody>
       </p:sp>
@@ -4593,6 +4534,32 @@
           </a:fontRef>
         </p:style>
       </p:cxnSp>
+      <p:pic>
+        <p:nvPicPr>
+          <p:cNvPr id="1026" name="Picture 2" descr="C:\Users\nwcfang\diplom_report\algor\tableRecord-new.png"/>
+          <p:cNvPicPr>
+            <a:picLocks noChangeAspect="1" noChangeArrowheads="1"/>
+          </p:cNvPicPr>
+          <p:nvPr/>
+        </p:nvPicPr>
+        <p:blipFill>
+          <a:blip r:embed="rId2" cstate="print"/>
+          <a:srcRect/>
+          <a:stretch>
+            <a:fillRect/>
+          </a:stretch>
+        </p:blipFill>
+        <p:spPr bwMode="auto">
+          <a:xfrm>
+            <a:off x="809596" y="1428736"/>
+            <a:ext cx="5628470" cy="5178642"/>
+          </a:xfrm>
+          <a:prstGeom prst="rect">
+            <a:avLst/>
+          </a:prstGeom>
+          <a:noFill/>
+        </p:spPr>
+      </p:pic>
     </p:spTree>
   </p:cSld>
   <p:clrMapOvr>
@@ -8337,10 +8304,6 @@
               </a:rPr>
               <a:t>Освещение</a:t>
             </a:r>
-            <a:endParaRPr lang="ru-RU" dirty="0" smtClean="0">
-              <a:latin typeface="Times New Roman" pitchFamily="18" charset="0"/>
-              <a:cs typeface="Times New Roman" pitchFamily="18" charset="0"/>
-            </a:endParaRPr>
           </a:p>
           <a:p>
             <a:pPr marL="3175" lvl="1">
@@ -8352,19 +8315,8 @@
                 <a:latin typeface="Times New Roman" pitchFamily="18" charset="0"/>
                 <a:cs typeface="Times New Roman" pitchFamily="18" charset="0"/>
               </a:rPr>
-              <a:t> </a:t>
-            </a:r>
-            <a:r>
-              <a:rPr lang="ru-RU" dirty="0" smtClean="0">
-                <a:latin typeface="Times New Roman" pitchFamily="18" charset="0"/>
-                <a:cs typeface="Times New Roman" pitchFamily="18" charset="0"/>
-              </a:rPr>
-              <a:t>Микроклимат</a:t>
-            </a:r>
-            <a:endParaRPr lang="ru-RU" dirty="0" smtClean="0">
-              <a:latin typeface="Times New Roman" pitchFamily="18" charset="0"/>
-              <a:cs typeface="Times New Roman" pitchFamily="18" charset="0"/>
-            </a:endParaRPr>
+              <a:t> Микроклимат</a:t>
+            </a:r>
           </a:p>
           <a:p>
             <a:pPr marL="3175" lvl="1">
@@ -8376,19 +8328,8 @@
                 <a:latin typeface="Times New Roman" pitchFamily="18" charset="0"/>
                 <a:cs typeface="Times New Roman" pitchFamily="18" charset="0"/>
               </a:rPr>
-              <a:t> </a:t>
-            </a:r>
-            <a:r>
-              <a:rPr lang="ru-RU" dirty="0" smtClean="0">
-                <a:latin typeface="Times New Roman" pitchFamily="18" charset="0"/>
-                <a:cs typeface="Times New Roman" pitchFamily="18" charset="0"/>
-              </a:rPr>
-              <a:t>Визуальных параметры устройства отображения информации</a:t>
-            </a:r>
-            <a:endParaRPr lang="ru-RU" dirty="0" smtClean="0">
-              <a:latin typeface="Times New Roman" pitchFamily="18" charset="0"/>
-              <a:cs typeface="Times New Roman" pitchFamily="18" charset="0"/>
-            </a:endParaRPr>
+              <a:t> Визуальных параметры устройства отображения информации</a:t>
+            </a:r>
           </a:p>
         </p:txBody>
       </p:sp>
@@ -9793,17 +9734,7 @@
                 <a:latin typeface="Times New Roman" pitchFamily="18" charset="0"/>
                 <a:cs typeface="Times New Roman" pitchFamily="18" charset="0"/>
               </a:rPr>
-              <a:t>Причины, </a:t>
-            </a:r>
-            <a:r>
-              <a:rPr lang="ru-RU" sz="2000" b="1" dirty="0" smtClean="0">
-                <a:solidFill>
-                  <a:schemeClr val="tx2"/>
-                </a:solidFill>
-                <a:latin typeface="Times New Roman" pitchFamily="18" charset="0"/>
-                <a:cs typeface="Times New Roman" pitchFamily="18" charset="0"/>
-              </a:rPr>
-              <a:t>по которым была выбрана именно эта модель</a:t>
+              <a:t>Причины, по которым была выбрана именно эта модель</a:t>
             </a:r>
             <a:r>
               <a:rPr lang="en-US" sz="2000" b="1" dirty="0" smtClean="0">
@@ -10074,7 +10005,7 @@
           <p:nvPr/>
         </p:nvGraphicFramePr>
         <p:xfrm>
-          <a:off x="464312" y="3500438"/>
+          <a:off x="380968" y="3143248"/>
           <a:ext cx="2863473" cy="1285884"/>
         </p:xfrm>
         <a:graphic>
@@ -10271,32 +10202,6 @@
           </a:graphicData>
         </a:graphic>
       </p:graphicFrame>
-      <p:pic>
-        <p:nvPicPr>
-          <p:cNvPr id="15363" name="Picture 3" descr="C:\Users\nwcfang\diplom_report\algor\init2.png"/>
-          <p:cNvPicPr>
-            <a:picLocks noChangeAspect="1" noChangeArrowheads="1"/>
-          </p:cNvPicPr>
-          <p:nvPr/>
-        </p:nvPicPr>
-        <p:blipFill>
-          <a:blip r:embed="rId2" cstate="print"/>
-          <a:srcRect/>
-          <a:stretch>
-            <a:fillRect/>
-          </a:stretch>
-        </p:blipFill>
-        <p:spPr bwMode="auto">
-          <a:xfrm>
-            <a:off x="4256479" y="1357298"/>
-            <a:ext cx="5030426" cy="5381788"/>
-          </a:xfrm>
-          <a:prstGeom prst="rect">
-            <a:avLst/>
-          </a:prstGeom>
-          <a:noFill/>
-        </p:spPr>
-      </p:pic>
       <p:graphicFrame>
         <p:nvGraphicFramePr>
           <p:cNvPr id="12" name="Таблица 11"/>
@@ -10306,7 +10211,7 @@
           <p:nvPr/>
         </p:nvGraphicFramePr>
         <p:xfrm>
-          <a:off x="464313" y="1844990"/>
+          <a:off x="380968" y="1428736"/>
           <a:ext cx="4333905" cy="1226820"/>
         </p:xfrm>
         <a:graphic>
@@ -12005,13 +11910,6 @@
               </a:rPr>
               <a:t>Финализация</a:t>
             </a:r>
-            <a:endParaRPr lang="ru-RU" sz="1200" dirty="0" smtClean="0">
-              <a:solidFill>
-                <a:schemeClr val="tx1"/>
-              </a:solidFill>
-              <a:latin typeface="Times New Roman" pitchFamily="18" charset="0"/>
-              <a:cs typeface="Times New Roman" pitchFamily="18" charset="0"/>
-            </a:endParaRPr>
           </a:p>
         </p:txBody>
       </p:sp>
@@ -12092,6 +11990,32 @@
           </a:fontRef>
         </p:style>
       </p:cxnSp>
+      <p:pic>
+        <p:nvPicPr>
+          <p:cNvPr id="1027" name="Picture 3" descr="C:\Users\nwcfang\diplom_report\algor\init.png"/>
+          <p:cNvPicPr>
+            <a:picLocks noChangeAspect="1" noChangeArrowheads="1"/>
+          </p:cNvPicPr>
+          <p:nvPr/>
+        </p:nvPicPr>
+        <p:blipFill>
+          <a:blip r:embed="rId2" cstate="print"/>
+          <a:srcRect/>
+          <a:stretch>
+            <a:fillRect/>
+          </a:stretch>
+        </p:blipFill>
+        <p:spPr bwMode="auto">
+          <a:xfrm>
+            <a:off x="4167182" y="1385094"/>
+            <a:ext cx="5313974" cy="5187178"/>
+          </a:xfrm>
+          <a:prstGeom prst="rect">
+            <a:avLst/>
+          </a:prstGeom>
+          <a:noFill/>
+        </p:spPr>
+      </p:pic>
     </p:spTree>
   </p:cSld>
   <p:clrMapOvr>
@@ -12712,21 +12636,7 @@
                 <a:latin typeface="Times New Roman" pitchFamily="18" charset="0"/>
                 <a:cs typeface="Times New Roman" pitchFamily="18" charset="0"/>
               </a:rPr>
-              <a:t>говорит о том, </a:t>
-            </a:r>
-            <a:r>
-              <a:rPr lang="ru-RU" sz="1400" dirty="0" smtClean="0">
-                <a:latin typeface="Times New Roman" pitchFamily="18" charset="0"/>
-                <a:cs typeface="Times New Roman" pitchFamily="18" charset="0"/>
-              </a:rPr>
-              <a:t>что в случае, </a:t>
-            </a:r>
-            <a:r>
-              <a:rPr lang="ru-RU" sz="1400" dirty="0" smtClean="0">
-                <a:latin typeface="Times New Roman" pitchFamily="18" charset="0"/>
-                <a:cs typeface="Times New Roman" pitchFamily="18" charset="0"/>
-              </a:rPr>
-              <a:t>если параметр</a:t>
+              <a:t>говорит о том, что в случае, если параметр</a:t>
             </a:r>
           </a:p>
           <a:p>
@@ -14028,13 +13938,6 @@
               </a:rPr>
               <a:t>Финализация</a:t>
             </a:r>
-            <a:endParaRPr lang="ru-RU" sz="1200" dirty="0" smtClean="0">
-              <a:solidFill>
-                <a:schemeClr val="tx1"/>
-              </a:solidFill>
-              <a:latin typeface="Times New Roman" pitchFamily="18" charset="0"/>
-              <a:cs typeface="Times New Roman" pitchFamily="18" charset="0"/>
-            </a:endParaRPr>
           </a:p>
         </p:txBody>
       </p:sp>
@@ -14767,13 +14670,6 @@
               </a:rPr>
               <a:t>Финализация</a:t>
             </a:r>
-            <a:endParaRPr lang="ru-RU" sz="1200" dirty="0" smtClean="0">
-              <a:solidFill>
-                <a:schemeClr val="tx1"/>
-              </a:solidFill>
-              <a:latin typeface="Times New Roman" pitchFamily="18" charset="0"/>
-              <a:cs typeface="Times New Roman" pitchFamily="18" charset="0"/>
-            </a:endParaRPr>
           </a:p>
         </p:txBody>
       </p:sp>
@@ -15161,28 +15057,7 @@
                 <a:latin typeface="Times New Roman" pitchFamily="18" charset="0"/>
                 <a:cs typeface="Times New Roman" pitchFamily="18" charset="0"/>
               </a:rPr>
-              <a:t>Функция производит </a:t>
-            </a:r>
-            <a:r>
-              <a:rPr lang="ru-RU" sz="1400" dirty="0" smtClean="0">
-                <a:latin typeface="Times New Roman" pitchFamily="18" charset="0"/>
-                <a:cs typeface="Times New Roman" pitchFamily="18" charset="0"/>
-              </a:rPr>
-              <a:t>а</a:t>
-            </a:r>
-            <a:r>
-              <a:rPr lang="ru-RU" sz="1400" dirty="0" smtClean="0">
-                <a:latin typeface="Times New Roman" pitchFamily="18" charset="0"/>
-                <a:cs typeface="Times New Roman" pitchFamily="18" charset="0"/>
-              </a:rPr>
-              <a:t>варийное завершение работы приложения и </a:t>
-            </a:r>
-            <a:r>
-              <a:rPr lang="ru-RU" sz="1400" dirty="0" smtClean="0">
-                <a:latin typeface="Times New Roman" pitchFamily="18" charset="0"/>
-                <a:cs typeface="Times New Roman" pitchFamily="18" charset="0"/>
-              </a:rPr>
-              <a:t>выводит в поток ошибок сообщение </a:t>
+              <a:t>Функция производит аварийное завершение работы приложения и выводит в поток ошибок сообщение </a:t>
             </a:r>
             <a:r>
               <a:rPr lang="en-US" sz="1400" b="1" dirty="0" err="1" smtClean="0">
@@ -15947,21 +15822,7 @@
                           <a:latin typeface="Times New Roman" pitchFamily="18" charset="0"/>
                           <a:cs typeface="Times New Roman" pitchFamily="18" charset="0"/>
                         </a:rPr>
-                        <a:t>невозможно привести запрошенный параметр к тому типу </a:t>
-                      </a:r>
-                      <a:r>
-                        <a:rPr lang="ru-RU" sz="1000" dirty="0" smtClean="0">
-                          <a:latin typeface="Times New Roman" pitchFamily="18" charset="0"/>
-                          <a:cs typeface="Times New Roman" pitchFamily="18" charset="0"/>
-                        </a:rPr>
-                        <a:t>данных, </a:t>
-                      </a:r>
-                      <a:r>
-                        <a:rPr lang="ru-RU" sz="1000" dirty="0" smtClean="0">
-                          <a:latin typeface="Times New Roman" pitchFamily="18" charset="0"/>
-                          <a:cs typeface="Times New Roman" pitchFamily="18" charset="0"/>
-                        </a:rPr>
-                        <a:t>в котором его запросили </a:t>
+                        <a:t>невозможно привести запрошенный параметр к тому типу данных, в котором его запросили </a:t>
                       </a:r>
                       <a:endParaRPr lang="ru-RU" sz="1000" b="0" dirty="0">
                         <a:solidFill>
@@ -17332,13 +17193,6 @@
               </a:rPr>
               <a:t>Финализация</a:t>
             </a:r>
-            <a:endParaRPr lang="ru-RU" sz="1200" dirty="0" smtClean="0">
-              <a:solidFill>
-                <a:schemeClr val="tx1"/>
-              </a:solidFill>
-              <a:latin typeface="Times New Roman" pitchFamily="18" charset="0"/>
-              <a:cs typeface="Times New Roman" pitchFamily="18" charset="0"/>
-            </a:endParaRPr>
           </a:p>
         </p:txBody>
       </p:sp>
@@ -20574,13 +20428,6 @@
               </a:rPr>
               <a:t>Финализация</a:t>
             </a:r>
-            <a:endParaRPr lang="ru-RU" sz="1200" dirty="0" smtClean="0">
-              <a:solidFill>
-                <a:schemeClr val="tx1"/>
-              </a:solidFill>
-              <a:latin typeface="Times New Roman" pitchFamily="18" charset="0"/>
-              <a:cs typeface="Times New Roman" pitchFamily="18" charset="0"/>
-            </a:endParaRPr>
           </a:p>
         </p:txBody>
       </p:sp>
@@ -21438,13 +21285,6 @@
               </a:rPr>
               <a:t>Финализация</a:t>
             </a:r>
-            <a:endParaRPr lang="ru-RU" sz="1200" dirty="0" smtClean="0">
-              <a:solidFill>
-                <a:schemeClr val="tx1"/>
-              </a:solidFill>
-              <a:latin typeface="Times New Roman" pitchFamily="18" charset="0"/>
-              <a:cs typeface="Times New Roman" pitchFamily="18" charset="0"/>
-            </a:endParaRPr>
           </a:p>
         </p:txBody>
       </p:sp>

--- a/presentation/presentation.pptx
+++ b/presentation/presentation.pptx
@@ -131,28 +131,6 @@
 <p:cmAuthorLst xmlns:a="http://schemas.openxmlformats.org/drawingml/2006/main" xmlns:r="http://schemas.openxmlformats.org/officeDocument/2006/relationships" xmlns:p="http://schemas.openxmlformats.org/presentationml/2006/main">
   <p:cmAuthor id="0" name="nwcfang" initials="n" lastIdx="3" clrIdx="0"/>
 </p:cmAuthorLst>
-</file>
-
-<file path=ppt/comments/comment1.xml><?xml version="1.0" encoding="utf-8"?>
-<p:cmLst xmlns:a="http://schemas.openxmlformats.org/drawingml/2006/main" xmlns:r="http://schemas.openxmlformats.org/officeDocument/2006/relationships" xmlns:p="http://schemas.openxmlformats.org/presentationml/2006/main">
-  <p:cm authorId="0" dt="2012-12-14T03:02:00.374" idx="2">
-    <p:pos x="1441" y="3214"/>
-    <p:text>добавить последнюю строчку</p:text>
-  </p:cm>
-</p:cmLst>
-</file>
-
-<file path=ppt/comments/comment2.xml><?xml version="1.0" encoding="utf-8"?>
-<p:cmLst xmlns:a="http://schemas.openxmlformats.org/drawingml/2006/main" xmlns:r="http://schemas.openxmlformats.org/officeDocument/2006/relationships" xmlns:p="http://schemas.openxmlformats.org/presentationml/2006/main">
-  <p:cm authorId="0" dt="2012-12-14T03:01:43.877" idx="1">
-    <p:pos x="391" y="2976"/>
-    <p:text>добавить последнюю строчку</p:text>
-  </p:cm>
-  <p:cm authorId="0" dt="2012-12-14T03:02:51.368" idx="3">
-    <p:pos x="3782" y="3453"/>
-    <p:text>Правильно?</p:text>
-  </p:cm>
-</p:cmLst>
 </file>
 
 <file path=ppt/notesMasters/notesMaster1.xml><?xml version="1.0" encoding="utf-8"?>
@@ -4897,7 +4875,7 @@
         </p:nvSpPr>
         <p:spPr>
           <a:xfrm>
-            <a:off x="6330022" y="5643578"/>
+            <a:off x="6310322" y="5429264"/>
             <a:ext cx="3313728" cy="369332"/>
           </a:xfrm>
           <a:prstGeom prst="rect">
@@ -4967,6 +4945,80 @@
           <a:ln cmpd="dbl">
             <a:solidFill>
               <a:schemeClr val="tx1"/>
+            </a:solidFill>
+          </a:ln>
+        </p:spPr>
+        <p:style>
+          <a:lnRef idx="2">
+            <a:schemeClr val="accent1">
+              <a:shade val="50000"/>
+            </a:schemeClr>
+          </a:lnRef>
+          <a:fillRef idx="1">
+            <a:schemeClr val="accent1"/>
+          </a:fillRef>
+          <a:effectRef idx="0">
+            <a:schemeClr val="accent1"/>
+          </a:effectRef>
+          <a:fontRef idx="minor">
+            <a:schemeClr val="lt1"/>
+          </a:fontRef>
+        </p:style>
+        <p:txBody>
+          <a:bodyPr rtlCol="0" anchor="ctr"/>
+          <a:lstStyle/>
+          <a:p>
+            <a:pPr algn="ctr"/>
+            <a:endParaRPr lang="ru-RU"/>
+          </a:p>
+        </p:txBody>
+      </p:sp>
+      <p:pic>
+        <p:nvPicPr>
+          <p:cNvPr id="1026" name="Picture 2" descr="C:\Documents and Settings\User\diplom_report\chistovik\pass-rs.png"/>
+          <p:cNvPicPr>
+            <a:picLocks noChangeAspect="1" noChangeArrowheads="1"/>
+          </p:cNvPicPr>
+          <p:nvPr/>
+        </p:nvPicPr>
+        <p:blipFill>
+          <a:blip r:embed="rId3" cstate="print"/>
+          <a:srcRect/>
+          <a:stretch>
+            <a:fillRect/>
+          </a:stretch>
+        </p:blipFill>
+        <p:spPr bwMode="auto">
+          <a:xfrm>
+            <a:off x="223903" y="4662488"/>
+            <a:ext cx="3705160" cy="217758"/>
+          </a:xfrm>
+          <a:prstGeom prst="rect">
+            <a:avLst/>
+          </a:prstGeom>
+          <a:noFill/>
+        </p:spPr>
+      </p:pic>
+      <p:sp>
+        <p:nvSpPr>
+          <p:cNvPr id="8" name="Прямоугольник 7"/>
+          <p:cNvSpPr/>
+          <p:nvPr/>
+        </p:nvSpPr>
+        <p:spPr>
+          <a:xfrm>
+            <a:off x="185704" y="4662496"/>
+            <a:ext cx="71438" cy="285752"/>
+          </a:xfrm>
+          <a:prstGeom prst="rect">
+            <a:avLst/>
+          </a:prstGeom>
+          <a:solidFill>
+            <a:schemeClr val="bg1"/>
+          </a:solidFill>
+          <a:ln>
+            <a:solidFill>
+              <a:schemeClr val="bg1"/>
             </a:solidFill>
           </a:ln>
         </p:spPr>

--- a/presentation/presentation.pptx
+++ b/presentation/presentation.pptx
@@ -4990,8 +4990,8 @@
         </p:blipFill>
         <p:spPr bwMode="auto">
           <a:xfrm>
-            <a:off x="223903" y="4662488"/>
-            <a:ext cx="3705160" cy="217758"/>
+            <a:off x="205430" y="4653251"/>
+            <a:ext cx="3756970" cy="217758"/>
           </a:xfrm>
           <a:prstGeom prst="rect">
             <a:avLst/>
@@ -5006,9 +5006,9 @@
           <p:nvPr/>
         </p:nvSpPr>
         <p:spPr>
-          <a:xfrm>
-            <a:off x="185704" y="4662496"/>
-            <a:ext cx="71438" cy="285752"/>
+          <a:xfrm flipH="1">
+            <a:off x="193356" y="4629149"/>
+            <a:ext cx="45719" cy="285752"/>
           </a:xfrm>
           <a:prstGeom prst="rect">
             <a:avLst/>
